--- a/Curso/Fundamentos de impressão 3D - Objetos.pptx
+++ b/Curso/Fundamentos de impressão 3D - Objetos.pptx
@@ -272,7 +272,7 @@
           <a:p>
             <a:fld id="{77E03E06-8C86-48F5-8794-31FA2B737184}" type="datetimeFigureOut">
               <a:rPr lang="en-US" smtClean="0"/>
-              <a:t>11/21/2019</a:t>
+              <a:t>11/23/2019</a:t>
             </a:fld>
             <a:endParaRPr lang="en-US"/>
           </a:p>
@@ -470,7 +470,7 @@
           <a:p>
             <a:fld id="{77E03E06-8C86-48F5-8794-31FA2B737184}" type="datetimeFigureOut">
               <a:rPr lang="en-US" smtClean="0"/>
-              <a:t>11/21/2019</a:t>
+              <a:t>11/23/2019</a:t>
             </a:fld>
             <a:endParaRPr lang="en-US"/>
           </a:p>
@@ -678,7 +678,7 @@
           <a:p>
             <a:fld id="{77E03E06-8C86-48F5-8794-31FA2B737184}" type="datetimeFigureOut">
               <a:rPr lang="en-US" smtClean="0"/>
-              <a:t>11/21/2019</a:t>
+              <a:t>11/23/2019</a:t>
             </a:fld>
             <a:endParaRPr lang="en-US"/>
           </a:p>
@@ -876,7 +876,7 @@
           <a:p>
             <a:fld id="{77E03E06-8C86-48F5-8794-31FA2B737184}" type="datetimeFigureOut">
               <a:rPr lang="en-US" smtClean="0"/>
-              <a:t>11/21/2019</a:t>
+              <a:t>11/23/2019</a:t>
             </a:fld>
             <a:endParaRPr lang="en-US"/>
           </a:p>
@@ -1151,7 +1151,7 @@
           <a:p>
             <a:fld id="{77E03E06-8C86-48F5-8794-31FA2B737184}" type="datetimeFigureOut">
               <a:rPr lang="en-US" smtClean="0"/>
-              <a:t>11/21/2019</a:t>
+              <a:t>11/23/2019</a:t>
             </a:fld>
             <a:endParaRPr lang="en-US"/>
           </a:p>
@@ -1416,7 +1416,7 @@
           <a:p>
             <a:fld id="{77E03E06-8C86-48F5-8794-31FA2B737184}" type="datetimeFigureOut">
               <a:rPr lang="en-US" smtClean="0"/>
-              <a:t>11/21/2019</a:t>
+              <a:t>11/23/2019</a:t>
             </a:fld>
             <a:endParaRPr lang="en-US"/>
           </a:p>
@@ -1828,7 +1828,7 @@
           <a:p>
             <a:fld id="{77E03E06-8C86-48F5-8794-31FA2B737184}" type="datetimeFigureOut">
               <a:rPr lang="en-US" smtClean="0"/>
-              <a:t>11/21/2019</a:t>
+              <a:t>11/23/2019</a:t>
             </a:fld>
             <a:endParaRPr lang="en-US"/>
           </a:p>
@@ -1969,7 +1969,7 @@
           <a:p>
             <a:fld id="{77E03E06-8C86-48F5-8794-31FA2B737184}" type="datetimeFigureOut">
               <a:rPr lang="en-US" smtClean="0"/>
-              <a:t>11/21/2019</a:t>
+              <a:t>11/23/2019</a:t>
             </a:fld>
             <a:endParaRPr lang="en-US"/>
           </a:p>
@@ -2082,7 +2082,7 @@
           <a:p>
             <a:fld id="{77E03E06-8C86-48F5-8794-31FA2B737184}" type="datetimeFigureOut">
               <a:rPr lang="en-US" smtClean="0"/>
-              <a:t>11/21/2019</a:t>
+              <a:t>11/23/2019</a:t>
             </a:fld>
             <a:endParaRPr lang="en-US"/>
           </a:p>
@@ -2393,7 +2393,7 @@
           <a:p>
             <a:fld id="{77E03E06-8C86-48F5-8794-31FA2B737184}" type="datetimeFigureOut">
               <a:rPr lang="en-US" smtClean="0"/>
-              <a:t>11/21/2019</a:t>
+              <a:t>11/23/2019</a:t>
             </a:fld>
             <a:endParaRPr lang="en-US"/>
           </a:p>
@@ -2681,7 +2681,7 @@
           <a:p>
             <a:fld id="{77E03E06-8C86-48F5-8794-31FA2B737184}" type="datetimeFigureOut">
               <a:rPr lang="en-US" smtClean="0"/>
-              <a:t>11/21/2019</a:t>
+              <a:t>11/23/2019</a:t>
             </a:fld>
             <a:endParaRPr lang="en-US"/>
           </a:p>
@@ -2922,7 +2922,7 @@
           <a:p>
             <a:fld id="{77E03E06-8C86-48F5-8794-31FA2B737184}" type="datetimeFigureOut">
               <a:rPr lang="en-US" smtClean="0"/>
-              <a:t>11/21/2019</a:t>
+              <a:t>11/23/2019</a:t>
             </a:fld>
             <a:endParaRPr lang="en-US"/>
           </a:p>
@@ -5651,7 +5651,15 @@
             </a:r>
             <a:r>
               <a:rPr lang="en-US" dirty="0"/>
-              <a:t> especial com </a:t>
+              <a:t> </a:t>
+            </a:r>
+            <a:r>
+              <a:rPr lang="en-US" dirty="0" err="1"/>
+              <a:t>espacial</a:t>
+            </a:r>
+            <a:r>
+              <a:rPr lang="en-US" dirty="0"/>
+              <a:t> com </a:t>
             </a:r>
             <a:r>
               <a:rPr lang="en-US" dirty="0" err="1"/>
@@ -5723,7 +5731,15 @@
             </a:r>
             <a:r>
               <a:rPr lang="en-US" dirty="0"/>
-              <a:t> especial, </a:t>
+              <a:t> </a:t>
+            </a:r>
+            <a:r>
+              <a:rPr lang="en-US" dirty="0" err="1"/>
+              <a:t>espacial</a:t>
+            </a:r>
+            <a:r>
+              <a:rPr lang="en-US" dirty="0"/>
+              <a:t>, </a:t>
             </a:r>
             <a:r>
               <a:rPr lang="en-US" dirty="0" err="1"/>

--- a/Curso/Fundamentos de impressão 3D - Objetos.pptx
+++ b/Curso/Fundamentos de impressão 3D - Objetos.pptx
@@ -14,11 +14,16 @@
     <p:sldId id="258" r:id="rId8"/>
     <p:sldId id="259" r:id="rId9"/>
     <p:sldId id="267" r:id="rId10"/>
-    <p:sldId id="263" r:id="rId11"/>
-    <p:sldId id="264" r:id="rId12"/>
-    <p:sldId id="265" r:id="rId13"/>
-    <p:sldId id="269" r:id="rId14"/>
-    <p:sldId id="266" r:id="rId15"/>
+    <p:sldId id="264" r:id="rId11"/>
+    <p:sldId id="269" r:id="rId12"/>
+    <p:sldId id="271" r:id="rId13"/>
+    <p:sldId id="265" r:id="rId14"/>
+    <p:sldId id="270" r:id="rId15"/>
+    <p:sldId id="272" r:id="rId16"/>
+    <p:sldId id="273" r:id="rId17"/>
+    <p:sldId id="275" r:id="rId18"/>
+    <p:sldId id="274" r:id="rId19"/>
+    <p:sldId id="266" r:id="rId20"/>
   </p:sldIdLst>
   <p:sldSz cx="12192000" cy="6858000"/>
   <p:notesSz cx="6858000" cy="9144000"/>
@@ -272,7 +277,7 @@
           <a:p>
             <a:fld id="{77E03E06-8C86-48F5-8794-31FA2B737184}" type="datetimeFigureOut">
               <a:rPr lang="en-US" smtClean="0"/>
-              <a:t>11/23/2019</a:t>
+              <a:t>11/28/2019</a:t>
             </a:fld>
             <a:endParaRPr lang="en-US"/>
           </a:p>
@@ -470,7 +475,7 @@
           <a:p>
             <a:fld id="{77E03E06-8C86-48F5-8794-31FA2B737184}" type="datetimeFigureOut">
               <a:rPr lang="en-US" smtClean="0"/>
-              <a:t>11/23/2019</a:t>
+              <a:t>11/28/2019</a:t>
             </a:fld>
             <a:endParaRPr lang="en-US"/>
           </a:p>
@@ -678,7 +683,7 @@
           <a:p>
             <a:fld id="{77E03E06-8C86-48F5-8794-31FA2B737184}" type="datetimeFigureOut">
               <a:rPr lang="en-US" smtClean="0"/>
-              <a:t>11/23/2019</a:t>
+              <a:t>11/28/2019</a:t>
             </a:fld>
             <a:endParaRPr lang="en-US"/>
           </a:p>
@@ -876,7 +881,7 @@
           <a:p>
             <a:fld id="{77E03E06-8C86-48F5-8794-31FA2B737184}" type="datetimeFigureOut">
               <a:rPr lang="en-US" smtClean="0"/>
-              <a:t>11/23/2019</a:t>
+              <a:t>11/28/2019</a:t>
             </a:fld>
             <a:endParaRPr lang="en-US"/>
           </a:p>
@@ -1151,7 +1156,7 @@
           <a:p>
             <a:fld id="{77E03E06-8C86-48F5-8794-31FA2B737184}" type="datetimeFigureOut">
               <a:rPr lang="en-US" smtClean="0"/>
-              <a:t>11/23/2019</a:t>
+              <a:t>11/28/2019</a:t>
             </a:fld>
             <a:endParaRPr lang="en-US"/>
           </a:p>
@@ -1416,7 +1421,7 @@
           <a:p>
             <a:fld id="{77E03E06-8C86-48F5-8794-31FA2B737184}" type="datetimeFigureOut">
               <a:rPr lang="en-US" smtClean="0"/>
-              <a:t>11/23/2019</a:t>
+              <a:t>11/28/2019</a:t>
             </a:fld>
             <a:endParaRPr lang="en-US"/>
           </a:p>
@@ -1828,7 +1833,7 @@
           <a:p>
             <a:fld id="{77E03E06-8C86-48F5-8794-31FA2B737184}" type="datetimeFigureOut">
               <a:rPr lang="en-US" smtClean="0"/>
-              <a:t>11/23/2019</a:t>
+              <a:t>11/28/2019</a:t>
             </a:fld>
             <a:endParaRPr lang="en-US"/>
           </a:p>
@@ -1969,7 +1974,7 @@
           <a:p>
             <a:fld id="{77E03E06-8C86-48F5-8794-31FA2B737184}" type="datetimeFigureOut">
               <a:rPr lang="en-US" smtClean="0"/>
-              <a:t>11/23/2019</a:t>
+              <a:t>11/28/2019</a:t>
             </a:fld>
             <a:endParaRPr lang="en-US"/>
           </a:p>
@@ -2082,7 +2087,7 @@
           <a:p>
             <a:fld id="{77E03E06-8C86-48F5-8794-31FA2B737184}" type="datetimeFigureOut">
               <a:rPr lang="en-US" smtClean="0"/>
-              <a:t>11/23/2019</a:t>
+              <a:t>11/28/2019</a:t>
             </a:fld>
             <a:endParaRPr lang="en-US"/>
           </a:p>
@@ -2393,7 +2398,7 @@
           <a:p>
             <a:fld id="{77E03E06-8C86-48F5-8794-31FA2B737184}" type="datetimeFigureOut">
               <a:rPr lang="en-US" smtClean="0"/>
-              <a:t>11/23/2019</a:t>
+              <a:t>11/28/2019</a:t>
             </a:fld>
             <a:endParaRPr lang="en-US"/>
           </a:p>
@@ -2681,7 +2686,7 @@
           <a:p>
             <a:fld id="{77E03E06-8C86-48F5-8794-31FA2B737184}" type="datetimeFigureOut">
               <a:rPr lang="en-US" smtClean="0"/>
-              <a:t>11/23/2019</a:t>
+              <a:t>11/28/2019</a:t>
             </a:fld>
             <a:endParaRPr lang="en-US"/>
           </a:p>
@@ -2922,7 +2927,7 @@
           <a:p>
             <a:fld id="{77E03E06-8C86-48F5-8794-31FA2B737184}" type="datetimeFigureOut">
               <a:rPr lang="en-US" smtClean="0"/>
-              <a:t>11/23/2019</a:t>
+              <a:t>11/28/2019</a:t>
             </a:fld>
             <a:endParaRPr lang="en-US"/>
           </a:p>
@@ -3475,160 +3480,6 @@
           <p:cNvPr id="2" name="Title 1">
             <a:extLst>
               <a:ext uri="{FF2B5EF4-FFF2-40B4-BE49-F238E27FC236}">
-                <a16:creationId xmlns:a16="http://schemas.microsoft.com/office/drawing/2014/main" id="{F3BA8975-3343-47A8-9B08-C1F788C56D7F}"/>
-              </a:ext>
-            </a:extLst>
-          </p:cNvPr>
-          <p:cNvSpPr>
-            <a:spLocks noGrp="1"/>
-          </p:cNvSpPr>
-          <p:nvPr>
-            <p:ph type="title"/>
-          </p:nvPr>
-        </p:nvSpPr>
-        <p:spPr>
-          <a:xfrm>
-            <a:off x="838199" y="456312"/>
-            <a:ext cx="10515600" cy="942680"/>
-          </a:xfrm>
-        </p:spPr>
-        <p:txBody>
-          <a:bodyPr>
-            <a:normAutofit/>
-          </a:bodyPr>
-          <a:lstStyle/>
-          <a:p>
-            <a:pPr algn="ctr"/>
-            <a:r>
-              <a:rPr lang="en-US" sz="5200" dirty="0"/>
-              <a:t>TRIÂNGULO</a:t>
-            </a:r>
-          </a:p>
-        </p:txBody>
-      </p:sp>
-      <p:sp>
-        <p:nvSpPr>
-          <p:cNvPr id="3" name="Content Placeholder 2">
-            <a:extLst>
-              <a:ext uri="{FF2B5EF4-FFF2-40B4-BE49-F238E27FC236}">
-                <a16:creationId xmlns:a16="http://schemas.microsoft.com/office/drawing/2014/main" id="{916827ED-4717-40F6-8948-F2C677CA38CE}"/>
-              </a:ext>
-            </a:extLst>
-          </p:cNvPr>
-          <p:cNvSpPr>
-            <a:spLocks noGrp="1"/>
-          </p:cNvSpPr>
-          <p:nvPr>
-            <p:ph idx="1"/>
-          </p:nvPr>
-        </p:nvSpPr>
-        <p:spPr>
-          <a:xfrm>
-            <a:off x="838200" y="927652"/>
-            <a:ext cx="10515600" cy="5561063"/>
-          </a:xfrm>
-        </p:spPr>
-        <p:txBody>
-          <a:bodyPr/>
-          <a:lstStyle/>
-          <a:p>
-            <a:pPr marL="0" indent="0" algn="just">
-              <a:buNone/>
-            </a:pPr>
-            <a:r>
-              <a:rPr lang="en-US" dirty="0"/>
-              <a:t>	</a:t>
-            </a:r>
-          </a:p>
-          <a:p>
-            <a:pPr marL="0" indent="0" algn="just">
-              <a:buNone/>
-            </a:pPr>
-            <a:r>
-              <a:rPr lang="pt-BR" dirty="0"/>
-              <a:t>	Triângulo é um polígono formado por três lados e três ângulos internos. Os vértices de um triângulo são representados por letras maiúsculas e os lados são representados por letras minúsculas.</a:t>
-            </a:r>
-            <a:endParaRPr lang="en-US" dirty="0"/>
-          </a:p>
-          <a:p>
-            <a:pPr marL="0" indent="0" algn="just">
-              <a:buNone/>
-            </a:pPr>
-            <a:endParaRPr lang="en-US" dirty="0"/>
-          </a:p>
-        </p:txBody>
-      </p:sp>
-      <p:pic>
-        <p:nvPicPr>
-          <p:cNvPr id="5" name="Picture 4">
-            <a:extLst>
-              <a:ext uri="{FF2B5EF4-FFF2-40B4-BE49-F238E27FC236}">
-                <a16:creationId xmlns:a16="http://schemas.microsoft.com/office/drawing/2014/main" id="{50A9E3D2-7ADB-48B0-B5FB-8CD04A7609E1}"/>
-              </a:ext>
-            </a:extLst>
-          </p:cNvPr>
-          <p:cNvPicPr>
-            <a:picLocks noChangeAspect="1"/>
-          </p:cNvPicPr>
-          <p:nvPr/>
-        </p:nvPicPr>
-        <p:blipFill>
-          <a:blip r:embed="rId2">
-            <a:extLst>
-              <a:ext uri="{28A0092B-C50C-407E-A947-70E740481C1C}">
-                <a14:useLocalDpi xmlns:a14="http://schemas.microsoft.com/office/drawing/2010/main" val="0"/>
-              </a:ext>
-            </a:extLst>
-          </a:blip>
-          <a:stretch>
-            <a:fillRect/>
-          </a:stretch>
-        </p:blipFill>
-        <p:spPr>
-          <a:xfrm>
-            <a:off x="3571461" y="3163955"/>
-            <a:ext cx="5049078" cy="2885187"/>
-          </a:xfrm>
-          <a:prstGeom prst="rect">
-            <a:avLst/>
-          </a:prstGeom>
-        </p:spPr>
-      </p:pic>
-    </p:spTree>
-    <p:extLst>
-      <p:ext uri="{BB962C8B-B14F-4D97-AF65-F5344CB8AC3E}">
-        <p14:creationId xmlns:p14="http://schemas.microsoft.com/office/powerpoint/2010/main" val="3324047600"/>
-      </p:ext>
-    </p:extLst>
-  </p:cSld>
-  <p:clrMapOvr>
-    <a:masterClrMapping/>
-  </p:clrMapOvr>
-</p:sld>
-</file>
-
-<file path=ppt/slides/slide11.xml><?xml version="1.0" encoding="utf-8"?>
-<p:sld xmlns:a="http://schemas.openxmlformats.org/drawingml/2006/main" xmlns:r="http://schemas.openxmlformats.org/officeDocument/2006/relationships" xmlns:p="http://schemas.openxmlformats.org/presentationml/2006/main">
-  <p:cSld>
-    <p:spTree>
-      <p:nvGrpSpPr>
-        <p:cNvPr id="1" name=""/>
-        <p:cNvGrpSpPr/>
-        <p:nvPr/>
-      </p:nvGrpSpPr>
-      <p:grpSpPr>
-        <a:xfrm>
-          <a:off x="0" y="0"/>
-          <a:ext cx="0" cy="0"/>
-          <a:chOff x="0" y="0"/>
-          <a:chExt cx="0" cy="0"/>
-        </a:xfrm>
-      </p:grpSpPr>
-      <p:sp>
-        <p:nvSpPr>
-          <p:cNvPr id="2" name="Title 1">
-            <a:extLst>
-              <a:ext uri="{FF2B5EF4-FFF2-40B4-BE49-F238E27FC236}">
                 <a16:creationId xmlns:a16="http://schemas.microsoft.com/office/drawing/2014/main" id="{24777F16-1641-4B86-B1DA-28B4AB09C290}"/>
               </a:ext>
             </a:extLst>
@@ -3655,7 +3506,7 @@
             <a:pPr algn="ctr"/>
             <a:r>
               <a:rPr lang="en-US" sz="5200" dirty="0"/>
-              <a:t>TRIÂNGULO NO MATTER CONTROL</a:t>
+              <a:t>PIRÂMIDE NO MATTER CONTROL</a:t>
             </a:r>
           </a:p>
         </p:txBody>
@@ -3716,6 +3567,54 @@
             </a:r>
             <a:r>
               <a:rPr lang="en-US" dirty="0"/>
+              <a:t> </a:t>
+            </a:r>
+            <a:r>
+              <a:rPr lang="en-US" dirty="0" err="1"/>
+              <a:t>uma</a:t>
+            </a:r>
+            <a:r>
+              <a:rPr lang="en-US" dirty="0"/>
+              <a:t> </a:t>
+            </a:r>
+            <a:r>
+              <a:rPr lang="en-US" dirty="0" err="1"/>
+              <a:t>pirâmide</a:t>
+            </a:r>
+            <a:r>
+              <a:rPr lang="en-US" dirty="0"/>
+              <a:t> para o </a:t>
+            </a:r>
+            <a:r>
+              <a:rPr lang="en-US" dirty="0" err="1"/>
+              <a:t>modelo</a:t>
+            </a:r>
+            <a:r>
+              <a:rPr lang="en-US" dirty="0"/>
+              <a:t> digital. O </a:t>
+            </a:r>
+            <a:r>
+              <a:rPr lang="en-US" dirty="0" err="1"/>
+              <a:t>projetista</a:t>
+            </a:r>
+            <a:r>
+              <a:rPr lang="en-US" dirty="0"/>
+              <a:t> </a:t>
+            </a:r>
+            <a:r>
+              <a:rPr lang="en-US" dirty="0" err="1"/>
+              <a:t>pode</a:t>
+            </a:r>
+            <a:r>
+              <a:rPr lang="en-US" dirty="0"/>
+              <a:t> </a:t>
+            </a:r>
+            <a:r>
+              <a:rPr lang="en-US" dirty="0" err="1"/>
+              <a:t>criar</a:t>
+            </a:r>
+            <a:r>
+              <a:rPr lang="en-US" dirty="0"/>
               <a:t> um </a:t>
             </a:r>
             <a:r>
@@ -3724,27 +3623,11 @@
             </a:r>
             <a:r>
               <a:rPr lang="en-US" dirty="0"/>
-              <a:t> para o </a:t>
-            </a:r>
-            <a:r>
-              <a:rPr lang="en-US" dirty="0" err="1"/>
-              <a:t>modelo</a:t>
-            </a:r>
-            <a:r>
-              <a:rPr lang="en-US" dirty="0"/>
-              <a:t> digital. O </a:t>
-            </a:r>
-            <a:r>
-              <a:rPr lang="en-US" dirty="0" err="1"/>
-              <a:t>projetista</a:t>
-            </a:r>
-            <a:r>
-              <a:rPr lang="en-US" dirty="0"/>
               <a:t> </a:t>
             </a:r>
             <a:r>
               <a:rPr lang="en-US" dirty="0" err="1"/>
-              <a:t>pode</a:t>
+              <a:t>apenas</a:t>
             </a:r>
             <a:r>
               <a:rPr lang="en-US" dirty="0"/>
@@ -3752,30 +3635,6 @@
             </a:r>
             <a:r>
               <a:rPr lang="en-US" dirty="0" err="1"/>
-              <a:t>criar</a:t>
-            </a:r>
-            <a:r>
-              <a:rPr lang="en-US" dirty="0"/>
-              <a:t> um </a:t>
-            </a:r>
-            <a:r>
-              <a:rPr lang="en-US" dirty="0" err="1"/>
-              <a:t>triângulo</a:t>
-            </a:r>
-            <a:r>
-              <a:rPr lang="en-US" dirty="0"/>
-              <a:t> </a:t>
-            </a:r>
-            <a:r>
-              <a:rPr lang="en-US" dirty="0" err="1"/>
-              <a:t>apenas</a:t>
-            </a:r>
-            <a:r>
-              <a:rPr lang="en-US" dirty="0"/>
-              <a:t> </a:t>
-            </a:r>
-            <a:r>
-              <a:rPr lang="en-US" dirty="0" err="1"/>
               <a:t>informando</a:t>
             </a:r>
             <a:r>
@@ -3784,7 +3643,7 @@
             </a:r>
             <a:r>
               <a:rPr lang="en-US" dirty="0" err="1"/>
-              <a:t>diâmetro</a:t>
+              <a:t>profundidade</a:t>
             </a:r>
             <a:r>
               <a:rPr lang="en-US" dirty="0"/>
@@ -3858,307 +3717,7 @@
 </p:sld>
 </file>
 
-<file path=ppt/slides/slide12.xml><?xml version="1.0" encoding="utf-8"?>
-<p:sld xmlns:a="http://schemas.openxmlformats.org/drawingml/2006/main" xmlns:r="http://schemas.openxmlformats.org/officeDocument/2006/relationships" xmlns:p="http://schemas.openxmlformats.org/presentationml/2006/main">
-  <p:cSld>
-    <p:spTree>
-      <p:nvGrpSpPr>
-        <p:cNvPr id="1" name=""/>
-        <p:cNvGrpSpPr/>
-        <p:nvPr/>
-      </p:nvGrpSpPr>
-      <p:grpSpPr>
-        <a:xfrm>
-          <a:off x="0" y="0"/>
-          <a:ext cx="0" cy="0"/>
-          <a:chOff x="0" y="0"/>
-          <a:chExt cx="0" cy="0"/>
-        </a:xfrm>
-      </p:grpSpPr>
-      <p:sp>
-        <p:nvSpPr>
-          <p:cNvPr id="2" name="Title 1">
-            <a:extLst>
-              <a:ext uri="{FF2B5EF4-FFF2-40B4-BE49-F238E27FC236}">
-                <a16:creationId xmlns:a16="http://schemas.microsoft.com/office/drawing/2014/main" id="{E5E8D1DA-2D7D-461A-8D8D-7CAF47675C62}"/>
-              </a:ext>
-            </a:extLst>
-          </p:cNvPr>
-          <p:cNvSpPr>
-            <a:spLocks noGrp="1"/>
-          </p:cNvSpPr>
-          <p:nvPr>
-            <p:ph type="title"/>
-          </p:nvPr>
-        </p:nvSpPr>
-        <p:spPr>
-          <a:xfrm>
-            <a:off x="838200" y="463826"/>
-            <a:ext cx="10515600" cy="821632"/>
-          </a:xfrm>
-        </p:spPr>
-        <p:txBody>
-          <a:bodyPr>
-            <a:noAutofit/>
-          </a:bodyPr>
-          <a:lstStyle/>
-          <a:p>
-            <a:pPr algn="ctr"/>
-            <a:r>
-              <a:rPr lang="en-US" sz="5200" dirty="0"/>
-              <a:t>COMO FORMAR UM TRIÂNGULO?</a:t>
-            </a:r>
-          </a:p>
-        </p:txBody>
-      </p:sp>
-      <p:sp>
-        <p:nvSpPr>
-          <p:cNvPr id="3" name="Content Placeholder 2">
-            <a:extLst>
-              <a:ext uri="{FF2B5EF4-FFF2-40B4-BE49-F238E27FC236}">
-                <a16:creationId xmlns:a16="http://schemas.microsoft.com/office/drawing/2014/main" id="{1AD0B689-0C60-4A96-A9F1-5037CE604970}"/>
-              </a:ext>
-            </a:extLst>
-          </p:cNvPr>
-          <p:cNvSpPr>
-            <a:spLocks noGrp="1"/>
-          </p:cNvSpPr>
-          <p:nvPr>
-            <p:ph idx="1"/>
-          </p:nvPr>
-        </p:nvSpPr>
-        <p:spPr>
-          <a:xfrm>
-            <a:off x="838200" y="874642"/>
-            <a:ext cx="10515600" cy="5685183"/>
-          </a:xfrm>
-        </p:spPr>
-        <p:txBody>
-          <a:bodyPr>
-            <a:normAutofit fontScale="92500" lnSpcReduction="10000"/>
-          </a:bodyPr>
-          <a:lstStyle/>
-          <a:p>
-            <a:pPr marL="0" indent="0">
-              <a:buNone/>
-            </a:pPr>
-            <a:r>
-              <a:rPr lang="en-US" dirty="0"/>
-              <a:t>	</a:t>
-            </a:r>
-          </a:p>
-          <a:p>
-            <a:pPr marL="0" indent="0">
-              <a:buNone/>
-            </a:pPr>
-            <a:r>
-              <a:rPr lang="en-US" dirty="0"/>
-              <a:t>	</a:t>
-            </a:r>
-          </a:p>
-          <a:p>
-            <a:pPr marL="0" indent="0">
-              <a:buNone/>
-            </a:pPr>
-            <a:r>
-              <a:rPr lang="en-US" dirty="0"/>
-              <a:t>	Um </a:t>
-            </a:r>
-            <a:r>
-              <a:rPr lang="en-US" dirty="0" err="1"/>
-              <a:t>triângulo</a:t>
-            </a:r>
-            <a:r>
-              <a:rPr lang="en-US" dirty="0"/>
-              <a:t> no </a:t>
-            </a:r>
-            <a:r>
-              <a:rPr lang="en-US" dirty="0" err="1"/>
-              <a:t>MatterControl</a:t>
-            </a:r>
-            <a:r>
-              <a:rPr lang="en-US" dirty="0"/>
-              <a:t> </a:t>
-            </a:r>
-            <a:r>
-              <a:rPr lang="en-US" dirty="0" err="1"/>
-              <a:t>pode</a:t>
-            </a:r>
-            <a:r>
-              <a:rPr lang="en-US" dirty="0"/>
-              <a:t> ser </a:t>
-            </a:r>
-            <a:r>
-              <a:rPr lang="en-US" dirty="0" err="1"/>
-              <a:t>formado</a:t>
-            </a:r>
-            <a:r>
-              <a:rPr lang="en-US" dirty="0"/>
-              <a:t> </a:t>
-            </a:r>
-            <a:r>
-              <a:rPr lang="en-US" dirty="0" err="1"/>
-              <a:t>seguindo</a:t>
-            </a:r>
-            <a:r>
-              <a:rPr lang="en-US" dirty="0"/>
-              <a:t> </a:t>
-            </a:r>
-            <a:r>
-              <a:rPr lang="en-US" dirty="0" err="1"/>
-              <a:t>os</a:t>
-            </a:r>
-            <a:r>
-              <a:rPr lang="en-US" dirty="0"/>
-              <a:t> </a:t>
-            </a:r>
-            <a:r>
-              <a:rPr lang="en-US" dirty="0" err="1"/>
-              <a:t>seguintes</a:t>
-            </a:r>
-            <a:r>
-              <a:rPr lang="en-US" dirty="0"/>
-              <a:t> </a:t>
-            </a:r>
-            <a:r>
-              <a:rPr lang="en-US" dirty="0" err="1"/>
-              <a:t>valores</a:t>
-            </a:r>
-            <a:r>
-              <a:rPr lang="en-US" dirty="0"/>
-              <a:t>:</a:t>
-            </a:r>
-          </a:p>
-          <a:p>
-            <a:pPr marL="0" indent="0">
-              <a:buNone/>
-            </a:pPr>
-            <a:endParaRPr lang="en-US" dirty="0"/>
-          </a:p>
-          <a:p>
-            <a:pPr marL="0" indent="0">
-              <a:buNone/>
-            </a:pPr>
-            <a:endParaRPr lang="en-US" dirty="0"/>
-          </a:p>
-          <a:p>
-            <a:pPr marL="0" indent="0">
-              <a:buNone/>
-            </a:pPr>
-            <a:endParaRPr lang="en-US" dirty="0"/>
-          </a:p>
-          <a:p>
-            <a:pPr marL="0" indent="0">
-              <a:buNone/>
-            </a:pPr>
-            <a:endParaRPr lang="en-US" dirty="0"/>
-          </a:p>
-          <a:p>
-            <a:pPr marL="0" indent="0">
-              <a:buNone/>
-            </a:pPr>
-            <a:endParaRPr lang="en-US" dirty="0"/>
-          </a:p>
-          <a:p>
-            <a:pPr marL="0" indent="0">
-              <a:buNone/>
-            </a:pPr>
-            <a:endParaRPr lang="en-US" dirty="0"/>
-          </a:p>
-          <a:p>
-            <a:pPr marL="0" indent="0">
-              <a:buNone/>
-            </a:pPr>
-            <a:endParaRPr lang="en-US" dirty="0"/>
-          </a:p>
-          <a:p>
-            <a:pPr marL="0" indent="0">
-              <a:buNone/>
-            </a:pPr>
-            <a:endParaRPr lang="en-US" dirty="0"/>
-          </a:p>
-          <a:p>
-            <a:pPr marL="0" indent="0">
-              <a:buNone/>
-            </a:pPr>
-            <a:r>
-              <a:rPr lang="en-US" dirty="0"/>
-              <a:t>depth – </a:t>
-            </a:r>
-            <a:r>
-              <a:rPr lang="en-US" dirty="0" err="1"/>
-              <a:t>profundidade</a:t>
-            </a:r>
-            <a:r>
-              <a:rPr lang="en-US" dirty="0"/>
-              <a:t> , height – </a:t>
-            </a:r>
-            <a:r>
-              <a:rPr lang="en-US" dirty="0" err="1"/>
-              <a:t>altura</a:t>
-            </a:r>
-            <a:r>
-              <a:rPr lang="en-US" dirty="0"/>
-              <a:t>, width - </a:t>
-            </a:r>
-            <a:r>
-              <a:rPr lang="en-US" dirty="0" err="1"/>
-              <a:t>largura</a:t>
-            </a:r>
-            <a:endParaRPr lang="en-US" dirty="0"/>
-          </a:p>
-        </p:txBody>
-      </p:sp>
-      <p:pic>
-        <p:nvPicPr>
-          <p:cNvPr id="5" name="Picture 4">
-            <a:extLst>
-              <a:ext uri="{FF2B5EF4-FFF2-40B4-BE49-F238E27FC236}">
-                <a16:creationId xmlns:a16="http://schemas.microsoft.com/office/drawing/2014/main" id="{49F3A4CA-3416-4782-A605-6C62AD5D35C5}"/>
-              </a:ext>
-            </a:extLst>
-          </p:cNvPr>
-          <p:cNvPicPr>
-            <a:picLocks noChangeAspect="1"/>
-          </p:cNvPicPr>
-          <p:nvPr/>
-        </p:nvPicPr>
-        <p:blipFill>
-          <a:blip r:embed="rId2">
-            <a:extLst>
-              <a:ext uri="{28A0092B-C50C-407E-A947-70E740481C1C}">
-                <a14:useLocalDpi xmlns:a14="http://schemas.microsoft.com/office/drawing/2010/main" val="0"/>
-              </a:ext>
-            </a:extLst>
-          </a:blip>
-          <a:stretch>
-            <a:fillRect/>
-          </a:stretch>
-        </p:blipFill>
-        <p:spPr>
-          <a:xfrm>
-            <a:off x="3252191" y="2901325"/>
-            <a:ext cx="5687618" cy="2591827"/>
-          </a:xfrm>
-          <a:prstGeom prst="rect">
-            <a:avLst/>
-          </a:prstGeom>
-        </p:spPr>
-      </p:pic>
-    </p:spTree>
-    <p:extLst>
-      <p:ext uri="{BB962C8B-B14F-4D97-AF65-F5344CB8AC3E}">
-        <p14:creationId xmlns:p14="http://schemas.microsoft.com/office/powerpoint/2010/main" val="204432156"/>
-      </p:ext>
-    </p:extLst>
-  </p:cSld>
-  <p:clrMapOvr>
-    <a:masterClrMapping/>
-  </p:clrMapOvr>
-</p:sld>
-</file>
-
-<file path=ppt/slides/slide13.xml><?xml version="1.0" encoding="utf-8"?>
+<file path=ppt/slides/slide11.xml><?xml version="1.0" encoding="utf-8"?>
 <p:sld xmlns:a="http://schemas.openxmlformats.org/drawingml/2006/main" xmlns:r="http://schemas.openxmlformats.org/officeDocument/2006/relationships" xmlns:p="http://schemas.openxmlformats.org/presentationml/2006/main">
   <p:cSld>
     <p:spTree>
@@ -4326,7 +3885,1684 @@
 </p:sld>
 </file>
 
+<file path=ppt/slides/slide12.xml><?xml version="1.0" encoding="utf-8"?>
+<p:sld xmlns:a="http://schemas.openxmlformats.org/drawingml/2006/main" xmlns:r="http://schemas.openxmlformats.org/officeDocument/2006/relationships" xmlns:p="http://schemas.openxmlformats.org/presentationml/2006/main">
+  <p:cSld>
+    <p:spTree>
+      <p:nvGrpSpPr>
+        <p:cNvPr id="1" name=""/>
+        <p:cNvGrpSpPr/>
+        <p:nvPr/>
+      </p:nvGrpSpPr>
+      <p:grpSpPr>
+        <a:xfrm>
+          <a:off x="0" y="0"/>
+          <a:ext cx="0" cy="0"/>
+          <a:chOff x="0" y="0"/>
+          <a:chExt cx="0" cy="0"/>
+        </a:xfrm>
+      </p:grpSpPr>
+      <p:sp>
+        <p:nvSpPr>
+          <p:cNvPr id="2" name="Title 1">
+            <a:extLst>
+              <a:ext uri="{FF2B5EF4-FFF2-40B4-BE49-F238E27FC236}">
+                <a16:creationId xmlns:a16="http://schemas.microsoft.com/office/drawing/2014/main" id="{24777F16-1641-4B86-B1DA-28B4AB09C290}"/>
+              </a:ext>
+            </a:extLst>
+          </p:cNvPr>
+          <p:cNvSpPr>
+            <a:spLocks noGrp="1"/>
+          </p:cNvSpPr>
+          <p:nvPr>
+            <p:ph type="title"/>
+          </p:nvPr>
+        </p:nvSpPr>
+        <p:spPr>
+          <a:xfrm>
+            <a:off x="838200" y="463826"/>
+            <a:ext cx="10515600" cy="914400"/>
+          </a:xfrm>
+        </p:spPr>
+        <p:txBody>
+          <a:bodyPr>
+            <a:normAutofit/>
+          </a:bodyPr>
+          <a:lstStyle/>
+          <a:p>
+            <a:pPr algn="ctr"/>
+            <a:r>
+              <a:rPr lang="en-US" sz="5200" dirty="0"/>
+              <a:t>RETÂNGULO NO MATTER CONTROL</a:t>
+            </a:r>
+          </a:p>
+        </p:txBody>
+      </p:sp>
+      <p:sp>
+        <p:nvSpPr>
+          <p:cNvPr id="3" name="Content Placeholder 2">
+            <a:extLst>
+              <a:ext uri="{FF2B5EF4-FFF2-40B4-BE49-F238E27FC236}">
+                <a16:creationId xmlns:a16="http://schemas.microsoft.com/office/drawing/2014/main" id="{9FBEF090-A937-45B5-9B5C-3EE68F05FDE7}"/>
+              </a:ext>
+            </a:extLst>
+          </p:cNvPr>
+          <p:cNvSpPr>
+            <a:spLocks noGrp="1"/>
+          </p:cNvSpPr>
+          <p:nvPr>
+            <p:ph idx="1"/>
+          </p:nvPr>
+        </p:nvSpPr>
+        <p:spPr>
+          <a:xfrm>
+            <a:off x="838200" y="1179443"/>
+            <a:ext cx="10515600" cy="5300870"/>
+          </a:xfrm>
+        </p:spPr>
+        <p:txBody>
+          <a:bodyPr/>
+          <a:lstStyle/>
+          <a:p>
+            <a:pPr marL="0" indent="0" algn="just">
+              <a:buNone/>
+            </a:pPr>
+            <a:r>
+              <a:rPr lang="en-US" dirty="0"/>
+              <a:t>	</a:t>
+            </a:r>
+          </a:p>
+          <a:p>
+            <a:pPr marL="0" indent="0" algn="just">
+              <a:buNone/>
+            </a:pPr>
+            <a:r>
+              <a:rPr lang="en-US" dirty="0"/>
+              <a:t>	</a:t>
+            </a:r>
+            <a:r>
+              <a:rPr lang="pt-BR" dirty="0"/>
+              <a:t>O retângulo é um objeto que não é primitivo no </a:t>
+            </a:r>
+            <a:r>
+              <a:rPr lang="pt-BR" dirty="0" err="1"/>
+              <a:t>MatterControl</a:t>
+            </a:r>
+            <a:r>
+              <a:rPr lang="pt-BR" dirty="0"/>
+              <a:t>, então o projetista precisa criar a partir do conhecimento adquirido no </a:t>
+            </a:r>
+            <a:r>
+              <a:rPr lang="pt-BR" dirty="0" err="1"/>
+              <a:t>MatterControl</a:t>
+            </a:r>
+            <a:r>
+              <a:rPr lang="pt-BR" dirty="0"/>
+              <a:t>.</a:t>
+            </a:r>
+          </a:p>
+          <a:p>
+            <a:pPr marL="0" indent="0" algn="just">
+              <a:buNone/>
+            </a:pPr>
+            <a:endParaRPr lang="pt-BR" dirty="0"/>
+          </a:p>
+          <a:p>
+            <a:pPr marL="0" indent="0" algn="just">
+              <a:buNone/>
+            </a:pPr>
+            <a:endParaRPr lang="en-US" dirty="0"/>
+          </a:p>
+        </p:txBody>
+      </p:sp>
+      <p:pic>
+        <p:nvPicPr>
+          <p:cNvPr id="8" name="Picture 7">
+            <a:extLst>
+              <a:ext uri="{FF2B5EF4-FFF2-40B4-BE49-F238E27FC236}">
+                <a16:creationId xmlns:a16="http://schemas.microsoft.com/office/drawing/2014/main" id="{9B65C2AD-4998-43F4-9437-B90B10A052AD}"/>
+              </a:ext>
+            </a:extLst>
+          </p:cNvPr>
+          <p:cNvPicPr>
+            <a:picLocks noChangeAspect="1"/>
+          </p:cNvPicPr>
+          <p:nvPr/>
+        </p:nvPicPr>
+        <p:blipFill>
+          <a:blip r:embed="rId2">
+            <a:extLst>
+              <a:ext uri="{28A0092B-C50C-407E-A947-70E740481C1C}">
+                <a14:useLocalDpi xmlns:a14="http://schemas.microsoft.com/office/drawing/2010/main" val="0"/>
+              </a:ext>
+            </a:extLst>
+          </a:blip>
+          <a:stretch>
+            <a:fillRect/>
+          </a:stretch>
+        </p:blipFill>
+        <p:spPr>
+          <a:xfrm>
+            <a:off x="2056836" y="3429000"/>
+            <a:ext cx="8078327" cy="2819794"/>
+          </a:xfrm>
+          <a:prstGeom prst="rect">
+            <a:avLst/>
+          </a:prstGeom>
+        </p:spPr>
+      </p:pic>
+    </p:spTree>
+    <p:extLst>
+      <p:ext uri="{BB962C8B-B14F-4D97-AF65-F5344CB8AC3E}">
+        <p14:creationId xmlns:p14="http://schemas.microsoft.com/office/powerpoint/2010/main" val="258491617"/>
+      </p:ext>
+    </p:extLst>
+  </p:cSld>
+  <p:clrMapOvr>
+    <a:masterClrMapping/>
+  </p:clrMapOvr>
+</p:sld>
+</file>
+
+<file path=ppt/slides/slide13.xml><?xml version="1.0" encoding="utf-8"?>
+<p:sld xmlns:a="http://schemas.openxmlformats.org/drawingml/2006/main" xmlns:r="http://schemas.openxmlformats.org/officeDocument/2006/relationships" xmlns:p="http://schemas.openxmlformats.org/presentationml/2006/main">
+  <p:cSld>
+    <p:spTree>
+      <p:nvGrpSpPr>
+        <p:cNvPr id="1" name=""/>
+        <p:cNvGrpSpPr/>
+        <p:nvPr/>
+      </p:nvGrpSpPr>
+      <p:grpSpPr>
+        <a:xfrm>
+          <a:off x="0" y="0"/>
+          <a:ext cx="0" cy="0"/>
+          <a:chOff x="0" y="0"/>
+          <a:chExt cx="0" cy="0"/>
+        </a:xfrm>
+      </p:grpSpPr>
+      <p:sp>
+        <p:nvSpPr>
+          <p:cNvPr id="2" name="Title 1">
+            <a:extLst>
+              <a:ext uri="{FF2B5EF4-FFF2-40B4-BE49-F238E27FC236}">
+                <a16:creationId xmlns:a16="http://schemas.microsoft.com/office/drawing/2014/main" id="{E5E8D1DA-2D7D-461A-8D8D-7CAF47675C62}"/>
+              </a:ext>
+            </a:extLst>
+          </p:cNvPr>
+          <p:cNvSpPr>
+            <a:spLocks noGrp="1"/>
+          </p:cNvSpPr>
+          <p:nvPr>
+            <p:ph type="title"/>
+          </p:nvPr>
+        </p:nvSpPr>
+        <p:spPr>
+          <a:xfrm>
+            <a:off x="838200" y="463826"/>
+            <a:ext cx="10515600" cy="821632"/>
+          </a:xfrm>
+        </p:spPr>
+        <p:txBody>
+          <a:bodyPr>
+            <a:noAutofit/>
+          </a:bodyPr>
+          <a:lstStyle/>
+          <a:p>
+            <a:pPr algn="ctr"/>
+            <a:r>
+              <a:rPr lang="en-US" sz="5200" dirty="0"/>
+              <a:t>COMO FORMAR UMA RETÂNGULO?</a:t>
+            </a:r>
+          </a:p>
+        </p:txBody>
+      </p:sp>
+      <p:sp>
+        <p:nvSpPr>
+          <p:cNvPr id="3" name="Content Placeholder 2">
+            <a:extLst>
+              <a:ext uri="{FF2B5EF4-FFF2-40B4-BE49-F238E27FC236}">
+                <a16:creationId xmlns:a16="http://schemas.microsoft.com/office/drawing/2014/main" id="{1AD0B689-0C60-4A96-A9F1-5037CE604970}"/>
+              </a:ext>
+            </a:extLst>
+          </p:cNvPr>
+          <p:cNvSpPr>
+            <a:spLocks noGrp="1"/>
+          </p:cNvSpPr>
+          <p:nvPr>
+            <p:ph idx="1"/>
+          </p:nvPr>
+        </p:nvSpPr>
+        <p:spPr>
+          <a:xfrm>
+            <a:off x="838200" y="874642"/>
+            <a:ext cx="10515600" cy="5685183"/>
+          </a:xfrm>
+        </p:spPr>
+        <p:txBody>
+          <a:bodyPr>
+            <a:normAutofit fontScale="92500" lnSpcReduction="10000"/>
+          </a:bodyPr>
+          <a:lstStyle/>
+          <a:p>
+            <a:pPr marL="0" indent="0">
+              <a:buNone/>
+            </a:pPr>
+            <a:r>
+              <a:rPr lang="en-US" dirty="0"/>
+              <a:t>	</a:t>
+            </a:r>
+          </a:p>
+          <a:p>
+            <a:pPr marL="0" indent="0">
+              <a:buNone/>
+            </a:pPr>
+            <a:r>
+              <a:rPr lang="en-US" dirty="0"/>
+              <a:t>	</a:t>
+            </a:r>
+          </a:p>
+          <a:p>
+            <a:pPr marL="0" indent="0">
+              <a:buNone/>
+            </a:pPr>
+            <a:r>
+              <a:rPr lang="en-US" dirty="0"/>
+              <a:t>	Um </a:t>
+            </a:r>
+            <a:r>
+              <a:rPr lang="en-US" dirty="0" err="1"/>
+              <a:t>retângulo</a:t>
+            </a:r>
+            <a:r>
+              <a:rPr lang="en-US" dirty="0"/>
+              <a:t> no </a:t>
+            </a:r>
+            <a:r>
+              <a:rPr lang="en-US" dirty="0" err="1"/>
+              <a:t>MatterControl</a:t>
+            </a:r>
+            <a:r>
+              <a:rPr lang="en-US" dirty="0"/>
+              <a:t> </a:t>
+            </a:r>
+            <a:r>
+              <a:rPr lang="en-US" dirty="0" err="1"/>
+              <a:t>pode</a:t>
+            </a:r>
+            <a:r>
+              <a:rPr lang="en-US" dirty="0"/>
+              <a:t> ser </a:t>
+            </a:r>
+            <a:r>
+              <a:rPr lang="en-US" dirty="0" err="1"/>
+              <a:t>formado</a:t>
+            </a:r>
+            <a:r>
+              <a:rPr lang="en-US" dirty="0"/>
+              <a:t> </a:t>
+            </a:r>
+            <a:r>
+              <a:rPr lang="en-US" dirty="0" err="1"/>
+              <a:t>seguindo</a:t>
+            </a:r>
+            <a:r>
+              <a:rPr lang="en-US" dirty="0"/>
+              <a:t> </a:t>
+            </a:r>
+            <a:r>
+              <a:rPr lang="en-US" dirty="0" err="1"/>
+              <a:t>os</a:t>
+            </a:r>
+            <a:r>
+              <a:rPr lang="en-US" dirty="0"/>
+              <a:t> </a:t>
+            </a:r>
+            <a:r>
+              <a:rPr lang="en-US" dirty="0" err="1"/>
+              <a:t>seguintes</a:t>
+            </a:r>
+            <a:r>
+              <a:rPr lang="en-US" dirty="0"/>
+              <a:t> </a:t>
+            </a:r>
+            <a:r>
+              <a:rPr lang="en-US" dirty="0" err="1"/>
+              <a:t>valores</a:t>
+            </a:r>
+            <a:r>
+              <a:rPr lang="en-US" dirty="0"/>
+              <a:t>:</a:t>
+            </a:r>
+          </a:p>
+          <a:p>
+            <a:pPr marL="0" indent="0">
+              <a:buNone/>
+            </a:pPr>
+            <a:endParaRPr lang="en-US" dirty="0"/>
+          </a:p>
+          <a:p>
+            <a:pPr marL="0" indent="0">
+              <a:buNone/>
+            </a:pPr>
+            <a:endParaRPr lang="en-US" dirty="0"/>
+          </a:p>
+          <a:p>
+            <a:pPr marL="0" indent="0">
+              <a:buNone/>
+            </a:pPr>
+            <a:endParaRPr lang="en-US" dirty="0"/>
+          </a:p>
+          <a:p>
+            <a:pPr marL="0" indent="0">
+              <a:buNone/>
+            </a:pPr>
+            <a:endParaRPr lang="en-US" dirty="0"/>
+          </a:p>
+          <a:p>
+            <a:pPr marL="0" indent="0">
+              <a:buNone/>
+            </a:pPr>
+            <a:endParaRPr lang="en-US" dirty="0"/>
+          </a:p>
+          <a:p>
+            <a:pPr marL="0" indent="0">
+              <a:buNone/>
+            </a:pPr>
+            <a:endParaRPr lang="en-US" dirty="0"/>
+          </a:p>
+          <a:p>
+            <a:pPr marL="0" indent="0">
+              <a:buNone/>
+            </a:pPr>
+            <a:endParaRPr lang="en-US" dirty="0"/>
+          </a:p>
+          <a:p>
+            <a:pPr marL="0" indent="0">
+              <a:buNone/>
+            </a:pPr>
+            <a:endParaRPr lang="en-US" dirty="0"/>
+          </a:p>
+          <a:p>
+            <a:pPr marL="0" indent="0">
+              <a:buNone/>
+            </a:pPr>
+            <a:r>
+              <a:rPr lang="en-US" dirty="0"/>
+              <a:t>depth – </a:t>
+            </a:r>
+            <a:r>
+              <a:rPr lang="en-US" dirty="0" err="1"/>
+              <a:t>profundidade</a:t>
+            </a:r>
+            <a:r>
+              <a:rPr lang="en-US" dirty="0"/>
+              <a:t> , height – </a:t>
+            </a:r>
+            <a:r>
+              <a:rPr lang="en-US" dirty="0" err="1"/>
+              <a:t>altura</a:t>
+            </a:r>
+            <a:r>
+              <a:rPr lang="en-US" dirty="0"/>
+              <a:t>, width - </a:t>
+            </a:r>
+            <a:r>
+              <a:rPr lang="en-US" dirty="0" err="1"/>
+              <a:t>largura</a:t>
+            </a:r>
+            <a:endParaRPr lang="en-US" dirty="0"/>
+          </a:p>
+        </p:txBody>
+      </p:sp>
+      <p:pic>
+        <p:nvPicPr>
+          <p:cNvPr id="6" name="Picture 5">
+            <a:extLst>
+              <a:ext uri="{FF2B5EF4-FFF2-40B4-BE49-F238E27FC236}">
+                <a16:creationId xmlns:a16="http://schemas.microsoft.com/office/drawing/2014/main" id="{37AD9CE7-D89D-40BE-ADAE-E125E6B12D33}"/>
+              </a:ext>
+            </a:extLst>
+          </p:cNvPr>
+          <p:cNvPicPr>
+            <a:picLocks noChangeAspect="1"/>
+          </p:cNvPicPr>
+          <p:nvPr/>
+        </p:nvPicPr>
+        <p:blipFill>
+          <a:blip r:embed="rId2">
+            <a:extLst>
+              <a:ext uri="{28A0092B-C50C-407E-A947-70E740481C1C}">
+                <a14:useLocalDpi xmlns:a14="http://schemas.microsoft.com/office/drawing/2010/main" val="0"/>
+              </a:ext>
+            </a:extLst>
+          </a:blip>
+          <a:stretch>
+            <a:fillRect/>
+          </a:stretch>
+        </p:blipFill>
+        <p:spPr>
+          <a:xfrm>
+            <a:off x="3409110" y="2784212"/>
+            <a:ext cx="5373780" cy="2516835"/>
+          </a:xfrm>
+          <a:prstGeom prst="rect">
+            <a:avLst/>
+          </a:prstGeom>
+        </p:spPr>
+      </p:pic>
+    </p:spTree>
+    <p:extLst>
+      <p:ext uri="{BB962C8B-B14F-4D97-AF65-F5344CB8AC3E}">
+        <p14:creationId xmlns:p14="http://schemas.microsoft.com/office/powerpoint/2010/main" val="204432156"/>
+      </p:ext>
+    </p:extLst>
+  </p:cSld>
+  <p:clrMapOvr>
+    <a:masterClrMapping/>
+  </p:clrMapOvr>
+</p:sld>
+</file>
+
 <file path=ppt/slides/slide14.xml><?xml version="1.0" encoding="utf-8"?>
+<p:sld xmlns:a="http://schemas.openxmlformats.org/drawingml/2006/main" xmlns:r="http://schemas.openxmlformats.org/officeDocument/2006/relationships" xmlns:p="http://schemas.openxmlformats.org/presentationml/2006/main">
+  <p:cSld>
+    <p:spTree>
+      <p:nvGrpSpPr>
+        <p:cNvPr id="1" name=""/>
+        <p:cNvGrpSpPr/>
+        <p:nvPr/>
+      </p:nvGrpSpPr>
+      <p:grpSpPr>
+        <a:xfrm>
+          <a:off x="0" y="0"/>
+          <a:ext cx="0" cy="0"/>
+          <a:chOff x="0" y="0"/>
+          <a:chExt cx="0" cy="0"/>
+        </a:xfrm>
+      </p:grpSpPr>
+      <p:sp>
+        <p:nvSpPr>
+          <p:cNvPr id="2" name="Title 1">
+            <a:extLst>
+              <a:ext uri="{FF2B5EF4-FFF2-40B4-BE49-F238E27FC236}">
+                <a16:creationId xmlns:a16="http://schemas.microsoft.com/office/drawing/2014/main" id="{E5E8D1DA-2D7D-461A-8D8D-7CAF47675C62}"/>
+              </a:ext>
+            </a:extLst>
+          </p:cNvPr>
+          <p:cNvSpPr>
+            <a:spLocks noGrp="1"/>
+          </p:cNvSpPr>
+          <p:nvPr>
+            <p:ph type="title"/>
+          </p:nvPr>
+        </p:nvSpPr>
+        <p:spPr>
+          <a:xfrm>
+            <a:off x="838200" y="463826"/>
+            <a:ext cx="10515600" cy="821632"/>
+          </a:xfrm>
+        </p:spPr>
+        <p:txBody>
+          <a:bodyPr>
+            <a:noAutofit/>
+          </a:bodyPr>
+          <a:lstStyle/>
+          <a:p>
+            <a:pPr algn="ctr"/>
+            <a:r>
+              <a:rPr lang="en-US" sz="5200" dirty="0"/>
+              <a:t>RETÂNGULO NO MATTER CONTROL</a:t>
+            </a:r>
+          </a:p>
+        </p:txBody>
+      </p:sp>
+      <p:sp>
+        <p:nvSpPr>
+          <p:cNvPr id="3" name="Content Placeholder 2">
+            <a:extLst>
+              <a:ext uri="{FF2B5EF4-FFF2-40B4-BE49-F238E27FC236}">
+                <a16:creationId xmlns:a16="http://schemas.microsoft.com/office/drawing/2014/main" id="{1AD0B689-0C60-4A96-A9F1-5037CE604970}"/>
+              </a:ext>
+            </a:extLst>
+          </p:cNvPr>
+          <p:cNvSpPr>
+            <a:spLocks noGrp="1"/>
+          </p:cNvSpPr>
+          <p:nvPr>
+            <p:ph idx="1"/>
+          </p:nvPr>
+        </p:nvSpPr>
+        <p:spPr>
+          <a:xfrm>
+            <a:off x="838200" y="1285458"/>
+            <a:ext cx="10515600" cy="5274367"/>
+          </a:xfrm>
+        </p:spPr>
+        <p:txBody>
+          <a:bodyPr>
+            <a:normAutofit/>
+          </a:bodyPr>
+          <a:lstStyle/>
+          <a:p>
+            <a:pPr marL="0" indent="0">
+              <a:buNone/>
+            </a:pPr>
+            <a:r>
+              <a:rPr lang="en-US" dirty="0"/>
+              <a:t>	</a:t>
+            </a:r>
+          </a:p>
+          <a:p>
+            <a:pPr marL="0" indent="0">
+              <a:buNone/>
+            </a:pPr>
+            <a:r>
+              <a:rPr lang="en-US" dirty="0"/>
+              <a:t>Este </a:t>
+            </a:r>
+            <a:r>
+              <a:rPr lang="en-US" dirty="0" err="1"/>
+              <a:t>projeto</a:t>
+            </a:r>
+            <a:r>
+              <a:rPr lang="en-US" dirty="0"/>
+              <a:t> </a:t>
+            </a:r>
+            <a:r>
+              <a:rPr lang="en-US" dirty="0" err="1"/>
+              <a:t>lembra</a:t>
+            </a:r>
+            <a:r>
+              <a:rPr lang="en-US" dirty="0"/>
+              <a:t> </a:t>
+            </a:r>
+            <a:r>
+              <a:rPr lang="en-US" dirty="0" err="1"/>
+              <a:t>vários</a:t>
+            </a:r>
+            <a:r>
+              <a:rPr lang="en-US" dirty="0"/>
+              <a:t> </a:t>
+            </a:r>
+            <a:r>
+              <a:rPr lang="en-US" dirty="0" err="1"/>
+              <a:t>retângulos</a:t>
+            </a:r>
+            <a:r>
+              <a:rPr lang="en-US" dirty="0"/>
+              <a:t>.</a:t>
+            </a:r>
+          </a:p>
+          <a:p>
+            <a:pPr marL="0" indent="0">
+              <a:buNone/>
+            </a:pPr>
+            <a:endParaRPr lang="en-US" dirty="0"/>
+          </a:p>
+          <a:p>
+            <a:pPr marL="0" indent="0">
+              <a:buNone/>
+            </a:pPr>
+            <a:endParaRPr lang="en-US" dirty="0"/>
+          </a:p>
+          <a:p>
+            <a:pPr marL="0" indent="0">
+              <a:buNone/>
+            </a:pPr>
+            <a:endParaRPr lang="en-US" dirty="0"/>
+          </a:p>
+          <a:p>
+            <a:pPr marL="0" indent="0">
+              <a:buNone/>
+            </a:pPr>
+            <a:endParaRPr lang="en-US" dirty="0"/>
+          </a:p>
+          <a:p>
+            <a:pPr marL="0" indent="0">
+              <a:buNone/>
+            </a:pPr>
+            <a:endParaRPr lang="en-US" dirty="0"/>
+          </a:p>
+          <a:p>
+            <a:pPr marL="0" indent="0">
+              <a:buNone/>
+            </a:pPr>
+            <a:endParaRPr lang="en-US" dirty="0"/>
+          </a:p>
+          <a:p>
+            <a:pPr marL="0" indent="0">
+              <a:buNone/>
+            </a:pPr>
+            <a:endParaRPr lang="en-US" dirty="0"/>
+          </a:p>
+        </p:txBody>
+      </p:sp>
+      <p:pic>
+        <p:nvPicPr>
+          <p:cNvPr id="6" name="Picture 5">
+            <a:extLst>
+              <a:ext uri="{FF2B5EF4-FFF2-40B4-BE49-F238E27FC236}">
+                <a16:creationId xmlns:a16="http://schemas.microsoft.com/office/drawing/2014/main" id="{D7167F91-36B2-4FED-BA79-C071D555D33B}"/>
+              </a:ext>
+            </a:extLst>
+          </p:cNvPr>
+          <p:cNvPicPr>
+            <a:picLocks noChangeAspect="1"/>
+          </p:cNvPicPr>
+          <p:nvPr/>
+        </p:nvPicPr>
+        <p:blipFill>
+          <a:blip r:embed="rId2">
+            <a:extLst>
+              <a:ext uri="{28A0092B-C50C-407E-A947-70E740481C1C}">
+                <a14:useLocalDpi xmlns:a14="http://schemas.microsoft.com/office/drawing/2010/main" val="0"/>
+              </a:ext>
+            </a:extLst>
+          </a:blip>
+          <a:stretch>
+            <a:fillRect/>
+          </a:stretch>
+        </p:blipFill>
+        <p:spPr>
+          <a:xfrm>
+            <a:off x="3739124" y="2599991"/>
+            <a:ext cx="4713751" cy="3794183"/>
+          </a:xfrm>
+          <a:prstGeom prst="rect">
+            <a:avLst/>
+          </a:prstGeom>
+        </p:spPr>
+      </p:pic>
+    </p:spTree>
+    <p:extLst>
+      <p:ext uri="{BB962C8B-B14F-4D97-AF65-F5344CB8AC3E}">
+        <p14:creationId xmlns:p14="http://schemas.microsoft.com/office/powerpoint/2010/main" val="762519445"/>
+      </p:ext>
+    </p:extLst>
+  </p:cSld>
+  <p:clrMapOvr>
+    <a:masterClrMapping/>
+  </p:clrMapOvr>
+</p:sld>
+</file>
+
+<file path=ppt/slides/slide15.xml><?xml version="1.0" encoding="utf-8"?>
+<p:sld xmlns:a="http://schemas.openxmlformats.org/drawingml/2006/main" xmlns:r="http://schemas.openxmlformats.org/officeDocument/2006/relationships" xmlns:p="http://schemas.openxmlformats.org/presentationml/2006/main">
+  <p:cSld>
+    <p:spTree>
+      <p:nvGrpSpPr>
+        <p:cNvPr id="1" name=""/>
+        <p:cNvGrpSpPr/>
+        <p:nvPr/>
+      </p:nvGrpSpPr>
+      <p:grpSpPr>
+        <a:xfrm>
+          <a:off x="0" y="0"/>
+          <a:ext cx="0" cy="0"/>
+          <a:chOff x="0" y="0"/>
+          <a:chExt cx="0" cy="0"/>
+        </a:xfrm>
+      </p:grpSpPr>
+      <p:sp>
+        <p:nvSpPr>
+          <p:cNvPr id="2" name="Title 1">
+            <a:extLst>
+              <a:ext uri="{FF2B5EF4-FFF2-40B4-BE49-F238E27FC236}">
+                <a16:creationId xmlns:a16="http://schemas.microsoft.com/office/drawing/2014/main" id="{24777F16-1641-4B86-B1DA-28B4AB09C290}"/>
+              </a:ext>
+            </a:extLst>
+          </p:cNvPr>
+          <p:cNvSpPr>
+            <a:spLocks noGrp="1"/>
+          </p:cNvSpPr>
+          <p:nvPr>
+            <p:ph type="title"/>
+          </p:nvPr>
+        </p:nvSpPr>
+        <p:spPr>
+          <a:xfrm>
+            <a:off x="838200" y="463826"/>
+            <a:ext cx="10515600" cy="914400"/>
+          </a:xfrm>
+        </p:spPr>
+        <p:txBody>
+          <a:bodyPr>
+            <a:normAutofit/>
+          </a:bodyPr>
+          <a:lstStyle/>
+          <a:p>
+            <a:pPr algn="ctr"/>
+            <a:r>
+              <a:rPr lang="en-US" sz="5200" dirty="0"/>
+              <a:t>RETÂNGULO NO MATTER CONTROL</a:t>
+            </a:r>
+          </a:p>
+        </p:txBody>
+      </p:sp>
+      <p:sp>
+        <p:nvSpPr>
+          <p:cNvPr id="3" name="Content Placeholder 2">
+            <a:extLst>
+              <a:ext uri="{FF2B5EF4-FFF2-40B4-BE49-F238E27FC236}">
+                <a16:creationId xmlns:a16="http://schemas.microsoft.com/office/drawing/2014/main" id="{9FBEF090-A937-45B5-9B5C-3EE68F05FDE7}"/>
+              </a:ext>
+            </a:extLst>
+          </p:cNvPr>
+          <p:cNvSpPr>
+            <a:spLocks noGrp="1"/>
+          </p:cNvSpPr>
+          <p:nvPr>
+            <p:ph idx="1"/>
+          </p:nvPr>
+        </p:nvSpPr>
+        <p:spPr>
+          <a:xfrm>
+            <a:off x="838200" y="1179443"/>
+            <a:ext cx="10515600" cy="5300870"/>
+          </a:xfrm>
+        </p:spPr>
+        <p:txBody>
+          <a:bodyPr/>
+          <a:lstStyle/>
+          <a:p>
+            <a:pPr marL="0" indent="0" algn="just">
+              <a:buNone/>
+            </a:pPr>
+            <a:r>
+              <a:rPr lang="en-US" dirty="0"/>
+              <a:t>	</a:t>
+            </a:r>
+          </a:p>
+          <a:p>
+            <a:pPr marL="0" indent="0" algn="just">
+              <a:buNone/>
+            </a:pPr>
+            <a:r>
+              <a:rPr lang="en-US" dirty="0"/>
+              <a:t>	</a:t>
+            </a:r>
+            <a:r>
+              <a:rPr lang="pt-BR" dirty="0"/>
+              <a:t>A esfera é um objeto primitivo no </a:t>
+            </a:r>
+            <a:r>
+              <a:rPr lang="pt-BR" dirty="0" err="1"/>
+              <a:t>MatterControl</a:t>
+            </a:r>
+            <a:r>
+              <a:rPr lang="pt-BR" dirty="0"/>
+              <a:t>, então vem padrão uma esfera com diâmetro e laterais em: 20 mm e 40 mm respectivamente. </a:t>
+            </a:r>
+          </a:p>
+          <a:p>
+            <a:pPr marL="0" indent="0" algn="just">
+              <a:buNone/>
+            </a:pPr>
+            <a:endParaRPr lang="pt-BR" dirty="0"/>
+          </a:p>
+          <a:p>
+            <a:pPr marL="0" indent="0" algn="just">
+              <a:buNone/>
+            </a:pPr>
+            <a:endParaRPr lang="pt-BR" dirty="0"/>
+          </a:p>
+          <a:p>
+            <a:pPr marL="0" indent="0" algn="just">
+              <a:buNone/>
+            </a:pPr>
+            <a:endParaRPr lang="en-US" dirty="0"/>
+          </a:p>
+        </p:txBody>
+      </p:sp>
+      <p:pic>
+        <p:nvPicPr>
+          <p:cNvPr id="5" name="Picture 4">
+            <a:extLst>
+              <a:ext uri="{FF2B5EF4-FFF2-40B4-BE49-F238E27FC236}">
+                <a16:creationId xmlns:a16="http://schemas.microsoft.com/office/drawing/2014/main" id="{37B0F971-E87B-42AD-B22B-D66E7243C12A}"/>
+              </a:ext>
+            </a:extLst>
+          </p:cNvPr>
+          <p:cNvPicPr>
+            <a:picLocks noChangeAspect="1"/>
+          </p:cNvPicPr>
+          <p:nvPr/>
+        </p:nvPicPr>
+        <p:blipFill>
+          <a:blip r:embed="rId2">
+            <a:extLst>
+              <a:ext uri="{28A0092B-C50C-407E-A947-70E740481C1C}">
+                <a14:useLocalDpi xmlns:a14="http://schemas.microsoft.com/office/drawing/2010/main" val="0"/>
+              </a:ext>
+            </a:extLst>
+          </a:blip>
+          <a:stretch>
+            <a:fillRect/>
+          </a:stretch>
+        </p:blipFill>
+        <p:spPr>
+          <a:xfrm>
+            <a:off x="4228839" y="3012729"/>
+            <a:ext cx="3734321" cy="3467584"/>
+          </a:xfrm>
+          <a:prstGeom prst="rect">
+            <a:avLst/>
+          </a:prstGeom>
+        </p:spPr>
+      </p:pic>
+    </p:spTree>
+    <p:extLst>
+      <p:ext uri="{BB962C8B-B14F-4D97-AF65-F5344CB8AC3E}">
+        <p14:creationId xmlns:p14="http://schemas.microsoft.com/office/powerpoint/2010/main" val="2756132031"/>
+      </p:ext>
+    </p:extLst>
+  </p:cSld>
+  <p:clrMapOvr>
+    <a:masterClrMapping/>
+  </p:clrMapOvr>
+</p:sld>
+</file>
+
+<file path=ppt/slides/slide16.xml><?xml version="1.0" encoding="utf-8"?>
+<p:sld xmlns:a="http://schemas.openxmlformats.org/drawingml/2006/main" xmlns:r="http://schemas.openxmlformats.org/officeDocument/2006/relationships" xmlns:p="http://schemas.openxmlformats.org/presentationml/2006/main">
+  <p:cSld>
+    <p:spTree>
+      <p:nvGrpSpPr>
+        <p:cNvPr id="1" name=""/>
+        <p:cNvGrpSpPr/>
+        <p:nvPr/>
+      </p:nvGrpSpPr>
+      <p:grpSpPr>
+        <a:xfrm>
+          <a:off x="0" y="0"/>
+          <a:ext cx="0" cy="0"/>
+          <a:chOff x="0" y="0"/>
+          <a:chExt cx="0" cy="0"/>
+        </a:xfrm>
+      </p:grpSpPr>
+      <p:sp>
+        <p:nvSpPr>
+          <p:cNvPr id="2" name="Title 1">
+            <a:extLst>
+              <a:ext uri="{FF2B5EF4-FFF2-40B4-BE49-F238E27FC236}">
+                <a16:creationId xmlns:a16="http://schemas.microsoft.com/office/drawing/2014/main" id="{E5E8D1DA-2D7D-461A-8D8D-7CAF47675C62}"/>
+              </a:ext>
+            </a:extLst>
+          </p:cNvPr>
+          <p:cNvSpPr>
+            <a:spLocks noGrp="1"/>
+          </p:cNvSpPr>
+          <p:nvPr>
+            <p:ph type="title"/>
+          </p:nvPr>
+        </p:nvSpPr>
+        <p:spPr>
+          <a:xfrm>
+            <a:off x="838200" y="463826"/>
+            <a:ext cx="10515600" cy="821632"/>
+          </a:xfrm>
+        </p:spPr>
+        <p:txBody>
+          <a:bodyPr>
+            <a:noAutofit/>
+          </a:bodyPr>
+          <a:lstStyle/>
+          <a:p>
+            <a:pPr algn="ctr"/>
+            <a:r>
+              <a:rPr lang="en-US" sz="5200" dirty="0"/>
+              <a:t>COMO FORMAR UMA RETÂNGULO?</a:t>
+            </a:r>
+          </a:p>
+        </p:txBody>
+      </p:sp>
+      <p:sp>
+        <p:nvSpPr>
+          <p:cNvPr id="3" name="Content Placeholder 2">
+            <a:extLst>
+              <a:ext uri="{FF2B5EF4-FFF2-40B4-BE49-F238E27FC236}">
+                <a16:creationId xmlns:a16="http://schemas.microsoft.com/office/drawing/2014/main" id="{1AD0B689-0C60-4A96-A9F1-5037CE604970}"/>
+              </a:ext>
+            </a:extLst>
+          </p:cNvPr>
+          <p:cNvSpPr>
+            <a:spLocks noGrp="1"/>
+          </p:cNvSpPr>
+          <p:nvPr>
+            <p:ph idx="1"/>
+          </p:nvPr>
+        </p:nvSpPr>
+        <p:spPr>
+          <a:xfrm>
+            <a:off x="838200" y="874642"/>
+            <a:ext cx="10515600" cy="5685183"/>
+          </a:xfrm>
+        </p:spPr>
+        <p:txBody>
+          <a:bodyPr>
+            <a:normAutofit lnSpcReduction="10000"/>
+          </a:bodyPr>
+          <a:lstStyle/>
+          <a:p>
+            <a:pPr marL="0" indent="0">
+              <a:buNone/>
+            </a:pPr>
+            <a:r>
+              <a:rPr lang="en-US" dirty="0"/>
+              <a:t>	</a:t>
+            </a:r>
+          </a:p>
+          <a:p>
+            <a:pPr marL="0" indent="0">
+              <a:buNone/>
+            </a:pPr>
+            <a:r>
+              <a:rPr lang="en-US" dirty="0"/>
+              <a:t>	</a:t>
+            </a:r>
+            <a:r>
+              <a:rPr lang="en-US" sz="2600" dirty="0"/>
+              <a:t>Um </a:t>
+            </a:r>
+            <a:r>
+              <a:rPr lang="en-US" sz="2600" dirty="0" err="1"/>
+              <a:t>retângulo</a:t>
+            </a:r>
+            <a:r>
+              <a:rPr lang="en-US" sz="2600" dirty="0"/>
+              <a:t> no </a:t>
+            </a:r>
+            <a:r>
+              <a:rPr lang="en-US" sz="2600" dirty="0" err="1"/>
+              <a:t>MatterControl</a:t>
+            </a:r>
+            <a:r>
+              <a:rPr lang="en-US" sz="2600" dirty="0"/>
+              <a:t> </a:t>
+            </a:r>
+            <a:r>
+              <a:rPr lang="en-US" sz="2600" dirty="0" err="1"/>
+              <a:t>pode</a:t>
+            </a:r>
+            <a:r>
+              <a:rPr lang="en-US" sz="2600" dirty="0"/>
+              <a:t> ser </a:t>
+            </a:r>
+            <a:r>
+              <a:rPr lang="en-US" sz="2600" dirty="0" err="1"/>
+              <a:t>formado</a:t>
+            </a:r>
+            <a:r>
+              <a:rPr lang="en-US" sz="2600" dirty="0"/>
+              <a:t> </a:t>
+            </a:r>
+            <a:r>
+              <a:rPr lang="en-US" sz="2600" dirty="0" err="1"/>
+              <a:t>seguindo</a:t>
+            </a:r>
+            <a:r>
+              <a:rPr lang="en-US" sz="2600" dirty="0"/>
+              <a:t> </a:t>
+            </a:r>
+            <a:r>
+              <a:rPr lang="en-US" sz="2600" dirty="0" err="1"/>
+              <a:t>os</a:t>
+            </a:r>
+            <a:r>
+              <a:rPr lang="en-US" sz="2600" dirty="0"/>
+              <a:t> </a:t>
+            </a:r>
+            <a:r>
+              <a:rPr lang="en-US" sz="2600" dirty="0" err="1"/>
+              <a:t>seguintes</a:t>
+            </a:r>
+            <a:r>
+              <a:rPr lang="en-US" sz="2600" dirty="0"/>
+              <a:t> </a:t>
+            </a:r>
+            <a:r>
+              <a:rPr lang="en-US" sz="2600" dirty="0" err="1"/>
+              <a:t>valores</a:t>
+            </a:r>
+            <a:r>
+              <a:rPr lang="en-US" sz="2600" dirty="0"/>
+              <a:t>:</a:t>
+            </a:r>
+          </a:p>
+          <a:p>
+            <a:pPr marL="0" indent="0">
+              <a:buNone/>
+            </a:pPr>
+            <a:endParaRPr lang="en-US" sz="2600" dirty="0"/>
+          </a:p>
+          <a:p>
+            <a:pPr marL="0" indent="0">
+              <a:buNone/>
+            </a:pPr>
+            <a:endParaRPr lang="en-US" sz="2600" dirty="0"/>
+          </a:p>
+          <a:p>
+            <a:pPr marL="0" indent="0">
+              <a:buNone/>
+            </a:pPr>
+            <a:endParaRPr lang="en-US" sz="2600" dirty="0"/>
+          </a:p>
+          <a:p>
+            <a:pPr marL="0" indent="0">
+              <a:buNone/>
+            </a:pPr>
+            <a:endParaRPr lang="en-US" sz="2600" dirty="0"/>
+          </a:p>
+          <a:p>
+            <a:pPr marL="0" indent="0">
+              <a:buNone/>
+            </a:pPr>
+            <a:endParaRPr lang="en-US" sz="2600" dirty="0"/>
+          </a:p>
+          <a:p>
+            <a:pPr marL="0" indent="0">
+              <a:buNone/>
+            </a:pPr>
+            <a:endParaRPr lang="en-US" sz="2600" dirty="0"/>
+          </a:p>
+          <a:p>
+            <a:pPr marL="0" indent="0">
+              <a:buNone/>
+            </a:pPr>
+            <a:endParaRPr lang="en-US" sz="2600" dirty="0"/>
+          </a:p>
+          <a:p>
+            <a:pPr marL="0" indent="0">
+              <a:buNone/>
+            </a:pPr>
+            <a:endParaRPr lang="en-US" sz="2600" dirty="0"/>
+          </a:p>
+          <a:p>
+            <a:pPr marL="0" indent="0">
+              <a:buNone/>
+            </a:pPr>
+            <a:r>
+              <a:rPr lang="en-US" sz="2600" dirty="0"/>
+              <a:t>diameter – </a:t>
+            </a:r>
+            <a:r>
+              <a:rPr lang="en-US" sz="2600" dirty="0" err="1"/>
+              <a:t>diâmetro</a:t>
+            </a:r>
+            <a:r>
+              <a:rPr lang="en-US" sz="2600" dirty="0"/>
+              <a:t> , slides – </a:t>
+            </a:r>
+            <a:r>
+              <a:rPr lang="en-US" sz="2600" dirty="0" err="1"/>
+              <a:t>laterais</a:t>
+            </a:r>
+            <a:r>
+              <a:rPr lang="en-US" sz="2600" dirty="0"/>
+              <a:t>, starting angle – </a:t>
+            </a:r>
+            <a:r>
+              <a:rPr lang="en-US" sz="2600" dirty="0" err="1"/>
+              <a:t>ângulo</a:t>
+            </a:r>
+            <a:r>
+              <a:rPr lang="en-US" sz="2600" dirty="0"/>
+              <a:t> </a:t>
+            </a:r>
+            <a:r>
+              <a:rPr lang="en-US" sz="2600" dirty="0" err="1"/>
+              <a:t>inicial</a:t>
+            </a:r>
+            <a:endParaRPr lang="en-US" sz="2600" dirty="0"/>
+          </a:p>
+          <a:p>
+            <a:pPr marL="0" indent="0">
+              <a:buNone/>
+            </a:pPr>
+            <a:r>
+              <a:rPr lang="en-US" sz="2600" dirty="0"/>
+              <a:t>ending angle – </a:t>
+            </a:r>
+            <a:r>
+              <a:rPr lang="en-US" sz="2600" dirty="0" err="1"/>
+              <a:t>ângulo</a:t>
+            </a:r>
+            <a:r>
+              <a:rPr lang="en-US" sz="2600" dirty="0"/>
+              <a:t> final, latitude slides -  </a:t>
+            </a:r>
+          </a:p>
+        </p:txBody>
+      </p:sp>
+      <p:pic>
+        <p:nvPicPr>
+          <p:cNvPr id="5" name="Picture 4">
+            <a:extLst>
+              <a:ext uri="{FF2B5EF4-FFF2-40B4-BE49-F238E27FC236}">
+                <a16:creationId xmlns:a16="http://schemas.microsoft.com/office/drawing/2014/main" id="{4ECE1F6F-64DB-40F2-9C99-EBAE2205B431}"/>
+              </a:ext>
+            </a:extLst>
+          </p:cNvPr>
+          <p:cNvPicPr>
+            <a:picLocks noChangeAspect="1"/>
+          </p:cNvPicPr>
+          <p:nvPr/>
+        </p:nvPicPr>
+        <p:blipFill>
+          <a:blip r:embed="rId2">
+            <a:extLst>
+              <a:ext uri="{28A0092B-C50C-407E-A947-70E740481C1C}">
+                <a14:useLocalDpi xmlns:a14="http://schemas.microsoft.com/office/drawing/2010/main" val="0"/>
+              </a:ext>
+            </a:extLst>
+          </a:blip>
+          <a:stretch>
+            <a:fillRect/>
+          </a:stretch>
+        </p:blipFill>
+        <p:spPr>
+          <a:xfrm>
+            <a:off x="4337223" y="2110831"/>
+            <a:ext cx="3782108" cy="3212804"/>
+          </a:xfrm>
+          <a:prstGeom prst="rect">
+            <a:avLst/>
+          </a:prstGeom>
+        </p:spPr>
+      </p:pic>
+    </p:spTree>
+    <p:extLst>
+      <p:ext uri="{BB962C8B-B14F-4D97-AF65-F5344CB8AC3E}">
+        <p14:creationId xmlns:p14="http://schemas.microsoft.com/office/powerpoint/2010/main" val="200973652"/>
+      </p:ext>
+    </p:extLst>
+  </p:cSld>
+  <p:clrMapOvr>
+    <a:masterClrMapping/>
+  </p:clrMapOvr>
+</p:sld>
+</file>
+
+<file path=ppt/slides/slide17.xml><?xml version="1.0" encoding="utf-8"?>
+<p:sld xmlns:a="http://schemas.openxmlformats.org/drawingml/2006/main" xmlns:r="http://schemas.openxmlformats.org/officeDocument/2006/relationships" xmlns:p="http://schemas.openxmlformats.org/presentationml/2006/main">
+  <p:cSld>
+    <p:spTree>
+      <p:nvGrpSpPr>
+        <p:cNvPr id="1" name=""/>
+        <p:cNvGrpSpPr/>
+        <p:nvPr/>
+      </p:nvGrpSpPr>
+      <p:grpSpPr>
+        <a:xfrm>
+          <a:off x="0" y="0"/>
+          <a:ext cx="0" cy="0"/>
+          <a:chOff x="0" y="0"/>
+          <a:chExt cx="0" cy="0"/>
+        </a:xfrm>
+      </p:grpSpPr>
+      <p:sp>
+        <p:nvSpPr>
+          <p:cNvPr id="2" name="Title 1">
+            <a:extLst>
+              <a:ext uri="{FF2B5EF4-FFF2-40B4-BE49-F238E27FC236}">
+                <a16:creationId xmlns:a16="http://schemas.microsoft.com/office/drawing/2014/main" id="{E5E8D1DA-2D7D-461A-8D8D-7CAF47675C62}"/>
+              </a:ext>
+            </a:extLst>
+          </p:cNvPr>
+          <p:cNvSpPr>
+            <a:spLocks noGrp="1"/>
+          </p:cNvSpPr>
+          <p:nvPr>
+            <p:ph type="title"/>
+          </p:nvPr>
+        </p:nvSpPr>
+        <p:spPr>
+          <a:xfrm>
+            <a:off x="838200" y="463826"/>
+            <a:ext cx="10515600" cy="821632"/>
+          </a:xfrm>
+        </p:spPr>
+        <p:txBody>
+          <a:bodyPr>
+            <a:noAutofit/>
+          </a:bodyPr>
+          <a:lstStyle/>
+          <a:p>
+            <a:pPr algn="ctr"/>
+            <a:r>
+              <a:rPr lang="en-US" sz="5200" dirty="0"/>
+              <a:t>IMAGENS NO MATTER CONTROL</a:t>
+            </a:r>
+          </a:p>
+        </p:txBody>
+      </p:sp>
+      <p:sp>
+        <p:nvSpPr>
+          <p:cNvPr id="3" name="Content Placeholder 2">
+            <a:extLst>
+              <a:ext uri="{FF2B5EF4-FFF2-40B4-BE49-F238E27FC236}">
+                <a16:creationId xmlns:a16="http://schemas.microsoft.com/office/drawing/2014/main" id="{1AD0B689-0C60-4A96-A9F1-5037CE604970}"/>
+              </a:ext>
+            </a:extLst>
+          </p:cNvPr>
+          <p:cNvSpPr>
+            <a:spLocks noGrp="1"/>
+          </p:cNvSpPr>
+          <p:nvPr>
+            <p:ph idx="1"/>
+          </p:nvPr>
+        </p:nvSpPr>
+        <p:spPr>
+          <a:xfrm>
+            <a:off x="838200" y="1285458"/>
+            <a:ext cx="10515600" cy="5274367"/>
+          </a:xfrm>
+        </p:spPr>
+        <p:txBody>
+          <a:bodyPr>
+            <a:normAutofit/>
+          </a:bodyPr>
+          <a:lstStyle/>
+          <a:p>
+            <a:pPr marL="0" indent="0">
+              <a:buNone/>
+            </a:pPr>
+            <a:r>
+              <a:rPr lang="en-US" dirty="0"/>
+              <a:t>	</a:t>
+            </a:r>
+          </a:p>
+          <a:p>
+            <a:pPr marL="0" indent="0">
+              <a:buNone/>
+            </a:pPr>
+            <a:r>
+              <a:rPr lang="en-US" dirty="0"/>
+              <a:t>	É </a:t>
+            </a:r>
+            <a:r>
+              <a:rPr lang="en-US" dirty="0" err="1"/>
+              <a:t>possível</a:t>
+            </a:r>
+            <a:r>
+              <a:rPr lang="en-US" dirty="0"/>
+              <a:t> </a:t>
+            </a:r>
+            <a:r>
+              <a:rPr lang="en-US" dirty="0" err="1"/>
+              <a:t>criar</a:t>
+            </a:r>
+            <a:r>
+              <a:rPr lang="en-US" dirty="0"/>
+              <a:t> um </a:t>
+            </a:r>
+            <a:r>
+              <a:rPr lang="en-US" dirty="0" err="1"/>
+              <a:t>objeto</a:t>
+            </a:r>
+            <a:r>
+              <a:rPr lang="en-US" dirty="0"/>
+              <a:t> a </a:t>
+            </a:r>
+            <a:r>
+              <a:rPr lang="en-US" dirty="0" err="1"/>
+              <a:t>partir</a:t>
+            </a:r>
+            <a:r>
+              <a:rPr lang="en-US" dirty="0"/>
+              <a:t> de </a:t>
+            </a:r>
+            <a:r>
+              <a:rPr lang="en-US" dirty="0" err="1"/>
+              <a:t>uma</a:t>
+            </a:r>
+            <a:r>
+              <a:rPr lang="en-US" dirty="0"/>
+              <a:t> </a:t>
+            </a:r>
+            <a:r>
+              <a:rPr lang="en-US" dirty="0" err="1"/>
+              <a:t>imagem</a:t>
+            </a:r>
+            <a:r>
+              <a:rPr lang="en-US" dirty="0"/>
+              <a:t> no Matter Control. É </a:t>
+            </a:r>
+            <a:r>
+              <a:rPr lang="en-US" dirty="0" err="1"/>
+              <a:t>também</a:t>
+            </a:r>
+            <a:r>
+              <a:rPr lang="en-US" dirty="0"/>
+              <a:t> um </a:t>
+            </a:r>
+            <a:r>
+              <a:rPr lang="en-US" dirty="0" err="1"/>
+              <a:t>objeto</a:t>
+            </a:r>
+            <a:r>
+              <a:rPr lang="en-US" dirty="0"/>
+              <a:t> </a:t>
+            </a:r>
+            <a:r>
+              <a:rPr lang="en-US" dirty="0" err="1"/>
+              <a:t>primitivo</a:t>
+            </a:r>
+            <a:r>
+              <a:rPr lang="en-US" dirty="0"/>
+              <a:t>.</a:t>
+            </a:r>
+          </a:p>
+          <a:p>
+            <a:pPr marL="0" indent="0">
+              <a:buNone/>
+            </a:pPr>
+            <a:endParaRPr lang="en-US" dirty="0"/>
+          </a:p>
+          <a:p>
+            <a:pPr marL="0" indent="0">
+              <a:buNone/>
+            </a:pPr>
+            <a:endParaRPr lang="en-US" dirty="0"/>
+          </a:p>
+          <a:p>
+            <a:pPr marL="0" indent="0">
+              <a:buNone/>
+            </a:pPr>
+            <a:endParaRPr lang="en-US" dirty="0"/>
+          </a:p>
+          <a:p>
+            <a:pPr marL="0" indent="0">
+              <a:buNone/>
+            </a:pPr>
+            <a:endParaRPr lang="en-US" dirty="0"/>
+          </a:p>
+          <a:p>
+            <a:pPr marL="0" indent="0">
+              <a:buNone/>
+            </a:pPr>
+            <a:endParaRPr lang="en-US" dirty="0"/>
+          </a:p>
+          <a:p>
+            <a:pPr marL="0" indent="0">
+              <a:buNone/>
+            </a:pPr>
+            <a:endParaRPr lang="en-US" dirty="0"/>
+          </a:p>
+          <a:p>
+            <a:pPr marL="0" indent="0">
+              <a:buNone/>
+            </a:pPr>
+            <a:endParaRPr lang="en-US" dirty="0"/>
+          </a:p>
+        </p:txBody>
+      </p:sp>
+      <p:pic>
+        <p:nvPicPr>
+          <p:cNvPr id="5" name="Picture 4">
+            <a:extLst>
+              <a:ext uri="{FF2B5EF4-FFF2-40B4-BE49-F238E27FC236}">
+                <a16:creationId xmlns:a16="http://schemas.microsoft.com/office/drawing/2014/main" id="{EC670656-085B-4CF6-BBE4-C1C415AB5D86}"/>
+              </a:ext>
+            </a:extLst>
+          </p:cNvPr>
+          <p:cNvPicPr>
+            <a:picLocks noChangeAspect="1"/>
+          </p:cNvPicPr>
+          <p:nvPr/>
+        </p:nvPicPr>
+        <p:blipFill>
+          <a:blip r:embed="rId2">
+            <a:extLst>
+              <a:ext uri="{28A0092B-C50C-407E-A947-70E740481C1C}">
+                <a14:useLocalDpi xmlns:a14="http://schemas.microsoft.com/office/drawing/2010/main" val="0"/>
+              </a:ext>
+            </a:extLst>
+          </a:blip>
+          <a:stretch>
+            <a:fillRect/>
+          </a:stretch>
+        </p:blipFill>
+        <p:spPr>
+          <a:xfrm>
+            <a:off x="3776239" y="2857580"/>
+            <a:ext cx="4639522" cy="3702245"/>
+          </a:xfrm>
+          <a:prstGeom prst="rect">
+            <a:avLst/>
+          </a:prstGeom>
+        </p:spPr>
+      </p:pic>
+    </p:spTree>
+    <p:extLst>
+      <p:ext uri="{BB962C8B-B14F-4D97-AF65-F5344CB8AC3E}">
+        <p14:creationId xmlns:p14="http://schemas.microsoft.com/office/powerpoint/2010/main" val="3418495990"/>
+      </p:ext>
+    </p:extLst>
+  </p:cSld>
+  <p:clrMapOvr>
+    <a:masterClrMapping/>
+  </p:clrMapOvr>
+</p:sld>
+</file>
+
+<file path=ppt/slides/slide18.xml><?xml version="1.0" encoding="utf-8"?>
+<p:sld xmlns:a="http://schemas.openxmlformats.org/drawingml/2006/main" xmlns:r="http://schemas.openxmlformats.org/officeDocument/2006/relationships" xmlns:p="http://schemas.openxmlformats.org/presentationml/2006/main">
+  <p:cSld>
+    <p:spTree>
+      <p:nvGrpSpPr>
+        <p:cNvPr id="1" name=""/>
+        <p:cNvGrpSpPr/>
+        <p:nvPr/>
+      </p:nvGrpSpPr>
+      <p:grpSpPr>
+        <a:xfrm>
+          <a:off x="0" y="0"/>
+          <a:ext cx="0" cy="0"/>
+          <a:chOff x="0" y="0"/>
+          <a:chExt cx="0" cy="0"/>
+        </a:xfrm>
+      </p:grpSpPr>
+      <p:sp>
+        <p:nvSpPr>
+          <p:cNvPr id="2" name="Title 1">
+            <a:extLst>
+              <a:ext uri="{FF2B5EF4-FFF2-40B4-BE49-F238E27FC236}">
+                <a16:creationId xmlns:a16="http://schemas.microsoft.com/office/drawing/2014/main" id="{E5E8D1DA-2D7D-461A-8D8D-7CAF47675C62}"/>
+              </a:ext>
+            </a:extLst>
+          </p:cNvPr>
+          <p:cNvSpPr>
+            <a:spLocks noGrp="1"/>
+          </p:cNvSpPr>
+          <p:nvPr>
+            <p:ph type="title"/>
+          </p:nvPr>
+        </p:nvSpPr>
+        <p:spPr>
+          <a:xfrm>
+            <a:off x="838200" y="463826"/>
+            <a:ext cx="10515600" cy="821632"/>
+          </a:xfrm>
+        </p:spPr>
+        <p:txBody>
+          <a:bodyPr>
+            <a:noAutofit/>
+          </a:bodyPr>
+          <a:lstStyle/>
+          <a:p>
+            <a:pPr algn="ctr"/>
+            <a:r>
+              <a:rPr lang="en-US" sz="5200" dirty="0"/>
+              <a:t>ESFERA NO MATTER CONTROL</a:t>
+            </a:r>
+          </a:p>
+        </p:txBody>
+      </p:sp>
+      <p:sp>
+        <p:nvSpPr>
+          <p:cNvPr id="3" name="Content Placeholder 2">
+            <a:extLst>
+              <a:ext uri="{FF2B5EF4-FFF2-40B4-BE49-F238E27FC236}">
+                <a16:creationId xmlns:a16="http://schemas.microsoft.com/office/drawing/2014/main" id="{1AD0B689-0C60-4A96-A9F1-5037CE604970}"/>
+              </a:ext>
+            </a:extLst>
+          </p:cNvPr>
+          <p:cNvSpPr>
+            <a:spLocks noGrp="1"/>
+          </p:cNvSpPr>
+          <p:nvPr>
+            <p:ph idx="1"/>
+          </p:nvPr>
+        </p:nvSpPr>
+        <p:spPr>
+          <a:xfrm>
+            <a:off x="838200" y="1285458"/>
+            <a:ext cx="10515600" cy="5274367"/>
+          </a:xfrm>
+        </p:spPr>
+        <p:txBody>
+          <a:bodyPr>
+            <a:normAutofit/>
+          </a:bodyPr>
+          <a:lstStyle/>
+          <a:p>
+            <a:pPr marL="0" indent="0">
+              <a:buNone/>
+            </a:pPr>
+            <a:r>
+              <a:rPr lang="en-US" dirty="0"/>
+              <a:t>	</a:t>
+            </a:r>
+          </a:p>
+          <a:p>
+            <a:pPr marL="0" indent="0">
+              <a:buNone/>
+            </a:pPr>
+            <a:r>
+              <a:rPr lang="en-US" dirty="0"/>
+              <a:t>Um </a:t>
+            </a:r>
+            <a:r>
+              <a:rPr lang="en-US" dirty="0" err="1"/>
+              <a:t>projeto</a:t>
+            </a:r>
+            <a:r>
+              <a:rPr lang="en-US" dirty="0"/>
+              <a:t> com </a:t>
+            </a:r>
+            <a:r>
+              <a:rPr lang="en-US" dirty="0" err="1"/>
+              <a:t>duas</a:t>
+            </a:r>
+            <a:r>
+              <a:rPr lang="en-US" dirty="0"/>
+              <a:t> </a:t>
+            </a:r>
+            <a:r>
+              <a:rPr lang="en-US" dirty="0" err="1"/>
+              <a:t>esferas</a:t>
+            </a:r>
+            <a:r>
+              <a:rPr lang="en-US" dirty="0"/>
+              <a:t>.</a:t>
+            </a:r>
+          </a:p>
+          <a:p>
+            <a:pPr marL="0" indent="0">
+              <a:buNone/>
+            </a:pPr>
+            <a:endParaRPr lang="en-US" dirty="0"/>
+          </a:p>
+          <a:p>
+            <a:pPr marL="0" indent="0">
+              <a:buNone/>
+            </a:pPr>
+            <a:endParaRPr lang="en-US" dirty="0"/>
+          </a:p>
+          <a:p>
+            <a:pPr marL="0" indent="0">
+              <a:buNone/>
+            </a:pPr>
+            <a:endParaRPr lang="en-US" dirty="0"/>
+          </a:p>
+          <a:p>
+            <a:pPr marL="0" indent="0">
+              <a:buNone/>
+            </a:pPr>
+            <a:endParaRPr lang="en-US" dirty="0"/>
+          </a:p>
+          <a:p>
+            <a:pPr marL="0" indent="0">
+              <a:buNone/>
+            </a:pPr>
+            <a:endParaRPr lang="en-US" dirty="0"/>
+          </a:p>
+          <a:p>
+            <a:pPr marL="0" indent="0">
+              <a:buNone/>
+            </a:pPr>
+            <a:endParaRPr lang="en-US" dirty="0"/>
+          </a:p>
+          <a:p>
+            <a:pPr marL="0" indent="0">
+              <a:buNone/>
+            </a:pPr>
+            <a:endParaRPr lang="en-US" dirty="0"/>
+          </a:p>
+        </p:txBody>
+      </p:sp>
+      <p:pic>
+        <p:nvPicPr>
+          <p:cNvPr id="5" name="Picture 4">
+            <a:extLst>
+              <a:ext uri="{FF2B5EF4-FFF2-40B4-BE49-F238E27FC236}">
+                <a16:creationId xmlns:a16="http://schemas.microsoft.com/office/drawing/2014/main" id="{C444ABA5-1F90-42E5-B717-511AC3815A2A}"/>
+              </a:ext>
+            </a:extLst>
+          </p:cNvPr>
+          <p:cNvPicPr>
+            <a:picLocks noChangeAspect="1"/>
+          </p:cNvPicPr>
+          <p:nvPr/>
+        </p:nvPicPr>
+        <p:blipFill>
+          <a:blip r:embed="rId2">
+            <a:extLst>
+              <a:ext uri="{28A0092B-C50C-407E-A947-70E740481C1C}">
+                <a14:useLocalDpi xmlns:a14="http://schemas.microsoft.com/office/drawing/2010/main" val="0"/>
+              </a:ext>
+            </a:extLst>
+          </a:blip>
+          <a:stretch>
+            <a:fillRect/>
+          </a:stretch>
+        </p:blipFill>
+        <p:spPr>
+          <a:xfrm>
+            <a:off x="2538974" y="2601510"/>
+            <a:ext cx="7114051" cy="3792664"/>
+          </a:xfrm>
+          <a:prstGeom prst="rect">
+            <a:avLst/>
+          </a:prstGeom>
+        </p:spPr>
+      </p:pic>
+    </p:spTree>
+    <p:extLst>
+      <p:ext uri="{BB962C8B-B14F-4D97-AF65-F5344CB8AC3E}">
+        <p14:creationId xmlns:p14="http://schemas.microsoft.com/office/powerpoint/2010/main" val="488740703"/>
+      </p:ext>
+    </p:extLst>
+  </p:cSld>
+  <p:clrMapOvr>
+    <a:masterClrMapping/>
+  </p:clrMapOvr>
+</p:sld>
+</file>
+
+<file path=ppt/slides/slide19.xml><?xml version="1.0" encoding="utf-8"?>
 <p:sld xmlns:a="http://schemas.openxmlformats.org/drawingml/2006/main" xmlns:r="http://schemas.openxmlformats.org/officeDocument/2006/relationships" xmlns:p="http://schemas.openxmlformats.org/presentationml/2006/main">
   <p:cSld>
     <p:spTree>

--- a/Curso/Fundamentos de impressão 3D - Objetos.pptx
+++ b/Curso/Fundamentos de impressão 3D - Objetos.pptx
@@ -21,8 +21,8 @@
     <p:sldId id="270" r:id="rId15"/>
     <p:sldId id="272" r:id="rId16"/>
     <p:sldId id="273" r:id="rId17"/>
-    <p:sldId id="275" r:id="rId18"/>
-    <p:sldId id="274" r:id="rId19"/>
+    <p:sldId id="274" r:id="rId18"/>
+    <p:sldId id="275" r:id="rId19"/>
     <p:sldId id="266" r:id="rId20"/>
   </p:sldIdLst>
   <p:sldSz cx="12192000" cy="6858000"/>
@@ -277,7 +277,7 @@
           <a:p>
             <a:fld id="{77E03E06-8C86-48F5-8794-31FA2B737184}" type="datetimeFigureOut">
               <a:rPr lang="en-US" smtClean="0"/>
-              <a:t>11/28/2019</a:t>
+              <a:t>11/29/2019</a:t>
             </a:fld>
             <a:endParaRPr lang="en-US"/>
           </a:p>
@@ -475,7 +475,7 @@
           <a:p>
             <a:fld id="{77E03E06-8C86-48F5-8794-31FA2B737184}" type="datetimeFigureOut">
               <a:rPr lang="en-US" smtClean="0"/>
-              <a:t>11/28/2019</a:t>
+              <a:t>11/29/2019</a:t>
             </a:fld>
             <a:endParaRPr lang="en-US"/>
           </a:p>
@@ -683,7 +683,7 @@
           <a:p>
             <a:fld id="{77E03E06-8C86-48F5-8794-31FA2B737184}" type="datetimeFigureOut">
               <a:rPr lang="en-US" smtClean="0"/>
-              <a:t>11/28/2019</a:t>
+              <a:t>11/29/2019</a:t>
             </a:fld>
             <a:endParaRPr lang="en-US"/>
           </a:p>
@@ -881,7 +881,7 @@
           <a:p>
             <a:fld id="{77E03E06-8C86-48F5-8794-31FA2B737184}" type="datetimeFigureOut">
               <a:rPr lang="en-US" smtClean="0"/>
-              <a:t>11/28/2019</a:t>
+              <a:t>11/29/2019</a:t>
             </a:fld>
             <a:endParaRPr lang="en-US"/>
           </a:p>
@@ -1156,7 +1156,7 @@
           <a:p>
             <a:fld id="{77E03E06-8C86-48F5-8794-31FA2B737184}" type="datetimeFigureOut">
               <a:rPr lang="en-US" smtClean="0"/>
-              <a:t>11/28/2019</a:t>
+              <a:t>11/29/2019</a:t>
             </a:fld>
             <a:endParaRPr lang="en-US"/>
           </a:p>
@@ -1421,7 +1421,7 @@
           <a:p>
             <a:fld id="{77E03E06-8C86-48F5-8794-31FA2B737184}" type="datetimeFigureOut">
               <a:rPr lang="en-US" smtClean="0"/>
-              <a:t>11/28/2019</a:t>
+              <a:t>11/29/2019</a:t>
             </a:fld>
             <a:endParaRPr lang="en-US"/>
           </a:p>
@@ -1833,7 +1833,7 @@
           <a:p>
             <a:fld id="{77E03E06-8C86-48F5-8794-31FA2B737184}" type="datetimeFigureOut">
               <a:rPr lang="en-US" smtClean="0"/>
-              <a:t>11/28/2019</a:t>
+              <a:t>11/29/2019</a:t>
             </a:fld>
             <a:endParaRPr lang="en-US"/>
           </a:p>
@@ -1974,7 +1974,7 @@
           <a:p>
             <a:fld id="{77E03E06-8C86-48F5-8794-31FA2B737184}" type="datetimeFigureOut">
               <a:rPr lang="en-US" smtClean="0"/>
-              <a:t>11/28/2019</a:t>
+              <a:t>11/29/2019</a:t>
             </a:fld>
             <a:endParaRPr lang="en-US"/>
           </a:p>
@@ -2087,7 +2087,7 @@
           <a:p>
             <a:fld id="{77E03E06-8C86-48F5-8794-31FA2B737184}" type="datetimeFigureOut">
               <a:rPr lang="en-US" smtClean="0"/>
-              <a:t>11/28/2019</a:t>
+              <a:t>11/29/2019</a:t>
             </a:fld>
             <a:endParaRPr lang="en-US"/>
           </a:p>
@@ -2398,7 +2398,7 @@
           <a:p>
             <a:fld id="{77E03E06-8C86-48F5-8794-31FA2B737184}" type="datetimeFigureOut">
               <a:rPr lang="en-US" smtClean="0"/>
-              <a:t>11/28/2019</a:t>
+              <a:t>11/29/2019</a:t>
             </a:fld>
             <a:endParaRPr lang="en-US"/>
           </a:p>
@@ -2686,7 +2686,7 @@
           <a:p>
             <a:fld id="{77E03E06-8C86-48F5-8794-31FA2B737184}" type="datetimeFigureOut">
               <a:rPr lang="en-US" smtClean="0"/>
-              <a:t>11/28/2019</a:t>
+              <a:t>11/29/2019</a:t>
             </a:fld>
             <a:endParaRPr lang="en-US"/>
           </a:p>
@@ -2927,7 +2927,7 @@
           <a:p>
             <a:fld id="{77E03E06-8C86-48F5-8794-31FA2B737184}" type="datetimeFigureOut">
               <a:rPr lang="en-US" smtClean="0"/>
-              <a:t>11/28/2019</a:t>
+              <a:t>11/29/2019</a:t>
             </a:fld>
             <a:endParaRPr lang="en-US"/>
           </a:p>
@@ -4112,7 +4112,7 @@
             <a:pPr algn="ctr"/>
             <a:r>
               <a:rPr lang="en-US" sz="5200" dirty="0"/>
-              <a:t>COMO FORMAR UMA RETÂNGULO?</a:t>
+              <a:t>COMO FORMAR UM RETÂNGULO?</a:t>
             </a:r>
           </a:p>
         </p:txBody>
@@ -4141,7 +4141,7 @@
         </p:spPr>
         <p:txBody>
           <a:bodyPr>
-            <a:normAutofit fontScale="92500" lnSpcReduction="10000"/>
+            <a:normAutofit fontScale="92500" lnSpcReduction="20000"/>
           </a:bodyPr>
           <a:lstStyle/>
           <a:p>
@@ -4161,77 +4161,78 @@
               <a:rPr lang="en-US" dirty="0"/>
               <a:t>	</a:t>
             </a:r>
-          </a:p>
-          <a:p>
-            <a:pPr marL="0" indent="0">
-              <a:buNone/>
-            </a:pPr>
-            <a:r>
-              <a:rPr lang="en-US" dirty="0"/>
+            <a:endParaRPr lang="en-US" sz="3000" dirty="0"/>
+          </a:p>
+          <a:p>
+            <a:pPr marL="0" indent="0">
+              <a:buNone/>
+            </a:pPr>
+            <a:r>
+              <a:rPr lang="en-US" sz="3000" dirty="0"/>
               <a:t>	Um </a:t>
             </a:r>
             <a:r>
-              <a:rPr lang="en-US" dirty="0" err="1"/>
+              <a:rPr lang="en-US" sz="3000" dirty="0" err="1"/>
               <a:t>retângulo</a:t>
             </a:r>
             <a:r>
-              <a:rPr lang="en-US" dirty="0"/>
+              <a:rPr lang="en-US" sz="3000" dirty="0"/>
               <a:t> no </a:t>
             </a:r>
             <a:r>
-              <a:rPr lang="en-US" dirty="0" err="1"/>
+              <a:rPr lang="en-US" sz="3000" dirty="0" err="1"/>
               <a:t>MatterControl</a:t>
             </a:r>
             <a:r>
-              <a:rPr lang="en-US" dirty="0"/>
+              <a:rPr lang="en-US" sz="3000" dirty="0"/>
               <a:t> </a:t>
             </a:r>
             <a:r>
-              <a:rPr lang="en-US" dirty="0" err="1"/>
+              <a:rPr lang="en-US" sz="3000" dirty="0" err="1"/>
               <a:t>pode</a:t>
             </a:r>
             <a:r>
-              <a:rPr lang="en-US" dirty="0"/>
+              <a:rPr lang="en-US" sz="3000" dirty="0"/>
               <a:t> ser </a:t>
             </a:r>
             <a:r>
-              <a:rPr lang="en-US" dirty="0" err="1"/>
+              <a:rPr lang="en-US" sz="3000" dirty="0" err="1"/>
               <a:t>formado</a:t>
             </a:r>
             <a:r>
-              <a:rPr lang="en-US" dirty="0"/>
+              <a:rPr lang="en-US" sz="3000" dirty="0"/>
               <a:t> </a:t>
             </a:r>
             <a:r>
-              <a:rPr lang="en-US" dirty="0" err="1"/>
+              <a:rPr lang="en-US" sz="3000" dirty="0" err="1"/>
               <a:t>seguindo</a:t>
             </a:r>
             <a:r>
-              <a:rPr lang="en-US" dirty="0"/>
+              <a:rPr lang="en-US" sz="3000" dirty="0"/>
               <a:t> </a:t>
             </a:r>
             <a:r>
-              <a:rPr lang="en-US" dirty="0" err="1"/>
+              <a:rPr lang="en-US" sz="3000" dirty="0" err="1"/>
               <a:t>os</a:t>
             </a:r>
             <a:r>
-              <a:rPr lang="en-US" dirty="0"/>
+              <a:rPr lang="en-US" sz="3000" dirty="0"/>
               <a:t> </a:t>
             </a:r>
             <a:r>
-              <a:rPr lang="en-US" dirty="0" err="1"/>
+              <a:rPr lang="en-US" sz="3000" dirty="0" err="1"/>
               <a:t>seguintes</a:t>
             </a:r>
             <a:r>
-              <a:rPr lang="en-US" dirty="0"/>
+              <a:rPr lang="en-US" sz="3000" dirty="0"/>
               <a:t> </a:t>
             </a:r>
             <a:r>
-              <a:rPr lang="en-US" dirty="0" err="1"/>
+              <a:rPr lang="en-US" sz="3000" dirty="0" err="1"/>
               <a:t>valores</a:t>
             </a:r>
             <a:r>
-              <a:rPr lang="en-US" dirty="0"/>
+              <a:rPr lang="en-US" sz="3000" dirty="0"/>
               <a:t>:</a:t>
             </a:r>
           </a:p>
@@ -4281,37 +4282,37 @@
             <a:pPr marL="0" indent="0">
               <a:buNone/>
             </a:pPr>
-            <a:endParaRPr lang="en-US" dirty="0"/>
-          </a:p>
-          <a:p>
-            <a:pPr marL="0" indent="0">
-              <a:buNone/>
-            </a:pPr>
-            <a:r>
-              <a:rPr lang="en-US" dirty="0"/>
+            <a:endParaRPr lang="en-US" sz="3000" dirty="0"/>
+          </a:p>
+          <a:p>
+            <a:pPr marL="0" indent="0">
+              <a:buNone/>
+            </a:pPr>
+            <a:r>
+              <a:rPr lang="en-US" sz="3000" dirty="0"/>
               <a:t>depth – </a:t>
             </a:r>
             <a:r>
-              <a:rPr lang="en-US" dirty="0" err="1"/>
+              <a:rPr lang="en-US" sz="3000" dirty="0" err="1"/>
               <a:t>profundidade</a:t>
             </a:r>
             <a:r>
-              <a:rPr lang="en-US" dirty="0"/>
+              <a:rPr lang="en-US" sz="3000" dirty="0"/>
               <a:t> , height – </a:t>
             </a:r>
             <a:r>
-              <a:rPr lang="en-US" dirty="0" err="1"/>
+              <a:rPr lang="en-US" sz="3000" dirty="0" err="1"/>
               <a:t>altura</a:t>
             </a:r>
             <a:r>
-              <a:rPr lang="en-US" dirty="0"/>
+              <a:rPr lang="en-US" sz="3000" dirty="0"/>
               <a:t>, width - </a:t>
             </a:r>
             <a:r>
-              <a:rPr lang="en-US" dirty="0" err="1"/>
+              <a:rPr lang="en-US" sz="3000" dirty="0" err="1"/>
               <a:t>largura</a:t>
             </a:r>
-            <a:endParaRPr lang="en-US" dirty="0"/>
+            <a:endParaRPr lang="en-US" sz="3000" dirty="0"/>
           </a:p>
         </p:txBody>
       </p:sp>
@@ -4343,7 +4344,7 @@
         </p:blipFill>
         <p:spPr>
           <a:xfrm>
-            <a:off x="3409110" y="2784212"/>
+            <a:off x="3409110" y="2771333"/>
             <a:ext cx="5373780" cy="2516835"/>
           </a:xfrm>
           <a:prstGeom prst="rect">
@@ -4635,7 +4636,7 @@
             <a:pPr algn="ctr"/>
             <a:r>
               <a:rPr lang="en-US" sz="5200" dirty="0"/>
-              <a:t>RETÂNGULO NO MATTER CONTROL</a:t>
+              <a:t>ESFERA NO MATTER CONTROL</a:t>
             </a:r>
           </a:p>
         </p:txBody>
@@ -4679,10 +4680,6 @@
               <a:buNone/>
             </a:pPr>
             <a:r>
-              <a:rPr lang="en-US" dirty="0"/>
-              <a:t>	</a:t>
-            </a:r>
-            <a:r>
               <a:rPr lang="pt-BR" dirty="0"/>
               <a:t>A esfera é um objeto primitivo no </a:t>
             </a:r>
@@ -4692,14 +4689,8 @@
             </a:r>
             <a:r>
               <a:rPr lang="pt-BR" dirty="0"/>
-              <a:t>, então vem padrão uma esfera com diâmetro e laterais em: 20 mm e 40 mm respectivamente. </a:t>
-            </a:r>
-          </a:p>
-          <a:p>
-            <a:pPr marL="0" indent="0" algn="just">
-              <a:buNone/>
-            </a:pPr>
-            <a:endParaRPr lang="pt-BR" dirty="0"/>
+              <a:t>.</a:t>
+            </a:r>
           </a:p>
           <a:p>
             <a:pPr marL="0" indent="0" algn="just">
@@ -4743,8 +4734,8 @@
         </p:blipFill>
         <p:spPr>
           <a:xfrm>
-            <a:off x="4228839" y="3012729"/>
-            <a:ext cx="3734321" cy="3467584"/>
+            <a:off x="4090185" y="2669089"/>
+            <a:ext cx="4011630" cy="3725085"/>
           </a:xfrm>
           <a:prstGeom prst="rect">
             <a:avLst/>
@@ -4799,8 +4790,8 @@
         </p:nvSpPr>
         <p:spPr>
           <a:xfrm>
-            <a:off x="838200" y="463826"/>
-            <a:ext cx="10515600" cy="821632"/>
+            <a:off x="838200" y="298176"/>
+            <a:ext cx="10515600" cy="1182894"/>
           </a:xfrm>
         </p:spPr>
         <p:txBody>
@@ -4812,7 +4803,7 @@
             <a:pPr algn="ctr"/>
             <a:r>
               <a:rPr lang="en-US" sz="5200" dirty="0"/>
-              <a:t>COMO FORMAR UMA RETÂNGULO?</a:t>
+              <a:t>COMO FORMAR UMA ESFERA?</a:t>
             </a:r>
           </a:p>
         </p:txBody>
@@ -4841,7 +4832,7 @@
         </p:spPr>
         <p:txBody>
           <a:bodyPr>
-            <a:normAutofit lnSpcReduction="10000"/>
+            <a:normAutofit fontScale="92500" lnSpcReduction="10000"/>
           </a:bodyPr>
           <a:lstStyle/>
           <a:p>
@@ -4861,72 +4852,77 @@
               <a:rPr lang="en-US" dirty="0"/>
               <a:t>	</a:t>
             </a:r>
-            <a:r>
-              <a:rPr lang="en-US" sz="2600" dirty="0"/>
-              <a:t>Um </a:t>
-            </a:r>
-            <a:r>
-              <a:rPr lang="en-US" sz="2600" dirty="0" err="1"/>
-              <a:t>retângulo</a:t>
-            </a:r>
-            <a:r>
-              <a:rPr lang="en-US" sz="2600" dirty="0"/>
+          </a:p>
+          <a:p>
+            <a:pPr marL="0" indent="0">
+              <a:buNone/>
+            </a:pPr>
+            <a:r>
+              <a:rPr lang="en-US" sz="3000" dirty="0"/>
+              <a:t>	Uma </a:t>
+            </a:r>
+            <a:r>
+              <a:rPr lang="en-US" sz="3000" dirty="0" err="1"/>
+              <a:t>esfera</a:t>
+            </a:r>
+            <a:r>
+              <a:rPr lang="en-US" sz="3000" dirty="0"/>
               <a:t> no </a:t>
             </a:r>
             <a:r>
-              <a:rPr lang="en-US" sz="2600" dirty="0" err="1"/>
+              <a:rPr lang="en-US" sz="3000" dirty="0" err="1"/>
               <a:t>MatterControl</a:t>
             </a:r>
             <a:r>
-              <a:rPr lang="en-US" sz="2600" dirty="0"/>
+              <a:rPr lang="en-US" sz="3000" dirty="0"/>
               <a:t> </a:t>
             </a:r>
             <a:r>
-              <a:rPr lang="en-US" sz="2600" dirty="0" err="1"/>
+              <a:rPr lang="en-US" sz="3000" dirty="0" err="1"/>
               <a:t>pode</a:t>
             </a:r>
             <a:r>
-              <a:rPr lang="en-US" sz="2600" dirty="0"/>
+              <a:rPr lang="en-US" sz="3000" dirty="0"/>
               <a:t> ser </a:t>
             </a:r>
             <a:r>
-              <a:rPr lang="en-US" sz="2600" dirty="0" err="1"/>
-              <a:t>formado</a:t>
-            </a:r>
-            <a:r>
-              <a:rPr lang="en-US" sz="2600" dirty="0"/>
+              <a:rPr lang="en-US" sz="3000" dirty="0" err="1"/>
+              <a:t>formada</a:t>
+            </a:r>
+            <a:r>
+              <a:rPr lang="en-US" sz="3000" dirty="0"/>
               <a:t> </a:t>
             </a:r>
             <a:r>
-              <a:rPr lang="en-US" sz="2600" dirty="0" err="1"/>
+              <a:rPr lang="en-US" sz="3000" dirty="0" err="1"/>
               <a:t>seguindo</a:t>
             </a:r>
             <a:r>
-              <a:rPr lang="en-US" sz="2600" dirty="0"/>
+              <a:rPr lang="en-US" sz="3000" dirty="0"/>
               <a:t> </a:t>
             </a:r>
             <a:r>
-              <a:rPr lang="en-US" sz="2600" dirty="0" err="1"/>
+              <a:rPr lang="en-US" sz="3000" dirty="0" err="1"/>
               <a:t>os</a:t>
             </a:r>
             <a:r>
-              <a:rPr lang="en-US" sz="2600" dirty="0"/>
+              <a:rPr lang="en-US" sz="3000" dirty="0"/>
               <a:t> </a:t>
             </a:r>
             <a:r>
-              <a:rPr lang="en-US" sz="2600" dirty="0" err="1"/>
+              <a:rPr lang="en-US" sz="3000" dirty="0" err="1"/>
               <a:t>seguintes</a:t>
             </a:r>
             <a:r>
-              <a:rPr lang="en-US" sz="2600" dirty="0"/>
+              <a:rPr lang="en-US" sz="3000" dirty="0"/>
               <a:t> </a:t>
             </a:r>
             <a:r>
-              <a:rPr lang="en-US" sz="2600" dirty="0" err="1"/>
+              <a:rPr lang="en-US" sz="3000" dirty="0" err="1"/>
               <a:t>valores</a:t>
             </a:r>
             <a:r>
-              <a:rPr lang="en-US" sz="2600" dirty="0"/>
+              <a:rPr lang="en-US" sz="3000" dirty="0"/>
               <a:t>:</a:t>
             </a:r>
           </a:p>
@@ -4983,64 +4979,31 @@
               <a:buNone/>
             </a:pPr>
             <a:r>
-              <a:rPr lang="en-US" sz="2600" dirty="0"/>
+              <a:rPr lang="en-US" sz="3000" dirty="0"/>
               <a:t>diameter – </a:t>
             </a:r>
             <a:r>
-              <a:rPr lang="en-US" sz="2600" dirty="0" err="1"/>
+              <a:rPr lang="en-US" sz="3000" dirty="0" err="1"/>
               <a:t>diâmetro</a:t>
             </a:r>
             <a:r>
-              <a:rPr lang="en-US" sz="2600" dirty="0"/>
-              <a:t> , slides – </a:t>
-            </a:r>
-            <a:r>
-              <a:rPr lang="en-US" sz="2600" dirty="0" err="1"/>
-              <a:t>laterais</a:t>
-            </a:r>
-            <a:r>
-              <a:rPr lang="en-US" sz="2600" dirty="0"/>
-              <a:t>, starting angle – </a:t>
-            </a:r>
-            <a:r>
-              <a:rPr lang="en-US" sz="2600" dirty="0" err="1"/>
-              <a:t>ângulo</a:t>
-            </a:r>
-            <a:r>
-              <a:rPr lang="en-US" sz="2600" dirty="0"/>
-              <a:t> </a:t>
-            </a:r>
-            <a:r>
-              <a:rPr lang="en-US" sz="2600" dirty="0" err="1"/>
-              <a:t>inicial</a:t>
-            </a:r>
-            <a:endParaRPr lang="en-US" sz="2600" dirty="0"/>
-          </a:p>
-          <a:p>
-            <a:pPr marL="0" indent="0">
-              <a:buNone/>
-            </a:pPr>
-            <a:r>
-              <a:rPr lang="en-US" sz="2600" dirty="0"/>
-              <a:t>ending angle – </a:t>
-            </a:r>
-            <a:r>
-              <a:rPr lang="en-US" sz="2600" dirty="0" err="1"/>
-              <a:t>ângulo</a:t>
-            </a:r>
-            <a:r>
-              <a:rPr lang="en-US" sz="2600" dirty="0"/>
-              <a:t> final, latitude slides -  </a:t>
-            </a:r>
+              <a:rPr lang="en-US" sz="3000" dirty="0"/>
+              <a:t> , sides – </a:t>
+            </a:r>
+            <a:r>
+              <a:rPr lang="en-US" sz="3000" dirty="0" err="1"/>
+              <a:t>lados</a:t>
+            </a:r>
+            <a:endParaRPr lang="en-US" sz="3000" dirty="0"/>
           </a:p>
         </p:txBody>
       </p:sp>
       <p:pic>
         <p:nvPicPr>
-          <p:cNvPr id="5" name="Picture 4">
-            <a:extLst>
-              <a:ext uri="{FF2B5EF4-FFF2-40B4-BE49-F238E27FC236}">
-                <a16:creationId xmlns:a16="http://schemas.microsoft.com/office/drawing/2014/main" id="{4ECE1F6F-64DB-40F2-9C99-EBAE2205B431}"/>
+          <p:cNvPr id="6" name="Picture 5">
+            <a:extLst>
+              <a:ext uri="{FF2B5EF4-FFF2-40B4-BE49-F238E27FC236}">
+                <a16:creationId xmlns:a16="http://schemas.microsoft.com/office/drawing/2014/main" id="{DDC1AE61-FDD1-4931-90E9-0E1BF3A52A44}"/>
               </a:ext>
             </a:extLst>
           </p:cNvPr>
@@ -5063,8 +5026,8 @@
         </p:blipFill>
         <p:spPr>
           <a:xfrm>
-            <a:off x="4337223" y="2110831"/>
-            <a:ext cx="3782108" cy="3212804"/>
+            <a:off x="3664363" y="2942178"/>
+            <a:ext cx="5249639" cy="1757294"/>
           </a:xfrm>
           <a:prstGeom prst="rect">
             <a:avLst/>
@@ -5132,7 +5095,7 @@
             <a:pPr algn="ctr"/>
             <a:r>
               <a:rPr lang="en-US" sz="5200" dirty="0"/>
-              <a:t>IMAGENS NO MATTER CONTROL</a:t>
+              <a:t>ESFERA NO MATTER CONTROL</a:t>
             </a:r>
           </a:p>
         </p:txBody>
@@ -5179,11 +5142,19 @@
             </a:pPr>
             <a:r>
               <a:rPr lang="en-US" dirty="0"/>
-              <a:t>	É </a:t>
-            </a:r>
-            <a:r>
-              <a:rPr lang="en-US" dirty="0" err="1"/>
-              <a:t>possível</a:t>
+              <a:t>Um </a:t>
+            </a:r>
+            <a:r>
+              <a:rPr lang="en-US" dirty="0" err="1"/>
+              <a:t>projeto</a:t>
+            </a:r>
+            <a:r>
+              <a:rPr lang="en-US" dirty="0"/>
+              <a:t> com </a:t>
+            </a:r>
+            <a:r>
+              <a:rPr lang="en-US" dirty="0" err="1"/>
+              <a:t>duas</a:t>
             </a:r>
             <a:r>
               <a:rPr lang="en-US" dirty="0"/>
@@ -5191,63 +5162,7 @@
             </a:r>
             <a:r>
               <a:rPr lang="en-US" dirty="0" err="1"/>
-              <a:t>criar</a:t>
-            </a:r>
-            <a:r>
-              <a:rPr lang="en-US" dirty="0"/>
-              <a:t> um </a:t>
-            </a:r>
-            <a:r>
-              <a:rPr lang="en-US" dirty="0" err="1"/>
-              <a:t>objeto</a:t>
-            </a:r>
-            <a:r>
-              <a:rPr lang="en-US" dirty="0"/>
-              <a:t> a </a:t>
-            </a:r>
-            <a:r>
-              <a:rPr lang="en-US" dirty="0" err="1"/>
-              <a:t>partir</a:t>
-            </a:r>
-            <a:r>
-              <a:rPr lang="en-US" dirty="0"/>
-              <a:t> de </a:t>
-            </a:r>
-            <a:r>
-              <a:rPr lang="en-US" dirty="0" err="1"/>
-              <a:t>uma</a:t>
-            </a:r>
-            <a:r>
-              <a:rPr lang="en-US" dirty="0"/>
-              <a:t> </a:t>
-            </a:r>
-            <a:r>
-              <a:rPr lang="en-US" dirty="0" err="1"/>
-              <a:t>imagem</a:t>
-            </a:r>
-            <a:r>
-              <a:rPr lang="en-US" dirty="0"/>
-              <a:t> no Matter Control. É </a:t>
-            </a:r>
-            <a:r>
-              <a:rPr lang="en-US" dirty="0" err="1"/>
-              <a:t>também</a:t>
-            </a:r>
-            <a:r>
-              <a:rPr lang="en-US" dirty="0"/>
-              <a:t> um </a:t>
-            </a:r>
-            <a:r>
-              <a:rPr lang="en-US" dirty="0" err="1"/>
-              <a:t>objeto</a:t>
-            </a:r>
-            <a:r>
-              <a:rPr lang="en-US" dirty="0"/>
-              <a:t> </a:t>
-            </a:r>
-            <a:r>
-              <a:rPr lang="en-US" dirty="0" err="1"/>
-              <a:t>primitivo</a:t>
+              <a:t>esferas</a:t>
             </a:r>
             <a:r>
               <a:rPr lang="en-US" dirty="0"/>
@@ -5303,7 +5218,7 @@
           <p:cNvPr id="5" name="Picture 4">
             <a:extLst>
               <a:ext uri="{FF2B5EF4-FFF2-40B4-BE49-F238E27FC236}">
-                <a16:creationId xmlns:a16="http://schemas.microsoft.com/office/drawing/2014/main" id="{EC670656-085B-4CF6-BBE4-C1C415AB5D86}"/>
+                <a16:creationId xmlns:a16="http://schemas.microsoft.com/office/drawing/2014/main" id="{C444ABA5-1F90-42E5-B717-511AC3815A2A}"/>
               </a:ext>
             </a:extLst>
           </p:cNvPr>
@@ -5326,8 +5241,8 @@
         </p:blipFill>
         <p:spPr>
           <a:xfrm>
-            <a:off x="3776239" y="2857580"/>
-            <a:ext cx="4639522" cy="3702245"/>
+            <a:off x="2538974" y="2601510"/>
+            <a:ext cx="7114051" cy="3792664"/>
           </a:xfrm>
           <a:prstGeom prst="rect">
             <a:avLst/>
@@ -5337,7 +5252,7 @@
     </p:spTree>
     <p:extLst>
       <p:ext uri="{BB962C8B-B14F-4D97-AF65-F5344CB8AC3E}">
-        <p14:creationId xmlns:p14="http://schemas.microsoft.com/office/powerpoint/2010/main" val="3418495990"/>
+        <p14:creationId xmlns:p14="http://schemas.microsoft.com/office/powerpoint/2010/main" val="488740703"/>
       </p:ext>
     </p:extLst>
   </p:cSld>
@@ -5395,7 +5310,7 @@
             <a:pPr algn="ctr"/>
             <a:r>
               <a:rPr lang="en-US" sz="5200" dirty="0"/>
-              <a:t>ESFERA NO MATTER CONTROL</a:t>
+              <a:t>IMAGENS NO MATTER CONTROL</a:t>
             </a:r>
           </a:p>
         </p:txBody>
@@ -5442,19 +5357,11 @@
             </a:pPr>
             <a:r>
               <a:rPr lang="en-US" dirty="0"/>
-              <a:t>Um </a:t>
-            </a:r>
-            <a:r>
-              <a:rPr lang="en-US" dirty="0" err="1"/>
-              <a:t>projeto</a:t>
-            </a:r>
-            <a:r>
-              <a:rPr lang="en-US" dirty="0"/>
-              <a:t> com </a:t>
-            </a:r>
-            <a:r>
-              <a:rPr lang="en-US" dirty="0" err="1"/>
-              <a:t>duas</a:t>
+              <a:t>	É </a:t>
+            </a:r>
+            <a:r>
+              <a:rPr lang="en-US" dirty="0" err="1"/>
+              <a:t>possível</a:t>
             </a:r>
             <a:r>
               <a:rPr lang="en-US" dirty="0"/>
@@ -5462,7 +5369,63 @@
             </a:r>
             <a:r>
               <a:rPr lang="en-US" dirty="0" err="1"/>
-              <a:t>esferas</a:t>
+              <a:t>criar</a:t>
+            </a:r>
+            <a:r>
+              <a:rPr lang="en-US" dirty="0"/>
+              <a:t> um </a:t>
+            </a:r>
+            <a:r>
+              <a:rPr lang="en-US" dirty="0" err="1"/>
+              <a:t>objeto</a:t>
+            </a:r>
+            <a:r>
+              <a:rPr lang="en-US" dirty="0"/>
+              <a:t> a </a:t>
+            </a:r>
+            <a:r>
+              <a:rPr lang="en-US" dirty="0" err="1"/>
+              <a:t>partir</a:t>
+            </a:r>
+            <a:r>
+              <a:rPr lang="en-US" dirty="0"/>
+              <a:t> de </a:t>
+            </a:r>
+            <a:r>
+              <a:rPr lang="en-US" dirty="0" err="1"/>
+              <a:t>uma</a:t>
+            </a:r>
+            <a:r>
+              <a:rPr lang="en-US" dirty="0"/>
+              <a:t> </a:t>
+            </a:r>
+            <a:r>
+              <a:rPr lang="en-US" dirty="0" err="1"/>
+              <a:t>imagem</a:t>
+            </a:r>
+            <a:r>
+              <a:rPr lang="en-US" dirty="0"/>
+              <a:t> no Matter Control. É </a:t>
+            </a:r>
+            <a:r>
+              <a:rPr lang="en-US" dirty="0" err="1"/>
+              <a:t>também</a:t>
+            </a:r>
+            <a:r>
+              <a:rPr lang="en-US" dirty="0"/>
+              <a:t> um </a:t>
+            </a:r>
+            <a:r>
+              <a:rPr lang="en-US" dirty="0" err="1"/>
+              <a:t>objeto</a:t>
+            </a:r>
+            <a:r>
+              <a:rPr lang="en-US" dirty="0"/>
+              <a:t> </a:t>
+            </a:r>
+            <a:r>
+              <a:rPr lang="en-US" dirty="0" err="1"/>
+              <a:t>primitivo</a:t>
             </a:r>
             <a:r>
               <a:rPr lang="en-US" dirty="0"/>
@@ -5518,7 +5481,7 @@
           <p:cNvPr id="5" name="Picture 4">
             <a:extLst>
               <a:ext uri="{FF2B5EF4-FFF2-40B4-BE49-F238E27FC236}">
-                <a16:creationId xmlns:a16="http://schemas.microsoft.com/office/drawing/2014/main" id="{C444ABA5-1F90-42E5-B717-511AC3815A2A}"/>
+                <a16:creationId xmlns:a16="http://schemas.microsoft.com/office/drawing/2014/main" id="{EC670656-085B-4CF6-BBE4-C1C415AB5D86}"/>
               </a:ext>
             </a:extLst>
           </p:cNvPr>
@@ -5541,8 +5504,8 @@
         </p:blipFill>
         <p:spPr>
           <a:xfrm>
-            <a:off x="2538974" y="2601510"/>
-            <a:ext cx="7114051" cy="3792664"/>
+            <a:off x="3776239" y="2857580"/>
+            <a:ext cx="4639522" cy="3702245"/>
           </a:xfrm>
           <a:prstGeom prst="rect">
             <a:avLst/>
@@ -5552,7 +5515,7 @@
     </p:spTree>
     <p:extLst>
       <p:ext uri="{BB962C8B-B14F-4D97-AF65-F5344CB8AC3E}">
-        <p14:creationId xmlns:p14="http://schemas.microsoft.com/office/powerpoint/2010/main" val="488740703"/>
+        <p14:creationId xmlns:p14="http://schemas.microsoft.com/office/powerpoint/2010/main" val="3418495990"/>
       </p:ext>
     </p:extLst>
   </p:cSld>

--- a/Curso/Fundamentos de impressão 3D - Objetos.pptx
+++ b/Curso/Fundamentos de impressão 3D - Objetos.pptx
@@ -6,24 +6,25 @@
   </p:sldMasterIdLst>
   <p:sldIdLst>
     <p:sldId id="256" r:id="rId2"/>
-    <p:sldId id="260" r:id="rId3"/>
-    <p:sldId id="261" r:id="rId4"/>
-    <p:sldId id="262" r:id="rId5"/>
-    <p:sldId id="268" r:id="rId6"/>
-    <p:sldId id="257" r:id="rId7"/>
-    <p:sldId id="258" r:id="rId8"/>
-    <p:sldId id="259" r:id="rId9"/>
-    <p:sldId id="267" r:id="rId10"/>
-    <p:sldId id="264" r:id="rId11"/>
-    <p:sldId id="269" r:id="rId12"/>
-    <p:sldId id="271" r:id="rId13"/>
-    <p:sldId id="265" r:id="rId14"/>
-    <p:sldId id="270" r:id="rId15"/>
-    <p:sldId id="272" r:id="rId16"/>
-    <p:sldId id="273" r:id="rId17"/>
-    <p:sldId id="274" r:id="rId18"/>
-    <p:sldId id="275" r:id="rId19"/>
-    <p:sldId id="266" r:id="rId20"/>
+    <p:sldId id="261" r:id="rId3"/>
+    <p:sldId id="262" r:id="rId4"/>
+    <p:sldId id="268" r:id="rId5"/>
+    <p:sldId id="258" r:id="rId6"/>
+    <p:sldId id="259" r:id="rId7"/>
+    <p:sldId id="267" r:id="rId8"/>
+    <p:sldId id="264" r:id="rId9"/>
+    <p:sldId id="265" r:id="rId10"/>
+    <p:sldId id="269" r:id="rId11"/>
+    <p:sldId id="271" r:id="rId12"/>
+    <p:sldId id="270" r:id="rId13"/>
+    <p:sldId id="272" r:id="rId14"/>
+    <p:sldId id="273" r:id="rId15"/>
+    <p:sldId id="274" r:id="rId16"/>
+    <p:sldId id="276" r:id="rId17"/>
+    <p:sldId id="277" r:id="rId18"/>
+    <p:sldId id="278" r:id="rId19"/>
+    <p:sldId id="275" r:id="rId20"/>
+    <p:sldId id="266" r:id="rId21"/>
   </p:sldIdLst>
   <p:sldSz cx="12192000" cy="6858000"/>
   <p:notesSz cx="6858000" cy="9144000"/>
@@ -277,7 +278,7 @@
           <a:p>
             <a:fld id="{77E03E06-8C86-48F5-8794-31FA2B737184}" type="datetimeFigureOut">
               <a:rPr lang="en-US" smtClean="0"/>
-              <a:t>11/29/2019</a:t>
+              <a:t>11/30/2019</a:t>
             </a:fld>
             <a:endParaRPr lang="en-US"/>
           </a:p>
@@ -475,7 +476,7 @@
           <a:p>
             <a:fld id="{77E03E06-8C86-48F5-8794-31FA2B737184}" type="datetimeFigureOut">
               <a:rPr lang="en-US" smtClean="0"/>
-              <a:t>11/29/2019</a:t>
+              <a:t>11/30/2019</a:t>
             </a:fld>
             <a:endParaRPr lang="en-US"/>
           </a:p>
@@ -683,7 +684,7 @@
           <a:p>
             <a:fld id="{77E03E06-8C86-48F5-8794-31FA2B737184}" type="datetimeFigureOut">
               <a:rPr lang="en-US" smtClean="0"/>
-              <a:t>11/29/2019</a:t>
+              <a:t>11/30/2019</a:t>
             </a:fld>
             <a:endParaRPr lang="en-US"/>
           </a:p>
@@ -881,7 +882,7 @@
           <a:p>
             <a:fld id="{77E03E06-8C86-48F5-8794-31FA2B737184}" type="datetimeFigureOut">
               <a:rPr lang="en-US" smtClean="0"/>
-              <a:t>11/29/2019</a:t>
+              <a:t>11/30/2019</a:t>
             </a:fld>
             <a:endParaRPr lang="en-US"/>
           </a:p>
@@ -1156,7 +1157,7 @@
           <a:p>
             <a:fld id="{77E03E06-8C86-48F5-8794-31FA2B737184}" type="datetimeFigureOut">
               <a:rPr lang="en-US" smtClean="0"/>
-              <a:t>11/29/2019</a:t>
+              <a:t>11/30/2019</a:t>
             </a:fld>
             <a:endParaRPr lang="en-US"/>
           </a:p>
@@ -1421,7 +1422,7 @@
           <a:p>
             <a:fld id="{77E03E06-8C86-48F5-8794-31FA2B737184}" type="datetimeFigureOut">
               <a:rPr lang="en-US" smtClean="0"/>
-              <a:t>11/29/2019</a:t>
+              <a:t>11/30/2019</a:t>
             </a:fld>
             <a:endParaRPr lang="en-US"/>
           </a:p>
@@ -1833,7 +1834,7 @@
           <a:p>
             <a:fld id="{77E03E06-8C86-48F5-8794-31FA2B737184}" type="datetimeFigureOut">
               <a:rPr lang="en-US" smtClean="0"/>
-              <a:t>11/29/2019</a:t>
+              <a:t>11/30/2019</a:t>
             </a:fld>
             <a:endParaRPr lang="en-US"/>
           </a:p>
@@ -1974,7 +1975,7 @@
           <a:p>
             <a:fld id="{77E03E06-8C86-48F5-8794-31FA2B737184}" type="datetimeFigureOut">
               <a:rPr lang="en-US" smtClean="0"/>
-              <a:t>11/29/2019</a:t>
+              <a:t>11/30/2019</a:t>
             </a:fld>
             <a:endParaRPr lang="en-US"/>
           </a:p>
@@ -2087,7 +2088,7 @@
           <a:p>
             <a:fld id="{77E03E06-8C86-48F5-8794-31FA2B737184}" type="datetimeFigureOut">
               <a:rPr lang="en-US" smtClean="0"/>
-              <a:t>11/29/2019</a:t>
+              <a:t>11/30/2019</a:t>
             </a:fld>
             <a:endParaRPr lang="en-US"/>
           </a:p>
@@ -2398,7 +2399,7 @@
           <a:p>
             <a:fld id="{77E03E06-8C86-48F5-8794-31FA2B737184}" type="datetimeFigureOut">
               <a:rPr lang="en-US" smtClean="0"/>
-              <a:t>11/29/2019</a:t>
+              <a:t>11/30/2019</a:t>
             </a:fld>
             <a:endParaRPr lang="en-US"/>
           </a:p>
@@ -2686,7 +2687,7 @@
           <a:p>
             <a:fld id="{77E03E06-8C86-48F5-8794-31FA2B737184}" type="datetimeFigureOut">
               <a:rPr lang="en-US" smtClean="0"/>
-              <a:t>11/29/2019</a:t>
+              <a:t>11/30/2019</a:t>
             </a:fld>
             <a:endParaRPr lang="en-US"/>
           </a:p>
@@ -2927,7 +2928,7 @@
           <a:p>
             <a:fld id="{77E03E06-8C86-48F5-8794-31FA2B737184}" type="datetimeFigureOut">
               <a:rPr lang="en-US" smtClean="0"/>
-              <a:t>11/29/2019</a:t>
+              <a:t>11/30/2019</a:t>
             </a:fld>
             <a:endParaRPr lang="en-US"/>
           </a:p>
@@ -3506,7 +3507,7 @@
             <a:pPr algn="ctr"/>
             <a:r>
               <a:rPr lang="en-US" sz="5200" dirty="0"/>
-              <a:t>PIRÂMIDE NO MATTER CONTROL</a:t>
+              <a:t>PROJETO PIRÂMIDES DE GIZÉ</a:t>
             </a:r>
           </a:p>
         </p:txBody>
@@ -3551,6 +3552,2234 @@
             </a:pPr>
             <a:r>
               <a:rPr lang="en-US" dirty="0"/>
+              <a:t>	Segue um </a:t>
+            </a:r>
+            <a:r>
+              <a:rPr lang="en-US" dirty="0" err="1"/>
+              <a:t>projeto</a:t>
+            </a:r>
+            <a:r>
+              <a:rPr lang="en-US" dirty="0"/>
+              <a:t> das </a:t>
+            </a:r>
+            <a:r>
+              <a:rPr lang="en-US" dirty="0" err="1"/>
+              <a:t>Pirâmides</a:t>
+            </a:r>
+            <a:r>
+              <a:rPr lang="en-US" dirty="0"/>
+              <a:t> de </a:t>
+            </a:r>
+            <a:r>
+              <a:rPr lang="en-US" dirty="0" err="1"/>
+              <a:t>Gizé</a:t>
+            </a:r>
+            <a:endParaRPr lang="en-US" dirty="0"/>
+          </a:p>
+        </p:txBody>
+      </p:sp>
+      <p:pic>
+        <p:nvPicPr>
+          <p:cNvPr id="5" name="Picture 4">
+            <a:extLst>
+              <a:ext uri="{FF2B5EF4-FFF2-40B4-BE49-F238E27FC236}">
+                <a16:creationId xmlns:a16="http://schemas.microsoft.com/office/drawing/2014/main" id="{A075E7F3-A607-4A54-ADA8-CB79F6283763}"/>
+              </a:ext>
+            </a:extLst>
+          </p:cNvPr>
+          <p:cNvPicPr>
+            <a:picLocks noChangeAspect="1"/>
+          </p:cNvPicPr>
+          <p:nvPr/>
+        </p:nvPicPr>
+        <p:blipFill>
+          <a:blip r:embed="rId2">
+            <a:extLst>
+              <a:ext uri="{28A0092B-C50C-407E-A947-70E740481C1C}">
+                <a14:useLocalDpi xmlns:a14="http://schemas.microsoft.com/office/drawing/2010/main" val="0"/>
+              </a:ext>
+            </a:extLst>
+          </a:blip>
+          <a:stretch>
+            <a:fillRect/>
+          </a:stretch>
+        </p:blipFill>
+        <p:spPr>
+          <a:xfrm>
+            <a:off x="2267020" y="2349611"/>
+            <a:ext cx="7657959" cy="4289728"/>
+          </a:xfrm>
+          <a:prstGeom prst="rect">
+            <a:avLst/>
+          </a:prstGeom>
+        </p:spPr>
+      </p:pic>
+    </p:spTree>
+    <p:extLst>
+      <p:ext uri="{BB962C8B-B14F-4D97-AF65-F5344CB8AC3E}">
+        <p14:creationId xmlns:p14="http://schemas.microsoft.com/office/powerpoint/2010/main" val="1828460129"/>
+      </p:ext>
+    </p:extLst>
+  </p:cSld>
+  <p:clrMapOvr>
+    <a:masterClrMapping/>
+  </p:clrMapOvr>
+</p:sld>
+</file>
+
+<file path=ppt/slides/slide11.xml><?xml version="1.0" encoding="utf-8"?>
+<p:sld xmlns:a="http://schemas.openxmlformats.org/drawingml/2006/main" xmlns:r="http://schemas.openxmlformats.org/officeDocument/2006/relationships" xmlns:p="http://schemas.openxmlformats.org/presentationml/2006/main">
+  <p:cSld>
+    <p:spTree>
+      <p:nvGrpSpPr>
+        <p:cNvPr id="1" name=""/>
+        <p:cNvGrpSpPr/>
+        <p:nvPr/>
+      </p:nvGrpSpPr>
+      <p:grpSpPr>
+        <a:xfrm>
+          <a:off x="0" y="0"/>
+          <a:ext cx="0" cy="0"/>
+          <a:chOff x="0" y="0"/>
+          <a:chExt cx="0" cy="0"/>
+        </a:xfrm>
+      </p:grpSpPr>
+      <p:sp>
+        <p:nvSpPr>
+          <p:cNvPr id="2" name="Title 1">
+            <a:extLst>
+              <a:ext uri="{FF2B5EF4-FFF2-40B4-BE49-F238E27FC236}">
+                <a16:creationId xmlns:a16="http://schemas.microsoft.com/office/drawing/2014/main" id="{24777F16-1641-4B86-B1DA-28B4AB09C290}"/>
+              </a:ext>
+            </a:extLst>
+          </p:cNvPr>
+          <p:cNvSpPr>
+            <a:spLocks noGrp="1"/>
+          </p:cNvSpPr>
+          <p:nvPr>
+            <p:ph type="title"/>
+          </p:nvPr>
+        </p:nvSpPr>
+        <p:spPr>
+          <a:xfrm>
+            <a:off x="838200" y="463826"/>
+            <a:ext cx="10515600" cy="914400"/>
+          </a:xfrm>
+        </p:spPr>
+        <p:txBody>
+          <a:bodyPr>
+            <a:normAutofit/>
+          </a:bodyPr>
+          <a:lstStyle/>
+          <a:p>
+            <a:pPr algn="ctr"/>
+            <a:r>
+              <a:rPr lang="en-US" sz="5200" dirty="0"/>
+              <a:t>RETÂNGULO NO MATTER CONTROL</a:t>
+            </a:r>
+          </a:p>
+        </p:txBody>
+      </p:sp>
+      <p:sp>
+        <p:nvSpPr>
+          <p:cNvPr id="3" name="Content Placeholder 2">
+            <a:extLst>
+              <a:ext uri="{FF2B5EF4-FFF2-40B4-BE49-F238E27FC236}">
+                <a16:creationId xmlns:a16="http://schemas.microsoft.com/office/drawing/2014/main" id="{9FBEF090-A937-45B5-9B5C-3EE68F05FDE7}"/>
+              </a:ext>
+            </a:extLst>
+          </p:cNvPr>
+          <p:cNvSpPr>
+            <a:spLocks noGrp="1"/>
+          </p:cNvSpPr>
+          <p:nvPr>
+            <p:ph idx="1"/>
+          </p:nvPr>
+        </p:nvSpPr>
+        <p:spPr>
+          <a:xfrm>
+            <a:off x="838200" y="1179443"/>
+            <a:ext cx="10515600" cy="5300870"/>
+          </a:xfrm>
+        </p:spPr>
+        <p:txBody>
+          <a:bodyPr/>
+          <a:lstStyle/>
+          <a:p>
+            <a:pPr marL="0" indent="0" algn="just">
+              <a:buNone/>
+            </a:pPr>
+            <a:r>
+              <a:rPr lang="en-US" dirty="0"/>
+              <a:t>	</a:t>
+            </a:r>
+          </a:p>
+          <a:p>
+            <a:pPr marL="0" indent="0" algn="just">
+              <a:buNone/>
+            </a:pPr>
+            <a:r>
+              <a:rPr lang="en-US" dirty="0"/>
+              <a:t>	</a:t>
+            </a:r>
+            <a:r>
+              <a:rPr lang="pt-BR" dirty="0"/>
+              <a:t>O retângulo é um objeto que não é primitivo no </a:t>
+            </a:r>
+            <a:r>
+              <a:rPr lang="pt-BR" dirty="0" err="1"/>
+              <a:t>MatterControl</a:t>
+            </a:r>
+            <a:r>
+              <a:rPr lang="pt-BR" dirty="0"/>
+              <a:t>, então o projetista precisa criar a partir do conhecimento adquirido no </a:t>
+            </a:r>
+            <a:r>
+              <a:rPr lang="pt-BR" dirty="0" err="1"/>
+              <a:t>MatterControl</a:t>
+            </a:r>
+            <a:r>
+              <a:rPr lang="pt-BR" dirty="0"/>
+              <a:t>.</a:t>
+            </a:r>
+          </a:p>
+          <a:p>
+            <a:pPr marL="0" indent="0" algn="just">
+              <a:buNone/>
+            </a:pPr>
+            <a:endParaRPr lang="pt-BR" dirty="0"/>
+          </a:p>
+          <a:p>
+            <a:pPr marL="0" indent="0" algn="just">
+              <a:buNone/>
+            </a:pPr>
+            <a:endParaRPr lang="en-US" dirty="0"/>
+          </a:p>
+        </p:txBody>
+      </p:sp>
+      <p:pic>
+        <p:nvPicPr>
+          <p:cNvPr id="8" name="Picture 7">
+            <a:extLst>
+              <a:ext uri="{FF2B5EF4-FFF2-40B4-BE49-F238E27FC236}">
+                <a16:creationId xmlns:a16="http://schemas.microsoft.com/office/drawing/2014/main" id="{9B65C2AD-4998-43F4-9437-B90B10A052AD}"/>
+              </a:ext>
+            </a:extLst>
+          </p:cNvPr>
+          <p:cNvPicPr>
+            <a:picLocks noChangeAspect="1"/>
+          </p:cNvPicPr>
+          <p:nvPr/>
+        </p:nvPicPr>
+        <p:blipFill>
+          <a:blip r:embed="rId2">
+            <a:extLst>
+              <a:ext uri="{28A0092B-C50C-407E-A947-70E740481C1C}">
+                <a14:useLocalDpi xmlns:a14="http://schemas.microsoft.com/office/drawing/2010/main" val="0"/>
+              </a:ext>
+            </a:extLst>
+          </a:blip>
+          <a:stretch>
+            <a:fillRect/>
+          </a:stretch>
+        </p:blipFill>
+        <p:spPr>
+          <a:xfrm>
+            <a:off x="2056836" y="3429000"/>
+            <a:ext cx="8078327" cy="2819794"/>
+          </a:xfrm>
+          <a:prstGeom prst="rect">
+            <a:avLst/>
+          </a:prstGeom>
+        </p:spPr>
+      </p:pic>
+    </p:spTree>
+    <p:extLst>
+      <p:ext uri="{BB962C8B-B14F-4D97-AF65-F5344CB8AC3E}">
+        <p14:creationId xmlns:p14="http://schemas.microsoft.com/office/powerpoint/2010/main" val="258491617"/>
+      </p:ext>
+    </p:extLst>
+  </p:cSld>
+  <p:clrMapOvr>
+    <a:masterClrMapping/>
+  </p:clrMapOvr>
+</p:sld>
+</file>
+
+<file path=ppt/slides/slide12.xml><?xml version="1.0" encoding="utf-8"?>
+<p:sld xmlns:a="http://schemas.openxmlformats.org/drawingml/2006/main" xmlns:r="http://schemas.openxmlformats.org/officeDocument/2006/relationships" xmlns:p="http://schemas.openxmlformats.org/presentationml/2006/main">
+  <p:cSld>
+    <p:spTree>
+      <p:nvGrpSpPr>
+        <p:cNvPr id="1" name=""/>
+        <p:cNvGrpSpPr/>
+        <p:nvPr/>
+      </p:nvGrpSpPr>
+      <p:grpSpPr>
+        <a:xfrm>
+          <a:off x="0" y="0"/>
+          <a:ext cx="0" cy="0"/>
+          <a:chOff x="0" y="0"/>
+          <a:chExt cx="0" cy="0"/>
+        </a:xfrm>
+      </p:grpSpPr>
+      <p:sp>
+        <p:nvSpPr>
+          <p:cNvPr id="2" name="Title 1">
+            <a:extLst>
+              <a:ext uri="{FF2B5EF4-FFF2-40B4-BE49-F238E27FC236}">
+                <a16:creationId xmlns:a16="http://schemas.microsoft.com/office/drawing/2014/main" id="{E5E8D1DA-2D7D-461A-8D8D-7CAF47675C62}"/>
+              </a:ext>
+            </a:extLst>
+          </p:cNvPr>
+          <p:cNvSpPr>
+            <a:spLocks noGrp="1"/>
+          </p:cNvSpPr>
+          <p:nvPr>
+            <p:ph type="title"/>
+          </p:nvPr>
+        </p:nvSpPr>
+        <p:spPr>
+          <a:xfrm>
+            <a:off x="838200" y="463826"/>
+            <a:ext cx="10515600" cy="821632"/>
+          </a:xfrm>
+        </p:spPr>
+        <p:txBody>
+          <a:bodyPr>
+            <a:noAutofit/>
+          </a:bodyPr>
+          <a:lstStyle/>
+          <a:p>
+            <a:pPr algn="ctr"/>
+            <a:r>
+              <a:rPr lang="en-US" sz="5200" dirty="0"/>
+              <a:t>RETÂNGULO NO MATTER CONTROL</a:t>
+            </a:r>
+          </a:p>
+        </p:txBody>
+      </p:sp>
+      <p:sp>
+        <p:nvSpPr>
+          <p:cNvPr id="3" name="Content Placeholder 2">
+            <a:extLst>
+              <a:ext uri="{FF2B5EF4-FFF2-40B4-BE49-F238E27FC236}">
+                <a16:creationId xmlns:a16="http://schemas.microsoft.com/office/drawing/2014/main" id="{1AD0B689-0C60-4A96-A9F1-5037CE604970}"/>
+              </a:ext>
+            </a:extLst>
+          </p:cNvPr>
+          <p:cNvSpPr>
+            <a:spLocks noGrp="1"/>
+          </p:cNvSpPr>
+          <p:nvPr>
+            <p:ph idx="1"/>
+          </p:nvPr>
+        </p:nvSpPr>
+        <p:spPr>
+          <a:xfrm>
+            <a:off x="838200" y="1285458"/>
+            <a:ext cx="10515600" cy="5274367"/>
+          </a:xfrm>
+        </p:spPr>
+        <p:txBody>
+          <a:bodyPr>
+            <a:normAutofit/>
+          </a:bodyPr>
+          <a:lstStyle/>
+          <a:p>
+            <a:pPr marL="0" indent="0">
+              <a:buNone/>
+            </a:pPr>
+            <a:r>
+              <a:rPr lang="en-US" dirty="0"/>
+              <a:t>	</a:t>
+            </a:r>
+          </a:p>
+          <a:p>
+            <a:pPr marL="0" indent="0">
+              <a:buNone/>
+            </a:pPr>
+            <a:r>
+              <a:rPr lang="en-US" dirty="0"/>
+              <a:t>Este </a:t>
+            </a:r>
+            <a:r>
+              <a:rPr lang="en-US" dirty="0" err="1"/>
+              <a:t>projeto</a:t>
+            </a:r>
+            <a:r>
+              <a:rPr lang="en-US" dirty="0"/>
+              <a:t> </a:t>
+            </a:r>
+            <a:r>
+              <a:rPr lang="en-US" dirty="0" err="1"/>
+              <a:t>lembra</a:t>
+            </a:r>
+            <a:r>
+              <a:rPr lang="en-US" dirty="0"/>
+              <a:t> </a:t>
+            </a:r>
+            <a:r>
+              <a:rPr lang="en-US" dirty="0" err="1"/>
+              <a:t>vários</a:t>
+            </a:r>
+            <a:r>
+              <a:rPr lang="en-US" dirty="0"/>
+              <a:t> </a:t>
+            </a:r>
+            <a:r>
+              <a:rPr lang="en-US" dirty="0" err="1"/>
+              <a:t>retângulos</a:t>
+            </a:r>
+            <a:r>
+              <a:rPr lang="en-US" dirty="0"/>
+              <a:t>.</a:t>
+            </a:r>
+          </a:p>
+          <a:p>
+            <a:pPr marL="0" indent="0">
+              <a:buNone/>
+            </a:pPr>
+            <a:endParaRPr lang="en-US" dirty="0"/>
+          </a:p>
+          <a:p>
+            <a:pPr marL="0" indent="0">
+              <a:buNone/>
+            </a:pPr>
+            <a:endParaRPr lang="en-US" dirty="0"/>
+          </a:p>
+          <a:p>
+            <a:pPr marL="0" indent="0">
+              <a:buNone/>
+            </a:pPr>
+            <a:endParaRPr lang="en-US" dirty="0"/>
+          </a:p>
+          <a:p>
+            <a:pPr marL="0" indent="0">
+              <a:buNone/>
+            </a:pPr>
+            <a:endParaRPr lang="en-US" dirty="0"/>
+          </a:p>
+          <a:p>
+            <a:pPr marL="0" indent="0">
+              <a:buNone/>
+            </a:pPr>
+            <a:endParaRPr lang="en-US" dirty="0"/>
+          </a:p>
+          <a:p>
+            <a:pPr marL="0" indent="0">
+              <a:buNone/>
+            </a:pPr>
+            <a:endParaRPr lang="en-US" dirty="0"/>
+          </a:p>
+          <a:p>
+            <a:pPr marL="0" indent="0">
+              <a:buNone/>
+            </a:pPr>
+            <a:endParaRPr lang="en-US" dirty="0"/>
+          </a:p>
+        </p:txBody>
+      </p:sp>
+      <p:pic>
+        <p:nvPicPr>
+          <p:cNvPr id="6" name="Picture 5">
+            <a:extLst>
+              <a:ext uri="{FF2B5EF4-FFF2-40B4-BE49-F238E27FC236}">
+                <a16:creationId xmlns:a16="http://schemas.microsoft.com/office/drawing/2014/main" id="{D7167F91-36B2-4FED-BA79-C071D555D33B}"/>
+              </a:ext>
+            </a:extLst>
+          </p:cNvPr>
+          <p:cNvPicPr>
+            <a:picLocks noChangeAspect="1"/>
+          </p:cNvPicPr>
+          <p:nvPr/>
+        </p:nvPicPr>
+        <p:blipFill>
+          <a:blip r:embed="rId2">
+            <a:extLst>
+              <a:ext uri="{28A0092B-C50C-407E-A947-70E740481C1C}">
+                <a14:useLocalDpi xmlns:a14="http://schemas.microsoft.com/office/drawing/2010/main" val="0"/>
+              </a:ext>
+            </a:extLst>
+          </a:blip>
+          <a:stretch>
+            <a:fillRect/>
+          </a:stretch>
+        </p:blipFill>
+        <p:spPr>
+          <a:xfrm>
+            <a:off x="3739124" y="2599991"/>
+            <a:ext cx="4713751" cy="3794183"/>
+          </a:xfrm>
+          <a:prstGeom prst="rect">
+            <a:avLst/>
+          </a:prstGeom>
+        </p:spPr>
+      </p:pic>
+    </p:spTree>
+    <p:extLst>
+      <p:ext uri="{BB962C8B-B14F-4D97-AF65-F5344CB8AC3E}">
+        <p14:creationId xmlns:p14="http://schemas.microsoft.com/office/powerpoint/2010/main" val="762519445"/>
+      </p:ext>
+    </p:extLst>
+  </p:cSld>
+  <p:clrMapOvr>
+    <a:masterClrMapping/>
+  </p:clrMapOvr>
+</p:sld>
+</file>
+
+<file path=ppt/slides/slide13.xml><?xml version="1.0" encoding="utf-8"?>
+<p:sld xmlns:a="http://schemas.openxmlformats.org/drawingml/2006/main" xmlns:r="http://schemas.openxmlformats.org/officeDocument/2006/relationships" xmlns:p="http://schemas.openxmlformats.org/presentationml/2006/main">
+  <p:cSld>
+    <p:spTree>
+      <p:nvGrpSpPr>
+        <p:cNvPr id="1" name=""/>
+        <p:cNvGrpSpPr/>
+        <p:nvPr/>
+      </p:nvGrpSpPr>
+      <p:grpSpPr>
+        <a:xfrm>
+          <a:off x="0" y="0"/>
+          <a:ext cx="0" cy="0"/>
+          <a:chOff x="0" y="0"/>
+          <a:chExt cx="0" cy="0"/>
+        </a:xfrm>
+      </p:grpSpPr>
+      <p:sp>
+        <p:nvSpPr>
+          <p:cNvPr id="2" name="Title 1">
+            <a:extLst>
+              <a:ext uri="{FF2B5EF4-FFF2-40B4-BE49-F238E27FC236}">
+                <a16:creationId xmlns:a16="http://schemas.microsoft.com/office/drawing/2014/main" id="{24777F16-1641-4B86-B1DA-28B4AB09C290}"/>
+              </a:ext>
+            </a:extLst>
+          </p:cNvPr>
+          <p:cNvSpPr>
+            <a:spLocks noGrp="1"/>
+          </p:cNvSpPr>
+          <p:nvPr>
+            <p:ph type="title"/>
+          </p:nvPr>
+        </p:nvSpPr>
+        <p:spPr>
+          <a:xfrm>
+            <a:off x="838200" y="463826"/>
+            <a:ext cx="10515600" cy="914400"/>
+          </a:xfrm>
+        </p:spPr>
+        <p:txBody>
+          <a:bodyPr>
+            <a:normAutofit/>
+          </a:bodyPr>
+          <a:lstStyle/>
+          <a:p>
+            <a:pPr algn="ctr"/>
+            <a:r>
+              <a:rPr lang="en-US" sz="5200" dirty="0"/>
+              <a:t>ESFERA NO MATTER CONTROL</a:t>
+            </a:r>
+          </a:p>
+        </p:txBody>
+      </p:sp>
+      <p:sp>
+        <p:nvSpPr>
+          <p:cNvPr id="3" name="Content Placeholder 2">
+            <a:extLst>
+              <a:ext uri="{FF2B5EF4-FFF2-40B4-BE49-F238E27FC236}">
+                <a16:creationId xmlns:a16="http://schemas.microsoft.com/office/drawing/2014/main" id="{9FBEF090-A937-45B5-9B5C-3EE68F05FDE7}"/>
+              </a:ext>
+            </a:extLst>
+          </p:cNvPr>
+          <p:cNvSpPr>
+            <a:spLocks noGrp="1"/>
+          </p:cNvSpPr>
+          <p:nvPr>
+            <p:ph idx="1"/>
+          </p:nvPr>
+        </p:nvSpPr>
+        <p:spPr>
+          <a:xfrm>
+            <a:off x="838200" y="1179443"/>
+            <a:ext cx="10515600" cy="5300870"/>
+          </a:xfrm>
+        </p:spPr>
+        <p:txBody>
+          <a:bodyPr/>
+          <a:lstStyle/>
+          <a:p>
+            <a:pPr marL="0" indent="0" algn="just">
+              <a:buNone/>
+            </a:pPr>
+            <a:r>
+              <a:rPr lang="en-US" dirty="0"/>
+              <a:t>	</a:t>
+            </a:r>
+          </a:p>
+          <a:p>
+            <a:pPr marL="0" indent="0" algn="just">
+              <a:buNone/>
+            </a:pPr>
+            <a:r>
+              <a:rPr lang="pt-BR" dirty="0"/>
+              <a:t>A esfera é um objeto primitivo no </a:t>
+            </a:r>
+            <a:r>
+              <a:rPr lang="pt-BR" dirty="0" err="1"/>
+              <a:t>MatterControl</a:t>
+            </a:r>
+            <a:r>
+              <a:rPr lang="pt-BR" dirty="0"/>
+              <a:t>.</a:t>
+            </a:r>
+          </a:p>
+          <a:p>
+            <a:pPr marL="0" indent="0" algn="just">
+              <a:buNone/>
+            </a:pPr>
+            <a:endParaRPr lang="pt-BR" dirty="0"/>
+          </a:p>
+          <a:p>
+            <a:pPr marL="0" indent="0" algn="just">
+              <a:buNone/>
+            </a:pPr>
+            <a:endParaRPr lang="en-US" dirty="0"/>
+          </a:p>
+        </p:txBody>
+      </p:sp>
+      <p:pic>
+        <p:nvPicPr>
+          <p:cNvPr id="5" name="Picture 4">
+            <a:extLst>
+              <a:ext uri="{FF2B5EF4-FFF2-40B4-BE49-F238E27FC236}">
+                <a16:creationId xmlns:a16="http://schemas.microsoft.com/office/drawing/2014/main" id="{37B0F971-E87B-42AD-B22B-D66E7243C12A}"/>
+              </a:ext>
+            </a:extLst>
+          </p:cNvPr>
+          <p:cNvPicPr>
+            <a:picLocks noChangeAspect="1"/>
+          </p:cNvPicPr>
+          <p:nvPr/>
+        </p:nvPicPr>
+        <p:blipFill>
+          <a:blip r:embed="rId2">
+            <a:extLst>
+              <a:ext uri="{28A0092B-C50C-407E-A947-70E740481C1C}">
+                <a14:useLocalDpi xmlns:a14="http://schemas.microsoft.com/office/drawing/2010/main" val="0"/>
+              </a:ext>
+            </a:extLst>
+          </a:blip>
+          <a:stretch>
+            <a:fillRect/>
+          </a:stretch>
+        </p:blipFill>
+        <p:spPr>
+          <a:xfrm>
+            <a:off x="4090185" y="2669089"/>
+            <a:ext cx="4011630" cy="3725085"/>
+          </a:xfrm>
+          <a:prstGeom prst="rect">
+            <a:avLst/>
+          </a:prstGeom>
+        </p:spPr>
+      </p:pic>
+    </p:spTree>
+    <p:extLst>
+      <p:ext uri="{BB962C8B-B14F-4D97-AF65-F5344CB8AC3E}">
+        <p14:creationId xmlns:p14="http://schemas.microsoft.com/office/powerpoint/2010/main" val="2756132031"/>
+      </p:ext>
+    </p:extLst>
+  </p:cSld>
+  <p:clrMapOvr>
+    <a:masterClrMapping/>
+  </p:clrMapOvr>
+</p:sld>
+</file>
+
+<file path=ppt/slides/slide14.xml><?xml version="1.0" encoding="utf-8"?>
+<p:sld xmlns:a="http://schemas.openxmlformats.org/drawingml/2006/main" xmlns:r="http://schemas.openxmlformats.org/officeDocument/2006/relationships" xmlns:p="http://schemas.openxmlformats.org/presentationml/2006/main">
+  <p:cSld>
+    <p:spTree>
+      <p:nvGrpSpPr>
+        <p:cNvPr id="1" name=""/>
+        <p:cNvGrpSpPr/>
+        <p:nvPr/>
+      </p:nvGrpSpPr>
+      <p:grpSpPr>
+        <a:xfrm>
+          <a:off x="0" y="0"/>
+          <a:ext cx="0" cy="0"/>
+          <a:chOff x="0" y="0"/>
+          <a:chExt cx="0" cy="0"/>
+        </a:xfrm>
+      </p:grpSpPr>
+      <p:sp>
+        <p:nvSpPr>
+          <p:cNvPr id="2" name="Title 1">
+            <a:extLst>
+              <a:ext uri="{FF2B5EF4-FFF2-40B4-BE49-F238E27FC236}">
+                <a16:creationId xmlns:a16="http://schemas.microsoft.com/office/drawing/2014/main" id="{E5E8D1DA-2D7D-461A-8D8D-7CAF47675C62}"/>
+              </a:ext>
+            </a:extLst>
+          </p:cNvPr>
+          <p:cNvSpPr>
+            <a:spLocks noGrp="1"/>
+          </p:cNvSpPr>
+          <p:nvPr>
+            <p:ph type="title"/>
+          </p:nvPr>
+        </p:nvSpPr>
+        <p:spPr>
+          <a:xfrm>
+            <a:off x="838200" y="298176"/>
+            <a:ext cx="10515600" cy="1182894"/>
+          </a:xfrm>
+        </p:spPr>
+        <p:txBody>
+          <a:bodyPr>
+            <a:noAutofit/>
+          </a:bodyPr>
+          <a:lstStyle/>
+          <a:p>
+            <a:pPr algn="ctr"/>
+            <a:r>
+              <a:rPr lang="en-US" sz="5200" dirty="0"/>
+              <a:t>COMO FORMAR UMA ESFERA?</a:t>
+            </a:r>
+          </a:p>
+        </p:txBody>
+      </p:sp>
+      <p:sp>
+        <p:nvSpPr>
+          <p:cNvPr id="3" name="Content Placeholder 2">
+            <a:extLst>
+              <a:ext uri="{FF2B5EF4-FFF2-40B4-BE49-F238E27FC236}">
+                <a16:creationId xmlns:a16="http://schemas.microsoft.com/office/drawing/2014/main" id="{1AD0B689-0C60-4A96-A9F1-5037CE604970}"/>
+              </a:ext>
+            </a:extLst>
+          </p:cNvPr>
+          <p:cNvSpPr>
+            <a:spLocks noGrp="1"/>
+          </p:cNvSpPr>
+          <p:nvPr>
+            <p:ph idx="1"/>
+          </p:nvPr>
+        </p:nvSpPr>
+        <p:spPr>
+          <a:xfrm>
+            <a:off x="838200" y="874642"/>
+            <a:ext cx="10515600" cy="5685183"/>
+          </a:xfrm>
+        </p:spPr>
+        <p:txBody>
+          <a:bodyPr>
+            <a:normAutofit fontScale="92500" lnSpcReduction="10000"/>
+          </a:bodyPr>
+          <a:lstStyle/>
+          <a:p>
+            <a:pPr marL="0" indent="0">
+              <a:buNone/>
+            </a:pPr>
+            <a:r>
+              <a:rPr lang="en-US" dirty="0"/>
+              <a:t>	</a:t>
+            </a:r>
+          </a:p>
+          <a:p>
+            <a:pPr marL="0" indent="0">
+              <a:buNone/>
+            </a:pPr>
+            <a:r>
+              <a:rPr lang="en-US" dirty="0"/>
+              <a:t>	</a:t>
+            </a:r>
+          </a:p>
+          <a:p>
+            <a:pPr marL="0" indent="0">
+              <a:buNone/>
+            </a:pPr>
+            <a:r>
+              <a:rPr lang="en-US" sz="3000" dirty="0"/>
+              <a:t>	Uma </a:t>
+            </a:r>
+            <a:r>
+              <a:rPr lang="en-US" sz="3000" dirty="0" err="1"/>
+              <a:t>esfera</a:t>
+            </a:r>
+            <a:r>
+              <a:rPr lang="en-US" sz="3000" dirty="0"/>
+              <a:t> no </a:t>
+            </a:r>
+            <a:r>
+              <a:rPr lang="en-US" sz="3000" dirty="0" err="1"/>
+              <a:t>MatterControl</a:t>
+            </a:r>
+            <a:r>
+              <a:rPr lang="en-US" sz="3000" dirty="0"/>
+              <a:t> </a:t>
+            </a:r>
+            <a:r>
+              <a:rPr lang="en-US" sz="3000" dirty="0" err="1"/>
+              <a:t>pode</a:t>
+            </a:r>
+            <a:r>
+              <a:rPr lang="en-US" sz="3000" dirty="0"/>
+              <a:t> ser </a:t>
+            </a:r>
+            <a:r>
+              <a:rPr lang="en-US" sz="3000" dirty="0" err="1"/>
+              <a:t>formada</a:t>
+            </a:r>
+            <a:r>
+              <a:rPr lang="en-US" sz="3000" dirty="0"/>
+              <a:t> </a:t>
+            </a:r>
+            <a:r>
+              <a:rPr lang="en-US" sz="3000" dirty="0" err="1"/>
+              <a:t>informando</a:t>
+            </a:r>
+            <a:r>
+              <a:rPr lang="en-US" sz="3000" dirty="0"/>
+              <a:t> </a:t>
+            </a:r>
+            <a:r>
+              <a:rPr lang="en-US" sz="3000" dirty="0" err="1"/>
+              <a:t>os</a:t>
+            </a:r>
+            <a:r>
+              <a:rPr lang="en-US" sz="3000" dirty="0"/>
+              <a:t> </a:t>
+            </a:r>
+            <a:r>
+              <a:rPr lang="en-US" sz="3000" dirty="0" err="1"/>
+              <a:t>seguintes</a:t>
+            </a:r>
+            <a:r>
+              <a:rPr lang="en-US" sz="3000" dirty="0"/>
+              <a:t> </a:t>
+            </a:r>
+            <a:r>
+              <a:rPr lang="en-US" sz="3000" dirty="0" err="1"/>
+              <a:t>valores</a:t>
+            </a:r>
+            <a:r>
+              <a:rPr lang="en-US" sz="3000" dirty="0"/>
+              <a:t>:</a:t>
+            </a:r>
+          </a:p>
+          <a:p>
+            <a:pPr marL="0" indent="0">
+              <a:buNone/>
+            </a:pPr>
+            <a:endParaRPr lang="en-US" sz="2600" dirty="0"/>
+          </a:p>
+          <a:p>
+            <a:pPr marL="0" indent="0">
+              <a:buNone/>
+            </a:pPr>
+            <a:endParaRPr lang="en-US" sz="2600" dirty="0"/>
+          </a:p>
+          <a:p>
+            <a:pPr marL="0" indent="0">
+              <a:buNone/>
+            </a:pPr>
+            <a:endParaRPr lang="en-US" sz="2600" dirty="0"/>
+          </a:p>
+          <a:p>
+            <a:pPr marL="0" indent="0">
+              <a:buNone/>
+            </a:pPr>
+            <a:endParaRPr lang="en-US" sz="2600" dirty="0"/>
+          </a:p>
+          <a:p>
+            <a:pPr marL="0" indent="0">
+              <a:buNone/>
+            </a:pPr>
+            <a:endParaRPr lang="en-US" sz="2600" dirty="0"/>
+          </a:p>
+          <a:p>
+            <a:pPr marL="0" indent="0">
+              <a:buNone/>
+            </a:pPr>
+            <a:endParaRPr lang="en-US" sz="2600" dirty="0"/>
+          </a:p>
+          <a:p>
+            <a:pPr marL="0" indent="0">
+              <a:buNone/>
+            </a:pPr>
+            <a:endParaRPr lang="en-US" sz="2600" dirty="0"/>
+          </a:p>
+          <a:p>
+            <a:pPr marL="0" indent="0">
+              <a:buNone/>
+            </a:pPr>
+            <a:endParaRPr lang="en-US" sz="2600" dirty="0"/>
+          </a:p>
+          <a:p>
+            <a:pPr marL="0" indent="0">
+              <a:buNone/>
+            </a:pPr>
+            <a:r>
+              <a:rPr lang="en-US" sz="3000" dirty="0"/>
+              <a:t>diameter – </a:t>
+            </a:r>
+            <a:r>
+              <a:rPr lang="en-US" sz="3000" dirty="0" err="1"/>
+              <a:t>diâmetro</a:t>
+            </a:r>
+            <a:r>
+              <a:rPr lang="en-US" sz="3000" dirty="0"/>
+              <a:t> , sides – </a:t>
+            </a:r>
+            <a:r>
+              <a:rPr lang="en-US" sz="3000" dirty="0" err="1"/>
+              <a:t>lados</a:t>
+            </a:r>
+            <a:endParaRPr lang="en-US" sz="3000" dirty="0"/>
+          </a:p>
+        </p:txBody>
+      </p:sp>
+      <p:pic>
+        <p:nvPicPr>
+          <p:cNvPr id="6" name="Picture 5">
+            <a:extLst>
+              <a:ext uri="{FF2B5EF4-FFF2-40B4-BE49-F238E27FC236}">
+                <a16:creationId xmlns:a16="http://schemas.microsoft.com/office/drawing/2014/main" id="{DDC1AE61-FDD1-4931-90E9-0E1BF3A52A44}"/>
+              </a:ext>
+            </a:extLst>
+          </p:cNvPr>
+          <p:cNvPicPr>
+            <a:picLocks noChangeAspect="1"/>
+          </p:cNvPicPr>
+          <p:nvPr/>
+        </p:nvPicPr>
+        <p:blipFill>
+          <a:blip r:embed="rId2">
+            <a:extLst>
+              <a:ext uri="{28A0092B-C50C-407E-A947-70E740481C1C}">
+                <a14:useLocalDpi xmlns:a14="http://schemas.microsoft.com/office/drawing/2010/main" val="0"/>
+              </a:ext>
+            </a:extLst>
+          </a:blip>
+          <a:stretch>
+            <a:fillRect/>
+          </a:stretch>
+        </p:blipFill>
+        <p:spPr>
+          <a:xfrm>
+            <a:off x="3664363" y="2942178"/>
+            <a:ext cx="5249639" cy="1757294"/>
+          </a:xfrm>
+          <a:prstGeom prst="rect">
+            <a:avLst/>
+          </a:prstGeom>
+        </p:spPr>
+      </p:pic>
+    </p:spTree>
+    <p:extLst>
+      <p:ext uri="{BB962C8B-B14F-4D97-AF65-F5344CB8AC3E}">
+        <p14:creationId xmlns:p14="http://schemas.microsoft.com/office/powerpoint/2010/main" val="200973652"/>
+      </p:ext>
+    </p:extLst>
+  </p:cSld>
+  <p:clrMapOvr>
+    <a:masterClrMapping/>
+  </p:clrMapOvr>
+</p:sld>
+</file>
+
+<file path=ppt/slides/slide15.xml><?xml version="1.0" encoding="utf-8"?>
+<p:sld xmlns:a="http://schemas.openxmlformats.org/drawingml/2006/main" xmlns:r="http://schemas.openxmlformats.org/officeDocument/2006/relationships" xmlns:p="http://schemas.openxmlformats.org/presentationml/2006/main">
+  <p:cSld>
+    <p:spTree>
+      <p:nvGrpSpPr>
+        <p:cNvPr id="1" name=""/>
+        <p:cNvGrpSpPr/>
+        <p:nvPr/>
+      </p:nvGrpSpPr>
+      <p:grpSpPr>
+        <a:xfrm>
+          <a:off x="0" y="0"/>
+          <a:ext cx="0" cy="0"/>
+          <a:chOff x="0" y="0"/>
+          <a:chExt cx="0" cy="0"/>
+        </a:xfrm>
+      </p:grpSpPr>
+      <p:sp>
+        <p:nvSpPr>
+          <p:cNvPr id="2" name="Title 1">
+            <a:extLst>
+              <a:ext uri="{FF2B5EF4-FFF2-40B4-BE49-F238E27FC236}">
+                <a16:creationId xmlns:a16="http://schemas.microsoft.com/office/drawing/2014/main" id="{E5E8D1DA-2D7D-461A-8D8D-7CAF47675C62}"/>
+              </a:ext>
+            </a:extLst>
+          </p:cNvPr>
+          <p:cNvSpPr>
+            <a:spLocks noGrp="1"/>
+          </p:cNvSpPr>
+          <p:nvPr>
+            <p:ph type="title"/>
+          </p:nvPr>
+        </p:nvSpPr>
+        <p:spPr>
+          <a:xfrm>
+            <a:off x="838200" y="463826"/>
+            <a:ext cx="10515600" cy="821632"/>
+          </a:xfrm>
+        </p:spPr>
+        <p:txBody>
+          <a:bodyPr>
+            <a:noAutofit/>
+          </a:bodyPr>
+          <a:lstStyle/>
+          <a:p>
+            <a:pPr algn="ctr"/>
+            <a:r>
+              <a:rPr lang="en-US" sz="5200" dirty="0"/>
+              <a:t>ESFERA NO MATTER CONTROL</a:t>
+            </a:r>
+          </a:p>
+        </p:txBody>
+      </p:sp>
+      <p:sp>
+        <p:nvSpPr>
+          <p:cNvPr id="3" name="Content Placeholder 2">
+            <a:extLst>
+              <a:ext uri="{FF2B5EF4-FFF2-40B4-BE49-F238E27FC236}">
+                <a16:creationId xmlns:a16="http://schemas.microsoft.com/office/drawing/2014/main" id="{1AD0B689-0C60-4A96-A9F1-5037CE604970}"/>
+              </a:ext>
+            </a:extLst>
+          </p:cNvPr>
+          <p:cNvSpPr>
+            <a:spLocks noGrp="1"/>
+          </p:cNvSpPr>
+          <p:nvPr>
+            <p:ph idx="1"/>
+          </p:nvPr>
+        </p:nvSpPr>
+        <p:spPr>
+          <a:xfrm>
+            <a:off x="838200" y="1285458"/>
+            <a:ext cx="10515600" cy="5274367"/>
+          </a:xfrm>
+        </p:spPr>
+        <p:txBody>
+          <a:bodyPr>
+            <a:normAutofit/>
+          </a:bodyPr>
+          <a:lstStyle/>
+          <a:p>
+            <a:pPr marL="0" indent="0">
+              <a:buNone/>
+            </a:pPr>
+            <a:r>
+              <a:rPr lang="en-US" dirty="0"/>
+              <a:t>	</a:t>
+            </a:r>
+          </a:p>
+          <a:p>
+            <a:pPr marL="0" indent="0">
+              <a:buNone/>
+            </a:pPr>
+            <a:r>
+              <a:rPr lang="en-US" dirty="0"/>
+              <a:t>Um </a:t>
+            </a:r>
+            <a:r>
+              <a:rPr lang="en-US" dirty="0" err="1"/>
+              <a:t>projeto</a:t>
+            </a:r>
+            <a:r>
+              <a:rPr lang="en-US" dirty="0"/>
+              <a:t> com </a:t>
+            </a:r>
+            <a:r>
+              <a:rPr lang="en-US" dirty="0" err="1"/>
+              <a:t>duas</a:t>
+            </a:r>
+            <a:r>
+              <a:rPr lang="en-US" dirty="0"/>
+              <a:t> </a:t>
+            </a:r>
+            <a:r>
+              <a:rPr lang="en-US" dirty="0" err="1"/>
+              <a:t>esferas</a:t>
+            </a:r>
+            <a:r>
+              <a:rPr lang="en-US" dirty="0"/>
+              <a:t>.</a:t>
+            </a:r>
+          </a:p>
+          <a:p>
+            <a:pPr marL="0" indent="0">
+              <a:buNone/>
+            </a:pPr>
+            <a:endParaRPr lang="en-US" dirty="0"/>
+          </a:p>
+          <a:p>
+            <a:pPr marL="0" indent="0">
+              <a:buNone/>
+            </a:pPr>
+            <a:endParaRPr lang="en-US" dirty="0"/>
+          </a:p>
+          <a:p>
+            <a:pPr marL="0" indent="0">
+              <a:buNone/>
+            </a:pPr>
+            <a:endParaRPr lang="en-US" dirty="0"/>
+          </a:p>
+          <a:p>
+            <a:pPr marL="0" indent="0">
+              <a:buNone/>
+            </a:pPr>
+            <a:endParaRPr lang="en-US" dirty="0"/>
+          </a:p>
+          <a:p>
+            <a:pPr marL="0" indent="0">
+              <a:buNone/>
+            </a:pPr>
+            <a:endParaRPr lang="en-US" dirty="0"/>
+          </a:p>
+          <a:p>
+            <a:pPr marL="0" indent="0">
+              <a:buNone/>
+            </a:pPr>
+            <a:endParaRPr lang="en-US" dirty="0"/>
+          </a:p>
+          <a:p>
+            <a:pPr marL="0" indent="0">
+              <a:buNone/>
+            </a:pPr>
+            <a:endParaRPr lang="en-US" dirty="0"/>
+          </a:p>
+        </p:txBody>
+      </p:sp>
+      <p:pic>
+        <p:nvPicPr>
+          <p:cNvPr id="5" name="Picture 4">
+            <a:extLst>
+              <a:ext uri="{FF2B5EF4-FFF2-40B4-BE49-F238E27FC236}">
+                <a16:creationId xmlns:a16="http://schemas.microsoft.com/office/drawing/2014/main" id="{C444ABA5-1F90-42E5-B717-511AC3815A2A}"/>
+              </a:ext>
+            </a:extLst>
+          </p:cNvPr>
+          <p:cNvPicPr>
+            <a:picLocks noChangeAspect="1"/>
+          </p:cNvPicPr>
+          <p:nvPr/>
+        </p:nvPicPr>
+        <p:blipFill>
+          <a:blip r:embed="rId2">
+            <a:extLst>
+              <a:ext uri="{28A0092B-C50C-407E-A947-70E740481C1C}">
+                <a14:useLocalDpi xmlns:a14="http://schemas.microsoft.com/office/drawing/2010/main" val="0"/>
+              </a:ext>
+            </a:extLst>
+          </a:blip>
+          <a:stretch>
+            <a:fillRect/>
+          </a:stretch>
+        </p:blipFill>
+        <p:spPr>
+          <a:xfrm>
+            <a:off x="2538974" y="2601510"/>
+            <a:ext cx="7114051" cy="3792664"/>
+          </a:xfrm>
+          <a:prstGeom prst="rect">
+            <a:avLst/>
+          </a:prstGeom>
+        </p:spPr>
+      </p:pic>
+    </p:spTree>
+    <p:extLst>
+      <p:ext uri="{BB962C8B-B14F-4D97-AF65-F5344CB8AC3E}">
+        <p14:creationId xmlns:p14="http://schemas.microsoft.com/office/powerpoint/2010/main" val="488740703"/>
+      </p:ext>
+    </p:extLst>
+  </p:cSld>
+  <p:clrMapOvr>
+    <a:masterClrMapping/>
+  </p:clrMapOvr>
+</p:sld>
+</file>
+
+<file path=ppt/slides/slide16.xml><?xml version="1.0" encoding="utf-8"?>
+<p:sld xmlns:a="http://schemas.openxmlformats.org/drawingml/2006/main" xmlns:r="http://schemas.openxmlformats.org/officeDocument/2006/relationships" xmlns:p="http://schemas.openxmlformats.org/presentationml/2006/main">
+  <p:cSld>
+    <p:spTree>
+      <p:nvGrpSpPr>
+        <p:cNvPr id="1" name=""/>
+        <p:cNvGrpSpPr/>
+        <p:nvPr/>
+      </p:nvGrpSpPr>
+      <p:grpSpPr>
+        <a:xfrm>
+          <a:off x="0" y="0"/>
+          <a:ext cx="0" cy="0"/>
+          <a:chOff x="0" y="0"/>
+          <a:chExt cx="0" cy="0"/>
+        </a:xfrm>
+      </p:grpSpPr>
+      <p:sp>
+        <p:nvSpPr>
+          <p:cNvPr id="2" name="Title 1">
+            <a:extLst>
+              <a:ext uri="{FF2B5EF4-FFF2-40B4-BE49-F238E27FC236}">
+                <a16:creationId xmlns:a16="http://schemas.microsoft.com/office/drawing/2014/main" id="{24777F16-1641-4B86-B1DA-28B4AB09C290}"/>
+              </a:ext>
+            </a:extLst>
+          </p:cNvPr>
+          <p:cNvSpPr>
+            <a:spLocks noGrp="1"/>
+          </p:cNvSpPr>
+          <p:nvPr>
+            <p:ph type="title"/>
+          </p:nvPr>
+        </p:nvSpPr>
+        <p:spPr>
+          <a:xfrm>
+            <a:off x="838200" y="463826"/>
+            <a:ext cx="10515600" cy="914400"/>
+          </a:xfrm>
+        </p:spPr>
+        <p:txBody>
+          <a:bodyPr>
+            <a:normAutofit/>
+          </a:bodyPr>
+          <a:lstStyle/>
+          <a:p>
+            <a:pPr algn="ctr"/>
+            <a:r>
+              <a:rPr lang="en-US" sz="5200" dirty="0"/>
+              <a:t>TEXTO NO MATTER CONTROL</a:t>
+            </a:r>
+          </a:p>
+        </p:txBody>
+      </p:sp>
+      <p:sp>
+        <p:nvSpPr>
+          <p:cNvPr id="3" name="Content Placeholder 2">
+            <a:extLst>
+              <a:ext uri="{FF2B5EF4-FFF2-40B4-BE49-F238E27FC236}">
+                <a16:creationId xmlns:a16="http://schemas.microsoft.com/office/drawing/2014/main" id="{9FBEF090-A937-45B5-9B5C-3EE68F05FDE7}"/>
+              </a:ext>
+            </a:extLst>
+          </p:cNvPr>
+          <p:cNvSpPr>
+            <a:spLocks noGrp="1"/>
+          </p:cNvSpPr>
+          <p:nvPr>
+            <p:ph idx="1"/>
+          </p:nvPr>
+        </p:nvSpPr>
+        <p:spPr>
+          <a:xfrm>
+            <a:off x="838200" y="1179443"/>
+            <a:ext cx="10515600" cy="5300870"/>
+          </a:xfrm>
+        </p:spPr>
+        <p:txBody>
+          <a:bodyPr/>
+          <a:lstStyle/>
+          <a:p>
+            <a:pPr marL="0" indent="0" algn="just">
+              <a:buNone/>
+            </a:pPr>
+            <a:r>
+              <a:rPr lang="en-US" dirty="0"/>
+              <a:t>	</a:t>
+            </a:r>
+          </a:p>
+          <a:p>
+            <a:pPr marL="0" indent="0" algn="just">
+              <a:buNone/>
+            </a:pPr>
+            <a:r>
+              <a:rPr lang="pt-BR" dirty="0"/>
+              <a:t>O texto é um objeto primitivo no </a:t>
+            </a:r>
+            <a:r>
+              <a:rPr lang="pt-BR" dirty="0" err="1"/>
+              <a:t>MatterControl</a:t>
+            </a:r>
+            <a:r>
+              <a:rPr lang="pt-BR" dirty="0"/>
+              <a:t>.</a:t>
+            </a:r>
+          </a:p>
+          <a:p>
+            <a:pPr marL="0" indent="0" algn="just">
+              <a:buNone/>
+            </a:pPr>
+            <a:endParaRPr lang="pt-BR" dirty="0"/>
+          </a:p>
+          <a:p>
+            <a:pPr marL="0" indent="0" algn="just">
+              <a:buNone/>
+            </a:pPr>
+            <a:endParaRPr lang="pt-BR" dirty="0"/>
+          </a:p>
+          <a:p>
+            <a:pPr marL="0" indent="0" algn="just">
+              <a:buNone/>
+            </a:pPr>
+            <a:endParaRPr lang="en-US" dirty="0"/>
+          </a:p>
+        </p:txBody>
+      </p:sp>
+      <p:pic>
+        <p:nvPicPr>
+          <p:cNvPr id="8" name="Picture 7">
+            <a:extLst>
+              <a:ext uri="{FF2B5EF4-FFF2-40B4-BE49-F238E27FC236}">
+                <a16:creationId xmlns:a16="http://schemas.microsoft.com/office/drawing/2014/main" id="{46FE6E6A-6A3E-40CE-ADA9-54FB9664AD21}"/>
+              </a:ext>
+            </a:extLst>
+          </p:cNvPr>
+          <p:cNvPicPr>
+            <a:picLocks noChangeAspect="1"/>
+          </p:cNvPicPr>
+          <p:nvPr/>
+        </p:nvPicPr>
+        <p:blipFill>
+          <a:blip r:embed="rId2">
+            <a:extLst>
+              <a:ext uri="{28A0092B-C50C-407E-A947-70E740481C1C}">
+                <a14:useLocalDpi xmlns:a14="http://schemas.microsoft.com/office/drawing/2010/main" val="0"/>
+              </a:ext>
+            </a:extLst>
+          </a:blip>
+          <a:stretch>
+            <a:fillRect/>
+          </a:stretch>
+        </p:blipFill>
+        <p:spPr>
+          <a:xfrm>
+            <a:off x="1961573" y="2296139"/>
+            <a:ext cx="8268854" cy="3067478"/>
+          </a:xfrm>
+          <a:prstGeom prst="rect">
+            <a:avLst/>
+          </a:prstGeom>
+        </p:spPr>
+      </p:pic>
+    </p:spTree>
+    <p:extLst>
+      <p:ext uri="{BB962C8B-B14F-4D97-AF65-F5344CB8AC3E}">
+        <p14:creationId xmlns:p14="http://schemas.microsoft.com/office/powerpoint/2010/main" val="1874364176"/>
+      </p:ext>
+    </p:extLst>
+  </p:cSld>
+  <p:clrMapOvr>
+    <a:masterClrMapping/>
+  </p:clrMapOvr>
+</p:sld>
+</file>
+
+<file path=ppt/slides/slide17.xml><?xml version="1.0" encoding="utf-8"?>
+<p:sld xmlns:a="http://schemas.openxmlformats.org/drawingml/2006/main" xmlns:r="http://schemas.openxmlformats.org/officeDocument/2006/relationships" xmlns:p="http://schemas.openxmlformats.org/presentationml/2006/main">
+  <p:cSld>
+    <p:spTree>
+      <p:nvGrpSpPr>
+        <p:cNvPr id="1" name=""/>
+        <p:cNvGrpSpPr/>
+        <p:nvPr/>
+      </p:nvGrpSpPr>
+      <p:grpSpPr>
+        <a:xfrm>
+          <a:off x="0" y="0"/>
+          <a:ext cx="0" cy="0"/>
+          <a:chOff x="0" y="0"/>
+          <a:chExt cx="0" cy="0"/>
+        </a:xfrm>
+      </p:grpSpPr>
+      <p:sp>
+        <p:nvSpPr>
+          <p:cNvPr id="2" name="Title 1">
+            <a:extLst>
+              <a:ext uri="{FF2B5EF4-FFF2-40B4-BE49-F238E27FC236}">
+                <a16:creationId xmlns:a16="http://schemas.microsoft.com/office/drawing/2014/main" id="{E5E8D1DA-2D7D-461A-8D8D-7CAF47675C62}"/>
+              </a:ext>
+            </a:extLst>
+          </p:cNvPr>
+          <p:cNvSpPr>
+            <a:spLocks noGrp="1"/>
+          </p:cNvSpPr>
+          <p:nvPr>
+            <p:ph type="title"/>
+          </p:nvPr>
+        </p:nvSpPr>
+        <p:spPr>
+          <a:xfrm>
+            <a:off x="838200" y="298176"/>
+            <a:ext cx="10515600" cy="1182894"/>
+          </a:xfrm>
+        </p:spPr>
+        <p:txBody>
+          <a:bodyPr>
+            <a:noAutofit/>
+          </a:bodyPr>
+          <a:lstStyle/>
+          <a:p>
+            <a:pPr algn="ctr"/>
+            <a:r>
+              <a:rPr lang="en-US" sz="5200" dirty="0"/>
+              <a:t>COMO FORMAR UM TEXTO?</a:t>
+            </a:r>
+          </a:p>
+        </p:txBody>
+      </p:sp>
+      <p:sp>
+        <p:nvSpPr>
+          <p:cNvPr id="3" name="Content Placeholder 2">
+            <a:extLst>
+              <a:ext uri="{FF2B5EF4-FFF2-40B4-BE49-F238E27FC236}">
+                <a16:creationId xmlns:a16="http://schemas.microsoft.com/office/drawing/2014/main" id="{1AD0B689-0C60-4A96-A9F1-5037CE604970}"/>
+              </a:ext>
+            </a:extLst>
+          </p:cNvPr>
+          <p:cNvSpPr>
+            <a:spLocks noGrp="1"/>
+          </p:cNvSpPr>
+          <p:nvPr>
+            <p:ph idx="1"/>
+          </p:nvPr>
+        </p:nvSpPr>
+        <p:spPr>
+          <a:xfrm>
+            <a:off x="838200" y="874642"/>
+            <a:ext cx="10515600" cy="5685183"/>
+          </a:xfrm>
+        </p:spPr>
+        <p:txBody>
+          <a:bodyPr>
+            <a:normAutofit fontScale="77500" lnSpcReduction="20000"/>
+          </a:bodyPr>
+          <a:lstStyle/>
+          <a:p>
+            <a:pPr marL="0" indent="0">
+              <a:buNone/>
+            </a:pPr>
+            <a:r>
+              <a:rPr lang="en-US" dirty="0"/>
+              <a:t>	</a:t>
+            </a:r>
+          </a:p>
+          <a:p>
+            <a:pPr marL="0" indent="0">
+              <a:buNone/>
+            </a:pPr>
+            <a:r>
+              <a:rPr lang="en-US" dirty="0"/>
+              <a:t>	</a:t>
+            </a:r>
+          </a:p>
+          <a:p>
+            <a:pPr marL="0" indent="0">
+              <a:buNone/>
+            </a:pPr>
+            <a:r>
+              <a:rPr lang="en-US" sz="3000" dirty="0"/>
+              <a:t>	</a:t>
+            </a:r>
+            <a:r>
+              <a:rPr lang="en-US" sz="3700" dirty="0"/>
+              <a:t>Um </a:t>
+            </a:r>
+            <a:r>
+              <a:rPr lang="en-US" sz="3700" dirty="0" err="1"/>
+              <a:t>texto</a:t>
+            </a:r>
+            <a:r>
+              <a:rPr lang="en-US" sz="3700" dirty="0"/>
+              <a:t> no </a:t>
+            </a:r>
+            <a:r>
+              <a:rPr lang="en-US" sz="3700" dirty="0" err="1"/>
+              <a:t>MatterControl</a:t>
+            </a:r>
+            <a:r>
+              <a:rPr lang="en-US" sz="3700" dirty="0"/>
+              <a:t> </a:t>
+            </a:r>
+            <a:r>
+              <a:rPr lang="en-US" sz="3700" dirty="0" err="1"/>
+              <a:t>pode</a:t>
+            </a:r>
+            <a:r>
+              <a:rPr lang="en-US" sz="3700" dirty="0"/>
+              <a:t> ser </a:t>
+            </a:r>
+            <a:r>
+              <a:rPr lang="en-US" sz="3700" dirty="0" err="1"/>
+              <a:t>formado</a:t>
+            </a:r>
+            <a:r>
+              <a:rPr lang="en-US" sz="3700" dirty="0"/>
+              <a:t> </a:t>
+            </a:r>
+            <a:r>
+              <a:rPr lang="en-US" sz="3700" dirty="0" err="1"/>
+              <a:t>seguindo</a:t>
+            </a:r>
+            <a:r>
+              <a:rPr lang="en-US" sz="3700" dirty="0"/>
+              <a:t> </a:t>
+            </a:r>
+            <a:r>
+              <a:rPr lang="en-US" sz="3700" dirty="0" err="1"/>
+              <a:t>os</a:t>
+            </a:r>
+            <a:r>
+              <a:rPr lang="en-US" sz="3700" dirty="0"/>
+              <a:t> </a:t>
+            </a:r>
+            <a:r>
+              <a:rPr lang="en-US" sz="3700" dirty="0" err="1"/>
+              <a:t>seguintes</a:t>
+            </a:r>
+            <a:r>
+              <a:rPr lang="en-US" sz="3700" dirty="0"/>
+              <a:t> </a:t>
+            </a:r>
+            <a:r>
+              <a:rPr lang="en-US" sz="3700" dirty="0" err="1"/>
+              <a:t>valores</a:t>
+            </a:r>
+            <a:r>
+              <a:rPr lang="en-US" sz="3700" dirty="0"/>
+              <a:t>:</a:t>
+            </a:r>
+          </a:p>
+          <a:p>
+            <a:pPr marL="0" indent="0">
+              <a:buNone/>
+            </a:pPr>
+            <a:endParaRPr lang="en-US" sz="3400" dirty="0"/>
+          </a:p>
+          <a:p>
+            <a:pPr marL="0" indent="0">
+              <a:buNone/>
+            </a:pPr>
+            <a:endParaRPr lang="en-US" sz="3400" dirty="0"/>
+          </a:p>
+          <a:p>
+            <a:pPr marL="0" indent="0">
+              <a:buNone/>
+            </a:pPr>
+            <a:endParaRPr lang="en-US" sz="3400" dirty="0"/>
+          </a:p>
+          <a:p>
+            <a:pPr marL="0" indent="0">
+              <a:buNone/>
+            </a:pPr>
+            <a:endParaRPr lang="en-US" sz="3400" dirty="0"/>
+          </a:p>
+          <a:p>
+            <a:pPr marL="0" indent="0">
+              <a:buNone/>
+            </a:pPr>
+            <a:endParaRPr lang="en-US" sz="3400" dirty="0"/>
+          </a:p>
+          <a:p>
+            <a:pPr marL="0" indent="0">
+              <a:buNone/>
+            </a:pPr>
+            <a:endParaRPr lang="en-US" sz="3400" dirty="0"/>
+          </a:p>
+          <a:p>
+            <a:pPr marL="0" indent="0">
+              <a:buNone/>
+            </a:pPr>
+            <a:endParaRPr lang="en-US" sz="3400" dirty="0"/>
+          </a:p>
+          <a:p>
+            <a:pPr marL="0" indent="0">
+              <a:buNone/>
+            </a:pPr>
+            <a:endParaRPr lang="en-US" sz="3400" dirty="0"/>
+          </a:p>
+          <a:p>
+            <a:pPr marL="0" indent="0">
+              <a:buNone/>
+            </a:pPr>
+            <a:r>
+              <a:rPr lang="en-US" sz="3400" dirty="0"/>
+              <a:t>height - </a:t>
+            </a:r>
+            <a:r>
+              <a:rPr lang="en-US" sz="3400" dirty="0" err="1"/>
+              <a:t>altura</a:t>
+            </a:r>
+            <a:r>
+              <a:rPr lang="en-US" sz="3400" dirty="0"/>
+              <a:t> , font – </a:t>
+            </a:r>
+            <a:r>
+              <a:rPr lang="en-US" sz="3400" dirty="0" err="1"/>
+              <a:t>fonte</a:t>
+            </a:r>
+            <a:r>
+              <a:rPr lang="en-US" sz="3400" dirty="0"/>
+              <a:t>, </a:t>
+            </a:r>
+          </a:p>
+          <a:p>
+            <a:pPr marL="0" indent="0">
+              <a:buNone/>
+            </a:pPr>
+            <a:r>
+              <a:rPr lang="en-US" sz="3400" dirty="0"/>
+              <a:t>point size – </a:t>
+            </a:r>
+            <a:r>
+              <a:rPr lang="en-US" sz="3400" dirty="0" err="1"/>
+              <a:t>tamanho</a:t>
+            </a:r>
+            <a:r>
+              <a:rPr lang="en-US" sz="3400" dirty="0"/>
+              <a:t> do </a:t>
+            </a:r>
+            <a:r>
+              <a:rPr lang="en-US" sz="3400" dirty="0" err="1"/>
+              <a:t>ponto</a:t>
+            </a:r>
+            <a:r>
+              <a:rPr lang="en-US" sz="3400" dirty="0"/>
+              <a:t>, text - </a:t>
+            </a:r>
+            <a:r>
+              <a:rPr lang="en-US" sz="3400" dirty="0" err="1"/>
+              <a:t>texto</a:t>
+            </a:r>
+            <a:endParaRPr lang="en-US" sz="3400" dirty="0"/>
+          </a:p>
+        </p:txBody>
+      </p:sp>
+      <p:pic>
+        <p:nvPicPr>
+          <p:cNvPr id="5" name="Picture 4">
+            <a:extLst>
+              <a:ext uri="{FF2B5EF4-FFF2-40B4-BE49-F238E27FC236}">
+                <a16:creationId xmlns:a16="http://schemas.microsoft.com/office/drawing/2014/main" id="{025EC357-A086-474F-BC72-676CD49C719A}"/>
+              </a:ext>
+            </a:extLst>
+          </p:cNvPr>
+          <p:cNvPicPr>
+            <a:picLocks noChangeAspect="1"/>
+          </p:cNvPicPr>
+          <p:nvPr/>
+        </p:nvPicPr>
+        <p:blipFill>
+          <a:blip r:embed="rId2">
+            <a:extLst>
+              <a:ext uri="{28A0092B-C50C-407E-A947-70E740481C1C}">
+                <a14:useLocalDpi xmlns:a14="http://schemas.microsoft.com/office/drawing/2010/main" val="0"/>
+              </a:ext>
+            </a:extLst>
+          </a:blip>
+          <a:stretch>
+            <a:fillRect/>
+          </a:stretch>
+        </p:blipFill>
+        <p:spPr>
+          <a:xfrm>
+            <a:off x="3577960" y="2331077"/>
+            <a:ext cx="5036080" cy="3052293"/>
+          </a:xfrm>
+          <a:prstGeom prst="rect">
+            <a:avLst/>
+          </a:prstGeom>
+        </p:spPr>
+      </p:pic>
+    </p:spTree>
+    <p:extLst>
+      <p:ext uri="{BB962C8B-B14F-4D97-AF65-F5344CB8AC3E}">
+        <p14:creationId xmlns:p14="http://schemas.microsoft.com/office/powerpoint/2010/main" val="690928246"/>
+      </p:ext>
+    </p:extLst>
+  </p:cSld>
+  <p:clrMapOvr>
+    <a:masterClrMapping/>
+  </p:clrMapOvr>
+</p:sld>
+</file>
+
+<file path=ppt/slides/slide18.xml><?xml version="1.0" encoding="utf-8"?>
+<p:sld xmlns:a="http://schemas.openxmlformats.org/drawingml/2006/main" xmlns:r="http://schemas.openxmlformats.org/officeDocument/2006/relationships" xmlns:p="http://schemas.openxmlformats.org/presentationml/2006/main">
+  <p:cSld>
+    <p:spTree>
+      <p:nvGrpSpPr>
+        <p:cNvPr id="1" name=""/>
+        <p:cNvGrpSpPr/>
+        <p:nvPr/>
+      </p:nvGrpSpPr>
+      <p:grpSpPr>
+        <a:xfrm>
+          <a:off x="0" y="0"/>
+          <a:ext cx="0" cy="0"/>
+          <a:chOff x="0" y="0"/>
+          <a:chExt cx="0" cy="0"/>
+        </a:xfrm>
+      </p:grpSpPr>
+      <p:sp>
+        <p:nvSpPr>
+          <p:cNvPr id="2" name="Title 1">
+            <a:extLst>
+              <a:ext uri="{FF2B5EF4-FFF2-40B4-BE49-F238E27FC236}">
+                <a16:creationId xmlns:a16="http://schemas.microsoft.com/office/drawing/2014/main" id="{E5E8D1DA-2D7D-461A-8D8D-7CAF47675C62}"/>
+              </a:ext>
+            </a:extLst>
+          </p:cNvPr>
+          <p:cNvSpPr>
+            <a:spLocks noGrp="1"/>
+          </p:cNvSpPr>
+          <p:nvPr>
+            <p:ph type="title"/>
+          </p:nvPr>
+        </p:nvSpPr>
+        <p:spPr>
+          <a:xfrm>
+            <a:off x="838200" y="463826"/>
+            <a:ext cx="10515600" cy="821632"/>
+          </a:xfrm>
+        </p:spPr>
+        <p:txBody>
+          <a:bodyPr>
+            <a:noAutofit/>
+          </a:bodyPr>
+          <a:lstStyle/>
+          <a:p>
+            <a:pPr algn="ctr"/>
+            <a:r>
+              <a:rPr lang="en-US" sz="5200" dirty="0"/>
+              <a:t>TEXTO NO MATTER CONTROL</a:t>
+            </a:r>
+          </a:p>
+        </p:txBody>
+      </p:sp>
+      <p:sp>
+        <p:nvSpPr>
+          <p:cNvPr id="3" name="Content Placeholder 2">
+            <a:extLst>
+              <a:ext uri="{FF2B5EF4-FFF2-40B4-BE49-F238E27FC236}">
+                <a16:creationId xmlns:a16="http://schemas.microsoft.com/office/drawing/2014/main" id="{1AD0B689-0C60-4A96-A9F1-5037CE604970}"/>
+              </a:ext>
+            </a:extLst>
+          </p:cNvPr>
+          <p:cNvSpPr>
+            <a:spLocks noGrp="1"/>
+          </p:cNvSpPr>
+          <p:nvPr>
+            <p:ph idx="1"/>
+          </p:nvPr>
+        </p:nvSpPr>
+        <p:spPr>
+          <a:xfrm>
+            <a:off x="838200" y="1285458"/>
+            <a:ext cx="10515600" cy="5274367"/>
+          </a:xfrm>
+        </p:spPr>
+        <p:txBody>
+          <a:bodyPr>
+            <a:normAutofit/>
+          </a:bodyPr>
+          <a:lstStyle/>
+          <a:p>
+            <a:pPr marL="0" indent="0">
+              <a:buNone/>
+            </a:pPr>
+            <a:r>
+              <a:rPr lang="en-US" dirty="0"/>
+              <a:t>	</a:t>
+            </a:r>
+          </a:p>
+          <a:p>
+            <a:pPr marL="0" indent="0">
+              <a:buNone/>
+            </a:pPr>
+            <a:r>
+              <a:rPr lang="en-US" dirty="0"/>
+              <a:t>Um </a:t>
+            </a:r>
+            <a:r>
+              <a:rPr lang="en-US" dirty="0" err="1"/>
+              <a:t>projeto</a:t>
+            </a:r>
+            <a:r>
+              <a:rPr lang="en-US" dirty="0"/>
+              <a:t> com </a:t>
+            </a:r>
+            <a:r>
+              <a:rPr lang="en-US" dirty="0" err="1"/>
+              <a:t>texto</a:t>
+            </a:r>
+            <a:r>
+              <a:rPr lang="en-US" dirty="0"/>
+              <a:t>.</a:t>
+            </a:r>
+          </a:p>
+          <a:p>
+            <a:pPr marL="0" indent="0">
+              <a:buNone/>
+            </a:pPr>
+            <a:endParaRPr lang="en-US" dirty="0"/>
+          </a:p>
+          <a:p>
+            <a:pPr marL="0" indent="0">
+              <a:buNone/>
+            </a:pPr>
+            <a:endParaRPr lang="en-US" dirty="0"/>
+          </a:p>
+          <a:p>
+            <a:pPr marL="0" indent="0">
+              <a:buNone/>
+            </a:pPr>
+            <a:endParaRPr lang="en-US" dirty="0"/>
+          </a:p>
+          <a:p>
+            <a:pPr marL="0" indent="0">
+              <a:buNone/>
+            </a:pPr>
+            <a:endParaRPr lang="en-US" dirty="0"/>
+          </a:p>
+          <a:p>
+            <a:pPr marL="0" indent="0">
+              <a:buNone/>
+            </a:pPr>
+            <a:endParaRPr lang="en-US" dirty="0"/>
+          </a:p>
+          <a:p>
+            <a:pPr marL="0" indent="0">
+              <a:buNone/>
+            </a:pPr>
+            <a:endParaRPr lang="en-US" dirty="0"/>
+          </a:p>
+          <a:p>
+            <a:pPr marL="0" indent="0">
+              <a:buNone/>
+            </a:pPr>
+            <a:endParaRPr lang="en-US" dirty="0"/>
+          </a:p>
+          <a:p>
+            <a:pPr marL="0" indent="0">
+              <a:buNone/>
+            </a:pPr>
+            <a:endParaRPr lang="en-US" dirty="0"/>
+          </a:p>
+          <a:p>
+            <a:pPr marL="0" indent="0">
+              <a:buNone/>
+            </a:pPr>
+            <a:endParaRPr lang="en-US" dirty="0"/>
+          </a:p>
+        </p:txBody>
+      </p:sp>
+      <p:pic>
+        <p:nvPicPr>
+          <p:cNvPr id="6" name="Picture 5">
+            <a:extLst>
+              <a:ext uri="{FF2B5EF4-FFF2-40B4-BE49-F238E27FC236}">
+                <a16:creationId xmlns:a16="http://schemas.microsoft.com/office/drawing/2014/main" id="{0CB534B3-CEED-40CE-9B18-0D9316CB4BBB}"/>
+              </a:ext>
+            </a:extLst>
+          </p:cNvPr>
+          <p:cNvPicPr>
+            <a:picLocks noChangeAspect="1"/>
+          </p:cNvPicPr>
+          <p:nvPr/>
+        </p:nvPicPr>
+        <p:blipFill>
+          <a:blip r:embed="rId2">
+            <a:extLst>
+              <a:ext uri="{28A0092B-C50C-407E-A947-70E740481C1C}">
+                <a14:useLocalDpi xmlns:a14="http://schemas.microsoft.com/office/drawing/2010/main" val="0"/>
+              </a:ext>
+            </a:extLst>
+          </a:blip>
+          <a:stretch>
+            <a:fillRect/>
+          </a:stretch>
+        </p:blipFill>
+        <p:spPr>
+          <a:xfrm>
+            <a:off x="1470980" y="2562324"/>
+            <a:ext cx="9250039" cy="3681350"/>
+          </a:xfrm>
+          <a:prstGeom prst="rect">
+            <a:avLst/>
+          </a:prstGeom>
+        </p:spPr>
+      </p:pic>
+    </p:spTree>
+    <p:extLst>
+      <p:ext uri="{BB962C8B-B14F-4D97-AF65-F5344CB8AC3E}">
+        <p14:creationId xmlns:p14="http://schemas.microsoft.com/office/powerpoint/2010/main" val="825002088"/>
+      </p:ext>
+    </p:extLst>
+  </p:cSld>
+  <p:clrMapOvr>
+    <a:masterClrMapping/>
+  </p:clrMapOvr>
+</p:sld>
+</file>
+
+<file path=ppt/slides/slide19.xml><?xml version="1.0" encoding="utf-8"?>
+<p:sld xmlns:a="http://schemas.openxmlformats.org/drawingml/2006/main" xmlns:r="http://schemas.openxmlformats.org/officeDocument/2006/relationships" xmlns:p="http://schemas.openxmlformats.org/presentationml/2006/main">
+  <p:cSld>
+    <p:spTree>
+      <p:nvGrpSpPr>
+        <p:cNvPr id="1" name=""/>
+        <p:cNvGrpSpPr/>
+        <p:nvPr/>
+      </p:nvGrpSpPr>
+      <p:grpSpPr>
+        <a:xfrm>
+          <a:off x="0" y="0"/>
+          <a:ext cx="0" cy="0"/>
+          <a:chOff x="0" y="0"/>
+          <a:chExt cx="0" cy="0"/>
+        </a:xfrm>
+      </p:grpSpPr>
+      <p:sp>
+        <p:nvSpPr>
+          <p:cNvPr id="2" name="Title 1">
+            <a:extLst>
+              <a:ext uri="{FF2B5EF4-FFF2-40B4-BE49-F238E27FC236}">
+                <a16:creationId xmlns:a16="http://schemas.microsoft.com/office/drawing/2014/main" id="{E5E8D1DA-2D7D-461A-8D8D-7CAF47675C62}"/>
+              </a:ext>
+            </a:extLst>
+          </p:cNvPr>
+          <p:cNvSpPr>
+            <a:spLocks noGrp="1"/>
+          </p:cNvSpPr>
+          <p:nvPr>
+            <p:ph type="title"/>
+          </p:nvPr>
+        </p:nvSpPr>
+        <p:spPr>
+          <a:xfrm>
+            <a:off x="838200" y="463826"/>
+            <a:ext cx="10515600" cy="821632"/>
+          </a:xfrm>
+        </p:spPr>
+        <p:txBody>
+          <a:bodyPr>
+            <a:noAutofit/>
+          </a:bodyPr>
+          <a:lstStyle/>
+          <a:p>
+            <a:pPr algn="ctr"/>
+            <a:r>
+              <a:rPr lang="en-US" sz="5200" dirty="0"/>
+              <a:t>IMAGENS NO MATTER CONTROL</a:t>
+            </a:r>
+          </a:p>
+        </p:txBody>
+      </p:sp>
+      <p:sp>
+        <p:nvSpPr>
+          <p:cNvPr id="3" name="Content Placeholder 2">
+            <a:extLst>
+              <a:ext uri="{FF2B5EF4-FFF2-40B4-BE49-F238E27FC236}">
+                <a16:creationId xmlns:a16="http://schemas.microsoft.com/office/drawing/2014/main" id="{1AD0B689-0C60-4A96-A9F1-5037CE604970}"/>
+              </a:ext>
+            </a:extLst>
+          </p:cNvPr>
+          <p:cNvSpPr>
+            <a:spLocks noGrp="1"/>
+          </p:cNvSpPr>
+          <p:nvPr>
+            <p:ph idx="1"/>
+          </p:nvPr>
+        </p:nvSpPr>
+        <p:spPr>
+          <a:xfrm>
+            <a:off x="838200" y="1285458"/>
+            <a:ext cx="10515600" cy="5274367"/>
+          </a:xfrm>
+        </p:spPr>
+        <p:txBody>
+          <a:bodyPr>
+            <a:normAutofit/>
+          </a:bodyPr>
+          <a:lstStyle/>
+          <a:p>
+            <a:pPr marL="0" indent="0">
+              <a:buNone/>
+            </a:pPr>
+            <a:r>
+              <a:rPr lang="en-US" dirty="0"/>
+              <a:t>	</a:t>
+            </a:r>
+          </a:p>
+          <a:p>
+            <a:pPr marL="0" indent="0">
+              <a:buNone/>
+            </a:pPr>
+            <a:r>
+              <a:rPr lang="en-US" dirty="0"/>
+              <a:t>	É </a:t>
+            </a:r>
+            <a:r>
+              <a:rPr lang="en-US" dirty="0" err="1"/>
+              <a:t>possível</a:t>
+            </a:r>
+            <a:r>
+              <a:rPr lang="en-US" dirty="0"/>
+              <a:t> </a:t>
+            </a:r>
+            <a:r>
+              <a:rPr lang="en-US" dirty="0" err="1"/>
+              <a:t>criar</a:t>
+            </a:r>
+            <a:r>
+              <a:rPr lang="en-US" dirty="0"/>
+              <a:t> um </a:t>
+            </a:r>
+            <a:r>
+              <a:rPr lang="en-US" dirty="0" err="1"/>
+              <a:t>objeto</a:t>
+            </a:r>
+            <a:r>
+              <a:rPr lang="en-US" dirty="0"/>
+              <a:t> a </a:t>
+            </a:r>
+            <a:r>
+              <a:rPr lang="en-US" dirty="0" err="1"/>
+              <a:t>partir</a:t>
+            </a:r>
+            <a:r>
+              <a:rPr lang="en-US" dirty="0"/>
+              <a:t> de </a:t>
+            </a:r>
+            <a:r>
+              <a:rPr lang="en-US" dirty="0" err="1"/>
+              <a:t>uma</a:t>
+            </a:r>
+            <a:r>
+              <a:rPr lang="en-US" dirty="0"/>
+              <a:t> </a:t>
+            </a:r>
+            <a:r>
+              <a:rPr lang="en-US" dirty="0" err="1"/>
+              <a:t>imagem</a:t>
+            </a:r>
+            <a:r>
+              <a:rPr lang="en-US" dirty="0"/>
+              <a:t> no Matter Control. É </a:t>
+            </a:r>
+            <a:r>
+              <a:rPr lang="en-US" dirty="0" err="1"/>
+              <a:t>também</a:t>
+            </a:r>
+            <a:r>
+              <a:rPr lang="en-US" dirty="0"/>
+              <a:t> um </a:t>
+            </a:r>
+            <a:r>
+              <a:rPr lang="en-US" dirty="0" err="1"/>
+              <a:t>objeto</a:t>
+            </a:r>
+            <a:r>
+              <a:rPr lang="en-US" dirty="0"/>
+              <a:t> </a:t>
+            </a:r>
+            <a:r>
+              <a:rPr lang="en-US" dirty="0" err="1"/>
+              <a:t>primitivo</a:t>
+            </a:r>
+            <a:r>
+              <a:rPr lang="en-US" dirty="0"/>
+              <a:t>.</a:t>
+            </a:r>
+          </a:p>
+          <a:p>
+            <a:pPr marL="0" indent="0">
+              <a:buNone/>
+            </a:pPr>
+            <a:endParaRPr lang="en-US" dirty="0"/>
+          </a:p>
+          <a:p>
+            <a:pPr marL="0" indent="0">
+              <a:buNone/>
+            </a:pPr>
+            <a:endParaRPr lang="en-US" dirty="0"/>
+          </a:p>
+          <a:p>
+            <a:pPr marL="0" indent="0">
+              <a:buNone/>
+            </a:pPr>
+            <a:endParaRPr lang="en-US" dirty="0"/>
+          </a:p>
+          <a:p>
+            <a:pPr marL="0" indent="0">
+              <a:buNone/>
+            </a:pPr>
+            <a:endParaRPr lang="en-US" dirty="0"/>
+          </a:p>
+          <a:p>
+            <a:pPr marL="0" indent="0">
+              <a:buNone/>
+            </a:pPr>
+            <a:endParaRPr lang="en-US" dirty="0"/>
+          </a:p>
+          <a:p>
+            <a:pPr marL="0" indent="0">
+              <a:buNone/>
+            </a:pPr>
+            <a:endParaRPr lang="en-US" dirty="0"/>
+          </a:p>
+          <a:p>
+            <a:pPr marL="0" indent="0">
+              <a:buNone/>
+            </a:pPr>
+            <a:endParaRPr lang="en-US" dirty="0"/>
+          </a:p>
+        </p:txBody>
+      </p:sp>
+      <p:pic>
+        <p:nvPicPr>
+          <p:cNvPr id="5" name="Picture 4">
+            <a:extLst>
+              <a:ext uri="{FF2B5EF4-FFF2-40B4-BE49-F238E27FC236}">
+                <a16:creationId xmlns:a16="http://schemas.microsoft.com/office/drawing/2014/main" id="{EC670656-085B-4CF6-BBE4-C1C415AB5D86}"/>
+              </a:ext>
+            </a:extLst>
+          </p:cNvPr>
+          <p:cNvPicPr>
+            <a:picLocks noChangeAspect="1"/>
+          </p:cNvPicPr>
+          <p:nvPr/>
+        </p:nvPicPr>
+        <p:blipFill>
+          <a:blip r:embed="rId2">
+            <a:extLst>
+              <a:ext uri="{28A0092B-C50C-407E-A947-70E740481C1C}">
+                <a14:useLocalDpi xmlns:a14="http://schemas.microsoft.com/office/drawing/2010/main" val="0"/>
+              </a:ext>
+            </a:extLst>
+          </a:blip>
+          <a:stretch>
+            <a:fillRect/>
+          </a:stretch>
+        </p:blipFill>
+        <p:spPr>
+          <a:xfrm>
+            <a:off x="3776239" y="2857580"/>
+            <a:ext cx="4639522" cy="3702245"/>
+          </a:xfrm>
+          <a:prstGeom prst="rect">
+            <a:avLst/>
+          </a:prstGeom>
+        </p:spPr>
+      </p:pic>
+    </p:spTree>
+    <p:extLst>
+      <p:ext uri="{BB962C8B-B14F-4D97-AF65-F5344CB8AC3E}">
+        <p14:creationId xmlns:p14="http://schemas.microsoft.com/office/powerpoint/2010/main" val="3418495990"/>
+      </p:ext>
+    </p:extLst>
+  </p:cSld>
+  <p:clrMapOvr>
+    <a:masterClrMapping/>
+  </p:clrMapOvr>
+</p:sld>
+</file>
+
+<file path=ppt/slides/slide2.xml><?xml version="1.0" encoding="utf-8"?>
+<p:sld xmlns:a="http://schemas.openxmlformats.org/drawingml/2006/main" xmlns:r="http://schemas.openxmlformats.org/officeDocument/2006/relationships" xmlns:p="http://schemas.openxmlformats.org/presentationml/2006/main">
+  <p:cSld>
+    <p:spTree>
+      <p:nvGrpSpPr>
+        <p:cNvPr id="1" name=""/>
+        <p:cNvGrpSpPr/>
+        <p:nvPr/>
+      </p:nvGrpSpPr>
+      <p:grpSpPr>
+        <a:xfrm>
+          <a:off x="0" y="0"/>
+          <a:ext cx="0" cy="0"/>
+          <a:chOff x="0" y="0"/>
+          <a:chExt cx="0" cy="0"/>
+        </a:xfrm>
+      </p:grpSpPr>
+      <p:sp>
+        <p:nvSpPr>
+          <p:cNvPr id="2" name="Title 1">
+            <a:extLst>
+              <a:ext uri="{FF2B5EF4-FFF2-40B4-BE49-F238E27FC236}">
+                <a16:creationId xmlns:a16="http://schemas.microsoft.com/office/drawing/2014/main" id="{24777F16-1641-4B86-B1DA-28B4AB09C290}"/>
+              </a:ext>
+            </a:extLst>
+          </p:cNvPr>
+          <p:cNvSpPr>
+            <a:spLocks noGrp="1"/>
+          </p:cNvSpPr>
+          <p:nvPr>
+            <p:ph type="title"/>
+          </p:nvPr>
+        </p:nvSpPr>
+        <p:spPr>
+          <a:xfrm>
+            <a:off x="838200" y="463826"/>
+            <a:ext cx="10515600" cy="914400"/>
+          </a:xfrm>
+        </p:spPr>
+        <p:txBody>
+          <a:bodyPr>
+            <a:normAutofit/>
+          </a:bodyPr>
+          <a:lstStyle/>
+          <a:p>
+            <a:pPr algn="ctr"/>
+            <a:r>
+              <a:rPr lang="en-US" sz="5200" dirty="0"/>
+              <a:t>CUBO NO MATTER CONTROL</a:t>
+            </a:r>
+          </a:p>
+        </p:txBody>
+      </p:sp>
+      <p:sp>
+        <p:nvSpPr>
+          <p:cNvPr id="3" name="Content Placeholder 2">
+            <a:extLst>
+              <a:ext uri="{FF2B5EF4-FFF2-40B4-BE49-F238E27FC236}">
+                <a16:creationId xmlns:a16="http://schemas.microsoft.com/office/drawing/2014/main" id="{9FBEF090-A937-45B5-9B5C-3EE68F05FDE7}"/>
+              </a:ext>
+            </a:extLst>
+          </p:cNvPr>
+          <p:cNvSpPr>
+            <a:spLocks noGrp="1"/>
+          </p:cNvSpPr>
+          <p:nvPr>
+            <p:ph idx="1"/>
+          </p:nvPr>
+        </p:nvSpPr>
+        <p:spPr>
+          <a:xfrm>
+            <a:off x="838200" y="1179443"/>
+            <a:ext cx="10515600" cy="5300870"/>
+          </a:xfrm>
+        </p:spPr>
+        <p:txBody>
+          <a:bodyPr/>
+          <a:lstStyle/>
+          <a:p>
+            <a:pPr marL="0" indent="0" algn="just">
+              <a:buNone/>
+            </a:pPr>
+            <a:r>
+              <a:rPr lang="en-US" dirty="0"/>
+              <a:t>	</a:t>
+            </a:r>
+          </a:p>
+          <a:p>
+            <a:pPr marL="0" indent="0" algn="just">
+              <a:buNone/>
+            </a:pPr>
+            <a:r>
+              <a:rPr lang="en-US" dirty="0"/>
               <a:t>	O </a:t>
             </a:r>
             <a:r>
@@ -3567,10 +5796,1816 @@
             </a:r>
             <a:r>
               <a:rPr lang="en-US" dirty="0"/>
+              <a:t> um </a:t>
+            </a:r>
+            <a:r>
+              <a:rPr lang="en-US" dirty="0" err="1"/>
+              <a:t>cubo</a:t>
+            </a:r>
+            <a:r>
+              <a:rPr lang="en-US" dirty="0"/>
+              <a:t> para o </a:t>
+            </a:r>
+            <a:r>
+              <a:rPr lang="en-US" dirty="0" err="1"/>
+              <a:t>modelo</a:t>
+            </a:r>
+            <a:r>
+              <a:rPr lang="en-US" dirty="0"/>
+              <a:t> digital. O </a:t>
+            </a:r>
+            <a:r>
+              <a:rPr lang="en-US" dirty="0" err="1"/>
+              <a:t>projetista</a:t>
+            </a:r>
+            <a:r>
+              <a:rPr lang="en-US" dirty="0"/>
               <a:t> </a:t>
             </a:r>
             <a:r>
               <a:rPr lang="en-US" dirty="0" err="1"/>
+              <a:t>pode</a:t>
+            </a:r>
+            <a:r>
+              <a:rPr lang="en-US" dirty="0"/>
+              <a:t> </a:t>
+            </a:r>
+            <a:r>
+              <a:rPr lang="en-US" dirty="0" err="1"/>
+              <a:t>criar</a:t>
+            </a:r>
+            <a:r>
+              <a:rPr lang="en-US" dirty="0"/>
+              <a:t> um </a:t>
+            </a:r>
+            <a:r>
+              <a:rPr lang="en-US" dirty="0" err="1"/>
+              <a:t>cubo</a:t>
+            </a:r>
+            <a:r>
+              <a:rPr lang="en-US" dirty="0"/>
+              <a:t> </a:t>
+            </a:r>
+            <a:r>
+              <a:rPr lang="en-US" dirty="0" err="1"/>
+              <a:t>apenas</a:t>
+            </a:r>
+            <a:r>
+              <a:rPr lang="en-US" dirty="0"/>
+              <a:t> </a:t>
+            </a:r>
+            <a:r>
+              <a:rPr lang="en-US" dirty="0" err="1"/>
+              <a:t>informando</a:t>
+            </a:r>
+            <a:r>
+              <a:rPr lang="en-US" dirty="0"/>
+              <a:t>: </a:t>
+            </a:r>
+            <a:r>
+              <a:rPr lang="en-US" dirty="0" err="1"/>
+              <a:t>profundidade</a:t>
+            </a:r>
+            <a:r>
+              <a:rPr lang="en-US" dirty="0"/>
+              <a:t>, </a:t>
+            </a:r>
+            <a:r>
+              <a:rPr lang="en-US" dirty="0" err="1"/>
+              <a:t>altura</a:t>
+            </a:r>
+            <a:r>
+              <a:rPr lang="en-US" dirty="0"/>
+              <a:t> e </a:t>
+            </a:r>
+            <a:r>
+              <a:rPr lang="en-US" dirty="0" err="1"/>
+              <a:t>largura</a:t>
+            </a:r>
+            <a:r>
+              <a:rPr lang="en-US" dirty="0"/>
+              <a:t>.</a:t>
+            </a:r>
+          </a:p>
+        </p:txBody>
+      </p:sp>
+      <p:pic>
+        <p:nvPicPr>
+          <p:cNvPr id="6" name="Picture 5">
+            <a:extLst>
+              <a:ext uri="{FF2B5EF4-FFF2-40B4-BE49-F238E27FC236}">
+                <a16:creationId xmlns:a16="http://schemas.microsoft.com/office/drawing/2014/main" id="{0FC4CFC5-66DF-43E3-B0D3-A1B9275EA726}"/>
+              </a:ext>
+            </a:extLst>
+          </p:cNvPr>
+          <p:cNvPicPr>
+            <a:picLocks noChangeAspect="1"/>
+          </p:cNvPicPr>
+          <p:nvPr/>
+        </p:nvPicPr>
+        <p:blipFill>
+          <a:blip r:embed="rId2">
+            <a:extLst>
+              <a:ext uri="{28A0092B-C50C-407E-A947-70E740481C1C}">
+                <a14:useLocalDpi xmlns:a14="http://schemas.microsoft.com/office/drawing/2010/main" val="0"/>
+              </a:ext>
+            </a:extLst>
+          </a:blip>
+          <a:stretch>
+            <a:fillRect/>
+          </a:stretch>
+        </p:blipFill>
+        <p:spPr>
+          <a:xfrm>
+            <a:off x="4376530" y="3048000"/>
+            <a:ext cx="3438939" cy="3432313"/>
+          </a:xfrm>
+          <a:prstGeom prst="rect">
+            <a:avLst/>
+          </a:prstGeom>
+        </p:spPr>
+      </p:pic>
+    </p:spTree>
+    <p:extLst>
+      <p:ext uri="{BB962C8B-B14F-4D97-AF65-F5344CB8AC3E}">
+        <p14:creationId xmlns:p14="http://schemas.microsoft.com/office/powerpoint/2010/main" val="157784597"/>
+      </p:ext>
+    </p:extLst>
+  </p:cSld>
+  <p:clrMapOvr>
+    <a:masterClrMapping/>
+  </p:clrMapOvr>
+</p:sld>
+</file>
+
+<file path=ppt/slides/slide20.xml><?xml version="1.0" encoding="utf-8"?>
+<p:sld xmlns:a="http://schemas.openxmlformats.org/drawingml/2006/main" xmlns:r="http://schemas.openxmlformats.org/officeDocument/2006/relationships" xmlns:p="http://schemas.openxmlformats.org/presentationml/2006/main">
+  <p:cSld>
+    <p:spTree>
+      <p:nvGrpSpPr>
+        <p:cNvPr id="1" name=""/>
+        <p:cNvGrpSpPr/>
+        <p:nvPr/>
+      </p:nvGrpSpPr>
+      <p:grpSpPr>
+        <a:xfrm>
+          <a:off x="0" y="0"/>
+          <a:ext cx="0" cy="0"/>
+          <a:chOff x="0" y="0"/>
+          <a:chExt cx="0" cy="0"/>
+        </a:xfrm>
+      </p:grpSpPr>
+      <p:sp>
+        <p:nvSpPr>
+          <p:cNvPr id="2" name="Title 1">
+            <a:extLst>
+              <a:ext uri="{FF2B5EF4-FFF2-40B4-BE49-F238E27FC236}">
+                <a16:creationId xmlns:a16="http://schemas.microsoft.com/office/drawing/2014/main" id="{8EB3D083-D72D-433D-A5AD-57C992E14033}"/>
+              </a:ext>
+            </a:extLst>
+          </p:cNvPr>
+          <p:cNvSpPr>
+            <a:spLocks noGrp="1"/>
+          </p:cNvSpPr>
+          <p:nvPr>
+            <p:ph type="title"/>
+          </p:nvPr>
+        </p:nvSpPr>
+        <p:spPr/>
+        <p:txBody>
+          <a:bodyPr/>
+          <a:lstStyle/>
+          <a:p>
+            <a:pPr algn="ctr"/>
+            <a:r>
+              <a:rPr lang="en-US" dirty="0"/>
+              <a:t>REFERÊNCIAS BIBLIOGRÁFICAS</a:t>
+            </a:r>
+          </a:p>
+        </p:txBody>
+      </p:sp>
+      <p:sp>
+        <p:nvSpPr>
+          <p:cNvPr id="3" name="Content Placeholder 2">
+            <a:extLst>
+              <a:ext uri="{FF2B5EF4-FFF2-40B4-BE49-F238E27FC236}">
+                <a16:creationId xmlns:a16="http://schemas.microsoft.com/office/drawing/2014/main" id="{20FDC38B-67FF-4B43-8129-B76CAFEFB9C1}"/>
+              </a:ext>
+            </a:extLst>
+          </p:cNvPr>
+          <p:cNvSpPr>
+            <a:spLocks noGrp="1"/>
+          </p:cNvSpPr>
+          <p:nvPr>
+            <p:ph idx="1"/>
+          </p:nvPr>
+        </p:nvSpPr>
+        <p:spPr>
+          <a:xfrm>
+            <a:off x="838200" y="1404730"/>
+            <a:ext cx="10515600" cy="4929809"/>
+          </a:xfrm>
+        </p:spPr>
+        <p:txBody>
+          <a:bodyPr>
+            <a:normAutofit fontScale="92500" lnSpcReduction="20000"/>
+          </a:bodyPr>
+          <a:lstStyle/>
+          <a:p>
+            <a:pPr marL="0" indent="0">
+              <a:buNone/>
+            </a:pPr>
+            <a:endParaRPr lang="en-US" sz="2600" dirty="0"/>
+          </a:p>
+          <a:p>
+            <a:pPr marL="0" indent="0">
+              <a:buNone/>
+            </a:pPr>
+            <a:r>
+              <a:rPr lang="en-US" sz="2600" dirty="0" err="1"/>
+              <a:t>Disponível</a:t>
+            </a:r>
+            <a:r>
+              <a:rPr lang="en-US" sz="2600" dirty="0"/>
+              <a:t> </a:t>
+            </a:r>
+            <a:r>
+              <a:rPr lang="en-US" sz="2600" dirty="0" err="1"/>
+              <a:t>em</a:t>
+            </a:r>
+            <a:r>
+              <a:rPr lang="en-US" sz="2600" dirty="0"/>
+              <a:t>:</a:t>
+            </a:r>
+          </a:p>
+          <a:p>
+            <a:pPr marL="0" indent="0">
+              <a:buNone/>
+            </a:pPr>
+            <a:r>
+              <a:rPr lang="en-US" sz="2600" dirty="0">
+                <a:hlinkClick r:id="rId2"/>
+              </a:rPr>
+              <a:t>https://matematicabasica.net/cone/</a:t>
+            </a:r>
+            <a:endParaRPr lang="en-US" sz="2600" dirty="0"/>
+          </a:p>
+          <a:p>
+            <a:pPr marL="0" indent="0">
+              <a:buNone/>
+            </a:pPr>
+            <a:r>
+              <a:rPr lang="en-US" sz="2600" dirty="0" err="1"/>
+              <a:t>Acessado</a:t>
+            </a:r>
+            <a:r>
+              <a:rPr lang="en-US" sz="2600" dirty="0"/>
+              <a:t> </a:t>
+            </a:r>
+            <a:r>
+              <a:rPr lang="en-US" sz="2600" dirty="0" err="1"/>
+              <a:t>em</a:t>
+            </a:r>
+            <a:r>
+              <a:rPr lang="en-US" sz="2600" dirty="0"/>
+              <a:t> 15/11/2019 </a:t>
+            </a:r>
+            <a:r>
+              <a:rPr lang="en-US" sz="2600" dirty="0" err="1"/>
+              <a:t>às</a:t>
+            </a:r>
+            <a:r>
+              <a:rPr lang="en-US" sz="2600" dirty="0"/>
+              <a:t> 13:17</a:t>
+            </a:r>
+          </a:p>
+          <a:p>
+            <a:pPr marL="0" indent="0">
+              <a:buNone/>
+            </a:pPr>
+            <a:endParaRPr lang="en-US" sz="2600" dirty="0"/>
+          </a:p>
+          <a:p>
+            <a:pPr marL="0" indent="0">
+              <a:buNone/>
+            </a:pPr>
+            <a:r>
+              <a:rPr lang="en-US" sz="2600" dirty="0" err="1"/>
+              <a:t>Disponível</a:t>
+            </a:r>
+            <a:r>
+              <a:rPr lang="en-US" sz="2600" dirty="0"/>
+              <a:t> </a:t>
+            </a:r>
+            <a:r>
+              <a:rPr lang="en-US" sz="2600" dirty="0" err="1"/>
+              <a:t>em</a:t>
+            </a:r>
+            <a:r>
+              <a:rPr lang="en-US" sz="2600" dirty="0"/>
+              <a:t>:</a:t>
+            </a:r>
+          </a:p>
+          <a:p>
+            <a:pPr marL="0" indent="0">
+              <a:buNone/>
+            </a:pPr>
+            <a:r>
+              <a:rPr lang="en-US" sz="2600" dirty="0">
+                <a:hlinkClick r:id="rId3"/>
+              </a:rPr>
+              <a:t>https://matematicabasica.net/cubo/</a:t>
+            </a:r>
+            <a:endParaRPr lang="en-US" sz="2600" dirty="0"/>
+          </a:p>
+          <a:p>
+            <a:pPr marL="0" indent="0">
+              <a:buNone/>
+            </a:pPr>
+            <a:r>
+              <a:rPr lang="en-US" sz="2600" dirty="0" err="1"/>
+              <a:t>Acessado</a:t>
+            </a:r>
+            <a:r>
+              <a:rPr lang="en-US" sz="2600" dirty="0"/>
+              <a:t> </a:t>
+            </a:r>
+            <a:r>
+              <a:rPr lang="en-US" sz="2600" dirty="0" err="1"/>
+              <a:t>em</a:t>
+            </a:r>
+            <a:r>
+              <a:rPr lang="en-US" sz="2600" dirty="0"/>
+              <a:t> 15/11/2019 </a:t>
+            </a:r>
+            <a:r>
+              <a:rPr lang="en-US" sz="2600" dirty="0" err="1"/>
+              <a:t>às</a:t>
+            </a:r>
+            <a:r>
+              <a:rPr lang="en-US" sz="2600" dirty="0"/>
+              <a:t> 18:33 </a:t>
+            </a:r>
+          </a:p>
+          <a:p>
+            <a:pPr marL="0" indent="0">
+              <a:buNone/>
+            </a:pPr>
+            <a:endParaRPr lang="en-US" sz="2600" dirty="0"/>
+          </a:p>
+          <a:p>
+            <a:pPr marL="0" indent="0">
+              <a:buNone/>
+            </a:pPr>
+            <a:r>
+              <a:rPr lang="en-US" sz="2600" dirty="0" err="1"/>
+              <a:t>Disponível</a:t>
+            </a:r>
+            <a:r>
+              <a:rPr lang="en-US" sz="2600" dirty="0"/>
+              <a:t> </a:t>
+            </a:r>
+            <a:r>
+              <a:rPr lang="en-US" sz="2600" dirty="0" err="1"/>
+              <a:t>em</a:t>
+            </a:r>
+            <a:r>
+              <a:rPr lang="en-US" sz="2600" dirty="0"/>
+              <a:t>:</a:t>
+            </a:r>
+          </a:p>
+          <a:p>
+            <a:pPr marL="0" indent="0">
+              <a:buNone/>
+            </a:pPr>
+            <a:r>
+              <a:rPr lang="en-US" sz="2600" dirty="0">
+                <a:hlinkClick r:id="rId4"/>
+              </a:rPr>
+              <a:t>https://matematicabasica.net/triangulo/</a:t>
+            </a:r>
+            <a:endParaRPr lang="en-US" sz="2600" dirty="0"/>
+          </a:p>
+          <a:p>
+            <a:pPr marL="0" indent="0">
+              <a:buNone/>
+            </a:pPr>
+            <a:r>
+              <a:rPr lang="en-US" sz="2600" dirty="0" err="1"/>
+              <a:t>Acessado</a:t>
+            </a:r>
+            <a:r>
+              <a:rPr lang="en-US" sz="2600" dirty="0"/>
+              <a:t> </a:t>
+            </a:r>
+            <a:r>
+              <a:rPr lang="en-US" sz="2600" dirty="0" err="1"/>
+              <a:t>em</a:t>
+            </a:r>
+            <a:r>
+              <a:rPr lang="en-US" sz="2600" dirty="0"/>
+              <a:t> 20/11/2019 </a:t>
+            </a:r>
+            <a:r>
+              <a:rPr lang="en-US" sz="2600" dirty="0" err="1"/>
+              <a:t>às</a:t>
+            </a:r>
+            <a:r>
+              <a:rPr lang="en-US" sz="2600" dirty="0"/>
+              <a:t> 22:15</a:t>
+            </a:r>
+          </a:p>
+          <a:p>
+            <a:pPr marL="0" indent="0">
+              <a:buNone/>
+            </a:pPr>
+            <a:endParaRPr lang="en-US" sz="2600" dirty="0"/>
+          </a:p>
+          <a:p>
+            <a:pPr marL="0" indent="0">
+              <a:buNone/>
+            </a:pPr>
+            <a:endParaRPr lang="en-US" sz="2600" dirty="0"/>
+          </a:p>
+        </p:txBody>
+      </p:sp>
+    </p:spTree>
+    <p:extLst>
+      <p:ext uri="{BB962C8B-B14F-4D97-AF65-F5344CB8AC3E}">
+        <p14:creationId xmlns:p14="http://schemas.microsoft.com/office/powerpoint/2010/main" val="2587190717"/>
+      </p:ext>
+    </p:extLst>
+  </p:cSld>
+  <p:clrMapOvr>
+    <a:masterClrMapping/>
+  </p:clrMapOvr>
+</p:sld>
+</file>
+
+<file path=ppt/slides/slide3.xml><?xml version="1.0" encoding="utf-8"?>
+<p:sld xmlns:a="http://schemas.openxmlformats.org/drawingml/2006/main" xmlns:r="http://schemas.openxmlformats.org/officeDocument/2006/relationships" xmlns:p="http://schemas.openxmlformats.org/presentationml/2006/main">
+  <p:cSld>
+    <p:spTree>
+      <p:nvGrpSpPr>
+        <p:cNvPr id="1" name=""/>
+        <p:cNvGrpSpPr/>
+        <p:nvPr/>
+      </p:nvGrpSpPr>
+      <p:grpSpPr>
+        <a:xfrm>
+          <a:off x="0" y="0"/>
+          <a:ext cx="0" cy="0"/>
+          <a:chOff x="0" y="0"/>
+          <a:chExt cx="0" cy="0"/>
+        </a:xfrm>
+      </p:grpSpPr>
+      <p:sp>
+        <p:nvSpPr>
+          <p:cNvPr id="2" name="Title 1">
+            <a:extLst>
+              <a:ext uri="{FF2B5EF4-FFF2-40B4-BE49-F238E27FC236}">
+                <a16:creationId xmlns:a16="http://schemas.microsoft.com/office/drawing/2014/main" id="{E5E8D1DA-2D7D-461A-8D8D-7CAF47675C62}"/>
+              </a:ext>
+            </a:extLst>
+          </p:cNvPr>
+          <p:cNvSpPr>
+            <a:spLocks noGrp="1"/>
+          </p:cNvSpPr>
+          <p:nvPr>
+            <p:ph type="title"/>
+          </p:nvPr>
+        </p:nvSpPr>
+        <p:spPr>
+          <a:xfrm>
+            <a:off x="838200" y="463826"/>
+            <a:ext cx="10515600" cy="821632"/>
+          </a:xfrm>
+        </p:spPr>
+        <p:txBody>
+          <a:bodyPr>
+            <a:noAutofit/>
+          </a:bodyPr>
+          <a:lstStyle/>
+          <a:p>
+            <a:pPr algn="ctr"/>
+            <a:r>
+              <a:rPr lang="en-US" sz="5200" dirty="0"/>
+              <a:t>COMO FORMAR UM CUBO?</a:t>
+            </a:r>
+          </a:p>
+        </p:txBody>
+      </p:sp>
+      <p:sp>
+        <p:nvSpPr>
+          <p:cNvPr id="3" name="Content Placeholder 2">
+            <a:extLst>
+              <a:ext uri="{FF2B5EF4-FFF2-40B4-BE49-F238E27FC236}">
+                <a16:creationId xmlns:a16="http://schemas.microsoft.com/office/drawing/2014/main" id="{1AD0B689-0C60-4A96-A9F1-5037CE604970}"/>
+              </a:ext>
+            </a:extLst>
+          </p:cNvPr>
+          <p:cNvSpPr>
+            <a:spLocks noGrp="1"/>
+          </p:cNvSpPr>
+          <p:nvPr>
+            <p:ph idx="1"/>
+          </p:nvPr>
+        </p:nvSpPr>
+        <p:spPr>
+          <a:xfrm>
+            <a:off x="838200" y="874642"/>
+            <a:ext cx="10515600" cy="5685183"/>
+          </a:xfrm>
+        </p:spPr>
+        <p:txBody>
+          <a:bodyPr>
+            <a:normAutofit fontScale="92500" lnSpcReduction="10000"/>
+          </a:bodyPr>
+          <a:lstStyle/>
+          <a:p>
+            <a:pPr marL="0" indent="0">
+              <a:buNone/>
+            </a:pPr>
+            <a:r>
+              <a:rPr lang="en-US" dirty="0"/>
+              <a:t>	</a:t>
+            </a:r>
+          </a:p>
+          <a:p>
+            <a:pPr marL="0" indent="0">
+              <a:buNone/>
+            </a:pPr>
+            <a:r>
+              <a:rPr lang="en-US" dirty="0"/>
+              <a:t>	</a:t>
+            </a:r>
+          </a:p>
+          <a:p>
+            <a:pPr marL="0" indent="0">
+              <a:buNone/>
+            </a:pPr>
+            <a:r>
+              <a:rPr lang="en-US" dirty="0"/>
+              <a:t>	Um </a:t>
+            </a:r>
+            <a:r>
+              <a:rPr lang="en-US" dirty="0" err="1"/>
+              <a:t>cubo</a:t>
+            </a:r>
+            <a:r>
+              <a:rPr lang="en-US" dirty="0"/>
+              <a:t> no </a:t>
+            </a:r>
+            <a:r>
+              <a:rPr lang="en-US" dirty="0" err="1"/>
+              <a:t>MatterControl</a:t>
+            </a:r>
+            <a:r>
+              <a:rPr lang="en-US" dirty="0"/>
+              <a:t> </a:t>
+            </a:r>
+            <a:r>
+              <a:rPr lang="en-US" dirty="0" err="1"/>
+              <a:t>pode</a:t>
+            </a:r>
+            <a:r>
+              <a:rPr lang="en-US" dirty="0"/>
+              <a:t> ser </a:t>
+            </a:r>
+            <a:r>
+              <a:rPr lang="en-US" dirty="0" err="1"/>
+              <a:t>formado</a:t>
+            </a:r>
+            <a:r>
+              <a:rPr lang="en-US" dirty="0"/>
+              <a:t> </a:t>
+            </a:r>
+            <a:r>
+              <a:rPr lang="en-US" dirty="0" err="1"/>
+              <a:t>seguindo</a:t>
+            </a:r>
+            <a:r>
+              <a:rPr lang="en-US" dirty="0"/>
+              <a:t> </a:t>
+            </a:r>
+            <a:r>
+              <a:rPr lang="en-US" dirty="0" err="1"/>
+              <a:t>os</a:t>
+            </a:r>
+            <a:r>
+              <a:rPr lang="en-US" dirty="0"/>
+              <a:t> </a:t>
+            </a:r>
+            <a:r>
+              <a:rPr lang="en-US" dirty="0" err="1"/>
+              <a:t>seguintes</a:t>
+            </a:r>
+            <a:r>
+              <a:rPr lang="en-US" dirty="0"/>
+              <a:t> </a:t>
+            </a:r>
+            <a:r>
+              <a:rPr lang="en-US" dirty="0" err="1"/>
+              <a:t>valores</a:t>
+            </a:r>
+            <a:r>
+              <a:rPr lang="en-US" dirty="0"/>
+              <a:t>:</a:t>
+            </a:r>
+          </a:p>
+          <a:p>
+            <a:pPr marL="0" indent="0">
+              <a:buNone/>
+            </a:pPr>
+            <a:endParaRPr lang="en-US" dirty="0"/>
+          </a:p>
+          <a:p>
+            <a:pPr marL="0" indent="0">
+              <a:buNone/>
+            </a:pPr>
+            <a:endParaRPr lang="en-US" dirty="0"/>
+          </a:p>
+          <a:p>
+            <a:pPr marL="0" indent="0">
+              <a:buNone/>
+            </a:pPr>
+            <a:endParaRPr lang="en-US" dirty="0"/>
+          </a:p>
+          <a:p>
+            <a:pPr marL="0" indent="0">
+              <a:buNone/>
+            </a:pPr>
+            <a:endParaRPr lang="en-US" dirty="0"/>
+          </a:p>
+          <a:p>
+            <a:pPr marL="0" indent="0">
+              <a:buNone/>
+            </a:pPr>
+            <a:endParaRPr lang="en-US" dirty="0"/>
+          </a:p>
+          <a:p>
+            <a:pPr marL="0" indent="0">
+              <a:buNone/>
+            </a:pPr>
+            <a:endParaRPr lang="en-US" dirty="0"/>
+          </a:p>
+          <a:p>
+            <a:pPr marL="0" indent="0">
+              <a:buNone/>
+            </a:pPr>
+            <a:endParaRPr lang="en-US" dirty="0"/>
+          </a:p>
+          <a:p>
+            <a:pPr marL="0" indent="0">
+              <a:buNone/>
+            </a:pPr>
+            <a:endParaRPr lang="en-US" dirty="0"/>
+          </a:p>
+          <a:p>
+            <a:pPr marL="0" indent="0">
+              <a:buNone/>
+            </a:pPr>
+            <a:r>
+              <a:rPr lang="en-US" dirty="0"/>
+              <a:t>depth – </a:t>
+            </a:r>
+            <a:r>
+              <a:rPr lang="en-US" dirty="0" err="1"/>
+              <a:t>profundidade</a:t>
+            </a:r>
+            <a:r>
+              <a:rPr lang="en-US" dirty="0"/>
+              <a:t> , height – </a:t>
+            </a:r>
+            <a:r>
+              <a:rPr lang="en-US" dirty="0" err="1"/>
+              <a:t>altura</a:t>
+            </a:r>
+            <a:r>
+              <a:rPr lang="en-US" dirty="0"/>
+              <a:t>, width - </a:t>
+            </a:r>
+            <a:r>
+              <a:rPr lang="en-US" dirty="0" err="1"/>
+              <a:t>largura</a:t>
+            </a:r>
+            <a:endParaRPr lang="en-US" dirty="0"/>
+          </a:p>
+        </p:txBody>
+      </p:sp>
+      <p:pic>
+        <p:nvPicPr>
+          <p:cNvPr id="5" name="Picture 4">
+            <a:extLst>
+              <a:ext uri="{FF2B5EF4-FFF2-40B4-BE49-F238E27FC236}">
+                <a16:creationId xmlns:a16="http://schemas.microsoft.com/office/drawing/2014/main" id="{49F3A4CA-3416-4782-A605-6C62AD5D35C5}"/>
+              </a:ext>
+            </a:extLst>
+          </p:cNvPr>
+          <p:cNvPicPr>
+            <a:picLocks noChangeAspect="1"/>
+          </p:cNvPicPr>
+          <p:nvPr/>
+        </p:nvPicPr>
+        <p:blipFill>
+          <a:blip r:embed="rId2">
+            <a:extLst>
+              <a:ext uri="{28A0092B-C50C-407E-A947-70E740481C1C}">
+                <a14:useLocalDpi xmlns:a14="http://schemas.microsoft.com/office/drawing/2010/main" val="0"/>
+              </a:ext>
+            </a:extLst>
+          </a:blip>
+          <a:stretch>
+            <a:fillRect/>
+          </a:stretch>
+        </p:blipFill>
+        <p:spPr>
+          <a:xfrm>
+            <a:off x="3252191" y="2901325"/>
+            <a:ext cx="5687618" cy="2591827"/>
+          </a:xfrm>
+          <a:prstGeom prst="rect">
+            <a:avLst/>
+          </a:prstGeom>
+        </p:spPr>
+      </p:pic>
+    </p:spTree>
+    <p:extLst>
+      <p:ext uri="{BB962C8B-B14F-4D97-AF65-F5344CB8AC3E}">
+        <p14:creationId xmlns:p14="http://schemas.microsoft.com/office/powerpoint/2010/main" val="2719043566"/>
+      </p:ext>
+    </p:extLst>
+  </p:cSld>
+  <p:clrMapOvr>
+    <a:masterClrMapping/>
+  </p:clrMapOvr>
+</p:sld>
+</file>
+
+<file path=ppt/slides/slide4.xml><?xml version="1.0" encoding="utf-8"?>
+<p:sld xmlns:a="http://schemas.openxmlformats.org/drawingml/2006/main" xmlns:r="http://schemas.openxmlformats.org/officeDocument/2006/relationships" xmlns:p="http://schemas.openxmlformats.org/presentationml/2006/main">
+  <p:cSld>
+    <p:spTree>
+      <p:nvGrpSpPr>
+        <p:cNvPr id="1" name=""/>
+        <p:cNvGrpSpPr/>
+        <p:nvPr/>
+      </p:nvGrpSpPr>
+      <p:grpSpPr>
+        <a:xfrm>
+          <a:off x="0" y="0"/>
+          <a:ext cx="0" cy="0"/>
+          <a:chOff x="0" y="0"/>
+          <a:chExt cx="0" cy="0"/>
+        </a:xfrm>
+      </p:grpSpPr>
+      <p:sp>
+        <p:nvSpPr>
+          <p:cNvPr id="2" name="Title 1">
+            <a:extLst>
+              <a:ext uri="{FF2B5EF4-FFF2-40B4-BE49-F238E27FC236}">
+                <a16:creationId xmlns:a16="http://schemas.microsoft.com/office/drawing/2014/main" id="{E5E8D1DA-2D7D-461A-8D8D-7CAF47675C62}"/>
+              </a:ext>
+            </a:extLst>
+          </p:cNvPr>
+          <p:cNvSpPr>
+            <a:spLocks noGrp="1"/>
+          </p:cNvSpPr>
+          <p:nvPr>
+            <p:ph type="title"/>
+          </p:nvPr>
+        </p:nvSpPr>
+        <p:spPr>
+          <a:xfrm>
+            <a:off x="838200" y="463826"/>
+            <a:ext cx="10515600" cy="821632"/>
+          </a:xfrm>
+        </p:spPr>
+        <p:txBody>
+          <a:bodyPr>
+            <a:noAutofit/>
+          </a:bodyPr>
+          <a:lstStyle/>
+          <a:p>
+            <a:pPr algn="ctr"/>
+            <a:r>
+              <a:rPr lang="en-US" sz="5200" dirty="0"/>
+              <a:t>PROJETO COM VÁRIOS CUBOS</a:t>
+            </a:r>
+          </a:p>
+        </p:txBody>
+      </p:sp>
+      <p:sp>
+        <p:nvSpPr>
+          <p:cNvPr id="3" name="Content Placeholder 2">
+            <a:extLst>
+              <a:ext uri="{FF2B5EF4-FFF2-40B4-BE49-F238E27FC236}">
+                <a16:creationId xmlns:a16="http://schemas.microsoft.com/office/drawing/2014/main" id="{1AD0B689-0C60-4A96-A9F1-5037CE604970}"/>
+              </a:ext>
+            </a:extLst>
+          </p:cNvPr>
+          <p:cNvSpPr>
+            <a:spLocks noGrp="1"/>
+          </p:cNvSpPr>
+          <p:nvPr>
+            <p:ph idx="1"/>
+          </p:nvPr>
+        </p:nvSpPr>
+        <p:spPr>
+          <a:xfrm>
+            <a:off x="838200" y="874642"/>
+            <a:ext cx="10515600" cy="5685183"/>
+          </a:xfrm>
+        </p:spPr>
+        <p:txBody>
+          <a:bodyPr>
+            <a:normAutofit/>
+          </a:bodyPr>
+          <a:lstStyle/>
+          <a:p>
+            <a:pPr marL="0" indent="0">
+              <a:buNone/>
+            </a:pPr>
+            <a:r>
+              <a:rPr lang="en-US" dirty="0"/>
+              <a:t>	</a:t>
+            </a:r>
+          </a:p>
+          <a:p>
+            <a:pPr marL="0" indent="0">
+              <a:buNone/>
+            </a:pPr>
+            <a:r>
+              <a:rPr lang="en-US" dirty="0"/>
+              <a:t>	</a:t>
+            </a:r>
+          </a:p>
+          <a:p>
+            <a:pPr marL="0" indent="0">
+              <a:buNone/>
+            </a:pPr>
+            <a:r>
+              <a:rPr lang="en-US" dirty="0"/>
+              <a:t>	Um </a:t>
+            </a:r>
+            <a:r>
+              <a:rPr lang="en-US" dirty="0" err="1"/>
+              <a:t>projeto</a:t>
+            </a:r>
+            <a:r>
+              <a:rPr lang="en-US" dirty="0"/>
+              <a:t> com </a:t>
+            </a:r>
+            <a:r>
+              <a:rPr lang="en-US" dirty="0" err="1"/>
+              <a:t>vários</a:t>
+            </a:r>
+            <a:r>
+              <a:rPr lang="en-US" dirty="0"/>
+              <a:t> </a:t>
+            </a:r>
+            <a:r>
+              <a:rPr lang="en-US" dirty="0" err="1"/>
+              <a:t>cubos</a:t>
+            </a:r>
+            <a:r>
+              <a:rPr lang="en-US" dirty="0"/>
+              <a:t>.</a:t>
+            </a:r>
+          </a:p>
+          <a:p>
+            <a:pPr marL="0" indent="0">
+              <a:buNone/>
+            </a:pPr>
+            <a:endParaRPr lang="en-US" dirty="0"/>
+          </a:p>
+          <a:p>
+            <a:pPr marL="0" indent="0">
+              <a:buNone/>
+            </a:pPr>
+            <a:r>
+              <a:rPr lang="en-US" dirty="0"/>
+              <a:t>	</a:t>
+            </a:r>
+          </a:p>
+        </p:txBody>
+      </p:sp>
+      <p:pic>
+        <p:nvPicPr>
+          <p:cNvPr id="8" name="Picture 7">
+            <a:extLst>
+              <a:ext uri="{FF2B5EF4-FFF2-40B4-BE49-F238E27FC236}">
+                <a16:creationId xmlns:a16="http://schemas.microsoft.com/office/drawing/2014/main" id="{F4691A76-B67B-4A81-B5B0-861F43F301A6}"/>
+              </a:ext>
+            </a:extLst>
+          </p:cNvPr>
+          <p:cNvPicPr>
+            <a:picLocks noChangeAspect="1"/>
+          </p:cNvPicPr>
+          <p:nvPr/>
+        </p:nvPicPr>
+        <p:blipFill>
+          <a:blip r:embed="rId2">
+            <a:extLst>
+              <a:ext uri="{28A0092B-C50C-407E-A947-70E740481C1C}">
+                <a14:useLocalDpi xmlns:a14="http://schemas.microsoft.com/office/drawing/2010/main" val="0"/>
+              </a:ext>
+            </a:extLst>
+          </a:blip>
+          <a:stretch>
+            <a:fillRect/>
+          </a:stretch>
+        </p:blipFill>
+        <p:spPr>
+          <a:xfrm>
+            <a:off x="3055049" y="2715404"/>
+            <a:ext cx="6081902" cy="3559641"/>
+          </a:xfrm>
+          <a:prstGeom prst="rect">
+            <a:avLst/>
+          </a:prstGeom>
+        </p:spPr>
+      </p:pic>
+    </p:spTree>
+    <p:extLst>
+      <p:ext uri="{BB962C8B-B14F-4D97-AF65-F5344CB8AC3E}">
+        <p14:creationId xmlns:p14="http://schemas.microsoft.com/office/powerpoint/2010/main" val="2536060813"/>
+      </p:ext>
+    </p:extLst>
+  </p:cSld>
+  <p:clrMapOvr>
+    <a:masterClrMapping/>
+  </p:clrMapOvr>
+</p:sld>
+</file>
+
+<file path=ppt/slides/slide5.xml><?xml version="1.0" encoding="utf-8"?>
+<p:sld xmlns:a="http://schemas.openxmlformats.org/drawingml/2006/main" xmlns:r="http://schemas.openxmlformats.org/officeDocument/2006/relationships" xmlns:p="http://schemas.openxmlformats.org/presentationml/2006/main">
+  <p:cSld>
+    <p:spTree>
+      <p:nvGrpSpPr>
+        <p:cNvPr id="1" name=""/>
+        <p:cNvGrpSpPr/>
+        <p:nvPr/>
+      </p:nvGrpSpPr>
+      <p:grpSpPr>
+        <a:xfrm>
+          <a:off x="0" y="0"/>
+          <a:ext cx="0" cy="0"/>
+          <a:chOff x="0" y="0"/>
+          <a:chExt cx="0" cy="0"/>
+        </a:xfrm>
+      </p:grpSpPr>
+      <p:sp>
+        <p:nvSpPr>
+          <p:cNvPr id="2" name="Title 1">
+            <a:extLst>
+              <a:ext uri="{FF2B5EF4-FFF2-40B4-BE49-F238E27FC236}">
+                <a16:creationId xmlns:a16="http://schemas.microsoft.com/office/drawing/2014/main" id="{24777F16-1641-4B86-B1DA-28B4AB09C290}"/>
+              </a:ext>
+            </a:extLst>
+          </p:cNvPr>
+          <p:cNvSpPr>
+            <a:spLocks noGrp="1"/>
+          </p:cNvSpPr>
+          <p:nvPr>
+            <p:ph type="title"/>
+          </p:nvPr>
+        </p:nvSpPr>
+        <p:spPr>
+          <a:xfrm>
+            <a:off x="838200" y="463826"/>
+            <a:ext cx="10515600" cy="914400"/>
+          </a:xfrm>
+        </p:spPr>
+        <p:txBody>
+          <a:bodyPr>
+            <a:normAutofit/>
+          </a:bodyPr>
+          <a:lstStyle/>
+          <a:p>
+            <a:pPr algn="ctr"/>
+            <a:r>
+              <a:rPr lang="en-US" sz="5200" dirty="0"/>
+              <a:t>CONE NO MATTER CONTROL</a:t>
+            </a:r>
+          </a:p>
+        </p:txBody>
+      </p:sp>
+      <p:sp>
+        <p:nvSpPr>
+          <p:cNvPr id="3" name="Content Placeholder 2">
+            <a:extLst>
+              <a:ext uri="{FF2B5EF4-FFF2-40B4-BE49-F238E27FC236}">
+                <a16:creationId xmlns:a16="http://schemas.microsoft.com/office/drawing/2014/main" id="{9FBEF090-A937-45B5-9B5C-3EE68F05FDE7}"/>
+              </a:ext>
+            </a:extLst>
+          </p:cNvPr>
+          <p:cNvSpPr>
+            <a:spLocks noGrp="1"/>
+          </p:cNvSpPr>
+          <p:nvPr>
+            <p:ph idx="1"/>
+          </p:nvPr>
+        </p:nvSpPr>
+        <p:spPr>
+          <a:xfrm>
+            <a:off x="838200" y="1179443"/>
+            <a:ext cx="10515600" cy="5300870"/>
+          </a:xfrm>
+        </p:spPr>
+        <p:txBody>
+          <a:bodyPr/>
+          <a:lstStyle/>
+          <a:p>
+            <a:pPr marL="0" indent="0" algn="just">
+              <a:buNone/>
+            </a:pPr>
+            <a:r>
+              <a:rPr lang="en-US" dirty="0"/>
+              <a:t>	</a:t>
+            </a:r>
+          </a:p>
+          <a:p>
+            <a:pPr marL="0" indent="0" algn="just">
+              <a:buNone/>
+            </a:pPr>
+            <a:r>
+              <a:rPr lang="en-US" dirty="0"/>
+              <a:t>	O </a:t>
+            </a:r>
+            <a:r>
+              <a:rPr lang="en-US" dirty="0" err="1"/>
+              <a:t>MatterControl</a:t>
+            </a:r>
+            <a:r>
+              <a:rPr lang="en-US" dirty="0"/>
+              <a:t> </a:t>
+            </a:r>
+            <a:r>
+              <a:rPr lang="en-US" dirty="0" err="1"/>
+              <a:t>abstrai</a:t>
+            </a:r>
+            <a:r>
+              <a:rPr lang="en-US" dirty="0"/>
+              <a:t> um cone para o </a:t>
+            </a:r>
+            <a:r>
+              <a:rPr lang="en-US" dirty="0" err="1"/>
+              <a:t>modelo</a:t>
+            </a:r>
+            <a:r>
+              <a:rPr lang="en-US" dirty="0"/>
+              <a:t> digital. O </a:t>
+            </a:r>
+            <a:r>
+              <a:rPr lang="en-US" dirty="0" err="1"/>
+              <a:t>projetista</a:t>
+            </a:r>
+            <a:r>
+              <a:rPr lang="en-US" dirty="0"/>
+              <a:t> </a:t>
+            </a:r>
+            <a:r>
+              <a:rPr lang="en-US" dirty="0" err="1"/>
+              <a:t>pode</a:t>
+            </a:r>
+            <a:r>
+              <a:rPr lang="en-US" dirty="0"/>
+              <a:t> </a:t>
+            </a:r>
+            <a:r>
+              <a:rPr lang="en-US" dirty="0" err="1"/>
+              <a:t>criar</a:t>
+            </a:r>
+            <a:r>
+              <a:rPr lang="en-US" dirty="0"/>
+              <a:t> um cone </a:t>
+            </a:r>
+            <a:r>
+              <a:rPr lang="en-US" dirty="0" err="1"/>
+              <a:t>apenas</a:t>
+            </a:r>
+            <a:r>
+              <a:rPr lang="en-US" dirty="0"/>
+              <a:t> </a:t>
+            </a:r>
+            <a:r>
+              <a:rPr lang="en-US" dirty="0" err="1"/>
+              <a:t>informando</a:t>
+            </a:r>
+            <a:r>
+              <a:rPr lang="en-US" dirty="0"/>
+              <a:t>: </a:t>
+            </a:r>
+            <a:r>
+              <a:rPr lang="en-US" dirty="0" err="1"/>
+              <a:t>diâmetro</a:t>
+            </a:r>
+            <a:r>
+              <a:rPr lang="en-US" dirty="0"/>
+              <a:t>, </a:t>
+            </a:r>
+            <a:r>
+              <a:rPr lang="en-US" dirty="0" err="1"/>
+              <a:t>altura</a:t>
+            </a:r>
+            <a:r>
+              <a:rPr lang="en-US" dirty="0"/>
+              <a:t> e </a:t>
+            </a:r>
+            <a:r>
+              <a:rPr lang="en-US" dirty="0" err="1"/>
+              <a:t>os</a:t>
+            </a:r>
+            <a:r>
+              <a:rPr lang="en-US" dirty="0"/>
+              <a:t> </a:t>
+            </a:r>
+            <a:r>
+              <a:rPr lang="en-US" dirty="0" err="1"/>
+              <a:t>laterais</a:t>
+            </a:r>
+            <a:r>
+              <a:rPr lang="en-US" dirty="0"/>
+              <a:t>.</a:t>
+            </a:r>
+          </a:p>
+        </p:txBody>
+      </p:sp>
+      <p:pic>
+        <p:nvPicPr>
+          <p:cNvPr id="5" name="Picture 4">
+            <a:extLst>
+              <a:ext uri="{FF2B5EF4-FFF2-40B4-BE49-F238E27FC236}">
+                <a16:creationId xmlns:a16="http://schemas.microsoft.com/office/drawing/2014/main" id="{306C39BD-67D7-4E2B-BBCC-C1A41EAEA66D}"/>
+              </a:ext>
+            </a:extLst>
+          </p:cNvPr>
+          <p:cNvPicPr>
+            <a:picLocks noChangeAspect="1"/>
+          </p:cNvPicPr>
+          <p:nvPr/>
+        </p:nvPicPr>
+        <p:blipFill>
+          <a:blip r:embed="rId2">
+            <a:extLst>
+              <a:ext uri="{28A0092B-C50C-407E-A947-70E740481C1C}">
+                <a14:useLocalDpi xmlns:a14="http://schemas.microsoft.com/office/drawing/2010/main" val="0"/>
+              </a:ext>
+            </a:extLst>
+          </a:blip>
+          <a:stretch>
+            <a:fillRect/>
+          </a:stretch>
+        </p:blipFill>
+        <p:spPr>
+          <a:xfrm>
+            <a:off x="4643235" y="3069887"/>
+            <a:ext cx="2905530" cy="3410426"/>
+          </a:xfrm>
+          <a:prstGeom prst="rect">
+            <a:avLst/>
+          </a:prstGeom>
+        </p:spPr>
+      </p:pic>
+    </p:spTree>
+    <p:extLst>
+      <p:ext uri="{BB962C8B-B14F-4D97-AF65-F5344CB8AC3E}">
+        <p14:creationId xmlns:p14="http://schemas.microsoft.com/office/powerpoint/2010/main" val="832853665"/>
+      </p:ext>
+    </p:extLst>
+  </p:cSld>
+  <p:clrMapOvr>
+    <a:masterClrMapping/>
+  </p:clrMapOvr>
+</p:sld>
+</file>
+
+<file path=ppt/slides/slide6.xml><?xml version="1.0" encoding="utf-8"?>
+<p:sld xmlns:a="http://schemas.openxmlformats.org/drawingml/2006/main" xmlns:r="http://schemas.openxmlformats.org/officeDocument/2006/relationships" xmlns:p="http://schemas.openxmlformats.org/presentationml/2006/main">
+  <p:cSld>
+    <p:spTree>
+      <p:nvGrpSpPr>
+        <p:cNvPr id="1" name=""/>
+        <p:cNvGrpSpPr/>
+        <p:nvPr/>
+      </p:nvGrpSpPr>
+      <p:grpSpPr>
+        <a:xfrm>
+          <a:off x="0" y="0"/>
+          <a:ext cx="0" cy="0"/>
+          <a:chOff x="0" y="0"/>
+          <a:chExt cx="0" cy="0"/>
+        </a:xfrm>
+      </p:grpSpPr>
+      <p:sp>
+        <p:nvSpPr>
+          <p:cNvPr id="2" name="Title 1">
+            <a:extLst>
+              <a:ext uri="{FF2B5EF4-FFF2-40B4-BE49-F238E27FC236}">
+                <a16:creationId xmlns:a16="http://schemas.microsoft.com/office/drawing/2014/main" id="{E5E8D1DA-2D7D-461A-8D8D-7CAF47675C62}"/>
+              </a:ext>
+            </a:extLst>
+          </p:cNvPr>
+          <p:cNvSpPr>
+            <a:spLocks noGrp="1"/>
+          </p:cNvSpPr>
+          <p:nvPr>
+            <p:ph type="title"/>
+          </p:nvPr>
+        </p:nvSpPr>
+        <p:spPr>
+          <a:xfrm>
+            <a:off x="838200" y="463826"/>
+            <a:ext cx="10515600" cy="821632"/>
+          </a:xfrm>
+        </p:spPr>
+        <p:txBody>
+          <a:bodyPr>
+            <a:noAutofit/>
+          </a:bodyPr>
+          <a:lstStyle/>
+          <a:p>
+            <a:pPr algn="ctr"/>
+            <a:r>
+              <a:rPr lang="en-US" sz="5200" dirty="0"/>
+              <a:t>COMO FORMAR UM CONE?</a:t>
+            </a:r>
+          </a:p>
+        </p:txBody>
+      </p:sp>
+      <p:sp>
+        <p:nvSpPr>
+          <p:cNvPr id="3" name="Content Placeholder 2">
+            <a:extLst>
+              <a:ext uri="{FF2B5EF4-FFF2-40B4-BE49-F238E27FC236}">
+                <a16:creationId xmlns:a16="http://schemas.microsoft.com/office/drawing/2014/main" id="{1AD0B689-0C60-4A96-A9F1-5037CE604970}"/>
+              </a:ext>
+            </a:extLst>
+          </p:cNvPr>
+          <p:cNvSpPr>
+            <a:spLocks noGrp="1"/>
+          </p:cNvSpPr>
+          <p:nvPr>
+            <p:ph idx="1"/>
+          </p:nvPr>
+        </p:nvSpPr>
+        <p:spPr>
+          <a:xfrm>
+            <a:off x="838200" y="874642"/>
+            <a:ext cx="10515600" cy="5685183"/>
+          </a:xfrm>
+        </p:spPr>
+        <p:txBody>
+          <a:bodyPr>
+            <a:normAutofit fontScale="92500" lnSpcReduction="10000"/>
+          </a:bodyPr>
+          <a:lstStyle/>
+          <a:p>
+            <a:pPr marL="0" indent="0">
+              <a:buNone/>
+            </a:pPr>
+            <a:r>
+              <a:rPr lang="en-US" dirty="0"/>
+              <a:t>	</a:t>
+            </a:r>
+          </a:p>
+          <a:p>
+            <a:pPr marL="0" indent="0">
+              <a:buNone/>
+            </a:pPr>
+            <a:r>
+              <a:rPr lang="en-US" dirty="0"/>
+              <a:t>	</a:t>
+            </a:r>
+          </a:p>
+          <a:p>
+            <a:pPr marL="0" indent="0">
+              <a:buNone/>
+            </a:pPr>
+            <a:r>
+              <a:rPr lang="en-US" dirty="0"/>
+              <a:t>	Um cone no </a:t>
+            </a:r>
+            <a:r>
+              <a:rPr lang="en-US" dirty="0" err="1"/>
+              <a:t>MatterControl</a:t>
+            </a:r>
+            <a:r>
+              <a:rPr lang="en-US" dirty="0"/>
+              <a:t> </a:t>
+            </a:r>
+            <a:r>
+              <a:rPr lang="en-US" dirty="0" err="1"/>
+              <a:t>pode</a:t>
+            </a:r>
+            <a:r>
+              <a:rPr lang="en-US" dirty="0"/>
+              <a:t> ser </a:t>
+            </a:r>
+            <a:r>
+              <a:rPr lang="en-US" dirty="0" err="1"/>
+              <a:t>formado</a:t>
+            </a:r>
+            <a:r>
+              <a:rPr lang="en-US" dirty="0"/>
+              <a:t> </a:t>
+            </a:r>
+            <a:r>
+              <a:rPr lang="en-US" dirty="0" err="1"/>
+              <a:t>seguindo</a:t>
+            </a:r>
+            <a:r>
+              <a:rPr lang="en-US" dirty="0"/>
+              <a:t> </a:t>
+            </a:r>
+            <a:r>
+              <a:rPr lang="en-US" dirty="0" err="1"/>
+              <a:t>os</a:t>
+            </a:r>
+            <a:r>
+              <a:rPr lang="en-US" dirty="0"/>
+              <a:t> </a:t>
+            </a:r>
+            <a:r>
+              <a:rPr lang="en-US" dirty="0" err="1"/>
+              <a:t>seguintes</a:t>
+            </a:r>
+            <a:r>
+              <a:rPr lang="en-US" dirty="0"/>
+              <a:t> </a:t>
+            </a:r>
+            <a:r>
+              <a:rPr lang="en-US" dirty="0" err="1"/>
+              <a:t>valores</a:t>
+            </a:r>
+            <a:r>
+              <a:rPr lang="en-US" dirty="0"/>
+              <a:t>:</a:t>
+            </a:r>
+          </a:p>
+          <a:p>
+            <a:pPr marL="0" indent="0">
+              <a:buNone/>
+            </a:pPr>
+            <a:endParaRPr lang="en-US" dirty="0"/>
+          </a:p>
+          <a:p>
+            <a:pPr marL="0" indent="0">
+              <a:buNone/>
+            </a:pPr>
+            <a:endParaRPr lang="en-US" dirty="0"/>
+          </a:p>
+          <a:p>
+            <a:pPr marL="0" indent="0">
+              <a:buNone/>
+            </a:pPr>
+            <a:endParaRPr lang="en-US" dirty="0"/>
+          </a:p>
+          <a:p>
+            <a:pPr marL="0" indent="0">
+              <a:buNone/>
+            </a:pPr>
+            <a:endParaRPr lang="en-US" dirty="0"/>
+          </a:p>
+          <a:p>
+            <a:pPr marL="0" indent="0">
+              <a:buNone/>
+            </a:pPr>
+            <a:endParaRPr lang="en-US" dirty="0"/>
+          </a:p>
+          <a:p>
+            <a:pPr marL="0" indent="0">
+              <a:buNone/>
+            </a:pPr>
+            <a:endParaRPr lang="en-US" dirty="0"/>
+          </a:p>
+          <a:p>
+            <a:pPr marL="0" indent="0">
+              <a:buNone/>
+            </a:pPr>
+            <a:endParaRPr lang="en-US" dirty="0"/>
+          </a:p>
+          <a:p>
+            <a:pPr marL="0" indent="0">
+              <a:buNone/>
+            </a:pPr>
+            <a:endParaRPr lang="en-US" dirty="0"/>
+          </a:p>
+          <a:p>
+            <a:pPr marL="0" indent="0">
+              <a:buNone/>
+            </a:pPr>
+            <a:r>
+              <a:rPr lang="en-US" dirty="0" err="1"/>
+              <a:t>diâmetro</a:t>
+            </a:r>
+            <a:r>
+              <a:rPr lang="en-US" dirty="0"/>
+              <a:t> – </a:t>
+            </a:r>
+            <a:r>
+              <a:rPr lang="en-US" dirty="0" err="1"/>
+              <a:t>diemeter</a:t>
+            </a:r>
+            <a:r>
+              <a:rPr lang="en-US" dirty="0"/>
+              <a:t>, height – </a:t>
+            </a:r>
+            <a:r>
+              <a:rPr lang="en-US" dirty="0" err="1"/>
+              <a:t>altura</a:t>
+            </a:r>
+            <a:r>
+              <a:rPr lang="en-US" dirty="0"/>
+              <a:t>, slides - </a:t>
+            </a:r>
+            <a:r>
+              <a:rPr lang="en-US" dirty="0" err="1"/>
+              <a:t>laterais</a:t>
+            </a:r>
+            <a:endParaRPr lang="en-US" dirty="0"/>
+          </a:p>
+        </p:txBody>
+      </p:sp>
+      <p:pic>
+        <p:nvPicPr>
+          <p:cNvPr id="7" name="Picture 6">
+            <a:extLst>
+              <a:ext uri="{FF2B5EF4-FFF2-40B4-BE49-F238E27FC236}">
+                <a16:creationId xmlns:a16="http://schemas.microsoft.com/office/drawing/2014/main" id="{DF597E54-2675-4914-A157-E1998B95BF65}"/>
+              </a:ext>
+            </a:extLst>
+          </p:cNvPr>
+          <p:cNvPicPr>
+            <a:picLocks noChangeAspect="1"/>
+          </p:cNvPicPr>
+          <p:nvPr/>
+        </p:nvPicPr>
+        <p:blipFill>
+          <a:blip r:embed="rId2">
+            <a:extLst>
+              <a:ext uri="{28A0092B-C50C-407E-A947-70E740481C1C}">
+                <a14:useLocalDpi xmlns:a14="http://schemas.microsoft.com/office/drawing/2010/main" val="0"/>
+              </a:ext>
+            </a:extLst>
+          </a:blip>
+          <a:stretch>
+            <a:fillRect/>
+          </a:stretch>
+        </p:blipFill>
+        <p:spPr>
+          <a:xfrm>
+            <a:off x="3320961" y="2856864"/>
+            <a:ext cx="5550078" cy="2442983"/>
+          </a:xfrm>
+          <a:prstGeom prst="rect">
+            <a:avLst/>
+          </a:prstGeom>
+        </p:spPr>
+      </p:pic>
+    </p:spTree>
+    <p:extLst>
+      <p:ext uri="{BB962C8B-B14F-4D97-AF65-F5344CB8AC3E}">
+        <p14:creationId xmlns:p14="http://schemas.microsoft.com/office/powerpoint/2010/main" val="490236218"/>
+      </p:ext>
+    </p:extLst>
+  </p:cSld>
+  <p:clrMapOvr>
+    <a:masterClrMapping/>
+  </p:clrMapOvr>
+</p:sld>
+</file>
+
+<file path=ppt/slides/slide7.xml><?xml version="1.0" encoding="utf-8"?>
+<p:sld xmlns:a="http://schemas.openxmlformats.org/drawingml/2006/main" xmlns:r="http://schemas.openxmlformats.org/officeDocument/2006/relationships" xmlns:p="http://schemas.openxmlformats.org/presentationml/2006/main">
+  <p:cSld>
+    <p:spTree>
+      <p:nvGrpSpPr>
+        <p:cNvPr id="1" name=""/>
+        <p:cNvGrpSpPr/>
+        <p:nvPr/>
+      </p:nvGrpSpPr>
+      <p:grpSpPr>
+        <a:xfrm>
+          <a:off x="0" y="0"/>
+          <a:ext cx="0" cy="0"/>
+          <a:chOff x="0" y="0"/>
+          <a:chExt cx="0" cy="0"/>
+        </a:xfrm>
+      </p:grpSpPr>
+      <p:sp>
+        <p:nvSpPr>
+          <p:cNvPr id="2" name="Title 1">
+            <a:extLst>
+              <a:ext uri="{FF2B5EF4-FFF2-40B4-BE49-F238E27FC236}">
+                <a16:creationId xmlns:a16="http://schemas.microsoft.com/office/drawing/2014/main" id="{E5E8D1DA-2D7D-461A-8D8D-7CAF47675C62}"/>
+              </a:ext>
+            </a:extLst>
+          </p:cNvPr>
+          <p:cNvSpPr>
+            <a:spLocks noGrp="1"/>
+          </p:cNvSpPr>
+          <p:nvPr>
+            <p:ph type="title"/>
+          </p:nvPr>
+        </p:nvSpPr>
+        <p:spPr>
+          <a:xfrm>
+            <a:off x="838200" y="463826"/>
+            <a:ext cx="10515600" cy="821632"/>
+          </a:xfrm>
+        </p:spPr>
+        <p:txBody>
+          <a:bodyPr>
+            <a:noAutofit/>
+          </a:bodyPr>
+          <a:lstStyle/>
+          <a:p>
+            <a:pPr algn="ctr"/>
+            <a:r>
+              <a:rPr lang="en-US" sz="5200" dirty="0"/>
+              <a:t>PROJETO CONE DE TRÂNSITO</a:t>
+            </a:r>
+          </a:p>
+        </p:txBody>
+      </p:sp>
+      <p:sp>
+        <p:nvSpPr>
+          <p:cNvPr id="3" name="Content Placeholder 2">
+            <a:extLst>
+              <a:ext uri="{FF2B5EF4-FFF2-40B4-BE49-F238E27FC236}">
+                <a16:creationId xmlns:a16="http://schemas.microsoft.com/office/drawing/2014/main" id="{1AD0B689-0C60-4A96-A9F1-5037CE604970}"/>
+              </a:ext>
+            </a:extLst>
+          </p:cNvPr>
+          <p:cNvSpPr>
+            <a:spLocks noGrp="1"/>
+          </p:cNvSpPr>
+          <p:nvPr>
+            <p:ph idx="1"/>
+          </p:nvPr>
+        </p:nvSpPr>
+        <p:spPr>
+          <a:xfrm>
+            <a:off x="838200" y="1285458"/>
+            <a:ext cx="10515600" cy="5274367"/>
+          </a:xfrm>
+        </p:spPr>
+        <p:txBody>
+          <a:bodyPr>
+            <a:normAutofit/>
+          </a:bodyPr>
+          <a:lstStyle/>
+          <a:p>
+            <a:pPr marL="0" indent="0">
+              <a:buNone/>
+            </a:pPr>
+            <a:r>
+              <a:rPr lang="en-US" dirty="0"/>
+              <a:t>	</a:t>
+            </a:r>
+          </a:p>
+          <a:p>
+            <a:pPr marL="0" indent="0">
+              <a:buNone/>
+            </a:pPr>
+            <a:r>
+              <a:rPr lang="en-US" dirty="0"/>
+              <a:t>Este </a:t>
+            </a:r>
+            <a:r>
+              <a:rPr lang="en-US" dirty="0" err="1"/>
+              <a:t>projeto</a:t>
+            </a:r>
+            <a:r>
+              <a:rPr lang="en-US" dirty="0"/>
+              <a:t> </a:t>
+            </a:r>
+            <a:r>
+              <a:rPr lang="en-US" dirty="0" err="1"/>
+              <a:t>lembra</a:t>
+            </a:r>
+            <a:r>
+              <a:rPr lang="en-US" dirty="0"/>
+              <a:t> um cone de </a:t>
+            </a:r>
+            <a:r>
+              <a:rPr lang="en-US" dirty="0" err="1"/>
+              <a:t>trânsito</a:t>
+            </a:r>
+            <a:r>
+              <a:rPr lang="en-US" dirty="0"/>
+              <a:t>.</a:t>
+            </a:r>
+          </a:p>
+          <a:p>
+            <a:pPr marL="0" indent="0">
+              <a:buNone/>
+            </a:pPr>
+            <a:endParaRPr lang="en-US" dirty="0"/>
+          </a:p>
+          <a:p>
+            <a:pPr marL="0" indent="0">
+              <a:buNone/>
+            </a:pPr>
+            <a:endParaRPr lang="en-US" dirty="0"/>
+          </a:p>
+          <a:p>
+            <a:pPr marL="0" indent="0">
+              <a:buNone/>
+            </a:pPr>
+            <a:endParaRPr lang="en-US" dirty="0"/>
+          </a:p>
+          <a:p>
+            <a:pPr marL="0" indent="0">
+              <a:buNone/>
+            </a:pPr>
+            <a:endParaRPr lang="en-US" dirty="0"/>
+          </a:p>
+          <a:p>
+            <a:pPr marL="0" indent="0">
+              <a:buNone/>
+            </a:pPr>
+            <a:endParaRPr lang="en-US" dirty="0"/>
+          </a:p>
+          <a:p>
+            <a:pPr marL="0" indent="0">
+              <a:buNone/>
+            </a:pPr>
+            <a:endParaRPr lang="en-US" dirty="0"/>
+          </a:p>
+          <a:p>
+            <a:pPr marL="0" indent="0">
+              <a:buNone/>
+            </a:pPr>
+            <a:endParaRPr lang="en-US" dirty="0"/>
+          </a:p>
+        </p:txBody>
+      </p:sp>
+      <p:pic>
+        <p:nvPicPr>
+          <p:cNvPr id="5" name="Picture 4">
+            <a:extLst>
+              <a:ext uri="{FF2B5EF4-FFF2-40B4-BE49-F238E27FC236}">
+                <a16:creationId xmlns:a16="http://schemas.microsoft.com/office/drawing/2014/main" id="{6382BB05-70B9-4AE9-9513-A414D79A912C}"/>
+              </a:ext>
+            </a:extLst>
+          </p:cNvPr>
+          <p:cNvPicPr>
+            <a:picLocks noChangeAspect="1"/>
+          </p:cNvPicPr>
+          <p:nvPr/>
+        </p:nvPicPr>
+        <p:blipFill>
+          <a:blip r:embed="rId2">
+            <a:extLst>
+              <a:ext uri="{28A0092B-C50C-407E-A947-70E740481C1C}">
+                <a14:useLocalDpi xmlns:a14="http://schemas.microsoft.com/office/drawing/2010/main" val="0"/>
+              </a:ext>
+            </a:extLst>
+          </a:blip>
+          <a:stretch>
+            <a:fillRect/>
+          </a:stretch>
+        </p:blipFill>
+        <p:spPr>
+          <a:xfrm>
+            <a:off x="4165977" y="2457406"/>
+            <a:ext cx="3860045" cy="4102419"/>
+          </a:xfrm>
+          <a:prstGeom prst="rect">
+            <a:avLst/>
+          </a:prstGeom>
+        </p:spPr>
+      </p:pic>
+    </p:spTree>
+    <p:extLst>
+      <p:ext uri="{BB962C8B-B14F-4D97-AF65-F5344CB8AC3E}">
+        <p14:creationId xmlns:p14="http://schemas.microsoft.com/office/powerpoint/2010/main" val="3115940183"/>
+      </p:ext>
+    </p:extLst>
+  </p:cSld>
+  <p:clrMapOvr>
+    <a:masterClrMapping/>
+  </p:clrMapOvr>
+</p:sld>
+</file>
+
+<file path=ppt/slides/slide8.xml><?xml version="1.0" encoding="utf-8"?>
+<p:sld xmlns:a="http://schemas.openxmlformats.org/drawingml/2006/main" xmlns:r="http://schemas.openxmlformats.org/officeDocument/2006/relationships" xmlns:p="http://schemas.openxmlformats.org/presentationml/2006/main">
+  <p:cSld>
+    <p:spTree>
+      <p:nvGrpSpPr>
+        <p:cNvPr id="1" name=""/>
+        <p:cNvGrpSpPr/>
+        <p:nvPr/>
+      </p:nvGrpSpPr>
+      <p:grpSpPr>
+        <a:xfrm>
+          <a:off x="0" y="0"/>
+          <a:ext cx="0" cy="0"/>
+          <a:chOff x="0" y="0"/>
+          <a:chExt cx="0" cy="0"/>
+        </a:xfrm>
+      </p:grpSpPr>
+      <p:sp>
+        <p:nvSpPr>
+          <p:cNvPr id="2" name="Title 1">
+            <a:extLst>
+              <a:ext uri="{FF2B5EF4-FFF2-40B4-BE49-F238E27FC236}">
+                <a16:creationId xmlns:a16="http://schemas.microsoft.com/office/drawing/2014/main" id="{24777F16-1641-4B86-B1DA-28B4AB09C290}"/>
+              </a:ext>
+            </a:extLst>
+          </p:cNvPr>
+          <p:cNvSpPr>
+            <a:spLocks noGrp="1"/>
+          </p:cNvSpPr>
+          <p:nvPr>
+            <p:ph type="title"/>
+          </p:nvPr>
+        </p:nvSpPr>
+        <p:spPr>
+          <a:xfrm>
+            <a:off x="838200" y="463826"/>
+            <a:ext cx="10515600" cy="914400"/>
+          </a:xfrm>
+        </p:spPr>
+        <p:txBody>
+          <a:bodyPr>
+            <a:normAutofit/>
+          </a:bodyPr>
+          <a:lstStyle/>
+          <a:p>
+            <a:pPr algn="ctr"/>
+            <a:r>
+              <a:rPr lang="en-US" sz="5200" dirty="0"/>
+              <a:t>PIRÂMIDE NO MATTER CONTROL</a:t>
+            </a:r>
+          </a:p>
+        </p:txBody>
+      </p:sp>
+      <p:sp>
+        <p:nvSpPr>
+          <p:cNvPr id="3" name="Content Placeholder 2">
+            <a:extLst>
+              <a:ext uri="{FF2B5EF4-FFF2-40B4-BE49-F238E27FC236}">
+                <a16:creationId xmlns:a16="http://schemas.microsoft.com/office/drawing/2014/main" id="{9FBEF090-A937-45B5-9B5C-3EE68F05FDE7}"/>
+              </a:ext>
+            </a:extLst>
+          </p:cNvPr>
+          <p:cNvSpPr>
+            <a:spLocks noGrp="1"/>
+          </p:cNvSpPr>
+          <p:nvPr>
+            <p:ph idx="1"/>
+          </p:nvPr>
+        </p:nvSpPr>
+        <p:spPr>
+          <a:xfrm>
+            <a:off x="838200" y="1179443"/>
+            <a:ext cx="10515600" cy="5300870"/>
+          </a:xfrm>
+        </p:spPr>
+        <p:txBody>
+          <a:bodyPr/>
+          <a:lstStyle/>
+          <a:p>
+            <a:pPr marL="0" indent="0" algn="just">
+              <a:buNone/>
+            </a:pPr>
+            <a:r>
+              <a:rPr lang="en-US" dirty="0"/>
+              <a:t>	</a:t>
+            </a:r>
+          </a:p>
+          <a:p>
+            <a:pPr marL="0" indent="0" algn="just">
+              <a:buNone/>
+            </a:pPr>
+            <a:r>
+              <a:rPr lang="en-US" dirty="0"/>
+              <a:t>	O </a:t>
+            </a:r>
+            <a:r>
+              <a:rPr lang="en-US" dirty="0" err="1"/>
+              <a:t>MatterControl</a:t>
+            </a:r>
+            <a:r>
+              <a:rPr lang="en-US" dirty="0"/>
+              <a:t> </a:t>
+            </a:r>
+            <a:r>
+              <a:rPr lang="en-US" dirty="0" err="1"/>
+              <a:t>abstrai</a:t>
+            </a:r>
+            <a:r>
+              <a:rPr lang="en-US" dirty="0"/>
+              <a:t> </a:t>
+            </a:r>
+            <a:r>
+              <a:rPr lang="en-US" dirty="0" err="1"/>
               <a:t>uma</a:t>
             </a:r>
             <a:r>
@@ -3615,11 +7650,19 @@
             </a:r>
             <a:r>
               <a:rPr lang="en-US" dirty="0"/>
-              <a:t> um </a:t>
-            </a:r>
-            <a:r>
-              <a:rPr lang="en-US" dirty="0" err="1"/>
-              <a:t>triângulo</a:t>
+              <a:t> </a:t>
+            </a:r>
+            <a:r>
+              <a:rPr lang="en-US" dirty="0" err="1"/>
+              <a:t>uma</a:t>
+            </a:r>
+            <a:r>
+              <a:rPr lang="en-US" dirty="0"/>
+              <a:t> </a:t>
+            </a:r>
+            <a:r>
+              <a:rPr lang="en-US" dirty="0" err="1"/>
+              <a:t>pirâmide</a:t>
             </a:r>
             <a:r>
               <a:rPr lang="en-US" dirty="0"/>
@@ -3717,7 +7760,7 @@
 </p:sld>
 </file>
 
-<file path=ppt/slides/slide11.xml><?xml version="1.0" encoding="utf-8"?>
+<file path=ppt/slides/slide9.xml><?xml version="1.0" encoding="utf-8"?>
 <p:sld xmlns:a="http://schemas.openxmlformats.org/drawingml/2006/main" xmlns:r="http://schemas.openxmlformats.org/officeDocument/2006/relationships" xmlns:p="http://schemas.openxmlformats.org/presentationml/2006/main">
   <p:cSld>
     <p:spTree>
@@ -3739,353 +7782,6 @@
           <p:cNvPr id="2" name="Title 1">
             <a:extLst>
               <a:ext uri="{FF2B5EF4-FFF2-40B4-BE49-F238E27FC236}">
-                <a16:creationId xmlns:a16="http://schemas.microsoft.com/office/drawing/2014/main" id="{24777F16-1641-4B86-B1DA-28B4AB09C290}"/>
-              </a:ext>
-            </a:extLst>
-          </p:cNvPr>
-          <p:cNvSpPr>
-            <a:spLocks noGrp="1"/>
-          </p:cNvSpPr>
-          <p:nvPr>
-            <p:ph type="title"/>
-          </p:nvPr>
-        </p:nvSpPr>
-        <p:spPr>
-          <a:xfrm>
-            <a:off x="838200" y="463826"/>
-            <a:ext cx="10515600" cy="914400"/>
-          </a:xfrm>
-        </p:spPr>
-        <p:txBody>
-          <a:bodyPr>
-            <a:normAutofit/>
-          </a:bodyPr>
-          <a:lstStyle/>
-          <a:p>
-            <a:pPr algn="ctr"/>
-            <a:r>
-              <a:rPr lang="en-US" sz="5200" dirty="0"/>
-              <a:t>PROJETO PIRÂMIDES DE GIZÉ</a:t>
-            </a:r>
-          </a:p>
-        </p:txBody>
-      </p:sp>
-      <p:sp>
-        <p:nvSpPr>
-          <p:cNvPr id="3" name="Content Placeholder 2">
-            <a:extLst>
-              <a:ext uri="{FF2B5EF4-FFF2-40B4-BE49-F238E27FC236}">
-                <a16:creationId xmlns:a16="http://schemas.microsoft.com/office/drawing/2014/main" id="{9FBEF090-A937-45B5-9B5C-3EE68F05FDE7}"/>
-              </a:ext>
-            </a:extLst>
-          </p:cNvPr>
-          <p:cNvSpPr>
-            <a:spLocks noGrp="1"/>
-          </p:cNvSpPr>
-          <p:nvPr>
-            <p:ph idx="1"/>
-          </p:nvPr>
-        </p:nvSpPr>
-        <p:spPr>
-          <a:xfrm>
-            <a:off x="838200" y="1179443"/>
-            <a:ext cx="10515600" cy="5300870"/>
-          </a:xfrm>
-        </p:spPr>
-        <p:txBody>
-          <a:bodyPr/>
-          <a:lstStyle/>
-          <a:p>
-            <a:pPr marL="0" indent="0" algn="just">
-              <a:buNone/>
-            </a:pPr>
-            <a:r>
-              <a:rPr lang="en-US" dirty="0"/>
-              <a:t>	</a:t>
-            </a:r>
-          </a:p>
-          <a:p>
-            <a:pPr marL="0" indent="0" algn="just">
-              <a:buNone/>
-            </a:pPr>
-            <a:r>
-              <a:rPr lang="en-US" dirty="0"/>
-              <a:t>	Segue um </a:t>
-            </a:r>
-            <a:r>
-              <a:rPr lang="en-US" dirty="0" err="1"/>
-              <a:t>projeto</a:t>
-            </a:r>
-            <a:r>
-              <a:rPr lang="en-US" dirty="0"/>
-              <a:t> das </a:t>
-            </a:r>
-            <a:r>
-              <a:rPr lang="en-US" dirty="0" err="1"/>
-              <a:t>Pirâmides</a:t>
-            </a:r>
-            <a:r>
-              <a:rPr lang="en-US" dirty="0"/>
-              <a:t> de </a:t>
-            </a:r>
-            <a:r>
-              <a:rPr lang="en-US" dirty="0" err="1"/>
-              <a:t>Gizé</a:t>
-            </a:r>
-            <a:endParaRPr lang="en-US" dirty="0"/>
-          </a:p>
-        </p:txBody>
-      </p:sp>
-      <p:pic>
-        <p:nvPicPr>
-          <p:cNvPr id="5" name="Picture 4">
-            <a:extLst>
-              <a:ext uri="{FF2B5EF4-FFF2-40B4-BE49-F238E27FC236}">
-                <a16:creationId xmlns:a16="http://schemas.microsoft.com/office/drawing/2014/main" id="{A075E7F3-A607-4A54-ADA8-CB79F6283763}"/>
-              </a:ext>
-            </a:extLst>
-          </p:cNvPr>
-          <p:cNvPicPr>
-            <a:picLocks noChangeAspect="1"/>
-          </p:cNvPicPr>
-          <p:nvPr/>
-        </p:nvPicPr>
-        <p:blipFill>
-          <a:blip r:embed="rId2">
-            <a:extLst>
-              <a:ext uri="{28A0092B-C50C-407E-A947-70E740481C1C}">
-                <a14:useLocalDpi xmlns:a14="http://schemas.microsoft.com/office/drawing/2010/main" val="0"/>
-              </a:ext>
-            </a:extLst>
-          </a:blip>
-          <a:stretch>
-            <a:fillRect/>
-          </a:stretch>
-        </p:blipFill>
-        <p:spPr>
-          <a:xfrm>
-            <a:off x="2267020" y="2349611"/>
-            <a:ext cx="7657959" cy="4289728"/>
-          </a:xfrm>
-          <a:prstGeom prst="rect">
-            <a:avLst/>
-          </a:prstGeom>
-        </p:spPr>
-      </p:pic>
-    </p:spTree>
-    <p:extLst>
-      <p:ext uri="{BB962C8B-B14F-4D97-AF65-F5344CB8AC3E}">
-        <p14:creationId xmlns:p14="http://schemas.microsoft.com/office/powerpoint/2010/main" val="1828460129"/>
-      </p:ext>
-    </p:extLst>
-  </p:cSld>
-  <p:clrMapOvr>
-    <a:masterClrMapping/>
-  </p:clrMapOvr>
-</p:sld>
-</file>
-
-<file path=ppt/slides/slide12.xml><?xml version="1.0" encoding="utf-8"?>
-<p:sld xmlns:a="http://schemas.openxmlformats.org/drawingml/2006/main" xmlns:r="http://schemas.openxmlformats.org/officeDocument/2006/relationships" xmlns:p="http://schemas.openxmlformats.org/presentationml/2006/main">
-  <p:cSld>
-    <p:spTree>
-      <p:nvGrpSpPr>
-        <p:cNvPr id="1" name=""/>
-        <p:cNvGrpSpPr/>
-        <p:nvPr/>
-      </p:nvGrpSpPr>
-      <p:grpSpPr>
-        <a:xfrm>
-          <a:off x="0" y="0"/>
-          <a:ext cx="0" cy="0"/>
-          <a:chOff x="0" y="0"/>
-          <a:chExt cx="0" cy="0"/>
-        </a:xfrm>
-      </p:grpSpPr>
-      <p:sp>
-        <p:nvSpPr>
-          <p:cNvPr id="2" name="Title 1">
-            <a:extLst>
-              <a:ext uri="{FF2B5EF4-FFF2-40B4-BE49-F238E27FC236}">
-                <a16:creationId xmlns:a16="http://schemas.microsoft.com/office/drawing/2014/main" id="{24777F16-1641-4B86-B1DA-28B4AB09C290}"/>
-              </a:ext>
-            </a:extLst>
-          </p:cNvPr>
-          <p:cNvSpPr>
-            <a:spLocks noGrp="1"/>
-          </p:cNvSpPr>
-          <p:nvPr>
-            <p:ph type="title"/>
-          </p:nvPr>
-        </p:nvSpPr>
-        <p:spPr>
-          <a:xfrm>
-            <a:off x="838200" y="463826"/>
-            <a:ext cx="10515600" cy="914400"/>
-          </a:xfrm>
-        </p:spPr>
-        <p:txBody>
-          <a:bodyPr>
-            <a:normAutofit/>
-          </a:bodyPr>
-          <a:lstStyle/>
-          <a:p>
-            <a:pPr algn="ctr"/>
-            <a:r>
-              <a:rPr lang="en-US" sz="5200" dirty="0"/>
-              <a:t>RETÂNGULO NO MATTER CONTROL</a:t>
-            </a:r>
-          </a:p>
-        </p:txBody>
-      </p:sp>
-      <p:sp>
-        <p:nvSpPr>
-          <p:cNvPr id="3" name="Content Placeholder 2">
-            <a:extLst>
-              <a:ext uri="{FF2B5EF4-FFF2-40B4-BE49-F238E27FC236}">
-                <a16:creationId xmlns:a16="http://schemas.microsoft.com/office/drawing/2014/main" id="{9FBEF090-A937-45B5-9B5C-3EE68F05FDE7}"/>
-              </a:ext>
-            </a:extLst>
-          </p:cNvPr>
-          <p:cNvSpPr>
-            <a:spLocks noGrp="1"/>
-          </p:cNvSpPr>
-          <p:nvPr>
-            <p:ph idx="1"/>
-          </p:nvPr>
-        </p:nvSpPr>
-        <p:spPr>
-          <a:xfrm>
-            <a:off x="838200" y="1179443"/>
-            <a:ext cx="10515600" cy="5300870"/>
-          </a:xfrm>
-        </p:spPr>
-        <p:txBody>
-          <a:bodyPr/>
-          <a:lstStyle/>
-          <a:p>
-            <a:pPr marL="0" indent="0" algn="just">
-              <a:buNone/>
-            </a:pPr>
-            <a:r>
-              <a:rPr lang="en-US" dirty="0"/>
-              <a:t>	</a:t>
-            </a:r>
-          </a:p>
-          <a:p>
-            <a:pPr marL="0" indent="0" algn="just">
-              <a:buNone/>
-            </a:pPr>
-            <a:r>
-              <a:rPr lang="en-US" dirty="0"/>
-              <a:t>	</a:t>
-            </a:r>
-            <a:r>
-              <a:rPr lang="pt-BR" dirty="0"/>
-              <a:t>O retângulo é um objeto que não é primitivo no </a:t>
-            </a:r>
-            <a:r>
-              <a:rPr lang="pt-BR" dirty="0" err="1"/>
-              <a:t>MatterControl</a:t>
-            </a:r>
-            <a:r>
-              <a:rPr lang="pt-BR" dirty="0"/>
-              <a:t>, então o projetista precisa criar a partir do conhecimento adquirido no </a:t>
-            </a:r>
-            <a:r>
-              <a:rPr lang="pt-BR" dirty="0" err="1"/>
-              <a:t>MatterControl</a:t>
-            </a:r>
-            <a:r>
-              <a:rPr lang="pt-BR" dirty="0"/>
-              <a:t>.</a:t>
-            </a:r>
-          </a:p>
-          <a:p>
-            <a:pPr marL="0" indent="0" algn="just">
-              <a:buNone/>
-            </a:pPr>
-            <a:endParaRPr lang="pt-BR" dirty="0"/>
-          </a:p>
-          <a:p>
-            <a:pPr marL="0" indent="0" algn="just">
-              <a:buNone/>
-            </a:pPr>
-            <a:endParaRPr lang="en-US" dirty="0"/>
-          </a:p>
-        </p:txBody>
-      </p:sp>
-      <p:pic>
-        <p:nvPicPr>
-          <p:cNvPr id="8" name="Picture 7">
-            <a:extLst>
-              <a:ext uri="{FF2B5EF4-FFF2-40B4-BE49-F238E27FC236}">
-                <a16:creationId xmlns:a16="http://schemas.microsoft.com/office/drawing/2014/main" id="{9B65C2AD-4998-43F4-9437-B90B10A052AD}"/>
-              </a:ext>
-            </a:extLst>
-          </p:cNvPr>
-          <p:cNvPicPr>
-            <a:picLocks noChangeAspect="1"/>
-          </p:cNvPicPr>
-          <p:nvPr/>
-        </p:nvPicPr>
-        <p:blipFill>
-          <a:blip r:embed="rId2">
-            <a:extLst>
-              <a:ext uri="{28A0092B-C50C-407E-A947-70E740481C1C}">
-                <a14:useLocalDpi xmlns:a14="http://schemas.microsoft.com/office/drawing/2010/main" val="0"/>
-              </a:ext>
-            </a:extLst>
-          </a:blip>
-          <a:stretch>
-            <a:fillRect/>
-          </a:stretch>
-        </p:blipFill>
-        <p:spPr>
-          <a:xfrm>
-            <a:off x="2056836" y="3429000"/>
-            <a:ext cx="8078327" cy="2819794"/>
-          </a:xfrm>
-          <a:prstGeom prst="rect">
-            <a:avLst/>
-          </a:prstGeom>
-        </p:spPr>
-      </p:pic>
-    </p:spTree>
-    <p:extLst>
-      <p:ext uri="{BB962C8B-B14F-4D97-AF65-F5344CB8AC3E}">
-        <p14:creationId xmlns:p14="http://schemas.microsoft.com/office/powerpoint/2010/main" val="258491617"/>
-      </p:ext>
-    </p:extLst>
-  </p:cSld>
-  <p:clrMapOvr>
-    <a:masterClrMapping/>
-  </p:clrMapOvr>
-</p:sld>
-</file>
-
-<file path=ppt/slides/slide13.xml><?xml version="1.0" encoding="utf-8"?>
-<p:sld xmlns:a="http://schemas.openxmlformats.org/drawingml/2006/main" xmlns:r="http://schemas.openxmlformats.org/officeDocument/2006/relationships" xmlns:p="http://schemas.openxmlformats.org/presentationml/2006/main">
-  <p:cSld>
-    <p:spTree>
-      <p:nvGrpSpPr>
-        <p:cNvPr id="1" name=""/>
-        <p:cNvGrpSpPr/>
-        <p:nvPr/>
-      </p:nvGrpSpPr>
-      <p:grpSpPr>
-        <a:xfrm>
-          <a:off x="0" y="0"/>
-          <a:ext cx="0" cy="0"/>
-          <a:chOff x="0" y="0"/>
-          <a:chExt cx="0" cy="0"/>
-        </a:xfrm>
-      </p:grpSpPr>
-      <p:sp>
-        <p:nvSpPr>
-          <p:cNvPr id="2" name="Title 1">
-            <a:extLst>
-              <a:ext uri="{FF2B5EF4-FFF2-40B4-BE49-F238E27FC236}">
                 <a16:creationId xmlns:a16="http://schemas.microsoft.com/office/drawing/2014/main" id="{E5E8D1DA-2D7D-461A-8D8D-7CAF47675C62}"/>
               </a:ext>
             </a:extLst>
@@ -4112,7 +7808,7 @@
             <a:pPr algn="ctr"/>
             <a:r>
               <a:rPr lang="en-US" sz="5200" dirty="0"/>
-              <a:t>COMO FORMAR UM RETÂNGULO?</a:t>
+              <a:t>COMO FORMAR UMA PIRÂMIDE?</a:t>
             </a:r>
           </a:p>
         </p:txBody>
@@ -4169,11 +7865,11 @@
             </a:pPr>
             <a:r>
               <a:rPr lang="en-US" sz="3000" dirty="0"/>
-              <a:t>	Um </a:t>
+              <a:t>	Uma </a:t>
             </a:r>
             <a:r>
               <a:rPr lang="en-US" sz="3000" dirty="0" err="1"/>
-              <a:t>retângulo</a:t>
+              <a:t>pirâmide</a:t>
             </a:r>
             <a:r>
               <a:rPr lang="en-US" sz="3000" dirty="0"/>
@@ -4197,7 +7893,7 @@
             </a:r>
             <a:r>
               <a:rPr lang="en-US" sz="3000" dirty="0" err="1"/>
-              <a:t>formado</a:t>
+              <a:t>formada</a:t>
             </a:r>
             <a:r>
               <a:rPr lang="en-US" sz="3000" dirty="0"/>
@@ -4205,7 +7901,7 @@
             </a:r>
             <a:r>
               <a:rPr lang="en-US" sz="3000" dirty="0" err="1"/>
-              <a:t>seguindo</a:t>
+              <a:t>informando</a:t>
             </a:r>
             <a:r>
               <a:rPr lang="en-US" sz="3000" dirty="0"/>
@@ -4356,3447 +8052,6 @@
     <p:extLst>
       <p:ext uri="{BB962C8B-B14F-4D97-AF65-F5344CB8AC3E}">
         <p14:creationId xmlns:p14="http://schemas.microsoft.com/office/powerpoint/2010/main" val="204432156"/>
-      </p:ext>
-    </p:extLst>
-  </p:cSld>
-  <p:clrMapOvr>
-    <a:masterClrMapping/>
-  </p:clrMapOvr>
-</p:sld>
-</file>
-
-<file path=ppt/slides/slide14.xml><?xml version="1.0" encoding="utf-8"?>
-<p:sld xmlns:a="http://schemas.openxmlformats.org/drawingml/2006/main" xmlns:r="http://schemas.openxmlformats.org/officeDocument/2006/relationships" xmlns:p="http://schemas.openxmlformats.org/presentationml/2006/main">
-  <p:cSld>
-    <p:spTree>
-      <p:nvGrpSpPr>
-        <p:cNvPr id="1" name=""/>
-        <p:cNvGrpSpPr/>
-        <p:nvPr/>
-      </p:nvGrpSpPr>
-      <p:grpSpPr>
-        <a:xfrm>
-          <a:off x="0" y="0"/>
-          <a:ext cx="0" cy="0"/>
-          <a:chOff x="0" y="0"/>
-          <a:chExt cx="0" cy="0"/>
-        </a:xfrm>
-      </p:grpSpPr>
-      <p:sp>
-        <p:nvSpPr>
-          <p:cNvPr id="2" name="Title 1">
-            <a:extLst>
-              <a:ext uri="{FF2B5EF4-FFF2-40B4-BE49-F238E27FC236}">
-                <a16:creationId xmlns:a16="http://schemas.microsoft.com/office/drawing/2014/main" id="{E5E8D1DA-2D7D-461A-8D8D-7CAF47675C62}"/>
-              </a:ext>
-            </a:extLst>
-          </p:cNvPr>
-          <p:cNvSpPr>
-            <a:spLocks noGrp="1"/>
-          </p:cNvSpPr>
-          <p:nvPr>
-            <p:ph type="title"/>
-          </p:nvPr>
-        </p:nvSpPr>
-        <p:spPr>
-          <a:xfrm>
-            <a:off x="838200" y="463826"/>
-            <a:ext cx="10515600" cy="821632"/>
-          </a:xfrm>
-        </p:spPr>
-        <p:txBody>
-          <a:bodyPr>
-            <a:noAutofit/>
-          </a:bodyPr>
-          <a:lstStyle/>
-          <a:p>
-            <a:pPr algn="ctr"/>
-            <a:r>
-              <a:rPr lang="en-US" sz="5200" dirty="0"/>
-              <a:t>RETÂNGULO NO MATTER CONTROL</a:t>
-            </a:r>
-          </a:p>
-        </p:txBody>
-      </p:sp>
-      <p:sp>
-        <p:nvSpPr>
-          <p:cNvPr id="3" name="Content Placeholder 2">
-            <a:extLst>
-              <a:ext uri="{FF2B5EF4-FFF2-40B4-BE49-F238E27FC236}">
-                <a16:creationId xmlns:a16="http://schemas.microsoft.com/office/drawing/2014/main" id="{1AD0B689-0C60-4A96-A9F1-5037CE604970}"/>
-              </a:ext>
-            </a:extLst>
-          </p:cNvPr>
-          <p:cNvSpPr>
-            <a:spLocks noGrp="1"/>
-          </p:cNvSpPr>
-          <p:nvPr>
-            <p:ph idx="1"/>
-          </p:nvPr>
-        </p:nvSpPr>
-        <p:spPr>
-          <a:xfrm>
-            <a:off x="838200" y="1285458"/>
-            <a:ext cx="10515600" cy="5274367"/>
-          </a:xfrm>
-        </p:spPr>
-        <p:txBody>
-          <a:bodyPr>
-            <a:normAutofit/>
-          </a:bodyPr>
-          <a:lstStyle/>
-          <a:p>
-            <a:pPr marL="0" indent="0">
-              <a:buNone/>
-            </a:pPr>
-            <a:r>
-              <a:rPr lang="en-US" dirty="0"/>
-              <a:t>	</a:t>
-            </a:r>
-          </a:p>
-          <a:p>
-            <a:pPr marL="0" indent="0">
-              <a:buNone/>
-            </a:pPr>
-            <a:r>
-              <a:rPr lang="en-US" dirty="0"/>
-              <a:t>Este </a:t>
-            </a:r>
-            <a:r>
-              <a:rPr lang="en-US" dirty="0" err="1"/>
-              <a:t>projeto</a:t>
-            </a:r>
-            <a:r>
-              <a:rPr lang="en-US" dirty="0"/>
-              <a:t> </a:t>
-            </a:r>
-            <a:r>
-              <a:rPr lang="en-US" dirty="0" err="1"/>
-              <a:t>lembra</a:t>
-            </a:r>
-            <a:r>
-              <a:rPr lang="en-US" dirty="0"/>
-              <a:t> </a:t>
-            </a:r>
-            <a:r>
-              <a:rPr lang="en-US" dirty="0" err="1"/>
-              <a:t>vários</a:t>
-            </a:r>
-            <a:r>
-              <a:rPr lang="en-US" dirty="0"/>
-              <a:t> </a:t>
-            </a:r>
-            <a:r>
-              <a:rPr lang="en-US" dirty="0" err="1"/>
-              <a:t>retângulos</a:t>
-            </a:r>
-            <a:r>
-              <a:rPr lang="en-US" dirty="0"/>
-              <a:t>.</a:t>
-            </a:r>
-          </a:p>
-          <a:p>
-            <a:pPr marL="0" indent="0">
-              <a:buNone/>
-            </a:pPr>
-            <a:endParaRPr lang="en-US" dirty="0"/>
-          </a:p>
-          <a:p>
-            <a:pPr marL="0" indent="0">
-              <a:buNone/>
-            </a:pPr>
-            <a:endParaRPr lang="en-US" dirty="0"/>
-          </a:p>
-          <a:p>
-            <a:pPr marL="0" indent="0">
-              <a:buNone/>
-            </a:pPr>
-            <a:endParaRPr lang="en-US" dirty="0"/>
-          </a:p>
-          <a:p>
-            <a:pPr marL="0" indent="0">
-              <a:buNone/>
-            </a:pPr>
-            <a:endParaRPr lang="en-US" dirty="0"/>
-          </a:p>
-          <a:p>
-            <a:pPr marL="0" indent="0">
-              <a:buNone/>
-            </a:pPr>
-            <a:endParaRPr lang="en-US" dirty="0"/>
-          </a:p>
-          <a:p>
-            <a:pPr marL="0" indent="0">
-              <a:buNone/>
-            </a:pPr>
-            <a:endParaRPr lang="en-US" dirty="0"/>
-          </a:p>
-          <a:p>
-            <a:pPr marL="0" indent="0">
-              <a:buNone/>
-            </a:pPr>
-            <a:endParaRPr lang="en-US" dirty="0"/>
-          </a:p>
-        </p:txBody>
-      </p:sp>
-      <p:pic>
-        <p:nvPicPr>
-          <p:cNvPr id="6" name="Picture 5">
-            <a:extLst>
-              <a:ext uri="{FF2B5EF4-FFF2-40B4-BE49-F238E27FC236}">
-                <a16:creationId xmlns:a16="http://schemas.microsoft.com/office/drawing/2014/main" id="{D7167F91-36B2-4FED-BA79-C071D555D33B}"/>
-              </a:ext>
-            </a:extLst>
-          </p:cNvPr>
-          <p:cNvPicPr>
-            <a:picLocks noChangeAspect="1"/>
-          </p:cNvPicPr>
-          <p:nvPr/>
-        </p:nvPicPr>
-        <p:blipFill>
-          <a:blip r:embed="rId2">
-            <a:extLst>
-              <a:ext uri="{28A0092B-C50C-407E-A947-70E740481C1C}">
-                <a14:useLocalDpi xmlns:a14="http://schemas.microsoft.com/office/drawing/2010/main" val="0"/>
-              </a:ext>
-            </a:extLst>
-          </a:blip>
-          <a:stretch>
-            <a:fillRect/>
-          </a:stretch>
-        </p:blipFill>
-        <p:spPr>
-          <a:xfrm>
-            <a:off x="3739124" y="2599991"/>
-            <a:ext cx="4713751" cy="3794183"/>
-          </a:xfrm>
-          <a:prstGeom prst="rect">
-            <a:avLst/>
-          </a:prstGeom>
-        </p:spPr>
-      </p:pic>
-    </p:spTree>
-    <p:extLst>
-      <p:ext uri="{BB962C8B-B14F-4D97-AF65-F5344CB8AC3E}">
-        <p14:creationId xmlns:p14="http://schemas.microsoft.com/office/powerpoint/2010/main" val="762519445"/>
-      </p:ext>
-    </p:extLst>
-  </p:cSld>
-  <p:clrMapOvr>
-    <a:masterClrMapping/>
-  </p:clrMapOvr>
-</p:sld>
-</file>
-
-<file path=ppt/slides/slide15.xml><?xml version="1.0" encoding="utf-8"?>
-<p:sld xmlns:a="http://schemas.openxmlformats.org/drawingml/2006/main" xmlns:r="http://schemas.openxmlformats.org/officeDocument/2006/relationships" xmlns:p="http://schemas.openxmlformats.org/presentationml/2006/main">
-  <p:cSld>
-    <p:spTree>
-      <p:nvGrpSpPr>
-        <p:cNvPr id="1" name=""/>
-        <p:cNvGrpSpPr/>
-        <p:nvPr/>
-      </p:nvGrpSpPr>
-      <p:grpSpPr>
-        <a:xfrm>
-          <a:off x="0" y="0"/>
-          <a:ext cx="0" cy="0"/>
-          <a:chOff x="0" y="0"/>
-          <a:chExt cx="0" cy="0"/>
-        </a:xfrm>
-      </p:grpSpPr>
-      <p:sp>
-        <p:nvSpPr>
-          <p:cNvPr id="2" name="Title 1">
-            <a:extLst>
-              <a:ext uri="{FF2B5EF4-FFF2-40B4-BE49-F238E27FC236}">
-                <a16:creationId xmlns:a16="http://schemas.microsoft.com/office/drawing/2014/main" id="{24777F16-1641-4B86-B1DA-28B4AB09C290}"/>
-              </a:ext>
-            </a:extLst>
-          </p:cNvPr>
-          <p:cNvSpPr>
-            <a:spLocks noGrp="1"/>
-          </p:cNvSpPr>
-          <p:nvPr>
-            <p:ph type="title"/>
-          </p:nvPr>
-        </p:nvSpPr>
-        <p:spPr>
-          <a:xfrm>
-            <a:off x="838200" y="463826"/>
-            <a:ext cx="10515600" cy="914400"/>
-          </a:xfrm>
-        </p:spPr>
-        <p:txBody>
-          <a:bodyPr>
-            <a:normAutofit/>
-          </a:bodyPr>
-          <a:lstStyle/>
-          <a:p>
-            <a:pPr algn="ctr"/>
-            <a:r>
-              <a:rPr lang="en-US" sz="5200" dirty="0"/>
-              <a:t>ESFERA NO MATTER CONTROL</a:t>
-            </a:r>
-          </a:p>
-        </p:txBody>
-      </p:sp>
-      <p:sp>
-        <p:nvSpPr>
-          <p:cNvPr id="3" name="Content Placeholder 2">
-            <a:extLst>
-              <a:ext uri="{FF2B5EF4-FFF2-40B4-BE49-F238E27FC236}">
-                <a16:creationId xmlns:a16="http://schemas.microsoft.com/office/drawing/2014/main" id="{9FBEF090-A937-45B5-9B5C-3EE68F05FDE7}"/>
-              </a:ext>
-            </a:extLst>
-          </p:cNvPr>
-          <p:cNvSpPr>
-            <a:spLocks noGrp="1"/>
-          </p:cNvSpPr>
-          <p:nvPr>
-            <p:ph idx="1"/>
-          </p:nvPr>
-        </p:nvSpPr>
-        <p:spPr>
-          <a:xfrm>
-            <a:off x="838200" y="1179443"/>
-            <a:ext cx="10515600" cy="5300870"/>
-          </a:xfrm>
-        </p:spPr>
-        <p:txBody>
-          <a:bodyPr/>
-          <a:lstStyle/>
-          <a:p>
-            <a:pPr marL="0" indent="0" algn="just">
-              <a:buNone/>
-            </a:pPr>
-            <a:r>
-              <a:rPr lang="en-US" dirty="0"/>
-              <a:t>	</a:t>
-            </a:r>
-          </a:p>
-          <a:p>
-            <a:pPr marL="0" indent="0" algn="just">
-              <a:buNone/>
-            </a:pPr>
-            <a:r>
-              <a:rPr lang="pt-BR" dirty="0"/>
-              <a:t>A esfera é um objeto primitivo no </a:t>
-            </a:r>
-            <a:r>
-              <a:rPr lang="pt-BR" dirty="0" err="1"/>
-              <a:t>MatterControl</a:t>
-            </a:r>
-            <a:r>
-              <a:rPr lang="pt-BR" dirty="0"/>
-              <a:t>.</a:t>
-            </a:r>
-          </a:p>
-          <a:p>
-            <a:pPr marL="0" indent="0" algn="just">
-              <a:buNone/>
-            </a:pPr>
-            <a:endParaRPr lang="pt-BR" dirty="0"/>
-          </a:p>
-          <a:p>
-            <a:pPr marL="0" indent="0" algn="just">
-              <a:buNone/>
-            </a:pPr>
-            <a:endParaRPr lang="en-US" dirty="0"/>
-          </a:p>
-        </p:txBody>
-      </p:sp>
-      <p:pic>
-        <p:nvPicPr>
-          <p:cNvPr id="5" name="Picture 4">
-            <a:extLst>
-              <a:ext uri="{FF2B5EF4-FFF2-40B4-BE49-F238E27FC236}">
-                <a16:creationId xmlns:a16="http://schemas.microsoft.com/office/drawing/2014/main" id="{37B0F971-E87B-42AD-B22B-D66E7243C12A}"/>
-              </a:ext>
-            </a:extLst>
-          </p:cNvPr>
-          <p:cNvPicPr>
-            <a:picLocks noChangeAspect="1"/>
-          </p:cNvPicPr>
-          <p:nvPr/>
-        </p:nvPicPr>
-        <p:blipFill>
-          <a:blip r:embed="rId2">
-            <a:extLst>
-              <a:ext uri="{28A0092B-C50C-407E-A947-70E740481C1C}">
-                <a14:useLocalDpi xmlns:a14="http://schemas.microsoft.com/office/drawing/2010/main" val="0"/>
-              </a:ext>
-            </a:extLst>
-          </a:blip>
-          <a:stretch>
-            <a:fillRect/>
-          </a:stretch>
-        </p:blipFill>
-        <p:spPr>
-          <a:xfrm>
-            <a:off x="4090185" y="2669089"/>
-            <a:ext cx="4011630" cy="3725085"/>
-          </a:xfrm>
-          <a:prstGeom prst="rect">
-            <a:avLst/>
-          </a:prstGeom>
-        </p:spPr>
-      </p:pic>
-    </p:spTree>
-    <p:extLst>
-      <p:ext uri="{BB962C8B-B14F-4D97-AF65-F5344CB8AC3E}">
-        <p14:creationId xmlns:p14="http://schemas.microsoft.com/office/powerpoint/2010/main" val="2756132031"/>
-      </p:ext>
-    </p:extLst>
-  </p:cSld>
-  <p:clrMapOvr>
-    <a:masterClrMapping/>
-  </p:clrMapOvr>
-</p:sld>
-</file>
-
-<file path=ppt/slides/slide16.xml><?xml version="1.0" encoding="utf-8"?>
-<p:sld xmlns:a="http://schemas.openxmlformats.org/drawingml/2006/main" xmlns:r="http://schemas.openxmlformats.org/officeDocument/2006/relationships" xmlns:p="http://schemas.openxmlformats.org/presentationml/2006/main">
-  <p:cSld>
-    <p:spTree>
-      <p:nvGrpSpPr>
-        <p:cNvPr id="1" name=""/>
-        <p:cNvGrpSpPr/>
-        <p:nvPr/>
-      </p:nvGrpSpPr>
-      <p:grpSpPr>
-        <a:xfrm>
-          <a:off x="0" y="0"/>
-          <a:ext cx="0" cy="0"/>
-          <a:chOff x="0" y="0"/>
-          <a:chExt cx="0" cy="0"/>
-        </a:xfrm>
-      </p:grpSpPr>
-      <p:sp>
-        <p:nvSpPr>
-          <p:cNvPr id="2" name="Title 1">
-            <a:extLst>
-              <a:ext uri="{FF2B5EF4-FFF2-40B4-BE49-F238E27FC236}">
-                <a16:creationId xmlns:a16="http://schemas.microsoft.com/office/drawing/2014/main" id="{E5E8D1DA-2D7D-461A-8D8D-7CAF47675C62}"/>
-              </a:ext>
-            </a:extLst>
-          </p:cNvPr>
-          <p:cNvSpPr>
-            <a:spLocks noGrp="1"/>
-          </p:cNvSpPr>
-          <p:nvPr>
-            <p:ph type="title"/>
-          </p:nvPr>
-        </p:nvSpPr>
-        <p:spPr>
-          <a:xfrm>
-            <a:off x="838200" y="298176"/>
-            <a:ext cx="10515600" cy="1182894"/>
-          </a:xfrm>
-        </p:spPr>
-        <p:txBody>
-          <a:bodyPr>
-            <a:noAutofit/>
-          </a:bodyPr>
-          <a:lstStyle/>
-          <a:p>
-            <a:pPr algn="ctr"/>
-            <a:r>
-              <a:rPr lang="en-US" sz="5200" dirty="0"/>
-              <a:t>COMO FORMAR UMA ESFERA?</a:t>
-            </a:r>
-          </a:p>
-        </p:txBody>
-      </p:sp>
-      <p:sp>
-        <p:nvSpPr>
-          <p:cNvPr id="3" name="Content Placeholder 2">
-            <a:extLst>
-              <a:ext uri="{FF2B5EF4-FFF2-40B4-BE49-F238E27FC236}">
-                <a16:creationId xmlns:a16="http://schemas.microsoft.com/office/drawing/2014/main" id="{1AD0B689-0C60-4A96-A9F1-5037CE604970}"/>
-              </a:ext>
-            </a:extLst>
-          </p:cNvPr>
-          <p:cNvSpPr>
-            <a:spLocks noGrp="1"/>
-          </p:cNvSpPr>
-          <p:nvPr>
-            <p:ph idx="1"/>
-          </p:nvPr>
-        </p:nvSpPr>
-        <p:spPr>
-          <a:xfrm>
-            <a:off x="838200" y="874642"/>
-            <a:ext cx="10515600" cy="5685183"/>
-          </a:xfrm>
-        </p:spPr>
-        <p:txBody>
-          <a:bodyPr>
-            <a:normAutofit fontScale="92500" lnSpcReduction="10000"/>
-          </a:bodyPr>
-          <a:lstStyle/>
-          <a:p>
-            <a:pPr marL="0" indent="0">
-              <a:buNone/>
-            </a:pPr>
-            <a:r>
-              <a:rPr lang="en-US" dirty="0"/>
-              <a:t>	</a:t>
-            </a:r>
-          </a:p>
-          <a:p>
-            <a:pPr marL="0" indent="0">
-              <a:buNone/>
-            </a:pPr>
-            <a:r>
-              <a:rPr lang="en-US" dirty="0"/>
-              <a:t>	</a:t>
-            </a:r>
-          </a:p>
-          <a:p>
-            <a:pPr marL="0" indent="0">
-              <a:buNone/>
-            </a:pPr>
-            <a:r>
-              <a:rPr lang="en-US" sz="3000" dirty="0"/>
-              <a:t>	Uma </a:t>
-            </a:r>
-            <a:r>
-              <a:rPr lang="en-US" sz="3000" dirty="0" err="1"/>
-              <a:t>esfera</a:t>
-            </a:r>
-            <a:r>
-              <a:rPr lang="en-US" sz="3000" dirty="0"/>
-              <a:t> no </a:t>
-            </a:r>
-            <a:r>
-              <a:rPr lang="en-US" sz="3000" dirty="0" err="1"/>
-              <a:t>MatterControl</a:t>
-            </a:r>
-            <a:r>
-              <a:rPr lang="en-US" sz="3000" dirty="0"/>
-              <a:t> </a:t>
-            </a:r>
-            <a:r>
-              <a:rPr lang="en-US" sz="3000" dirty="0" err="1"/>
-              <a:t>pode</a:t>
-            </a:r>
-            <a:r>
-              <a:rPr lang="en-US" sz="3000" dirty="0"/>
-              <a:t> ser </a:t>
-            </a:r>
-            <a:r>
-              <a:rPr lang="en-US" sz="3000" dirty="0" err="1"/>
-              <a:t>formada</a:t>
-            </a:r>
-            <a:r>
-              <a:rPr lang="en-US" sz="3000" dirty="0"/>
-              <a:t> </a:t>
-            </a:r>
-            <a:r>
-              <a:rPr lang="en-US" sz="3000" dirty="0" err="1"/>
-              <a:t>seguindo</a:t>
-            </a:r>
-            <a:r>
-              <a:rPr lang="en-US" sz="3000" dirty="0"/>
-              <a:t> </a:t>
-            </a:r>
-            <a:r>
-              <a:rPr lang="en-US" sz="3000" dirty="0" err="1"/>
-              <a:t>os</a:t>
-            </a:r>
-            <a:r>
-              <a:rPr lang="en-US" sz="3000" dirty="0"/>
-              <a:t> </a:t>
-            </a:r>
-            <a:r>
-              <a:rPr lang="en-US" sz="3000" dirty="0" err="1"/>
-              <a:t>seguintes</a:t>
-            </a:r>
-            <a:r>
-              <a:rPr lang="en-US" sz="3000" dirty="0"/>
-              <a:t> </a:t>
-            </a:r>
-            <a:r>
-              <a:rPr lang="en-US" sz="3000" dirty="0" err="1"/>
-              <a:t>valores</a:t>
-            </a:r>
-            <a:r>
-              <a:rPr lang="en-US" sz="3000" dirty="0"/>
-              <a:t>:</a:t>
-            </a:r>
-          </a:p>
-          <a:p>
-            <a:pPr marL="0" indent="0">
-              <a:buNone/>
-            </a:pPr>
-            <a:endParaRPr lang="en-US" sz="2600" dirty="0"/>
-          </a:p>
-          <a:p>
-            <a:pPr marL="0" indent="0">
-              <a:buNone/>
-            </a:pPr>
-            <a:endParaRPr lang="en-US" sz="2600" dirty="0"/>
-          </a:p>
-          <a:p>
-            <a:pPr marL="0" indent="0">
-              <a:buNone/>
-            </a:pPr>
-            <a:endParaRPr lang="en-US" sz="2600" dirty="0"/>
-          </a:p>
-          <a:p>
-            <a:pPr marL="0" indent="0">
-              <a:buNone/>
-            </a:pPr>
-            <a:endParaRPr lang="en-US" sz="2600" dirty="0"/>
-          </a:p>
-          <a:p>
-            <a:pPr marL="0" indent="0">
-              <a:buNone/>
-            </a:pPr>
-            <a:endParaRPr lang="en-US" sz="2600" dirty="0"/>
-          </a:p>
-          <a:p>
-            <a:pPr marL="0" indent="0">
-              <a:buNone/>
-            </a:pPr>
-            <a:endParaRPr lang="en-US" sz="2600" dirty="0"/>
-          </a:p>
-          <a:p>
-            <a:pPr marL="0" indent="0">
-              <a:buNone/>
-            </a:pPr>
-            <a:endParaRPr lang="en-US" sz="2600" dirty="0"/>
-          </a:p>
-          <a:p>
-            <a:pPr marL="0" indent="0">
-              <a:buNone/>
-            </a:pPr>
-            <a:endParaRPr lang="en-US" sz="2600" dirty="0"/>
-          </a:p>
-          <a:p>
-            <a:pPr marL="0" indent="0">
-              <a:buNone/>
-            </a:pPr>
-            <a:r>
-              <a:rPr lang="en-US" sz="3000" dirty="0"/>
-              <a:t>diameter – </a:t>
-            </a:r>
-            <a:r>
-              <a:rPr lang="en-US" sz="3000" dirty="0" err="1"/>
-              <a:t>diâmetro</a:t>
-            </a:r>
-            <a:r>
-              <a:rPr lang="en-US" sz="3000" dirty="0"/>
-              <a:t> , sides – </a:t>
-            </a:r>
-            <a:r>
-              <a:rPr lang="en-US" sz="3000" dirty="0" err="1"/>
-              <a:t>lados</a:t>
-            </a:r>
-            <a:endParaRPr lang="en-US" sz="3000" dirty="0"/>
-          </a:p>
-        </p:txBody>
-      </p:sp>
-      <p:pic>
-        <p:nvPicPr>
-          <p:cNvPr id="6" name="Picture 5">
-            <a:extLst>
-              <a:ext uri="{FF2B5EF4-FFF2-40B4-BE49-F238E27FC236}">
-                <a16:creationId xmlns:a16="http://schemas.microsoft.com/office/drawing/2014/main" id="{DDC1AE61-FDD1-4931-90E9-0E1BF3A52A44}"/>
-              </a:ext>
-            </a:extLst>
-          </p:cNvPr>
-          <p:cNvPicPr>
-            <a:picLocks noChangeAspect="1"/>
-          </p:cNvPicPr>
-          <p:nvPr/>
-        </p:nvPicPr>
-        <p:blipFill>
-          <a:blip r:embed="rId2">
-            <a:extLst>
-              <a:ext uri="{28A0092B-C50C-407E-A947-70E740481C1C}">
-                <a14:useLocalDpi xmlns:a14="http://schemas.microsoft.com/office/drawing/2010/main" val="0"/>
-              </a:ext>
-            </a:extLst>
-          </a:blip>
-          <a:stretch>
-            <a:fillRect/>
-          </a:stretch>
-        </p:blipFill>
-        <p:spPr>
-          <a:xfrm>
-            <a:off x="3664363" y="2942178"/>
-            <a:ext cx="5249639" cy="1757294"/>
-          </a:xfrm>
-          <a:prstGeom prst="rect">
-            <a:avLst/>
-          </a:prstGeom>
-        </p:spPr>
-      </p:pic>
-    </p:spTree>
-    <p:extLst>
-      <p:ext uri="{BB962C8B-B14F-4D97-AF65-F5344CB8AC3E}">
-        <p14:creationId xmlns:p14="http://schemas.microsoft.com/office/powerpoint/2010/main" val="200973652"/>
-      </p:ext>
-    </p:extLst>
-  </p:cSld>
-  <p:clrMapOvr>
-    <a:masterClrMapping/>
-  </p:clrMapOvr>
-</p:sld>
-</file>
-
-<file path=ppt/slides/slide17.xml><?xml version="1.0" encoding="utf-8"?>
-<p:sld xmlns:a="http://schemas.openxmlformats.org/drawingml/2006/main" xmlns:r="http://schemas.openxmlformats.org/officeDocument/2006/relationships" xmlns:p="http://schemas.openxmlformats.org/presentationml/2006/main">
-  <p:cSld>
-    <p:spTree>
-      <p:nvGrpSpPr>
-        <p:cNvPr id="1" name=""/>
-        <p:cNvGrpSpPr/>
-        <p:nvPr/>
-      </p:nvGrpSpPr>
-      <p:grpSpPr>
-        <a:xfrm>
-          <a:off x="0" y="0"/>
-          <a:ext cx="0" cy="0"/>
-          <a:chOff x="0" y="0"/>
-          <a:chExt cx="0" cy="0"/>
-        </a:xfrm>
-      </p:grpSpPr>
-      <p:sp>
-        <p:nvSpPr>
-          <p:cNvPr id="2" name="Title 1">
-            <a:extLst>
-              <a:ext uri="{FF2B5EF4-FFF2-40B4-BE49-F238E27FC236}">
-                <a16:creationId xmlns:a16="http://schemas.microsoft.com/office/drawing/2014/main" id="{E5E8D1DA-2D7D-461A-8D8D-7CAF47675C62}"/>
-              </a:ext>
-            </a:extLst>
-          </p:cNvPr>
-          <p:cNvSpPr>
-            <a:spLocks noGrp="1"/>
-          </p:cNvSpPr>
-          <p:nvPr>
-            <p:ph type="title"/>
-          </p:nvPr>
-        </p:nvSpPr>
-        <p:spPr>
-          <a:xfrm>
-            <a:off x="838200" y="463826"/>
-            <a:ext cx="10515600" cy="821632"/>
-          </a:xfrm>
-        </p:spPr>
-        <p:txBody>
-          <a:bodyPr>
-            <a:noAutofit/>
-          </a:bodyPr>
-          <a:lstStyle/>
-          <a:p>
-            <a:pPr algn="ctr"/>
-            <a:r>
-              <a:rPr lang="en-US" sz="5200" dirty="0"/>
-              <a:t>ESFERA NO MATTER CONTROL</a:t>
-            </a:r>
-          </a:p>
-        </p:txBody>
-      </p:sp>
-      <p:sp>
-        <p:nvSpPr>
-          <p:cNvPr id="3" name="Content Placeholder 2">
-            <a:extLst>
-              <a:ext uri="{FF2B5EF4-FFF2-40B4-BE49-F238E27FC236}">
-                <a16:creationId xmlns:a16="http://schemas.microsoft.com/office/drawing/2014/main" id="{1AD0B689-0C60-4A96-A9F1-5037CE604970}"/>
-              </a:ext>
-            </a:extLst>
-          </p:cNvPr>
-          <p:cNvSpPr>
-            <a:spLocks noGrp="1"/>
-          </p:cNvSpPr>
-          <p:nvPr>
-            <p:ph idx="1"/>
-          </p:nvPr>
-        </p:nvSpPr>
-        <p:spPr>
-          <a:xfrm>
-            <a:off x="838200" y="1285458"/>
-            <a:ext cx="10515600" cy="5274367"/>
-          </a:xfrm>
-        </p:spPr>
-        <p:txBody>
-          <a:bodyPr>
-            <a:normAutofit/>
-          </a:bodyPr>
-          <a:lstStyle/>
-          <a:p>
-            <a:pPr marL="0" indent="0">
-              <a:buNone/>
-            </a:pPr>
-            <a:r>
-              <a:rPr lang="en-US" dirty="0"/>
-              <a:t>	</a:t>
-            </a:r>
-          </a:p>
-          <a:p>
-            <a:pPr marL="0" indent="0">
-              <a:buNone/>
-            </a:pPr>
-            <a:r>
-              <a:rPr lang="en-US" dirty="0"/>
-              <a:t>Um </a:t>
-            </a:r>
-            <a:r>
-              <a:rPr lang="en-US" dirty="0" err="1"/>
-              <a:t>projeto</a:t>
-            </a:r>
-            <a:r>
-              <a:rPr lang="en-US" dirty="0"/>
-              <a:t> com </a:t>
-            </a:r>
-            <a:r>
-              <a:rPr lang="en-US" dirty="0" err="1"/>
-              <a:t>duas</a:t>
-            </a:r>
-            <a:r>
-              <a:rPr lang="en-US" dirty="0"/>
-              <a:t> </a:t>
-            </a:r>
-            <a:r>
-              <a:rPr lang="en-US" dirty="0" err="1"/>
-              <a:t>esferas</a:t>
-            </a:r>
-            <a:r>
-              <a:rPr lang="en-US" dirty="0"/>
-              <a:t>.</a:t>
-            </a:r>
-          </a:p>
-          <a:p>
-            <a:pPr marL="0" indent="0">
-              <a:buNone/>
-            </a:pPr>
-            <a:endParaRPr lang="en-US" dirty="0"/>
-          </a:p>
-          <a:p>
-            <a:pPr marL="0" indent="0">
-              <a:buNone/>
-            </a:pPr>
-            <a:endParaRPr lang="en-US" dirty="0"/>
-          </a:p>
-          <a:p>
-            <a:pPr marL="0" indent="0">
-              <a:buNone/>
-            </a:pPr>
-            <a:endParaRPr lang="en-US" dirty="0"/>
-          </a:p>
-          <a:p>
-            <a:pPr marL="0" indent="0">
-              <a:buNone/>
-            </a:pPr>
-            <a:endParaRPr lang="en-US" dirty="0"/>
-          </a:p>
-          <a:p>
-            <a:pPr marL="0" indent="0">
-              <a:buNone/>
-            </a:pPr>
-            <a:endParaRPr lang="en-US" dirty="0"/>
-          </a:p>
-          <a:p>
-            <a:pPr marL="0" indent="0">
-              <a:buNone/>
-            </a:pPr>
-            <a:endParaRPr lang="en-US" dirty="0"/>
-          </a:p>
-          <a:p>
-            <a:pPr marL="0" indent="0">
-              <a:buNone/>
-            </a:pPr>
-            <a:endParaRPr lang="en-US" dirty="0"/>
-          </a:p>
-        </p:txBody>
-      </p:sp>
-      <p:pic>
-        <p:nvPicPr>
-          <p:cNvPr id="5" name="Picture 4">
-            <a:extLst>
-              <a:ext uri="{FF2B5EF4-FFF2-40B4-BE49-F238E27FC236}">
-                <a16:creationId xmlns:a16="http://schemas.microsoft.com/office/drawing/2014/main" id="{C444ABA5-1F90-42E5-B717-511AC3815A2A}"/>
-              </a:ext>
-            </a:extLst>
-          </p:cNvPr>
-          <p:cNvPicPr>
-            <a:picLocks noChangeAspect="1"/>
-          </p:cNvPicPr>
-          <p:nvPr/>
-        </p:nvPicPr>
-        <p:blipFill>
-          <a:blip r:embed="rId2">
-            <a:extLst>
-              <a:ext uri="{28A0092B-C50C-407E-A947-70E740481C1C}">
-                <a14:useLocalDpi xmlns:a14="http://schemas.microsoft.com/office/drawing/2010/main" val="0"/>
-              </a:ext>
-            </a:extLst>
-          </a:blip>
-          <a:stretch>
-            <a:fillRect/>
-          </a:stretch>
-        </p:blipFill>
-        <p:spPr>
-          <a:xfrm>
-            <a:off x="2538974" y="2601510"/>
-            <a:ext cx="7114051" cy="3792664"/>
-          </a:xfrm>
-          <a:prstGeom prst="rect">
-            <a:avLst/>
-          </a:prstGeom>
-        </p:spPr>
-      </p:pic>
-    </p:spTree>
-    <p:extLst>
-      <p:ext uri="{BB962C8B-B14F-4D97-AF65-F5344CB8AC3E}">
-        <p14:creationId xmlns:p14="http://schemas.microsoft.com/office/powerpoint/2010/main" val="488740703"/>
-      </p:ext>
-    </p:extLst>
-  </p:cSld>
-  <p:clrMapOvr>
-    <a:masterClrMapping/>
-  </p:clrMapOvr>
-</p:sld>
-</file>
-
-<file path=ppt/slides/slide18.xml><?xml version="1.0" encoding="utf-8"?>
-<p:sld xmlns:a="http://schemas.openxmlformats.org/drawingml/2006/main" xmlns:r="http://schemas.openxmlformats.org/officeDocument/2006/relationships" xmlns:p="http://schemas.openxmlformats.org/presentationml/2006/main">
-  <p:cSld>
-    <p:spTree>
-      <p:nvGrpSpPr>
-        <p:cNvPr id="1" name=""/>
-        <p:cNvGrpSpPr/>
-        <p:nvPr/>
-      </p:nvGrpSpPr>
-      <p:grpSpPr>
-        <a:xfrm>
-          <a:off x="0" y="0"/>
-          <a:ext cx="0" cy="0"/>
-          <a:chOff x="0" y="0"/>
-          <a:chExt cx="0" cy="0"/>
-        </a:xfrm>
-      </p:grpSpPr>
-      <p:sp>
-        <p:nvSpPr>
-          <p:cNvPr id="2" name="Title 1">
-            <a:extLst>
-              <a:ext uri="{FF2B5EF4-FFF2-40B4-BE49-F238E27FC236}">
-                <a16:creationId xmlns:a16="http://schemas.microsoft.com/office/drawing/2014/main" id="{E5E8D1DA-2D7D-461A-8D8D-7CAF47675C62}"/>
-              </a:ext>
-            </a:extLst>
-          </p:cNvPr>
-          <p:cNvSpPr>
-            <a:spLocks noGrp="1"/>
-          </p:cNvSpPr>
-          <p:nvPr>
-            <p:ph type="title"/>
-          </p:nvPr>
-        </p:nvSpPr>
-        <p:spPr>
-          <a:xfrm>
-            <a:off x="838200" y="463826"/>
-            <a:ext cx="10515600" cy="821632"/>
-          </a:xfrm>
-        </p:spPr>
-        <p:txBody>
-          <a:bodyPr>
-            <a:noAutofit/>
-          </a:bodyPr>
-          <a:lstStyle/>
-          <a:p>
-            <a:pPr algn="ctr"/>
-            <a:r>
-              <a:rPr lang="en-US" sz="5200" dirty="0"/>
-              <a:t>IMAGENS NO MATTER CONTROL</a:t>
-            </a:r>
-          </a:p>
-        </p:txBody>
-      </p:sp>
-      <p:sp>
-        <p:nvSpPr>
-          <p:cNvPr id="3" name="Content Placeholder 2">
-            <a:extLst>
-              <a:ext uri="{FF2B5EF4-FFF2-40B4-BE49-F238E27FC236}">
-                <a16:creationId xmlns:a16="http://schemas.microsoft.com/office/drawing/2014/main" id="{1AD0B689-0C60-4A96-A9F1-5037CE604970}"/>
-              </a:ext>
-            </a:extLst>
-          </p:cNvPr>
-          <p:cNvSpPr>
-            <a:spLocks noGrp="1"/>
-          </p:cNvSpPr>
-          <p:nvPr>
-            <p:ph idx="1"/>
-          </p:nvPr>
-        </p:nvSpPr>
-        <p:spPr>
-          <a:xfrm>
-            <a:off x="838200" y="1285458"/>
-            <a:ext cx="10515600" cy="5274367"/>
-          </a:xfrm>
-        </p:spPr>
-        <p:txBody>
-          <a:bodyPr>
-            <a:normAutofit/>
-          </a:bodyPr>
-          <a:lstStyle/>
-          <a:p>
-            <a:pPr marL="0" indent="0">
-              <a:buNone/>
-            </a:pPr>
-            <a:r>
-              <a:rPr lang="en-US" dirty="0"/>
-              <a:t>	</a:t>
-            </a:r>
-          </a:p>
-          <a:p>
-            <a:pPr marL="0" indent="0">
-              <a:buNone/>
-            </a:pPr>
-            <a:r>
-              <a:rPr lang="en-US" dirty="0"/>
-              <a:t>	É </a:t>
-            </a:r>
-            <a:r>
-              <a:rPr lang="en-US" dirty="0" err="1"/>
-              <a:t>possível</a:t>
-            </a:r>
-            <a:r>
-              <a:rPr lang="en-US" dirty="0"/>
-              <a:t> </a:t>
-            </a:r>
-            <a:r>
-              <a:rPr lang="en-US" dirty="0" err="1"/>
-              <a:t>criar</a:t>
-            </a:r>
-            <a:r>
-              <a:rPr lang="en-US" dirty="0"/>
-              <a:t> um </a:t>
-            </a:r>
-            <a:r>
-              <a:rPr lang="en-US" dirty="0" err="1"/>
-              <a:t>objeto</a:t>
-            </a:r>
-            <a:r>
-              <a:rPr lang="en-US" dirty="0"/>
-              <a:t> a </a:t>
-            </a:r>
-            <a:r>
-              <a:rPr lang="en-US" dirty="0" err="1"/>
-              <a:t>partir</a:t>
-            </a:r>
-            <a:r>
-              <a:rPr lang="en-US" dirty="0"/>
-              <a:t> de </a:t>
-            </a:r>
-            <a:r>
-              <a:rPr lang="en-US" dirty="0" err="1"/>
-              <a:t>uma</a:t>
-            </a:r>
-            <a:r>
-              <a:rPr lang="en-US" dirty="0"/>
-              <a:t> </a:t>
-            </a:r>
-            <a:r>
-              <a:rPr lang="en-US" dirty="0" err="1"/>
-              <a:t>imagem</a:t>
-            </a:r>
-            <a:r>
-              <a:rPr lang="en-US" dirty="0"/>
-              <a:t> no Matter Control. É </a:t>
-            </a:r>
-            <a:r>
-              <a:rPr lang="en-US" dirty="0" err="1"/>
-              <a:t>também</a:t>
-            </a:r>
-            <a:r>
-              <a:rPr lang="en-US" dirty="0"/>
-              <a:t> um </a:t>
-            </a:r>
-            <a:r>
-              <a:rPr lang="en-US" dirty="0" err="1"/>
-              <a:t>objeto</a:t>
-            </a:r>
-            <a:r>
-              <a:rPr lang="en-US" dirty="0"/>
-              <a:t> </a:t>
-            </a:r>
-            <a:r>
-              <a:rPr lang="en-US" dirty="0" err="1"/>
-              <a:t>primitivo</a:t>
-            </a:r>
-            <a:r>
-              <a:rPr lang="en-US" dirty="0"/>
-              <a:t>.</a:t>
-            </a:r>
-          </a:p>
-          <a:p>
-            <a:pPr marL="0" indent="0">
-              <a:buNone/>
-            </a:pPr>
-            <a:endParaRPr lang="en-US" dirty="0"/>
-          </a:p>
-          <a:p>
-            <a:pPr marL="0" indent="0">
-              <a:buNone/>
-            </a:pPr>
-            <a:endParaRPr lang="en-US" dirty="0"/>
-          </a:p>
-          <a:p>
-            <a:pPr marL="0" indent="0">
-              <a:buNone/>
-            </a:pPr>
-            <a:endParaRPr lang="en-US" dirty="0"/>
-          </a:p>
-          <a:p>
-            <a:pPr marL="0" indent="0">
-              <a:buNone/>
-            </a:pPr>
-            <a:endParaRPr lang="en-US" dirty="0"/>
-          </a:p>
-          <a:p>
-            <a:pPr marL="0" indent="0">
-              <a:buNone/>
-            </a:pPr>
-            <a:endParaRPr lang="en-US" dirty="0"/>
-          </a:p>
-          <a:p>
-            <a:pPr marL="0" indent="0">
-              <a:buNone/>
-            </a:pPr>
-            <a:endParaRPr lang="en-US" dirty="0"/>
-          </a:p>
-          <a:p>
-            <a:pPr marL="0" indent="0">
-              <a:buNone/>
-            </a:pPr>
-            <a:endParaRPr lang="en-US" dirty="0"/>
-          </a:p>
-        </p:txBody>
-      </p:sp>
-      <p:pic>
-        <p:nvPicPr>
-          <p:cNvPr id="5" name="Picture 4">
-            <a:extLst>
-              <a:ext uri="{FF2B5EF4-FFF2-40B4-BE49-F238E27FC236}">
-                <a16:creationId xmlns:a16="http://schemas.microsoft.com/office/drawing/2014/main" id="{EC670656-085B-4CF6-BBE4-C1C415AB5D86}"/>
-              </a:ext>
-            </a:extLst>
-          </p:cNvPr>
-          <p:cNvPicPr>
-            <a:picLocks noChangeAspect="1"/>
-          </p:cNvPicPr>
-          <p:nvPr/>
-        </p:nvPicPr>
-        <p:blipFill>
-          <a:blip r:embed="rId2">
-            <a:extLst>
-              <a:ext uri="{28A0092B-C50C-407E-A947-70E740481C1C}">
-                <a14:useLocalDpi xmlns:a14="http://schemas.microsoft.com/office/drawing/2010/main" val="0"/>
-              </a:ext>
-            </a:extLst>
-          </a:blip>
-          <a:stretch>
-            <a:fillRect/>
-          </a:stretch>
-        </p:blipFill>
-        <p:spPr>
-          <a:xfrm>
-            <a:off x="3776239" y="2857580"/>
-            <a:ext cx="4639522" cy="3702245"/>
-          </a:xfrm>
-          <a:prstGeom prst="rect">
-            <a:avLst/>
-          </a:prstGeom>
-        </p:spPr>
-      </p:pic>
-    </p:spTree>
-    <p:extLst>
-      <p:ext uri="{BB962C8B-B14F-4D97-AF65-F5344CB8AC3E}">
-        <p14:creationId xmlns:p14="http://schemas.microsoft.com/office/powerpoint/2010/main" val="3418495990"/>
-      </p:ext>
-    </p:extLst>
-  </p:cSld>
-  <p:clrMapOvr>
-    <a:masterClrMapping/>
-  </p:clrMapOvr>
-</p:sld>
-</file>
-
-<file path=ppt/slides/slide19.xml><?xml version="1.0" encoding="utf-8"?>
-<p:sld xmlns:a="http://schemas.openxmlformats.org/drawingml/2006/main" xmlns:r="http://schemas.openxmlformats.org/officeDocument/2006/relationships" xmlns:p="http://schemas.openxmlformats.org/presentationml/2006/main">
-  <p:cSld>
-    <p:spTree>
-      <p:nvGrpSpPr>
-        <p:cNvPr id="1" name=""/>
-        <p:cNvGrpSpPr/>
-        <p:nvPr/>
-      </p:nvGrpSpPr>
-      <p:grpSpPr>
-        <a:xfrm>
-          <a:off x="0" y="0"/>
-          <a:ext cx="0" cy="0"/>
-          <a:chOff x="0" y="0"/>
-          <a:chExt cx="0" cy="0"/>
-        </a:xfrm>
-      </p:grpSpPr>
-      <p:sp>
-        <p:nvSpPr>
-          <p:cNvPr id="2" name="Title 1">
-            <a:extLst>
-              <a:ext uri="{FF2B5EF4-FFF2-40B4-BE49-F238E27FC236}">
-                <a16:creationId xmlns:a16="http://schemas.microsoft.com/office/drawing/2014/main" id="{8EB3D083-D72D-433D-A5AD-57C992E14033}"/>
-              </a:ext>
-            </a:extLst>
-          </p:cNvPr>
-          <p:cNvSpPr>
-            <a:spLocks noGrp="1"/>
-          </p:cNvSpPr>
-          <p:nvPr>
-            <p:ph type="title"/>
-          </p:nvPr>
-        </p:nvSpPr>
-        <p:spPr/>
-        <p:txBody>
-          <a:bodyPr/>
-          <a:lstStyle/>
-          <a:p>
-            <a:pPr algn="ctr"/>
-            <a:r>
-              <a:rPr lang="en-US" dirty="0"/>
-              <a:t>REFERÊNCIAS BIBLIOGRÁFICAS</a:t>
-            </a:r>
-          </a:p>
-        </p:txBody>
-      </p:sp>
-      <p:sp>
-        <p:nvSpPr>
-          <p:cNvPr id="3" name="Content Placeholder 2">
-            <a:extLst>
-              <a:ext uri="{FF2B5EF4-FFF2-40B4-BE49-F238E27FC236}">
-                <a16:creationId xmlns:a16="http://schemas.microsoft.com/office/drawing/2014/main" id="{20FDC38B-67FF-4B43-8129-B76CAFEFB9C1}"/>
-              </a:ext>
-            </a:extLst>
-          </p:cNvPr>
-          <p:cNvSpPr>
-            <a:spLocks noGrp="1"/>
-          </p:cNvSpPr>
-          <p:nvPr>
-            <p:ph idx="1"/>
-          </p:nvPr>
-        </p:nvSpPr>
-        <p:spPr>
-          <a:xfrm>
-            <a:off x="838200" y="1404730"/>
-            <a:ext cx="10515600" cy="4929809"/>
-          </a:xfrm>
-        </p:spPr>
-        <p:txBody>
-          <a:bodyPr>
-            <a:normAutofit fontScale="92500" lnSpcReduction="20000"/>
-          </a:bodyPr>
-          <a:lstStyle/>
-          <a:p>
-            <a:pPr marL="0" indent="0">
-              <a:buNone/>
-            </a:pPr>
-            <a:endParaRPr lang="en-US" sz="2600" dirty="0"/>
-          </a:p>
-          <a:p>
-            <a:pPr marL="0" indent="0">
-              <a:buNone/>
-            </a:pPr>
-            <a:r>
-              <a:rPr lang="en-US" sz="2600" dirty="0" err="1"/>
-              <a:t>Disponível</a:t>
-            </a:r>
-            <a:r>
-              <a:rPr lang="en-US" sz="2600" dirty="0"/>
-              <a:t> </a:t>
-            </a:r>
-            <a:r>
-              <a:rPr lang="en-US" sz="2600" dirty="0" err="1"/>
-              <a:t>em</a:t>
-            </a:r>
-            <a:r>
-              <a:rPr lang="en-US" sz="2600" dirty="0"/>
-              <a:t>:</a:t>
-            </a:r>
-          </a:p>
-          <a:p>
-            <a:pPr marL="0" indent="0">
-              <a:buNone/>
-            </a:pPr>
-            <a:r>
-              <a:rPr lang="en-US" sz="2600" dirty="0">
-                <a:hlinkClick r:id="rId2"/>
-              </a:rPr>
-              <a:t>https://matematicabasica.net/cone/</a:t>
-            </a:r>
-            <a:endParaRPr lang="en-US" sz="2600" dirty="0"/>
-          </a:p>
-          <a:p>
-            <a:pPr marL="0" indent="0">
-              <a:buNone/>
-            </a:pPr>
-            <a:r>
-              <a:rPr lang="en-US" sz="2600" dirty="0" err="1"/>
-              <a:t>Acessado</a:t>
-            </a:r>
-            <a:r>
-              <a:rPr lang="en-US" sz="2600" dirty="0"/>
-              <a:t> </a:t>
-            </a:r>
-            <a:r>
-              <a:rPr lang="en-US" sz="2600" dirty="0" err="1"/>
-              <a:t>em</a:t>
-            </a:r>
-            <a:r>
-              <a:rPr lang="en-US" sz="2600" dirty="0"/>
-              <a:t> 15/11/2019 </a:t>
-            </a:r>
-            <a:r>
-              <a:rPr lang="en-US" sz="2600" dirty="0" err="1"/>
-              <a:t>às</a:t>
-            </a:r>
-            <a:r>
-              <a:rPr lang="en-US" sz="2600" dirty="0"/>
-              <a:t> 13:17</a:t>
-            </a:r>
-          </a:p>
-          <a:p>
-            <a:pPr marL="0" indent="0">
-              <a:buNone/>
-            </a:pPr>
-            <a:endParaRPr lang="en-US" sz="2600" dirty="0"/>
-          </a:p>
-          <a:p>
-            <a:pPr marL="0" indent="0">
-              <a:buNone/>
-            </a:pPr>
-            <a:r>
-              <a:rPr lang="en-US" sz="2600" dirty="0" err="1"/>
-              <a:t>Disponível</a:t>
-            </a:r>
-            <a:r>
-              <a:rPr lang="en-US" sz="2600" dirty="0"/>
-              <a:t> </a:t>
-            </a:r>
-            <a:r>
-              <a:rPr lang="en-US" sz="2600" dirty="0" err="1"/>
-              <a:t>em</a:t>
-            </a:r>
-            <a:r>
-              <a:rPr lang="en-US" sz="2600" dirty="0"/>
-              <a:t>:</a:t>
-            </a:r>
-          </a:p>
-          <a:p>
-            <a:pPr marL="0" indent="0">
-              <a:buNone/>
-            </a:pPr>
-            <a:r>
-              <a:rPr lang="en-US" sz="2600" dirty="0">
-                <a:hlinkClick r:id="rId3"/>
-              </a:rPr>
-              <a:t>https://matematicabasica.net/cubo/</a:t>
-            </a:r>
-            <a:endParaRPr lang="en-US" sz="2600" dirty="0"/>
-          </a:p>
-          <a:p>
-            <a:pPr marL="0" indent="0">
-              <a:buNone/>
-            </a:pPr>
-            <a:r>
-              <a:rPr lang="en-US" sz="2600" dirty="0" err="1"/>
-              <a:t>Acessado</a:t>
-            </a:r>
-            <a:r>
-              <a:rPr lang="en-US" sz="2600" dirty="0"/>
-              <a:t> </a:t>
-            </a:r>
-            <a:r>
-              <a:rPr lang="en-US" sz="2600" dirty="0" err="1"/>
-              <a:t>em</a:t>
-            </a:r>
-            <a:r>
-              <a:rPr lang="en-US" sz="2600" dirty="0"/>
-              <a:t> 15/11/2019 </a:t>
-            </a:r>
-            <a:r>
-              <a:rPr lang="en-US" sz="2600" dirty="0" err="1"/>
-              <a:t>às</a:t>
-            </a:r>
-            <a:r>
-              <a:rPr lang="en-US" sz="2600" dirty="0"/>
-              <a:t> 18:33 </a:t>
-            </a:r>
-          </a:p>
-          <a:p>
-            <a:pPr marL="0" indent="0">
-              <a:buNone/>
-            </a:pPr>
-            <a:endParaRPr lang="en-US" sz="2600" dirty="0"/>
-          </a:p>
-          <a:p>
-            <a:pPr marL="0" indent="0">
-              <a:buNone/>
-            </a:pPr>
-            <a:r>
-              <a:rPr lang="en-US" sz="2600" dirty="0" err="1"/>
-              <a:t>Disponível</a:t>
-            </a:r>
-            <a:r>
-              <a:rPr lang="en-US" sz="2600" dirty="0"/>
-              <a:t> </a:t>
-            </a:r>
-            <a:r>
-              <a:rPr lang="en-US" sz="2600" dirty="0" err="1"/>
-              <a:t>em</a:t>
-            </a:r>
-            <a:r>
-              <a:rPr lang="en-US" sz="2600" dirty="0"/>
-              <a:t>:</a:t>
-            </a:r>
-          </a:p>
-          <a:p>
-            <a:pPr marL="0" indent="0">
-              <a:buNone/>
-            </a:pPr>
-            <a:r>
-              <a:rPr lang="en-US" sz="2600" dirty="0">
-                <a:hlinkClick r:id="rId4"/>
-              </a:rPr>
-              <a:t>https://matematicabasica.net/triangulo/</a:t>
-            </a:r>
-            <a:endParaRPr lang="en-US" sz="2600" dirty="0"/>
-          </a:p>
-          <a:p>
-            <a:pPr marL="0" indent="0">
-              <a:buNone/>
-            </a:pPr>
-            <a:r>
-              <a:rPr lang="en-US" sz="2600" dirty="0" err="1"/>
-              <a:t>Acessado</a:t>
-            </a:r>
-            <a:r>
-              <a:rPr lang="en-US" sz="2600" dirty="0"/>
-              <a:t> </a:t>
-            </a:r>
-            <a:r>
-              <a:rPr lang="en-US" sz="2600" dirty="0" err="1"/>
-              <a:t>em</a:t>
-            </a:r>
-            <a:r>
-              <a:rPr lang="en-US" sz="2600" dirty="0"/>
-              <a:t> 20/11/2019 </a:t>
-            </a:r>
-            <a:r>
-              <a:rPr lang="en-US" sz="2600" dirty="0" err="1"/>
-              <a:t>às</a:t>
-            </a:r>
-            <a:r>
-              <a:rPr lang="en-US" sz="2600" dirty="0"/>
-              <a:t> 22:15</a:t>
-            </a:r>
-          </a:p>
-          <a:p>
-            <a:pPr marL="0" indent="0">
-              <a:buNone/>
-            </a:pPr>
-            <a:endParaRPr lang="en-US" sz="2600" dirty="0"/>
-          </a:p>
-          <a:p>
-            <a:pPr marL="0" indent="0">
-              <a:buNone/>
-            </a:pPr>
-            <a:endParaRPr lang="en-US" sz="2600" dirty="0"/>
-          </a:p>
-        </p:txBody>
-      </p:sp>
-    </p:spTree>
-    <p:extLst>
-      <p:ext uri="{BB962C8B-B14F-4D97-AF65-F5344CB8AC3E}">
-        <p14:creationId xmlns:p14="http://schemas.microsoft.com/office/powerpoint/2010/main" val="2587190717"/>
-      </p:ext>
-    </p:extLst>
-  </p:cSld>
-  <p:clrMapOvr>
-    <a:masterClrMapping/>
-  </p:clrMapOvr>
-</p:sld>
-</file>
-
-<file path=ppt/slides/slide2.xml><?xml version="1.0" encoding="utf-8"?>
-<p:sld xmlns:a="http://schemas.openxmlformats.org/drawingml/2006/main" xmlns:r="http://schemas.openxmlformats.org/officeDocument/2006/relationships" xmlns:p="http://schemas.openxmlformats.org/presentationml/2006/main">
-  <p:cSld>
-    <p:spTree>
-      <p:nvGrpSpPr>
-        <p:cNvPr id="1" name=""/>
-        <p:cNvGrpSpPr/>
-        <p:nvPr/>
-      </p:nvGrpSpPr>
-      <p:grpSpPr>
-        <a:xfrm>
-          <a:off x="0" y="0"/>
-          <a:ext cx="0" cy="0"/>
-          <a:chOff x="0" y="0"/>
-          <a:chExt cx="0" cy="0"/>
-        </a:xfrm>
-      </p:grpSpPr>
-      <p:sp>
-        <p:nvSpPr>
-          <p:cNvPr id="2" name="Title 1">
-            <a:extLst>
-              <a:ext uri="{FF2B5EF4-FFF2-40B4-BE49-F238E27FC236}">
-                <a16:creationId xmlns:a16="http://schemas.microsoft.com/office/drawing/2014/main" id="{A9F1401C-A75C-49D3-899E-A071DC4724DA}"/>
-              </a:ext>
-            </a:extLst>
-          </p:cNvPr>
-          <p:cNvSpPr>
-            <a:spLocks noGrp="1"/>
-          </p:cNvSpPr>
-          <p:nvPr>
-            <p:ph type="title"/>
-          </p:nvPr>
-        </p:nvSpPr>
-        <p:spPr>
-          <a:xfrm>
-            <a:off x="838200" y="204684"/>
-            <a:ext cx="10515600" cy="952706"/>
-          </a:xfrm>
-        </p:spPr>
-        <p:txBody>
-          <a:bodyPr>
-            <a:normAutofit/>
-          </a:bodyPr>
-          <a:lstStyle/>
-          <a:p>
-            <a:pPr algn="ctr"/>
-            <a:r>
-              <a:rPr lang="en-US" sz="5200" dirty="0"/>
-              <a:t>CUBO</a:t>
-            </a:r>
-          </a:p>
-        </p:txBody>
-      </p:sp>
-      <p:sp>
-        <p:nvSpPr>
-          <p:cNvPr id="3" name="Content Placeholder 2">
-            <a:extLst>
-              <a:ext uri="{FF2B5EF4-FFF2-40B4-BE49-F238E27FC236}">
-                <a16:creationId xmlns:a16="http://schemas.microsoft.com/office/drawing/2014/main" id="{F2E6E21D-CA11-4719-AB7D-76E535161CB7}"/>
-              </a:ext>
-            </a:extLst>
-          </p:cNvPr>
-          <p:cNvSpPr>
-            <a:spLocks noGrp="1"/>
-          </p:cNvSpPr>
-          <p:nvPr>
-            <p:ph idx="1"/>
-          </p:nvPr>
-        </p:nvSpPr>
-        <p:spPr>
-          <a:xfrm>
-            <a:off x="838200" y="681037"/>
-            <a:ext cx="10515600" cy="5759520"/>
-          </a:xfrm>
-        </p:spPr>
-        <p:txBody>
-          <a:bodyPr/>
-          <a:lstStyle/>
-          <a:p>
-            <a:pPr marL="0" indent="0">
-              <a:buNone/>
-            </a:pPr>
-            <a:endParaRPr lang="pt-BR" dirty="0"/>
-          </a:p>
-          <a:p>
-            <a:pPr marL="0" indent="0">
-              <a:buNone/>
-            </a:pPr>
-            <a:r>
-              <a:rPr lang="pt-BR" dirty="0"/>
-              <a:t>	O cubo é um poliedro regular contendo 6 faces com as mesmas medidas. As arestas também possuem as mesmas medidas e são perpendiculares.</a:t>
-            </a:r>
-          </a:p>
-          <a:p>
-            <a:pPr marL="0" indent="0">
-              <a:buNone/>
-            </a:pPr>
-            <a:endParaRPr lang="pt-BR" dirty="0"/>
-          </a:p>
-          <a:p>
-            <a:pPr marL="0" indent="0">
-              <a:buNone/>
-            </a:pPr>
-            <a:endParaRPr lang="en-US" dirty="0"/>
-          </a:p>
-        </p:txBody>
-      </p:sp>
-      <p:pic>
-        <p:nvPicPr>
-          <p:cNvPr id="5" name="Picture 4">
-            <a:extLst>
-              <a:ext uri="{FF2B5EF4-FFF2-40B4-BE49-F238E27FC236}">
-                <a16:creationId xmlns:a16="http://schemas.microsoft.com/office/drawing/2014/main" id="{6DE7E121-C81B-4E6B-A73D-F4B9E08F49F2}"/>
-              </a:ext>
-            </a:extLst>
-          </p:cNvPr>
-          <p:cNvPicPr>
-            <a:picLocks noChangeAspect="1"/>
-          </p:cNvPicPr>
-          <p:nvPr/>
-        </p:nvPicPr>
-        <p:blipFill>
-          <a:blip r:embed="rId2">
-            <a:extLst>
-              <a:ext uri="{28A0092B-C50C-407E-A947-70E740481C1C}">
-                <a14:useLocalDpi xmlns:a14="http://schemas.microsoft.com/office/drawing/2010/main" val="0"/>
-              </a:ext>
-            </a:extLst>
-          </a:blip>
-          <a:stretch>
-            <a:fillRect/>
-          </a:stretch>
-        </p:blipFill>
-        <p:spPr>
-          <a:xfrm>
-            <a:off x="3710609" y="2796209"/>
-            <a:ext cx="4028661" cy="3644348"/>
-          </a:xfrm>
-          <a:prstGeom prst="rect">
-            <a:avLst/>
-          </a:prstGeom>
-        </p:spPr>
-      </p:pic>
-    </p:spTree>
-    <p:extLst>
-      <p:ext uri="{BB962C8B-B14F-4D97-AF65-F5344CB8AC3E}">
-        <p14:creationId xmlns:p14="http://schemas.microsoft.com/office/powerpoint/2010/main" val="848555273"/>
-      </p:ext>
-    </p:extLst>
-  </p:cSld>
-  <p:clrMapOvr>
-    <a:masterClrMapping/>
-  </p:clrMapOvr>
-</p:sld>
-</file>
-
-<file path=ppt/slides/slide3.xml><?xml version="1.0" encoding="utf-8"?>
-<p:sld xmlns:a="http://schemas.openxmlformats.org/drawingml/2006/main" xmlns:r="http://schemas.openxmlformats.org/officeDocument/2006/relationships" xmlns:p="http://schemas.openxmlformats.org/presentationml/2006/main">
-  <p:cSld>
-    <p:spTree>
-      <p:nvGrpSpPr>
-        <p:cNvPr id="1" name=""/>
-        <p:cNvGrpSpPr/>
-        <p:nvPr/>
-      </p:nvGrpSpPr>
-      <p:grpSpPr>
-        <a:xfrm>
-          <a:off x="0" y="0"/>
-          <a:ext cx="0" cy="0"/>
-          <a:chOff x="0" y="0"/>
-          <a:chExt cx="0" cy="0"/>
-        </a:xfrm>
-      </p:grpSpPr>
-      <p:sp>
-        <p:nvSpPr>
-          <p:cNvPr id="2" name="Title 1">
-            <a:extLst>
-              <a:ext uri="{FF2B5EF4-FFF2-40B4-BE49-F238E27FC236}">
-                <a16:creationId xmlns:a16="http://schemas.microsoft.com/office/drawing/2014/main" id="{24777F16-1641-4B86-B1DA-28B4AB09C290}"/>
-              </a:ext>
-            </a:extLst>
-          </p:cNvPr>
-          <p:cNvSpPr>
-            <a:spLocks noGrp="1"/>
-          </p:cNvSpPr>
-          <p:nvPr>
-            <p:ph type="title"/>
-          </p:nvPr>
-        </p:nvSpPr>
-        <p:spPr>
-          <a:xfrm>
-            <a:off x="838200" y="463826"/>
-            <a:ext cx="10515600" cy="914400"/>
-          </a:xfrm>
-        </p:spPr>
-        <p:txBody>
-          <a:bodyPr>
-            <a:normAutofit/>
-          </a:bodyPr>
-          <a:lstStyle/>
-          <a:p>
-            <a:pPr algn="ctr"/>
-            <a:r>
-              <a:rPr lang="en-US" sz="5200" dirty="0"/>
-              <a:t>CUBO NO MATTER CONTROL</a:t>
-            </a:r>
-          </a:p>
-        </p:txBody>
-      </p:sp>
-      <p:sp>
-        <p:nvSpPr>
-          <p:cNvPr id="3" name="Content Placeholder 2">
-            <a:extLst>
-              <a:ext uri="{FF2B5EF4-FFF2-40B4-BE49-F238E27FC236}">
-                <a16:creationId xmlns:a16="http://schemas.microsoft.com/office/drawing/2014/main" id="{9FBEF090-A937-45B5-9B5C-3EE68F05FDE7}"/>
-              </a:ext>
-            </a:extLst>
-          </p:cNvPr>
-          <p:cNvSpPr>
-            <a:spLocks noGrp="1"/>
-          </p:cNvSpPr>
-          <p:nvPr>
-            <p:ph idx="1"/>
-          </p:nvPr>
-        </p:nvSpPr>
-        <p:spPr>
-          <a:xfrm>
-            <a:off x="838200" y="1179443"/>
-            <a:ext cx="10515600" cy="5300870"/>
-          </a:xfrm>
-        </p:spPr>
-        <p:txBody>
-          <a:bodyPr/>
-          <a:lstStyle/>
-          <a:p>
-            <a:pPr marL="0" indent="0" algn="just">
-              <a:buNone/>
-            </a:pPr>
-            <a:r>
-              <a:rPr lang="en-US" dirty="0"/>
-              <a:t>	</a:t>
-            </a:r>
-          </a:p>
-          <a:p>
-            <a:pPr marL="0" indent="0" algn="just">
-              <a:buNone/>
-            </a:pPr>
-            <a:r>
-              <a:rPr lang="en-US" dirty="0"/>
-              <a:t>	O </a:t>
-            </a:r>
-            <a:r>
-              <a:rPr lang="en-US" dirty="0" err="1"/>
-              <a:t>MatterControl</a:t>
-            </a:r>
-            <a:r>
-              <a:rPr lang="en-US" dirty="0"/>
-              <a:t> </a:t>
-            </a:r>
-            <a:r>
-              <a:rPr lang="en-US" dirty="0" err="1"/>
-              <a:t>abstrai</a:t>
-            </a:r>
-            <a:r>
-              <a:rPr lang="en-US" dirty="0"/>
-              <a:t> um </a:t>
-            </a:r>
-            <a:r>
-              <a:rPr lang="en-US" dirty="0" err="1"/>
-              <a:t>cubo</a:t>
-            </a:r>
-            <a:r>
-              <a:rPr lang="en-US" dirty="0"/>
-              <a:t> para o </a:t>
-            </a:r>
-            <a:r>
-              <a:rPr lang="en-US" dirty="0" err="1"/>
-              <a:t>modelo</a:t>
-            </a:r>
-            <a:r>
-              <a:rPr lang="en-US" dirty="0"/>
-              <a:t> digital. O </a:t>
-            </a:r>
-            <a:r>
-              <a:rPr lang="en-US" dirty="0" err="1"/>
-              <a:t>projetista</a:t>
-            </a:r>
-            <a:r>
-              <a:rPr lang="en-US" dirty="0"/>
-              <a:t> </a:t>
-            </a:r>
-            <a:r>
-              <a:rPr lang="en-US" dirty="0" err="1"/>
-              <a:t>pode</a:t>
-            </a:r>
-            <a:r>
-              <a:rPr lang="en-US" dirty="0"/>
-              <a:t> </a:t>
-            </a:r>
-            <a:r>
-              <a:rPr lang="en-US" dirty="0" err="1"/>
-              <a:t>criar</a:t>
-            </a:r>
-            <a:r>
-              <a:rPr lang="en-US" dirty="0"/>
-              <a:t> um </a:t>
-            </a:r>
-            <a:r>
-              <a:rPr lang="en-US" dirty="0" err="1"/>
-              <a:t>cubo</a:t>
-            </a:r>
-            <a:r>
-              <a:rPr lang="en-US" dirty="0"/>
-              <a:t> </a:t>
-            </a:r>
-            <a:r>
-              <a:rPr lang="en-US" dirty="0" err="1"/>
-              <a:t>apenas</a:t>
-            </a:r>
-            <a:r>
-              <a:rPr lang="en-US" dirty="0"/>
-              <a:t> </a:t>
-            </a:r>
-            <a:r>
-              <a:rPr lang="en-US" dirty="0" err="1"/>
-              <a:t>informando</a:t>
-            </a:r>
-            <a:r>
-              <a:rPr lang="en-US" dirty="0"/>
-              <a:t>: </a:t>
-            </a:r>
-            <a:r>
-              <a:rPr lang="en-US" dirty="0" err="1"/>
-              <a:t>profundidade</a:t>
-            </a:r>
-            <a:r>
-              <a:rPr lang="en-US" dirty="0"/>
-              <a:t>, </a:t>
-            </a:r>
-            <a:r>
-              <a:rPr lang="en-US" dirty="0" err="1"/>
-              <a:t>altura</a:t>
-            </a:r>
-            <a:r>
-              <a:rPr lang="en-US" dirty="0"/>
-              <a:t> e </a:t>
-            </a:r>
-            <a:r>
-              <a:rPr lang="en-US" dirty="0" err="1"/>
-              <a:t>largura</a:t>
-            </a:r>
-            <a:r>
-              <a:rPr lang="en-US" dirty="0"/>
-              <a:t>.</a:t>
-            </a:r>
-          </a:p>
-        </p:txBody>
-      </p:sp>
-      <p:pic>
-        <p:nvPicPr>
-          <p:cNvPr id="6" name="Picture 5">
-            <a:extLst>
-              <a:ext uri="{FF2B5EF4-FFF2-40B4-BE49-F238E27FC236}">
-                <a16:creationId xmlns:a16="http://schemas.microsoft.com/office/drawing/2014/main" id="{0FC4CFC5-66DF-43E3-B0D3-A1B9275EA726}"/>
-              </a:ext>
-            </a:extLst>
-          </p:cNvPr>
-          <p:cNvPicPr>
-            <a:picLocks noChangeAspect="1"/>
-          </p:cNvPicPr>
-          <p:nvPr/>
-        </p:nvPicPr>
-        <p:blipFill>
-          <a:blip r:embed="rId2">
-            <a:extLst>
-              <a:ext uri="{28A0092B-C50C-407E-A947-70E740481C1C}">
-                <a14:useLocalDpi xmlns:a14="http://schemas.microsoft.com/office/drawing/2010/main" val="0"/>
-              </a:ext>
-            </a:extLst>
-          </a:blip>
-          <a:stretch>
-            <a:fillRect/>
-          </a:stretch>
-        </p:blipFill>
-        <p:spPr>
-          <a:xfrm>
-            <a:off x="4376530" y="3048000"/>
-            <a:ext cx="3438939" cy="3432313"/>
-          </a:xfrm>
-          <a:prstGeom prst="rect">
-            <a:avLst/>
-          </a:prstGeom>
-        </p:spPr>
-      </p:pic>
-    </p:spTree>
-    <p:extLst>
-      <p:ext uri="{BB962C8B-B14F-4D97-AF65-F5344CB8AC3E}">
-        <p14:creationId xmlns:p14="http://schemas.microsoft.com/office/powerpoint/2010/main" val="157784597"/>
-      </p:ext>
-    </p:extLst>
-  </p:cSld>
-  <p:clrMapOvr>
-    <a:masterClrMapping/>
-  </p:clrMapOvr>
-</p:sld>
-</file>
-
-<file path=ppt/slides/slide4.xml><?xml version="1.0" encoding="utf-8"?>
-<p:sld xmlns:a="http://schemas.openxmlformats.org/drawingml/2006/main" xmlns:r="http://schemas.openxmlformats.org/officeDocument/2006/relationships" xmlns:p="http://schemas.openxmlformats.org/presentationml/2006/main">
-  <p:cSld>
-    <p:spTree>
-      <p:nvGrpSpPr>
-        <p:cNvPr id="1" name=""/>
-        <p:cNvGrpSpPr/>
-        <p:nvPr/>
-      </p:nvGrpSpPr>
-      <p:grpSpPr>
-        <a:xfrm>
-          <a:off x="0" y="0"/>
-          <a:ext cx="0" cy="0"/>
-          <a:chOff x="0" y="0"/>
-          <a:chExt cx="0" cy="0"/>
-        </a:xfrm>
-      </p:grpSpPr>
-      <p:sp>
-        <p:nvSpPr>
-          <p:cNvPr id="2" name="Title 1">
-            <a:extLst>
-              <a:ext uri="{FF2B5EF4-FFF2-40B4-BE49-F238E27FC236}">
-                <a16:creationId xmlns:a16="http://schemas.microsoft.com/office/drawing/2014/main" id="{E5E8D1DA-2D7D-461A-8D8D-7CAF47675C62}"/>
-              </a:ext>
-            </a:extLst>
-          </p:cNvPr>
-          <p:cNvSpPr>
-            <a:spLocks noGrp="1"/>
-          </p:cNvSpPr>
-          <p:nvPr>
-            <p:ph type="title"/>
-          </p:nvPr>
-        </p:nvSpPr>
-        <p:spPr>
-          <a:xfrm>
-            <a:off x="838200" y="463826"/>
-            <a:ext cx="10515600" cy="821632"/>
-          </a:xfrm>
-        </p:spPr>
-        <p:txBody>
-          <a:bodyPr>
-            <a:noAutofit/>
-          </a:bodyPr>
-          <a:lstStyle/>
-          <a:p>
-            <a:pPr algn="ctr"/>
-            <a:r>
-              <a:rPr lang="en-US" sz="5200" dirty="0"/>
-              <a:t>COMO FORMAR UM CUBO?</a:t>
-            </a:r>
-          </a:p>
-        </p:txBody>
-      </p:sp>
-      <p:sp>
-        <p:nvSpPr>
-          <p:cNvPr id="3" name="Content Placeholder 2">
-            <a:extLst>
-              <a:ext uri="{FF2B5EF4-FFF2-40B4-BE49-F238E27FC236}">
-                <a16:creationId xmlns:a16="http://schemas.microsoft.com/office/drawing/2014/main" id="{1AD0B689-0C60-4A96-A9F1-5037CE604970}"/>
-              </a:ext>
-            </a:extLst>
-          </p:cNvPr>
-          <p:cNvSpPr>
-            <a:spLocks noGrp="1"/>
-          </p:cNvSpPr>
-          <p:nvPr>
-            <p:ph idx="1"/>
-          </p:nvPr>
-        </p:nvSpPr>
-        <p:spPr>
-          <a:xfrm>
-            <a:off x="838200" y="874642"/>
-            <a:ext cx="10515600" cy="5685183"/>
-          </a:xfrm>
-        </p:spPr>
-        <p:txBody>
-          <a:bodyPr>
-            <a:normAutofit fontScale="92500" lnSpcReduction="10000"/>
-          </a:bodyPr>
-          <a:lstStyle/>
-          <a:p>
-            <a:pPr marL="0" indent="0">
-              <a:buNone/>
-            </a:pPr>
-            <a:r>
-              <a:rPr lang="en-US" dirty="0"/>
-              <a:t>	</a:t>
-            </a:r>
-          </a:p>
-          <a:p>
-            <a:pPr marL="0" indent="0">
-              <a:buNone/>
-            </a:pPr>
-            <a:r>
-              <a:rPr lang="en-US" dirty="0"/>
-              <a:t>	</a:t>
-            </a:r>
-          </a:p>
-          <a:p>
-            <a:pPr marL="0" indent="0">
-              <a:buNone/>
-            </a:pPr>
-            <a:r>
-              <a:rPr lang="en-US" dirty="0"/>
-              <a:t>	Um </a:t>
-            </a:r>
-            <a:r>
-              <a:rPr lang="en-US" dirty="0" err="1"/>
-              <a:t>cubo</a:t>
-            </a:r>
-            <a:r>
-              <a:rPr lang="en-US" dirty="0"/>
-              <a:t> no </a:t>
-            </a:r>
-            <a:r>
-              <a:rPr lang="en-US" dirty="0" err="1"/>
-              <a:t>MatterControl</a:t>
-            </a:r>
-            <a:r>
-              <a:rPr lang="en-US" dirty="0"/>
-              <a:t> </a:t>
-            </a:r>
-            <a:r>
-              <a:rPr lang="en-US" dirty="0" err="1"/>
-              <a:t>pode</a:t>
-            </a:r>
-            <a:r>
-              <a:rPr lang="en-US" dirty="0"/>
-              <a:t> ser </a:t>
-            </a:r>
-            <a:r>
-              <a:rPr lang="en-US" dirty="0" err="1"/>
-              <a:t>formado</a:t>
-            </a:r>
-            <a:r>
-              <a:rPr lang="en-US" dirty="0"/>
-              <a:t> </a:t>
-            </a:r>
-            <a:r>
-              <a:rPr lang="en-US" dirty="0" err="1"/>
-              <a:t>seguindo</a:t>
-            </a:r>
-            <a:r>
-              <a:rPr lang="en-US" dirty="0"/>
-              <a:t> </a:t>
-            </a:r>
-            <a:r>
-              <a:rPr lang="en-US" dirty="0" err="1"/>
-              <a:t>os</a:t>
-            </a:r>
-            <a:r>
-              <a:rPr lang="en-US" dirty="0"/>
-              <a:t> </a:t>
-            </a:r>
-            <a:r>
-              <a:rPr lang="en-US" dirty="0" err="1"/>
-              <a:t>seguintes</a:t>
-            </a:r>
-            <a:r>
-              <a:rPr lang="en-US" dirty="0"/>
-              <a:t> </a:t>
-            </a:r>
-            <a:r>
-              <a:rPr lang="en-US" dirty="0" err="1"/>
-              <a:t>valores</a:t>
-            </a:r>
-            <a:r>
-              <a:rPr lang="en-US" dirty="0"/>
-              <a:t>:</a:t>
-            </a:r>
-          </a:p>
-          <a:p>
-            <a:pPr marL="0" indent="0">
-              <a:buNone/>
-            </a:pPr>
-            <a:endParaRPr lang="en-US" dirty="0"/>
-          </a:p>
-          <a:p>
-            <a:pPr marL="0" indent="0">
-              <a:buNone/>
-            </a:pPr>
-            <a:endParaRPr lang="en-US" dirty="0"/>
-          </a:p>
-          <a:p>
-            <a:pPr marL="0" indent="0">
-              <a:buNone/>
-            </a:pPr>
-            <a:endParaRPr lang="en-US" dirty="0"/>
-          </a:p>
-          <a:p>
-            <a:pPr marL="0" indent="0">
-              <a:buNone/>
-            </a:pPr>
-            <a:endParaRPr lang="en-US" dirty="0"/>
-          </a:p>
-          <a:p>
-            <a:pPr marL="0" indent="0">
-              <a:buNone/>
-            </a:pPr>
-            <a:endParaRPr lang="en-US" dirty="0"/>
-          </a:p>
-          <a:p>
-            <a:pPr marL="0" indent="0">
-              <a:buNone/>
-            </a:pPr>
-            <a:endParaRPr lang="en-US" dirty="0"/>
-          </a:p>
-          <a:p>
-            <a:pPr marL="0" indent="0">
-              <a:buNone/>
-            </a:pPr>
-            <a:endParaRPr lang="en-US" dirty="0"/>
-          </a:p>
-          <a:p>
-            <a:pPr marL="0" indent="0">
-              <a:buNone/>
-            </a:pPr>
-            <a:endParaRPr lang="en-US" dirty="0"/>
-          </a:p>
-          <a:p>
-            <a:pPr marL="0" indent="0">
-              <a:buNone/>
-            </a:pPr>
-            <a:r>
-              <a:rPr lang="en-US" dirty="0"/>
-              <a:t>depth – </a:t>
-            </a:r>
-            <a:r>
-              <a:rPr lang="en-US" dirty="0" err="1"/>
-              <a:t>profundidade</a:t>
-            </a:r>
-            <a:r>
-              <a:rPr lang="en-US" dirty="0"/>
-              <a:t> , height – </a:t>
-            </a:r>
-            <a:r>
-              <a:rPr lang="en-US" dirty="0" err="1"/>
-              <a:t>altura</a:t>
-            </a:r>
-            <a:r>
-              <a:rPr lang="en-US" dirty="0"/>
-              <a:t>, width - </a:t>
-            </a:r>
-            <a:r>
-              <a:rPr lang="en-US" dirty="0" err="1"/>
-              <a:t>largura</a:t>
-            </a:r>
-            <a:endParaRPr lang="en-US" dirty="0"/>
-          </a:p>
-        </p:txBody>
-      </p:sp>
-      <p:pic>
-        <p:nvPicPr>
-          <p:cNvPr id="5" name="Picture 4">
-            <a:extLst>
-              <a:ext uri="{FF2B5EF4-FFF2-40B4-BE49-F238E27FC236}">
-                <a16:creationId xmlns:a16="http://schemas.microsoft.com/office/drawing/2014/main" id="{49F3A4CA-3416-4782-A605-6C62AD5D35C5}"/>
-              </a:ext>
-            </a:extLst>
-          </p:cNvPr>
-          <p:cNvPicPr>
-            <a:picLocks noChangeAspect="1"/>
-          </p:cNvPicPr>
-          <p:nvPr/>
-        </p:nvPicPr>
-        <p:blipFill>
-          <a:blip r:embed="rId2">
-            <a:extLst>
-              <a:ext uri="{28A0092B-C50C-407E-A947-70E740481C1C}">
-                <a14:useLocalDpi xmlns:a14="http://schemas.microsoft.com/office/drawing/2010/main" val="0"/>
-              </a:ext>
-            </a:extLst>
-          </a:blip>
-          <a:stretch>
-            <a:fillRect/>
-          </a:stretch>
-        </p:blipFill>
-        <p:spPr>
-          <a:xfrm>
-            <a:off x="3252191" y="2901325"/>
-            <a:ext cx="5687618" cy="2591827"/>
-          </a:xfrm>
-          <a:prstGeom prst="rect">
-            <a:avLst/>
-          </a:prstGeom>
-        </p:spPr>
-      </p:pic>
-    </p:spTree>
-    <p:extLst>
-      <p:ext uri="{BB962C8B-B14F-4D97-AF65-F5344CB8AC3E}">
-        <p14:creationId xmlns:p14="http://schemas.microsoft.com/office/powerpoint/2010/main" val="2719043566"/>
-      </p:ext>
-    </p:extLst>
-  </p:cSld>
-  <p:clrMapOvr>
-    <a:masterClrMapping/>
-  </p:clrMapOvr>
-</p:sld>
-</file>
-
-<file path=ppt/slides/slide5.xml><?xml version="1.0" encoding="utf-8"?>
-<p:sld xmlns:a="http://schemas.openxmlformats.org/drawingml/2006/main" xmlns:r="http://schemas.openxmlformats.org/officeDocument/2006/relationships" xmlns:p="http://schemas.openxmlformats.org/presentationml/2006/main">
-  <p:cSld>
-    <p:spTree>
-      <p:nvGrpSpPr>
-        <p:cNvPr id="1" name=""/>
-        <p:cNvGrpSpPr/>
-        <p:nvPr/>
-      </p:nvGrpSpPr>
-      <p:grpSpPr>
-        <a:xfrm>
-          <a:off x="0" y="0"/>
-          <a:ext cx="0" cy="0"/>
-          <a:chOff x="0" y="0"/>
-          <a:chExt cx="0" cy="0"/>
-        </a:xfrm>
-      </p:grpSpPr>
-      <p:sp>
-        <p:nvSpPr>
-          <p:cNvPr id="2" name="Title 1">
-            <a:extLst>
-              <a:ext uri="{FF2B5EF4-FFF2-40B4-BE49-F238E27FC236}">
-                <a16:creationId xmlns:a16="http://schemas.microsoft.com/office/drawing/2014/main" id="{E5E8D1DA-2D7D-461A-8D8D-7CAF47675C62}"/>
-              </a:ext>
-            </a:extLst>
-          </p:cNvPr>
-          <p:cNvSpPr>
-            <a:spLocks noGrp="1"/>
-          </p:cNvSpPr>
-          <p:nvPr>
-            <p:ph type="title"/>
-          </p:nvPr>
-        </p:nvSpPr>
-        <p:spPr>
-          <a:xfrm>
-            <a:off x="838200" y="463826"/>
-            <a:ext cx="10515600" cy="821632"/>
-          </a:xfrm>
-        </p:spPr>
-        <p:txBody>
-          <a:bodyPr>
-            <a:noAutofit/>
-          </a:bodyPr>
-          <a:lstStyle/>
-          <a:p>
-            <a:pPr algn="ctr"/>
-            <a:r>
-              <a:rPr lang="en-US" sz="5200" dirty="0"/>
-              <a:t>PROJETO COM VÁRIOS CUBOS</a:t>
-            </a:r>
-          </a:p>
-        </p:txBody>
-      </p:sp>
-      <p:sp>
-        <p:nvSpPr>
-          <p:cNvPr id="3" name="Content Placeholder 2">
-            <a:extLst>
-              <a:ext uri="{FF2B5EF4-FFF2-40B4-BE49-F238E27FC236}">
-                <a16:creationId xmlns:a16="http://schemas.microsoft.com/office/drawing/2014/main" id="{1AD0B689-0C60-4A96-A9F1-5037CE604970}"/>
-              </a:ext>
-            </a:extLst>
-          </p:cNvPr>
-          <p:cNvSpPr>
-            <a:spLocks noGrp="1"/>
-          </p:cNvSpPr>
-          <p:nvPr>
-            <p:ph idx="1"/>
-          </p:nvPr>
-        </p:nvSpPr>
-        <p:spPr>
-          <a:xfrm>
-            <a:off x="838200" y="874642"/>
-            <a:ext cx="10515600" cy="5685183"/>
-          </a:xfrm>
-        </p:spPr>
-        <p:txBody>
-          <a:bodyPr>
-            <a:normAutofit/>
-          </a:bodyPr>
-          <a:lstStyle/>
-          <a:p>
-            <a:pPr marL="0" indent="0">
-              <a:buNone/>
-            </a:pPr>
-            <a:r>
-              <a:rPr lang="en-US" dirty="0"/>
-              <a:t>	</a:t>
-            </a:r>
-          </a:p>
-          <a:p>
-            <a:pPr marL="0" indent="0">
-              <a:buNone/>
-            </a:pPr>
-            <a:r>
-              <a:rPr lang="en-US" dirty="0"/>
-              <a:t>	</a:t>
-            </a:r>
-          </a:p>
-          <a:p>
-            <a:pPr marL="0" indent="0">
-              <a:buNone/>
-            </a:pPr>
-            <a:r>
-              <a:rPr lang="en-US" dirty="0"/>
-              <a:t>	Um </a:t>
-            </a:r>
-            <a:r>
-              <a:rPr lang="en-US" dirty="0" err="1"/>
-              <a:t>projeto</a:t>
-            </a:r>
-            <a:r>
-              <a:rPr lang="en-US" dirty="0"/>
-              <a:t> com </a:t>
-            </a:r>
-            <a:r>
-              <a:rPr lang="en-US" dirty="0" err="1"/>
-              <a:t>vários</a:t>
-            </a:r>
-            <a:r>
-              <a:rPr lang="en-US" dirty="0"/>
-              <a:t> </a:t>
-            </a:r>
-            <a:r>
-              <a:rPr lang="en-US" dirty="0" err="1"/>
-              <a:t>cubos</a:t>
-            </a:r>
-            <a:r>
-              <a:rPr lang="en-US" dirty="0"/>
-              <a:t>.</a:t>
-            </a:r>
-          </a:p>
-          <a:p>
-            <a:pPr marL="0" indent="0">
-              <a:buNone/>
-            </a:pPr>
-            <a:endParaRPr lang="en-US" dirty="0"/>
-          </a:p>
-          <a:p>
-            <a:pPr marL="0" indent="0">
-              <a:buNone/>
-            </a:pPr>
-            <a:r>
-              <a:rPr lang="en-US" dirty="0"/>
-              <a:t>	</a:t>
-            </a:r>
-          </a:p>
-        </p:txBody>
-      </p:sp>
-      <p:pic>
-        <p:nvPicPr>
-          <p:cNvPr id="8" name="Picture 7">
-            <a:extLst>
-              <a:ext uri="{FF2B5EF4-FFF2-40B4-BE49-F238E27FC236}">
-                <a16:creationId xmlns:a16="http://schemas.microsoft.com/office/drawing/2014/main" id="{F4691A76-B67B-4A81-B5B0-861F43F301A6}"/>
-              </a:ext>
-            </a:extLst>
-          </p:cNvPr>
-          <p:cNvPicPr>
-            <a:picLocks noChangeAspect="1"/>
-          </p:cNvPicPr>
-          <p:nvPr/>
-        </p:nvPicPr>
-        <p:blipFill>
-          <a:blip r:embed="rId2">
-            <a:extLst>
-              <a:ext uri="{28A0092B-C50C-407E-A947-70E740481C1C}">
-                <a14:useLocalDpi xmlns:a14="http://schemas.microsoft.com/office/drawing/2010/main" val="0"/>
-              </a:ext>
-            </a:extLst>
-          </a:blip>
-          <a:stretch>
-            <a:fillRect/>
-          </a:stretch>
-        </p:blipFill>
-        <p:spPr>
-          <a:xfrm>
-            <a:off x="3055049" y="2715404"/>
-            <a:ext cx="6081902" cy="3559641"/>
-          </a:xfrm>
-          <a:prstGeom prst="rect">
-            <a:avLst/>
-          </a:prstGeom>
-        </p:spPr>
-      </p:pic>
-    </p:spTree>
-    <p:extLst>
-      <p:ext uri="{BB962C8B-B14F-4D97-AF65-F5344CB8AC3E}">
-        <p14:creationId xmlns:p14="http://schemas.microsoft.com/office/powerpoint/2010/main" val="2536060813"/>
-      </p:ext>
-    </p:extLst>
-  </p:cSld>
-  <p:clrMapOvr>
-    <a:masterClrMapping/>
-  </p:clrMapOvr>
-</p:sld>
-</file>
-
-<file path=ppt/slides/slide6.xml><?xml version="1.0" encoding="utf-8"?>
-<p:sld xmlns:a="http://schemas.openxmlformats.org/drawingml/2006/main" xmlns:r="http://schemas.openxmlformats.org/officeDocument/2006/relationships" xmlns:p="http://schemas.openxmlformats.org/presentationml/2006/main">
-  <p:cSld>
-    <p:spTree>
-      <p:nvGrpSpPr>
-        <p:cNvPr id="1" name=""/>
-        <p:cNvGrpSpPr/>
-        <p:nvPr/>
-      </p:nvGrpSpPr>
-      <p:grpSpPr>
-        <a:xfrm>
-          <a:off x="0" y="0"/>
-          <a:ext cx="0" cy="0"/>
-          <a:chOff x="0" y="0"/>
-          <a:chExt cx="0" cy="0"/>
-        </a:xfrm>
-      </p:grpSpPr>
-      <p:sp>
-        <p:nvSpPr>
-          <p:cNvPr id="2" name="Title 1">
-            <a:extLst>
-              <a:ext uri="{FF2B5EF4-FFF2-40B4-BE49-F238E27FC236}">
-                <a16:creationId xmlns:a16="http://schemas.microsoft.com/office/drawing/2014/main" id="{F3BA8975-3343-47A8-9B08-C1F788C56D7F}"/>
-              </a:ext>
-            </a:extLst>
-          </p:cNvPr>
-          <p:cNvSpPr>
-            <a:spLocks noGrp="1"/>
-          </p:cNvSpPr>
-          <p:nvPr>
-            <p:ph type="title"/>
-          </p:nvPr>
-        </p:nvSpPr>
-        <p:spPr>
-          <a:xfrm>
-            <a:off x="838199" y="456312"/>
-            <a:ext cx="10515600" cy="942680"/>
-          </a:xfrm>
-        </p:spPr>
-        <p:txBody>
-          <a:bodyPr>
-            <a:normAutofit/>
-          </a:bodyPr>
-          <a:lstStyle/>
-          <a:p>
-            <a:pPr algn="ctr"/>
-            <a:r>
-              <a:rPr lang="en-US" sz="5200" dirty="0"/>
-              <a:t>CONE</a:t>
-            </a:r>
-          </a:p>
-        </p:txBody>
-      </p:sp>
-      <p:sp>
-        <p:nvSpPr>
-          <p:cNvPr id="3" name="Content Placeholder 2">
-            <a:extLst>
-              <a:ext uri="{FF2B5EF4-FFF2-40B4-BE49-F238E27FC236}">
-                <a16:creationId xmlns:a16="http://schemas.microsoft.com/office/drawing/2014/main" id="{916827ED-4717-40F6-8948-F2C677CA38CE}"/>
-              </a:ext>
-            </a:extLst>
-          </p:cNvPr>
-          <p:cNvSpPr>
-            <a:spLocks noGrp="1"/>
-          </p:cNvSpPr>
-          <p:nvPr>
-            <p:ph idx="1"/>
-          </p:nvPr>
-        </p:nvSpPr>
-        <p:spPr>
-          <a:xfrm>
-            <a:off x="838200" y="927652"/>
-            <a:ext cx="10515600" cy="5561063"/>
-          </a:xfrm>
-        </p:spPr>
-        <p:txBody>
-          <a:bodyPr/>
-          <a:lstStyle/>
-          <a:p>
-            <a:pPr marL="0" indent="0" algn="just">
-              <a:buNone/>
-            </a:pPr>
-            <a:r>
-              <a:rPr lang="en-US" dirty="0"/>
-              <a:t>	</a:t>
-            </a:r>
-          </a:p>
-          <a:p>
-            <a:pPr marL="0" indent="0" algn="just">
-              <a:buNone/>
-            </a:pPr>
-            <a:r>
-              <a:rPr lang="en-US" dirty="0"/>
-              <a:t>	O cone é </a:t>
-            </a:r>
-            <a:r>
-              <a:rPr lang="en-US" dirty="0" err="1"/>
-              <a:t>uma</a:t>
-            </a:r>
-            <a:r>
-              <a:rPr lang="en-US" dirty="0"/>
-              <a:t> </a:t>
-            </a:r>
-            <a:r>
-              <a:rPr lang="en-US" dirty="0" err="1"/>
-              <a:t>figura</a:t>
-            </a:r>
-            <a:r>
-              <a:rPr lang="en-US" dirty="0"/>
-              <a:t> </a:t>
-            </a:r>
-            <a:r>
-              <a:rPr lang="en-US" dirty="0" err="1"/>
-              <a:t>geométrica</a:t>
-            </a:r>
-            <a:r>
-              <a:rPr lang="en-US" dirty="0"/>
-              <a:t> </a:t>
-            </a:r>
-            <a:r>
-              <a:rPr lang="en-US" dirty="0" err="1"/>
-              <a:t>espacial</a:t>
-            </a:r>
-            <a:r>
-              <a:rPr lang="en-US" dirty="0"/>
-              <a:t> com </a:t>
-            </a:r>
-            <a:r>
-              <a:rPr lang="en-US" dirty="0" err="1"/>
-              <a:t>formato</a:t>
-            </a:r>
-            <a:r>
-              <a:rPr lang="en-US" dirty="0"/>
-              <a:t> de </a:t>
-            </a:r>
-            <a:r>
-              <a:rPr lang="en-US" dirty="0" err="1"/>
-              <a:t>pirâmide</a:t>
-            </a:r>
-            <a:r>
-              <a:rPr lang="en-US" dirty="0"/>
-              <a:t>. O cone é tridimensional, </a:t>
-            </a:r>
-            <a:r>
-              <a:rPr lang="en-US" dirty="0" err="1"/>
-              <a:t>ou</a:t>
-            </a:r>
-            <a:r>
-              <a:rPr lang="en-US" dirty="0"/>
-              <a:t> </a:t>
-            </a:r>
-            <a:r>
-              <a:rPr lang="en-US" dirty="0" err="1"/>
-              <a:t>seja</a:t>
-            </a:r>
-            <a:r>
-              <a:rPr lang="en-US" dirty="0"/>
-              <a:t>, </a:t>
-            </a:r>
-            <a:r>
-              <a:rPr lang="en-US" dirty="0" err="1"/>
-              <a:t>como</a:t>
-            </a:r>
-            <a:r>
-              <a:rPr lang="en-US" dirty="0"/>
-              <a:t> </a:t>
-            </a:r>
-            <a:r>
-              <a:rPr lang="en-US" dirty="0" err="1"/>
-              <a:t>faz</a:t>
-            </a:r>
-            <a:r>
-              <a:rPr lang="en-US" dirty="0"/>
-              <a:t> </a:t>
-            </a:r>
-            <a:r>
-              <a:rPr lang="en-US" dirty="0" err="1"/>
-              <a:t>parte</a:t>
-            </a:r>
-            <a:r>
-              <a:rPr lang="en-US" dirty="0"/>
-              <a:t> do </a:t>
-            </a:r>
-            <a:r>
-              <a:rPr lang="en-US" dirty="0" err="1"/>
-              <a:t>estudo</a:t>
-            </a:r>
-            <a:r>
-              <a:rPr lang="en-US" dirty="0"/>
-              <a:t> da </a:t>
-            </a:r>
-            <a:r>
-              <a:rPr lang="en-US" dirty="0" err="1"/>
-              <a:t>geometria</a:t>
-            </a:r>
-            <a:r>
-              <a:rPr lang="en-US" dirty="0"/>
-              <a:t> </a:t>
-            </a:r>
-            <a:r>
-              <a:rPr lang="en-US" dirty="0" err="1"/>
-              <a:t>espacial</a:t>
-            </a:r>
-            <a:r>
-              <a:rPr lang="en-US" dirty="0"/>
-              <a:t>, </a:t>
-            </a:r>
-            <a:r>
-              <a:rPr lang="en-US" dirty="0" err="1"/>
-              <a:t>ele</a:t>
-            </a:r>
-            <a:r>
-              <a:rPr lang="en-US" dirty="0"/>
-              <a:t> </a:t>
-            </a:r>
-            <a:r>
-              <a:rPr lang="en-US" dirty="0" err="1"/>
-              <a:t>está</a:t>
-            </a:r>
-            <a:r>
-              <a:rPr lang="en-US" dirty="0"/>
-              <a:t> </a:t>
-            </a:r>
-            <a:r>
-              <a:rPr lang="en-US" dirty="0" err="1"/>
-              <a:t>disposto</a:t>
-            </a:r>
-            <a:r>
-              <a:rPr lang="en-US" dirty="0"/>
-              <a:t> no </a:t>
-            </a:r>
-            <a:r>
-              <a:rPr lang="en-US" dirty="0" err="1"/>
-              <a:t>plano</a:t>
-            </a:r>
-            <a:r>
-              <a:rPr lang="en-US" dirty="0"/>
-              <a:t> </a:t>
-            </a:r>
-            <a:r>
-              <a:rPr lang="en-US" dirty="0" err="1"/>
-              <a:t>através</a:t>
-            </a:r>
-            <a:r>
-              <a:rPr lang="en-US" dirty="0"/>
-              <a:t> da </a:t>
-            </a:r>
-            <a:r>
-              <a:rPr lang="en-US" dirty="0" err="1"/>
-              <a:t>coordenadas</a:t>
-            </a:r>
-            <a:r>
-              <a:rPr lang="en-US" dirty="0"/>
-              <a:t> h, g e r.</a:t>
-            </a:r>
-          </a:p>
-          <a:p>
-            <a:pPr marL="0" indent="0" algn="just">
-              <a:buNone/>
-            </a:pPr>
-            <a:endParaRPr lang="en-US" dirty="0"/>
-          </a:p>
-          <a:p>
-            <a:pPr marL="0" indent="0" algn="just">
-              <a:buNone/>
-            </a:pPr>
-            <a:endParaRPr lang="en-US" dirty="0"/>
-          </a:p>
-        </p:txBody>
-      </p:sp>
-      <p:pic>
-        <p:nvPicPr>
-          <p:cNvPr id="6" name="Picture 5">
-            <a:extLst>
-              <a:ext uri="{FF2B5EF4-FFF2-40B4-BE49-F238E27FC236}">
-                <a16:creationId xmlns:a16="http://schemas.microsoft.com/office/drawing/2014/main" id="{49CF213E-8619-4AA4-99F4-58FED368830F}"/>
-              </a:ext>
-            </a:extLst>
-          </p:cNvPr>
-          <p:cNvPicPr>
-            <a:picLocks noChangeAspect="1"/>
-          </p:cNvPicPr>
-          <p:nvPr/>
-        </p:nvPicPr>
-        <p:blipFill>
-          <a:blip r:embed="rId2">
-            <a:extLst>
-              <a:ext uri="{28A0092B-C50C-407E-A947-70E740481C1C}">
-                <a14:useLocalDpi xmlns:a14="http://schemas.microsoft.com/office/drawing/2010/main" val="0"/>
-              </a:ext>
-            </a:extLst>
-          </a:blip>
-          <a:stretch>
-            <a:fillRect/>
-          </a:stretch>
-        </p:blipFill>
-        <p:spPr>
-          <a:xfrm>
-            <a:off x="4694686" y="3180522"/>
-            <a:ext cx="2802627" cy="3308193"/>
-          </a:xfrm>
-          <a:prstGeom prst="rect">
-            <a:avLst/>
-          </a:prstGeom>
-        </p:spPr>
-      </p:pic>
-    </p:spTree>
-    <p:extLst>
-      <p:ext uri="{BB962C8B-B14F-4D97-AF65-F5344CB8AC3E}">
-        <p14:creationId xmlns:p14="http://schemas.microsoft.com/office/powerpoint/2010/main" val="3583795629"/>
-      </p:ext>
-    </p:extLst>
-  </p:cSld>
-  <p:clrMapOvr>
-    <a:masterClrMapping/>
-  </p:clrMapOvr>
-</p:sld>
-</file>
-
-<file path=ppt/slides/slide7.xml><?xml version="1.0" encoding="utf-8"?>
-<p:sld xmlns:a="http://schemas.openxmlformats.org/drawingml/2006/main" xmlns:r="http://schemas.openxmlformats.org/officeDocument/2006/relationships" xmlns:p="http://schemas.openxmlformats.org/presentationml/2006/main">
-  <p:cSld>
-    <p:spTree>
-      <p:nvGrpSpPr>
-        <p:cNvPr id="1" name=""/>
-        <p:cNvGrpSpPr/>
-        <p:nvPr/>
-      </p:nvGrpSpPr>
-      <p:grpSpPr>
-        <a:xfrm>
-          <a:off x="0" y="0"/>
-          <a:ext cx="0" cy="0"/>
-          <a:chOff x="0" y="0"/>
-          <a:chExt cx="0" cy="0"/>
-        </a:xfrm>
-      </p:grpSpPr>
-      <p:sp>
-        <p:nvSpPr>
-          <p:cNvPr id="2" name="Title 1">
-            <a:extLst>
-              <a:ext uri="{FF2B5EF4-FFF2-40B4-BE49-F238E27FC236}">
-                <a16:creationId xmlns:a16="http://schemas.microsoft.com/office/drawing/2014/main" id="{24777F16-1641-4B86-B1DA-28B4AB09C290}"/>
-              </a:ext>
-            </a:extLst>
-          </p:cNvPr>
-          <p:cNvSpPr>
-            <a:spLocks noGrp="1"/>
-          </p:cNvSpPr>
-          <p:nvPr>
-            <p:ph type="title"/>
-          </p:nvPr>
-        </p:nvSpPr>
-        <p:spPr>
-          <a:xfrm>
-            <a:off x="838200" y="463826"/>
-            <a:ext cx="10515600" cy="914400"/>
-          </a:xfrm>
-        </p:spPr>
-        <p:txBody>
-          <a:bodyPr>
-            <a:normAutofit/>
-          </a:bodyPr>
-          <a:lstStyle/>
-          <a:p>
-            <a:pPr algn="ctr"/>
-            <a:r>
-              <a:rPr lang="en-US" sz="5200" dirty="0"/>
-              <a:t>CONE NO MATTER CONTROL</a:t>
-            </a:r>
-          </a:p>
-        </p:txBody>
-      </p:sp>
-      <p:sp>
-        <p:nvSpPr>
-          <p:cNvPr id="3" name="Content Placeholder 2">
-            <a:extLst>
-              <a:ext uri="{FF2B5EF4-FFF2-40B4-BE49-F238E27FC236}">
-                <a16:creationId xmlns:a16="http://schemas.microsoft.com/office/drawing/2014/main" id="{9FBEF090-A937-45B5-9B5C-3EE68F05FDE7}"/>
-              </a:ext>
-            </a:extLst>
-          </p:cNvPr>
-          <p:cNvSpPr>
-            <a:spLocks noGrp="1"/>
-          </p:cNvSpPr>
-          <p:nvPr>
-            <p:ph idx="1"/>
-          </p:nvPr>
-        </p:nvSpPr>
-        <p:spPr>
-          <a:xfrm>
-            <a:off x="838200" y="1179443"/>
-            <a:ext cx="10515600" cy="5300870"/>
-          </a:xfrm>
-        </p:spPr>
-        <p:txBody>
-          <a:bodyPr/>
-          <a:lstStyle/>
-          <a:p>
-            <a:pPr marL="0" indent="0" algn="just">
-              <a:buNone/>
-            </a:pPr>
-            <a:r>
-              <a:rPr lang="en-US" dirty="0"/>
-              <a:t>	</a:t>
-            </a:r>
-          </a:p>
-          <a:p>
-            <a:pPr marL="0" indent="0" algn="just">
-              <a:buNone/>
-            </a:pPr>
-            <a:r>
-              <a:rPr lang="en-US" dirty="0"/>
-              <a:t>	O </a:t>
-            </a:r>
-            <a:r>
-              <a:rPr lang="en-US" dirty="0" err="1"/>
-              <a:t>MatterControl</a:t>
-            </a:r>
-            <a:r>
-              <a:rPr lang="en-US" dirty="0"/>
-              <a:t> </a:t>
-            </a:r>
-            <a:r>
-              <a:rPr lang="en-US" dirty="0" err="1"/>
-              <a:t>abstrai</a:t>
-            </a:r>
-            <a:r>
-              <a:rPr lang="en-US" dirty="0"/>
-              <a:t> um cone para o </a:t>
-            </a:r>
-            <a:r>
-              <a:rPr lang="en-US" dirty="0" err="1"/>
-              <a:t>modelo</a:t>
-            </a:r>
-            <a:r>
-              <a:rPr lang="en-US" dirty="0"/>
-              <a:t> digital. O </a:t>
-            </a:r>
-            <a:r>
-              <a:rPr lang="en-US" dirty="0" err="1"/>
-              <a:t>projetista</a:t>
-            </a:r>
-            <a:r>
-              <a:rPr lang="en-US" dirty="0"/>
-              <a:t> </a:t>
-            </a:r>
-            <a:r>
-              <a:rPr lang="en-US" dirty="0" err="1"/>
-              <a:t>pode</a:t>
-            </a:r>
-            <a:r>
-              <a:rPr lang="en-US" dirty="0"/>
-              <a:t> </a:t>
-            </a:r>
-            <a:r>
-              <a:rPr lang="en-US" dirty="0" err="1"/>
-              <a:t>criar</a:t>
-            </a:r>
-            <a:r>
-              <a:rPr lang="en-US" dirty="0"/>
-              <a:t> um cone </a:t>
-            </a:r>
-            <a:r>
-              <a:rPr lang="en-US" dirty="0" err="1"/>
-              <a:t>apenas</a:t>
-            </a:r>
-            <a:r>
-              <a:rPr lang="en-US" dirty="0"/>
-              <a:t> </a:t>
-            </a:r>
-            <a:r>
-              <a:rPr lang="en-US" dirty="0" err="1"/>
-              <a:t>informando</a:t>
-            </a:r>
-            <a:r>
-              <a:rPr lang="en-US" dirty="0"/>
-              <a:t>: </a:t>
-            </a:r>
-            <a:r>
-              <a:rPr lang="en-US" dirty="0" err="1"/>
-              <a:t>diâmetro</a:t>
-            </a:r>
-            <a:r>
-              <a:rPr lang="en-US" dirty="0"/>
-              <a:t>, </a:t>
-            </a:r>
-            <a:r>
-              <a:rPr lang="en-US" dirty="0" err="1"/>
-              <a:t>altura</a:t>
-            </a:r>
-            <a:r>
-              <a:rPr lang="en-US" dirty="0"/>
-              <a:t> e </a:t>
-            </a:r>
-            <a:r>
-              <a:rPr lang="en-US" dirty="0" err="1"/>
-              <a:t>os</a:t>
-            </a:r>
-            <a:r>
-              <a:rPr lang="en-US" dirty="0"/>
-              <a:t> </a:t>
-            </a:r>
-            <a:r>
-              <a:rPr lang="en-US" dirty="0" err="1"/>
-              <a:t>lados</a:t>
-            </a:r>
-            <a:r>
-              <a:rPr lang="en-US" dirty="0"/>
-              <a:t>.</a:t>
-            </a:r>
-          </a:p>
-        </p:txBody>
-      </p:sp>
-      <p:pic>
-        <p:nvPicPr>
-          <p:cNvPr id="5" name="Picture 4">
-            <a:extLst>
-              <a:ext uri="{FF2B5EF4-FFF2-40B4-BE49-F238E27FC236}">
-                <a16:creationId xmlns:a16="http://schemas.microsoft.com/office/drawing/2014/main" id="{306C39BD-67D7-4E2B-BBCC-C1A41EAEA66D}"/>
-              </a:ext>
-            </a:extLst>
-          </p:cNvPr>
-          <p:cNvPicPr>
-            <a:picLocks noChangeAspect="1"/>
-          </p:cNvPicPr>
-          <p:nvPr/>
-        </p:nvPicPr>
-        <p:blipFill>
-          <a:blip r:embed="rId2">
-            <a:extLst>
-              <a:ext uri="{28A0092B-C50C-407E-A947-70E740481C1C}">
-                <a14:useLocalDpi xmlns:a14="http://schemas.microsoft.com/office/drawing/2010/main" val="0"/>
-              </a:ext>
-            </a:extLst>
-          </a:blip>
-          <a:stretch>
-            <a:fillRect/>
-          </a:stretch>
-        </p:blipFill>
-        <p:spPr>
-          <a:xfrm>
-            <a:off x="4643235" y="3069887"/>
-            <a:ext cx="2905530" cy="3410426"/>
-          </a:xfrm>
-          <a:prstGeom prst="rect">
-            <a:avLst/>
-          </a:prstGeom>
-        </p:spPr>
-      </p:pic>
-    </p:spTree>
-    <p:extLst>
-      <p:ext uri="{BB962C8B-B14F-4D97-AF65-F5344CB8AC3E}">
-        <p14:creationId xmlns:p14="http://schemas.microsoft.com/office/powerpoint/2010/main" val="832853665"/>
-      </p:ext>
-    </p:extLst>
-  </p:cSld>
-  <p:clrMapOvr>
-    <a:masterClrMapping/>
-  </p:clrMapOvr>
-</p:sld>
-</file>
-
-<file path=ppt/slides/slide8.xml><?xml version="1.0" encoding="utf-8"?>
-<p:sld xmlns:a="http://schemas.openxmlformats.org/drawingml/2006/main" xmlns:r="http://schemas.openxmlformats.org/officeDocument/2006/relationships" xmlns:p="http://schemas.openxmlformats.org/presentationml/2006/main">
-  <p:cSld>
-    <p:spTree>
-      <p:nvGrpSpPr>
-        <p:cNvPr id="1" name=""/>
-        <p:cNvGrpSpPr/>
-        <p:nvPr/>
-      </p:nvGrpSpPr>
-      <p:grpSpPr>
-        <a:xfrm>
-          <a:off x="0" y="0"/>
-          <a:ext cx="0" cy="0"/>
-          <a:chOff x="0" y="0"/>
-          <a:chExt cx="0" cy="0"/>
-        </a:xfrm>
-      </p:grpSpPr>
-      <p:sp>
-        <p:nvSpPr>
-          <p:cNvPr id="2" name="Title 1">
-            <a:extLst>
-              <a:ext uri="{FF2B5EF4-FFF2-40B4-BE49-F238E27FC236}">
-                <a16:creationId xmlns:a16="http://schemas.microsoft.com/office/drawing/2014/main" id="{E5E8D1DA-2D7D-461A-8D8D-7CAF47675C62}"/>
-              </a:ext>
-            </a:extLst>
-          </p:cNvPr>
-          <p:cNvSpPr>
-            <a:spLocks noGrp="1"/>
-          </p:cNvSpPr>
-          <p:nvPr>
-            <p:ph type="title"/>
-          </p:nvPr>
-        </p:nvSpPr>
-        <p:spPr>
-          <a:xfrm>
-            <a:off x="838200" y="463826"/>
-            <a:ext cx="10515600" cy="821632"/>
-          </a:xfrm>
-        </p:spPr>
-        <p:txBody>
-          <a:bodyPr>
-            <a:noAutofit/>
-          </a:bodyPr>
-          <a:lstStyle/>
-          <a:p>
-            <a:pPr algn="ctr"/>
-            <a:r>
-              <a:rPr lang="en-US" sz="5200" dirty="0"/>
-              <a:t>COMO FORMAR UM CONE?</a:t>
-            </a:r>
-          </a:p>
-        </p:txBody>
-      </p:sp>
-      <p:sp>
-        <p:nvSpPr>
-          <p:cNvPr id="3" name="Content Placeholder 2">
-            <a:extLst>
-              <a:ext uri="{FF2B5EF4-FFF2-40B4-BE49-F238E27FC236}">
-                <a16:creationId xmlns:a16="http://schemas.microsoft.com/office/drawing/2014/main" id="{1AD0B689-0C60-4A96-A9F1-5037CE604970}"/>
-              </a:ext>
-            </a:extLst>
-          </p:cNvPr>
-          <p:cNvSpPr>
-            <a:spLocks noGrp="1"/>
-          </p:cNvSpPr>
-          <p:nvPr>
-            <p:ph idx="1"/>
-          </p:nvPr>
-        </p:nvSpPr>
-        <p:spPr>
-          <a:xfrm>
-            <a:off x="838200" y="874642"/>
-            <a:ext cx="10515600" cy="5685183"/>
-          </a:xfrm>
-        </p:spPr>
-        <p:txBody>
-          <a:bodyPr>
-            <a:normAutofit fontScale="92500" lnSpcReduction="10000"/>
-          </a:bodyPr>
-          <a:lstStyle/>
-          <a:p>
-            <a:pPr marL="0" indent="0">
-              <a:buNone/>
-            </a:pPr>
-            <a:r>
-              <a:rPr lang="en-US" dirty="0"/>
-              <a:t>	</a:t>
-            </a:r>
-          </a:p>
-          <a:p>
-            <a:pPr marL="0" indent="0">
-              <a:buNone/>
-            </a:pPr>
-            <a:r>
-              <a:rPr lang="en-US" dirty="0"/>
-              <a:t>	</a:t>
-            </a:r>
-          </a:p>
-          <a:p>
-            <a:pPr marL="0" indent="0">
-              <a:buNone/>
-            </a:pPr>
-            <a:r>
-              <a:rPr lang="en-US" dirty="0"/>
-              <a:t>	Um cone no </a:t>
-            </a:r>
-            <a:r>
-              <a:rPr lang="en-US" dirty="0" err="1"/>
-              <a:t>MatterControl</a:t>
-            </a:r>
-            <a:r>
-              <a:rPr lang="en-US" dirty="0"/>
-              <a:t> </a:t>
-            </a:r>
-            <a:r>
-              <a:rPr lang="en-US" dirty="0" err="1"/>
-              <a:t>pode</a:t>
-            </a:r>
-            <a:r>
-              <a:rPr lang="en-US" dirty="0"/>
-              <a:t> ser </a:t>
-            </a:r>
-            <a:r>
-              <a:rPr lang="en-US" dirty="0" err="1"/>
-              <a:t>formado</a:t>
-            </a:r>
-            <a:r>
-              <a:rPr lang="en-US" dirty="0"/>
-              <a:t> </a:t>
-            </a:r>
-            <a:r>
-              <a:rPr lang="en-US" dirty="0" err="1"/>
-              <a:t>seguindo</a:t>
-            </a:r>
-            <a:r>
-              <a:rPr lang="en-US" dirty="0"/>
-              <a:t> </a:t>
-            </a:r>
-            <a:r>
-              <a:rPr lang="en-US" dirty="0" err="1"/>
-              <a:t>os</a:t>
-            </a:r>
-            <a:r>
-              <a:rPr lang="en-US" dirty="0"/>
-              <a:t> </a:t>
-            </a:r>
-            <a:r>
-              <a:rPr lang="en-US" dirty="0" err="1"/>
-              <a:t>seguintes</a:t>
-            </a:r>
-            <a:r>
-              <a:rPr lang="en-US" dirty="0"/>
-              <a:t> </a:t>
-            </a:r>
-            <a:r>
-              <a:rPr lang="en-US" dirty="0" err="1"/>
-              <a:t>valores</a:t>
-            </a:r>
-            <a:r>
-              <a:rPr lang="en-US" dirty="0"/>
-              <a:t>:</a:t>
-            </a:r>
-          </a:p>
-          <a:p>
-            <a:pPr marL="0" indent="0">
-              <a:buNone/>
-            </a:pPr>
-            <a:endParaRPr lang="en-US" dirty="0"/>
-          </a:p>
-          <a:p>
-            <a:pPr marL="0" indent="0">
-              <a:buNone/>
-            </a:pPr>
-            <a:endParaRPr lang="en-US" dirty="0"/>
-          </a:p>
-          <a:p>
-            <a:pPr marL="0" indent="0">
-              <a:buNone/>
-            </a:pPr>
-            <a:endParaRPr lang="en-US" dirty="0"/>
-          </a:p>
-          <a:p>
-            <a:pPr marL="0" indent="0">
-              <a:buNone/>
-            </a:pPr>
-            <a:endParaRPr lang="en-US" dirty="0"/>
-          </a:p>
-          <a:p>
-            <a:pPr marL="0" indent="0">
-              <a:buNone/>
-            </a:pPr>
-            <a:endParaRPr lang="en-US" dirty="0"/>
-          </a:p>
-          <a:p>
-            <a:pPr marL="0" indent="0">
-              <a:buNone/>
-            </a:pPr>
-            <a:endParaRPr lang="en-US" dirty="0"/>
-          </a:p>
-          <a:p>
-            <a:pPr marL="0" indent="0">
-              <a:buNone/>
-            </a:pPr>
-            <a:endParaRPr lang="en-US" dirty="0"/>
-          </a:p>
-          <a:p>
-            <a:pPr marL="0" indent="0">
-              <a:buNone/>
-            </a:pPr>
-            <a:endParaRPr lang="en-US" dirty="0"/>
-          </a:p>
-          <a:p>
-            <a:pPr marL="0" indent="0">
-              <a:buNone/>
-            </a:pPr>
-            <a:r>
-              <a:rPr lang="en-US" dirty="0" err="1"/>
-              <a:t>diâmetro</a:t>
-            </a:r>
-            <a:r>
-              <a:rPr lang="en-US" dirty="0"/>
-              <a:t> – </a:t>
-            </a:r>
-            <a:r>
-              <a:rPr lang="en-US" dirty="0" err="1"/>
-              <a:t>diemeter</a:t>
-            </a:r>
-            <a:r>
-              <a:rPr lang="en-US" dirty="0"/>
-              <a:t>, height – </a:t>
-            </a:r>
-            <a:r>
-              <a:rPr lang="en-US" dirty="0" err="1"/>
-              <a:t>altura</a:t>
-            </a:r>
-            <a:r>
-              <a:rPr lang="en-US" dirty="0"/>
-              <a:t>, slides - </a:t>
-            </a:r>
-            <a:r>
-              <a:rPr lang="en-US" dirty="0" err="1"/>
-              <a:t>lados</a:t>
-            </a:r>
-            <a:endParaRPr lang="en-US" dirty="0"/>
-          </a:p>
-        </p:txBody>
-      </p:sp>
-      <p:pic>
-        <p:nvPicPr>
-          <p:cNvPr id="7" name="Picture 6">
-            <a:extLst>
-              <a:ext uri="{FF2B5EF4-FFF2-40B4-BE49-F238E27FC236}">
-                <a16:creationId xmlns:a16="http://schemas.microsoft.com/office/drawing/2014/main" id="{DF597E54-2675-4914-A157-E1998B95BF65}"/>
-              </a:ext>
-            </a:extLst>
-          </p:cNvPr>
-          <p:cNvPicPr>
-            <a:picLocks noChangeAspect="1"/>
-          </p:cNvPicPr>
-          <p:nvPr/>
-        </p:nvPicPr>
-        <p:blipFill>
-          <a:blip r:embed="rId2">
-            <a:extLst>
-              <a:ext uri="{28A0092B-C50C-407E-A947-70E740481C1C}">
-                <a14:useLocalDpi xmlns:a14="http://schemas.microsoft.com/office/drawing/2010/main" val="0"/>
-              </a:ext>
-            </a:extLst>
-          </a:blip>
-          <a:stretch>
-            <a:fillRect/>
-          </a:stretch>
-        </p:blipFill>
-        <p:spPr>
-          <a:xfrm>
-            <a:off x="3320961" y="2856864"/>
-            <a:ext cx="5550078" cy="2442983"/>
-          </a:xfrm>
-          <a:prstGeom prst="rect">
-            <a:avLst/>
-          </a:prstGeom>
-        </p:spPr>
-      </p:pic>
-    </p:spTree>
-    <p:extLst>
-      <p:ext uri="{BB962C8B-B14F-4D97-AF65-F5344CB8AC3E}">
-        <p14:creationId xmlns:p14="http://schemas.microsoft.com/office/powerpoint/2010/main" val="490236218"/>
-      </p:ext>
-    </p:extLst>
-  </p:cSld>
-  <p:clrMapOvr>
-    <a:masterClrMapping/>
-  </p:clrMapOvr>
-</p:sld>
-</file>
-
-<file path=ppt/slides/slide9.xml><?xml version="1.0" encoding="utf-8"?>
-<p:sld xmlns:a="http://schemas.openxmlformats.org/drawingml/2006/main" xmlns:r="http://schemas.openxmlformats.org/officeDocument/2006/relationships" xmlns:p="http://schemas.openxmlformats.org/presentationml/2006/main">
-  <p:cSld>
-    <p:spTree>
-      <p:nvGrpSpPr>
-        <p:cNvPr id="1" name=""/>
-        <p:cNvGrpSpPr/>
-        <p:nvPr/>
-      </p:nvGrpSpPr>
-      <p:grpSpPr>
-        <a:xfrm>
-          <a:off x="0" y="0"/>
-          <a:ext cx="0" cy="0"/>
-          <a:chOff x="0" y="0"/>
-          <a:chExt cx="0" cy="0"/>
-        </a:xfrm>
-      </p:grpSpPr>
-      <p:sp>
-        <p:nvSpPr>
-          <p:cNvPr id="2" name="Title 1">
-            <a:extLst>
-              <a:ext uri="{FF2B5EF4-FFF2-40B4-BE49-F238E27FC236}">
-                <a16:creationId xmlns:a16="http://schemas.microsoft.com/office/drawing/2014/main" id="{E5E8D1DA-2D7D-461A-8D8D-7CAF47675C62}"/>
-              </a:ext>
-            </a:extLst>
-          </p:cNvPr>
-          <p:cNvSpPr>
-            <a:spLocks noGrp="1"/>
-          </p:cNvSpPr>
-          <p:nvPr>
-            <p:ph type="title"/>
-          </p:nvPr>
-        </p:nvSpPr>
-        <p:spPr>
-          <a:xfrm>
-            <a:off x="838200" y="463826"/>
-            <a:ext cx="10515600" cy="821632"/>
-          </a:xfrm>
-        </p:spPr>
-        <p:txBody>
-          <a:bodyPr>
-            <a:noAutofit/>
-          </a:bodyPr>
-          <a:lstStyle/>
-          <a:p>
-            <a:pPr algn="ctr"/>
-            <a:r>
-              <a:rPr lang="en-US" sz="5200" dirty="0"/>
-              <a:t>PROJETO CONE DE TRÂNSITO</a:t>
-            </a:r>
-          </a:p>
-        </p:txBody>
-      </p:sp>
-      <p:sp>
-        <p:nvSpPr>
-          <p:cNvPr id="3" name="Content Placeholder 2">
-            <a:extLst>
-              <a:ext uri="{FF2B5EF4-FFF2-40B4-BE49-F238E27FC236}">
-                <a16:creationId xmlns:a16="http://schemas.microsoft.com/office/drawing/2014/main" id="{1AD0B689-0C60-4A96-A9F1-5037CE604970}"/>
-              </a:ext>
-            </a:extLst>
-          </p:cNvPr>
-          <p:cNvSpPr>
-            <a:spLocks noGrp="1"/>
-          </p:cNvSpPr>
-          <p:nvPr>
-            <p:ph idx="1"/>
-          </p:nvPr>
-        </p:nvSpPr>
-        <p:spPr>
-          <a:xfrm>
-            <a:off x="838200" y="1285458"/>
-            <a:ext cx="10515600" cy="5274367"/>
-          </a:xfrm>
-        </p:spPr>
-        <p:txBody>
-          <a:bodyPr>
-            <a:normAutofit/>
-          </a:bodyPr>
-          <a:lstStyle/>
-          <a:p>
-            <a:pPr marL="0" indent="0">
-              <a:buNone/>
-            </a:pPr>
-            <a:r>
-              <a:rPr lang="en-US" dirty="0"/>
-              <a:t>	</a:t>
-            </a:r>
-          </a:p>
-          <a:p>
-            <a:pPr marL="0" indent="0">
-              <a:buNone/>
-            </a:pPr>
-            <a:r>
-              <a:rPr lang="en-US" dirty="0"/>
-              <a:t>Este </a:t>
-            </a:r>
-            <a:r>
-              <a:rPr lang="en-US" dirty="0" err="1"/>
-              <a:t>projeto</a:t>
-            </a:r>
-            <a:r>
-              <a:rPr lang="en-US" dirty="0"/>
-              <a:t> </a:t>
-            </a:r>
-            <a:r>
-              <a:rPr lang="en-US" dirty="0" err="1"/>
-              <a:t>lembra</a:t>
-            </a:r>
-            <a:r>
-              <a:rPr lang="en-US" dirty="0"/>
-              <a:t> um cone de </a:t>
-            </a:r>
-            <a:r>
-              <a:rPr lang="en-US" dirty="0" err="1"/>
-              <a:t>trânsito</a:t>
-            </a:r>
-            <a:r>
-              <a:rPr lang="en-US" dirty="0"/>
-              <a:t>.</a:t>
-            </a:r>
-          </a:p>
-          <a:p>
-            <a:pPr marL="0" indent="0">
-              <a:buNone/>
-            </a:pPr>
-            <a:endParaRPr lang="en-US" dirty="0"/>
-          </a:p>
-          <a:p>
-            <a:pPr marL="0" indent="0">
-              <a:buNone/>
-            </a:pPr>
-            <a:endParaRPr lang="en-US" dirty="0"/>
-          </a:p>
-          <a:p>
-            <a:pPr marL="0" indent="0">
-              <a:buNone/>
-            </a:pPr>
-            <a:endParaRPr lang="en-US" dirty="0"/>
-          </a:p>
-          <a:p>
-            <a:pPr marL="0" indent="0">
-              <a:buNone/>
-            </a:pPr>
-            <a:endParaRPr lang="en-US" dirty="0"/>
-          </a:p>
-          <a:p>
-            <a:pPr marL="0" indent="0">
-              <a:buNone/>
-            </a:pPr>
-            <a:endParaRPr lang="en-US" dirty="0"/>
-          </a:p>
-          <a:p>
-            <a:pPr marL="0" indent="0">
-              <a:buNone/>
-            </a:pPr>
-            <a:endParaRPr lang="en-US" dirty="0"/>
-          </a:p>
-          <a:p>
-            <a:pPr marL="0" indent="0">
-              <a:buNone/>
-            </a:pPr>
-            <a:endParaRPr lang="en-US" dirty="0"/>
-          </a:p>
-        </p:txBody>
-      </p:sp>
-      <p:pic>
-        <p:nvPicPr>
-          <p:cNvPr id="5" name="Picture 4">
-            <a:extLst>
-              <a:ext uri="{FF2B5EF4-FFF2-40B4-BE49-F238E27FC236}">
-                <a16:creationId xmlns:a16="http://schemas.microsoft.com/office/drawing/2014/main" id="{6382BB05-70B9-4AE9-9513-A414D79A912C}"/>
-              </a:ext>
-            </a:extLst>
-          </p:cNvPr>
-          <p:cNvPicPr>
-            <a:picLocks noChangeAspect="1"/>
-          </p:cNvPicPr>
-          <p:nvPr/>
-        </p:nvPicPr>
-        <p:blipFill>
-          <a:blip r:embed="rId2">
-            <a:extLst>
-              <a:ext uri="{28A0092B-C50C-407E-A947-70E740481C1C}">
-                <a14:useLocalDpi xmlns:a14="http://schemas.microsoft.com/office/drawing/2010/main" val="0"/>
-              </a:ext>
-            </a:extLst>
-          </a:blip>
-          <a:stretch>
-            <a:fillRect/>
-          </a:stretch>
-        </p:blipFill>
-        <p:spPr>
-          <a:xfrm>
-            <a:off x="4165977" y="2457406"/>
-            <a:ext cx="3860045" cy="4102419"/>
-          </a:xfrm>
-          <a:prstGeom prst="rect">
-            <a:avLst/>
-          </a:prstGeom>
-        </p:spPr>
-      </p:pic>
-    </p:spTree>
-    <p:extLst>
-      <p:ext uri="{BB962C8B-B14F-4D97-AF65-F5344CB8AC3E}">
-        <p14:creationId xmlns:p14="http://schemas.microsoft.com/office/powerpoint/2010/main" val="3115940183"/>
       </p:ext>
     </p:extLst>
   </p:cSld>

--- a/Curso/Fundamentos de impressão 3D - Objetos.pptx
+++ b/Curso/Fundamentos de impressão 3D - Objetos.pptx
@@ -1,30 +1,40 @@
 
 <file path=ppt/presentation.xml><?xml version="1.0" encoding="utf-8"?>
-<p:presentation xmlns:a="http://schemas.openxmlformats.org/drawingml/2006/main" xmlns:r="http://schemas.openxmlformats.org/officeDocument/2006/relationships" xmlns:p="http://schemas.openxmlformats.org/presentationml/2006/main" saveSubsetFonts="1">
+<p:presentation xmlns:a="http://schemas.openxmlformats.org/drawingml/2006/main" xmlns:r="http://schemas.openxmlformats.org/officeDocument/2006/relationships" xmlns:p="http://schemas.openxmlformats.org/presentationml/2006/main">
   <p:sldMasterIdLst>
     <p:sldMasterId id="2147483648" r:id="rId1"/>
   </p:sldMasterIdLst>
+  <p:notesMasterIdLst>
+    <p:notesMasterId r:id="rId23"/>
+  </p:notesMasterIdLst>
   <p:sldIdLst>
-    <p:sldId id="256" r:id="rId2"/>
-    <p:sldId id="261" r:id="rId3"/>
-    <p:sldId id="262" r:id="rId4"/>
-    <p:sldId id="268" r:id="rId5"/>
-    <p:sldId id="258" r:id="rId6"/>
-    <p:sldId id="259" r:id="rId7"/>
-    <p:sldId id="267" r:id="rId8"/>
-    <p:sldId id="264" r:id="rId9"/>
-    <p:sldId id="265" r:id="rId10"/>
-    <p:sldId id="269" r:id="rId11"/>
-    <p:sldId id="271" r:id="rId12"/>
-    <p:sldId id="270" r:id="rId13"/>
-    <p:sldId id="272" r:id="rId14"/>
-    <p:sldId id="273" r:id="rId15"/>
-    <p:sldId id="274" r:id="rId16"/>
-    <p:sldId id="276" r:id="rId17"/>
-    <p:sldId id="277" r:id="rId18"/>
-    <p:sldId id="278" r:id="rId19"/>
-    <p:sldId id="275" r:id="rId20"/>
-    <p:sldId id="266" r:id="rId21"/>
+    <p:sldId id="256" r:id="rId3"/>
+    <p:sldId id="261" r:id="rId4"/>
+    <p:sldId id="262" r:id="rId5"/>
+    <p:sldId id="268" r:id="rId6"/>
+    <p:sldId id="258" r:id="rId7"/>
+    <p:sldId id="259" r:id="rId8"/>
+    <p:sldId id="267" r:id="rId9"/>
+    <p:sldId id="264" r:id="rId10"/>
+    <p:sldId id="265" r:id="rId11"/>
+    <p:sldId id="269" r:id="rId12"/>
+    <p:sldId id="271" r:id="rId13"/>
+    <p:sldId id="287" r:id="rId14"/>
+    <p:sldId id="270" r:id="rId15"/>
+    <p:sldId id="272" r:id="rId16"/>
+    <p:sldId id="273" r:id="rId17"/>
+    <p:sldId id="274" r:id="rId18"/>
+    <p:sldId id="276" r:id="rId19"/>
+    <p:sldId id="277" r:id="rId20"/>
+    <p:sldId id="278" r:id="rId21"/>
+    <p:sldId id="297" r:id="rId22"/>
+    <p:sldId id="298" r:id="rId24"/>
+    <p:sldId id="299" r:id="rId25"/>
+    <p:sldId id="300" r:id="rId26"/>
+    <p:sldId id="301" r:id="rId27"/>
+    <p:sldId id="303" r:id="rId28"/>
+    <p:sldId id="275" r:id="rId29"/>
+    <p:sldId id="266" r:id="rId30"/>
   </p:sldIdLst>
   <p:sldSz cx="12192000" cy="6858000"/>
   <p:notesSz cx="6858000" cy="9144000"/>
@@ -124,11 +134,446 @@
     </a:lvl9pPr>
   </p:defaultTextStyle>
   <p:extLst>
-    <p:ext uri="{EFAFB233-063F-42B5-8137-9DF3F51BA10A}">
-      <p15:sldGuideLst xmlns:p15="http://schemas.microsoft.com/office/powerpoint/2012/main"/>
+    <p:ext uri="{505F2C04-C923-438B-8C0F-E0CD2BADF298}">
+      <wppc:fontMiss xmlns:wppc="http://www.wps.cn/officeDocument/PresentationCustomData" type="true"/>
     </p:ext>
   </p:extLst>
 </p:presentation>
+</file>
+
+<file path=ppt/notesMasters/notesMaster1.xml><?xml version="1.0" encoding="utf-8"?>
+<p:notesMaster xmlns:a="http://schemas.openxmlformats.org/drawingml/2006/main" xmlns:r="http://schemas.openxmlformats.org/officeDocument/2006/relationships" xmlns:p="http://schemas.openxmlformats.org/presentationml/2006/main">
+  <p:cSld>
+    <p:bg>
+      <p:bgRef idx="1001">
+        <a:schemeClr val="bg1"/>
+      </p:bgRef>
+    </p:bg>
+    <p:spTree>
+      <p:nvGrpSpPr>
+        <p:cNvPr id="1" name=""/>
+        <p:cNvGrpSpPr/>
+        <p:nvPr/>
+      </p:nvGrpSpPr>
+      <p:grpSpPr>
+        <a:xfrm>
+          <a:off x="0" y="0"/>
+          <a:ext cx="0" cy="0"/>
+          <a:chOff x="0" y="0"/>
+          <a:chExt cx="0" cy="0"/>
+        </a:xfrm>
+      </p:grpSpPr>
+      <p:sp>
+        <p:nvSpPr>
+          <p:cNvPr id="2" name="Header Placeholder 1"/>
+          <p:cNvSpPr>
+            <a:spLocks noGrp="1"/>
+          </p:cNvSpPr>
+          <p:nvPr>
+            <p:ph type="hdr" sz="quarter"/>
+          </p:nvPr>
+        </p:nvSpPr>
+        <p:spPr>
+          <a:xfrm>
+            <a:off x="0" y="0"/>
+            <a:ext cx="2971800" cy="458788"/>
+          </a:xfrm>
+          <a:prstGeom prst="rect">
+            <a:avLst/>
+          </a:prstGeom>
+        </p:spPr>
+        <p:txBody>
+          <a:bodyPr vert="horz" lIns="91440" tIns="45720" rIns="91440" bIns="45720" rtlCol="0"/>
+          <a:lstStyle>
+            <a:lvl1pPr algn="l">
+              <a:defRPr sz="1200"/>
+            </a:lvl1pPr>
+          </a:lstStyle>
+          <a:p>
+            <a:endParaRPr lang="en-US"/>
+          </a:p>
+        </p:txBody>
+      </p:sp>
+      <p:sp>
+        <p:nvSpPr>
+          <p:cNvPr id="3" name="Date Placeholder 2"/>
+          <p:cNvSpPr>
+            <a:spLocks noGrp="1"/>
+          </p:cNvSpPr>
+          <p:nvPr>
+            <p:ph type="dt" idx="1"/>
+          </p:nvPr>
+        </p:nvSpPr>
+        <p:spPr>
+          <a:xfrm>
+            <a:off x="3884613" y="0"/>
+            <a:ext cx="2971800" cy="458788"/>
+          </a:xfrm>
+          <a:prstGeom prst="rect">
+            <a:avLst/>
+          </a:prstGeom>
+        </p:spPr>
+        <p:txBody>
+          <a:bodyPr vert="horz" lIns="91440" tIns="45720" rIns="91440" bIns="45720" rtlCol="0"/>
+          <a:lstStyle>
+            <a:lvl1pPr algn="r">
+              <a:defRPr sz="1200"/>
+            </a:lvl1pPr>
+          </a:lstStyle>
+          <a:p>
+            <a:fld id="{3EFD42F7-718C-4B98-AAEC-167E6DDD60A7}" type="datetimeFigureOut">
+              <a:rPr lang="en-US" smtClean="0"/>
+            </a:fld>
+            <a:endParaRPr lang="en-US"/>
+          </a:p>
+        </p:txBody>
+      </p:sp>
+      <p:sp>
+        <p:nvSpPr>
+          <p:cNvPr id="4" name="Slide Image Placeholder 3"/>
+          <p:cNvSpPr>
+            <a:spLocks noGrp="1" noRot="1" noChangeAspect="1"/>
+          </p:cNvSpPr>
+          <p:nvPr>
+            <p:ph type="sldImg" idx="2"/>
+          </p:nvPr>
+        </p:nvSpPr>
+        <p:spPr>
+          <a:xfrm>
+            <a:off x="685800" y="1143000"/>
+            <a:ext cx="5486400" cy="3086100"/>
+          </a:xfrm>
+          <a:prstGeom prst="rect">
+            <a:avLst/>
+          </a:prstGeom>
+          <a:noFill/>
+          <a:ln w="12700">
+            <a:solidFill>
+              <a:prstClr val="black"/>
+            </a:solidFill>
+          </a:ln>
+        </p:spPr>
+        <p:txBody>
+          <a:bodyPr vert="horz" lIns="91440" tIns="45720" rIns="91440" bIns="45720" rtlCol="0" anchor="ctr"/>
+          <a:lstStyle/>
+          <a:p>
+            <a:endParaRPr lang="en-US"/>
+          </a:p>
+        </p:txBody>
+      </p:sp>
+      <p:sp>
+        <p:nvSpPr>
+          <p:cNvPr id="5" name="Notes Placeholder 4"/>
+          <p:cNvSpPr>
+            <a:spLocks noGrp="1"/>
+          </p:cNvSpPr>
+          <p:nvPr>
+            <p:ph type="body" sz="quarter" idx="3"/>
+          </p:nvPr>
+        </p:nvSpPr>
+        <p:spPr>
+          <a:xfrm>
+            <a:off x="685800" y="4400550"/>
+            <a:ext cx="5486400" cy="3600450"/>
+          </a:xfrm>
+          <a:prstGeom prst="rect">
+            <a:avLst/>
+          </a:prstGeom>
+        </p:spPr>
+        <p:txBody>
+          <a:bodyPr vert="horz" lIns="91440" tIns="45720" rIns="91440" bIns="45720" rtlCol="0"/>
+          <a:lstStyle/>
+          <a:p>
+            <a:pPr lvl="0"/>
+            <a:r>
+              <a:rPr lang="en-US" smtClean="0"/>
+              <a:t>Click to edit Master text styles</a:t>
+            </a:r>
+            <a:endParaRPr lang="en-US" smtClean="0"/>
+          </a:p>
+          <a:p>
+            <a:pPr lvl="1"/>
+            <a:r>
+              <a:rPr lang="en-US" smtClean="0"/>
+              <a:t>Second level</a:t>
+            </a:r>
+            <a:endParaRPr lang="en-US" smtClean="0"/>
+          </a:p>
+          <a:p>
+            <a:pPr lvl="2"/>
+            <a:r>
+              <a:rPr lang="en-US" smtClean="0"/>
+              <a:t>Third level</a:t>
+            </a:r>
+            <a:endParaRPr lang="en-US" smtClean="0"/>
+          </a:p>
+          <a:p>
+            <a:pPr lvl="3"/>
+            <a:r>
+              <a:rPr lang="en-US" smtClean="0"/>
+              <a:t>Fourth level</a:t>
+            </a:r>
+            <a:endParaRPr lang="en-US" smtClean="0"/>
+          </a:p>
+          <a:p>
+            <a:pPr lvl="4"/>
+            <a:r>
+              <a:rPr lang="en-US" smtClean="0"/>
+              <a:t>Fifth level</a:t>
+            </a:r>
+            <a:endParaRPr lang="en-US"/>
+          </a:p>
+        </p:txBody>
+      </p:sp>
+      <p:sp>
+        <p:nvSpPr>
+          <p:cNvPr id="6" name="Footer Placeholder 5"/>
+          <p:cNvSpPr>
+            <a:spLocks noGrp="1"/>
+          </p:cNvSpPr>
+          <p:nvPr>
+            <p:ph type="ftr" sz="quarter" idx="4"/>
+          </p:nvPr>
+        </p:nvSpPr>
+        <p:spPr>
+          <a:xfrm>
+            <a:off x="0" y="8685213"/>
+            <a:ext cx="2971800" cy="458787"/>
+          </a:xfrm>
+          <a:prstGeom prst="rect">
+            <a:avLst/>
+          </a:prstGeom>
+        </p:spPr>
+        <p:txBody>
+          <a:bodyPr vert="horz" lIns="91440" tIns="45720" rIns="91440" bIns="45720" rtlCol="0" anchor="b"/>
+          <a:lstStyle>
+            <a:lvl1pPr algn="l">
+              <a:defRPr sz="1200"/>
+            </a:lvl1pPr>
+          </a:lstStyle>
+          <a:p>
+            <a:endParaRPr lang="en-US"/>
+          </a:p>
+        </p:txBody>
+      </p:sp>
+      <p:sp>
+        <p:nvSpPr>
+          <p:cNvPr id="7" name="Slide Number Placeholder 6"/>
+          <p:cNvSpPr>
+            <a:spLocks noGrp="1"/>
+          </p:cNvSpPr>
+          <p:nvPr>
+            <p:ph type="sldNum" sz="quarter" idx="5"/>
+          </p:nvPr>
+        </p:nvSpPr>
+        <p:spPr>
+          <a:xfrm>
+            <a:off x="3884613" y="8685213"/>
+            <a:ext cx="2971800" cy="458787"/>
+          </a:xfrm>
+          <a:prstGeom prst="rect">
+            <a:avLst/>
+          </a:prstGeom>
+        </p:spPr>
+        <p:txBody>
+          <a:bodyPr vert="horz" lIns="91440" tIns="45720" rIns="91440" bIns="45720" rtlCol="0" anchor="b"/>
+          <a:lstStyle>
+            <a:lvl1pPr algn="r">
+              <a:defRPr sz="1200"/>
+            </a:lvl1pPr>
+          </a:lstStyle>
+          <a:p>
+            <a:fld id="{21B2AA4F-B828-4D7C-AFD3-893933DAFCB4}" type="slidenum">
+              <a:rPr lang="en-US" smtClean="0"/>
+            </a:fld>
+            <a:endParaRPr lang="en-US"/>
+          </a:p>
+        </p:txBody>
+      </p:sp>
+    </p:spTree>
+  </p:cSld>
+  <p:clrMap bg1="lt1" tx1="dk1" bg2="lt2" tx2="dk2" accent1="accent1" accent2="accent2" accent3="accent3" accent4="accent4" accent5="accent5" accent6="accent6" hlink="hlink" folHlink="folHlink"/>
+  <p:notesStyle>
+    <a:lvl1pPr marL="0" algn="l" defTabSz="914400" rtl="0" eaLnBrk="1" latinLnBrk="0" hangingPunct="1">
+      <a:defRPr sz="1200" kern="1200">
+        <a:solidFill>
+          <a:schemeClr val="tx1"/>
+        </a:solidFill>
+        <a:latin typeface="+mn-lt"/>
+        <a:ea typeface="+mn-ea"/>
+        <a:cs typeface="+mn-cs"/>
+      </a:defRPr>
+    </a:lvl1pPr>
+    <a:lvl2pPr marL="457200" algn="l" defTabSz="914400" rtl="0" eaLnBrk="1" latinLnBrk="0" hangingPunct="1">
+      <a:defRPr sz="1200" kern="1200">
+        <a:solidFill>
+          <a:schemeClr val="tx1"/>
+        </a:solidFill>
+        <a:latin typeface="+mn-lt"/>
+        <a:ea typeface="+mn-ea"/>
+        <a:cs typeface="+mn-cs"/>
+      </a:defRPr>
+    </a:lvl2pPr>
+    <a:lvl3pPr marL="914400" algn="l" defTabSz="914400" rtl="0" eaLnBrk="1" latinLnBrk="0" hangingPunct="1">
+      <a:defRPr sz="1200" kern="1200">
+        <a:solidFill>
+          <a:schemeClr val="tx1"/>
+        </a:solidFill>
+        <a:latin typeface="+mn-lt"/>
+        <a:ea typeface="+mn-ea"/>
+        <a:cs typeface="+mn-cs"/>
+      </a:defRPr>
+    </a:lvl3pPr>
+    <a:lvl4pPr marL="1371600" algn="l" defTabSz="914400" rtl="0" eaLnBrk="1" latinLnBrk="0" hangingPunct="1">
+      <a:defRPr sz="1200" kern="1200">
+        <a:solidFill>
+          <a:schemeClr val="tx1"/>
+        </a:solidFill>
+        <a:latin typeface="+mn-lt"/>
+        <a:ea typeface="+mn-ea"/>
+        <a:cs typeface="+mn-cs"/>
+      </a:defRPr>
+    </a:lvl4pPr>
+    <a:lvl5pPr marL="1828800" algn="l" defTabSz="914400" rtl="0" eaLnBrk="1" latinLnBrk="0" hangingPunct="1">
+      <a:defRPr sz="1200" kern="1200">
+        <a:solidFill>
+          <a:schemeClr val="tx1"/>
+        </a:solidFill>
+        <a:latin typeface="+mn-lt"/>
+        <a:ea typeface="+mn-ea"/>
+        <a:cs typeface="+mn-cs"/>
+      </a:defRPr>
+    </a:lvl5pPr>
+    <a:lvl6pPr marL="2286000" algn="l" defTabSz="914400" rtl="0" eaLnBrk="1" latinLnBrk="0" hangingPunct="1">
+      <a:defRPr sz="1200" kern="1200">
+        <a:solidFill>
+          <a:schemeClr val="tx1"/>
+        </a:solidFill>
+        <a:latin typeface="+mn-lt"/>
+        <a:ea typeface="+mn-ea"/>
+        <a:cs typeface="+mn-cs"/>
+      </a:defRPr>
+    </a:lvl6pPr>
+    <a:lvl7pPr marL="2743200" algn="l" defTabSz="914400" rtl="0" eaLnBrk="1" latinLnBrk="0" hangingPunct="1">
+      <a:defRPr sz="1200" kern="1200">
+        <a:solidFill>
+          <a:schemeClr val="tx1"/>
+        </a:solidFill>
+        <a:latin typeface="+mn-lt"/>
+        <a:ea typeface="+mn-ea"/>
+        <a:cs typeface="+mn-cs"/>
+      </a:defRPr>
+    </a:lvl7pPr>
+    <a:lvl8pPr marL="3200400" algn="l" defTabSz="914400" rtl="0" eaLnBrk="1" latinLnBrk="0" hangingPunct="1">
+      <a:defRPr sz="1200" kern="1200">
+        <a:solidFill>
+          <a:schemeClr val="tx1"/>
+        </a:solidFill>
+        <a:latin typeface="+mn-lt"/>
+        <a:ea typeface="+mn-ea"/>
+        <a:cs typeface="+mn-cs"/>
+      </a:defRPr>
+    </a:lvl8pPr>
+    <a:lvl9pPr marL="3657600" algn="l" defTabSz="914400" rtl="0" eaLnBrk="1" latinLnBrk="0" hangingPunct="1">
+      <a:defRPr sz="1200" kern="1200">
+        <a:solidFill>
+          <a:schemeClr val="tx1"/>
+        </a:solidFill>
+        <a:latin typeface="+mn-lt"/>
+        <a:ea typeface="+mn-ea"/>
+        <a:cs typeface="+mn-cs"/>
+      </a:defRPr>
+    </a:lvl9pPr>
+  </p:notesStyle>
+</p:notesMaster>
+</file>
+
+<file path=ppt/notesSlides/notesSlide1.xml><?xml version="1.0" encoding="utf-8"?>
+<p:notes xmlns:a="http://schemas.openxmlformats.org/drawingml/2006/main" xmlns:r="http://schemas.openxmlformats.org/officeDocument/2006/relationships" xmlns:p="http://schemas.openxmlformats.org/presentationml/2006/main">
+  <p:cSld>
+    <p:spTree>
+      <p:nvGrpSpPr>
+        <p:cNvPr id="1" name=""/>
+        <p:cNvGrpSpPr/>
+        <p:nvPr/>
+      </p:nvGrpSpPr>
+      <p:grpSpPr/>
+      <p:sp>
+        <p:nvSpPr>
+          <p:cNvPr id="2" name="Slide Image Placeholder 1"/>
+          <p:cNvSpPr/>
+          <p:nvPr>
+            <p:ph type="sldImg" idx="2"/>
+          </p:nvPr>
+        </p:nvSpPr>
+        <p:spPr/>
+      </p:sp>
+      <p:sp>
+        <p:nvSpPr>
+          <p:cNvPr id="3" name="Text Placeholder 2"/>
+          <p:cNvSpPr/>
+          <p:nvPr>
+            <p:ph type="body" idx="3"/>
+          </p:nvPr>
+        </p:nvSpPr>
+        <p:spPr/>
+        <p:txBody>
+          <a:bodyPr/>
+          <a:p>
+            <a:endParaRPr lang="en-US"/>
+          </a:p>
+        </p:txBody>
+      </p:sp>
+    </p:spTree>
+  </p:cSld>
+  <p:clrMapOvr>
+    <a:masterClrMapping/>
+  </p:clrMapOvr>
+</p:notes>
+</file>
+
+<file path=ppt/notesSlides/notesSlide2.xml><?xml version="1.0" encoding="utf-8"?>
+<p:notes xmlns:a="http://schemas.openxmlformats.org/drawingml/2006/main" xmlns:r="http://schemas.openxmlformats.org/officeDocument/2006/relationships" xmlns:p="http://schemas.openxmlformats.org/presentationml/2006/main">
+  <p:cSld>
+    <p:spTree>
+      <p:nvGrpSpPr>
+        <p:cNvPr id="1" name=""/>
+        <p:cNvGrpSpPr/>
+        <p:nvPr/>
+      </p:nvGrpSpPr>
+      <p:grpSpPr/>
+      <p:sp>
+        <p:nvSpPr>
+          <p:cNvPr id="2" name="Slide Image Placeholder 1"/>
+          <p:cNvSpPr/>
+          <p:nvPr>
+            <p:ph type="sldImg" idx="2"/>
+          </p:nvPr>
+        </p:nvSpPr>
+        <p:spPr/>
+      </p:sp>
+      <p:sp>
+        <p:nvSpPr>
+          <p:cNvPr id="3" name="Text Placeholder 2"/>
+          <p:cNvSpPr/>
+          <p:nvPr>
+            <p:ph type="body" idx="3"/>
+          </p:nvPr>
+        </p:nvSpPr>
+        <p:spPr/>
+        <p:txBody>
+          <a:bodyPr/>
+          <a:p>
+            <a:endParaRPr lang="en-US"/>
+          </a:p>
+        </p:txBody>
+      </p:sp>
+    </p:spTree>
+  </p:cSld>
+  <p:clrMapOvr>
+    <a:masterClrMapping/>
+  </p:clrMapOvr>
+</p:notes>
 </file>
 
 <file path=ppt/slideLayouts/slideLayout1.xml><?xml version="1.0" encoding="utf-8"?>
@@ -150,13 +595,7 @@
       </p:grpSpPr>
       <p:sp>
         <p:nvSpPr>
-          <p:cNvPr id="2" name="Title 1">
-            <a:extLst>
-              <a:ext uri="{FF2B5EF4-FFF2-40B4-BE49-F238E27FC236}">
-                <a16:creationId xmlns:a16="http://schemas.microsoft.com/office/drawing/2014/main" id="{9C65CFC6-F984-47C8-A53C-AE2C668A17A3}"/>
-              </a:ext>
-            </a:extLst>
-          </p:cNvPr>
+          <p:cNvPr id="2" name="Title 1"/>
           <p:cNvSpPr>
             <a:spLocks noGrp="1"/>
           </p:cNvSpPr>
@@ -182,18 +621,13 @@
               <a:rPr lang="en-US"/>
               <a:t>Click to edit Master title style</a:t>
             </a:r>
-          </a:p>
-        </p:txBody>
-      </p:sp>
-      <p:sp>
-        <p:nvSpPr>
-          <p:cNvPr id="3" name="Subtitle 2">
-            <a:extLst>
-              <a:ext uri="{FF2B5EF4-FFF2-40B4-BE49-F238E27FC236}">
-                <a16:creationId xmlns:a16="http://schemas.microsoft.com/office/drawing/2014/main" id="{35FE790A-69A3-4286-80B5-A5393246DFFD}"/>
-              </a:ext>
-            </a:extLst>
-          </p:cNvPr>
+            <a:endParaRPr lang="en-US"/>
+          </a:p>
+        </p:txBody>
+      </p:sp>
+      <p:sp>
+        <p:nvSpPr>
+          <p:cNvPr id="3" name="Subtitle 2"/>
           <p:cNvSpPr>
             <a:spLocks noGrp="1"/>
           </p:cNvSpPr>
@@ -252,18 +686,13 @@
               <a:rPr lang="en-US"/>
               <a:t>Click to edit Master subtitle style</a:t>
             </a:r>
-          </a:p>
-        </p:txBody>
-      </p:sp>
-      <p:sp>
-        <p:nvSpPr>
-          <p:cNvPr id="4" name="Date Placeholder 3">
-            <a:extLst>
-              <a:ext uri="{FF2B5EF4-FFF2-40B4-BE49-F238E27FC236}">
-                <a16:creationId xmlns:a16="http://schemas.microsoft.com/office/drawing/2014/main" id="{B8D847C7-037C-4ED4-AE13-9092F15055ED}"/>
-              </a:ext>
-            </a:extLst>
-          </p:cNvPr>
+            <a:endParaRPr lang="en-US"/>
+          </a:p>
+        </p:txBody>
+      </p:sp>
+      <p:sp>
+        <p:nvSpPr>
+          <p:cNvPr id="4" name="Date Placeholder 3"/>
           <p:cNvSpPr>
             <a:spLocks noGrp="1"/>
           </p:cNvSpPr>
@@ -278,7 +707,6 @@
           <a:p>
             <a:fld id="{77E03E06-8C86-48F5-8794-31FA2B737184}" type="datetimeFigureOut">
               <a:rPr lang="en-US" smtClean="0"/>
-              <a:t>11/30/2019</a:t>
             </a:fld>
             <a:endParaRPr lang="en-US"/>
           </a:p>
@@ -286,13 +714,7 @@
       </p:sp>
       <p:sp>
         <p:nvSpPr>
-          <p:cNvPr id="5" name="Footer Placeholder 4">
-            <a:extLst>
-              <a:ext uri="{FF2B5EF4-FFF2-40B4-BE49-F238E27FC236}">
-                <a16:creationId xmlns:a16="http://schemas.microsoft.com/office/drawing/2014/main" id="{C7A311A0-1815-4830-BC7B-7CA120C1AC74}"/>
-              </a:ext>
-            </a:extLst>
-          </p:cNvPr>
+          <p:cNvPr id="5" name="Footer Placeholder 4"/>
           <p:cNvSpPr>
             <a:spLocks noGrp="1"/>
           </p:cNvSpPr>
@@ -311,13 +733,7 @@
       </p:sp>
       <p:sp>
         <p:nvSpPr>
-          <p:cNvPr id="6" name="Slide Number Placeholder 5">
-            <a:extLst>
-              <a:ext uri="{FF2B5EF4-FFF2-40B4-BE49-F238E27FC236}">
-                <a16:creationId xmlns:a16="http://schemas.microsoft.com/office/drawing/2014/main" id="{C97D0E5E-9183-4E4C-ACCA-AC194331A531}"/>
-              </a:ext>
-            </a:extLst>
-          </p:cNvPr>
+          <p:cNvPr id="6" name="Slide Number Placeholder 5"/>
           <p:cNvSpPr>
             <a:spLocks noGrp="1"/>
           </p:cNvSpPr>
@@ -332,18 +748,12 @@
           <a:p>
             <a:fld id="{C1470EAF-C440-4D52-A2DC-8DB2B5102B04}" type="slidenum">
               <a:rPr lang="en-US" smtClean="0"/>
-              <a:t>‹#›</a:t>
             </a:fld>
             <a:endParaRPr lang="en-US"/>
           </a:p>
         </p:txBody>
       </p:sp>
     </p:spTree>
-    <p:extLst>
-      <p:ext uri="{BB962C8B-B14F-4D97-AF65-F5344CB8AC3E}">
-        <p14:creationId xmlns:p14="http://schemas.microsoft.com/office/powerpoint/2010/main" val="3610856584"/>
-      </p:ext>
-    </p:extLst>
   </p:cSld>
   <p:clrMapOvr>
     <a:masterClrMapping/>
@@ -370,13 +780,7 @@
       </p:grpSpPr>
       <p:sp>
         <p:nvSpPr>
-          <p:cNvPr id="2" name="Title 1">
-            <a:extLst>
-              <a:ext uri="{FF2B5EF4-FFF2-40B4-BE49-F238E27FC236}">
-                <a16:creationId xmlns:a16="http://schemas.microsoft.com/office/drawing/2014/main" id="{DBD6E2ED-7269-4990-80C3-9F4D38C26F9D}"/>
-              </a:ext>
-            </a:extLst>
-          </p:cNvPr>
+          <p:cNvPr id="2" name="Title 1"/>
           <p:cNvSpPr>
             <a:spLocks noGrp="1"/>
           </p:cNvSpPr>
@@ -393,18 +797,13 @@
               <a:rPr lang="en-US"/>
               <a:t>Click to edit Master title style</a:t>
             </a:r>
-          </a:p>
-        </p:txBody>
-      </p:sp>
-      <p:sp>
-        <p:nvSpPr>
-          <p:cNvPr id="3" name="Vertical Text Placeholder 2">
-            <a:extLst>
-              <a:ext uri="{FF2B5EF4-FFF2-40B4-BE49-F238E27FC236}">
-                <a16:creationId xmlns:a16="http://schemas.microsoft.com/office/drawing/2014/main" id="{E99B14AB-71E0-4D98-838A-4ED81D6AB750}"/>
-              </a:ext>
-            </a:extLst>
-          </p:cNvPr>
+            <a:endParaRPr lang="en-US"/>
+          </a:p>
+        </p:txBody>
+      </p:sp>
+      <p:sp>
+        <p:nvSpPr>
+          <p:cNvPr id="3" name="Vertical Text Placeholder 2"/>
           <p:cNvSpPr>
             <a:spLocks noGrp="1"/>
           </p:cNvSpPr>
@@ -422,6 +821,7 @@
               <a:rPr lang="en-US"/>
               <a:t>Click to edit Master text styles</a:t>
             </a:r>
+            <a:endParaRPr lang="en-US"/>
           </a:p>
           <a:p>
             <a:pPr lvl="1"/>
@@ -429,6 +829,7 @@
               <a:rPr lang="en-US"/>
               <a:t>Second level</a:t>
             </a:r>
+            <a:endParaRPr lang="en-US"/>
           </a:p>
           <a:p>
             <a:pPr lvl="2"/>
@@ -436,6 +837,7 @@
               <a:rPr lang="en-US"/>
               <a:t>Third level</a:t>
             </a:r>
+            <a:endParaRPr lang="en-US"/>
           </a:p>
           <a:p>
             <a:pPr lvl="3"/>
@@ -443,6 +845,7 @@
               <a:rPr lang="en-US"/>
               <a:t>Fourth level</a:t>
             </a:r>
+            <a:endParaRPr lang="en-US"/>
           </a:p>
           <a:p>
             <a:pPr lvl="4"/>
@@ -450,18 +853,13 @@
               <a:rPr lang="en-US"/>
               <a:t>Fifth level</a:t>
             </a:r>
-          </a:p>
-        </p:txBody>
-      </p:sp>
-      <p:sp>
-        <p:nvSpPr>
-          <p:cNvPr id="4" name="Date Placeholder 3">
-            <a:extLst>
-              <a:ext uri="{FF2B5EF4-FFF2-40B4-BE49-F238E27FC236}">
-                <a16:creationId xmlns:a16="http://schemas.microsoft.com/office/drawing/2014/main" id="{0251860E-2720-44D2-8A95-23A45ABAC551}"/>
-              </a:ext>
-            </a:extLst>
-          </p:cNvPr>
+            <a:endParaRPr lang="en-US"/>
+          </a:p>
+        </p:txBody>
+      </p:sp>
+      <p:sp>
+        <p:nvSpPr>
+          <p:cNvPr id="4" name="Date Placeholder 3"/>
           <p:cNvSpPr>
             <a:spLocks noGrp="1"/>
           </p:cNvSpPr>
@@ -476,7 +874,6 @@
           <a:p>
             <a:fld id="{77E03E06-8C86-48F5-8794-31FA2B737184}" type="datetimeFigureOut">
               <a:rPr lang="en-US" smtClean="0"/>
-              <a:t>11/30/2019</a:t>
             </a:fld>
             <a:endParaRPr lang="en-US"/>
           </a:p>
@@ -484,13 +881,7 @@
       </p:sp>
       <p:sp>
         <p:nvSpPr>
-          <p:cNvPr id="5" name="Footer Placeholder 4">
-            <a:extLst>
-              <a:ext uri="{FF2B5EF4-FFF2-40B4-BE49-F238E27FC236}">
-                <a16:creationId xmlns:a16="http://schemas.microsoft.com/office/drawing/2014/main" id="{09654068-BE75-4AD3-9D81-869C4BA2951D}"/>
-              </a:ext>
-            </a:extLst>
-          </p:cNvPr>
+          <p:cNvPr id="5" name="Footer Placeholder 4"/>
           <p:cNvSpPr>
             <a:spLocks noGrp="1"/>
           </p:cNvSpPr>
@@ -509,13 +900,7 @@
       </p:sp>
       <p:sp>
         <p:nvSpPr>
-          <p:cNvPr id="6" name="Slide Number Placeholder 5">
-            <a:extLst>
-              <a:ext uri="{FF2B5EF4-FFF2-40B4-BE49-F238E27FC236}">
-                <a16:creationId xmlns:a16="http://schemas.microsoft.com/office/drawing/2014/main" id="{F5F6F756-7106-4F6A-8F90-0253895016D3}"/>
-              </a:ext>
-            </a:extLst>
-          </p:cNvPr>
+          <p:cNvPr id="6" name="Slide Number Placeholder 5"/>
           <p:cNvSpPr>
             <a:spLocks noGrp="1"/>
           </p:cNvSpPr>
@@ -530,18 +915,12 @@
           <a:p>
             <a:fld id="{C1470EAF-C440-4D52-A2DC-8DB2B5102B04}" type="slidenum">
               <a:rPr lang="en-US" smtClean="0"/>
-              <a:t>‹#›</a:t>
             </a:fld>
             <a:endParaRPr lang="en-US"/>
           </a:p>
         </p:txBody>
       </p:sp>
     </p:spTree>
-    <p:extLst>
-      <p:ext uri="{BB962C8B-B14F-4D97-AF65-F5344CB8AC3E}">
-        <p14:creationId xmlns:p14="http://schemas.microsoft.com/office/powerpoint/2010/main" val="2843343409"/>
-      </p:ext>
-    </p:extLst>
   </p:cSld>
   <p:clrMapOvr>
     <a:masterClrMapping/>
@@ -568,13 +947,7 @@
       </p:grpSpPr>
       <p:sp>
         <p:nvSpPr>
-          <p:cNvPr id="2" name="Vertical Title 1">
-            <a:extLst>
-              <a:ext uri="{FF2B5EF4-FFF2-40B4-BE49-F238E27FC236}">
-                <a16:creationId xmlns:a16="http://schemas.microsoft.com/office/drawing/2014/main" id="{3336CEF5-C70E-49BF-856D-A742D4B923BE}"/>
-              </a:ext>
-            </a:extLst>
-          </p:cNvPr>
+          <p:cNvPr id="2" name="Vertical Title 1"/>
           <p:cNvSpPr>
             <a:spLocks noGrp="1"/>
           </p:cNvSpPr>
@@ -596,18 +969,13 @@
               <a:rPr lang="en-US"/>
               <a:t>Click to edit Master title style</a:t>
             </a:r>
-          </a:p>
-        </p:txBody>
-      </p:sp>
-      <p:sp>
-        <p:nvSpPr>
-          <p:cNvPr id="3" name="Vertical Text Placeholder 2">
-            <a:extLst>
-              <a:ext uri="{FF2B5EF4-FFF2-40B4-BE49-F238E27FC236}">
-                <a16:creationId xmlns:a16="http://schemas.microsoft.com/office/drawing/2014/main" id="{1997DC50-DB23-4205-83FB-86C6B65B1057}"/>
-              </a:ext>
-            </a:extLst>
-          </p:cNvPr>
+            <a:endParaRPr lang="en-US"/>
+          </a:p>
+        </p:txBody>
+      </p:sp>
+      <p:sp>
+        <p:nvSpPr>
+          <p:cNvPr id="3" name="Vertical Text Placeholder 2"/>
           <p:cNvSpPr>
             <a:spLocks noGrp="1"/>
           </p:cNvSpPr>
@@ -630,6 +998,7 @@
               <a:rPr lang="en-US"/>
               <a:t>Click to edit Master text styles</a:t>
             </a:r>
+            <a:endParaRPr lang="en-US"/>
           </a:p>
           <a:p>
             <a:pPr lvl="1"/>
@@ -637,6 +1006,7 @@
               <a:rPr lang="en-US"/>
               <a:t>Second level</a:t>
             </a:r>
+            <a:endParaRPr lang="en-US"/>
           </a:p>
           <a:p>
             <a:pPr lvl="2"/>
@@ -644,6 +1014,7 @@
               <a:rPr lang="en-US"/>
               <a:t>Third level</a:t>
             </a:r>
+            <a:endParaRPr lang="en-US"/>
           </a:p>
           <a:p>
             <a:pPr lvl="3"/>
@@ -651,6 +1022,7 @@
               <a:rPr lang="en-US"/>
               <a:t>Fourth level</a:t>
             </a:r>
+            <a:endParaRPr lang="en-US"/>
           </a:p>
           <a:p>
             <a:pPr lvl="4"/>
@@ -658,18 +1030,13 @@
               <a:rPr lang="en-US"/>
               <a:t>Fifth level</a:t>
             </a:r>
-          </a:p>
-        </p:txBody>
-      </p:sp>
-      <p:sp>
-        <p:nvSpPr>
-          <p:cNvPr id="4" name="Date Placeholder 3">
-            <a:extLst>
-              <a:ext uri="{FF2B5EF4-FFF2-40B4-BE49-F238E27FC236}">
-                <a16:creationId xmlns:a16="http://schemas.microsoft.com/office/drawing/2014/main" id="{6623C014-CA52-4F20-9B21-40ED01CE77A2}"/>
-              </a:ext>
-            </a:extLst>
-          </p:cNvPr>
+            <a:endParaRPr lang="en-US"/>
+          </a:p>
+        </p:txBody>
+      </p:sp>
+      <p:sp>
+        <p:nvSpPr>
+          <p:cNvPr id="4" name="Date Placeholder 3"/>
           <p:cNvSpPr>
             <a:spLocks noGrp="1"/>
           </p:cNvSpPr>
@@ -684,7 +1051,6 @@
           <a:p>
             <a:fld id="{77E03E06-8C86-48F5-8794-31FA2B737184}" type="datetimeFigureOut">
               <a:rPr lang="en-US" smtClean="0"/>
-              <a:t>11/30/2019</a:t>
             </a:fld>
             <a:endParaRPr lang="en-US"/>
           </a:p>
@@ -692,13 +1058,7 @@
       </p:sp>
       <p:sp>
         <p:nvSpPr>
-          <p:cNvPr id="5" name="Footer Placeholder 4">
-            <a:extLst>
-              <a:ext uri="{FF2B5EF4-FFF2-40B4-BE49-F238E27FC236}">
-                <a16:creationId xmlns:a16="http://schemas.microsoft.com/office/drawing/2014/main" id="{A21D2A73-FBF3-408D-96E4-DEDF37DF8CAF}"/>
-              </a:ext>
-            </a:extLst>
-          </p:cNvPr>
+          <p:cNvPr id="5" name="Footer Placeholder 4"/>
           <p:cNvSpPr>
             <a:spLocks noGrp="1"/>
           </p:cNvSpPr>
@@ -717,13 +1077,7 @@
       </p:sp>
       <p:sp>
         <p:nvSpPr>
-          <p:cNvPr id="6" name="Slide Number Placeholder 5">
-            <a:extLst>
-              <a:ext uri="{FF2B5EF4-FFF2-40B4-BE49-F238E27FC236}">
-                <a16:creationId xmlns:a16="http://schemas.microsoft.com/office/drawing/2014/main" id="{617BC3CE-5C48-44C8-806B-F66C0C04AD34}"/>
-              </a:ext>
-            </a:extLst>
-          </p:cNvPr>
+          <p:cNvPr id="6" name="Slide Number Placeholder 5"/>
           <p:cNvSpPr>
             <a:spLocks noGrp="1"/>
           </p:cNvSpPr>
@@ -738,18 +1092,12 @@
           <a:p>
             <a:fld id="{C1470EAF-C440-4D52-A2DC-8DB2B5102B04}" type="slidenum">
               <a:rPr lang="en-US" smtClean="0"/>
-              <a:t>‹#›</a:t>
             </a:fld>
             <a:endParaRPr lang="en-US"/>
           </a:p>
         </p:txBody>
       </p:sp>
     </p:spTree>
-    <p:extLst>
-      <p:ext uri="{BB962C8B-B14F-4D97-AF65-F5344CB8AC3E}">
-        <p14:creationId xmlns:p14="http://schemas.microsoft.com/office/powerpoint/2010/main" val="146664064"/>
-      </p:ext>
-    </p:extLst>
   </p:cSld>
   <p:clrMapOvr>
     <a:masterClrMapping/>
@@ -776,13 +1124,7 @@
       </p:grpSpPr>
       <p:sp>
         <p:nvSpPr>
-          <p:cNvPr id="2" name="Title 1">
-            <a:extLst>
-              <a:ext uri="{FF2B5EF4-FFF2-40B4-BE49-F238E27FC236}">
-                <a16:creationId xmlns:a16="http://schemas.microsoft.com/office/drawing/2014/main" id="{EB0D863A-019B-441B-9011-839ADF2383CA}"/>
-              </a:ext>
-            </a:extLst>
-          </p:cNvPr>
+          <p:cNvPr id="2" name="Title 1"/>
           <p:cNvSpPr>
             <a:spLocks noGrp="1"/>
           </p:cNvSpPr>
@@ -799,18 +1141,13 @@
               <a:rPr lang="en-US"/>
               <a:t>Click to edit Master title style</a:t>
             </a:r>
-          </a:p>
-        </p:txBody>
-      </p:sp>
-      <p:sp>
-        <p:nvSpPr>
-          <p:cNvPr id="3" name="Content Placeholder 2">
-            <a:extLst>
-              <a:ext uri="{FF2B5EF4-FFF2-40B4-BE49-F238E27FC236}">
-                <a16:creationId xmlns:a16="http://schemas.microsoft.com/office/drawing/2014/main" id="{50CCE4C8-886D-4790-97C0-D1804DAFBBCE}"/>
-              </a:ext>
-            </a:extLst>
-          </p:cNvPr>
+            <a:endParaRPr lang="en-US"/>
+          </a:p>
+        </p:txBody>
+      </p:sp>
+      <p:sp>
+        <p:nvSpPr>
+          <p:cNvPr id="3" name="Content Placeholder 2"/>
           <p:cNvSpPr>
             <a:spLocks noGrp="1"/>
           </p:cNvSpPr>
@@ -828,6 +1165,7 @@
               <a:rPr lang="en-US"/>
               <a:t>Click to edit Master text styles</a:t>
             </a:r>
+            <a:endParaRPr lang="en-US"/>
           </a:p>
           <a:p>
             <a:pPr lvl="1"/>
@@ -835,6 +1173,7 @@
               <a:rPr lang="en-US"/>
               <a:t>Second level</a:t>
             </a:r>
+            <a:endParaRPr lang="en-US"/>
           </a:p>
           <a:p>
             <a:pPr lvl="2"/>
@@ -842,6 +1181,7 @@
               <a:rPr lang="en-US"/>
               <a:t>Third level</a:t>
             </a:r>
+            <a:endParaRPr lang="en-US"/>
           </a:p>
           <a:p>
             <a:pPr lvl="3"/>
@@ -849,6 +1189,7 @@
               <a:rPr lang="en-US"/>
               <a:t>Fourth level</a:t>
             </a:r>
+            <a:endParaRPr lang="en-US"/>
           </a:p>
           <a:p>
             <a:pPr lvl="4"/>
@@ -856,18 +1197,13 @@
               <a:rPr lang="en-US"/>
               <a:t>Fifth level</a:t>
             </a:r>
-          </a:p>
-        </p:txBody>
-      </p:sp>
-      <p:sp>
-        <p:nvSpPr>
-          <p:cNvPr id="4" name="Date Placeholder 3">
-            <a:extLst>
-              <a:ext uri="{FF2B5EF4-FFF2-40B4-BE49-F238E27FC236}">
-                <a16:creationId xmlns:a16="http://schemas.microsoft.com/office/drawing/2014/main" id="{427181EA-5E93-4604-86B3-7DBAA37275A0}"/>
-              </a:ext>
-            </a:extLst>
-          </p:cNvPr>
+            <a:endParaRPr lang="en-US"/>
+          </a:p>
+        </p:txBody>
+      </p:sp>
+      <p:sp>
+        <p:nvSpPr>
+          <p:cNvPr id="4" name="Date Placeholder 3"/>
           <p:cNvSpPr>
             <a:spLocks noGrp="1"/>
           </p:cNvSpPr>
@@ -882,7 +1218,6 @@
           <a:p>
             <a:fld id="{77E03E06-8C86-48F5-8794-31FA2B737184}" type="datetimeFigureOut">
               <a:rPr lang="en-US" smtClean="0"/>
-              <a:t>11/30/2019</a:t>
             </a:fld>
             <a:endParaRPr lang="en-US"/>
           </a:p>
@@ -890,13 +1225,7 @@
       </p:sp>
       <p:sp>
         <p:nvSpPr>
-          <p:cNvPr id="5" name="Footer Placeholder 4">
-            <a:extLst>
-              <a:ext uri="{FF2B5EF4-FFF2-40B4-BE49-F238E27FC236}">
-                <a16:creationId xmlns:a16="http://schemas.microsoft.com/office/drawing/2014/main" id="{BE11E174-B706-45AA-9CEE-DCB08B585089}"/>
-              </a:ext>
-            </a:extLst>
-          </p:cNvPr>
+          <p:cNvPr id="5" name="Footer Placeholder 4"/>
           <p:cNvSpPr>
             <a:spLocks noGrp="1"/>
           </p:cNvSpPr>
@@ -915,13 +1244,7 @@
       </p:sp>
       <p:sp>
         <p:nvSpPr>
-          <p:cNvPr id="6" name="Slide Number Placeholder 5">
-            <a:extLst>
-              <a:ext uri="{FF2B5EF4-FFF2-40B4-BE49-F238E27FC236}">
-                <a16:creationId xmlns:a16="http://schemas.microsoft.com/office/drawing/2014/main" id="{B95A277D-D8B6-4BBC-8B7F-21F01328C911}"/>
-              </a:ext>
-            </a:extLst>
-          </p:cNvPr>
+          <p:cNvPr id="6" name="Slide Number Placeholder 5"/>
           <p:cNvSpPr>
             <a:spLocks noGrp="1"/>
           </p:cNvSpPr>
@@ -936,18 +1259,12 @@
           <a:p>
             <a:fld id="{C1470EAF-C440-4D52-A2DC-8DB2B5102B04}" type="slidenum">
               <a:rPr lang="en-US" smtClean="0"/>
-              <a:t>‹#›</a:t>
             </a:fld>
             <a:endParaRPr lang="en-US"/>
           </a:p>
         </p:txBody>
       </p:sp>
     </p:spTree>
-    <p:extLst>
-      <p:ext uri="{BB962C8B-B14F-4D97-AF65-F5344CB8AC3E}">
-        <p14:creationId xmlns:p14="http://schemas.microsoft.com/office/powerpoint/2010/main" val="564777348"/>
-      </p:ext>
-    </p:extLst>
   </p:cSld>
   <p:clrMapOvr>
     <a:masterClrMapping/>
@@ -974,13 +1291,7 @@
       </p:grpSpPr>
       <p:sp>
         <p:nvSpPr>
-          <p:cNvPr id="2" name="Title 1">
-            <a:extLst>
-              <a:ext uri="{FF2B5EF4-FFF2-40B4-BE49-F238E27FC236}">
-                <a16:creationId xmlns:a16="http://schemas.microsoft.com/office/drawing/2014/main" id="{553BACA8-8EDD-4B2A-AE24-30C34C6B8BCC}"/>
-              </a:ext>
-            </a:extLst>
-          </p:cNvPr>
+          <p:cNvPr id="2" name="Title 1"/>
           <p:cNvSpPr>
             <a:spLocks noGrp="1"/>
           </p:cNvSpPr>
@@ -1006,18 +1317,13 @@
               <a:rPr lang="en-US"/>
               <a:t>Click to edit Master title style</a:t>
             </a:r>
-          </a:p>
-        </p:txBody>
-      </p:sp>
-      <p:sp>
-        <p:nvSpPr>
-          <p:cNvPr id="3" name="Text Placeholder 2">
-            <a:extLst>
-              <a:ext uri="{FF2B5EF4-FFF2-40B4-BE49-F238E27FC236}">
-                <a16:creationId xmlns:a16="http://schemas.microsoft.com/office/drawing/2014/main" id="{CAA49905-9BBB-4DF6-887D-783F733FCD04}"/>
-              </a:ext>
-            </a:extLst>
-          </p:cNvPr>
+            <a:endParaRPr lang="en-US"/>
+          </a:p>
+        </p:txBody>
+      </p:sp>
+      <p:sp>
+        <p:nvSpPr>
+          <p:cNvPr id="3" name="Text Placeholder 2"/>
           <p:cNvSpPr>
             <a:spLocks noGrp="1"/>
           </p:cNvSpPr>
@@ -1131,18 +1437,13 @@
               <a:rPr lang="en-US"/>
               <a:t>Click to edit Master text styles</a:t>
             </a:r>
-          </a:p>
-        </p:txBody>
-      </p:sp>
-      <p:sp>
-        <p:nvSpPr>
-          <p:cNvPr id="4" name="Date Placeholder 3">
-            <a:extLst>
-              <a:ext uri="{FF2B5EF4-FFF2-40B4-BE49-F238E27FC236}">
-                <a16:creationId xmlns:a16="http://schemas.microsoft.com/office/drawing/2014/main" id="{79F8B269-D197-4EE8-83C3-FC4975FEB95F}"/>
-              </a:ext>
-            </a:extLst>
-          </p:cNvPr>
+            <a:endParaRPr lang="en-US"/>
+          </a:p>
+        </p:txBody>
+      </p:sp>
+      <p:sp>
+        <p:nvSpPr>
+          <p:cNvPr id="4" name="Date Placeholder 3"/>
           <p:cNvSpPr>
             <a:spLocks noGrp="1"/>
           </p:cNvSpPr>
@@ -1157,7 +1458,6 @@
           <a:p>
             <a:fld id="{77E03E06-8C86-48F5-8794-31FA2B737184}" type="datetimeFigureOut">
               <a:rPr lang="en-US" smtClean="0"/>
-              <a:t>11/30/2019</a:t>
             </a:fld>
             <a:endParaRPr lang="en-US"/>
           </a:p>
@@ -1165,13 +1465,7 @@
       </p:sp>
       <p:sp>
         <p:nvSpPr>
-          <p:cNvPr id="5" name="Footer Placeholder 4">
-            <a:extLst>
-              <a:ext uri="{FF2B5EF4-FFF2-40B4-BE49-F238E27FC236}">
-                <a16:creationId xmlns:a16="http://schemas.microsoft.com/office/drawing/2014/main" id="{0A8B5B14-D7FA-4C98-9B20-2AE4675E7C3B}"/>
-              </a:ext>
-            </a:extLst>
-          </p:cNvPr>
+          <p:cNvPr id="5" name="Footer Placeholder 4"/>
           <p:cNvSpPr>
             <a:spLocks noGrp="1"/>
           </p:cNvSpPr>
@@ -1190,13 +1484,7 @@
       </p:sp>
       <p:sp>
         <p:nvSpPr>
-          <p:cNvPr id="6" name="Slide Number Placeholder 5">
-            <a:extLst>
-              <a:ext uri="{FF2B5EF4-FFF2-40B4-BE49-F238E27FC236}">
-                <a16:creationId xmlns:a16="http://schemas.microsoft.com/office/drawing/2014/main" id="{9CC7483B-7E2D-4428-8844-2564173CCF97}"/>
-              </a:ext>
-            </a:extLst>
-          </p:cNvPr>
+          <p:cNvPr id="6" name="Slide Number Placeholder 5"/>
           <p:cNvSpPr>
             <a:spLocks noGrp="1"/>
           </p:cNvSpPr>
@@ -1211,18 +1499,12 @@
           <a:p>
             <a:fld id="{C1470EAF-C440-4D52-A2DC-8DB2B5102B04}" type="slidenum">
               <a:rPr lang="en-US" smtClean="0"/>
-              <a:t>‹#›</a:t>
             </a:fld>
             <a:endParaRPr lang="en-US"/>
           </a:p>
         </p:txBody>
       </p:sp>
     </p:spTree>
-    <p:extLst>
-      <p:ext uri="{BB962C8B-B14F-4D97-AF65-F5344CB8AC3E}">
-        <p14:creationId xmlns:p14="http://schemas.microsoft.com/office/powerpoint/2010/main" val="1069228420"/>
-      </p:ext>
-    </p:extLst>
   </p:cSld>
   <p:clrMapOvr>
     <a:masterClrMapping/>
@@ -1249,13 +1531,7 @@
       </p:grpSpPr>
       <p:sp>
         <p:nvSpPr>
-          <p:cNvPr id="2" name="Title 1">
-            <a:extLst>
-              <a:ext uri="{FF2B5EF4-FFF2-40B4-BE49-F238E27FC236}">
-                <a16:creationId xmlns:a16="http://schemas.microsoft.com/office/drawing/2014/main" id="{7AC75765-75B8-4D5C-B7E8-B57C7C6CE6BE}"/>
-              </a:ext>
-            </a:extLst>
-          </p:cNvPr>
+          <p:cNvPr id="2" name="Title 1"/>
           <p:cNvSpPr>
             <a:spLocks noGrp="1"/>
           </p:cNvSpPr>
@@ -1272,18 +1548,13 @@
               <a:rPr lang="en-US"/>
               <a:t>Click to edit Master title style</a:t>
             </a:r>
-          </a:p>
-        </p:txBody>
-      </p:sp>
-      <p:sp>
-        <p:nvSpPr>
-          <p:cNvPr id="3" name="Content Placeholder 2">
-            <a:extLst>
-              <a:ext uri="{FF2B5EF4-FFF2-40B4-BE49-F238E27FC236}">
-                <a16:creationId xmlns:a16="http://schemas.microsoft.com/office/drawing/2014/main" id="{D6D6F96E-56F5-46EC-BB43-0C3E595E4E13}"/>
-              </a:ext>
-            </a:extLst>
-          </p:cNvPr>
+            <a:endParaRPr lang="en-US"/>
+          </a:p>
+        </p:txBody>
+      </p:sp>
+      <p:sp>
+        <p:nvSpPr>
+          <p:cNvPr id="3" name="Content Placeholder 2"/>
           <p:cNvSpPr>
             <a:spLocks noGrp="1"/>
           </p:cNvSpPr>
@@ -1306,6 +1577,7 @@
               <a:rPr lang="en-US"/>
               <a:t>Click to edit Master text styles</a:t>
             </a:r>
+            <a:endParaRPr lang="en-US"/>
           </a:p>
           <a:p>
             <a:pPr lvl="1"/>
@@ -1313,6 +1585,7 @@
               <a:rPr lang="en-US"/>
               <a:t>Second level</a:t>
             </a:r>
+            <a:endParaRPr lang="en-US"/>
           </a:p>
           <a:p>
             <a:pPr lvl="2"/>
@@ -1320,6 +1593,7 @@
               <a:rPr lang="en-US"/>
               <a:t>Third level</a:t>
             </a:r>
+            <a:endParaRPr lang="en-US"/>
           </a:p>
           <a:p>
             <a:pPr lvl="3"/>
@@ -1327,6 +1601,7 @@
               <a:rPr lang="en-US"/>
               <a:t>Fourth level</a:t>
             </a:r>
+            <a:endParaRPr lang="en-US"/>
           </a:p>
           <a:p>
             <a:pPr lvl="4"/>
@@ -1334,18 +1609,13 @@
               <a:rPr lang="en-US"/>
               <a:t>Fifth level</a:t>
             </a:r>
-          </a:p>
-        </p:txBody>
-      </p:sp>
-      <p:sp>
-        <p:nvSpPr>
-          <p:cNvPr id="4" name="Content Placeholder 3">
-            <a:extLst>
-              <a:ext uri="{FF2B5EF4-FFF2-40B4-BE49-F238E27FC236}">
-                <a16:creationId xmlns:a16="http://schemas.microsoft.com/office/drawing/2014/main" id="{13E282E3-FB50-45F7-9731-2EB9697D3296}"/>
-              </a:ext>
-            </a:extLst>
-          </p:cNvPr>
+            <a:endParaRPr lang="en-US"/>
+          </a:p>
+        </p:txBody>
+      </p:sp>
+      <p:sp>
+        <p:nvSpPr>
+          <p:cNvPr id="4" name="Content Placeholder 3"/>
           <p:cNvSpPr>
             <a:spLocks noGrp="1"/>
           </p:cNvSpPr>
@@ -1368,6 +1638,7 @@
               <a:rPr lang="en-US"/>
               <a:t>Click to edit Master text styles</a:t>
             </a:r>
+            <a:endParaRPr lang="en-US"/>
           </a:p>
           <a:p>
             <a:pPr lvl="1"/>
@@ -1375,6 +1646,7 @@
               <a:rPr lang="en-US"/>
               <a:t>Second level</a:t>
             </a:r>
+            <a:endParaRPr lang="en-US"/>
           </a:p>
           <a:p>
             <a:pPr lvl="2"/>
@@ -1382,6 +1654,7 @@
               <a:rPr lang="en-US"/>
               <a:t>Third level</a:t>
             </a:r>
+            <a:endParaRPr lang="en-US"/>
           </a:p>
           <a:p>
             <a:pPr lvl="3"/>
@@ -1389,6 +1662,7 @@
               <a:rPr lang="en-US"/>
               <a:t>Fourth level</a:t>
             </a:r>
+            <a:endParaRPr lang="en-US"/>
           </a:p>
           <a:p>
             <a:pPr lvl="4"/>
@@ -1396,18 +1670,13 @@
               <a:rPr lang="en-US"/>
               <a:t>Fifth level</a:t>
             </a:r>
-          </a:p>
-        </p:txBody>
-      </p:sp>
-      <p:sp>
-        <p:nvSpPr>
-          <p:cNvPr id="5" name="Date Placeholder 4">
-            <a:extLst>
-              <a:ext uri="{FF2B5EF4-FFF2-40B4-BE49-F238E27FC236}">
-                <a16:creationId xmlns:a16="http://schemas.microsoft.com/office/drawing/2014/main" id="{2F7B9F2A-1DB3-43FE-8940-B754997A9CD5}"/>
-              </a:ext>
-            </a:extLst>
-          </p:cNvPr>
+            <a:endParaRPr lang="en-US"/>
+          </a:p>
+        </p:txBody>
+      </p:sp>
+      <p:sp>
+        <p:nvSpPr>
+          <p:cNvPr id="5" name="Date Placeholder 4"/>
           <p:cNvSpPr>
             <a:spLocks noGrp="1"/>
           </p:cNvSpPr>
@@ -1422,7 +1691,6 @@
           <a:p>
             <a:fld id="{77E03E06-8C86-48F5-8794-31FA2B737184}" type="datetimeFigureOut">
               <a:rPr lang="en-US" smtClean="0"/>
-              <a:t>11/30/2019</a:t>
             </a:fld>
             <a:endParaRPr lang="en-US"/>
           </a:p>
@@ -1430,13 +1698,7 @@
       </p:sp>
       <p:sp>
         <p:nvSpPr>
-          <p:cNvPr id="6" name="Footer Placeholder 5">
-            <a:extLst>
-              <a:ext uri="{FF2B5EF4-FFF2-40B4-BE49-F238E27FC236}">
-                <a16:creationId xmlns:a16="http://schemas.microsoft.com/office/drawing/2014/main" id="{85431D43-30F3-4997-8D97-3649CE074B9F}"/>
-              </a:ext>
-            </a:extLst>
-          </p:cNvPr>
+          <p:cNvPr id="6" name="Footer Placeholder 5"/>
           <p:cNvSpPr>
             <a:spLocks noGrp="1"/>
           </p:cNvSpPr>
@@ -1455,13 +1717,7 @@
       </p:sp>
       <p:sp>
         <p:nvSpPr>
-          <p:cNvPr id="7" name="Slide Number Placeholder 6">
-            <a:extLst>
-              <a:ext uri="{FF2B5EF4-FFF2-40B4-BE49-F238E27FC236}">
-                <a16:creationId xmlns:a16="http://schemas.microsoft.com/office/drawing/2014/main" id="{D506FF9C-8DE4-4B31-B8A1-381A50724EA2}"/>
-              </a:ext>
-            </a:extLst>
-          </p:cNvPr>
+          <p:cNvPr id="7" name="Slide Number Placeholder 6"/>
           <p:cNvSpPr>
             <a:spLocks noGrp="1"/>
           </p:cNvSpPr>
@@ -1476,18 +1732,12 @@
           <a:p>
             <a:fld id="{C1470EAF-C440-4D52-A2DC-8DB2B5102B04}" type="slidenum">
               <a:rPr lang="en-US" smtClean="0"/>
-              <a:t>‹#›</a:t>
             </a:fld>
             <a:endParaRPr lang="en-US"/>
           </a:p>
         </p:txBody>
       </p:sp>
     </p:spTree>
-    <p:extLst>
-      <p:ext uri="{BB962C8B-B14F-4D97-AF65-F5344CB8AC3E}">
-        <p14:creationId xmlns:p14="http://schemas.microsoft.com/office/powerpoint/2010/main" val="99632798"/>
-      </p:ext>
-    </p:extLst>
   </p:cSld>
   <p:clrMapOvr>
     <a:masterClrMapping/>
@@ -1514,13 +1764,7 @@
       </p:grpSpPr>
       <p:sp>
         <p:nvSpPr>
-          <p:cNvPr id="2" name="Title 1">
-            <a:extLst>
-              <a:ext uri="{FF2B5EF4-FFF2-40B4-BE49-F238E27FC236}">
-                <a16:creationId xmlns:a16="http://schemas.microsoft.com/office/drawing/2014/main" id="{1D6A5C1C-44B4-45D6-B093-6981568A6738}"/>
-              </a:ext>
-            </a:extLst>
-          </p:cNvPr>
+          <p:cNvPr id="2" name="Title 1"/>
           <p:cNvSpPr>
             <a:spLocks noGrp="1"/>
           </p:cNvSpPr>
@@ -1542,18 +1786,13 @@
               <a:rPr lang="en-US"/>
               <a:t>Click to edit Master title style</a:t>
             </a:r>
-          </a:p>
-        </p:txBody>
-      </p:sp>
-      <p:sp>
-        <p:nvSpPr>
-          <p:cNvPr id="3" name="Text Placeholder 2">
-            <a:extLst>
-              <a:ext uri="{FF2B5EF4-FFF2-40B4-BE49-F238E27FC236}">
-                <a16:creationId xmlns:a16="http://schemas.microsoft.com/office/drawing/2014/main" id="{5D4FD439-942A-451F-8A8F-2C5F76CAE872}"/>
-              </a:ext>
-            </a:extLst>
-          </p:cNvPr>
+            <a:endParaRPr lang="en-US"/>
+          </a:p>
+        </p:txBody>
+      </p:sp>
+      <p:sp>
+        <p:nvSpPr>
+          <p:cNvPr id="3" name="Text Placeholder 2"/>
           <p:cNvSpPr>
             <a:spLocks noGrp="1"/>
           </p:cNvSpPr>
@@ -1613,18 +1852,13 @@
               <a:rPr lang="en-US"/>
               <a:t>Click to edit Master text styles</a:t>
             </a:r>
-          </a:p>
-        </p:txBody>
-      </p:sp>
-      <p:sp>
-        <p:nvSpPr>
-          <p:cNvPr id="4" name="Content Placeholder 3">
-            <a:extLst>
-              <a:ext uri="{FF2B5EF4-FFF2-40B4-BE49-F238E27FC236}">
-                <a16:creationId xmlns:a16="http://schemas.microsoft.com/office/drawing/2014/main" id="{4739C905-4F44-4B46-A2BA-998B354FA78C}"/>
-              </a:ext>
-            </a:extLst>
-          </p:cNvPr>
+            <a:endParaRPr lang="en-US"/>
+          </a:p>
+        </p:txBody>
+      </p:sp>
+      <p:sp>
+        <p:nvSpPr>
+          <p:cNvPr id="4" name="Content Placeholder 3"/>
           <p:cNvSpPr>
             <a:spLocks noGrp="1"/>
           </p:cNvSpPr>
@@ -1647,6 +1881,7 @@
               <a:rPr lang="en-US"/>
               <a:t>Click to edit Master text styles</a:t>
             </a:r>
+            <a:endParaRPr lang="en-US"/>
           </a:p>
           <a:p>
             <a:pPr lvl="1"/>
@@ -1654,6 +1889,7 @@
               <a:rPr lang="en-US"/>
               <a:t>Second level</a:t>
             </a:r>
+            <a:endParaRPr lang="en-US"/>
           </a:p>
           <a:p>
             <a:pPr lvl="2"/>
@@ -1661,6 +1897,7 @@
               <a:rPr lang="en-US"/>
               <a:t>Third level</a:t>
             </a:r>
+            <a:endParaRPr lang="en-US"/>
           </a:p>
           <a:p>
             <a:pPr lvl="3"/>
@@ -1668,6 +1905,7 @@
               <a:rPr lang="en-US"/>
               <a:t>Fourth level</a:t>
             </a:r>
+            <a:endParaRPr lang="en-US"/>
           </a:p>
           <a:p>
             <a:pPr lvl="4"/>
@@ -1675,18 +1913,13 @@
               <a:rPr lang="en-US"/>
               <a:t>Fifth level</a:t>
             </a:r>
-          </a:p>
-        </p:txBody>
-      </p:sp>
-      <p:sp>
-        <p:nvSpPr>
-          <p:cNvPr id="5" name="Text Placeholder 4">
-            <a:extLst>
-              <a:ext uri="{FF2B5EF4-FFF2-40B4-BE49-F238E27FC236}">
-                <a16:creationId xmlns:a16="http://schemas.microsoft.com/office/drawing/2014/main" id="{E4B58FBC-CE52-44A6-894E-3201C1310710}"/>
-              </a:ext>
-            </a:extLst>
-          </p:cNvPr>
+            <a:endParaRPr lang="en-US"/>
+          </a:p>
+        </p:txBody>
+      </p:sp>
+      <p:sp>
+        <p:nvSpPr>
+          <p:cNvPr id="5" name="Text Placeholder 4"/>
           <p:cNvSpPr>
             <a:spLocks noGrp="1"/>
           </p:cNvSpPr>
@@ -1746,18 +1979,13 @@
               <a:rPr lang="en-US"/>
               <a:t>Click to edit Master text styles</a:t>
             </a:r>
-          </a:p>
-        </p:txBody>
-      </p:sp>
-      <p:sp>
-        <p:nvSpPr>
-          <p:cNvPr id="6" name="Content Placeholder 5">
-            <a:extLst>
-              <a:ext uri="{FF2B5EF4-FFF2-40B4-BE49-F238E27FC236}">
-                <a16:creationId xmlns:a16="http://schemas.microsoft.com/office/drawing/2014/main" id="{2CB4426E-6CA2-4C96-8304-113D9AFA5DA1}"/>
-              </a:ext>
-            </a:extLst>
-          </p:cNvPr>
+            <a:endParaRPr lang="en-US"/>
+          </a:p>
+        </p:txBody>
+      </p:sp>
+      <p:sp>
+        <p:nvSpPr>
+          <p:cNvPr id="6" name="Content Placeholder 5"/>
           <p:cNvSpPr>
             <a:spLocks noGrp="1"/>
           </p:cNvSpPr>
@@ -1780,6 +2008,7 @@
               <a:rPr lang="en-US"/>
               <a:t>Click to edit Master text styles</a:t>
             </a:r>
+            <a:endParaRPr lang="en-US"/>
           </a:p>
           <a:p>
             <a:pPr lvl="1"/>
@@ -1787,6 +2016,7 @@
               <a:rPr lang="en-US"/>
               <a:t>Second level</a:t>
             </a:r>
+            <a:endParaRPr lang="en-US"/>
           </a:p>
           <a:p>
             <a:pPr lvl="2"/>
@@ -1794,6 +2024,7 @@
               <a:rPr lang="en-US"/>
               <a:t>Third level</a:t>
             </a:r>
+            <a:endParaRPr lang="en-US"/>
           </a:p>
           <a:p>
             <a:pPr lvl="3"/>
@@ -1801,6 +2032,7 @@
               <a:rPr lang="en-US"/>
               <a:t>Fourth level</a:t>
             </a:r>
+            <a:endParaRPr lang="en-US"/>
           </a:p>
           <a:p>
             <a:pPr lvl="4"/>
@@ -1808,18 +2040,13 @@
               <a:rPr lang="en-US"/>
               <a:t>Fifth level</a:t>
             </a:r>
-          </a:p>
-        </p:txBody>
-      </p:sp>
-      <p:sp>
-        <p:nvSpPr>
-          <p:cNvPr id="7" name="Date Placeholder 6">
-            <a:extLst>
-              <a:ext uri="{FF2B5EF4-FFF2-40B4-BE49-F238E27FC236}">
-                <a16:creationId xmlns:a16="http://schemas.microsoft.com/office/drawing/2014/main" id="{02D161A0-0C80-40E7-BF6A-136297449E21}"/>
-              </a:ext>
-            </a:extLst>
-          </p:cNvPr>
+            <a:endParaRPr lang="en-US"/>
+          </a:p>
+        </p:txBody>
+      </p:sp>
+      <p:sp>
+        <p:nvSpPr>
+          <p:cNvPr id="7" name="Date Placeholder 6"/>
           <p:cNvSpPr>
             <a:spLocks noGrp="1"/>
           </p:cNvSpPr>
@@ -1834,7 +2061,6 @@
           <a:p>
             <a:fld id="{77E03E06-8C86-48F5-8794-31FA2B737184}" type="datetimeFigureOut">
               <a:rPr lang="en-US" smtClean="0"/>
-              <a:t>11/30/2019</a:t>
             </a:fld>
             <a:endParaRPr lang="en-US"/>
           </a:p>
@@ -1842,13 +2068,7 @@
       </p:sp>
       <p:sp>
         <p:nvSpPr>
-          <p:cNvPr id="8" name="Footer Placeholder 7">
-            <a:extLst>
-              <a:ext uri="{FF2B5EF4-FFF2-40B4-BE49-F238E27FC236}">
-                <a16:creationId xmlns:a16="http://schemas.microsoft.com/office/drawing/2014/main" id="{48CD89C9-CA58-49DE-81A4-13DFD462A43F}"/>
-              </a:ext>
-            </a:extLst>
-          </p:cNvPr>
+          <p:cNvPr id="8" name="Footer Placeholder 7"/>
           <p:cNvSpPr>
             <a:spLocks noGrp="1"/>
           </p:cNvSpPr>
@@ -1867,13 +2087,7 @@
       </p:sp>
       <p:sp>
         <p:nvSpPr>
-          <p:cNvPr id="9" name="Slide Number Placeholder 8">
-            <a:extLst>
-              <a:ext uri="{FF2B5EF4-FFF2-40B4-BE49-F238E27FC236}">
-                <a16:creationId xmlns:a16="http://schemas.microsoft.com/office/drawing/2014/main" id="{F5F2C7A7-F0B8-4590-9881-80BE3C374958}"/>
-              </a:ext>
-            </a:extLst>
-          </p:cNvPr>
+          <p:cNvPr id="9" name="Slide Number Placeholder 8"/>
           <p:cNvSpPr>
             <a:spLocks noGrp="1"/>
           </p:cNvSpPr>
@@ -1888,18 +2102,12 @@
           <a:p>
             <a:fld id="{C1470EAF-C440-4D52-A2DC-8DB2B5102B04}" type="slidenum">
               <a:rPr lang="en-US" smtClean="0"/>
-              <a:t>‹#›</a:t>
             </a:fld>
             <a:endParaRPr lang="en-US"/>
           </a:p>
         </p:txBody>
       </p:sp>
     </p:spTree>
-    <p:extLst>
-      <p:ext uri="{BB962C8B-B14F-4D97-AF65-F5344CB8AC3E}">
-        <p14:creationId xmlns:p14="http://schemas.microsoft.com/office/powerpoint/2010/main" val="1034223577"/>
-      </p:ext>
-    </p:extLst>
   </p:cSld>
   <p:clrMapOvr>
     <a:masterClrMapping/>
@@ -1926,13 +2134,7 @@
       </p:grpSpPr>
       <p:sp>
         <p:nvSpPr>
-          <p:cNvPr id="2" name="Title 1">
-            <a:extLst>
-              <a:ext uri="{FF2B5EF4-FFF2-40B4-BE49-F238E27FC236}">
-                <a16:creationId xmlns:a16="http://schemas.microsoft.com/office/drawing/2014/main" id="{4B40854E-56F8-49B1-8D41-3819F994BFB4}"/>
-              </a:ext>
-            </a:extLst>
-          </p:cNvPr>
+          <p:cNvPr id="2" name="Title 1"/>
           <p:cNvSpPr>
             <a:spLocks noGrp="1"/>
           </p:cNvSpPr>
@@ -1949,18 +2151,13 @@
               <a:rPr lang="en-US"/>
               <a:t>Click to edit Master title style</a:t>
             </a:r>
-          </a:p>
-        </p:txBody>
-      </p:sp>
-      <p:sp>
-        <p:nvSpPr>
-          <p:cNvPr id="3" name="Date Placeholder 2">
-            <a:extLst>
-              <a:ext uri="{FF2B5EF4-FFF2-40B4-BE49-F238E27FC236}">
-                <a16:creationId xmlns:a16="http://schemas.microsoft.com/office/drawing/2014/main" id="{9275CA1E-D493-472E-89B8-2F314386167D}"/>
-              </a:ext>
-            </a:extLst>
-          </p:cNvPr>
+            <a:endParaRPr lang="en-US"/>
+          </a:p>
+        </p:txBody>
+      </p:sp>
+      <p:sp>
+        <p:nvSpPr>
+          <p:cNvPr id="3" name="Date Placeholder 2"/>
           <p:cNvSpPr>
             <a:spLocks noGrp="1"/>
           </p:cNvSpPr>
@@ -1975,7 +2172,6 @@
           <a:p>
             <a:fld id="{77E03E06-8C86-48F5-8794-31FA2B737184}" type="datetimeFigureOut">
               <a:rPr lang="en-US" smtClean="0"/>
-              <a:t>11/30/2019</a:t>
             </a:fld>
             <a:endParaRPr lang="en-US"/>
           </a:p>
@@ -1983,13 +2179,7 @@
       </p:sp>
       <p:sp>
         <p:nvSpPr>
-          <p:cNvPr id="4" name="Footer Placeholder 3">
-            <a:extLst>
-              <a:ext uri="{FF2B5EF4-FFF2-40B4-BE49-F238E27FC236}">
-                <a16:creationId xmlns:a16="http://schemas.microsoft.com/office/drawing/2014/main" id="{889FDE07-2136-4280-B72E-03322BD78B52}"/>
-              </a:ext>
-            </a:extLst>
-          </p:cNvPr>
+          <p:cNvPr id="4" name="Footer Placeholder 3"/>
           <p:cNvSpPr>
             <a:spLocks noGrp="1"/>
           </p:cNvSpPr>
@@ -2008,13 +2198,7 @@
       </p:sp>
       <p:sp>
         <p:nvSpPr>
-          <p:cNvPr id="5" name="Slide Number Placeholder 4">
-            <a:extLst>
-              <a:ext uri="{FF2B5EF4-FFF2-40B4-BE49-F238E27FC236}">
-                <a16:creationId xmlns:a16="http://schemas.microsoft.com/office/drawing/2014/main" id="{129E0EE2-BD61-49DD-B2EB-FAAC27C22C1F}"/>
-              </a:ext>
-            </a:extLst>
-          </p:cNvPr>
+          <p:cNvPr id="5" name="Slide Number Placeholder 4"/>
           <p:cNvSpPr>
             <a:spLocks noGrp="1"/>
           </p:cNvSpPr>
@@ -2029,18 +2213,12 @@
           <a:p>
             <a:fld id="{C1470EAF-C440-4D52-A2DC-8DB2B5102B04}" type="slidenum">
               <a:rPr lang="en-US" smtClean="0"/>
-              <a:t>‹#›</a:t>
             </a:fld>
             <a:endParaRPr lang="en-US"/>
           </a:p>
         </p:txBody>
       </p:sp>
     </p:spTree>
-    <p:extLst>
-      <p:ext uri="{BB962C8B-B14F-4D97-AF65-F5344CB8AC3E}">
-        <p14:creationId xmlns:p14="http://schemas.microsoft.com/office/powerpoint/2010/main" val="1482326751"/>
-      </p:ext>
-    </p:extLst>
   </p:cSld>
   <p:clrMapOvr>
     <a:masterClrMapping/>
@@ -2067,13 +2245,7 @@
       </p:grpSpPr>
       <p:sp>
         <p:nvSpPr>
-          <p:cNvPr id="2" name="Date Placeholder 1">
-            <a:extLst>
-              <a:ext uri="{FF2B5EF4-FFF2-40B4-BE49-F238E27FC236}">
-                <a16:creationId xmlns:a16="http://schemas.microsoft.com/office/drawing/2014/main" id="{ED683272-A985-4C4D-B6A5-BDDD4A153182}"/>
-              </a:ext>
-            </a:extLst>
-          </p:cNvPr>
+          <p:cNvPr id="2" name="Date Placeholder 1"/>
           <p:cNvSpPr>
             <a:spLocks noGrp="1"/>
           </p:cNvSpPr>
@@ -2088,7 +2260,6 @@
           <a:p>
             <a:fld id="{77E03E06-8C86-48F5-8794-31FA2B737184}" type="datetimeFigureOut">
               <a:rPr lang="en-US" smtClean="0"/>
-              <a:t>11/30/2019</a:t>
             </a:fld>
             <a:endParaRPr lang="en-US"/>
           </a:p>
@@ -2096,13 +2267,7 @@
       </p:sp>
       <p:sp>
         <p:nvSpPr>
-          <p:cNvPr id="3" name="Footer Placeholder 2">
-            <a:extLst>
-              <a:ext uri="{FF2B5EF4-FFF2-40B4-BE49-F238E27FC236}">
-                <a16:creationId xmlns:a16="http://schemas.microsoft.com/office/drawing/2014/main" id="{6EFCBB99-B33A-49D5-81BF-316D3AFEAB55}"/>
-              </a:ext>
-            </a:extLst>
-          </p:cNvPr>
+          <p:cNvPr id="3" name="Footer Placeholder 2"/>
           <p:cNvSpPr>
             <a:spLocks noGrp="1"/>
           </p:cNvSpPr>
@@ -2121,13 +2286,7 @@
       </p:sp>
       <p:sp>
         <p:nvSpPr>
-          <p:cNvPr id="4" name="Slide Number Placeholder 3">
-            <a:extLst>
-              <a:ext uri="{FF2B5EF4-FFF2-40B4-BE49-F238E27FC236}">
-                <a16:creationId xmlns:a16="http://schemas.microsoft.com/office/drawing/2014/main" id="{9175B1E5-D4FF-438C-86D2-84AC539C217E}"/>
-              </a:ext>
-            </a:extLst>
-          </p:cNvPr>
+          <p:cNvPr id="4" name="Slide Number Placeholder 3"/>
           <p:cNvSpPr>
             <a:spLocks noGrp="1"/>
           </p:cNvSpPr>
@@ -2142,18 +2301,12 @@
           <a:p>
             <a:fld id="{C1470EAF-C440-4D52-A2DC-8DB2B5102B04}" type="slidenum">
               <a:rPr lang="en-US" smtClean="0"/>
-              <a:t>‹#›</a:t>
             </a:fld>
             <a:endParaRPr lang="en-US"/>
           </a:p>
         </p:txBody>
       </p:sp>
     </p:spTree>
-    <p:extLst>
-      <p:ext uri="{BB962C8B-B14F-4D97-AF65-F5344CB8AC3E}">
-        <p14:creationId xmlns:p14="http://schemas.microsoft.com/office/powerpoint/2010/main" val="1769744641"/>
-      </p:ext>
-    </p:extLst>
   </p:cSld>
   <p:clrMapOvr>
     <a:masterClrMapping/>
@@ -2180,13 +2333,7 @@
       </p:grpSpPr>
       <p:sp>
         <p:nvSpPr>
-          <p:cNvPr id="2" name="Title 1">
-            <a:extLst>
-              <a:ext uri="{FF2B5EF4-FFF2-40B4-BE49-F238E27FC236}">
-                <a16:creationId xmlns:a16="http://schemas.microsoft.com/office/drawing/2014/main" id="{E2269751-F6FC-48B2-98BF-21222C5CA2F3}"/>
-              </a:ext>
-            </a:extLst>
-          </p:cNvPr>
+          <p:cNvPr id="2" name="Title 1"/>
           <p:cNvSpPr>
             <a:spLocks noGrp="1"/>
           </p:cNvSpPr>
@@ -2212,18 +2359,13 @@
               <a:rPr lang="en-US"/>
               <a:t>Click to edit Master title style</a:t>
             </a:r>
-          </a:p>
-        </p:txBody>
-      </p:sp>
-      <p:sp>
-        <p:nvSpPr>
-          <p:cNvPr id="3" name="Content Placeholder 2">
-            <a:extLst>
-              <a:ext uri="{FF2B5EF4-FFF2-40B4-BE49-F238E27FC236}">
-                <a16:creationId xmlns:a16="http://schemas.microsoft.com/office/drawing/2014/main" id="{31E46B08-5D7B-4D4A-A4FA-11C892970BAA}"/>
-              </a:ext>
-            </a:extLst>
-          </p:cNvPr>
+            <a:endParaRPr lang="en-US"/>
+          </a:p>
+        </p:txBody>
+      </p:sp>
+      <p:sp>
+        <p:nvSpPr>
+          <p:cNvPr id="3" name="Content Placeholder 2"/>
           <p:cNvSpPr>
             <a:spLocks noGrp="1"/>
           </p:cNvSpPr>
@@ -2274,6 +2416,7 @@
               <a:rPr lang="en-US"/>
               <a:t>Click to edit Master text styles</a:t>
             </a:r>
+            <a:endParaRPr lang="en-US"/>
           </a:p>
           <a:p>
             <a:pPr lvl="1"/>
@@ -2281,6 +2424,7 @@
               <a:rPr lang="en-US"/>
               <a:t>Second level</a:t>
             </a:r>
+            <a:endParaRPr lang="en-US"/>
           </a:p>
           <a:p>
             <a:pPr lvl="2"/>
@@ -2288,6 +2432,7 @@
               <a:rPr lang="en-US"/>
               <a:t>Third level</a:t>
             </a:r>
+            <a:endParaRPr lang="en-US"/>
           </a:p>
           <a:p>
             <a:pPr lvl="3"/>
@@ -2295,6 +2440,7 @@
               <a:rPr lang="en-US"/>
               <a:t>Fourth level</a:t>
             </a:r>
+            <a:endParaRPr lang="en-US"/>
           </a:p>
           <a:p>
             <a:pPr lvl="4"/>
@@ -2302,18 +2448,13 @@
               <a:rPr lang="en-US"/>
               <a:t>Fifth level</a:t>
             </a:r>
-          </a:p>
-        </p:txBody>
-      </p:sp>
-      <p:sp>
-        <p:nvSpPr>
-          <p:cNvPr id="4" name="Text Placeholder 3">
-            <a:extLst>
-              <a:ext uri="{FF2B5EF4-FFF2-40B4-BE49-F238E27FC236}">
-                <a16:creationId xmlns:a16="http://schemas.microsoft.com/office/drawing/2014/main" id="{74F9B537-1EFC-4534-9A98-0B6EB580BE54}"/>
-              </a:ext>
-            </a:extLst>
-          </p:cNvPr>
+            <a:endParaRPr lang="en-US"/>
+          </a:p>
+        </p:txBody>
+      </p:sp>
+      <p:sp>
+        <p:nvSpPr>
+          <p:cNvPr id="4" name="Text Placeholder 3"/>
           <p:cNvSpPr>
             <a:spLocks noGrp="1"/>
           </p:cNvSpPr>
@@ -2373,18 +2514,13 @@
               <a:rPr lang="en-US"/>
               <a:t>Click to edit Master text styles</a:t>
             </a:r>
-          </a:p>
-        </p:txBody>
-      </p:sp>
-      <p:sp>
-        <p:nvSpPr>
-          <p:cNvPr id="5" name="Date Placeholder 4">
-            <a:extLst>
-              <a:ext uri="{FF2B5EF4-FFF2-40B4-BE49-F238E27FC236}">
-                <a16:creationId xmlns:a16="http://schemas.microsoft.com/office/drawing/2014/main" id="{637D3A0E-93B5-4F05-B722-04F9BA6538B9}"/>
-              </a:ext>
-            </a:extLst>
-          </p:cNvPr>
+            <a:endParaRPr lang="en-US"/>
+          </a:p>
+        </p:txBody>
+      </p:sp>
+      <p:sp>
+        <p:nvSpPr>
+          <p:cNvPr id="5" name="Date Placeholder 4"/>
           <p:cNvSpPr>
             <a:spLocks noGrp="1"/>
           </p:cNvSpPr>
@@ -2399,7 +2535,6 @@
           <a:p>
             <a:fld id="{77E03E06-8C86-48F5-8794-31FA2B737184}" type="datetimeFigureOut">
               <a:rPr lang="en-US" smtClean="0"/>
-              <a:t>11/30/2019</a:t>
             </a:fld>
             <a:endParaRPr lang="en-US"/>
           </a:p>
@@ -2407,13 +2542,7 @@
       </p:sp>
       <p:sp>
         <p:nvSpPr>
-          <p:cNvPr id="6" name="Footer Placeholder 5">
-            <a:extLst>
-              <a:ext uri="{FF2B5EF4-FFF2-40B4-BE49-F238E27FC236}">
-                <a16:creationId xmlns:a16="http://schemas.microsoft.com/office/drawing/2014/main" id="{95247927-C93B-4B6E-BAD4-CB9C24DC7BAE}"/>
-              </a:ext>
-            </a:extLst>
-          </p:cNvPr>
+          <p:cNvPr id="6" name="Footer Placeholder 5"/>
           <p:cNvSpPr>
             <a:spLocks noGrp="1"/>
           </p:cNvSpPr>
@@ -2432,13 +2561,7 @@
       </p:sp>
       <p:sp>
         <p:nvSpPr>
-          <p:cNvPr id="7" name="Slide Number Placeholder 6">
-            <a:extLst>
-              <a:ext uri="{FF2B5EF4-FFF2-40B4-BE49-F238E27FC236}">
-                <a16:creationId xmlns:a16="http://schemas.microsoft.com/office/drawing/2014/main" id="{AD9124CB-ED5A-4920-B041-B40CF3F65267}"/>
-              </a:ext>
-            </a:extLst>
-          </p:cNvPr>
+          <p:cNvPr id="7" name="Slide Number Placeholder 6"/>
           <p:cNvSpPr>
             <a:spLocks noGrp="1"/>
           </p:cNvSpPr>
@@ -2453,18 +2576,12 @@
           <a:p>
             <a:fld id="{C1470EAF-C440-4D52-A2DC-8DB2B5102B04}" type="slidenum">
               <a:rPr lang="en-US" smtClean="0"/>
-              <a:t>‹#›</a:t>
             </a:fld>
             <a:endParaRPr lang="en-US"/>
           </a:p>
         </p:txBody>
       </p:sp>
     </p:spTree>
-    <p:extLst>
-      <p:ext uri="{BB962C8B-B14F-4D97-AF65-F5344CB8AC3E}">
-        <p14:creationId xmlns:p14="http://schemas.microsoft.com/office/powerpoint/2010/main" val="534727708"/>
-      </p:ext>
-    </p:extLst>
   </p:cSld>
   <p:clrMapOvr>
     <a:masterClrMapping/>
@@ -2491,13 +2608,7 @@
       </p:grpSpPr>
       <p:sp>
         <p:nvSpPr>
-          <p:cNvPr id="2" name="Title 1">
-            <a:extLst>
-              <a:ext uri="{FF2B5EF4-FFF2-40B4-BE49-F238E27FC236}">
-                <a16:creationId xmlns:a16="http://schemas.microsoft.com/office/drawing/2014/main" id="{DD9808E3-4C37-4C48-A808-E4B7CDDACB78}"/>
-              </a:ext>
-            </a:extLst>
-          </p:cNvPr>
+          <p:cNvPr id="2" name="Title 1"/>
           <p:cNvSpPr>
             <a:spLocks noGrp="1"/>
           </p:cNvSpPr>
@@ -2523,18 +2634,13 @@
               <a:rPr lang="en-US"/>
               <a:t>Click to edit Master title style</a:t>
             </a:r>
-          </a:p>
-        </p:txBody>
-      </p:sp>
-      <p:sp>
-        <p:nvSpPr>
-          <p:cNvPr id="3" name="Picture Placeholder 2">
-            <a:extLst>
-              <a:ext uri="{FF2B5EF4-FFF2-40B4-BE49-F238E27FC236}">
-                <a16:creationId xmlns:a16="http://schemas.microsoft.com/office/drawing/2014/main" id="{E15F786C-F658-4B3B-A174-30A0B25F7EC7}"/>
-              </a:ext>
-            </a:extLst>
-          </p:cNvPr>
+            <a:endParaRPr lang="en-US"/>
+          </a:p>
+        </p:txBody>
+      </p:sp>
+      <p:sp>
+        <p:nvSpPr>
+          <p:cNvPr id="3" name="Picture Placeholder 2"/>
           <p:cNvSpPr>
             <a:spLocks noGrp="1"/>
           </p:cNvSpPr>
@@ -2595,13 +2701,7 @@
       </p:sp>
       <p:sp>
         <p:nvSpPr>
-          <p:cNvPr id="4" name="Text Placeholder 3">
-            <a:extLst>
-              <a:ext uri="{FF2B5EF4-FFF2-40B4-BE49-F238E27FC236}">
-                <a16:creationId xmlns:a16="http://schemas.microsoft.com/office/drawing/2014/main" id="{09848288-28DF-46FB-BB0B-38697D8E033B}"/>
-              </a:ext>
-            </a:extLst>
-          </p:cNvPr>
+          <p:cNvPr id="4" name="Text Placeholder 3"/>
           <p:cNvSpPr>
             <a:spLocks noGrp="1"/>
           </p:cNvSpPr>
@@ -2661,18 +2761,13 @@
               <a:rPr lang="en-US"/>
               <a:t>Click to edit Master text styles</a:t>
             </a:r>
-          </a:p>
-        </p:txBody>
-      </p:sp>
-      <p:sp>
-        <p:nvSpPr>
-          <p:cNvPr id="5" name="Date Placeholder 4">
-            <a:extLst>
-              <a:ext uri="{FF2B5EF4-FFF2-40B4-BE49-F238E27FC236}">
-                <a16:creationId xmlns:a16="http://schemas.microsoft.com/office/drawing/2014/main" id="{3F00DB01-7E5D-42DB-A1B0-128442A22263}"/>
-              </a:ext>
-            </a:extLst>
-          </p:cNvPr>
+            <a:endParaRPr lang="en-US"/>
+          </a:p>
+        </p:txBody>
+      </p:sp>
+      <p:sp>
+        <p:nvSpPr>
+          <p:cNvPr id="5" name="Date Placeholder 4"/>
           <p:cNvSpPr>
             <a:spLocks noGrp="1"/>
           </p:cNvSpPr>
@@ -2687,7 +2782,6 @@
           <a:p>
             <a:fld id="{77E03E06-8C86-48F5-8794-31FA2B737184}" type="datetimeFigureOut">
               <a:rPr lang="en-US" smtClean="0"/>
-              <a:t>11/30/2019</a:t>
             </a:fld>
             <a:endParaRPr lang="en-US"/>
           </a:p>
@@ -2695,13 +2789,7 @@
       </p:sp>
       <p:sp>
         <p:nvSpPr>
-          <p:cNvPr id="6" name="Footer Placeholder 5">
-            <a:extLst>
-              <a:ext uri="{FF2B5EF4-FFF2-40B4-BE49-F238E27FC236}">
-                <a16:creationId xmlns:a16="http://schemas.microsoft.com/office/drawing/2014/main" id="{7C760BC7-6622-48F4-8D93-89F41DB61083}"/>
-              </a:ext>
-            </a:extLst>
-          </p:cNvPr>
+          <p:cNvPr id="6" name="Footer Placeholder 5"/>
           <p:cNvSpPr>
             <a:spLocks noGrp="1"/>
           </p:cNvSpPr>
@@ -2720,13 +2808,7 @@
       </p:sp>
       <p:sp>
         <p:nvSpPr>
-          <p:cNvPr id="7" name="Slide Number Placeholder 6">
-            <a:extLst>
-              <a:ext uri="{FF2B5EF4-FFF2-40B4-BE49-F238E27FC236}">
-                <a16:creationId xmlns:a16="http://schemas.microsoft.com/office/drawing/2014/main" id="{F3E23383-4E9E-4873-9943-126D895FA84B}"/>
-              </a:ext>
-            </a:extLst>
-          </p:cNvPr>
+          <p:cNvPr id="7" name="Slide Number Placeholder 6"/>
           <p:cNvSpPr>
             <a:spLocks noGrp="1"/>
           </p:cNvSpPr>
@@ -2741,18 +2823,12 @@
           <a:p>
             <a:fld id="{C1470EAF-C440-4D52-A2DC-8DB2B5102B04}" type="slidenum">
               <a:rPr lang="en-US" smtClean="0"/>
-              <a:t>‹#›</a:t>
             </a:fld>
             <a:endParaRPr lang="en-US"/>
           </a:p>
         </p:txBody>
       </p:sp>
     </p:spTree>
-    <p:extLst>
-      <p:ext uri="{BB962C8B-B14F-4D97-AF65-F5344CB8AC3E}">
-        <p14:creationId xmlns:p14="http://schemas.microsoft.com/office/powerpoint/2010/main" val="2339904567"/>
-      </p:ext>
-    </p:extLst>
   </p:cSld>
   <p:clrMapOvr>
     <a:masterClrMapping/>
@@ -2784,13 +2860,7 @@
       </p:grpSpPr>
       <p:sp>
         <p:nvSpPr>
-          <p:cNvPr id="2" name="Title Placeholder 1">
-            <a:extLst>
-              <a:ext uri="{FF2B5EF4-FFF2-40B4-BE49-F238E27FC236}">
-                <a16:creationId xmlns:a16="http://schemas.microsoft.com/office/drawing/2014/main" id="{D1894D02-8FA1-4D60-B677-F918F420776C}"/>
-              </a:ext>
-            </a:extLst>
-          </p:cNvPr>
+          <p:cNvPr id="2" name="Title Placeholder 1"/>
           <p:cNvSpPr>
             <a:spLocks noGrp="1"/>
           </p:cNvSpPr>
@@ -2817,18 +2887,13 @@
               <a:rPr lang="en-US"/>
               <a:t>Click to edit Master title style</a:t>
             </a:r>
-          </a:p>
-        </p:txBody>
-      </p:sp>
-      <p:sp>
-        <p:nvSpPr>
-          <p:cNvPr id="3" name="Text Placeholder 2">
-            <a:extLst>
-              <a:ext uri="{FF2B5EF4-FFF2-40B4-BE49-F238E27FC236}">
-                <a16:creationId xmlns:a16="http://schemas.microsoft.com/office/drawing/2014/main" id="{70C6B07B-EE5A-436E-AD96-31F18AB20A60}"/>
-              </a:ext>
-            </a:extLst>
-          </p:cNvPr>
+            <a:endParaRPr lang="en-US"/>
+          </a:p>
+        </p:txBody>
+      </p:sp>
+      <p:sp>
+        <p:nvSpPr>
+          <p:cNvPr id="3" name="Text Placeholder 2"/>
           <p:cNvSpPr>
             <a:spLocks noGrp="1"/>
           </p:cNvSpPr>
@@ -2856,6 +2921,7 @@
               <a:rPr lang="en-US"/>
               <a:t>Click to edit Master text styles</a:t>
             </a:r>
+            <a:endParaRPr lang="en-US"/>
           </a:p>
           <a:p>
             <a:pPr lvl="1"/>
@@ -2863,6 +2929,7 @@
               <a:rPr lang="en-US"/>
               <a:t>Second level</a:t>
             </a:r>
+            <a:endParaRPr lang="en-US"/>
           </a:p>
           <a:p>
             <a:pPr lvl="2"/>
@@ -2870,6 +2937,7 @@
               <a:rPr lang="en-US"/>
               <a:t>Third level</a:t>
             </a:r>
+            <a:endParaRPr lang="en-US"/>
           </a:p>
           <a:p>
             <a:pPr lvl="3"/>
@@ -2877,6 +2945,7 @@
               <a:rPr lang="en-US"/>
               <a:t>Fourth level</a:t>
             </a:r>
+            <a:endParaRPr lang="en-US"/>
           </a:p>
           <a:p>
             <a:pPr lvl="4"/>
@@ -2884,18 +2953,13 @@
               <a:rPr lang="en-US"/>
               <a:t>Fifth level</a:t>
             </a:r>
-          </a:p>
-        </p:txBody>
-      </p:sp>
-      <p:sp>
-        <p:nvSpPr>
-          <p:cNvPr id="4" name="Date Placeholder 3">
-            <a:extLst>
-              <a:ext uri="{FF2B5EF4-FFF2-40B4-BE49-F238E27FC236}">
-                <a16:creationId xmlns:a16="http://schemas.microsoft.com/office/drawing/2014/main" id="{FAD8CBF3-B577-4615-A550-7223C510237B}"/>
-              </a:ext>
-            </a:extLst>
-          </p:cNvPr>
+            <a:endParaRPr lang="en-US"/>
+          </a:p>
+        </p:txBody>
+      </p:sp>
+      <p:sp>
+        <p:nvSpPr>
+          <p:cNvPr id="4" name="Date Placeholder 3"/>
           <p:cNvSpPr>
             <a:spLocks noGrp="1"/>
           </p:cNvSpPr>
@@ -2928,7 +2992,6 @@
           <a:p>
             <a:fld id="{77E03E06-8C86-48F5-8794-31FA2B737184}" type="datetimeFigureOut">
               <a:rPr lang="en-US" smtClean="0"/>
-              <a:t>11/30/2019</a:t>
             </a:fld>
             <a:endParaRPr lang="en-US"/>
           </a:p>
@@ -2936,13 +2999,7 @@
       </p:sp>
       <p:sp>
         <p:nvSpPr>
-          <p:cNvPr id="5" name="Footer Placeholder 4">
-            <a:extLst>
-              <a:ext uri="{FF2B5EF4-FFF2-40B4-BE49-F238E27FC236}">
-                <a16:creationId xmlns:a16="http://schemas.microsoft.com/office/drawing/2014/main" id="{FF07F116-6432-4AF5-869E-EB25881D69CF}"/>
-              </a:ext>
-            </a:extLst>
-          </p:cNvPr>
+          <p:cNvPr id="5" name="Footer Placeholder 4"/>
           <p:cNvSpPr>
             <a:spLocks noGrp="1"/>
           </p:cNvSpPr>
@@ -2979,13 +3036,7 @@
       </p:sp>
       <p:sp>
         <p:nvSpPr>
-          <p:cNvPr id="6" name="Slide Number Placeholder 5">
-            <a:extLst>
-              <a:ext uri="{FF2B5EF4-FFF2-40B4-BE49-F238E27FC236}">
-                <a16:creationId xmlns:a16="http://schemas.microsoft.com/office/drawing/2014/main" id="{67CF2AE0-A65F-4601-BF80-C1B4E05DFBAB}"/>
-              </a:ext>
-            </a:extLst>
-          </p:cNvPr>
+          <p:cNvPr id="6" name="Slide Number Placeholder 5"/>
           <p:cNvSpPr>
             <a:spLocks noGrp="1"/>
           </p:cNvSpPr>
@@ -3018,18 +3069,12 @@
           <a:p>
             <a:fld id="{C1470EAF-C440-4D52-A2DC-8DB2B5102B04}" type="slidenum">
               <a:rPr lang="en-US" smtClean="0"/>
-              <a:t>‹#›</a:t>
             </a:fld>
             <a:endParaRPr lang="en-US"/>
           </a:p>
         </p:txBody>
       </p:sp>
     </p:spTree>
-    <p:extLst>
-      <p:ext uri="{BB962C8B-B14F-4D97-AF65-F5344CB8AC3E}">
-        <p14:creationId xmlns:p14="http://schemas.microsoft.com/office/powerpoint/2010/main" val="177361422"/>
-      </p:ext>
-    </p:extLst>
   </p:cSld>
   <p:clrMap bg1="lt1" tx1="dk1" bg2="lt2" tx2="dk2" accent1="accent1" accent2="accent2" accent3="accent3" accent4="accent4" accent5="accent5" accent6="accent6" hlink="hlink" folHlink="folHlink"/>
   <p:sldLayoutIdLst>
@@ -3347,13 +3392,7 @@
       </p:grpSpPr>
       <p:sp>
         <p:nvSpPr>
-          <p:cNvPr id="3" name="Subtitle 2">
-            <a:extLst>
-              <a:ext uri="{FF2B5EF4-FFF2-40B4-BE49-F238E27FC236}">
-                <a16:creationId xmlns:a16="http://schemas.microsoft.com/office/drawing/2014/main" id="{9BA16595-C170-4072-B01B-B06174E34EA4}"/>
-              </a:ext>
-            </a:extLst>
-          </p:cNvPr>
+          <p:cNvPr id="3" name="Subtitle 2"/>
           <p:cNvSpPr>
             <a:spLocks noGrp="1"/>
           </p:cNvSpPr>
@@ -3377,18 +3416,15 @@
               </a:rPr>
               <a:t>E-mail: joaoalves.cs@gmail.com</a:t>
             </a:r>
-          </a:p>
-        </p:txBody>
-      </p:sp>
-      <p:sp>
-        <p:nvSpPr>
-          <p:cNvPr id="4" name="Title 1">
-            <a:extLst>
-              <a:ext uri="{FF2B5EF4-FFF2-40B4-BE49-F238E27FC236}">
-                <a16:creationId xmlns:a16="http://schemas.microsoft.com/office/drawing/2014/main" id="{146DF7B6-DE7C-403F-8A0B-6EB17406A98B}"/>
-              </a:ext>
-            </a:extLst>
-          </p:cNvPr>
+            <a:endParaRPr lang="en-US" dirty="0">
+              <a:latin typeface="Calibri Light (Headings)"/>
+            </a:endParaRPr>
+          </a:p>
+        </p:txBody>
+      </p:sp>
+      <p:sp>
+        <p:nvSpPr>
+          <p:cNvPr id="4" name="Title 1"/>
           <p:cNvSpPr>
             <a:spLocks noGrp="1"/>
           </p:cNvSpPr>
@@ -3447,11 +3483,6 @@
         </p:txBody>
       </p:sp>
     </p:spTree>
-    <p:extLst>
-      <p:ext uri="{BB962C8B-B14F-4D97-AF65-F5344CB8AC3E}">
-        <p14:creationId xmlns:p14="http://schemas.microsoft.com/office/powerpoint/2010/main" val="2040383790"/>
-      </p:ext>
-    </p:extLst>
   </p:cSld>
   <p:clrMapOvr>
     <a:masterClrMapping/>
@@ -3478,13 +3509,7 @@
       </p:grpSpPr>
       <p:sp>
         <p:nvSpPr>
-          <p:cNvPr id="2" name="Title 1">
-            <a:extLst>
-              <a:ext uri="{FF2B5EF4-FFF2-40B4-BE49-F238E27FC236}">
-                <a16:creationId xmlns:a16="http://schemas.microsoft.com/office/drawing/2014/main" id="{24777F16-1641-4B86-B1DA-28B4AB09C290}"/>
-              </a:ext>
-            </a:extLst>
-          </p:cNvPr>
+          <p:cNvPr id="2" name="Title 1"/>
           <p:cNvSpPr>
             <a:spLocks noGrp="1"/>
           </p:cNvSpPr>
@@ -3509,18 +3534,13 @@
               <a:rPr lang="en-US" sz="5200" dirty="0"/>
               <a:t>PROJETO PIRÂMIDES DE GIZÉ</a:t>
             </a:r>
-          </a:p>
-        </p:txBody>
-      </p:sp>
-      <p:sp>
-        <p:nvSpPr>
-          <p:cNvPr id="3" name="Content Placeholder 2">
-            <a:extLst>
-              <a:ext uri="{FF2B5EF4-FFF2-40B4-BE49-F238E27FC236}">
-                <a16:creationId xmlns:a16="http://schemas.microsoft.com/office/drawing/2014/main" id="{9FBEF090-A937-45B5-9B5C-3EE68F05FDE7}"/>
-              </a:ext>
-            </a:extLst>
-          </p:cNvPr>
+            <a:endParaRPr lang="en-US" sz="5200" dirty="0"/>
+          </a:p>
+        </p:txBody>
+      </p:sp>
+      <p:sp>
+        <p:nvSpPr>
+          <p:cNvPr id="3" name="Content Placeholder 2"/>
           <p:cNvSpPr>
             <a:spLocks noGrp="1"/>
           </p:cNvSpPr>
@@ -3545,55 +3565,50 @@
               <a:rPr lang="en-US" dirty="0"/>
               <a:t>	</a:t>
             </a:r>
+            <a:endParaRPr lang="en-US" dirty="0"/>
           </a:p>
           <a:p>
             <a:pPr marL="0" indent="0" algn="just">
               <a:buNone/>
             </a:pPr>
             <a:r>
-              <a:rPr lang="en-US" dirty="0"/>
-              <a:t>	Segue um </a:t>
-            </a:r>
-            <a:r>
-              <a:rPr lang="en-US" dirty="0" err="1"/>
+              <a:rPr lang="en-US" sz="2600" dirty="0"/>
+              <a:t>Segue um </a:t>
+            </a:r>
+            <a:r>
+              <a:rPr lang="en-US" sz="2600" dirty="0" err="1"/>
               <a:t>projeto</a:t>
             </a:r>
             <a:r>
-              <a:rPr lang="en-US" dirty="0"/>
+              <a:rPr lang="en-US" sz="2600" dirty="0"/>
               <a:t> das </a:t>
             </a:r>
             <a:r>
-              <a:rPr lang="en-US" dirty="0" err="1"/>
+              <a:rPr lang="en-US" sz="2600" dirty="0" err="1"/>
               <a:t>Pirâmides</a:t>
             </a:r>
             <a:r>
-              <a:rPr lang="en-US" dirty="0"/>
+              <a:rPr lang="en-US" sz="2600" dirty="0"/>
               <a:t> de </a:t>
             </a:r>
             <a:r>
-              <a:rPr lang="en-US" dirty="0" err="1"/>
+              <a:rPr lang="en-US" sz="2600" dirty="0" err="1"/>
               <a:t>Gizé</a:t>
             </a:r>
-            <a:endParaRPr lang="en-US" dirty="0"/>
+            <a:endParaRPr lang="en-US" sz="2600" dirty="0"/>
           </a:p>
         </p:txBody>
       </p:sp>
       <p:pic>
         <p:nvPicPr>
-          <p:cNvPr id="5" name="Picture 4">
-            <a:extLst>
-              <a:ext uri="{FF2B5EF4-FFF2-40B4-BE49-F238E27FC236}">
-                <a16:creationId xmlns:a16="http://schemas.microsoft.com/office/drawing/2014/main" id="{A075E7F3-A607-4A54-ADA8-CB79F6283763}"/>
-              </a:ext>
-            </a:extLst>
-          </p:cNvPr>
+          <p:cNvPr id="5" name="Picture 4"/>
           <p:cNvPicPr>
             <a:picLocks noChangeAspect="1"/>
           </p:cNvPicPr>
           <p:nvPr/>
         </p:nvPicPr>
         <p:blipFill>
-          <a:blip r:embed="rId2">
+          <a:blip r:embed="rId1">
             <a:extLst>
               <a:ext uri="{28A0092B-C50C-407E-A947-70E740481C1C}">
                 <a14:useLocalDpi xmlns:a14="http://schemas.microsoft.com/office/drawing/2010/main" val="0"/>
@@ -3615,11 +3630,6 @@
         </p:spPr>
       </p:pic>
     </p:spTree>
-    <p:extLst>
-      <p:ext uri="{BB962C8B-B14F-4D97-AF65-F5344CB8AC3E}">
-        <p14:creationId xmlns:p14="http://schemas.microsoft.com/office/powerpoint/2010/main" val="1828460129"/>
-      </p:ext>
-    </p:extLst>
   </p:cSld>
   <p:clrMapOvr>
     <a:masterClrMapping/>
@@ -3646,13 +3656,7 @@
       </p:grpSpPr>
       <p:sp>
         <p:nvSpPr>
-          <p:cNvPr id="2" name="Title 1">
-            <a:extLst>
-              <a:ext uri="{FF2B5EF4-FFF2-40B4-BE49-F238E27FC236}">
-                <a16:creationId xmlns:a16="http://schemas.microsoft.com/office/drawing/2014/main" id="{24777F16-1641-4B86-B1DA-28B4AB09C290}"/>
-              </a:ext>
-            </a:extLst>
-          </p:cNvPr>
+          <p:cNvPr id="2" name="Title 1"/>
           <p:cNvSpPr>
             <a:spLocks noGrp="1"/>
           </p:cNvSpPr>
@@ -3677,18 +3681,13 @@
               <a:rPr lang="en-US" sz="5200" dirty="0"/>
               <a:t>RETÂNGULO NO MATTER CONTROL</a:t>
             </a:r>
-          </a:p>
-        </p:txBody>
-      </p:sp>
-      <p:sp>
-        <p:nvSpPr>
-          <p:cNvPr id="3" name="Content Placeholder 2">
-            <a:extLst>
-              <a:ext uri="{FF2B5EF4-FFF2-40B4-BE49-F238E27FC236}">
-                <a16:creationId xmlns:a16="http://schemas.microsoft.com/office/drawing/2014/main" id="{9FBEF090-A937-45B5-9B5C-3EE68F05FDE7}"/>
-              </a:ext>
-            </a:extLst>
-          </p:cNvPr>
+            <a:endParaRPr lang="en-US" sz="5200" dirty="0"/>
+          </a:p>
+        </p:txBody>
+      </p:sp>
+      <p:sp>
+        <p:nvSpPr>
+          <p:cNvPr id="3" name="Content Placeholder 2"/>
           <p:cNvSpPr>
             <a:spLocks noGrp="1"/>
           </p:cNvSpPr>
@@ -3713,6 +3712,7 @@
               <a:rPr lang="en-US" dirty="0"/>
               <a:t>	</a:t>
             </a:r>
+            <a:endParaRPr lang="en-US" dirty="0"/>
           </a:p>
           <a:p>
             <a:pPr marL="0" indent="0" algn="just">
@@ -3723,31 +3723,10 @@
               <a:t>	</a:t>
             </a:r>
             <a:r>
-              <a:rPr lang="pt-BR" dirty="0"/>
-              <a:t>O retângulo é um objeto que não é primitivo no </a:t>
-            </a:r>
-            <a:r>
-              <a:rPr lang="pt-BR" dirty="0" err="1"/>
-              <a:t>MatterControl</a:t>
-            </a:r>
-            <a:r>
-              <a:rPr lang="pt-BR" dirty="0"/>
-              <a:t>, então o projetista precisa criar a partir do conhecimento adquirido no </a:t>
-            </a:r>
-            <a:r>
-              <a:rPr lang="pt-BR" dirty="0" err="1"/>
-              <a:t>MatterControl</a:t>
-            </a:r>
-            <a:r>
-              <a:rPr lang="pt-BR" dirty="0"/>
-              <a:t>.</a:t>
-            </a:r>
-          </a:p>
-          <a:p>
-            <a:pPr marL="0" indent="0" algn="just">
-              <a:buNone/>
-            </a:pPr>
-            <a:endParaRPr lang="pt-BR" dirty="0"/>
+              <a:rPr lang="en-US" sz="2600" dirty="0"/>
+              <a:t>O retângulo é um objeto que não é primitivo no MatterControl, então o projetista precisa criar a partir do conhecimento adquirido no MatterControl.</a:t>
+            </a:r>
+            <a:endParaRPr lang="en-US" dirty="0"/>
           </a:p>
           <a:p>
             <a:pPr marL="0" indent="0" algn="just">
@@ -3759,20 +3738,14 @@
       </p:sp>
       <p:pic>
         <p:nvPicPr>
-          <p:cNvPr id="8" name="Picture 7">
-            <a:extLst>
-              <a:ext uri="{FF2B5EF4-FFF2-40B4-BE49-F238E27FC236}">
-                <a16:creationId xmlns:a16="http://schemas.microsoft.com/office/drawing/2014/main" id="{9B65C2AD-4998-43F4-9437-B90B10A052AD}"/>
-              </a:ext>
-            </a:extLst>
-          </p:cNvPr>
+          <p:cNvPr id="8" name="Picture 7"/>
           <p:cNvPicPr>
             <a:picLocks noChangeAspect="1"/>
           </p:cNvPicPr>
           <p:nvPr/>
         </p:nvPicPr>
         <p:blipFill>
-          <a:blip r:embed="rId2">
+          <a:blip r:embed="rId1">
             <a:extLst>
               <a:ext uri="{28A0092B-C50C-407E-A947-70E740481C1C}">
                 <a14:useLocalDpi xmlns:a14="http://schemas.microsoft.com/office/drawing/2010/main" val="0"/>
@@ -3785,8 +3758,8 @@
         </p:blipFill>
         <p:spPr>
           <a:xfrm>
-            <a:off x="2056836" y="3429000"/>
-            <a:ext cx="8078327" cy="2819794"/>
+            <a:off x="2056765" y="3141980"/>
+            <a:ext cx="8078470" cy="3107055"/>
           </a:xfrm>
           <a:prstGeom prst="rect">
             <a:avLst/>
@@ -3794,11 +3767,6 @@
         </p:spPr>
       </p:pic>
     </p:spTree>
-    <p:extLst>
-      <p:ext uri="{BB962C8B-B14F-4D97-AF65-F5344CB8AC3E}">
-        <p14:creationId xmlns:p14="http://schemas.microsoft.com/office/powerpoint/2010/main" val="258491617"/>
-      </p:ext>
-    </p:extLst>
   </p:cSld>
   <p:clrMapOvr>
     <a:masterClrMapping/>
@@ -3825,13 +3793,7 @@
       </p:grpSpPr>
       <p:sp>
         <p:nvSpPr>
-          <p:cNvPr id="2" name="Title 1">
-            <a:extLst>
-              <a:ext uri="{FF2B5EF4-FFF2-40B4-BE49-F238E27FC236}">
-                <a16:creationId xmlns:a16="http://schemas.microsoft.com/office/drawing/2014/main" id="{E5E8D1DA-2D7D-461A-8D8D-7CAF47675C62}"/>
-              </a:ext>
-            </a:extLst>
-          </p:cNvPr>
+          <p:cNvPr id="2" name="Title 1"/>
           <p:cNvSpPr>
             <a:spLocks noGrp="1"/>
           </p:cNvSpPr>
@@ -3839,12 +3801,7 @@
             <p:ph type="title"/>
           </p:nvPr>
         </p:nvSpPr>
-        <p:spPr>
-          <a:xfrm>
-            <a:off x="838200" y="463826"/>
-            <a:ext cx="10515600" cy="821632"/>
-          </a:xfrm>
-        </p:spPr>
+        <p:spPr/>
         <p:txBody>
           <a:bodyPr>
             <a:noAutofit/>
@@ -3854,162 +3811,213 @@
             <a:pPr algn="ctr"/>
             <a:r>
               <a:rPr lang="en-US" sz="5200" dirty="0"/>
-              <a:t>RETÂNGULO NO MATTER CONTROL</a:t>
-            </a:r>
-          </a:p>
-        </p:txBody>
-      </p:sp>
-      <p:sp>
-        <p:nvSpPr>
-          <p:cNvPr id="3" name="Content Placeholder 2">
-            <a:extLst>
-              <a:ext uri="{FF2B5EF4-FFF2-40B4-BE49-F238E27FC236}">
-                <a16:creationId xmlns:a16="http://schemas.microsoft.com/office/drawing/2014/main" id="{1AD0B689-0C60-4A96-A9F1-5037CE604970}"/>
-              </a:ext>
-            </a:extLst>
-          </p:cNvPr>
-          <p:cNvSpPr>
-            <a:spLocks noGrp="1"/>
-          </p:cNvSpPr>
-          <p:nvPr>
-            <p:ph idx="1"/>
-          </p:nvPr>
-        </p:nvSpPr>
-        <p:spPr>
-          <a:xfrm>
-            <a:off x="838200" y="1285458"/>
-            <a:ext cx="10515600" cy="5274367"/>
+              <a:t>COMO FORMAR UM RETÂNGULO?</a:t>
+            </a:r>
+            <a:endParaRPr lang="en-US" sz="5200" dirty="0"/>
+          </a:p>
+        </p:txBody>
+      </p:sp>
+      <p:sp>
+        <p:nvSpPr>
+          <p:cNvPr id="3" name="Content Placeholder 2"/>
+          <p:cNvSpPr>
+            <a:spLocks noGrp="1"/>
+          </p:cNvSpPr>
+          <p:nvPr>
+            <p:ph sz="half" idx="1"/>
+          </p:nvPr>
+        </p:nvSpPr>
+        <p:spPr>
+          <a:xfrm>
+            <a:off x="838835" y="1492250"/>
+            <a:ext cx="10516235" cy="4699635"/>
           </a:xfrm>
         </p:spPr>
         <p:txBody>
           <a:bodyPr>
-            <a:normAutofit/>
+            <a:normAutofit lnSpcReduction="20000"/>
           </a:bodyPr>
           <a:lstStyle/>
           <a:p>
             <a:pPr marL="0" indent="0">
               <a:buNone/>
             </a:pPr>
-            <a:r>
-              <a:rPr lang="en-US" dirty="0"/>
-              <a:t>	</a:t>
-            </a:r>
-          </a:p>
-          <a:p>
-            <a:pPr marL="0" indent="0">
-              <a:buNone/>
-            </a:pPr>
-            <a:r>
-              <a:rPr lang="en-US" dirty="0"/>
-              <a:t>Este </a:t>
-            </a:r>
-            <a:r>
-              <a:rPr lang="en-US" dirty="0" err="1"/>
-              <a:t>projeto</a:t>
-            </a:r>
-            <a:r>
-              <a:rPr lang="en-US" dirty="0"/>
+            <a:endParaRPr lang="en-US" sz="2600" dirty="0"/>
+          </a:p>
+          <a:p>
+            <a:pPr marL="0" indent="0">
+              <a:buNone/>
+            </a:pPr>
+            <a:r>
+              <a:rPr lang="en-US" sz="2600" dirty="0"/>
+              <a:t>Um </a:t>
+            </a:r>
+            <a:r>
+              <a:rPr lang="en-US" sz="2600" dirty="0" err="1"/>
+              <a:t>cubo</a:t>
+            </a:r>
+            <a:r>
+              <a:rPr lang="en-US" sz="2600" dirty="0"/>
+              <a:t> no </a:t>
+            </a:r>
+            <a:r>
+              <a:rPr lang="en-US" sz="2600" dirty="0" err="1"/>
+              <a:t>MatterControl</a:t>
+            </a:r>
+            <a:r>
+              <a:rPr lang="en-US" sz="2600" dirty="0"/>
               <a:t> </a:t>
             </a:r>
             <a:r>
-              <a:rPr lang="en-US" dirty="0" err="1"/>
-              <a:t>lembra</a:t>
-            </a:r>
-            <a:r>
-              <a:rPr lang="en-US" dirty="0"/>
+              <a:rPr lang="en-US" sz="2600" dirty="0" err="1"/>
+              <a:t>pode</a:t>
+            </a:r>
+            <a:r>
+              <a:rPr lang="en-US" sz="2600" dirty="0"/>
+              <a:t> ser </a:t>
+            </a:r>
+            <a:r>
+              <a:rPr lang="en-US" sz="2600" dirty="0" err="1"/>
+              <a:t>formado</a:t>
+            </a:r>
+            <a:r>
+              <a:rPr lang="en-US" sz="2600" dirty="0"/>
               <a:t> </a:t>
             </a:r>
             <a:r>
-              <a:rPr lang="en-US" dirty="0" err="1"/>
-              <a:t>vários</a:t>
-            </a:r>
-            <a:r>
-              <a:rPr lang="en-US" dirty="0"/>
+              <a:rPr lang="en-US" sz="2600" dirty="0" err="1"/>
+              <a:t>seguindo</a:t>
+            </a:r>
+            <a:r>
+              <a:rPr lang="en-US" sz="2600" dirty="0"/>
               <a:t> </a:t>
             </a:r>
             <a:r>
-              <a:rPr lang="en-US" dirty="0" err="1"/>
-              <a:t>retângulos</a:t>
-            </a:r>
-            <a:r>
-              <a:rPr lang="en-US" dirty="0"/>
-              <a:t>.</a:t>
-            </a:r>
-          </a:p>
-          <a:p>
-            <a:pPr marL="0" indent="0">
-              <a:buNone/>
-            </a:pPr>
-            <a:endParaRPr lang="en-US" dirty="0"/>
-          </a:p>
-          <a:p>
-            <a:pPr marL="0" indent="0">
-              <a:buNone/>
-            </a:pPr>
-            <a:endParaRPr lang="en-US" dirty="0"/>
-          </a:p>
-          <a:p>
-            <a:pPr marL="0" indent="0">
-              <a:buNone/>
-            </a:pPr>
-            <a:endParaRPr lang="en-US" dirty="0"/>
-          </a:p>
-          <a:p>
-            <a:pPr marL="0" indent="0">
-              <a:buNone/>
-            </a:pPr>
-            <a:endParaRPr lang="en-US" dirty="0"/>
-          </a:p>
-          <a:p>
-            <a:pPr marL="0" indent="0">
-              <a:buNone/>
-            </a:pPr>
-            <a:endParaRPr lang="en-US" dirty="0"/>
-          </a:p>
-          <a:p>
-            <a:pPr marL="0" indent="0">
-              <a:buNone/>
-            </a:pPr>
-            <a:endParaRPr lang="en-US" dirty="0"/>
-          </a:p>
-          <a:p>
-            <a:pPr marL="0" indent="0">
-              <a:buNone/>
-            </a:pPr>
-            <a:endParaRPr lang="en-US" dirty="0"/>
+              <a:rPr lang="en-US" sz="2600" dirty="0" err="1"/>
+              <a:t>os</a:t>
+            </a:r>
+            <a:r>
+              <a:rPr lang="en-US" sz="2600" dirty="0"/>
+              <a:t> </a:t>
+            </a:r>
+            <a:r>
+              <a:rPr lang="en-US" sz="2600" dirty="0" err="1"/>
+              <a:t>seguintes</a:t>
+            </a:r>
+            <a:r>
+              <a:rPr lang="en-US" sz="2600" dirty="0"/>
+              <a:t> </a:t>
+            </a:r>
+            <a:r>
+              <a:rPr lang="en-US" sz="2600" dirty="0" err="1"/>
+              <a:t>valores</a:t>
+            </a:r>
+            <a:r>
+              <a:rPr lang="en-US" sz="2600" dirty="0"/>
+              <a:t>:</a:t>
+            </a:r>
+            <a:endParaRPr lang="en-US" sz="2600" dirty="0"/>
+          </a:p>
+          <a:p>
+            <a:pPr marL="0" indent="0">
+              <a:buNone/>
+            </a:pPr>
+            <a:endParaRPr lang="en-US" sz="2600" dirty="0"/>
+          </a:p>
+          <a:p>
+            <a:pPr marL="0" indent="0">
+              <a:buNone/>
+            </a:pPr>
+            <a:endParaRPr lang="en-US" sz="2600" dirty="0"/>
+          </a:p>
+          <a:p>
+            <a:pPr marL="0" indent="0">
+              <a:buNone/>
+            </a:pPr>
+            <a:endParaRPr lang="en-US" sz="2600" dirty="0"/>
+          </a:p>
+          <a:p>
+            <a:pPr marL="0" indent="0">
+              <a:buNone/>
+            </a:pPr>
+            <a:endParaRPr lang="en-US" sz="2600" dirty="0"/>
+          </a:p>
+          <a:p>
+            <a:pPr marL="0" indent="0">
+              <a:buNone/>
+            </a:pPr>
+            <a:endParaRPr lang="en-US" sz="2600" dirty="0"/>
+          </a:p>
+          <a:p>
+            <a:pPr marL="0" indent="0">
+              <a:buNone/>
+            </a:pPr>
+            <a:endParaRPr lang="en-US" sz="2600" dirty="0"/>
+          </a:p>
+          <a:p>
+            <a:pPr marL="0" indent="0">
+              <a:buNone/>
+            </a:pPr>
+            <a:endParaRPr lang="en-US" sz="2600" dirty="0"/>
+          </a:p>
+          <a:p>
+            <a:pPr marL="0" indent="0">
+              <a:buNone/>
+            </a:pPr>
+            <a:endParaRPr lang="en-US" sz="2600" dirty="0"/>
+          </a:p>
+          <a:p>
+            <a:pPr marL="0" indent="0">
+              <a:buNone/>
+            </a:pPr>
+            <a:r>
+              <a:rPr lang="en-US" sz="2600" dirty="0"/>
+              <a:t>depth – </a:t>
+            </a:r>
+            <a:r>
+              <a:rPr lang="en-US" sz="2600" dirty="0" err="1"/>
+              <a:t>profundidade</a:t>
+            </a:r>
+            <a:r>
+              <a:rPr lang="en-US" sz="2600" dirty="0"/>
+              <a:t> , height – </a:t>
+            </a:r>
+            <a:r>
+              <a:rPr lang="en-US" sz="2600" dirty="0" err="1"/>
+              <a:t>altura</a:t>
+            </a:r>
+            <a:r>
+              <a:rPr lang="en-US" sz="2600" dirty="0"/>
+              <a:t>, width - </a:t>
+            </a:r>
+            <a:r>
+              <a:rPr lang="en-US" sz="2600" dirty="0" err="1"/>
+              <a:t>largura</a:t>
+            </a:r>
+            <a:endParaRPr lang="en-US" sz="2600" dirty="0"/>
           </a:p>
         </p:txBody>
       </p:sp>
       <p:pic>
         <p:nvPicPr>
-          <p:cNvPr id="6" name="Picture 5">
-            <a:extLst>
-              <a:ext uri="{FF2B5EF4-FFF2-40B4-BE49-F238E27FC236}">
-                <a16:creationId xmlns:a16="http://schemas.microsoft.com/office/drawing/2014/main" id="{D7167F91-36B2-4FED-BA79-C071D555D33B}"/>
-              </a:ext>
-            </a:extLst>
-          </p:cNvPr>
+          <p:cNvPr id="4" name="Content Placeholder 3" descr="formar-retangulo"/>
           <p:cNvPicPr>
             <a:picLocks noChangeAspect="1"/>
           </p:cNvPicPr>
-          <p:nvPr/>
+          <p:nvPr>
+            <p:ph sz="half" idx="2"/>
+          </p:nvPr>
         </p:nvPicPr>
         <p:blipFill>
-          <a:blip r:embed="rId2">
-            <a:extLst>
-              <a:ext uri="{28A0092B-C50C-407E-A947-70E740481C1C}">
-                <a14:useLocalDpi xmlns:a14="http://schemas.microsoft.com/office/drawing/2010/main" val="0"/>
-              </a:ext>
-            </a:extLst>
-          </a:blip>
+          <a:blip r:embed="rId1"/>
           <a:stretch>
             <a:fillRect/>
           </a:stretch>
         </p:blipFill>
         <p:spPr>
           <a:xfrm>
-            <a:off x="3739124" y="2599991"/>
-            <a:ext cx="4713751" cy="3794183"/>
+            <a:off x="3288665" y="2545715"/>
+            <a:ext cx="5615940" cy="2397760"/>
           </a:xfrm>
           <a:prstGeom prst="rect">
             <a:avLst/>
@@ -4017,11 +4025,6 @@
         </p:spPr>
       </p:pic>
     </p:spTree>
-    <p:extLst>
-      <p:ext uri="{BB962C8B-B14F-4D97-AF65-F5344CB8AC3E}">
-        <p14:creationId xmlns:p14="http://schemas.microsoft.com/office/powerpoint/2010/main" val="762519445"/>
-      </p:ext>
-    </p:extLst>
   </p:cSld>
   <p:clrMapOvr>
     <a:masterClrMapping/>
@@ -4048,13 +4051,7 @@
       </p:grpSpPr>
       <p:sp>
         <p:nvSpPr>
-          <p:cNvPr id="2" name="Title 1">
-            <a:extLst>
-              <a:ext uri="{FF2B5EF4-FFF2-40B4-BE49-F238E27FC236}">
-                <a16:creationId xmlns:a16="http://schemas.microsoft.com/office/drawing/2014/main" id="{24777F16-1641-4B86-B1DA-28B4AB09C290}"/>
-              </a:ext>
-            </a:extLst>
-          </p:cNvPr>
+          <p:cNvPr id="2" name="Title 1"/>
           <p:cNvSpPr>
             <a:spLocks noGrp="1"/>
           </p:cNvSpPr>
@@ -4065,7 +4062,38 @@
         <p:spPr>
           <a:xfrm>
             <a:off x="838200" y="463826"/>
-            <a:ext cx="10515600" cy="914400"/>
+            <a:ext cx="10515600" cy="821632"/>
+          </a:xfrm>
+        </p:spPr>
+        <p:txBody>
+          <a:bodyPr>
+            <a:noAutofit/>
+          </a:bodyPr>
+          <a:lstStyle/>
+          <a:p>
+            <a:pPr algn="ctr"/>
+            <a:r>
+              <a:rPr lang="en-US" sz="5200" dirty="0"/>
+              <a:t>RETÂNGULO NO MATTER CONTROL</a:t>
+            </a:r>
+            <a:endParaRPr lang="en-US" sz="5200" dirty="0"/>
+          </a:p>
+        </p:txBody>
+      </p:sp>
+      <p:sp>
+        <p:nvSpPr>
+          <p:cNvPr id="3" name="Content Placeholder 2"/>
+          <p:cNvSpPr>
+            <a:spLocks noGrp="1"/>
+          </p:cNvSpPr>
+          <p:nvPr>
+            <p:ph idx="1"/>
+          </p:nvPr>
+        </p:nvSpPr>
+        <p:spPr>
+          <a:xfrm>
+            <a:off x="838200" y="1285458"/>
+            <a:ext cx="10515600" cy="5274367"/>
           </a:xfrm>
         </p:spPr>
         <p:txBody>
@@ -4074,73 +4102,95 @@
           </a:bodyPr>
           <a:lstStyle/>
           <a:p>
-            <a:pPr algn="ctr"/>
-            <a:r>
-              <a:rPr lang="en-US" sz="5200" dirty="0"/>
-              <a:t>ESFERA NO MATTER CONTROL</a:t>
-            </a:r>
-          </a:p>
-        </p:txBody>
-      </p:sp>
-      <p:sp>
-        <p:nvSpPr>
-          <p:cNvPr id="3" name="Content Placeholder 2">
-            <a:extLst>
-              <a:ext uri="{FF2B5EF4-FFF2-40B4-BE49-F238E27FC236}">
-                <a16:creationId xmlns:a16="http://schemas.microsoft.com/office/drawing/2014/main" id="{9FBEF090-A937-45B5-9B5C-3EE68F05FDE7}"/>
-              </a:ext>
-            </a:extLst>
-          </p:cNvPr>
-          <p:cNvSpPr>
-            <a:spLocks noGrp="1"/>
-          </p:cNvSpPr>
-          <p:nvPr>
-            <p:ph idx="1"/>
-          </p:nvPr>
-        </p:nvSpPr>
-        <p:spPr>
-          <a:xfrm>
-            <a:off x="838200" y="1179443"/>
-            <a:ext cx="10515600" cy="5300870"/>
-          </a:xfrm>
-        </p:spPr>
-        <p:txBody>
-          <a:bodyPr/>
-          <a:lstStyle/>
-          <a:p>
-            <a:pPr marL="0" indent="0" algn="just">
+            <a:pPr marL="0" indent="0">
               <a:buNone/>
             </a:pPr>
             <a:r>
               <a:rPr lang="en-US" dirty="0"/>
               <a:t>	</a:t>
             </a:r>
-          </a:p>
-          <a:p>
-            <a:pPr marL="0" indent="0" algn="just">
-              <a:buNone/>
-            </a:pPr>
-            <a:r>
-              <a:rPr lang="pt-BR" dirty="0"/>
-              <a:t>A esfera é um objeto primitivo no </a:t>
-            </a:r>
-            <a:r>
-              <a:rPr lang="pt-BR" dirty="0" err="1"/>
-              <a:t>MatterControl</a:t>
-            </a:r>
-            <a:r>
-              <a:rPr lang="pt-BR" dirty="0"/>
+            <a:endParaRPr lang="en-US" dirty="0"/>
+          </a:p>
+          <a:p>
+            <a:pPr marL="0" indent="0">
+              <a:buNone/>
+            </a:pPr>
+            <a:r>
+              <a:rPr lang="en-US" sz="2600" dirty="0"/>
+              <a:t>Este </a:t>
+            </a:r>
+            <a:r>
+              <a:rPr lang="en-US" sz="2600" dirty="0" err="1"/>
+              <a:t>projeto</a:t>
+            </a:r>
+            <a:r>
+              <a:rPr lang="en-US" sz="2600" dirty="0"/>
+              <a:t> </a:t>
+            </a:r>
+            <a:r>
+              <a:rPr lang="en-US" sz="2600" dirty="0" err="1"/>
+              <a:t>lembra</a:t>
+            </a:r>
+            <a:r>
+              <a:rPr lang="en-US" sz="2600" dirty="0"/>
+              <a:t> </a:t>
+            </a:r>
+            <a:r>
+              <a:rPr lang="en-US" sz="2600" dirty="0" err="1"/>
+              <a:t>vários</a:t>
+            </a:r>
+            <a:r>
+              <a:rPr lang="en-US" sz="2600" dirty="0"/>
+              <a:t> </a:t>
+            </a:r>
+            <a:r>
+              <a:rPr lang="en-US" sz="2600" dirty="0" err="1"/>
+              <a:t>retângulos</a:t>
+            </a:r>
+            <a:r>
+              <a:rPr lang="en-US" sz="2600" dirty="0"/>
               <a:t>.</a:t>
             </a:r>
-          </a:p>
-          <a:p>
-            <a:pPr marL="0" indent="0" algn="just">
-              <a:buNone/>
-            </a:pPr>
-            <a:endParaRPr lang="pt-BR" dirty="0"/>
-          </a:p>
-          <a:p>
-            <a:pPr marL="0" indent="0" algn="just">
+            <a:endParaRPr lang="en-US" dirty="0"/>
+          </a:p>
+          <a:p>
+            <a:pPr marL="0" indent="0">
+              <a:buNone/>
+            </a:pPr>
+            <a:endParaRPr lang="en-US" dirty="0"/>
+          </a:p>
+          <a:p>
+            <a:pPr marL="0" indent="0">
+              <a:buNone/>
+            </a:pPr>
+            <a:endParaRPr lang="en-US" dirty="0"/>
+          </a:p>
+          <a:p>
+            <a:pPr marL="0" indent="0">
+              <a:buNone/>
+            </a:pPr>
+            <a:endParaRPr lang="en-US" dirty="0"/>
+          </a:p>
+          <a:p>
+            <a:pPr marL="0" indent="0">
+              <a:buNone/>
+            </a:pPr>
+            <a:endParaRPr lang="en-US" dirty="0"/>
+          </a:p>
+          <a:p>
+            <a:pPr marL="0" indent="0">
+              <a:buNone/>
+            </a:pPr>
+            <a:endParaRPr lang="en-US" dirty="0"/>
+          </a:p>
+          <a:p>
+            <a:pPr marL="0" indent="0">
+              <a:buNone/>
+            </a:pPr>
+            <a:endParaRPr lang="en-US" dirty="0"/>
+          </a:p>
+          <a:p>
+            <a:pPr marL="0" indent="0">
               <a:buNone/>
             </a:pPr>
             <a:endParaRPr lang="en-US" dirty="0"/>
@@ -4149,20 +4199,14 @@
       </p:sp>
       <p:pic>
         <p:nvPicPr>
-          <p:cNvPr id="5" name="Picture 4">
-            <a:extLst>
-              <a:ext uri="{FF2B5EF4-FFF2-40B4-BE49-F238E27FC236}">
-                <a16:creationId xmlns:a16="http://schemas.microsoft.com/office/drawing/2014/main" id="{37B0F971-E87B-42AD-B22B-D66E7243C12A}"/>
-              </a:ext>
-            </a:extLst>
-          </p:cNvPr>
+          <p:cNvPr id="6" name="Picture 5"/>
           <p:cNvPicPr>
             <a:picLocks noChangeAspect="1"/>
           </p:cNvPicPr>
           <p:nvPr/>
         </p:nvPicPr>
         <p:blipFill>
-          <a:blip r:embed="rId2">
+          <a:blip r:embed="rId1">
             <a:extLst>
               <a:ext uri="{28A0092B-C50C-407E-A947-70E740481C1C}">
                 <a14:useLocalDpi xmlns:a14="http://schemas.microsoft.com/office/drawing/2010/main" val="0"/>
@@ -4175,8 +4219,8 @@
         </p:blipFill>
         <p:spPr>
           <a:xfrm>
-            <a:off x="4090185" y="2669089"/>
-            <a:ext cx="4011630" cy="3725085"/>
+            <a:off x="3739124" y="2599991"/>
+            <a:ext cx="4713751" cy="3794183"/>
           </a:xfrm>
           <a:prstGeom prst="rect">
             <a:avLst/>
@@ -4184,11 +4228,6 @@
         </p:spPr>
       </p:pic>
     </p:spTree>
-    <p:extLst>
-      <p:ext uri="{BB962C8B-B14F-4D97-AF65-F5344CB8AC3E}">
-        <p14:creationId xmlns:p14="http://schemas.microsoft.com/office/powerpoint/2010/main" val="2756132031"/>
-      </p:ext>
-    </p:extLst>
   </p:cSld>
   <p:clrMapOvr>
     <a:masterClrMapping/>
@@ -4215,13 +4254,7 @@
       </p:grpSpPr>
       <p:sp>
         <p:nvSpPr>
-          <p:cNvPr id="2" name="Title 1">
-            <a:extLst>
-              <a:ext uri="{FF2B5EF4-FFF2-40B4-BE49-F238E27FC236}">
-                <a16:creationId xmlns:a16="http://schemas.microsoft.com/office/drawing/2014/main" id="{E5E8D1DA-2D7D-461A-8D8D-7CAF47675C62}"/>
-              </a:ext>
-            </a:extLst>
-          </p:cNvPr>
+          <p:cNvPr id="2" name="Title 1"/>
           <p:cNvSpPr>
             <a:spLocks noGrp="1"/>
           </p:cNvSpPr>
@@ -4231,33 +4264,28 @@
         </p:nvSpPr>
         <p:spPr>
           <a:xfrm>
-            <a:off x="838200" y="298176"/>
-            <a:ext cx="10515600" cy="1182894"/>
+            <a:off x="838200" y="463826"/>
+            <a:ext cx="10515600" cy="914400"/>
           </a:xfrm>
         </p:spPr>
         <p:txBody>
           <a:bodyPr>
-            <a:noAutofit/>
+            <a:normAutofit/>
           </a:bodyPr>
           <a:lstStyle/>
           <a:p>
             <a:pPr algn="ctr"/>
             <a:r>
               <a:rPr lang="en-US" sz="5200" dirty="0"/>
-              <a:t>COMO FORMAR UMA ESFERA?</a:t>
-            </a:r>
-          </a:p>
-        </p:txBody>
-      </p:sp>
-      <p:sp>
-        <p:nvSpPr>
-          <p:cNvPr id="3" name="Content Placeholder 2">
-            <a:extLst>
-              <a:ext uri="{FF2B5EF4-FFF2-40B4-BE49-F238E27FC236}">
-                <a16:creationId xmlns:a16="http://schemas.microsoft.com/office/drawing/2014/main" id="{1AD0B689-0C60-4A96-A9F1-5037CE604970}"/>
-              </a:ext>
-            </a:extLst>
-          </p:cNvPr>
+              <a:t>ESFERA NO MATTER CONTROL</a:t>
+            </a:r>
+            <a:endParaRPr lang="en-US" sz="5200" dirty="0"/>
+          </a:p>
+        </p:txBody>
+      </p:sp>
+      <p:sp>
+        <p:nvSpPr>
+          <p:cNvPr id="3" name="Content Placeholder 2"/>
           <p:cNvSpPr>
             <a:spLocks noGrp="1"/>
           </p:cNvSpPr>
@@ -4267,194 +4295,65 @@
         </p:nvSpPr>
         <p:spPr>
           <a:xfrm>
-            <a:off x="838200" y="874642"/>
-            <a:ext cx="10515600" cy="5685183"/>
-          </a:xfrm>
-        </p:spPr>
-        <p:txBody>
-          <a:bodyPr>
-            <a:normAutofit fontScale="92500" lnSpcReduction="10000"/>
-          </a:bodyPr>
-          <a:lstStyle/>
-          <a:p>
-            <a:pPr marL="0" indent="0">
+            <a:off x="838200" y="1179443"/>
+            <a:ext cx="10515600" cy="5300870"/>
+          </a:xfrm>
+        </p:spPr>
+        <p:txBody>
+          <a:bodyPr/>
+          <a:lstStyle/>
+          <a:p>
+            <a:pPr marL="0" indent="0" algn="just">
               <a:buNone/>
             </a:pPr>
             <a:r>
               <a:rPr lang="en-US" dirty="0"/>
               <a:t>	</a:t>
             </a:r>
-          </a:p>
-          <a:p>
-            <a:pPr marL="0" indent="0">
-              <a:buNone/>
-            </a:pPr>
-            <a:r>
-              <a:rPr lang="en-US" dirty="0"/>
-              <a:t>	</a:t>
-            </a:r>
-          </a:p>
-          <a:p>
-            <a:pPr marL="0" indent="0">
-              <a:buNone/>
-            </a:pPr>
-            <a:r>
-              <a:rPr lang="en-US" sz="3000" dirty="0"/>
-              <a:t>	Uma </a:t>
-            </a:r>
-            <a:r>
-              <a:rPr lang="en-US" sz="3000" dirty="0" err="1"/>
-              <a:t>esfera</a:t>
-            </a:r>
-            <a:r>
-              <a:rPr lang="en-US" sz="3000" dirty="0"/>
-              <a:t> no </a:t>
-            </a:r>
-            <a:r>
-              <a:rPr lang="en-US" sz="3000" dirty="0" err="1"/>
+            <a:endParaRPr lang="en-US" dirty="0"/>
+          </a:p>
+          <a:p>
+            <a:pPr marL="0" indent="0" algn="just">
+              <a:buNone/>
+            </a:pPr>
+            <a:r>
+              <a:rPr lang="pt-BR" sz="2600" dirty="0"/>
+              <a:t>A esfera é um objeto primitivo no </a:t>
+            </a:r>
+            <a:r>
+              <a:rPr lang="pt-BR" sz="2600" dirty="0" err="1"/>
               <a:t>MatterControl</a:t>
             </a:r>
             <a:r>
-              <a:rPr lang="en-US" sz="3000" dirty="0"/>
-              <a:t> </a:t>
-            </a:r>
-            <a:r>
-              <a:rPr lang="en-US" sz="3000" dirty="0" err="1"/>
-              <a:t>pode</a:t>
-            </a:r>
-            <a:r>
-              <a:rPr lang="en-US" sz="3000" dirty="0"/>
-              <a:t> ser </a:t>
-            </a:r>
-            <a:r>
-              <a:rPr lang="en-US" sz="3000" dirty="0" err="1"/>
-              <a:t>formada</a:t>
-            </a:r>
-            <a:r>
-              <a:rPr lang="en-US" sz="3000" dirty="0"/>
-              <a:t> </a:t>
-            </a:r>
-            <a:r>
-              <a:rPr lang="en-US" sz="3000" dirty="0" err="1"/>
-              <a:t>informando</a:t>
-            </a:r>
-            <a:r>
-              <a:rPr lang="en-US" sz="3000" dirty="0"/>
-              <a:t> </a:t>
-            </a:r>
-            <a:r>
-              <a:rPr lang="en-US" sz="3000" dirty="0" err="1"/>
-              <a:t>os</a:t>
-            </a:r>
-            <a:r>
-              <a:rPr lang="en-US" sz="3000" dirty="0"/>
-              <a:t> </a:t>
-            </a:r>
-            <a:r>
-              <a:rPr lang="en-US" sz="3000" dirty="0" err="1"/>
-              <a:t>seguintes</a:t>
-            </a:r>
-            <a:r>
-              <a:rPr lang="en-US" sz="3000" dirty="0"/>
-              <a:t> </a:t>
-            </a:r>
-            <a:r>
-              <a:rPr lang="en-US" sz="3000" dirty="0" err="1"/>
-              <a:t>valores</a:t>
-            </a:r>
-            <a:r>
-              <a:rPr lang="en-US" sz="3000" dirty="0"/>
-              <a:t>:</a:t>
-            </a:r>
-          </a:p>
-          <a:p>
-            <a:pPr marL="0" indent="0">
-              <a:buNone/>
-            </a:pPr>
-            <a:endParaRPr lang="en-US" sz="2600" dirty="0"/>
-          </a:p>
-          <a:p>
-            <a:pPr marL="0" indent="0">
-              <a:buNone/>
-            </a:pPr>
-            <a:endParaRPr lang="en-US" sz="2600" dirty="0"/>
-          </a:p>
-          <a:p>
-            <a:pPr marL="0" indent="0">
-              <a:buNone/>
-            </a:pPr>
-            <a:endParaRPr lang="en-US" sz="2600" dirty="0"/>
-          </a:p>
-          <a:p>
-            <a:pPr marL="0" indent="0">
-              <a:buNone/>
-            </a:pPr>
-            <a:endParaRPr lang="en-US" sz="2600" dirty="0"/>
-          </a:p>
-          <a:p>
-            <a:pPr marL="0" indent="0">
-              <a:buNone/>
-            </a:pPr>
-            <a:endParaRPr lang="en-US" sz="2600" dirty="0"/>
-          </a:p>
-          <a:p>
-            <a:pPr marL="0" indent="0">
-              <a:buNone/>
-            </a:pPr>
-            <a:endParaRPr lang="en-US" sz="2600" dirty="0"/>
-          </a:p>
-          <a:p>
-            <a:pPr marL="0" indent="0">
-              <a:buNone/>
-            </a:pPr>
-            <a:endParaRPr lang="en-US" sz="2600" dirty="0"/>
-          </a:p>
-          <a:p>
-            <a:pPr marL="0" indent="0">
-              <a:buNone/>
-            </a:pPr>
-            <a:endParaRPr lang="en-US" sz="2600" dirty="0"/>
-          </a:p>
-          <a:p>
-            <a:pPr marL="0" indent="0">
-              <a:buNone/>
-            </a:pPr>
-            <a:r>
-              <a:rPr lang="en-US" sz="3000" dirty="0"/>
-              <a:t>diameter – </a:t>
-            </a:r>
-            <a:r>
-              <a:rPr lang="en-US" sz="3000" dirty="0" err="1"/>
-              <a:t>diâmetro</a:t>
-            </a:r>
-            <a:r>
-              <a:rPr lang="en-US" sz="3000" dirty="0"/>
-              <a:t> , sides – </a:t>
-            </a:r>
-            <a:r>
-              <a:rPr lang="en-US" sz="3000" dirty="0" err="1"/>
-              <a:t>lados</a:t>
-            </a:r>
-            <a:endParaRPr lang="en-US" sz="3000" dirty="0"/>
+              <a:rPr lang="pt-BR" sz="2600" dirty="0"/>
+              <a:t>.</a:t>
+            </a:r>
+            <a:endParaRPr lang="pt-BR" dirty="0"/>
+          </a:p>
+          <a:p>
+            <a:pPr marL="0" indent="0" algn="just">
+              <a:buNone/>
+            </a:pPr>
+            <a:endParaRPr lang="pt-BR" dirty="0"/>
+          </a:p>
+          <a:p>
+            <a:pPr marL="0" indent="0" algn="just">
+              <a:buNone/>
+            </a:pPr>
+            <a:endParaRPr lang="en-US" dirty="0"/>
           </a:p>
         </p:txBody>
       </p:sp>
       <p:pic>
         <p:nvPicPr>
-          <p:cNvPr id="6" name="Picture 5">
-            <a:extLst>
-              <a:ext uri="{FF2B5EF4-FFF2-40B4-BE49-F238E27FC236}">
-                <a16:creationId xmlns:a16="http://schemas.microsoft.com/office/drawing/2014/main" id="{DDC1AE61-FDD1-4931-90E9-0E1BF3A52A44}"/>
-              </a:ext>
-            </a:extLst>
-          </p:cNvPr>
+          <p:cNvPr id="5" name="Picture 4"/>
           <p:cNvPicPr>
             <a:picLocks noChangeAspect="1"/>
           </p:cNvPicPr>
           <p:nvPr/>
         </p:nvPicPr>
         <p:blipFill>
-          <a:blip r:embed="rId2">
+          <a:blip r:embed="rId1">
             <a:extLst>
               <a:ext uri="{28A0092B-C50C-407E-A947-70E740481C1C}">
                 <a14:useLocalDpi xmlns:a14="http://schemas.microsoft.com/office/drawing/2010/main" val="0"/>
@@ -4467,8 +4366,8 @@
         </p:blipFill>
         <p:spPr>
           <a:xfrm>
-            <a:off x="3664363" y="2942178"/>
-            <a:ext cx="5249639" cy="1757294"/>
+            <a:off x="4090185" y="2669089"/>
+            <a:ext cx="4011630" cy="3725085"/>
           </a:xfrm>
           <a:prstGeom prst="rect">
             <a:avLst/>
@@ -4476,11 +4375,6 @@
         </p:spPr>
       </p:pic>
     </p:spTree>
-    <p:extLst>
-      <p:ext uri="{BB962C8B-B14F-4D97-AF65-F5344CB8AC3E}">
-        <p14:creationId xmlns:p14="http://schemas.microsoft.com/office/powerpoint/2010/main" val="200973652"/>
-      </p:ext>
-    </p:extLst>
   </p:cSld>
   <p:clrMapOvr>
     <a:masterClrMapping/>
@@ -4507,13 +4401,7 @@
       </p:grpSpPr>
       <p:sp>
         <p:nvSpPr>
-          <p:cNvPr id="2" name="Title 1">
-            <a:extLst>
-              <a:ext uri="{FF2B5EF4-FFF2-40B4-BE49-F238E27FC236}">
-                <a16:creationId xmlns:a16="http://schemas.microsoft.com/office/drawing/2014/main" id="{E5E8D1DA-2D7D-461A-8D8D-7CAF47675C62}"/>
-              </a:ext>
-            </a:extLst>
-          </p:cNvPr>
+          <p:cNvPr id="2" name="Title 1"/>
           <p:cNvSpPr>
             <a:spLocks noGrp="1"/>
           </p:cNvSpPr>
@@ -4523,8 +4411,8 @@
         </p:nvSpPr>
         <p:spPr>
           <a:xfrm>
-            <a:off x="838200" y="463826"/>
-            <a:ext cx="10515600" cy="821632"/>
+            <a:off x="838200" y="298176"/>
+            <a:ext cx="10515600" cy="1182894"/>
           </a:xfrm>
         </p:spPr>
         <p:txBody>
@@ -4536,20 +4424,15 @@
             <a:pPr algn="ctr"/>
             <a:r>
               <a:rPr lang="en-US" sz="5200" dirty="0"/>
-              <a:t>ESFERA NO MATTER CONTROL</a:t>
-            </a:r>
-          </a:p>
-        </p:txBody>
-      </p:sp>
-      <p:sp>
-        <p:nvSpPr>
-          <p:cNvPr id="3" name="Content Placeholder 2">
-            <a:extLst>
-              <a:ext uri="{FF2B5EF4-FFF2-40B4-BE49-F238E27FC236}">
-                <a16:creationId xmlns:a16="http://schemas.microsoft.com/office/drawing/2014/main" id="{1AD0B689-0C60-4A96-A9F1-5037CE604970}"/>
-              </a:ext>
-            </a:extLst>
-          </p:cNvPr>
+              <a:t>COMO FORMAR UMA ESFERA?</a:t>
+            </a:r>
+            <a:endParaRPr lang="en-US" sz="5200" dirty="0"/>
+          </a:p>
+        </p:txBody>
+      </p:sp>
+      <p:sp>
+        <p:nvSpPr>
+          <p:cNvPr id="3" name="Content Placeholder 2"/>
           <p:cNvSpPr>
             <a:spLocks noGrp="1"/>
           </p:cNvSpPr>
@@ -4559,13 +4442,13 @@
         </p:nvSpPr>
         <p:spPr>
           <a:xfrm>
-            <a:off x="838200" y="1285458"/>
-            <a:ext cx="10515600" cy="5274367"/>
+            <a:off x="838200" y="1480820"/>
+            <a:ext cx="10515600" cy="5078730"/>
           </a:xfrm>
         </p:spPr>
         <p:txBody>
           <a:bodyPr>
-            <a:normAutofit/>
+            <a:normAutofit lnSpcReduction="10000"/>
           </a:bodyPr>
           <a:lstStyle/>
           <a:p>
@@ -4573,103 +4456,157 @@
               <a:buNone/>
             </a:pPr>
             <a:r>
-              <a:rPr lang="en-US" dirty="0"/>
-              <a:t>	</a:t>
-            </a:r>
-          </a:p>
-          <a:p>
-            <a:pPr marL="0" indent="0">
-              <a:buNone/>
-            </a:pPr>
-            <a:r>
-              <a:rPr lang="en-US" dirty="0"/>
-              <a:t>Um </a:t>
-            </a:r>
-            <a:r>
-              <a:rPr lang="en-US" dirty="0" err="1"/>
-              <a:t>projeto</a:t>
-            </a:r>
-            <a:r>
-              <a:rPr lang="en-US" dirty="0"/>
-              <a:t> com </a:t>
-            </a:r>
-            <a:r>
-              <a:rPr lang="en-US" dirty="0" err="1"/>
-              <a:t>duas</a:t>
-            </a:r>
-            <a:r>
-              <a:rPr lang="en-US" dirty="0"/>
+              <a:rPr lang="en-US" sz="2600" dirty="0"/>
+              <a:t>	Uma </a:t>
+            </a:r>
+            <a:r>
+              <a:rPr lang="en-US" sz="2600" dirty="0" err="1"/>
+              <a:t>esfera</a:t>
+            </a:r>
+            <a:r>
+              <a:rPr lang="en-US" sz="2600" dirty="0"/>
+              <a:t> no </a:t>
+            </a:r>
+            <a:r>
+              <a:rPr lang="en-US" sz="2600" dirty="0" err="1"/>
+              <a:t>MatterControl</a:t>
+            </a:r>
+            <a:r>
+              <a:rPr lang="en-US" sz="2600" dirty="0"/>
               <a:t> </a:t>
             </a:r>
             <a:r>
-              <a:rPr lang="en-US" dirty="0" err="1"/>
-              <a:t>esferas</a:t>
-            </a:r>
-            <a:r>
-              <a:rPr lang="en-US" dirty="0"/>
-              <a:t>.</a:t>
-            </a:r>
-          </a:p>
-          <a:p>
-            <a:pPr marL="0" indent="0">
-              <a:buNone/>
-            </a:pPr>
-            <a:endParaRPr lang="en-US" dirty="0"/>
-          </a:p>
-          <a:p>
-            <a:pPr marL="0" indent="0">
-              <a:buNone/>
-            </a:pPr>
-            <a:endParaRPr lang="en-US" dirty="0"/>
-          </a:p>
-          <a:p>
-            <a:pPr marL="0" indent="0">
-              <a:buNone/>
-            </a:pPr>
-            <a:endParaRPr lang="en-US" dirty="0"/>
-          </a:p>
-          <a:p>
-            <a:pPr marL="0" indent="0">
-              <a:buNone/>
-            </a:pPr>
-            <a:endParaRPr lang="en-US" dirty="0"/>
-          </a:p>
-          <a:p>
-            <a:pPr marL="0" indent="0">
-              <a:buNone/>
-            </a:pPr>
-            <a:endParaRPr lang="en-US" dirty="0"/>
-          </a:p>
-          <a:p>
-            <a:pPr marL="0" indent="0">
-              <a:buNone/>
-            </a:pPr>
-            <a:endParaRPr lang="en-US" dirty="0"/>
-          </a:p>
-          <a:p>
-            <a:pPr marL="0" indent="0">
-              <a:buNone/>
-            </a:pPr>
-            <a:endParaRPr lang="en-US" dirty="0"/>
+              <a:rPr lang="en-US" sz="2600" dirty="0" err="1"/>
+              <a:t>pode</a:t>
+            </a:r>
+            <a:r>
+              <a:rPr lang="en-US" sz="2600" dirty="0"/>
+              <a:t> ser </a:t>
+            </a:r>
+            <a:r>
+              <a:rPr lang="en-US" sz="2600" dirty="0" err="1"/>
+              <a:t>formada</a:t>
+            </a:r>
+            <a:r>
+              <a:rPr lang="en-US" sz="2600" dirty="0"/>
+              <a:t> </a:t>
+            </a:r>
+            <a:r>
+              <a:rPr lang="en-US" sz="2600" dirty="0" err="1"/>
+              <a:t>informando</a:t>
+            </a:r>
+            <a:r>
+              <a:rPr lang="en-US" sz="2600" dirty="0"/>
+              <a:t> </a:t>
+            </a:r>
+            <a:r>
+              <a:rPr lang="en-US" sz="2600" dirty="0" err="1"/>
+              <a:t>os</a:t>
+            </a:r>
+            <a:r>
+              <a:rPr lang="en-US" sz="2600" dirty="0"/>
+              <a:t> </a:t>
+            </a:r>
+            <a:r>
+              <a:rPr lang="en-US" sz="2600" dirty="0" err="1"/>
+              <a:t>seguintes</a:t>
+            </a:r>
+            <a:r>
+              <a:rPr lang="en-US" sz="2600" dirty="0"/>
+              <a:t> </a:t>
+            </a:r>
+            <a:r>
+              <a:rPr lang="en-US" sz="2600" dirty="0" err="1"/>
+              <a:t>valores</a:t>
+            </a:r>
+            <a:r>
+              <a:rPr lang="en-US" sz="2600" dirty="0"/>
+              <a:t>:</a:t>
+            </a:r>
+            <a:endParaRPr lang="en-US" sz="2600" dirty="0"/>
+          </a:p>
+          <a:p>
+            <a:pPr marL="0" indent="0">
+              <a:buNone/>
+            </a:pPr>
+            <a:endParaRPr lang="en-US" sz="2600" dirty="0"/>
+          </a:p>
+          <a:p>
+            <a:pPr marL="0" indent="0">
+              <a:buNone/>
+            </a:pPr>
+            <a:endParaRPr lang="en-US" sz="2600" dirty="0"/>
+          </a:p>
+          <a:p>
+            <a:pPr marL="0" indent="0">
+              <a:buNone/>
+            </a:pPr>
+            <a:endParaRPr lang="en-US" sz="2600" dirty="0"/>
+          </a:p>
+          <a:p>
+            <a:pPr marL="0" indent="0">
+              <a:buNone/>
+            </a:pPr>
+            <a:endParaRPr lang="en-US" sz="2600" dirty="0"/>
+          </a:p>
+          <a:p>
+            <a:pPr marL="0" indent="0">
+              <a:buNone/>
+            </a:pPr>
+            <a:endParaRPr lang="en-US" sz="2600" dirty="0"/>
+          </a:p>
+          <a:p>
+            <a:pPr marL="0" indent="0">
+              <a:buNone/>
+            </a:pPr>
+            <a:endParaRPr lang="en-US" sz="2600" dirty="0"/>
+          </a:p>
+          <a:p>
+            <a:pPr marL="0" indent="0">
+              <a:buNone/>
+            </a:pPr>
+            <a:endParaRPr lang="en-US" sz="2600" dirty="0"/>
+          </a:p>
+          <a:p>
+            <a:pPr marL="0" indent="0">
+              <a:buNone/>
+            </a:pPr>
+            <a:endParaRPr lang="en-US" sz="2600" dirty="0"/>
+          </a:p>
+          <a:p>
+            <a:pPr marL="0" indent="0">
+              <a:buNone/>
+            </a:pPr>
+            <a:r>
+              <a:rPr lang="en-US" sz="2600" dirty="0"/>
+              <a:t>diameter – </a:t>
+            </a:r>
+            <a:r>
+              <a:rPr lang="en-US" sz="2600" dirty="0" err="1"/>
+              <a:t>diâmetro</a:t>
+            </a:r>
+            <a:r>
+              <a:rPr lang="en-US" sz="2600" dirty="0"/>
+              <a:t> , sides – </a:t>
+            </a:r>
+            <a:r>
+              <a:rPr lang="en-US" sz="2600" dirty="0" err="1"/>
+              <a:t>laterais</a:t>
+            </a:r>
+            <a:endParaRPr lang="en-US" sz="2600" dirty="0"/>
           </a:p>
         </p:txBody>
       </p:sp>
       <p:pic>
         <p:nvPicPr>
-          <p:cNvPr id="5" name="Picture 4">
-            <a:extLst>
-              <a:ext uri="{FF2B5EF4-FFF2-40B4-BE49-F238E27FC236}">
-                <a16:creationId xmlns:a16="http://schemas.microsoft.com/office/drawing/2014/main" id="{C444ABA5-1F90-42E5-B717-511AC3815A2A}"/>
-              </a:ext>
-            </a:extLst>
-          </p:cNvPr>
+          <p:cNvPr id="6" name="Picture 5"/>
           <p:cNvPicPr>
             <a:picLocks noChangeAspect="1"/>
           </p:cNvPicPr>
           <p:nvPr/>
         </p:nvPicPr>
         <p:blipFill>
-          <a:blip r:embed="rId2">
+          <a:blip r:embed="rId1">
             <a:extLst>
               <a:ext uri="{28A0092B-C50C-407E-A947-70E740481C1C}">
                 <a14:useLocalDpi xmlns:a14="http://schemas.microsoft.com/office/drawing/2010/main" val="0"/>
@@ -4682,8 +4619,8 @@
         </p:blipFill>
         <p:spPr>
           <a:xfrm>
-            <a:off x="2538974" y="2601510"/>
-            <a:ext cx="7114051" cy="3792664"/>
+            <a:off x="3335655" y="3134360"/>
+            <a:ext cx="5521325" cy="1847850"/>
           </a:xfrm>
           <a:prstGeom prst="rect">
             <a:avLst/>
@@ -4691,11 +4628,6 @@
         </p:spPr>
       </p:pic>
     </p:spTree>
-    <p:extLst>
-      <p:ext uri="{BB962C8B-B14F-4D97-AF65-F5344CB8AC3E}">
-        <p14:creationId xmlns:p14="http://schemas.microsoft.com/office/powerpoint/2010/main" val="488740703"/>
-      </p:ext>
-    </p:extLst>
   </p:cSld>
   <p:clrMapOvr>
     <a:masterClrMapping/>
@@ -4722,13 +4654,7 @@
       </p:grpSpPr>
       <p:sp>
         <p:nvSpPr>
-          <p:cNvPr id="2" name="Title 1">
-            <a:extLst>
-              <a:ext uri="{FF2B5EF4-FFF2-40B4-BE49-F238E27FC236}">
-                <a16:creationId xmlns:a16="http://schemas.microsoft.com/office/drawing/2014/main" id="{24777F16-1641-4B86-B1DA-28B4AB09C290}"/>
-              </a:ext>
-            </a:extLst>
-          </p:cNvPr>
+          <p:cNvPr id="2" name="Title 1"/>
           <p:cNvSpPr>
             <a:spLocks noGrp="1"/>
           </p:cNvSpPr>
@@ -4739,7 +4665,38 @@
         <p:spPr>
           <a:xfrm>
             <a:off x="838200" y="463826"/>
-            <a:ext cx="10515600" cy="914400"/>
+            <a:ext cx="10515600" cy="821632"/>
+          </a:xfrm>
+        </p:spPr>
+        <p:txBody>
+          <a:bodyPr>
+            <a:noAutofit/>
+          </a:bodyPr>
+          <a:lstStyle/>
+          <a:p>
+            <a:pPr algn="ctr"/>
+            <a:r>
+              <a:rPr lang="en-US" sz="5200" dirty="0"/>
+              <a:t>ESFERA NO MATTER CONTROL</a:t>
+            </a:r>
+            <a:endParaRPr lang="en-US" sz="5200" dirty="0"/>
+          </a:p>
+        </p:txBody>
+      </p:sp>
+      <p:sp>
+        <p:nvSpPr>
+          <p:cNvPr id="3" name="Content Placeholder 2"/>
+          <p:cNvSpPr>
+            <a:spLocks noGrp="1"/>
+          </p:cNvSpPr>
+          <p:nvPr>
+            <p:ph idx="1"/>
+          </p:nvPr>
+        </p:nvSpPr>
+        <p:spPr>
+          <a:xfrm>
+            <a:off x="838200" y="1285458"/>
+            <a:ext cx="10515600" cy="5274367"/>
           </a:xfrm>
         </p:spPr>
         <p:txBody>
@@ -4748,79 +4705,87 @@
           </a:bodyPr>
           <a:lstStyle/>
           <a:p>
-            <a:pPr algn="ctr"/>
-            <a:r>
-              <a:rPr lang="en-US" sz="5200" dirty="0"/>
-              <a:t>TEXTO NO MATTER CONTROL</a:t>
-            </a:r>
-          </a:p>
-        </p:txBody>
-      </p:sp>
-      <p:sp>
-        <p:nvSpPr>
-          <p:cNvPr id="3" name="Content Placeholder 2">
-            <a:extLst>
-              <a:ext uri="{FF2B5EF4-FFF2-40B4-BE49-F238E27FC236}">
-                <a16:creationId xmlns:a16="http://schemas.microsoft.com/office/drawing/2014/main" id="{9FBEF090-A937-45B5-9B5C-3EE68F05FDE7}"/>
-              </a:ext>
-            </a:extLst>
-          </p:cNvPr>
-          <p:cNvSpPr>
-            <a:spLocks noGrp="1"/>
-          </p:cNvSpPr>
-          <p:nvPr>
-            <p:ph idx="1"/>
-          </p:nvPr>
-        </p:nvSpPr>
-        <p:spPr>
-          <a:xfrm>
-            <a:off x="838200" y="1179443"/>
-            <a:ext cx="10515600" cy="5300870"/>
-          </a:xfrm>
-        </p:spPr>
-        <p:txBody>
-          <a:bodyPr/>
-          <a:lstStyle/>
-          <a:p>
-            <a:pPr marL="0" indent="0" algn="just">
-              <a:buNone/>
-            </a:pPr>
-            <a:r>
-              <a:rPr lang="en-US" dirty="0"/>
+            <a:pPr marL="0" indent="0">
+              <a:buNone/>
+            </a:pPr>
+            <a:r>
+              <a:rPr lang="en-US" sz="2600" dirty="0"/>
               <a:t>	</a:t>
             </a:r>
-          </a:p>
-          <a:p>
-            <a:pPr marL="0" indent="0" algn="just">
-              <a:buNone/>
-            </a:pPr>
-            <a:r>
-              <a:rPr lang="pt-BR" dirty="0"/>
-              <a:t>O texto é um objeto primitivo no </a:t>
-            </a:r>
-            <a:r>
-              <a:rPr lang="pt-BR" dirty="0" err="1"/>
-              <a:t>MatterControl</a:t>
-            </a:r>
-            <a:r>
-              <a:rPr lang="pt-BR" dirty="0"/>
+            <a:endParaRPr lang="en-US" sz="2600" dirty="0"/>
+          </a:p>
+          <a:p>
+            <a:pPr marL="0" indent="0">
+              <a:buNone/>
+            </a:pPr>
+            <a:r>
+              <a:rPr lang="en-US" sz="2600" dirty="0"/>
+              <a:t>Um </a:t>
+            </a:r>
+            <a:r>
+              <a:rPr lang="en-US" sz="2600" dirty="0" err="1"/>
+              <a:t>projeto</a:t>
+            </a:r>
+            <a:r>
+              <a:rPr lang="en-US" sz="2600" dirty="0"/>
+              <a:t> com </a:t>
+            </a:r>
+            <a:r>
+              <a:rPr lang="en-US" sz="2600" dirty="0" err="1"/>
+              <a:t>duas</a:t>
+            </a:r>
+            <a:r>
+              <a:rPr lang="en-US" sz="2600" dirty="0"/>
+              <a:t> </a:t>
+            </a:r>
+            <a:r>
+              <a:rPr lang="en-US" sz="2600" dirty="0" err="1"/>
+              <a:t>esferas</a:t>
+            </a:r>
+            <a:r>
+              <a:rPr lang="en-US" sz="2600" dirty="0"/>
               <a:t>.</a:t>
             </a:r>
-          </a:p>
-          <a:p>
-            <a:pPr marL="0" indent="0" algn="just">
-              <a:buNone/>
-            </a:pPr>
-            <a:endParaRPr lang="pt-BR" dirty="0"/>
-          </a:p>
-          <a:p>
-            <a:pPr marL="0" indent="0" algn="just">
-              <a:buNone/>
-            </a:pPr>
-            <a:endParaRPr lang="pt-BR" dirty="0"/>
-          </a:p>
-          <a:p>
-            <a:pPr marL="0" indent="0" algn="just">
+            <a:endParaRPr lang="en-US" dirty="0"/>
+          </a:p>
+          <a:p>
+            <a:pPr marL="0" indent="0">
+              <a:buNone/>
+            </a:pPr>
+            <a:endParaRPr lang="en-US" dirty="0"/>
+          </a:p>
+          <a:p>
+            <a:pPr marL="0" indent="0">
+              <a:buNone/>
+            </a:pPr>
+            <a:endParaRPr lang="en-US" dirty="0"/>
+          </a:p>
+          <a:p>
+            <a:pPr marL="0" indent="0">
+              <a:buNone/>
+            </a:pPr>
+            <a:endParaRPr lang="en-US" dirty="0"/>
+          </a:p>
+          <a:p>
+            <a:pPr marL="0" indent="0">
+              <a:buNone/>
+            </a:pPr>
+            <a:endParaRPr lang="en-US" dirty="0"/>
+          </a:p>
+          <a:p>
+            <a:pPr marL="0" indent="0">
+              <a:buNone/>
+            </a:pPr>
+            <a:endParaRPr lang="en-US" dirty="0"/>
+          </a:p>
+          <a:p>
+            <a:pPr marL="0" indent="0">
+              <a:buNone/>
+            </a:pPr>
+            <a:endParaRPr lang="en-US" dirty="0"/>
+          </a:p>
+          <a:p>
+            <a:pPr marL="0" indent="0">
               <a:buNone/>
             </a:pPr>
             <a:endParaRPr lang="en-US" dirty="0"/>
@@ -4829,20 +4794,14 @@
       </p:sp>
       <p:pic>
         <p:nvPicPr>
-          <p:cNvPr id="8" name="Picture 7">
-            <a:extLst>
-              <a:ext uri="{FF2B5EF4-FFF2-40B4-BE49-F238E27FC236}">
-                <a16:creationId xmlns:a16="http://schemas.microsoft.com/office/drawing/2014/main" id="{46FE6E6A-6A3E-40CE-ADA9-54FB9664AD21}"/>
-              </a:ext>
-            </a:extLst>
-          </p:cNvPr>
+          <p:cNvPr id="5" name="Picture 4"/>
           <p:cNvPicPr>
             <a:picLocks noChangeAspect="1"/>
           </p:cNvPicPr>
           <p:nvPr/>
         </p:nvPicPr>
         <p:blipFill>
-          <a:blip r:embed="rId2">
+          <a:blip r:embed="rId1">
             <a:extLst>
               <a:ext uri="{28A0092B-C50C-407E-A947-70E740481C1C}">
                 <a14:useLocalDpi xmlns:a14="http://schemas.microsoft.com/office/drawing/2010/main" val="0"/>
@@ -4855,8 +4814,8 @@
         </p:blipFill>
         <p:spPr>
           <a:xfrm>
-            <a:off x="1961573" y="2296139"/>
-            <a:ext cx="8268854" cy="3067478"/>
+            <a:off x="2538730" y="2465705"/>
+            <a:ext cx="7113905" cy="3928745"/>
           </a:xfrm>
           <a:prstGeom prst="rect">
             <a:avLst/>
@@ -4864,11 +4823,6 @@
         </p:spPr>
       </p:pic>
     </p:spTree>
-    <p:extLst>
-      <p:ext uri="{BB962C8B-B14F-4D97-AF65-F5344CB8AC3E}">
-        <p14:creationId xmlns:p14="http://schemas.microsoft.com/office/powerpoint/2010/main" val="1874364176"/>
-      </p:ext>
-    </p:extLst>
   </p:cSld>
   <p:clrMapOvr>
     <a:masterClrMapping/>
@@ -4895,13 +4849,7 @@
       </p:grpSpPr>
       <p:sp>
         <p:nvSpPr>
-          <p:cNvPr id="2" name="Title 1">
-            <a:extLst>
-              <a:ext uri="{FF2B5EF4-FFF2-40B4-BE49-F238E27FC236}">
-                <a16:creationId xmlns:a16="http://schemas.microsoft.com/office/drawing/2014/main" id="{E5E8D1DA-2D7D-461A-8D8D-7CAF47675C62}"/>
-              </a:ext>
-            </a:extLst>
-          </p:cNvPr>
+          <p:cNvPr id="2" name="Title 1"/>
           <p:cNvSpPr>
             <a:spLocks noGrp="1"/>
           </p:cNvSpPr>
@@ -4909,283 +4857,107 @@
             <p:ph type="title"/>
           </p:nvPr>
         </p:nvSpPr>
-        <p:spPr>
-          <a:xfrm>
-            <a:off x="838200" y="298176"/>
-            <a:ext cx="10515600" cy="1182894"/>
-          </a:xfrm>
-        </p:spPr>
+        <p:spPr/>
         <p:txBody>
           <a:bodyPr>
-            <a:noAutofit/>
+            <a:normAutofit/>
           </a:bodyPr>
           <a:lstStyle/>
           <a:p>
             <a:pPr algn="ctr"/>
             <a:r>
               <a:rPr lang="en-US" sz="5200" dirty="0"/>
-              <a:t>COMO FORMAR UM TEXTO?</a:t>
-            </a:r>
-          </a:p>
-        </p:txBody>
-      </p:sp>
-      <p:sp>
-        <p:nvSpPr>
-          <p:cNvPr id="3" name="Content Placeholder 2">
-            <a:extLst>
-              <a:ext uri="{FF2B5EF4-FFF2-40B4-BE49-F238E27FC236}">
-                <a16:creationId xmlns:a16="http://schemas.microsoft.com/office/drawing/2014/main" id="{1AD0B689-0C60-4A96-A9F1-5037CE604970}"/>
-              </a:ext>
-            </a:extLst>
-          </p:cNvPr>
-          <p:cNvSpPr>
-            <a:spLocks noGrp="1"/>
-          </p:cNvSpPr>
-          <p:nvPr>
-            <p:ph idx="1"/>
-          </p:nvPr>
-        </p:nvSpPr>
-        <p:spPr>
-          <a:xfrm>
-            <a:off x="838200" y="874642"/>
-            <a:ext cx="10515600" cy="5685183"/>
-          </a:xfrm>
-        </p:spPr>
-        <p:txBody>
-          <a:bodyPr>
-            <a:normAutofit fontScale="77500" lnSpcReduction="20000"/>
-          </a:bodyPr>
-          <a:lstStyle/>
-          <a:p>
-            <a:pPr marL="0" indent="0">
-              <a:buNone/>
-            </a:pPr>
-            <a:r>
-              <a:rPr lang="en-US" dirty="0"/>
-              <a:t>	</a:t>
-            </a:r>
-          </a:p>
-          <a:p>
-            <a:pPr marL="0" indent="0">
-              <a:buNone/>
-            </a:pPr>
-            <a:r>
-              <a:rPr lang="en-US" dirty="0"/>
-              <a:t>	</a:t>
-            </a:r>
-          </a:p>
-          <a:p>
-            <a:pPr marL="0" indent="0">
-              <a:buNone/>
-            </a:pPr>
-            <a:r>
-              <a:rPr lang="en-US" sz="3000" dirty="0"/>
-              <a:t>	</a:t>
-            </a:r>
-            <a:r>
-              <a:rPr lang="en-US" sz="3700" dirty="0"/>
-              <a:t>Um </a:t>
-            </a:r>
-            <a:r>
-              <a:rPr lang="en-US" sz="3700" dirty="0" err="1"/>
-              <a:t>texto</a:t>
-            </a:r>
-            <a:r>
-              <a:rPr lang="en-US" sz="3700" dirty="0"/>
-              <a:t> no </a:t>
-            </a:r>
-            <a:r>
-              <a:rPr lang="en-US" sz="3700" dirty="0" err="1"/>
+              <a:t>CILINDRO NO MATTER CONTROL</a:t>
+            </a:r>
+            <a:endParaRPr lang="en-US" sz="5200" dirty="0"/>
+          </a:p>
+        </p:txBody>
+      </p:sp>
+      <p:sp>
+        <p:nvSpPr>
+          <p:cNvPr id="3" name="Content Placeholder 2"/>
+          <p:cNvSpPr>
+            <a:spLocks noGrp="1"/>
+          </p:cNvSpPr>
+          <p:nvPr>
+            <p:ph sz="half" idx="1"/>
+          </p:nvPr>
+        </p:nvSpPr>
+        <p:spPr>
+          <a:xfrm>
+            <a:off x="838200" y="1825625"/>
+            <a:ext cx="10515600" cy="4351655"/>
+          </a:xfrm>
+        </p:spPr>
+        <p:txBody>
+          <a:bodyPr/>
+          <a:lstStyle/>
+          <a:p>
+            <a:pPr marL="0" indent="0" algn="just">
+              <a:buNone/>
+            </a:pPr>
+            <a:r>
+              <a:rPr lang="pt-BR" sz="2600" dirty="0"/>
+              <a:t>O </a:t>
+            </a:r>
+            <a:r>
+              <a:rPr lang="en-US" altLang="pt-BR" sz="2600" dirty="0"/>
+              <a:t>cilindro</a:t>
+            </a:r>
+            <a:r>
+              <a:rPr lang="pt-BR" sz="2600" dirty="0"/>
+              <a:t> é um objeto primitivo no </a:t>
+            </a:r>
+            <a:r>
+              <a:rPr lang="pt-BR" sz="2600" dirty="0" err="1"/>
               <a:t>MatterControl</a:t>
             </a:r>
             <a:r>
-              <a:rPr lang="en-US" sz="3700" dirty="0"/>
-              <a:t> </a:t>
-            </a:r>
-            <a:r>
-              <a:rPr lang="en-US" sz="3700" dirty="0" err="1"/>
-              <a:t>pode</a:t>
-            </a:r>
-            <a:r>
-              <a:rPr lang="en-US" sz="3700" dirty="0"/>
-              <a:t> ser </a:t>
-            </a:r>
-            <a:r>
-              <a:rPr lang="en-US" sz="3700" dirty="0" err="1"/>
-              <a:t>formado</a:t>
-            </a:r>
-            <a:r>
-              <a:rPr lang="en-US" sz="3700" dirty="0"/>
-              <a:t> </a:t>
-            </a:r>
-            <a:r>
-              <a:rPr lang="en-US" sz="3700" dirty="0" err="1"/>
-              <a:t>seguindo</a:t>
-            </a:r>
-            <a:r>
-              <a:rPr lang="en-US" sz="3700" dirty="0"/>
-              <a:t> </a:t>
-            </a:r>
-            <a:r>
-              <a:rPr lang="en-US" sz="3700" dirty="0" err="1"/>
-              <a:t>os</a:t>
-            </a:r>
-            <a:r>
-              <a:rPr lang="en-US" sz="3700" dirty="0"/>
-              <a:t> </a:t>
-            </a:r>
-            <a:r>
-              <a:rPr lang="en-US" sz="3700" dirty="0" err="1"/>
-              <a:t>seguintes</a:t>
-            </a:r>
-            <a:r>
-              <a:rPr lang="en-US" sz="3700" dirty="0"/>
-              <a:t> </a:t>
-            </a:r>
-            <a:r>
-              <a:rPr lang="en-US" sz="3700" dirty="0" err="1"/>
-              <a:t>valores</a:t>
-            </a:r>
-            <a:r>
-              <a:rPr lang="en-US" sz="3700" dirty="0"/>
-              <a:t>:</a:t>
-            </a:r>
-          </a:p>
-          <a:p>
-            <a:pPr marL="0" indent="0">
-              <a:buNone/>
-            </a:pPr>
-            <a:endParaRPr lang="en-US" sz="3400" dirty="0"/>
-          </a:p>
-          <a:p>
-            <a:pPr marL="0" indent="0">
-              <a:buNone/>
-            </a:pPr>
-            <a:endParaRPr lang="en-US" sz="3400" dirty="0"/>
-          </a:p>
-          <a:p>
-            <a:pPr marL="0" indent="0">
-              <a:buNone/>
-            </a:pPr>
-            <a:endParaRPr lang="en-US" sz="3400" dirty="0"/>
-          </a:p>
-          <a:p>
-            <a:pPr marL="0" indent="0">
-              <a:buNone/>
-            </a:pPr>
-            <a:endParaRPr lang="en-US" sz="3400" dirty="0"/>
-          </a:p>
-          <a:p>
-            <a:pPr marL="0" indent="0">
-              <a:buNone/>
-            </a:pPr>
-            <a:endParaRPr lang="en-US" sz="3400" dirty="0"/>
-          </a:p>
-          <a:p>
-            <a:pPr marL="0" indent="0">
-              <a:buNone/>
-            </a:pPr>
-            <a:endParaRPr lang="en-US" sz="3400" dirty="0"/>
-          </a:p>
-          <a:p>
-            <a:pPr marL="0" indent="0">
-              <a:buNone/>
-            </a:pPr>
-            <a:endParaRPr lang="en-US" sz="3400" dirty="0"/>
-          </a:p>
-          <a:p>
-            <a:pPr marL="0" indent="0">
-              <a:buNone/>
-            </a:pPr>
-            <a:endParaRPr lang="en-US" sz="3400" dirty="0"/>
-          </a:p>
-          <a:p>
-            <a:pPr marL="0" indent="0">
-              <a:buNone/>
-            </a:pPr>
-            <a:r>
-              <a:rPr lang="en-US" sz="3400" dirty="0"/>
-              <a:t>height - </a:t>
-            </a:r>
-            <a:r>
-              <a:rPr lang="en-US" sz="3400" dirty="0" err="1"/>
-              <a:t>altura</a:t>
-            </a:r>
-            <a:r>
-              <a:rPr lang="en-US" sz="3400" dirty="0"/>
-              <a:t> , font – </a:t>
-            </a:r>
-            <a:r>
-              <a:rPr lang="en-US" sz="3400" dirty="0" err="1"/>
-              <a:t>fonte</a:t>
-            </a:r>
-            <a:r>
-              <a:rPr lang="en-US" sz="3400" dirty="0"/>
-              <a:t>, </a:t>
-            </a:r>
-          </a:p>
-          <a:p>
-            <a:pPr marL="0" indent="0">
-              <a:buNone/>
-            </a:pPr>
-            <a:r>
-              <a:rPr lang="en-US" sz="3400" dirty="0"/>
-              <a:t>point size – </a:t>
-            </a:r>
-            <a:r>
-              <a:rPr lang="en-US" sz="3400" dirty="0" err="1"/>
-              <a:t>tamanho</a:t>
-            </a:r>
-            <a:r>
-              <a:rPr lang="en-US" sz="3400" dirty="0"/>
-              <a:t> do </a:t>
-            </a:r>
-            <a:r>
-              <a:rPr lang="en-US" sz="3400" dirty="0" err="1"/>
-              <a:t>ponto</a:t>
-            </a:r>
-            <a:r>
-              <a:rPr lang="en-US" sz="3400" dirty="0"/>
-              <a:t>, text - </a:t>
-            </a:r>
-            <a:r>
-              <a:rPr lang="en-US" sz="3400" dirty="0" err="1"/>
-              <a:t>texto</a:t>
-            </a:r>
-            <a:endParaRPr lang="en-US" sz="3400" dirty="0"/>
+              <a:rPr lang="pt-BR" sz="2600" dirty="0"/>
+              <a:t>.</a:t>
+            </a:r>
+            <a:endParaRPr lang="pt-BR" dirty="0"/>
+          </a:p>
+          <a:p>
+            <a:pPr marL="0" indent="0" algn="just">
+              <a:buNone/>
+            </a:pPr>
+            <a:endParaRPr lang="pt-BR" dirty="0"/>
+          </a:p>
+          <a:p>
+            <a:pPr marL="0" indent="0" algn="just">
+              <a:buNone/>
+            </a:pPr>
+            <a:endParaRPr lang="pt-BR" dirty="0"/>
+          </a:p>
+          <a:p>
+            <a:pPr marL="0" indent="0" algn="just">
+              <a:buNone/>
+            </a:pPr>
+            <a:endParaRPr lang="en-US" dirty="0"/>
           </a:p>
         </p:txBody>
       </p:sp>
       <p:pic>
         <p:nvPicPr>
-          <p:cNvPr id="5" name="Picture 4">
-            <a:extLst>
-              <a:ext uri="{FF2B5EF4-FFF2-40B4-BE49-F238E27FC236}">
-                <a16:creationId xmlns:a16="http://schemas.microsoft.com/office/drawing/2014/main" id="{025EC357-A086-474F-BC72-676CD49C719A}"/>
-              </a:ext>
-            </a:extLst>
-          </p:cNvPr>
+          <p:cNvPr id="4" name="Content Placeholder 3" descr="cilindro"/>
           <p:cNvPicPr>
             <a:picLocks noChangeAspect="1"/>
           </p:cNvPicPr>
-          <p:nvPr/>
+          <p:nvPr>
+            <p:ph sz="half" idx="2"/>
+          </p:nvPr>
         </p:nvPicPr>
         <p:blipFill>
-          <a:blip r:embed="rId2">
-            <a:extLst>
-              <a:ext uri="{28A0092B-C50C-407E-A947-70E740481C1C}">
-                <a14:useLocalDpi xmlns:a14="http://schemas.microsoft.com/office/drawing/2010/main" val="0"/>
-              </a:ext>
-            </a:extLst>
-          </a:blip>
+          <a:blip r:embed="rId1"/>
           <a:stretch>
             <a:fillRect/>
           </a:stretch>
         </p:blipFill>
         <p:spPr>
           <a:xfrm>
-            <a:off x="3577960" y="2331077"/>
-            <a:ext cx="5036080" cy="3052293"/>
+            <a:off x="4189095" y="2491105"/>
+            <a:ext cx="3581400" cy="3686175"/>
           </a:xfrm>
           <a:prstGeom prst="rect">
             <a:avLst/>
@@ -5193,11 +4965,6 @@
         </p:spPr>
       </p:pic>
     </p:spTree>
-    <p:extLst>
-      <p:ext uri="{BB962C8B-B14F-4D97-AF65-F5344CB8AC3E}">
-        <p14:creationId xmlns:p14="http://schemas.microsoft.com/office/powerpoint/2010/main" val="690928246"/>
-      </p:ext>
-    </p:extLst>
   </p:cSld>
   <p:clrMapOvr>
     <a:masterClrMapping/>
@@ -5224,13 +4991,7 @@
       </p:grpSpPr>
       <p:sp>
         <p:nvSpPr>
-          <p:cNvPr id="2" name="Title 1">
-            <a:extLst>
-              <a:ext uri="{FF2B5EF4-FFF2-40B4-BE49-F238E27FC236}">
-                <a16:creationId xmlns:a16="http://schemas.microsoft.com/office/drawing/2014/main" id="{E5E8D1DA-2D7D-461A-8D8D-7CAF47675C62}"/>
-              </a:ext>
-            </a:extLst>
-          </p:cNvPr>
+          <p:cNvPr id="2" name="Title 1"/>
           <p:cNvSpPr>
             <a:spLocks noGrp="1"/>
           </p:cNvSpPr>
@@ -5238,12 +4999,7 @@
             <p:ph type="title"/>
           </p:nvPr>
         </p:nvSpPr>
-        <p:spPr>
-          <a:xfrm>
-            <a:off x="838200" y="463826"/>
-            <a:ext cx="10515600" cy="821632"/>
-          </a:xfrm>
-        </p:spPr>
+        <p:spPr/>
         <p:txBody>
           <a:bodyPr>
             <a:noAutofit/>
@@ -5253,36 +5009,31 @@
             <a:pPr algn="ctr"/>
             <a:r>
               <a:rPr lang="en-US" sz="5200" dirty="0"/>
-              <a:t>TEXTO NO MATTER CONTROL</a:t>
-            </a:r>
-          </a:p>
-        </p:txBody>
-      </p:sp>
-      <p:sp>
-        <p:nvSpPr>
-          <p:cNvPr id="3" name="Content Placeholder 2">
-            <a:extLst>
-              <a:ext uri="{FF2B5EF4-FFF2-40B4-BE49-F238E27FC236}">
-                <a16:creationId xmlns:a16="http://schemas.microsoft.com/office/drawing/2014/main" id="{1AD0B689-0C60-4A96-A9F1-5037CE604970}"/>
-              </a:ext>
-            </a:extLst>
-          </p:cNvPr>
-          <p:cNvSpPr>
-            <a:spLocks noGrp="1"/>
-          </p:cNvSpPr>
-          <p:nvPr>
-            <p:ph idx="1"/>
-          </p:nvPr>
-        </p:nvSpPr>
-        <p:spPr>
-          <a:xfrm>
-            <a:off x="838200" y="1285458"/>
-            <a:ext cx="10515600" cy="5274367"/>
+              <a:t>COMO FORMAR UM CILINDRO?</a:t>
+            </a:r>
+            <a:endParaRPr lang="en-US" sz="5200" dirty="0"/>
+          </a:p>
+        </p:txBody>
+      </p:sp>
+      <p:sp>
+        <p:nvSpPr>
+          <p:cNvPr id="3" name="Content Placeholder 2"/>
+          <p:cNvSpPr>
+            <a:spLocks noGrp="1"/>
+          </p:cNvSpPr>
+          <p:nvPr>
+            <p:ph sz="half" idx="1"/>
+          </p:nvPr>
+        </p:nvSpPr>
+        <p:spPr>
+          <a:xfrm>
+            <a:off x="838200" y="1391285"/>
+            <a:ext cx="10515600" cy="4956810"/>
           </a:xfrm>
         </p:spPr>
         <p:txBody>
           <a:bodyPr>
-            <a:normAutofit/>
+            <a:normAutofit lnSpcReduction="20000"/>
           </a:bodyPr>
           <a:lstStyle/>
           <a:p>
@@ -5293,6 +5044,7 @@
               <a:rPr lang="en-US" dirty="0"/>
               <a:t>	</a:t>
             </a:r>
+            <a:endParaRPr lang="en-US" dirty="0"/>
           </a:p>
           <a:p>
             <a:pPr marL="0" indent="0">
@@ -5300,111 +5052,174 @@
             </a:pPr>
             <a:r>
               <a:rPr lang="en-US" dirty="0"/>
-              <a:t>Um </a:t>
-            </a:r>
-            <a:r>
-              <a:rPr lang="en-US" dirty="0" err="1"/>
-              <a:t>projeto</a:t>
-            </a:r>
-            <a:r>
-              <a:rPr lang="en-US" dirty="0"/>
-              <a:t> com </a:t>
-            </a:r>
-            <a:r>
-              <a:rPr lang="en-US" dirty="0" err="1"/>
-              <a:t>texto</a:t>
-            </a:r>
-            <a:r>
-              <a:rPr lang="en-US" dirty="0"/>
-              <a:t>.</a:t>
-            </a:r>
-          </a:p>
-          <a:p>
-            <a:pPr marL="0" indent="0">
-              <a:buNone/>
-            </a:pPr>
-            <a:endParaRPr lang="en-US" dirty="0"/>
-          </a:p>
-          <a:p>
-            <a:pPr marL="0" indent="0">
-              <a:buNone/>
-            </a:pPr>
-            <a:endParaRPr lang="en-US" dirty="0"/>
-          </a:p>
-          <a:p>
-            <a:pPr marL="0" indent="0">
-              <a:buNone/>
-            </a:pPr>
-            <a:endParaRPr lang="en-US" dirty="0"/>
-          </a:p>
-          <a:p>
-            <a:pPr marL="0" indent="0">
-              <a:buNone/>
-            </a:pPr>
-            <a:endParaRPr lang="en-US" dirty="0"/>
-          </a:p>
-          <a:p>
-            <a:pPr marL="0" indent="0">
-              <a:buNone/>
-            </a:pPr>
-            <a:endParaRPr lang="en-US" dirty="0"/>
-          </a:p>
-          <a:p>
-            <a:pPr marL="0" indent="0">
-              <a:buNone/>
-            </a:pPr>
-            <a:endParaRPr lang="en-US" dirty="0"/>
-          </a:p>
-          <a:p>
-            <a:pPr marL="0" indent="0">
-              <a:buNone/>
-            </a:pPr>
-            <a:endParaRPr lang="en-US" dirty="0"/>
-          </a:p>
-          <a:p>
-            <a:pPr marL="0" indent="0">
-              <a:buNone/>
-            </a:pPr>
-            <a:endParaRPr lang="en-US" dirty="0"/>
-          </a:p>
-          <a:p>
-            <a:pPr marL="0" indent="0">
-              <a:buNone/>
-            </a:pPr>
-            <a:endParaRPr lang="en-US" dirty="0"/>
+              <a:t>	</a:t>
+            </a:r>
+            <a:r>
+              <a:rPr lang="en-US" sz="2600" dirty="0"/>
+              <a:t>Um cilindro no </a:t>
+            </a:r>
+            <a:r>
+              <a:rPr lang="en-US" sz="2600" dirty="0" err="1"/>
+              <a:t>MatterControl</a:t>
+            </a:r>
+            <a:r>
+              <a:rPr lang="en-US" sz="2600" dirty="0"/>
+              <a:t> </a:t>
+            </a:r>
+            <a:r>
+              <a:rPr lang="en-US" sz="2600" dirty="0" err="1"/>
+              <a:t>pode</a:t>
+            </a:r>
+            <a:r>
+              <a:rPr lang="en-US" sz="2600" dirty="0"/>
+              <a:t> ser </a:t>
+            </a:r>
+            <a:r>
+              <a:rPr lang="en-US" sz="2600" dirty="0" err="1"/>
+              <a:t>formado</a:t>
+            </a:r>
+            <a:r>
+              <a:rPr lang="en-US" sz="2600" dirty="0"/>
+              <a:t> </a:t>
+            </a:r>
+            <a:r>
+              <a:rPr lang="en-US" sz="2600" dirty="0" err="1"/>
+              <a:t>seguindo</a:t>
+            </a:r>
+            <a:r>
+              <a:rPr lang="en-US" sz="2600" dirty="0"/>
+              <a:t> </a:t>
+            </a:r>
+            <a:r>
+              <a:rPr lang="en-US" sz="2600" dirty="0" err="1"/>
+              <a:t>os</a:t>
+            </a:r>
+            <a:r>
+              <a:rPr lang="en-US" sz="2600" dirty="0"/>
+              <a:t> </a:t>
+            </a:r>
+            <a:r>
+              <a:rPr lang="en-US" sz="2600" dirty="0" err="1"/>
+              <a:t>seguintes</a:t>
+            </a:r>
+            <a:r>
+              <a:rPr lang="en-US" sz="2600" dirty="0"/>
+              <a:t> </a:t>
+            </a:r>
+            <a:r>
+              <a:rPr lang="en-US" sz="2600" dirty="0" err="1"/>
+              <a:t>valores</a:t>
+            </a:r>
+            <a:r>
+              <a:rPr lang="en-US" sz="2600" dirty="0"/>
+              <a:t>:</a:t>
+            </a:r>
+            <a:endParaRPr lang="en-US" sz="2600" dirty="0"/>
+          </a:p>
+          <a:p>
+            <a:pPr marL="0" indent="0">
+              <a:buNone/>
+            </a:pPr>
+            <a:endParaRPr lang="en-US" sz="3400" dirty="0"/>
+          </a:p>
+          <a:p>
+            <a:pPr marL="0" indent="0">
+              <a:buNone/>
+            </a:pPr>
+            <a:endParaRPr lang="en-US" sz="3400" dirty="0"/>
+          </a:p>
+          <a:p>
+            <a:pPr marL="0" indent="0">
+              <a:buNone/>
+            </a:pPr>
+            <a:endParaRPr lang="en-US" sz="3400" dirty="0"/>
+          </a:p>
+          <a:p>
+            <a:pPr marL="0" indent="0">
+              <a:buNone/>
+            </a:pPr>
+            <a:endParaRPr lang="en-US" sz="3400" dirty="0"/>
+          </a:p>
+          <a:p>
+            <a:pPr marL="0" indent="0">
+              <a:buNone/>
+            </a:pPr>
+            <a:endParaRPr lang="en-US" sz="3400" dirty="0"/>
+          </a:p>
+          <a:p>
+            <a:pPr marL="0" indent="0">
+              <a:buNone/>
+            </a:pPr>
+            <a:endParaRPr lang="en-US" sz="2600" dirty="0"/>
+          </a:p>
+          <a:p>
+            <a:pPr marL="0" indent="0">
+              <a:buNone/>
+            </a:pPr>
+            <a:endParaRPr lang="en-US" sz="2600" dirty="0"/>
+          </a:p>
+          <a:p>
+            <a:pPr marL="0" indent="0">
+              <a:buNone/>
+            </a:pPr>
+            <a:r>
+              <a:rPr lang="en-US" sz="2600" dirty="0"/>
+              <a:t>diameter - diâmetro, height - altura, sides - laterais</a:t>
+            </a:r>
+            <a:endParaRPr lang="en-US" sz="3400" dirty="0"/>
+          </a:p>
+          <a:p>
+            <a:pPr marL="0" indent="0">
+              <a:buNone/>
+            </a:pPr>
+            <a:endParaRPr lang="en-US" sz="3400" dirty="0"/>
+          </a:p>
+          <a:p>
+            <a:pPr marL="0" indent="0">
+              <a:buNone/>
+            </a:pPr>
+            <a:endParaRPr lang="en-US" sz="3400" dirty="0"/>
+          </a:p>
+          <a:p>
+            <a:pPr marL="0" indent="0">
+              <a:buNone/>
+            </a:pPr>
+            <a:endParaRPr lang="en-US" sz="3400" dirty="0"/>
+          </a:p>
+          <a:p>
+            <a:pPr marL="0" indent="0">
+              <a:buNone/>
+            </a:pPr>
+            <a:endParaRPr lang="en-US" sz="3400" dirty="0"/>
+          </a:p>
+          <a:p>
+            <a:pPr marL="0" indent="0">
+              <a:buNone/>
+            </a:pPr>
+            <a:endParaRPr lang="en-US" sz="3400" dirty="0"/>
           </a:p>
         </p:txBody>
       </p:sp>
       <p:pic>
         <p:nvPicPr>
-          <p:cNvPr id="6" name="Picture 5">
-            <a:extLst>
-              <a:ext uri="{FF2B5EF4-FFF2-40B4-BE49-F238E27FC236}">
-                <a16:creationId xmlns:a16="http://schemas.microsoft.com/office/drawing/2014/main" id="{0CB534B3-CEED-40CE-9B18-0D9316CB4BBB}"/>
-              </a:ext>
-            </a:extLst>
-          </p:cNvPr>
+          <p:cNvPr id="6" name="Content Placeholder 5" descr="formar-cilindro"/>
           <p:cNvPicPr>
             <a:picLocks noChangeAspect="1"/>
           </p:cNvPicPr>
-          <p:nvPr/>
+          <p:nvPr>
+            <p:ph sz="half" idx="2"/>
+          </p:nvPr>
         </p:nvPicPr>
         <p:blipFill>
-          <a:blip r:embed="rId2">
-            <a:extLst>
-              <a:ext uri="{28A0092B-C50C-407E-A947-70E740481C1C}">
-                <a14:useLocalDpi xmlns:a14="http://schemas.microsoft.com/office/drawing/2010/main" val="0"/>
-              </a:ext>
-            </a:extLst>
-          </a:blip>
+          <a:blip r:embed="rId1"/>
           <a:stretch>
             <a:fillRect/>
           </a:stretch>
         </p:blipFill>
         <p:spPr>
           <a:xfrm>
-            <a:off x="1470980" y="2562324"/>
-            <a:ext cx="9250039" cy="3681350"/>
+            <a:off x="3582035" y="2745740"/>
+            <a:ext cx="5027295" cy="2658745"/>
           </a:xfrm>
           <a:prstGeom prst="rect">
             <a:avLst/>
@@ -5412,11 +5227,6 @@
         </p:spPr>
       </p:pic>
     </p:spTree>
-    <p:extLst>
-      <p:ext uri="{BB962C8B-B14F-4D97-AF65-F5344CB8AC3E}">
-        <p14:creationId xmlns:p14="http://schemas.microsoft.com/office/powerpoint/2010/main" val="825002088"/>
-      </p:ext>
-    </p:extLst>
   </p:cSld>
   <p:clrMapOvr>
     <a:masterClrMapping/>
@@ -5443,13 +5253,7 @@
       </p:grpSpPr>
       <p:sp>
         <p:nvSpPr>
-          <p:cNvPr id="2" name="Title 1">
-            <a:extLst>
-              <a:ext uri="{FF2B5EF4-FFF2-40B4-BE49-F238E27FC236}">
-                <a16:creationId xmlns:a16="http://schemas.microsoft.com/office/drawing/2014/main" id="{E5E8D1DA-2D7D-461A-8D8D-7CAF47675C62}"/>
-              </a:ext>
-            </a:extLst>
-          </p:cNvPr>
+          <p:cNvPr id="2" name="Title 1"/>
           <p:cNvSpPr>
             <a:spLocks noGrp="1"/>
           </p:cNvSpPr>
@@ -5457,12 +5261,7 @@
             <p:ph type="title"/>
           </p:nvPr>
         </p:nvSpPr>
-        <p:spPr>
-          <a:xfrm>
-            <a:off x="838200" y="463826"/>
-            <a:ext cx="10515600" cy="821632"/>
-          </a:xfrm>
-        </p:spPr>
+        <p:spPr/>
         <p:txBody>
           <a:bodyPr>
             <a:noAutofit/>
@@ -5472,31 +5271,26 @@
             <a:pPr algn="ctr"/>
             <a:r>
               <a:rPr lang="en-US" sz="5200" dirty="0"/>
-              <a:t>IMAGENS NO MATTER CONTROL</a:t>
-            </a:r>
-          </a:p>
-        </p:txBody>
-      </p:sp>
-      <p:sp>
-        <p:nvSpPr>
-          <p:cNvPr id="3" name="Content Placeholder 2">
-            <a:extLst>
-              <a:ext uri="{FF2B5EF4-FFF2-40B4-BE49-F238E27FC236}">
-                <a16:creationId xmlns:a16="http://schemas.microsoft.com/office/drawing/2014/main" id="{1AD0B689-0C60-4A96-A9F1-5037CE604970}"/>
-              </a:ext>
-            </a:extLst>
-          </p:cNvPr>
-          <p:cNvSpPr>
-            <a:spLocks noGrp="1"/>
-          </p:cNvSpPr>
-          <p:nvPr>
-            <p:ph idx="1"/>
-          </p:nvPr>
-        </p:nvSpPr>
-        <p:spPr>
-          <a:xfrm>
-            <a:off x="838200" y="1285458"/>
-            <a:ext cx="10515600" cy="5274367"/>
+              <a:t>CILINDRO NO MATTER CONTROL</a:t>
+            </a:r>
+            <a:endParaRPr lang="en-US" sz="5200" dirty="0"/>
+          </a:p>
+        </p:txBody>
+      </p:sp>
+      <p:sp>
+        <p:nvSpPr>
+          <p:cNvPr id="3" name="Content Placeholder 2"/>
+          <p:cNvSpPr>
+            <a:spLocks noGrp="1"/>
+          </p:cNvSpPr>
+          <p:nvPr>
+            <p:ph sz="half" idx="1"/>
+          </p:nvPr>
+        </p:nvSpPr>
+        <p:spPr>
+          <a:xfrm>
+            <a:off x="838200" y="1691005"/>
+            <a:ext cx="10239375" cy="4635500"/>
           </a:xfrm>
         </p:spPr>
         <p:txBody>
@@ -5509,90 +5303,30 @@
               <a:buNone/>
             </a:pPr>
             <a:r>
-              <a:rPr lang="en-US" dirty="0"/>
-              <a:t>	</a:t>
-            </a:r>
-          </a:p>
-          <a:p>
-            <a:pPr marL="0" indent="0">
-              <a:buNone/>
-            </a:pPr>
-            <a:r>
-              <a:rPr lang="en-US" dirty="0"/>
-              <a:t>	É </a:t>
-            </a:r>
-            <a:r>
-              <a:rPr lang="en-US" dirty="0" err="1"/>
-              <a:t>possível</a:t>
-            </a:r>
-            <a:r>
-              <a:rPr lang="en-US" dirty="0"/>
-              <a:t> </a:t>
-            </a:r>
-            <a:r>
-              <a:rPr lang="en-US" dirty="0" err="1"/>
-              <a:t>criar</a:t>
-            </a:r>
-            <a:r>
-              <a:rPr lang="en-US" dirty="0"/>
-              <a:t> um </a:t>
-            </a:r>
-            <a:r>
-              <a:rPr lang="en-US" dirty="0" err="1"/>
-              <a:t>objeto</a:t>
-            </a:r>
-            <a:r>
-              <a:rPr lang="en-US" dirty="0"/>
-              <a:t> a </a:t>
-            </a:r>
-            <a:r>
-              <a:rPr lang="en-US" dirty="0" err="1"/>
-              <a:t>partir</a:t>
-            </a:r>
-            <a:r>
-              <a:rPr lang="en-US" dirty="0"/>
-              <a:t> de </a:t>
-            </a:r>
-            <a:r>
-              <a:rPr lang="en-US" dirty="0" err="1"/>
-              <a:t>uma</a:t>
-            </a:r>
-            <a:r>
-              <a:rPr lang="en-US" dirty="0"/>
-              <a:t> </a:t>
-            </a:r>
-            <a:r>
-              <a:rPr lang="en-US" dirty="0" err="1"/>
-              <a:t>imagem</a:t>
-            </a:r>
-            <a:r>
-              <a:rPr lang="en-US" dirty="0"/>
-              <a:t> no Matter Control. É </a:t>
-            </a:r>
-            <a:r>
-              <a:rPr lang="en-US" dirty="0" err="1"/>
-              <a:t>também</a:t>
-            </a:r>
-            <a:r>
-              <a:rPr lang="en-US" dirty="0"/>
-              <a:t> um </a:t>
-            </a:r>
-            <a:r>
-              <a:rPr lang="en-US" dirty="0" err="1"/>
-              <a:t>objeto</a:t>
-            </a:r>
-            <a:r>
-              <a:rPr lang="en-US" dirty="0"/>
-              <a:t> </a:t>
-            </a:r>
-            <a:r>
-              <a:rPr lang="en-US" dirty="0" err="1"/>
-              <a:t>primitivo</a:t>
-            </a:r>
-            <a:r>
-              <a:rPr lang="en-US" dirty="0"/>
-              <a:t>.</a:t>
-            </a:r>
+              <a:rPr lang="en-US" sz="2600" dirty="0"/>
+              <a:t>Um </a:t>
+            </a:r>
+            <a:r>
+              <a:rPr lang="en-US" sz="2600" dirty="0" err="1"/>
+              <a:t>projeto</a:t>
+            </a:r>
+            <a:r>
+              <a:rPr lang="en-US" sz="2600" dirty="0"/>
+              <a:t> com cilindro.</a:t>
+            </a:r>
+            <a:endParaRPr lang="en-US" dirty="0"/>
+          </a:p>
+          <a:p>
+            <a:pPr marL="0" indent="0">
+              <a:buNone/>
+            </a:pPr>
+            <a:endParaRPr lang="en-US" dirty="0"/>
+          </a:p>
+          <a:p>
+            <a:pPr marL="0" indent="0">
+              <a:buNone/>
+            </a:pPr>
+            <a:endParaRPr lang="en-US" dirty="0"/>
           </a:p>
           <a:p>
             <a:pPr marL="0" indent="0">
@@ -5640,34 +5374,24 @@
       </p:sp>
       <p:pic>
         <p:nvPicPr>
-          <p:cNvPr id="5" name="Picture 4">
-            <a:extLst>
-              <a:ext uri="{FF2B5EF4-FFF2-40B4-BE49-F238E27FC236}">
-                <a16:creationId xmlns:a16="http://schemas.microsoft.com/office/drawing/2014/main" id="{EC670656-085B-4CF6-BBE4-C1C415AB5D86}"/>
-              </a:ext>
-            </a:extLst>
-          </p:cNvPr>
+          <p:cNvPr id="4" name="Content Placeholder 3" descr="projeto-cilindro"/>
           <p:cNvPicPr>
             <a:picLocks noChangeAspect="1"/>
           </p:cNvPicPr>
-          <p:nvPr/>
+          <p:nvPr>
+            <p:ph sz="half" idx="2"/>
+          </p:nvPr>
         </p:nvPicPr>
         <p:blipFill>
-          <a:blip r:embed="rId2">
-            <a:extLst>
-              <a:ext uri="{28A0092B-C50C-407E-A947-70E740481C1C}">
-                <a14:useLocalDpi xmlns:a14="http://schemas.microsoft.com/office/drawing/2010/main" val="0"/>
-              </a:ext>
-            </a:extLst>
-          </a:blip>
+          <a:blip r:embed="rId1"/>
           <a:stretch>
             <a:fillRect/>
           </a:stretch>
         </p:blipFill>
         <p:spPr>
           <a:xfrm>
-            <a:off x="3776239" y="2857580"/>
-            <a:ext cx="4639522" cy="3702245"/>
+            <a:off x="4244340" y="2238375"/>
+            <a:ext cx="4026535" cy="4088130"/>
           </a:xfrm>
           <a:prstGeom prst="rect">
             <a:avLst/>
@@ -5675,11 +5399,6 @@
         </p:spPr>
       </p:pic>
     </p:spTree>
-    <p:extLst>
-      <p:ext uri="{BB962C8B-B14F-4D97-AF65-F5344CB8AC3E}">
-        <p14:creationId xmlns:p14="http://schemas.microsoft.com/office/powerpoint/2010/main" val="3418495990"/>
-      </p:ext>
-    </p:extLst>
   </p:cSld>
   <p:clrMapOvr>
     <a:masterClrMapping/>
@@ -5706,13 +5425,7 @@
       </p:grpSpPr>
       <p:sp>
         <p:nvSpPr>
-          <p:cNvPr id="2" name="Title 1">
-            <a:extLst>
-              <a:ext uri="{FF2B5EF4-FFF2-40B4-BE49-F238E27FC236}">
-                <a16:creationId xmlns:a16="http://schemas.microsoft.com/office/drawing/2014/main" id="{24777F16-1641-4B86-B1DA-28B4AB09C290}"/>
-              </a:ext>
-            </a:extLst>
-          </p:cNvPr>
+          <p:cNvPr id="2" name="Title 1"/>
           <p:cNvSpPr>
             <a:spLocks noGrp="1"/>
           </p:cNvSpPr>
@@ -5737,18 +5450,13 @@
               <a:rPr lang="en-US" sz="5200" dirty="0"/>
               <a:t>CUBO NO MATTER CONTROL</a:t>
             </a:r>
-          </a:p>
-        </p:txBody>
-      </p:sp>
-      <p:sp>
-        <p:nvSpPr>
-          <p:cNvPr id="3" name="Content Placeholder 2">
-            <a:extLst>
-              <a:ext uri="{FF2B5EF4-FFF2-40B4-BE49-F238E27FC236}">
-                <a16:creationId xmlns:a16="http://schemas.microsoft.com/office/drawing/2014/main" id="{9FBEF090-A937-45B5-9B5C-3EE68F05FDE7}"/>
-              </a:ext>
-            </a:extLst>
-          </p:cNvPr>
+            <a:endParaRPr lang="en-US" sz="5200" dirty="0"/>
+          </a:p>
+        </p:txBody>
+      </p:sp>
+      <p:sp>
+        <p:nvSpPr>
+          <p:cNvPr id="3" name="Content Placeholder 2"/>
           <p:cNvSpPr>
             <a:spLocks noGrp="1"/>
           </p:cNvSpPr>
@@ -5773,6 +5481,7 @@
               <a:rPr lang="en-US" dirty="0"/>
               <a:t>	</a:t>
             </a:r>
+            <a:endParaRPr lang="en-US" dirty="0"/>
           </a:p>
           <a:p>
             <a:pPr marL="0" indent="0" algn="just">
@@ -5780,131 +5489,130 @@
             </a:pPr>
             <a:r>
               <a:rPr lang="en-US" dirty="0"/>
-              <a:t>	O </a:t>
-            </a:r>
-            <a:r>
-              <a:rPr lang="en-US" dirty="0" err="1"/>
+              <a:t>	</a:t>
+            </a:r>
+            <a:r>
+              <a:rPr lang="en-US" sz="2600" dirty="0"/>
+              <a:t>O </a:t>
+            </a:r>
+            <a:r>
+              <a:rPr lang="en-US" sz="2600" dirty="0" err="1"/>
               <a:t>MatterControl</a:t>
             </a:r>
             <a:r>
-              <a:rPr lang="en-US" dirty="0"/>
+              <a:rPr lang="en-US" sz="2600" dirty="0"/>
               <a:t> </a:t>
             </a:r>
             <a:r>
-              <a:rPr lang="en-US" dirty="0" err="1"/>
+              <a:rPr lang="en-US" sz="2600" dirty="0" err="1"/>
               <a:t>abstrai</a:t>
             </a:r>
             <a:r>
-              <a:rPr lang="en-US" dirty="0"/>
+              <a:rPr lang="en-US" sz="2600" dirty="0"/>
               <a:t> um </a:t>
             </a:r>
             <a:r>
-              <a:rPr lang="en-US" dirty="0" err="1"/>
+              <a:rPr lang="en-US" sz="2600" dirty="0" err="1"/>
               <a:t>cubo</a:t>
             </a:r>
             <a:r>
-              <a:rPr lang="en-US" dirty="0"/>
+              <a:rPr lang="en-US" sz="2600" dirty="0"/>
               <a:t> para o </a:t>
             </a:r>
             <a:r>
-              <a:rPr lang="en-US" dirty="0" err="1"/>
+              <a:rPr lang="en-US" sz="2600" dirty="0" err="1"/>
               <a:t>modelo</a:t>
             </a:r>
             <a:r>
-              <a:rPr lang="en-US" dirty="0"/>
+              <a:rPr lang="en-US" sz="2600" dirty="0"/>
               <a:t> digital. O </a:t>
             </a:r>
             <a:r>
-              <a:rPr lang="en-US" dirty="0" err="1"/>
+              <a:rPr lang="en-US" sz="2600" dirty="0" err="1"/>
               <a:t>projetista</a:t>
             </a:r>
             <a:r>
-              <a:rPr lang="en-US" dirty="0"/>
+              <a:rPr lang="en-US" sz="2600" dirty="0"/>
               <a:t> </a:t>
             </a:r>
             <a:r>
-              <a:rPr lang="en-US" dirty="0" err="1"/>
+              <a:rPr lang="en-US" sz="2600" dirty="0" err="1"/>
               <a:t>pode</a:t>
             </a:r>
             <a:r>
-              <a:rPr lang="en-US" dirty="0"/>
+              <a:rPr lang="en-US" sz="2600" dirty="0"/>
               <a:t> </a:t>
             </a:r>
             <a:r>
-              <a:rPr lang="en-US" dirty="0" err="1"/>
+              <a:rPr lang="en-US" sz="2600" dirty="0" err="1"/>
               <a:t>criar</a:t>
             </a:r>
             <a:r>
-              <a:rPr lang="en-US" dirty="0"/>
+              <a:rPr lang="en-US" sz="2600" dirty="0"/>
               <a:t> um </a:t>
             </a:r>
             <a:r>
-              <a:rPr lang="en-US" dirty="0" err="1"/>
+              <a:rPr lang="en-US" sz="2600" dirty="0" err="1"/>
               <a:t>cubo</a:t>
             </a:r>
             <a:r>
-              <a:rPr lang="en-US" dirty="0"/>
+              <a:rPr lang="en-US" sz="2600" dirty="0"/>
               <a:t> </a:t>
             </a:r>
             <a:r>
-              <a:rPr lang="en-US" dirty="0" err="1"/>
+              <a:rPr lang="en-US" sz="2600" dirty="0" err="1"/>
               <a:t>apenas</a:t>
             </a:r>
             <a:r>
-              <a:rPr lang="en-US" dirty="0"/>
+              <a:rPr lang="en-US" sz="2600" dirty="0"/>
               <a:t> </a:t>
             </a:r>
             <a:r>
-              <a:rPr lang="en-US" dirty="0" err="1"/>
+              <a:rPr lang="en-US" sz="2600" dirty="0" err="1"/>
               <a:t>informando</a:t>
             </a:r>
             <a:r>
-              <a:rPr lang="en-US" dirty="0"/>
+              <a:rPr lang="en-US" sz="2600" dirty="0"/>
               <a:t>: </a:t>
             </a:r>
             <a:r>
-              <a:rPr lang="en-US" dirty="0" err="1"/>
+              <a:rPr lang="en-US" sz="2600" dirty="0" err="1"/>
               <a:t>profundidade</a:t>
             </a:r>
             <a:r>
-              <a:rPr lang="en-US" dirty="0"/>
+              <a:rPr lang="en-US" sz="2600" dirty="0"/>
               <a:t>, </a:t>
             </a:r>
             <a:r>
-              <a:rPr lang="en-US" dirty="0" err="1"/>
+              <a:rPr lang="en-US" sz="2600" dirty="0" err="1"/>
               <a:t>altura</a:t>
             </a:r>
             <a:r>
-              <a:rPr lang="en-US" dirty="0"/>
+              <a:rPr lang="en-US" sz="2600" dirty="0"/>
               <a:t> e </a:t>
             </a:r>
             <a:r>
-              <a:rPr lang="en-US" dirty="0" err="1"/>
+              <a:rPr lang="en-US" sz="2600" dirty="0" err="1"/>
               <a:t>largura</a:t>
             </a:r>
             <a:r>
-              <a:rPr lang="en-US" dirty="0"/>
+              <a:rPr lang="en-US" sz="2600" dirty="0"/>
               <a:t>.</a:t>
             </a:r>
+            <a:endParaRPr lang="en-US" sz="2600" dirty="0"/>
           </a:p>
         </p:txBody>
       </p:sp>
       <p:pic>
         <p:nvPicPr>
-          <p:cNvPr id="6" name="Picture 5">
-            <a:extLst>
-              <a:ext uri="{FF2B5EF4-FFF2-40B4-BE49-F238E27FC236}">
-                <a16:creationId xmlns:a16="http://schemas.microsoft.com/office/drawing/2014/main" id="{0FC4CFC5-66DF-43E3-B0D3-A1B9275EA726}"/>
-              </a:ext>
-            </a:extLst>
-          </p:cNvPr>
+          <p:cNvPr id="6" name="Picture 5"/>
           <p:cNvPicPr>
             <a:picLocks noChangeAspect="1"/>
           </p:cNvPicPr>
           <p:nvPr/>
         </p:nvPicPr>
         <p:blipFill>
-          <a:blip r:embed="rId2">
+          <a:blip r:embed="rId1">
             <a:extLst>
               <a:ext uri="{28A0092B-C50C-407E-A947-70E740481C1C}">
                 <a14:useLocalDpi xmlns:a14="http://schemas.microsoft.com/office/drawing/2010/main" val="0"/>
@@ -5917,8 +5625,8 @@
         </p:blipFill>
         <p:spPr>
           <a:xfrm>
-            <a:off x="4376530" y="3048000"/>
-            <a:ext cx="3438939" cy="3432313"/>
+            <a:off x="3862070" y="2775585"/>
+            <a:ext cx="4331335" cy="3704590"/>
           </a:xfrm>
           <a:prstGeom prst="rect">
             <a:avLst/>
@@ -5926,11 +5634,6 @@
         </p:spPr>
       </p:pic>
     </p:spTree>
-    <p:extLst>
-      <p:ext uri="{BB962C8B-B14F-4D97-AF65-F5344CB8AC3E}">
-        <p14:creationId xmlns:p14="http://schemas.microsoft.com/office/powerpoint/2010/main" val="157784597"/>
-      </p:ext>
-    </p:extLst>
   </p:cSld>
   <p:clrMapOvr>
     <a:masterClrMapping/>
@@ -5957,13 +5660,1363 @@
       </p:grpSpPr>
       <p:sp>
         <p:nvSpPr>
-          <p:cNvPr id="2" name="Title 1">
+          <p:cNvPr id="2" name="Title 1"/>
+          <p:cNvSpPr>
+            <a:spLocks noGrp="1"/>
+          </p:cNvSpPr>
+          <p:nvPr>
+            <p:ph type="title"/>
+          </p:nvPr>
+        </p:nvSpPr>
+        <p:spPr/>
+        <p:txBody>
+          <a:bodyPr>
+            <a:normAutofit/>
+          </a:bodyPr>
+          <a:lstStyle/>
+          <a:p>
+            <a:pPr algn="ctr"/>
+            <a:r>
+              <a:rPr lang="en-US" sz="5200" dirty="0"/>
+              <a:t>ANEL NO MATTER CONTROL</a:t>
+            </a:r>
+            <a:endParaRPr lang="en-US" sz="5200" dirty="0"/>
+          </a:p>
+        </p:txBody>
+      </p:sp>
+      <p:sp>
+        <p:nvSpPr>
+          <p:cNvPr id="3" name="Content Placeholder 2"/>
+          <p:cNvSpPr>
+            <a:spLocks noGrp="1"/>
+          </p:cNvSpPr>
+          <p:nvPr>
+            <p:ph sz="half" idx="1"/>
+          </p:nvPr>
+        </p:nvSpPr>
+        <p:spPr>
+          <a:xfrm>
+            <a:off x="838200" y="1825625"/>
+            <a:ext cx="10515600" cy="4351655"/>
+          </a:xfrm>
+        </p:spPr>
+        <p:txBody>
+          <a:bodyPr/>
+          <a:lstStyle/>
+          <a:p>
+            <a:pPr marL="0" indent="0" algn="just">
+              <a:buNone/>
+            </a:pPr>
+            <a:r>
+              <a:rPr lang="pt-BR" sz="2600" dirty="0"/>
+              <a:t>O </a:t>
+            </a:r>
+            <a:r>
+              <a:rPr lang="en-US" altLang="pt-BR" sz="2600" dirty="0"/>
+              <a:t>anel</a:t>
+            </a:r>
+            <a:r>
+              <a:rPr lang="pt-BR" sz="2600" dirty="0"/>
+              <a:t> é um objeto primitivo no </a:t>
+            </a:r>
+            <a:r>
+              <a:rPr lang="pt-BR" sz="2600" dirty="0" err="1"/>
+              <a:t>MatterControl</a:t>
+            </a:r>
+            <a:r>
+              <a:rPr lang="pt-BR" sz="2600" dirty="0"/>
+              <a:t>.</a:t>
+            </a:r>
+            <a:endParaRPr lang="pt-BR" dirty="0"/>
+          </a:p>
+          <a:p>
+            <a:pPr marL="0" indent="0" algn="just">
+              <a:buNone/>
+            </a:pPr>
+            <a:endParaRPr lang="pt-BR" dirty="0"/>
+          </a:p>
+          <a:p>
+            <a:pPr marL="0" indent="0" algn="just">
+              <a:buNone/>
+            </a:pPr>
+            <a:endParaRPr lang="pt-BR" dirty="0"/>
+          </a:p>
+          <a:p>
+            <a:pPr marL="0" indent="0" algn="just">
+              <a:buNone/>
+            </a:pPr>
+            <a:endParaRPr lang="en-US" dirty="0"/>
+          </a:p>
+        </p:txBody>
+      </p:sp>
+      <p:pic>
+        <p:nvPicPr>
+          <p:cNvPr id="6" name="Content Placeholder 5" descr="anel"/>
+          <p:cNvPicPr>
+            <a:picLocks noChangeAspect="1"/>
+          </p:cNvPicPr>
+          <p:nvPr>
+            <p:ph sz="half" idx="2"/>
+          </p:nvPr>
+        </p:nvPicPr>
+        <p:blipFill>
+          <a:blip r:embed="rId1"/>
+          <a:stretch>
+            <a:fillRect/>
+          </a:stretch>
+        </p:blipFill>
+        <p:spPr>
+          <a:xfrm>
+            <a:off x="3762375" y="2518410"/>
+            <a:ext cx="4667885" cy="3658870"/>
+          </a:xfrm>
+          <a:prstGeom prst="rect">
+            <a:avLst/>
+          </a:prstGeom>
+        </p:spPr>
+      </p:pic>
+    </p:spTree>
+  </p:cSld>
+  <p:clrMapOvr>
+    <a:masterClrMapping/>
+  </p:clrMapOvr>
+</p:sld>
+</file>
+
+<file path=ppt/slides/slide21.xml><?xml version="1.0" encoding="utf-8"?>
+<p:sld xmlns:a="http://schemas.openxmlformats.org/drawingml/2006/main" xmlns:r="http://schemas.openxmlformats.org/officeDocument/2006/relationships" xmlns:p="http://schemas.openxmlformats.org/presentationml/2006/main">
+  <p:cSld>
+    <p:spTree>
+      <p:nvGrpSpPr>
+        <p:cNvPr id="1" name=""/>
+        <p:cNvGrpSpPr/>
+        <p:nvPr/>
+      </p:nvGrpSpPr>
+      <p:grpSpPr>
+        <a:xfrm>
+          <a:off x="0" y="0"/>
+          <a:ext cx="0" cy="0"/>
+          <a:chOff x="0" y="0"/>
+          <a:chExt cx="0" cy="0"/>
+        </a:xfrm>
+      </p:grpSpPr>
+      <p:sp>
+        <p:nvSpPr>
+          <p:cNvPr id="2" name="Title 1"/>
+          <p:cNvSpPr>
+            <a:spLocks noGrp="1"/>
+          </p:cNvSpPr>
+          <p:nvPr>
+            <p:ph type="title"/>
+          </p:nvPr>
+        </p:nvSpPr>
+        <p:spPr/>
+        <p:txBody>
+          <a:bodyPr>
+            <a:noAutofit/>
+          </a:bodyPr>
+          <a:lstStyle/>
+          <a:p>
+            <a:pPr algn="ctr"/>
+            <a:r>
+              <a:rPr lang="en-US" sz="5200" dirty="0"/>
+              <a:t>COMO FORMAR UM ANEL?</a:t>
+            </a:r>
+            <a:endParaRPr lang="en-US" sz="5200" dirty="0"/>
+          </a:p>
+        </p:txBody>
+      </p:sp>
+      <p:sp>
+        <p:nvSpPr>
+          <p:cNvPr id="3" name="Content Placeholder 2"/>
+          <p:cNvSpPr>
+            <a:spLocks noGrp="1"/>
+          </p:cNvSpPr>
+          <p:nvPr>
+            <p:ph sz="half" idx="1"/>
+          </p:nvPr>
+        </p:nvSpPr>
+        <p:spPr>
+          <a:xfrm>
+            <a:off x="838200" y="1240155"/>
+            <a:ext cx="10515600" cy="5409565"/>
+          </a:xfrm>
+        </p:spPr>
+        <p:txBody>
+          <a:bodyPr>
+            <a:normAutofit/>
+          </a:bodyPr>
+          <a:lstStyle/>
+          <a:p>
+            <a:pPr marL="0" indent="0">
+              <a:buNone/>
+            </a:pPr>
+            <a:r>
+              <a:rPr lang="en-US" sz="2600" dirty="0"/>
+              <a:t>	</a:t>
+            </a:r>
+            <a:endParaRPr lang="en-US" sz="2600" dirty="0"/>
+          </a:p>
+          <a:p>
+            <a:pPr marL="0" indent="0">
+              <a:buNone/>
+            </a:pPr>
+            <a:r>
+              <a:rPr lang="en-US" sz="2600" dirty="0"/>
+              <a:t>Um anel no </a:t>
+            </a:r>
+            <a:r>
+              <a:rPr lang="en-US" sz="2600" dirty="0" err="1"/>
+              <a:t>MatterControl</a:t>
+            </a:r>
+            <a:r>
+              <a:rPr lang="en-US" sz="2600" dirty="0"/>
+              <a:t> </a:t>
+            </a:r>
+            <a:r>
+              <a:rPr lang="en-US" sz="2600" dirty="0" err="1"/>
+              <a:t>pode</a:t>
+            </a:r>
+            <a:r>
+              <a:rPr lang="en-US" sz="2600" dirty="0"/>
+              <a:t> ser </a:t>
+            </a:r>
+            <a:r>
+              <a:rPr lang="en-US" sz="2600" dirty="0" err="1"/>
+              <a:t>formado</a:t>
+            </a:r>
+            <a:r>
+              <a:rPr lang="en-US" sz="2600" dirty="0"/>
+              <a:t> </a:t>
+            </a:r>
+            <a:r>
+              <a:rPr lang="en-US" sz="2600" dirty="0" err="1"/>
+              <a:t>seguindo</a:t>
+            </a:r>
+            <a:r>
+              <a:rPr lang="en-US" sz="2600" dirty="0"/>
+              <a:t> </a:t>
+            </a:r>
+            <a:r>
+              <a:rPr lang="en-US" sz="2600" dirty="0" err="1"/>
+              <a:t>os</a:t>
+            </a:r>
+            <a:r>
+              <a:rPr lang="en-US" sz="2600" dirty="0"/>
+              <a:t> </a:t>
+            </a:r>
+            <a:r>
+              <a:rPr lang="en-US" sz="2600" dirty="0" err="1"/>
+              <a:t>seguintes</a:t>
+            </a:r>
+            <a:r>
+              <a:rPr lang="en-US" sz="2600" dirty="0"/>
+              <a:t> </a:t>
+            </a:r>
+            <a:r>
+              <a:rPr lang="en-US" sz="2600" dirty="0" err="1"/>
+              <a:t>valores</a:t>
+            </a:r>
+            <a:r>
+              <a:rPr lang="en-US" sz="2600" dirty="0"/>
+              <a:t>:</a:t>
+            </a:r>
+            <a:endParaRPr lang="en-US" sz="2600" dirty="0"/>
+          </a:p>
+          <a:p>
+            <a:pPr marL="0" indent="0">
+              <a:buNone/>
+            </a:pPr>
+            <a:endParaRPr lang="en-US" sz="2600" dirty="0"/>
+          </a:p>
+          <a:p>
+            <a:pPr marL="0" indent="0">
+              <a:buNone/>
+            </a:pPr>
+            <a:endParaRPr lang="en-US" sz="2600" dirty="0"/>
+          </a:p>
+          <a:p>
+            <a:pPr marL="0" indent="0">
+              <a:buNone/>
+            </a:pPr>
+            <a:endParaRPr lang="en-US" sz="2600" dirty="0"/>
+          </a:p>
+          <a:p>
+            <a:pPr marL="0" indent="0">
+              <a:buNone/>
+            </a:pPr>
+            <a:endParaRPr lang="en-US" sz="2600" dirty="0"/>
+          </a:p>
+          <a:p>
+            <a:pPr marL="0" indent="0">
+              <a:buNone/>
+            </a:pPr>
+            <a:endParaRPr lang="en-US" sz="2600" dirty="0"/>
+          </a:p>
+          <a:p>
+            <a:pPr marL="0" indent="0">
+              <a:buNone/>
+            </a:pPr>
+            <a:endParaRPr lang="en-US" sz="2600" dirty="0"/>
+          </a:p>
+          <a:p>
+            <a:pPr marL="0" indent="0">
+              <a:buNone/>
+            </a:pPr>
+            <a:endParaRPr lang="en-US" sz="2600" dirty="0"/>
+          </a:p>
+          <a:p>
+            <a:pPr marL="0" indent="0">
+              <a:buNone/>
+            </a:pPr>
+            <a:r>
+              <a:rPr lang="en-US" sz="2600" dirty="0"/>
+              <a:t>outer diameter - diâmetro exterior, inner diameter - diâmetro interior</a:t>
+            </a:r>
+            <a:endParaRPr lang="en-US" sz="2600" dirty="0"/>
+          </a:p>
+          <a:p>
+            <a:pPr marL="0" indent="0">
+              <a:buNone/>
+            </a:pPr>
+            <a:r>
+              <a:rPr lang="en-US" sz="2600" dirty="0"/>
+              <a:t>height - altura, sides - laterais</a:t>
+            </a:r>
+            <a:endParaRPr lang="en-US" sz="2600" dirty="0"/>
+          </a:p>
+          <a:p>
+            <a:pPr marL="0" indent="0">
+              <a:buNone/>
+            </a:pPr>
+            <a:endParaRPr lang="en-US" sz="3400" dirty="0"/>
+          </a:p>
+          <a:p>
+            <a:pPr marL="0" indent="0">
+              <a:buNone/>
+            </a:pPr>
+            <a:endParaRPr lang="en-US" sz="3400" dirty="0"/>
+          </a:p>
+          <a:p>
+            <a:pPr marL="0" indent="0">
+              <a:buNone/>
+            </a:pPr>
+            <a:endParaRPr lang="en-US" sz="3400" dirty="0"/>
+          </a:p>
+          <a:p>
+            <a:pPr marL="0" indent="0">
+              <a:buNone/>
+            </a:pPr>
+            <a:endParaRPr lang="en-US" sz="3400" dirty="0"/>
+          </a:p>
+          <a:p>
+            <a:pPr marL="0" indent="0">
+              <a:buNone/>
+            </a:pPr>
+            <a:endParaRPr lang="en-US" sz="3400" dirty="0"/>
+          </a:p>
+          <a:p>
+            <a:pPr marL="0" indent="0">
+              <a:buNone/>
+            </a:pPr>
+            <a:endParaRPr lang="en-US" sz="3400" dirty="0"/>
+          </a:p>
+        </p:txBody>
+      </p:sp>
+      <p:pic>
+        <p:nvPicPr>
+          <p:cNvPr id="10" name="Content Placeholder 9" descr="formar-anel"/>
+          <p:cNvPicPr>
+            <a:picLocks noChangeAspect="1"/>
+          </p:cNvPicPr>
+          <p:nvPr>
+            <p:ph sz="half" idx="2"/>
+          </p:nvPr>
+        </p:nvPicPr>
+        <p:blipFill>
+          <a:blip r:embed="rId1"/>
+          <a:stretch>
+            <a:fillRect/>
+          </a:stretch>
+        </p:blipFill>
+        <p:spPr>
+          <a:xfrm>
+            <a:off x="3590290" y="2571115"/>
+            <a:ext cx="5011420" cy="2747010"/>
+          </a:xfrm>
+          <a:prstGeom prst="rect">
+            <a:avLst/>
+          </a:prstGeom>
+        </p:spPr>
+      </p:pic>
+    </p:spTree>
+  </p:cSld>
+  <p:clrMapOvr>
+    <a:masterClrMapping/>
+  </p:clrMapOvr>
+</p:sld>
+</file>
+
+<file path=ppt/slides/slide22.xml><?xml version="1.0" encoding="utf-8"?>
+<p:sld xmlns:a="http://schemas.openxmlformats.org/drawingml/2006/main" xmlns:r="http://schemas.openxmlformats.org/officeDocument/2006/relationships" xmlns:p="http://schemas.openxmlformats.org/presentationml/2006/main">
+  <p:cSld>
+    <p:spTree>
+      <p:nvGrpSpPr>
+        <p:cNvPr id="1" name=""/>
+        <p:cNvGrpSpPr/>
+        <p:nvPr/>
+      </p:nvGrpSpPr>
+      <p:grpSpPr>
+        <a:xfrm>
+          <a:off x="0" y="0"/>
+          <a:ext cx="0" cy="0"/>
+          <a:chOff x="0" y="0"/>
+          <a:chExt cx="0" cy="0"/>
+        </a:xfrm>
+      </p:grpSpPr>
+      <p:sp>
+        <p:nvSpPr>
+          <p:cNvPr id="2" name="Title 1"/>
+          <p:cNvSpPr>
+            <a:spLocks noGrp="1"/>
+          </p:cNvSpPr>
+          <p:nvPr>
+            <p:ph type="title"/>
+          </p:nvPr>
+        </p:nvSpPr>
+        <p:spPr/>
+        <p:txBody>
+          <a:bodyPr>
+            <a:noAutofit/>
+          </a:bodyPr>
+          <a:lstStyle/>
+          <a:p>
+            <a:pPr algn="ctr"/>
+            <a:r>
+              <a:rPr lang="en-US" sz="5200" dirty="0"/>
+              <a:t>ANEL NO MATTER CONTROL</a:t>
+            </a:r>
+            <a:endParaRPr lang="en-US" sz="5200" dirty="0"/>
+          </a:p>
+        </p:txBody>
+      </p:sp>
+      <p:sp>
+        <p:nvSpPr>
+          <p:cNvPr id="3" name="Content Placeholder 2"/>
+          <p:cNvSpPr>
+            <a:spLocks noGrp="1"/>
+          </p:cNvSpPr>
+          <p:nvPr>
+            <p:ph sz="half" idx="1"/>
+          </p:nvPr>
+        </p:nvSpPr>
+        <p:spPr>
+          <a:xfrm>
+            <a:off x="838200" y="1582420"/>
+            <a:ext cx="10239375" cy="4744085"/>
+          </a:xfrm>
+        </p:spPr>
+        <p:txBody>
+          <a:bodyPr>
+            <a:normAutofit/>
+          </a:bodyPr>
+          <a:lstStyle/>
+          <a:p>
+            <a:pPr marL="0" indent="0">
+              <a:buNone/>
+            </a:pPr>
+            <a:r>
+              <a:rPr lang="en-US" sz="2600" dirty="0"/>
+              <a:t>Um </a:t>
+            </a:r>
+            <a:r>
+              <a:rPr lang="en-US" sz="2600" dirty="0" err="1"/>
+              <a:t>projeto</a:t>
+            </a:r>
+            <a:r>
+              <a:rPr lang="en-US" sz="2600" dirty="0"/>
+              <a:t> com anel.</a:t>
+            </a:r>
+            <a:endParaRPr lang="en-US" dirty="0"/>
+          </a:p>
+          <a:p>
+            <a:pPr marL="0" indent="0">
+              <a:buNone/>
+            </a:pPr>
+            <a:endParaRPr lang="en-US" dirty="0"/>
+          </a:p>
+          <a:p>
+            <a:pPr marL="0" indent="0">
+              <a:buNone/>
+            </a:pPr>
+            <a:endParaRPr lang="en-US" dirty="0"/>
+          </a:p>
+          <a:p>
+            <a:pPr marL="0" indent="0">
+              <a:buNone/>
+            </a:pPr>
+            <a:endParaRPr lang="en-US" dirty="0"/>
+          </a:p>
+          <a:p>
+            <a:pPr marL="0" indent="0">
+              <a:buNone/>
+            </a:pPr>
+            <a:endParaRPr lang="en-US" dirty="0"/>
+          </a:p>
+          <a:p>
+            <a:pPr marL="0" indent="0">
+              <a:buNone/>
+            </a:pPr>
+            <a:endParaRPr lang="en-US" dirty="0"/>
+          </a:p>
+          <a:p>
+            <a:pPr marL="0" indent="0">
+              <a:buNone/>
+            </a:pPr>
+            <a:endParaRPr lang="en-US" dirty="0"/>
+          </a:p>
+          <a:p>
+            <a:pPr marL="0" indent="0">
+              <a:buNone/>
+            </a:pPr>
+            <a:endParaRPr lang="en-US" dirty="0"/>
+          </a:p>
+          <a:p>
+            <a:pPr marL="0" indent="0">
+              <a:buNone/>
+            </a:pPr>
+            <a:endParaRPr lang="en-US" dirty="0"/>
+          </a:p>
+          <a:p>
+            <a:pPr marL="0" indent="0">
+              <a:buNone/>
+            </a:pPr>
+            <a:endParaRPr lang="en-US" dirty="0"/>
+          </a:p>
+        </p:txBody>
+      </p:sp>
+      <p:pic>
+        <p:nvPicPr>
+          <p:cNvPr id="6" name="Content Placeholder 5" descr="formar anel"/>
+          <p:cNvPicPr>
+            <a:picLocks noChangeAspect="1"/>
+          </p:cNvPicPr>
+          <p:nvPr>
+            <p:ph sz="half" idx="2"/>
+          </p:nvPr>
+        </p:nvPicPr>
+        <p:blipFill>
+          <a:blip r:embed="rId1"/>
+          <a:stretch>
+            <a:fillRect/>
+          </a:stretch>
+        </p:blipFill>
+        <p:spPr>
+          <a:xfrm>
+            <a:off x="3834130" y="2354580"/>
+            <a:ext cx="5493385" cy="3971925"/>
+          </a:xfrm>
+          <a:prstGeom prst="rect">
+            <a:avLst/>
+          </a:prstGeom>
+        </p:spPr>
+      </p:pic>
+    </p:spTree>
+  </p:cSld>
+  <p:clrMapOvr>
+    <a:masterClrMapping/>
+  </p:clrMapOvr>
+</p:sld>
+</file>
+
+<file path=ppt/slides/slide23.xml><?xml version="1.0" encoding="utf-8"?>
+<p:sld xmlns:a="http://schemas.openxmlformats.org/drawingml/2006/main" xmlns:r="http://schemas.openxmlformats.org/officeDocument/2006/relationships" xmlns:p="http://schemas.openxmlformats.org/presentationml/2006/main">
+  <p:cSld>
+    <p:spTree>
+      <p:nvGrpSpPr>
+        <p:cNvPr id="1" name=""/>
+        <p:cNvGrpSpPr/>
+        <p:nvPr/>
+      </p:nvGrpSpPr>
+      <p:grpSpPr>
+        <a:xfrm>
+          <a:off x="0" y="0"/>
+          <a:ext cx="0" cy="0"/>
+          <a:chOff x="0" y="0"/>
+          <a:chExt cx="0" cy="0"/>
+        </a:xfrm>
+      </p:grpSpPr>
+      <p:sp>
+        <p:nvSpPr>
+          <p:cNvPr id="2" name="Title 1"/>
+          <p:cNvSpPr>
+            <a:spLocks noGrp="1"/>
+          </p:cNvSpPr>
+          <p:nvPr>
+            <p:ph type="title"/>
+          </p:nvPr>
+        </p:nvSpPr>
+        <p:spPr/>
+        <p:txBody>
+          <a:bodyPr>
+            <a:normAutofit/>
+          </a:bodyPr>
+          <a:lstStyle/>
+          <a:p>
+            <a:pPr algn="ctr"/>
+            <a:r>
+              <a:rPr lang="en-US" sz="5200" dirty="0"/>
+              <a:t>TORUS NO MATTER CONTROL</a:t>
+            </a:r>
+            <a:endParaRPr lang="en-US" sz="5200" dirty="0"/>
+          </a:p>
+        </p:txBody>
+      </p:sp>
+      <p:sp>
+        <p:nvSpPr>
+          <p:cNvPr id="3" name="Content Placeholder 2"/>
+          <p:cNvSpPr>
+            <a:spLocks noGrp="1"/>
+          </p:cNvSpPr>
+          <p:nvPr>
+            <p:ph sz="half" idx="1"/>
+          </p:nvPr>
+        </p:nvSpPr>
+        <p:spPr>
+          <a:xfrm>
+            <a:off x="838200" y="1825625"/>
+            <a:ext cx="10515600" cy="4351655"/>
+          </a:xfrm>
+        </p:spPr>
+        <p:txBody>
+          <a:bodyPr/>
+          <a:lstStyle/>
+          <a:p>
+            <a:pPr marL="0" indent="0" algn="just">
+              <a:buNone/>
+            </a:pPr>
+            <a:r>
+              <a:rPr lang="pt-BR" sz="2600" dirty="0"/>
+              <a:t>O </a:t>
+            </a:r>
+            <a:r>
+              <a:rPr lang="en-US" altLang="pt-BR" sz="2600" dirty="0"/>
+              <a:t>torus</a:t>
+            </a:r>
+            <a:r>
+              <a:rPr lang="pt-BR" sz="2600" dirty="0"/>
+              <a:t> é um objeto primitivo no </a:t>
+            </a:r>
+            <a:r>
+              <a:rPr lang="pt-BR" sz="2600" dirty="0" err="1"/>
+              <a:t>MatterControl</a:t>
+            </a:r>
+            <a:r>
+              <a:rPr lang="pt-BR" sz="2600" dirty="0"/>
+              <a:t>.</a:t>
+            </a:r>
+            <a:endParaRPr lang="pt-BR" dirty="0"/>
+          </a:p>
+          <a:p>
+            <a:pPr marL="0" indent="0" algn="just">
+              <a:buNone/>
+            </a:pPr>
+            <a:endParaRPr lang="pt-BR" dirty="0"/>
+          </a:p>
+          <a:p>
+            <a:pPr marL="0" indent="0" algn="just">
+              <a:buNone/>
+            </a:pPr>
+            <a:endParaRPr lang="pt-BR" dirty="0"/>
+          </a:p>
+          <a:p>
+            <a:pPr marL="0" indent="0" algn="just">
+              <a:buNone/>
+            </a:pPr>
+            <a:endParaRPr lang="en-US" dirty="0"/>
+          </a:p>
+        </p:txBody>
+      </p:sp>
+      <p:pic>
+        <p:nvPicPr>
+          <p:cNvPr id="5" name="Content Placeholder 4" descr="torus"/>
+          <p:cNvPicPr>
+            <a:picLocks noChangeAspect="1"/>
+          </p:cNvPicPr>
+          <p:nvPr>
+            <p:ph sz="half" idx="2"/>
+          </p:nvPr>
+        </p:nvPicPr>
+        <p:blipFill>
+          <a:blip r:embed="rId1"/>
+          <a:stretch>
+            <a:fillRect/>
+          </a:stretch>
+        </p:blipFill>
+        <p:spPr>
+          <a:xfrm>
+            <a:off x="3505200" y="2493010"/>
+            <a:ext cx="5181600" cy="3560445"/>
+          </a:xfrm>
+          <a:prstGeom prst="rect">
+            <a:avLst/>
+          </a:prstGeom>
+        </p:spPr>
+      </p:pic>
+    </p:spTree>
+  </p:cSld>
+  <p:clrMapOvr>
+    <a:masterClrMapping/>
+  </p:clrMapOvr>
+</p:sld>
+</file>
+
+<file path=ppt/slides/slide24.xml><?xml version="1.0" encoding="utf-8"?>
+<p:sld xmlns:a="http://schemas.openxmlformats.org/drawingml/2006/main" xmlns:r="http://schemas.openxmlformats.org/officeDocument/2006/relationships" xmlns:p="http://schemas.openxmlformats.org/presentationml/2006/main">
+  <p:cSld>
+    <p:spTree>
+      <p:nvGrpSpPr>
+        <p:cNvPr id="1" name=""/>
+        <p:cNvGrpSpPr/>
+        <p:nvPr/>
+      </p:nvGrpSpPr>
+      <p:grpSpPr>
+        <a:xfrm>
+          <a:off x="0" y="0"/>
+          <a:ext cx="0" cy="0"/>
+          <a:chOff x="0" y="0"/>
+          <a:chExt cx="0" cy="0"/>
+        </a:xfrm>
+      </p:grpSpPr>
+      <p:sp>
+        <p:nvSpPr>
+          <p:cNvPr id="2" name="Title 1"/>
+          <p:cNvSpPr>
+            <a:spLocks noGrp="1"/>
+          </p:cNvSpPr>
+          <p:nvPr>
+            <p:ph type="title"/>
+          </p:nvPr>
+        </p:nvSpPr>
+        <p:spPr/>
+        <p:txBody>
+          <a:bodyPr>
+            <a:noAutofit/>
+          </a:bodyPr>
+          <a:lstStyle/>
+          <a:p>
+            <a:pPr algn="ctr"/>
+            <a:r>
+              <a:rPr lang="en-US" sz="5200" dirty="0"/>
+              <a:t>COMO FORMAR UM TORUS?</a:t>
+            </a:r>
+            <a:endParaRPr lang="en-US" sz="5200" dirty="0"/>
+          </a:p>
+        </p:txBody>
+      </p:sp>
+      <p:sp>
+        <p:nvSpPr>
+          <p:cNvPr id="3" name="Content Placeholder 2"/>
+          <p:cNvSpPr>
+            <a:spLocks noGrp="1"/>
+          </p:cNvSpPr>
+          <p:nvPr>
+            <p:ph sz="half" idx="1"/>
+          </p:nvPr>
+        </p:nvSpPr>
+        <p:spPr>
+          <a:xfrm>
+            <a:off x="838200" y="1240155"/>
+            <a:ext cx="10515600" cy="5409565"/>
+          </a:xfrm>
+        </p:spPr>
+        <p:txBody>
+          <a:bodyPr>
+            <a:normAutofit/>
+          </a:bodyPr>
+          <a:lstStyle/>
+          <a:p>
+            <a:pPr marL="0" indent="0">
+              <a:buNone/>
+            </a:pPr>
+            <a:r>
+              <a:rPr lang="en-US" sz="2600" dirty="0"/>
+              <a:t>	</a:t>
+            </a:r>
+            <a:endParaRPr lang="en-US" sz="2600" dirty="0"/>
+          </a:p>
+          <a:p>
+            <a:pPr marL="0" indent="0">
+              <a:buNone/>
+            </a:pPr>
+            <a:r>
+              <a:rPr lang="en-US" sz="2600" dirty="0"/>
+              <a:t>Um torus no </a:t>
+            </a:r>
+            <a:r>
+              <a:rPr lang="en-US" sz="2600" dirty="0" err="1"/>
+              <a:t>MatterControl</a:t>
+            </a:r>
+            <a:r>
+              <a:rPr lang="en-US" sz="2600" dirty="0"/>
+              <a:t> </a:t>
+            </a:r>
+            <a:r>
+              <a:rPr lang="en-US" sz="2600" dirty="0" err="1"/>
+              <a:t>pode</a:t>
+            </a:r>
+            <a:r>
+              <a:rPr lang="en-US" sz="2600" dirty="0"/>
+              <a:t> ser </a:t>
+            </a:r>
+            <a:r>
+              <a:rPr lang="en-US" sz="2600" dirty="0" err="1"/>
+              <a:t>formado</a:t>
+            </a:r>
+            <a:r>
+              <a:rPr lang="en-US" sz="2600" dirty="0"/>
+              <a:t> </a:t>
+            </a:r>
+            <a:r>
+              <a:rPr lang="en-US" sz="2600" dirty="0" err="1"/>
+              <a:t>seguindo</a:t>
+            </a:r>
+            <a:r>
+              <a:rPr lang="en-US" sz="2600" dirty="0"/>
+              <a:t> </a:t>
+            </a:r>
+            <a:r>
+              <a:rPr lang="en-US" sz="2600" dirty="0" err="1"/>
+              <a:t>os</a:t>
+            </a:r>
+            <a:r>
+              <a:rPr lang="en-US" sz="2600" dirty="0"/>
+              <a:t> </a:t>
+            </a:r>
+            <a:r>
+              <a:rPr lang="en-US" sz="2600" dirty="0" err="1"/>
+              <a:t>seguintes</a:t>
+            </a:r>
+            <a:r>
+              <a:rPr lang="en-US" sz="2600" dirty="0"/>
+              <a:t> </a:t>
+            </a:r>
+            <a:r>
+              <a:rPr lang="en-US" sz="2600" dirty="0" err="1"/>
+              <a:t>valores</a:t>
+            </a:r>
+            <a:r>
+              <a:rPr lang="en-US" sz="2600" dirty="0"/>
+              <a:t>:</a:t>
+            </a:r>
+            <a:endParaRPr lang="en-US" sz="2600" dirty="0"/>
+          </a:p>
+          <a:p>
+            <a:pPr marL="0" indent="0">
+              <a:buNone/>
+            </a:pPr>
+            <a:endParaRPr lang="en-US" sz="2600" dirty="0"/>
+          </a:p>
+          <a:p>
+            <a:pPr marL="0" indent="0">
+              <a:buNone/>
+            </a:pPr>
+            <a:endParaRPr lang="en-US" sz="2600" dirty="0"/>
+          </a:p>
+          <a:p>
+            <a:pPr marL="0" indent="0">
+              <a:buNone/>
+            </a:pPr>
+            <a:endParaRPr lang="en-US" sz="2600" dirty="0"/>
+          </a:p>
+          <a:p>
+            <a:pPr marL="0" indent="0">
+              <a:buNone/>
+            </a:pPr>
+            <a:endParaRPr lang="en-US" sz="2600" dirty="0"/>
+          </a:p>
+          <a:p>
+            <a:pPr marL="0" indent="0">
+              <a:buNone/>
+            </a:pPr>
+            <a:endParaRPr lang="en-US" sz="2600" dirty="0"/>
+          </a:p>
+          <a:p>
+            <a:pPr marL="0" indent="0">
+              <a:buNone/>
+            </a:pPr>
+            <a:endParaRPr lang="en-US" sz="2600" dirty="0"/>
+          </a:p>
+          <a:p>
+            <a:pPr marL="0" indent="0">
+              <a:buNone/>
+            </a:pPr>
+            <a:endParaRPr lang="en-US" sz="2600" dirty="0"/>
+          </a:p>
+          <a:p>
+            <a:pPr marL="0" indent="0">
+              <a:buNone/>
+            </a:pPr>
+            <a:r>
+              <a:rPr lang="en-US" sz="2600" dirty="0"/>
+              <a:t>outer diameter - diâmetro exterior, inner diameter - diâmetro interior</a:t>
+            </a:r>
+            <a:endParaRPr lang="en-US" sz="2600" dirty="0"/>
+          </a:p>
+          <a:p>
+            <a:pPr marL="0" indent="0">
+              <a:buNone/>
+            </a:pPr>
+            <a:r>
+              <a:rPr lang="en-US" sz="2600" dirty="0"/>
+              <a:t>sides - laterais</a:t>
+            </a:r>
+            <a:endParaRPr lang="en-US" sz="2600" dirty="0"/>
+          </a:p>
+          <a:p>
+            <a:pPr marL="0" indent="0">
+              <a:buNone/>
+            </a:pPr>
+            <a:endParaRPr lang="en-US" sz="3400" dirty="0"/>
+          </a:p>
+          <a:p>
+            <a:pPr marL="0" indent="0">
+              <a:buNone/>
+            </a:pPr>
+            <a:endParaRPr lang="en-US" sz="3400" dirty="0"/>
+          </a:p>
+          <a:p>
+            <a:pPr marL="0" indent="0">
+              <a:buNone/>
+            </a:pPr>
+            <a:endParaRPr lang="en-US" sz="3400" dirty="0"/>
+          </a:p>
+          <a:p>
+            <a:pPr marL="0" indent="0">
+              <a:buNone/>
+            </a:pPr>
+            <a:endParaRPr lang="en-US" sz="3400" dirty="0"/>
+          </a:p>
+          <a:p>
+            <a:pPr marL="0" indent="0">
+              <a:buNone/>
+            </a:pPr>
+            <a:endParaRPr lang="en-US" sz="3400" dirty="0"/>
+          </a:p>
+          <a:p>
+            <a:pPr marL="0" indent="0">
+              <a:buNone/>
+            </a:pPr>
+            <a:endParaRPr lang="en-US" sz="3400" dirty="0"/>
+          </a:p>
+        </p:txBody>
+      </p:sp>
+      <p:pic>
+        <p:nvPicPr>
+          <p:cNvPr id="5" name="Content Placeholder 4" descr="formar-torus"/>
+          <p:cNvPicPr>
+            <a:picLocks noChangeAspect="1"/>
+          </p:cNvPicPr>
+          <p:nvPr>
+            <p:ph sz="half" idx="2"/>
+          </p:nvPr>
+        </p:nvPicPr>
+        <p:blipFill>
+          <a:blip r:embed="rId1"/>
+          <a:stretch>
+            <a:fillRect/>
+          </a:stretch>
+        </p:blipFill>
+        <p:spPr>
+          <a:xfrm>
+            <a:off x="3640455" y="2670175"/>
+            <a:ext cx="4910455" cy="2548890"/>
+          </a:xfrm>
+          <a:prstGeom prst="rect">
+            <a:avLst/>
+          </a:prstGeom>
+        </p:spPr>
+      </p:pic>
+    </p:spTree>
+  </p:cSld>
+  <p:clrMapOvr>
+    <a:masterClrMapping/>
+  </p:clrMapOvr>
+</p:sld>
+</file>
+
+<file path=ppt/slides/slide25.xml><?xml version="1.0" encoding="utf-8"?>
+<p:sld xmlns:a="http://schemas.openxmlformats.org/drawingml/2006/main" xmlns:r="http://schemas.openxmlformats.org/officeDocument/2006/relationships" xmlns:p="http://schemas.openxmlformats.org/presentationml/2006/main">
+  <p:cSld>
+    <p:spTree>
+      <p:nvGrpSpPr>
+        <p:cNvPr id="1" name=""/>
+        <p:cNvGrpSpPr/>
+        <p:nvPr/>
+      </p:nvGrpSpPr>
+      <p:grpSpPr/>
+      <p:sp>
+        <p:nvSpPr>
+          <p:cNvPr id="2" name="Title 1"/>
+          <p:cNvSpPr>
+            <a:spLocks noGrp="1"/>
+          </p:cNvSpPr>
+          <p:nvPr>
+            <p:ph type="title"/>
+          </p:nvPr>
+        </p:nvSpPr>
+        <p:spPr/>
+        <p:txBody>
+          <a:bodyPr/>
+          <a:p>
+            <a:pPr algn="ctr"/>
+            <a:r>
+              <a:rPr lang="en-US"/>
+              <a:t>TORUS NO MATTER CONTROL</a:t>
+            </a:r>
+            <a:endParaRPr lang="en-US"/>
+          </a:p>
+        </p:txBody>
+      </p:sp>
+      <p:sp>
+        <p:nvSpPr>
+          <p:cNvPr id="3" name="Content Placeholder 2"/>
+          <p:cNvSpPr>
+            <a:spLocks noGrp="1"/>
+          </p:cNvSpPr>
+          <p:nvPr>
+            <p:ph sz="half" idx="1"/>
+          </p:nvPr>
+        </p:nvSpPr>
+        <p:spPr>
+          <a:xfrm>
+            <a:off x="838200" y="1508125"/>
+            <a:ext cx="10515600" cy="4669155"/>
+          </a:xfrm>
+        </p:spPr>
+        <p:txBody>
+          <a:bodyPr/>
+          <a:p>
+            <a:pPr marL="0" indent="0">
+              <a:buNone/>
+            </a:pPr>
+            <a:r>
+              <a:rPr lang="en-US" sz="2600"/>
+              <a:t>Um projeto com torus.</a:t>
+            </a:r>
+            <a:endParaRPr lang="en-US" sz="2600"/>
+          </a:p>
+          <a:p>
+            <a:pPr marL="0" indent="0">
+              <a:buNone/>
+            </a:pPr>
+            <a:endParaRPr lang="en-US" sz="2600"/>
+          </a:p>
+          <a:p>
+            <a:pPr marL="0" indent="0">
+              <a:buNone/>
+            </a:pPr>
+            <a:endParaRPr lang="en-US" sz="2600"/>
+          </a:p>
+        </p:txBody>
+      </p:sp>
+      <p:pic>
+        <p:nvPicPr>
+          <p:cNvPr id="5" name="Content Placeholder 4" descr="torus-projeto"/>
+          <p:cNvPicPr>
+            <a:picLocks noChangeAspect="1"/>
+          </p:cNvPicPr>
+          <p:nvPr>
+            <p:ph sz="half" idx="2"/>
+          </p:nvPr>
+        </p:nvPicPr>
+        <p:blipFill>
+          <a:blip r:embed="rId1"/>
+          <a:stretch>
+            <a:fillRect/>
+          </a:stretch>
+        </p:blipFill>
+        <p:spPr>
+          <a:xfrm>
+            <a:off x="3978275" y="2052955"/>
+            <a:ext cx="4234815" cy="4124325"/>
+          </a:xfrm>
+          <a:prstGeom prst="rect">
+            <a:avLst/>
+          </a:prstGeom>
+        </p:spPr>
+      </p:pic>
+    </p:spTree>
+  </p:cSld>
+  <p:clrMapOvr>
+    <a:masterClrMapping/>
+  </p:clrMapOvr>
+</p:sld>
+</file>
+
+<file path=ppt/slides/slide26.xml><?xml version="1.0" encoding="utf-8"?>
+<p:sld xmlns:a="http://schemas.openxmlformats.org/drawingml/2006/main" xmlns:r="http://schemas.openxmlformats.org/officeDocument/2006/relationships" xmlns:p="http://schemas.openxmlformats.org/presentationml/2006/main">
+  <p:cSld>
+    <p:spTree>
+      <p:nvGrpSpPr>
+        <p:cNvPr id="1" name=""/>
+        <p:cNvGrpSpPr/>
+        <p:nvPr/>
+      </p:nvGrpSpPr>
+      <p:grpSpPr>
+        <a:xfrm>
+          <a:off x="0" y="0"/>
+          <a:ext cx="0" cy="0"/>
+          <a:chOff x="0" y="0"/>
+          <a:chExt cx="0" cy="0"/>
+        </a:xfrm>
+      </p:grpSpPr>
+      <p:sp>
+        <p:nvSpPr>
+          <p:cNvPr id="2" name="Title 1"/>
+          <p:cNvSpPr>
+            <a:spLocks noGrp="1"/>
+          </p:cNvSpPr>
+          <p:nvPr>
+            <p:ph type="title"/>
+          </p:nvPr>
+        </p:nvSpPr>
+        <p:spPr>
+          <a:xfrm>
+            <a:off x="838200" y="463826"/>
+            <a:ext cx="10515600" cy="821632"/>
+          </a:xfrm>
+        </p:spPr>
+        <p:txBody>
+          <a:bodyPr>
+            <a:noAutofit/>
+          </a:bodyPr>
+          <a:lstStyle/>
+          <a:p>
+            <a:pPr algn="ctr"/>
+            <a:r>
+              <a:rPr lang="en-US" sz="5200" dirty="0"/>
+              <a:t>IMAGENS NO MATTER CONTROL</a:t>
+            </a:r>
+            <a:endParaRPr lang="en-US" sz="5200" dirty="0"/>
+          </a:p>
+        </p:txBody>
+      </p:sp>
+      <p:sp>
+        <p:nvSpPr>
+          <p:cNvPr id="3" name="Content Placeholder 2"/>
+          <p:cNvSpPr>
+            <a:spLocks noGrp="1"/>
+          </p:cNvSpPr>
+          <p:nvPr>
+            <p:ph idx="1"/>
+          </p:nvPr>
+        </p:nvSpPr>
+        <p:spPr>
+          <a:xfrm>
+            <a:off x="838200" y="1285458"/>
+            <a:ext cx="10515600" cy="5274367"/>
+          </a:xfrm>
+        </p:spPr>
+        <p:txBody>
+          <a:bodyPr>
+            <a:normAutofit/>
+          </a:bodyPr>
+          <a:lstStyle/>
+          <a:p>
+            <a:pPr marL="0" indent="0">
+              <a:buNone/>
+            </a:pPr>
+            <a:r>
+              <a:rPr lang="en-US" sz="2600" dirty="0"/>
+              <a:t>	</a:t>
+            </a:r>
+            <a:endParaRPr lang="en-US" sz="2600" dirty="0"/>
+          </a:p>
+          <a:p>
+            <a:pPr marL="0" indent="0">
+              <a:buNone/>
+            </a:pPr>
+            <a:r>
+              <a:rPr lang="en-US" sz="2600" dirty="0"/>
+              <a:t>	É </a:t>
+            </a:r>
+            <a:r>
+              <a:rPr lang="en-US" sz="2600" dirty="0" err="1"/>
+              <a:t>possível</a:t>
+            </a:r>
+            <a:r>
+              <a:rPr lang="en-US" sz="2600" dirty="0"/>
+              <a:t> </a:t>
+            </a:r>
+            <a:r>
+              <a:rPr lang="en-US" sz="2600" dirty="0" err="1"/>
+              <a:t>criar</a:t>
+            </a:r>
+            <a:r>
+              <a:rPr lang="en-US" sz="2600" dirty="0"/>
+              <a:t> um </a:t>
+            </a:r>
+            <a:r>
+              <a:rPr lang="en-US" sz="2600" dirty="0" err="1"/>
+              <a:t>objeto</a:t>
+            </a:r>
+            <a:r>
+              <a:rPr lang="en-US" sz="2600" dirty="0"/>
+              <a:t> a </a:t>
+            </a:r>
+            <a:r>
+              <a:rPr lang="en-US" sz="2600" dirty="0" err="1"/>
+              <a:t>partir</a:t>
+            </a:r>
+            <a:r>
+              <a:rPr lang="en-US" sz="2600" dirty="0"/>
+              <a:t> de </a:t>
+            </a:r>
+            <a:r>
+              <a:rPr lang="en-US" sz="2600" dirty="0" err="1"/>
+              <a:t>uma</a:t>
+            </a:r>
+            <a:r>
+              <a:rPr lang="en-US" sz="2600" dirty="0"/>
+              <a:t> </a:t>
+            </a:r>
+            <a:r>
+              <a:rPr lang="en-US" sz="2600" dirty="0" err="1"/>
+              <a:t>imagem</a:t>
+            </a:r>
+            <a:r>
+              <a:rPr lang="en-US" sz="2600" dirty="0"/>
+              <a:t> no Matter Control. É </a:t>
+            </a:r>
+            <a:r>
+              <a:rPr lang="en-US" sz="2600" dirty="0" err="1"/>
+              <a:t>também</a:t>
+            </a:r>
+            <a:r>
+              <a:rPr lang="en-US" sz="2600" dirty="0"/>
+              <a:t> um </a:t>
+            </a:r>
+            <a:r>
+              <a:rPr lang="en-US" sz="2600" dirty="0" err="1"/>
+              <a:t>objeto</a:t>
+            </a:r>
+            <a:r>
+              <a:rPr lang="en-US" sz="2600" dirty="0"/>
+              <a:t> </a:t>
+            </a:r>
+            <a:r>
+              <a:rPr lang="en-US" sz="2600" dirty="0" err="1"/>
+              <a:t>primitivo</a:t>
+            </a:r>
+            <a:r>
+              <a:rPr lang="en-US" sz="2600" dirty="0"/>
+              <a:t>.</a:t>
+            </a:r>
+            <a:endParaRPr lang="en-US" sz="2600" dirty="0"/>
+          </a:p>
+          <a:p>
+            <a:pPr marL="0" indent="0">
+              <a:buNone/>
+            </a:pPr>
+            <a:endParaRPr lang="en-US" dirty="0"/>
+          </a:p>
+          <a:p>
+            <a:pPr marL="0" indent="0">
+              <a:buNone/>
+            </a:pPr>
+            <a:endParaRPr lang="en-US" dirty="0"/>
+          </a:p>
+          <a:p>
+            <a:pPr marL="0" indent="0">
+              <a:buNone/>
+            </a:pPr>
+            <a:endParaRPr lang="en-US" dirty="0"/>
+          </a:p>
+          <a:p>
+            <a:pPr marL="0" indent="0">
+              <a:buNone/>
+            </a:pPr>
+            <a:endParaRPr lang="en-US" dirty="0"/>
+          </a:p>
+          <a:p>
+            <a:pPr marL="0" indent="0">
+              <a:buNone/>
+            </a:pPr>
+            <a:endParaRPr lang="en-US" dirty="0"/>
+          </a:p>
+          <a:p>
+            <a:pPr marL="0" indent="0">
+              <a:buNone/>
+            </a:pPr>
+            <a:endParaRPr lang="en-US" dirty="0"/>
+          </a:p>
+          <a:p>
+            <a:pPr marL="0" indent="0">
+              <a:buNone/>
+            </a:pPr>
+            <a:endParaRPr lang="en-US" dirty="0"/>
+          </a:p>
+        </p:txBody>
+      </p:sp>
+      <p:pic>
+        <p:nvPicPr>
+          <p:cNvPr id="5" name="Picture 4"/>
+          <p:cNvPicPr>
+            <a:picLocks noChangeAspect="1"/>
+          </p:cNvPicPr>
+          <p:nvPr/>
+        </p:nvPicPr>
+        <p:blipFill>
+          <a:blip r:embed="rId1">
             <a:extLst>
-              <a:ext uri="{FF2B5EF4-FFF2-40B4-BE49-F238E27FC236}">
-                <a16:creationId xmlns:a16="http://schemas.microsoft.com/office/drawing/2014/main" id="{8EB3D083-D72D-433D-A5AD-57C992E14033}"/>
+              <a:ext uri="{28A0092B-C50C-407E-A947-70E740481C1C}">
+                <a14:useLocalDpi xmlns:a14="http://schemas.microsoft.com/office/drawing/2010/main" val="0"/>
               </a:ext>
             </a:extLst>
-          </p:cNvPr>
+          </a:blip>
+          <a:stretch>
+            <a:fillRect/>
+          </a:stretch>
+        </p:blipFill>
+        <p:spPr>
+          <a:xfrm>
+            <a:off x="3776239" y="2857580"/>
+            <a:ext cx="4639522" cy="3702245"/>
+          </a:xfrm>
+          <a:prstGeom prst="rect">
+            <a:avLst/>
+          </a:prstGeom>
+        </p:spPr>
+      </p:pic>
+    </p:spTree>
+  </p:cSld>
+  <p:clrMapOvr>
+    <a:masterClrMapping/>
+  </p:clrMapOvr>
+</p:sld>
+</file>
+
+<file path=ppt/slides/slide27.xml><?xml version="1.0" encoding="utf-8"?>
+<p:sld xmlns:a="http://schemas.openxmlformats.org/drawingml/2006/main" xmlns:r="http://schemas.openxmlformats.org/officeDocument/2006/relationships" xmlns:p="http://schemas.openxmlformats.org/presentationml/2006/main">
+  <p:cSld>
+    <p:spTree>
+      <p:nvGrpSpPr>
+        <p:cNvPr id="1" name=""/>
+        <p:cNvGrpSpPr/>
+        <p:nvPr/>
+      </p:nvGrpSpPr>
+      <p:grpSpPr>
+        <a:xfrm>
+          <a:off x="0" y="0"/>
+          <a:ext cx="0" cy="0"/>
+          <a:chOff x="0" y="0"/>
+          <a:chExt cx="0" cy="0"/>
+        </a:xfrm>
+      </p:grpSpPr>
+      <p:sp>
+        <p:nvSpPr>
+          <p:cNvPr id="2" name="Title 1"/>
           <p:cNvSpPr>
             <a:spLocks noGrp="1"/>
           </p:cNvSpPr>
@@ -5981,18 +7034,13 @@
               <a:rPr lang="en-US" dirty="0"/>
               <a:t>REFERÊNCIAS BIBLIOGRÁFICAS</a:t>
             </a:r>
-          </a:p>
-        </p:txBody>
-      </p:sp>
-      <p:sp>
-        <p:nvSpPr>
-          <p:cNvPr id="3" name="Content Placeholder 2">
-            <a:extLst>
-              <a:ext uri="{FF2B5EF4-FFF2-40B4-BE49-F238E27FC236}">
-                <a16:creationId xmlns:a16="http://schemas.microsoft.com/office/drawing/2014/main" id="{20FDC38B-67FF-4B43-8129-B76CAFEFB9C1}"/>
-              </a:ext>
-            </a:extLst>
-          </p:cNvPr>
+            <a:endParaRPr lang="en-US" dirty="0"/>
+          </a:p>
+        </p:txBody>
+      </p:sp>
+      <p:sp>
+        <p:nvSpPr>
+          <p:cNvPr id="3" name="Content Placeholder 2"/>
           <p:cNvSpPr>
             <a:spLocks noGrp="1"/>
           </p:cNvSpPr>
@@ -6037,6 +7085,77 @@
               <a:rPr lang="en-US" sz="2600" dirty="0"/>
               <a:t>:</a:t>
             </a:r>
+            <a:endParaRPr lang="en-US" sz="2600" dirty="0"/>
+          </a:p>
+          <a:p>
+            <a:pPr marL="0" indent="0">
+              <a:buNone/>
+            </a:pPr>
+            <a:r>
+              <a:rPr lang="en-US" sz="2600" dirty="0">
+                <a:hlinkClick r:id="rId1"/>
+              </a:rPr>
+              <a:t>https://matematicabasica.net/cone/</a:t>
+            </a:r>
+            <a:endParaRPr lang="en-US" sz="2600" dirty="0"/>
+          </a:p>
+          <a:p>
+            <a:pPr marL="0" indent="0">
+              <a:buNone/>
+            </a:pPr>
+            <a:r>
+              <a:rPr lang="en-US" sz="2600" dirty="0" err="1"/>
+              <a:t>Acessado</a:t>
+            </a:r>
+            <a:r>
+              <a:rPr lang="en-US" sz="2600" dirty="0"/>
+              <a:t> </a:t>
+            </a:r>
+            <a:r>
+              <a:rPr lang="en-US" sz="2600" dirty="0" err="1"/>
+              <a:t>em</a:t>
+            </a:r>
+            <a:r>
+              <a:rPr lang="en-US" sz="2600" dirty="0"/>
+              <a:t> 15/11/2019 </a:t>
+            </a:r>
+            <a:r>
+              <a:rPr lang="en-US" sz="2600" dirty="0" err="1"/>
+              <a:t>às</a:t>
+            </a:r>
+            <a:r>
+              <a:rPr lang="en-US" sz="2600" dirty="0"/>
+              <a:t> 13:17</a:t>
+            </a:r>
+            <a:endParaRPr lang="en-US" sz="2600" dirty="0"/>
+          </a:p>
+          <a:p>
+            <a:pPr marL="0" indent="0">
+              <a:buNone/>
+            </a:pPr>
+            <a:endParaRPr lang="en-US" sz="2600" dirty="0"/>
+          </a:p>
+          <a:p>
+            <a:pPr marL="0" indent="0">
+              <a:buNone/>
+            </a:pPr>
+            <a:r>
+              <a:rPr lang="en-US" sz="2600" dirty="0" err="1"/>
+              <a:t>Disponível</a:t>
+            </a:r>
+            <a:r>
+              <a:rPr lang="en-US" sz="2600" dirty="0"/>
+              <a:t> </a:t>
+            </a:r>
+            <a:r>
+              <a:rPr lang="en-US" sz="2600" dirty="0" err="1"/>
+              <a:t>em</a:t>
+            </a:r>
+            <a:r>
+              <a:rPr lang="en-US" sz="2600" dirty="0"/>
+              <a:t>:</a:t>
+            </a:r>
+            <a:endParaRPr lang="en-US" sz="2600" dirty="0"/>
           </a:p>
           <a:p>
             <a:pPr marL="0" indent="0">
@@ -6046,7 +7165,7 @@
               <a:rPr lang="en-US" sz="2600" dirty="0">
                 <a:hlinkClick r:id="rId2"/>
               </a:rPr>
-              <a:t>https://matematicabasica.net/cone/</a:t>
+              <a:t>https://matematicabasica.net/cubo/</a:t>
             </a:r>
             <a:endParaRPr lang="en-US" sz="2600" dirty="0"/>
           </a:p>
@@ -6076,19 +7195,20 @@
             </a:r>
             <a:r>
               <a:rPr lang="en-US" sz="2600" dirty="0"/>
-              <a:t> 13:17</a:t>
-            </a:r>
-          </a:p>
-          <a:p>
-            <a:pPr marL="0" indent="0">
-              <a:buNone/>
-            </a:pPr>
+              <a:t> 18:33 </a:t>
+            </a:r>
             <a:endParaRPr lang="en-US" sz="2600" dirty="0"/>
           </a:p>
           <a:p>
             <a:pPr marL="0" indent="0">
               <a:buNone/>
             </a:pPr>
+            <a:endParaRPr lang="en-US" sz="2600" dirty="0"/>
+          </a:p>
+          <a:p>
+            <a:pPr marL="0" indent="0">
+              <a:buNone/>
+            </a:pPr>
             <a:r>
               <a:rPr lang="en-US" sz="2600" dirty="0" err="1"/>
               <a:t>Disponível</a:t>
@@ -6105,6 +7225,7 @@
               <a:rPr lang="en-US" sz="2600" dirty="0"/>
               <a:t>:</a:t>
             </a:r>
+            <a:endParaRPr lang="en-US" sz="2600" dirty="0"/>
           </a:p>
           <a:p>
             <a:pPr marL="0" indent="0">
@@ -6114,7 +7235,7 @@
               <a:rPr lang="en-US" sz="2600" dirty="0">
                 <a:hlinkClick r:id="rId3"/>
               </a:rPr>
-              <a:t>https://matematicabasica.net/cubo/</a:t>
+              <a:t>https://matematicabasica.net/triangulo/</a:t>
             </a:r>
             <a:endParaRPr lang="en-US" sz="2600" dirty="0"/>
           </a:p>
@@ -6136,7 +7257,7 @@
             </a:r>
             <a:r>
               <a:rPr lang="en-US" sz="2600" dirty="0"/>
-              <a:t> 15/11/2019 </a:t>
+              <a:t> 20/11/2019 </a:t>
             </a:r>
             <a:r>
               <a:rPr lang="en-US" sz="2600" dirty="0" err="1"/>
@@ -6144,97 +7265,25 @@
             </a:r>
             <a:r>
               <a:rPr lang="en-US" sz="2600" dirty="0"/>
-              <a:t> 18:33 </a:t>
-            </a:r>
-          </a:p>
-          <a:p>
-            <a:pPr marL="0" indent="0">
-              <a:buNone/>
-            </a:pPr>
+              <a:t> 22:15</a:t>
+            </a:r>
             <a:endParaRPr lang="en-US" sz="2600" dirty="0"/>
           </a:p>
           <a:p>
             <a:pPr marL="0" indent="0">
               <a:buNone/>
             </a:pPr>
-            <a:r>
-              <a:rPr lang="en-US" sz="2600" dirty="0" err="1"/>
-              <a:t>Disponível</a:t>
-            </a:r>
-            <a:r>
-              <a:rPr lang="en-US" sz="2600" dirty="0"/>
-              <a:t> </a:t>
-            </a:r>
-            <a:r>
-              <a:rPr lang="en-US" sz="2600" dirty="0" err="1"/>
-              <a:t>em</a:t>
-            </a:r>
-            <a:r>
-              <a:rPr lang="en-US" sz="2600" dirty="0"/>
-              <a:t>:</a:t>
-            </a:r>
-          </a:p>
-          <a:p>
-            <a:pPr marL="0" indent="0">
-              <a:buNone/>
-            </a:pPr>
-            <a:r>
-              <a:rPr lang="en-US" sz="2600" dirty="0">
-                <a:hlinkClick r:id="rId4"/>
-              </a:rPr>
-              <a:t>https://matematicabasica.net/triangulo/</a:t>
-            </a:r>
             <a:endParaRPr lang="en-US" sz="2600" dirty="0"/>
           </a:p>
           <a:p>
             <a:pPr marL="0" indent="0">
               <a:buNone/>
             </a:pPr>
-            <a:r>
-              <a:rPr lang="en-US" sz="2600" dirty="0" err="1"/>
-              <a:t>Acessado</a:t>
-            </a:r>
-            <a:r>
-              <a:rPr lang="en-US" sz="2600" dirty="0"/>
-              <a:t> </a:t>
-            </a:r>
-            <a:r>
-              <a:rPr lang="en-US" sz="2600" dirty="0" err="1"/>
-              <a:t>em</a:t>
-            </a:r>
-            <a:r>
-              <a:rPr lang="en-US" sz="2600" dirty="0"/>
-              <a:t> 20/11/2019 </a:t>
-            </a:r>
-            <a:r>
-              <a:rPr lang="en-US" sz="2600" dirty="0" err="1"/>
-              <a:t>às</a:t>
-            </a:r>
-            <a:r>
-              <a:rPr lang="en-US" sz="2600" dirty="0"/>
-              <a:t> 22:15</a:t>
-            </a:r>
-          </a:p>
-          <a:p>
-            <a:pPr marL="0" indent="0">
-              <a:buNone/>
-            </a:pPr>
             <a:endParaRPr lang="en-US" sz="2600" dirty="0"/>
           </a:p>
-          <a:p>
-            <a:pPr marL="0" indent="0">
-              <a:buNone/>
-            </a:pPr>
-            <a:endParaRPr lang="en-US" sz="2600" dirty="0"/>
-          </a:p>
         </p:txBody>
       </p:sp>
     </p:spTree>
-    <p:extLst>
-      <p:ext uri="{BB962C8B-B14F-4D97-AF65-F5344CB8AC3E}">
-        <p14:creationId xmlns:p14="http://schemas.microsoft.com/office/powerpoint/2010/main" val="2587190717"/>
-      </p:ext>
-    </p:extLst>
   </p:cSld>
   <p:clrMapOvr>
     <a:masterClrMapping/>
@@ -6261,13 +7310,7 @@
       </p:grpSpPr>
       <p:sp>
         <p:nvSpPr>
-          <p:cNvPr id="2" name="Title 1">
-            <a:extLst>
-              <a:ext uri="{FF2B5EF4-FFF2-40B4-BE49-F238E27FC236}">
-                <a16:creationId xmlns:a16="http://schemas.microsoft.com/office/drawing/2014/main" id="{E5E8D1DA-2D7D-461A-8D8D-7CAF47675C62}"/>
-              </a:ext>
-            </a:extLst>
-          </p:cNvPr>
+          <p:cNvPr id="2" name="Title 1"/>
           <p:cNvSpPr>
             <a:spLocks noGrp="1"/>
           </p:cNvSpPr>
@@ -6292,18 +7335,13 @@
               <a:rPr lang="en-US" sz="5200" dirty="0"/>
               <a:t>COMO FORMAR UM CUBO?</a:t>
             </a:r>
-          </a:p>
-        </p:txBody>
-      </p:sp>
-      <p:sp>
-        <p:nvSpPr>
-          <p:cNvPr id="3" name="Content Placeholder 2">
-            <a:extLst>
-              <a:ext uri="{FF2B5EF4-FFF2-40B4-BE49-F238E27FC236}">
-                <a16:creationId xmlns:a16="http://schemas.microsoft.com/office/drawing/2014/main" id="{1AD0B689-0C60-4A96-A9F1-5037CE604970}"/>
-              </a:ext>
-            </a:extLst>
-          </p:cNvPr>
+            <a:endParaRPr lang="en-US" sz="5200" dirty="0"/>
+          </a:p>
+        </p:txBody>
+      </p:sp>
+      <p:sp>
+        <p:nvSpPr>
+          <p:cNvPr id="3" name="Content Placeholder 2"/>
           <p:cNvSpPr>
             <a:spLocks noGrp="1"/>
           </p:cNvSpPr>
@@ -6330,6 +7368,7 @@
               <a:rPr lang="en-US" dirty="0"/>
               <a:t>	</a:t>
             </a:r>
+            <a:endParaRPr lang="en-US" dirty="0"/>
           </a:p>
           <a:p>
             <a:pPr marL="0" indent="0">
@@ -6339,6 +7378,7 @@
               <a:rPr lang="en-US" dirty="0"/>
               <a:t>	</a:t>
             </a:r>
+            <a:endParaRPr lang="en-US" dirty="0"/>
           </a:p>
           <a:p>
             <a:pPr marL="0" indent="0">
@@ -6412,6 +7452,7 @@
               <a:rPr lang="en-US" dirty="0"/>
               <a:t>:</a:t>
             </a:r>
+            <a:endParaRPr lang="en-US" dirty="0"/>
           </a:p>
           <a:p>
             <a:pPr marL="0" indent="0">
@@ -6495,20 +7536,14 @@
       </p:sp>
       <p:pic>
         <p:nvPicPr>
-          <p:cNvPr id="5" name="Picture 4">
-            <a:extLst>
-              <a:ext uri="{FF2B5EF4-FFF2-40B4-BE49-F238E27FC236}">
-                <a16:creationId xmlns:a16="http://schemas.microsoft.com/office/drawing/2014/main" id="{49F3A4CA-3416-4782-A605-6C62AD5D35C5}"/>
-              </a:ext>
-            </a:extLst>
-          </p:cNvPr>
+          <p:cNvPr id="5" name="Picture 4"/>
           <p:cNvPicPr>
             <a:picLocks noChangeAspect="1"/>
           </p:cNvPicPr>
           <p:nvPr/>
         </p:nvPicPr>
         <p:blipFill>
-          <a:blip r:embed="rId2">
+          <a:blip r:embed="rId1">
             <a:extLst>
               <a:ext uri="{28A0092B-C50C-407E-A947-70E740481C1C}">
                 <a14:useLocalDpi xmlns:a14="http://schemas.microsoft.com/office/drawing/2010/main" val="0"/>
@@ -6530,11 +7565,6 @@
         </p:spPr>
       </p:pic>
     </p:spTree>
-    <p:extLst>
-      <p:ext uri="{BB962C8B-B14F-4D97-AF65-F5344CB8AC3E}">
-        <p14:creationId xmlns:p14="http://schemas.microsoft.com/office/powerpoint/2010/main" val="2719043566"/>
-      </p:ext>
-    </p:extLst>
   </p:cSld>
   <p:clrMapOvr>
     <a:masterClrMapping/>
@@ -6561,13 +7591,7 @@
       </p:grpSpPr>
       <p:sp>
         <p:nvSpPr>
-          <p:cNvPr id="2" name="Title 1">
-            <a:extLst>
-              <a:ext uri="{FF2B5EF4-FFF2-40B4-BE49-F238E27FC236}">
-                <a16:creationId xmlns:a16="http://schemas.microsoft.com/office/drawing/2014/main" id="{E5E8D1DA-2D7D-461A-8D8D-7CAF47675C62}"/>
-              </a:ext>
-            </a:extLst>
-          </p:cNvPr>
+          <p:cNvPr id="2" name="Title 1"/>
           <p:cNvSpPr>
             <a:spLocks noGrp="1"/>
           </p:cNvSpPr>
@@ -6592,18 +7616,13 @@
               <a:rPr lang="en-US" sz="5200" dirty="0"/>
               <a:t>PROJETO COM VÁRIOS CUBOS</a:t>
             </a:r>
-          </a:p>
-        </p:txBody>
-      </p:sp>
-      <p:sp>
-        <p:nvSpPr>
-          <p:cNvPr id="3" name="Content Placeholder 2">
-            <a:extLst>
-              <a:ext uri="{FF2B5EF4-FFF2-40B4-BE49-F238E27FC236}">
-                <a16:creationId xmlns:a16="http://schemas.microsoft.com/office/drawing/2014/main" id="{1AD0B689-0C60-4A96-A9F1-5037CE604970}"/>
-              </a:ext>
-            </a:extLst>
-          </p:cNvPr>
+            <a:endParaRPr lang="en-US" sz="5200" dirty="0"/>
+          </a:p>
+        </p:txBody>
+      </p:sp>
+      <p:sp>
+        <p:nvSpPr>
+          <p:cNvPr id="3" name="Content Placeholder 2"/>
           <p:cNvSpPr>
             <a:spLocks noGrp="1"/>
           </p:cNvSpPr>
@@ -6630,6 +7649,47 @@
               <a:rPr lang="en-US" dirty="0"/>
               <a:t>	</a:t>
             </a:r>
+            <a:endParaRPr lang="en-US" dirty="0"/>
+          </a:p>
+          <a:p>
+            <a:pPr marL="0" indent="0">
+              <a:buNone/>
+            </a:pPr>
+            <a:r>
+              <a:rPr lang="en-US" sz="2600" dirty="0"/>
+              <a:t>Um </a:t>
+            </a:r>
+            <a:r>
+              <a:rPr lang="en-US" sz="2600" dirty="0" err="1"/>
+              <a:t>projeto</a:t>
+            </a:r>
+            <a:r>
+              <a:rPr lang="en-US" sz="2600" dirty="0"/>
+              <a:t> com </a:t>
+            </a:r>
+            <a:r>
+              <a:rPr lang="en-US" sz="2600" dirty="0" err="1"/>
+              <a:t>vários</a:t>
+            </a:r>
+            <a:r>
+              <a:rPr lang="en-US" sz="2600" dirty="0"/>
+              <a:t> </a:t>
+            </a:r>
+            <a:r>
+              <a:rPr lang="en-US" sz="2600" dirty="0" err="1"/>
+              <a:t>cubos</a:t>
+            </a:r>
+            <a:r>
+              <a:rPr lang="en-US" sz="2600" dirty="0"/>
+              <a:t>.</a:t>
+            </a:r>
+            <a:endParaRPr lang="en-US" dirty="0"/>
+          </a:p>
+          <a:p>
+            <a:pPr marL="0" indent="0">
+              <a:buNone/>
+            </a:pPr>
+            <a:endParaRPr lang="en-US" dirty="0"/>
           </a:p>
           <a:p>
             <a:pPr marL="0" indent="0">
@@ -6639,73 +7699,20 @@
               <a:rPr lang="en-US" dirty="0"/>
               <a:t>	</a:t>
             </a:r>
-          </a:p>
-          <a:p>
-            <a:pPr marL="0" indent="0">
-              <a:buNone/>
-            </a:pPr>
-            <a:r>
-              <a:rPr lang="en-US" dirty="0"/>
-              <a:t>	Um </a:t>
-            </a:r>
-            <a:r>
-              <a:rPr lang="en-US" dirty="0" err="1"/>
-              <a:t>projeto</a:t>
-            </a:r>
-            <a:r>
-              <a:rPr lang="en-US" dirty="0"/>
-              <a:t> com </a:t>
-            </a:r>
-            <a:r>
-              <a:rPr lang="en-US" dirty="0" err="1"/>
-              <a:t>vários</a:t>
-            </a:r>
-            <a:r>
-              <a:rPr lang="en-US" dirty="0"/>
-              <a:t> </a:t>
-            </a:r>
-            <a:r>
-              <a:rPr lang="en-US" dirty="0" err="1"/>
-              <a:t>cubos</a:t>
-            </a:r>
-            <a:r>
-              <a:rPr lang="en-US" dirty="0"/>
-              <a:t>.</a:t>
-            </a:r>
-          </a:p>
-          <a:p>
-            <a:pPr marL="0" indent="0">
-              <a:buNone/>
-            </a:pPr>
             <a:endParaRPr lang="en-US" dirty="0"/>
-          </a:p>
-          <a:p>
-            <a:pPr marL="0" indent="0">
-              <a:buNone/>
-            </a:pPr>
-            <a:r>
-              <a:rPr lang="en-US" dirty="0"/>
-              <a:t>	</a:t>
-            </a:r>
           </a:p>
         </p:txBody>
       </p:sp>
       <p:pic>
         <p:nvPicPr>
-          <p:cNvPr id="8" name="Picture 7">
-            <a:extLst>
-              <a:ext uri="{FF2B5EF4-FFF2-40B4-BE49-F238E27FC236}">
-                <a16:creationId xmlns:a16="http://schemas.microsoft.com/office/drawing/2014/main" id="{F4691A76-B67B-4A81-B5B0-861F43F301A6}"/>
-              </a:ext>
-            </a:extLst>
-          </p:cNvPr>
+          <p:cNvPr id="8" name="Picture 7"/>
           <p:cNvPicPr>
             <a:picLocks noChangeAspect="1"/>
           </p:cNvPicPr>
           <p:nvPr/>
         </p:nvPicPr>
         <p:blipFill>
-          <a:blip r:embed="rId2">
+          <a:blip r:embed="rId1">
             <a:extLst>
               <a:ext uri="{28A0092B-C50C-407E-A947-70E740481C1C}">
                 <a14:useLocalDpi xmlns:a14="http://schemas.microsoft.com/office/drawing/2010/main" val="0"/>
@@ -6718,8 +7725,8 @@
         </p:blipFill>
         <p:spPr>
           <a:xfrm>
-            <a:off x="3055049" y="2715404"/>
-            <a:ext cx="6081902" cy="3559641"/>
+            <a:off x="2578100" y="2186305"/>
+            <a:ext cx="7035165" cy="4058920"/>
           </a:xfrm>
           <a:prstGeom prst="rect">
             <a:avLst/>
@@ -6727,11 +7734,6 @@
         </p:spPr>
       </p:pic>
     </p:spTree>
-    <p:extLst>
-      <p:ext uri="{BB962C8B-B14F-4D97-AF65-F5344CB8AC3E}">
-        <p14:creationId xmlns:p14="http://schemas.microsoft.com/office/powerpoint/2010/main" val="2536060813"/>
-      </p:ext>
-    </p:extLst>
   </p:cSld>
   <p:clrMapOvr>
     <a:masterClrMapping/>
@@ -6758,13 +7760,7 @@
       </p:grpSpPr>
       <p:sp>
         <p:nvSpPr>
-          <p:cNvPr id="2" name="Title 1">
-            <a:extLst>
-              <a:ext uri="{FF2B5EF4-FFF2-40B4-BE49-F238E27FC236}">
-                <a16:creationId xmlns:a16="http://schemas.microsoft.com/office/drawing/2014/main" id="{24777F16-1641-4B86-B1DA-28B4AB09C290}"/>
-              </a:ext>
-            </a:extLst>
-          </p:cNvPr>
+          <p:cNvPr id="2" name="Title 1"/>
           <p:cNvSpPr>
             <a:spLocks noGrp="1"/>
           </p:cNvSpPr>
@@ -6789,18 +7785,13 @@
               <a:rPr lang="en-US" sz="5200" dirty="0"/>
               <a:t>CONE NO MATTER CONTROL</a:t>
             </a:r>
-          </a:p>
-        </p:txBody>
-      </p:sp>
-      <p:sp>
-        <p:nvSpPr>
-          <p:cNvPr id="3" name="Content Placeholder 2">
-            <a:extLst>
-              <a:ext uri="{FF2B5EF4-FFF2-40B4-BE49-F238E27FC236}">
-                <a16:creationId xmlns:a16="http://schemas.microsoft.com/office/drawing/2014/main" id="{9FBEF090-A937-45B5-9B5C-3EE68F05FDE7}"/>
-              </a:ext>
-            </a:extLst>
-          </p:cNvPr>
+            <a:endParaRPr lang="en-US" sz="5200" dirty="0"/>
+          </a:p>
+        </p:txBody>
+      </p:sp>
+      <p:sp>
+        <p:nvSpPr>
+          <p:cNvPr id="3" name="Content Placeholder 2"/>
           <p:cNvSpPr>
             <a:spLocks noGrp="1"/>
           </p:cNvSpPr>
@@ -6825,6 +7816,7 @@
               <a:rPr lang="en-US" dirty="0"/>
               <a:t>	</a:t>
             </a:r>
+            <a:endParaRPr lang="en-US" dirty="0"/>
           </a:p>
           <a:p>
             <a:pPr marL="0" indent="0" algn="just">
@@ -6832,123 +7824,122 @@
             </a:pPr>
             <a:r>
               <a:rPr lang="en-US" dirty="0"/>
-              <a:t>	O </a:t>
-            </a:r>
-            <a:r>
-              <a:rPr lang="en-US" dirty="0" err="1"/>
+              <a:t>	</a:t>
+            </a:r>
+            <a:r>
+              <a:rPr lang="en-US" sz="2600" dirty="0"/>
+              <a:t>O </a:t>
+            </a:r>
+            <a:r>
+              <a:rPr lang="en-US" sz="2600" dirty="0" err="1"/>
               <a:t>MatterControl</a:t>
             </a:r>
             <a:r>
-              <a:rPr lang="en-US" dirty="0"/>
+              <a:rPr lang="en-US" sz="2600" dirty="0"/>
               <a:t> </a:t>
             </a:r>
             <a:r>
-              <a:rPr lang="en-US" dirty="0" err="1"/>
+              <a:rPr lang="en-US" sz="2600" dirty="0" err="1"/>
               <a:t>abstrai</a:t>
             </a:r>
             <a:r>
-              <a:rPr lang="en-US" dirty="0"/>
+              <a:rPr lang="en-US" sz="2600" dirty="0"/>
               <a:t> um cone para o </a:t>
             </a:r>
             <a:r>
-              <a:rPr lang="en-US" dirty="0" err="1"/>
+              <a:rPr lang="en-US" sz="2600" dirty="0" err="1"/>
               <a:t>modelo</a:t>
             </a:r>
             <a:r>
-              <a:rPr lang="en-US" dirty="0"/>
+              <a:rPr lang="en-US" sz="2600" dirty="0"/>
               <a:t> digital. O </a:t>
             </a:r>
             <a:r>
-              <a:rPr lang="en-US" dirty="0" err="1"/>
+              <a:rPr lang="en-US" sz="2600" dirty="0" err="1"/>
               <a:t>projetista</a:t>
             </a:r>
             <a:r>
-              <a:rPr lang="en-US" dirty="0"/>
+              <a:rPr lang="en-US" sz="2600" dirty="0"/>
               <a:t> </a:t>
             </a:r>
             <a:r>
-              <a:rPr lang="en-US" dirty="0" err="1"/>
+              <a:rPr lang="en-US" sz="2600" dirty="0" err="1"/>
               <a:t>pode</a:t>
             </a:r>
             <a:r>
-              <a:rPr lang="en-US" dirty="0"/>
+              <a:rPr lang="en-US" sz="2600" dirty="0"/>
               <a:t> </a:t>
             </a:r>
             <a:r>
-              <a:rPr lang="en-US" dirty="0" err="1"/>
+              <a:rPr lang="en-US" sz="2600" dirty="0" err="1"/>
               <a:t>criar</a:t>
             </a:r>
             <a:r>
-              <a:rPr lang="en-US" dirty="0"/>
+              <a:rPr lang="en-US" sz="2600" dirty="0"/>
               <a:t> um cone </a:t>
             </a:r>
             <a:r>
-              <a:rPr lang="en-US" dirty="0" err="1"/>
+              <a:rPr lang="en-US" sz="2600" dirty="0" err="1"/>
               <a:t>apenas</a:t>
             </a:r>
             <a:r>
-              <a:rPr lang="en-US" dirty="0"/>
+              <a:rPr lang="en-US" sz="2600" dirty="0"/>
               <a:t> </a:t>
             </a:r>
             <a:r>
-              <a:rPr lang="en-US" dirty="0" err="1"/>
+              <a:rPr lang="en-US" sz="2600" dirty="0" err="1"/>
               <a:t>informando</a:t>
             </a:r>
             <a:r>
-              <a:rPr lang="en-US" dirty="0"/>
+              <a:rPr lang="en-US" sz="2600" dirty="0"/>
               <a:t>: </a:t>
             </a:r>
             <a:r>
-              <a:rPr lang="en-US" dirty="0" err="1"/>
+              <a:rPr lang="en-US" sz="2600" dirty="0" err="1"/>
               <a:t>diâmetro</a:t>
             </a:r>
             <a:r>
-              <a:rPr lang="en-US" dirty="0"/>
+              <a:rPr lang="en-US" sz="2600" dirty="0"/>
               <a:t>, </a:t>
             </a:r>
             <a:r>
-              <a:rPr lang="en-US" dirty="0" err="1"/>
+              <a:rPr lang="en-US" sz="2600" dirty="0" err="1"/>
               <a:t>altura</a:t>
             </a:r>
             <a:r>
-              <a:rPr lang="en-US" dirty="0"/>
+              <a:rPr lang="en-US" sz="2600" dirty="0"/>
               <a:t> e </a:t>
             </a:r>
             <a:r>
-              <a:rPr lang="en-US" dirty="0" err="1"/>
+              <a:rPr lang="en-US" sz="2600" dirty="0" err="1"/>
               <a:t>os</a:t>
             </a:r>
             <a:r>
-              <a:rPr lang="en-US" dirty="0"/>
+              <a:rPr lang="en-US" sz="2600" dirty="0"/>
               <a:t> </a:t>
             </a:r>
             <a:r>
-              <a:rPr lang="en-US" dirty="0" err="1"/>
+              <a:rPr lang="en-US" sz="2600" dirty="0" err="1"/>
               <a:t>laterais</a:t>
             </a:r>
             <a:r>
-              <a:rPr lang="en-US" dirty="0"/>
+              <a:rPr lang="en-US" sz="2600" dirty="0"/>
               <a:t>.</a:t>
             </a:r>
+            <a:endParaRPr lang="en-US" sz="2600" dirty="0"/>
           </a:p>
         </p:txBody>
       </p:sp>
       <p:pic>
         <p:nvPicPr>
-          <p:cNvPr id="5" name="Picture 4">
-            <a:extLst>
-              <a:ext uri="{FF2B5EF4-FFF2-40B4-BE49-F238E27FC236}">
-                <a16:creationId xmlns:a16="http://schemas.microsoft.com/office/drawing/2014/main" id="{306C39BD-67D7-4E2B-BBCC-C1A41EAEA66D}"/>
-              </a:ext>
-            </a:extLst>
-          </p:cNvPr>
+          <p:cNvPr id="5" name="Picture 4"/>
           <p:cNvPicPr>
             <a:picLocks noChangeAspect="1"/>
           </p:cNvPicPr>
           <p:nvPr/>
         </p:nvPicPr>
         <p:blipFill>
-          <a:blip r:embed="rId2">
+          <a:blip r:embed="rId1">
             <a:extLst>
               <a:ext uri="{28A0092B-C50C-407E-A947-70E740481C1C}">
                 <a14:useLocalDpi xmlns:a14="http://schemas.microsoft.com/office/drawing/2010/main" val="0"/>
@@ -6961,8 +7952,8 @@
         </p:blipFill>
         <p:spPr>
           <a:xfrm>
-            <a:off x="4643235" y="3069887"/>
-            <a:ext cx="2905530" cy="3410426"/>
+            <a:off x="4446270" y="2737485"/>
+            <a:ext cx="3298825" cy="3742690"/>
           </a:xfrm>
           <a:prstGeom prst="rect">
             <a:avLst/>
@@ -6970,11 +7961,6 @@
         </p:spPr>
       </p:pic>
     </p:spTree>
-    <p:extLst>
-      <p:ext uri="{BB962C8B-B14F-4D97-AF65-F5344CB8AC3E}">
-        <p14:creationId xmlns:p14="http://schemas.microsoft.com/office/powerpoint/2010/main" val="832853665"/>
-      </p:ext>
-    </p:extLst>
   </p:cSld>
   <p:clrMapOvr>
     <a:masterClrMapping/>
@@ -7001,13 +7987,7 @@
       </p:grpSpPr>
       <p:sp>
         <p:nvSpPr>
-          <p:cNvPr id="2" name="Title 1">
-            <a:extLst>
-              <a:ext uri="{FF2B5EF4-FFF2-40B4-BE49-F238E27FC236}">
-                <a16:creationId xmlns:a16="http://schemas.microsoft.com/office/drawing/2014/main" id="{E5E8D1DA-2D7D-461A-8D8D-7CAF47675C62}"/>
-              </a:ext>
-            </a:extLst>
-          </p:cNvPr>
+          <p:cNvPr id="2" name="Title 1"/>
           <p:cNvSpPr>
             <a:spLocks noGrp="1"/>
           </p:cNvSpPr>
@@ -7032,18 +8012,13 @@
               <a:rPr lang="en-US" sz="5200" dirty="0"/>
               <a:t>COMO FORMAR UM CONE?</a:t>
             </a:r>
-          </a:p>
-        </p:txBody>
-      </p:sp>
-      <p:sp>
-        <p:nvSpPr>
-          <p:cNvPr id="3" name="Content Placeholder 2">
-            <a:extLst>
-              <a:ext uri="{FF2B5EF4-FFF2-40B4-BE49-F238E27FC236}">
-                <a16:creationId xmlns:a16="http://schemas.microsoft.com/office/drawing/2014/main" id="{1AD0B689-0C60-4A96-A9F1-5037CE604970}"/>
-              </a:ext>
-            </a:extLst>
-          </p:cNvPr>
+            <a:endParaRPr lang="en-US" sz="5200" dirty="0"/>
+          </a:p>
+        </p:txBody>
+      </p:sp>
+      <p:sp>
+        <p:nvSpPr>
+          <p:cNvPr id="3" name="Content Placeholder 2"/>
           <p:cNvSpPr>
             <a:spLocks noGrp="1"/>
           </p:cNvSpPr>
@@ -7070,6 +8045,7 @@
               <a:rPr lang="en-US" dirty="0"/>
               <a:t>	</a:t>
             </a:r>
+            <a:endParaRPr lang="en-US" dirty="0"/>
           </a:p>
           <a:p>
             <a:pPr marL="0" indent="0">
@@ -7079,6 +8055,7 @@
               <a:rPr lang="en-US" dirty="0"/>
               <a:t>	</a:t>
             </a:r>
+            <a:endParaRPr lang="en-US" dirty="0"/>
           </a:p>
           <a:p>
             <a:pPr marL="0" indent="0">
@@ -7144,6 +8121,7 @@
               <a:rPr lang="en-US" dirty="0"/>
               <a:t>:</a:t>
             </a:r>
+            <a:endParaRPr lang="en-US" dirty="0"/>
           </a:p>
           <a:p>
             <a:pPr marL="0" indent="0">
@@ -7231,20 +8209,14 @@
       </p:sp>
       <p:pic>
         <p:nvPicPr>
-          <p:cNvPr id="7" name="Picture 6">
-            <a:extLst>
-              <a:ext uri="{FF2B5EF4-FFF2-40B4-BE49-F238E27FC236}">
-                <a16:creationId xmlns:a16="http://schemas.microsoft.com/office/drawing/2014/main" id="{DF597E54-2675-4914-A157-E1998B95BF65}"/>
-              </a:ext>
-            </a:extLst>
-          </p:cNvPr>
+          <p:cNvPr id="7" name="Picture 6"/>
           <p:cNvPicPr>
             <a:picLocks noChangeAspect="1"/>
           </p:cNvPicPr>
           <p:nvPr/>
         </p:nvPicPr>
         <p:blipFill>
-          <a:blip r:embed="rId2">
+          <a:blip r:embed="rId1">
             <a:extLst>
               <a:ext uri="{28A0092B-C50C-407E-A947-70E740481C1C}">
                 <a14:useLocalDpi xmlns:a14="http://schemas.microsoft.com/office/drawing/2010/main" val="0"/>
@@ -7266,11 +8238,6 @@
         </p:spPr>
       </p:pic>
     </p:spTree>
-    <p:extLst>
-      <p:ext uri="{BB962C8B-B14F-4D97-AF65-F5344CB8AC3E}">
-        <p14:creationId xmlns:p14="http://schemas.microsoft.com/office/powerpoint/2010/main" val="490236218"/>
-      </p:ext>
-    </p:extLst>
   </p:cSld>
   <p:clrMapOvr>
     <a:masterClrMapping/>
@@ -7297,13 +8264,7 @@
       </p:grpSpPr>
       <p:sp>
         <p:nvSpPr>
-          <p:cNvPr id="2" name="Title 1">
-            <a:extLst>
-              <a:ext uri="{FF2B5EF4-FFF2-40B4-BE49-F238E27FC236}">
-                <a16:creationId xmlns:a16="http://schemas.microsoft.com/office/drawing/2014/main" id="{E5E8D1DA-2D7D-461A-8D8D-7CAF47675C62}"/>
-              </a:ext>
-            </a:extLst>
-          </p:cNvPr>
+          <p:cNvPr id="2" name="Title 1"/>
           <p:cNvSpPr>
             <a:spLocks noGrp="1"/>
           </p:cNvSpPr>
@@ -7328,18 +8289,13 @@
               <a:rPr lang="en-US" sz="5200" dirty="0"/>
               <a:t>PROJETO CONE DE TRÂNSITO</a:t>
             </a:r>
-          </a:p>
-        </p:txBody>
-      </p:sp>
-      <p:sp>
-        <p:nvSpPr>
-          <p:cNvPr id="3" name="Content Placeholder 2">
-            <a:extLst>
-              <a:ext uri="{FF2B5EF4-FFF2-40B4-BE49-F238E27FC236}">
-                <a16:creationId xmlns:a16="http://schemas.microsoft.com/office/drawing/2014/main" id="{1AD0B689-0C60-4A96-A9F1-5037CE604970}"/>
-              </a:ext>
-            </a:extLst>
-          </p:cNvPr>
+            <a:endParaRPr lang="en-US" sz="5200" dirty="0"/>
+          </a:p>
+        </p:txBody>
+      </p:sp>
+      <p:sp>
+        <p:nvSpPr>
+          <p:cNvPr id="3" name="Content Placeholder 2"/>
           <p:cNvSpPr>
             <a:spLocks noGrp="1"/>
           </p:cNvSpPr>
@@ -7363,42 +8319,44 @@
               <a:buNone/>
             </a:pPr>
             <a:r>
-              <a:rPr lang="en-US" dirty="0"/>
+              <a:rPr lang="en-US" sz="2600" dirty="0"/>
               <a:t>	</a:t>
             </a:r>
-          </a:p>
-          <a:p>
-            <a:pPr marL="0" indent="0">
-              <a:buNone/>
-            </a:pPr>
-            <a:r>
-              <a:rPr lang="en-US" dirty="0"/>
+            <a:endParaRPr lang="en-US" sz="2600" dirty="0"/>
+          </a:p>
+          <a:p>
+            <a:pPr marL="0" indent="0">
+              <a:buNone/>
+            </a:pPr>
+            <a:r>
+              <a:rPr lang="en-US" sz="2600" dirty="0"/>
               <a:t>Este </a:t>
             </a:r>
             <a:r>
-              <a:rPr lang="en-US" dirty="0" err="1"/>
+              <a:rPr lang="en-US" sz="2600" dirty="0" err="1"/>
               <a:t>projeto</a:t>
             </a:r>
             <a:r>
-              <a:rPr lang="en-US" dirty="0"/>
+              <a:rPr lang="en-US" sz="2600" dirty="0"/>
               <a:t> </a:t>
             </a:r>
             <a:r>
-              <a:rPr lang="en-US" dirty="0" err="1"/>
+              <a:rPr lang="en-US" sz="2600" dirty="0" err="1"/>
               <a:t>lembra</a:t>
             </a:r>
             <a:r>
-              <a:rPr lang="en-US" dirty="0"/>
+              <a:rPr lang="en-US" sz="2600" dirty="0"/>
               <a:t> um cone de </a:t>
             </a:r>
             <a:r>
-              <a:rPr lang="en-US" dirty="0" err="1"/>
+              <a:rPr lang="en-US" sz="2600" dirty="0" err="1"/>
               <a:t>trânsito</a:t>
             </a:r>
             <a:r>
-              <a:rPr lang="en-US" dirty="0"/>
+              <a:rPr lang="en-US" sz="2600" dirty="0"/>
               <a:t>.</a:t>
             </a:r>
+            <a:endParaRPr lang="en-US" dirty="0"/>
           </a:p>
           <a:p>
             <a:pPr marL="0" indent="0">
@@ -7446,20 +8404,14 @@
       </p:sp>
       <p:pic>
         <p:nvPicPr>
-          <p:cNvPr id="5" name="Picture 4">
-            <a:extLst>
-              <a:ext uri="{FF2B5EF4-FFF2-40B4-BE49-F238E27FC236}">
-                <a16:creationId xmlns:a16="http://schemas.microsoft.com/office/drawing/2014/main" id="{6382BB05-70B9-4AE9-9513-A414D79A912C}"/>
-              </a:ext>
-            </a:extLst>
-          </p:cNvPr>
+          <p:cNvPr id="5" name="Picture 4"/>
           <p:cNvPicPr>
             <a:picLocks noChangeAspect="1"/>
           </p:cNvPicPr>
           <p:nvPr/>
         </p:nvPicPr>
         <p:blipFill>
-          <a:blip r:embed="rId2">
+          <a:blip r:embed="rId1">
             <a:extLst>
               <a:ext uri="{28A0092B-C50C-407E-A947-70E740481C1C}">
                 <a14:useLocalDpi xmlns:a14="http://schemas.microsoft.com/office/drawing/2010/main" val="0"/>
@@ -7481,11 +8433,6 @@
         </p:spPr>
       </p:pic>
     </p:spTree>
-    <p:extLst>
-      <p:ext uri="{BB962C8B-B14F-4D97-AF65-F5344CB8AC3E}">
-        <p14:creationId xmlns:p14="http://schemas.microsoft.com/office/powerpoint/2010/main" val="3115940183"/>
-      </p:ext>
-    </p:extLst>
   </p:cSld>
   <p:clrMapOvr>
     <a:masterClrMapping/>
@@ -7512,13 +8459,7 @@
       </p:grpSpPr>
       <p:sp>
         <p:nvSpPr>
-          <p:cNvPr id="2" name="Title 1">
-            <a:extLst>
-              <a:ext uri="{FF2B5EF4-FFF2-40B4-BE49-F238E27FC236}">
-                <a16:creationId xmlns:a16="http://schemas.microsoft.com/office/drawing/2014/main" id="{24777F16-1641-4B86-B1DA-28B4AB09C290}"/>
-              </a:ext>
-            </a:extLst>
-          </p:cNvPr>
+          <p:cNvPr id="2" name="Title 1"/>
           <p:cNvSpPr>
             <a:spLocks noGrp="1"/>
           </p:cNvSpPr>
@@ -7543,18 +8484,13 @@
               <a:rPr lang="en-US" sz="5200" dirty="0"/>
               <a:t>PIRÂMIDE NO MATTER CONTROL</a:t>
             </a:r>
-          </a:p>
-        </p:txBody>
-      </p:sp>
-      <p:sp>
-        <p:nvSpPr>
-          <p:cNvPr id="3" name="Content Placeholder 2">
-            <a:extLst>
-              <a:ext uri="{FF2B5EF4-FFF2-40B4-BE49-F238E27FC236}">
-                <a16:creationId xmlns:a16="http://schemas.microsoft.com/office/drawing/2014/main" id="{9FBEF090-A937-45B5-9B5C-3EE68F05FDE7}"/>
-              </a:ext>
-            </a:extLst>
-          </p:cNvPr>
+            <a:endParaRPr lang="en-US" sz="5200" dirty="0"/>
+          </a:p>
+        </p:txBody>
+      </p:sp>
+      <p:sp>
+        <p:nvSpPr>
+          <p:cNvPr id="3" name="Content Placeholder 2"/>
           <p:cNvSpPr>
             <a:spLocks noGrp="1"/>
           </p:cNvSpPr>
@@ -7579,6 +8515,7 @@
               <a:rPr lang="en-US" dirty="0"/>
               <a:t>	</a:t>
             </a:r>
+            <a:endParaRPr lang="en-US" dirty="0"/>
           </a:p>
           <a:p>
             <a:pPr marL="0" indent="0" algn="just">
@@ -7586,147 +8523,146 @@
             </a:pPr>
             <a:r>
               <a:rPr lang="en-US" dirty="0"/>
-              <a:t>	O </a:t>
-            </a:r>
-            <a:r>
-              <a:rPr lang="en-US" dirty="0" err="1"/>
+              <a:t>	</a:t>
+            </a:r>
+            <a:r>
+              <a:rPr lang="en-US" sz="2600" dirty="0"/>
+              <a:t>O </a:t>
+            </a:r>
+            <a:r>
+              <a:rPr lang="en-US" sz="2600" dirty="0" err="1"/>
               <a:t>MatterControl</a:t>
             </a:r>
             <a:r>
-              <a:rPr lang="en-US" dirty="0"/>
+              <a:rPr lang="en-US" sz="2600" dirty="0"/>
               <a:t> </a:t>
             </a:r>
             <a:r>
-              <a:rPr lang="en-US" dirty="0" err="1"/>
+              <a:rPr lang="en-US" sz="2600" dirty="0" err="1"/>
               <a:t>abstrai</a:t>
             </a:r>
             <a:r>
-              <a:rPr lang="en-US" dirty="0"/>
+              <a:rPr lang="en-US" sz="2600" dirty="0"/>
               <a:t> </a:t>
             </a:r>
             <a:r>
-              <a:rPr lang="en-US" dirty="0" err="1"/>
+              <a:rPr lang="en-US" sz="2600" dirty="0" err="1"/>
               <a:t>uma</a:t>
             </a:r>
             <a:r>
-              <a:rPr lang="en-US" dirty="0"/>
+              <a:rPr lang="en-US" sz="2600" dirty="0"/>
               <a:t> </a:t>
             </a:r>
             <a:r>
-              <a:rPr lang="en-US" dirty="0" err="1"/>
+              <a:rPr lang="en-US" sz="2600" dirty="0" err="1"/>
               <a:t>pirâmide</a:t>
             </a:r>
             <a:r>
-              <a:rPr lang="en-US" dirty="0"/>
+              <a:rPr lang="en-US" sz="2600" dirty="0"/>
               <a:t> para o </a:t>
             </a:r>
             <a:r>
-              <a:rPr lang="en-US" dirty="0" err="1"/>
+              <a:rPr lang="en-US" sz="2600" dirty="0" err="1"/>
               <a:t>modelo</a:t>
             </a:r>
             <a:r>
-              <a:rPr lang="en-US" dirty="0"/>
+              <a:rPr lang="en-US" sz="2600" dirty="0"/>
               <a:t> digital. O </a:t>
             </a:r>
             <a:r>
-              <a:rPr lang="en-US" dirty="0" err="1"/>
+              <a:rPr lang="en-US" sz="2600" dirty="0" err="1"/>
               <a:t>projetista</a:t>
             </a:r>
             <a:r>
-              <a:rPr lang="en-US" dirty="0"/>
+              <a:rPr lang="en-US" sz="2600" dirty="0"/>
               <a:t> </a:t>
             </a:r>
             <a:r>
-              <a:rPr lang="en-US" dirty="0" err="1"/>
+              <a:rPr lang="en-US" sz="2600" dirty="0" err="1"/>
               <a:t>pode</a:t>
             </a:r>
             <a:r>
-              <a:rPr lang="en-US" dirty="0"/>
+              <a:rPr lang="en-US" sz="2600" dirty="0"/>
               <a:t> </a:t>
             </a:r>
             <a:r>
-              <a:rPr lang="en-US" dirty="0" err="1"/>
+              <a:rPr lang="en-US" sz="2600" dirty="0" err="1"/>
               <a:t>criar</a:t>
             </a:r>
             <a:r>
-              <a:rPr lang="en-US" dirty="0"/>
+              <a:rPr lang="en-US" sz="2600" dirty="0"/>
               <a:t> </a:t>
             </a:r>
             <a:r>
-              <a:rPr lang="en-US" dirty="0" err="1"/>
+              <a:rPr lang="en-US" sz="2600" dirty="0" err="1"/>
               <a:t>uma</a:t>
             </a:r>
             <a:r>
-              <a:rPr lang="en-US" dirty="0"/>
+              <a:rPr lang="en-US" sz="2600" dirty="0"/>
               <a:t> </a:t>
             </a:r>
             <a:r>
-              <a:rPr lang="en-US" dirty="0" err="1"/>
+              <a:rPr lang="en-US" sz="2600" dirty="0" err="1"/>
               <a:t>pirâmide</a:t>
             </a:r>
             <a:r>
-              <a:rPr lang="en-US" dirty="0"/>
+              <a:rPr lang="en-US" sz="2600" dirty="0"/>
               <a:t> </a:t>
             </a:r>
             <a:r>
-              <a:rPr lang="en-US" dirty="0" err="1"/>
+              <a:rPr lang="en-US" sz="2600" dirty="0" err="1"/>
               <a:t>apenas</a:t>
             </a:r>
             <a:r>
-              <a:rPr lang="en-US" dirty="0"/>
+              <a:rPr lang="en-US" sz="2600" dirty="0"/>
               <a:t> </a:t>
             </a:r>
             <a:r>
-              <a:rPr lang="en-US" dirty="0" err="1"/>
+              <a:rPr lang="en-US" sz="2600" dirty="0" err="1"/>
               <a:t>informando</a:t>
             </a:r>
             <a:r>
-              <a:rPr lang="en-US" dirty="0"/>
+              <a:rPr lang="en-US" sz="2600" dirty="0"/>
               <a:t>: </a:t>
             </a:r>
             <a:r>
-              <a:rPr lang="en-US" dirty="0" err="1"/>
+              <a:rPr lang="en-US" sz="2600" dirty="0" err="1"/>
               <a:t>profundidade</a:t>
             </a:r>
             <a:r>
-              <a:rPr lang="en-US" dirty="0"/>
+              <a:rPr lang="en-US" sz="2600" dirty="0"/>
               <a:t>, </a:t>
             </a:r>
             <a:r>
-              <a:rPr lang="en-US" dirty="0" err="1"/>
+              <a:rPr lang="en-US" sz="2600" dirty="0" err="1"/>
               <a:t>altura</a:t>
             </a:r>
             <a:r>
-              <a:rPr lang="en-US" dirty="0"/>
+              <a:rPr lang="en-US" sz="2600" dirty="0"/>
               <a:t> e </a:t>
             </a:r>
             <a:r>
-              <a:rPr lang="en-US" dirty="0" err="1"/>
+              <a:rPr lang="en-US" sz="2600" dirty="0" err="1"/>
               <a:t>largura</a:t>
             </a:r>
             <a:r>
-              <a:rPr lang="en-US" dirty="0"/>
+              <a:rPr lang="en-US" sz="2600" dirty="0"/>
               <a:t>.</a:t>
             </a:r>
+            <a:endParaRPr lang="en-US" sz="2600" dirty="0"/>
           </a:p>
         </p:txBody>
       </p:sp>
       <p:pic>
         <p:nvPicPr>
-          <p:cNvPr id="6" name="Picture 5">
-            <a:extLst>
-              <a:ext uri="{FF2B5EF4-FFF2-40B4-BE49-F238E27FC236}">
-                <a16:creationId xmlns:a16="http://schemas.microsoft.com/office/drawing/2014/main" id="{B1B661A5-7846-4E44-9F86-006C5253E8DA}"/>
-              </a:ext>
-            </a:extLst>
-          </p:cNvPr>
+          <p:cNvPr id="6" name="Picture 5"/>
           <p:cNvPicPr>
             <a:picLocks noChangeAspect="1"/>
           </p:cNvPicPr>
           <p:nvPr/>
         </p:nvPicPr>
         <p:blipFill>
-          <a:blip r:embed="rId2">
+          <a:blip r:embed="rId1">
             <a:extLst>
               <a:ext uri="{28A0092B-C50C-407E-A947-70E740481C1C}">
                 <a14:useLocalDpi xmlns:a14="http://schemas.microsoft.com/office/drawing/2010/main" val="0"/>
@@ -7739,8 +8675,8 @@
         </p:blipFill>
         <p:spPr>
           <a:xfrm>
-            <a:off x="4534062" y="3146098"/>
-            <a:ext cx="3600953" cy="3334215"/>
+            <a:off x="4170680" y="3009265"/>
+            <a:ext cx="3964305" cy="3470910"/>
           </a:xfrm>
           <a:prstGeom prst="rect">
             <a:avLst/>
@@ -7748,11 +8684,6 @@
         </p:spPr>
       </p:pic>
     </p:spTree>
-    <p:extLst>
-      <p:ext uri="{BB962C8B-B14F-4D97-AF65-F5344CB8AC3E}">
-        <p14:creationId xmlns:p14="http://schemas.microsoft.com/office/powerpoint/2010/main" val="932143965"/>
-      </p:ext>
-    </p:extLst>
   </p:cSld>
   <p:clrMapOvr>
     <a:masterClrMapping/>
@@ -7779,13 +8710,7 @@
       </p:grpSpPr>
       <p:sp>
         <p:nvSpPr>
-          <p:cNvPr id="2" name="Title 1">
-            <a:extLst>
-              <a:ext uri="{FF2B5EF4-FFF2-40B4-BE49-F238E27FC236}">
-                <a16:creationId xmlns:a16="http://schemas.microsoft.com/office/drawing/2014/main" id="{E5E8D1DA-2D7D-461A-8D8D-7CAF47675C62}"/>
-              </a:ext>
-            </a:extLst>
-          </p:cNvPr>
+          <p:cNvPr id="2" name="Title 1"/>
           <p:cNvSpPr>
             <a:spLocks noGrp="1"/>
           </p:cNvSpPr>
@@ -7810,18 +8735,13 @@
               <a:rPr lang="en-US" sz="5200" dirty="0"/>
               <a:t>COMO FORMAR UMA PIRÂMIDE?</a:t>
             </a:r>
-          </a:p>
-        </p:txBody>
-      </p:sp>
-      <p:sp>
-        <p:nvSpPr>
-          <p:cNvPr id="3" name="Content Placeholder 2">
-            <a:extLst>
-              <a:ext uri="{FF2B5EF4-FFF2-40B4-BE49-F238E27FC236}">
-                <a16:creationId xmlns:a16="http://schemas.microsoft.com/office/drawing/2014/main" id="{1AD0B689-0C60-4A96-A9F1-5037CE604970}"/>
-              </a:ext>
-            </a:extLst>
-          </p:cNvPr>
+            <a:endParaRPr lang="en-US" sz="5200" dirty="0"/>
+          </a:p>
+        </p:txBody>
+      </p:sp>
+      <p:sp>
+        <p:nvSpPr>
+          <p:cNvPr id="3" name="Content Placeholder 2"/>
           <p:cNvSpPr>
             <a:spLocks noGrp="1"/>
           </p:cNvSpPr>
@@ -7837,7 +8757,7 @@
         </p:spPr>
         <p:txBody>
           <a:bodyPr>
-            <a:normAutofit fontScale="92500" lnSpcReduction="20000"/>
+            <a:normAutofit/>
           </a:bodyPr>
           <a:lstStyle/>
           <a:p>
@@ -7848,186 +8768,166 @@
               <a:rPr lang="en-US" dirty="0"/>
               <a:t>	</a:t>
             </a:r>
-          </a:p>
-          <a:p>
-            <a:pPr marL="0" indent="0">
-              <a:buNone/>
-            </a:pPr>
-            <a:r>
-              <a:rPr lang="en-US" dirty="0"/>
-              <a:t>	</a:t>
-            </a:r>
-            <a:endParaRPr lang="en-US" sz="3000" dirty="0"/>
-          </a:p>
-          <a:p>
-            <a:pPr marL="0" indent="0">
-              <a:buNone/>
-            </a:pPr>
-            <a:r>
-              <a:rPr lang="en-US" sz="3000" dirty="0"/>
+            <a:endParaRPr lang="en-US" dirty="0"/>
+          </a:p>
+          <a:p>
+            <a:pPr marL="0" indent="0">
+              <a:buNone/>
+            </a:pPr>
+            <a:r>
+              <a:rPr lang="en-US" sz="2600" dirty="0"/>
               <a:t>	Uma </a:t>
             </a:r>
             <a:r>
-              <a:rPr lang="en-US" sz="3000" dirty="0" err="1"/>
+              <a:rPr lang="en-US" sz="2600" dirty="0" err="1"/>
               <a:t>pirâmide</a:t>
             </a:r>
             <a:r>
-              <a:rPr lang="en-US" sz="3000" dirty="0"/>
+              <a:rPr lang="en-US" sz="2600" dirty="0"/>
               <a:t> no </a:t>
             </a:r>
             <a:r>
-              <a:rPr lang="en-US" sz="3000" dirty="0" err="1"/>
+              <a:rPr lang="en-US" sz="2600" dirty="0" err="1"/>
               <a:t>MatterControl</a:t>
             </a:r>
             <a:r>
-              <a:rPr lang="en-US" sz="3000" dirty="0"/>
+              <a:rPr lang="en-US" sz="2600" dirty="0"/>
               <a:t> </a:t>
             </a:r>
             <a:r>
-              <a:rPr lang="en-US" sz="3000" dirty="0" err="1"/>
+              <a:rPr lang="en-US" sz="2600" dirty="0" err="1"/>
               <a:t>pode</a:t>
             </a:r>
             <a:r>
-              <a:rPr lang="en-US" sz="3000" dirty="0"/>
+              <a:rPr lang="en-US" sz="2600" dirty="0"/>
               <a:t> ser </a:t>
             </a:r>
             <a:r>
-              <a:rPr lang="en-US" sz="3000" dirty="0" err="1"/>
+              <a:rPr lang="en-US" sz="2600" dirty="0" err="1"/>
               <a:t>formada</a:t>
             </a:r>
             <a:r>
-              <a:rPr lang="en-US" sz="3000" dirty="0"/>
+              <a:rPr lang="en-US" sz="2600" dirty="0"/>
               <a:t> </a:t>
             </a:r>
             <a:r>
-              <a:rPr lang="en-US" sz="3000" dirty="0" err="1"/>
+              <a:rPr lang="en-US" sz="2600" dirty="0" err="1"/>
               <a:t>informando</a:t>
             </a:r>
             <a:r>
-              <a:rPr lang="en-US" sz="3000" dirty="0"/>
+              <a:rPr lang="en-US" sz="2600" dirty="0"/>
               <a:t> </a:t>
             </a:r>
             <a:r>
-              <a:rPr lang="en-US" sz="3000" dirty="0" err="1"/>
+              <a:rPr lang="en-US" sz="2600" dirty="0" err="1"/>
               <a:t>os</a:t>
             </a:r>
             <a:r>
-              <a:rPr lang="en-US" sz="3000" dirty="0"/>
+              <a:rPr lang="en-US" sz="2600" dirty="0"/>
               <a:t> </a:t>
             </a:r>
             <a:r>
-              <a:rPr lang="en-US" sz="3000" dirty="0" err="1"/>
+              <a:rPr lang="en-US" sz="2600" dirty="0" err="1"/>
               <a:t>seguintes</a:t>
             </a:r>
             <a:r>
-              <a:rPr lang="en-US" sz="3000" dirty="0"/>
+              <a:rPr lang="en-US" sz="2600" dirty="0"/>
               <a:t> </a:t>
             </a:r>
             <a:r>
-              <a:rPr lang="en-US" sz="3000" dirty="0" err="1"/>
+              <a:rPr lang="en-US" sz="2600" dirty="0" err="1"/>
               <a:t>valores</a:t>
             </a:r>
             <a:r>
-              <a:rPr lang="en-US" sz="3000" dirty="0"/>
+              <a:rPr lang="en-US" sz="2600" dirty="0"/>
               <a:t>:</a:t>
             </a:r>
-          </a:p>
-          <a:p>
-            <a:pPr marL="0" indent="0">
-              <a:buNone/>
-            </a:pPr>
-            <a:endParaRPr lang="en-US" dirty="0"/>
-          </a:p>
-          <a:p>
-            <a:pPr marL="0" indent="0">
-              <a:buNone/>
-            </a:pPr>
-            <a:endParaRPr lang="en-US" dirty="0"/>
-          </a:p>
-          <a:p>
-            <a:pPr marL="0" indent="0">
-              <a:buNone/>
-            </a:pPr>
-            <a:endParaRPr lang="en-US" dirty="0"/>
-          </a:p>
-          <a:p>
-            <a:pPr marL="0" indent="0">
-              <a:buNone/>
-            </a:pPr>
-            <a:endParaRPr lang="en-US" dirty="0"/>
-          </a:p>
-          <a:p>
-            <a:pPr marL="0" indent="0">
-              <a:buNone/>
-            </a:pPr>
-            <a:endParaRPr lang="en-US" dirty="0"/>
-          </a:p>
-          <a:p>
-            <a:pPr marL="0" indent="0">
-              <a:buNone/>
-            </a:pPr>
-            <a:endParaRPr lang="en-US" dirty="0"/>
-          </a:p>
-          <a:p>
-            <a:pPr marL="0" indent="0">
-              <a:buNone/>
-            </a:pPr>
-            <a:endParaRPr lang="en-US" dirty="0"/>
-          </a:p>
-          <a:p>
-            <a:pPr marL="0" indent="0">
-              <a:buNone/>
-            </a:pPr>
-            <a:endParaRPr lang="en-US" sz="3000" dirty="0"/>
-          </a:p>
-          <a:p>
-            <a:pPr marL="0" indent="0">
-              <a:buNone/>
-            </a:pPr>
-            <a:r>
-              <a:rPr lang="en-US" sz="3000" dirty="0"/>
+            <a:endParaRPr lang="en-US" sz="2600" dirty="0"/>
+          </a:p>
+          <a:p>
+            <a:pPr marL="0" indent="0">
+              <a:buNone/>
+            </a:pPr>
+            <a:endParaRPr lang="en-US" sz="2600" dirty="0"/>
+          </a:p>
+          <a:p>
+            <a:pPr marL="0" indent="0">
+              <a:buNone/>
+            </a:pPr>
+            <a:endParaRPr lang="en-US" sz="2600" dirty="0"/>
+          </a:p>
+          <a:p>
+            <a:pPr marL="0" indent="0">
+              <a:buNone/>
+            </a:pPr>
+            <a:endParaRPr lang="en-US" sz="2600" dirty="0"/>
+          </a:p>
+          <a:p>
+            <a:pPr marL="0" indent="0">
+              <a:buNone/>
+            </a:pPr>
+            <a:endParaRPr lang="en-US" sz="2600" dirty="0"/>
+          </a:p>
+          <a:p>
+            <a:pPr marL="0" indent="0">
+              <a:buNone/>
+            </a:pPr>
+            <a:endParaRPr lang="en-US" sz="2600" dirty="0"/>
+          </a:p>
+          <a:p>
+            <a:pPr marL="0" indent="0">
+              <a:buNone/>
+            </a:pPr>
+            <a:endParaRPr lang="en-US" sz="2600" dirty="0"/>
+          </a:p>
+          <a:p>
+            <a:pPr marL="0" indent="0">
+              <a:buNone/>
+            </a:pPr>
+            <a:endParaRPr lang="en-US" sz="2600" dirty="0"/>
+          </a:p>
+          <a:p>
+            <a:pPr marL="0" indent="0">
+              <a:buNone/>
+            </a:pPr>
+            <a:r>
+              <a:rPr lang="en-US" sz="2600" dirty="0"/>
               <a:t>depth – </a:t>
             </a:r>
             <a:r>
-              <a:rPr lang="en-US" sz="3000" dirty="0" err="1"/>
+              <a:rPr lang="en-US" sz="2600" dirty="0" err="1"/>
               <a:t>profundidade</a:t>
             </a:r>
             <a:r>
-              <a:rPr lang="en-US" sz="3000" dirty="0"/>
+              <a:rPr lang="en-US" sz="2600" dirty="0"/>
               <a:t> , height – </a:t>
             </a:r>
             <a:r>
-              <a:rPr lang="en-US" sz="3000" dirty="0" err="1"/>
+              <a:rPr lang="en-US" sz="2600" dirty="0" err="1"/>
               <a:t>altura</a:t>
             </a:r>
             <a:r>
-              <a:rPr lang="en-US" sz="3000" dirty="0"/>
+              <a:rPr lang="en-US" sz="2600" dirty="0"/>
               <a:t>, width - </a:t>
             </a:r>
             <a:r>
-              <a:rPr lang="en-US" sz="3000" dirty="0" err="1"/>
+              <a:rPr lang="en-US" sz="2600" dirty="0" err="1"/>
               <a:t>largura</a:t>
             </a:r>
-            <a:endParaRPr lang="en-US" sz="3000" dirty="0"/>
+            <a:endParaRPr lang="en-US" sz="2600" dirty="0"/>
           </a:p>
         </p:txBody>
       </p:sp>
       <p:pic>
         <p:nvPicPr>
-          <p:cNvPr id="6" name="Picture 5">
-            <a:extLst>
-              <a:ext uri="{FF2B5EF4-FFF2-40B4-BE49-F238E27FC236}">
-                <a16:creationId xmlns:a16="http://schemas.microsoft.com/office/drawing/2014/main" id="{37AD9CE7-D89D-40BE-ADAE-E125E6B12D33}"/>
-              </a:ext>
-            </a:extLst>
-          </p:cNvPr>
+          <p:cNvPr id="6" name="Picture 5"/>
           <p:cNvPicPr>
             <a:picLocks noChangeAspect="1"/>
           </p:cNvPicPr>
           <p:nvPr/>
         </p:nvPicPr>
         <p:blipFill>
-          <a:blip r:embed="rId2">
+          <a:blip r:embed="rId1">
             <a:extLst>
               <a:ext uri="{28A0092B-C50C-407E-A947-70E740481C1C}">
                 <a14:useLocalDpi xmlns:a14="http://schemas.microsoft.com/office/drawing/2010/main" val="0"/>
@@ -8040,7 +8940,7 @@
         </p:blipFill>
         <p:spPr>
           <a:xfrm>
-            <a:off x="3409110" y="2771333"/>
+            <a:off x="3409110" y="2458913"/>
             <a:ext cx="5373780" cy="2516835"/>
           </a:xfrm>
           <a:prstGeom prst="rect">
@@ -8049,11 +8949,6 @@
         </p:spPr>
       </p:pic>
     </p:spTree>
-    <p:extLst>
-      <p:ext uri="{BB962C8B-B14F-4D97-AF65-F5344CB8AC3E}">
-        <p14:creationId xmlns:p14="http://schemas.microsoft.com/office/powerpoint/2010/main" val="204432156"/>
-      </p:ext>
-    </p:extLst>
   </p:cSld>
   <p:clrMapOvr>
     <a:masterClrMapping/>
@@ -8104,7 +8999,7 @@
     </a:clrScheme>
     <a:fontScheme name="Office">
       <a:majorFont>
-        <a:latin typeface="Calibri Light" panose="020F0302020204030204"/>
+        <a:latin typeface="Calibri Light"/>
         <a:ea typeface=""/>
         <a:cs typeface=""/>
         <a:font script="Jpan" typeface="游ゴシック Light"/>
@@ -8137,26 +9032,9 @@
         <a:font script="Viet" typeface="Times New Roman"/>
         <a:font script="Uigh" typeface="Microsoft Uighur"/>
         <a:font script="Geor" typeface="Sylfaen"/>
-        <a:font script="Armn" typeface="Arial"/>
-        <a:font script="Bugi" typeface="Leelawadee UI"/>
-        <a:font script="Bopo" typeface="Microsoft JhengHei"/>
-        <a:font script="Java" typeface="Javanese Text"/>
-        <a:font script="Lisu" typeface="Segoe UI"/>
-        <a:font script="Mymr" typeface="Myanmar Text"/>
-        <a:font script="Nkoo" typeface="Ebrima"/>
-        <a:font script="Olck" typeface="Nirmala UI"/>
-        <a:font script="Osma" typeface="Ebrima"/>
-        <a:font script="Phag" typeface="Phagspa"/>
-        <a:font script="Syrn" typeface="Estrangelo Edessa"/>
-        <a:font script="Syrj" typeface="Estrangelo Edessa"/>
-        <a:font script="Syre" typeface="Estrangelo Edessa"/>
-        <a:font script="Sora" typeface="Nirmala UI"/>
-        <a:font script="Tale" typeface="Microsoft Tai Le"/>
-        <a:font script="Talu" typeface="Microsoft New Tai Lue"/>
-        <a:font script="Tfng" typeface="Ebrima"/>
       </a:majorFont>
       <a:minorFont>
-        <a:latin typeface="Calibri" panose="020F0502020204030204"/>
+        <a:latin typeface="Calibri"/>
         <a:ea typeface=""/>
         <a:cs typeface=""/>
         <a:font script="Jpan" typeface="游ゴシック"/>
@@ -8189,23 +9067,6 @@
         <a:font script="Viet" typeface="Arial"/>
         <a:font script="Uigh" typeface="Microsoft Uighur"/>
         <a:font script="Geor" typeface="Sylfaen"/>
-        <a:font script="Armn" typeface="Arial"/>
-        <a:font script="Bugi" typeface="Leelawadee UI"/>
-        <a:font script="Bopo" typeface="Microsoft JhengHei"/>
-        <a:font script="Java" typeface="Javanese Text"/>
-        <a:font script="Lisu" typeface="Segoe UI"/>
-        <a:font script="Mymr" typeface="Myanmar Text"/>
-        <a:font script="Nkoo" typeface="Ebrima"/>
-        <a:font script="Olck" typeface="Nirmala UI"/>
-        <a:font script="Osma" typeface="Ebrima"/>
-        <a:font script="Phag" typeface="Phagspa"/>
-        <a:font script="Syrn" typeface="Estrangelo Edessa"/>
-        <a:font script="Syrj" typeface="Estrangelo Edessa"/>
-        <a:font script="Syre" typeface="Estrangelo Edessa"/>
-        <a:font script="Sora" typeface="Nirmala UI"/>
-        <a:font script="Tale" typeface="Microsoft Tai Le"/>
-        <a:font script="Talu" typeface="Microsoft New Tai Lue"/>
-        <a:font script="Tfng" typeface="Ebrima"/>
       </a:minorFont>
     </a:fontScheme>
     <a:fmtScheme name="Office">
@@ -8346,8 +9207,265 @@
       </a:bgFillStyleLst>
     </a:fmtScheme>
   </a:themeElements>
-  <a:objectDefaults/>
-  <a:extraClrSchemeLst/>
+  <a:extLst>
+    <a:ext uri="{05A4C25C-085E-4340-85A3-A5531E510DB2}">
+      <thm15:themeFamily xmlns:thm15="http://schemas.microsoft.com/office/thememl/2012/main" name="Office Theme" id="{62F939B6-93AF-4DB8-9C6B-D6C7DFDC589F}" vid="{4A3C46E8-61CC-4603-A589-7422A47A8E4A}"/>
+    </a:ext>
+  </a:extLst>
+</a:theme>
+</file>
+
+<file path=ppt/theme/theme2.xml><?xml version="1.0" encoding="utf-8"?>
+<a:theme xmlns:a="http://schemas.openxmlformats.org/drawingml/2006/main" name="Office Theme">
+  <a:themeElements>
+    <a:clrScheme name="Office">
+      <a:dk1>
+        <a:sysClr val="windowText" lastClr="000000"/>
+      </a:dk1>
+      <a:lt1>
+        <a:sysClr val="window" lastClr="FFFFFF"/>
+      </a:lt1>
+      <a:dk2>
+        <a:srgbClr val="44546A"/>
+      </a:dk2>
+      <a:lt2>
+        <a:srgbClr val="E7E6E6"/>
+      </a:lt2>
+      <a:accent1>
+        <a:srgbClr val="5B9BD5"/>
+      </a:accent1>
+      <a:accent2>
+        <a:srgbClr val="ED7D31"/>
+      </a:accent2>
+      <a:accent3>
+        <a:srgbClr val="A5A5A5"/>
+      </a:accent3>
+      <a:accent4>
+        <a:srgbClr val="FFC000"/>
+      </a:accent4>
+      <a:accent5>
+        <a:srgbClr val="4472C4"/>
+      </a:accent5>
+      <a:accent6>
+        <a:srgbClr val="70AD47"/>
+      </a:accent6>
+      <a:hlink>
+        <a:srgbClr val="0563C1"/>
+      </a:hlink>
+      <a:folHlink>
+        <a:srgbClr val="954F72"/>
+      </a:folHlink>
+    </a:clrScheme>
+    <a:fontScheme name="Office">
+      <a:majorFont>
+        <a:latin typeface="Calibri Light"/>
+        <a:ea typeface=""/>
+        <a:cs typeface=""/>
+        <a:font script="Jpan" typeface="ＭＳ Ｐゴシック"/>
+        <a:font script="Hang" typeface="맑은 고딕"/>
+        <a:font script="Hans" typeface="宋体"/>
+        <a:font script="Hant" typeface="新細明體"/>
+        <a:font script="Arab" typeface="Times New Roman"/>
+        <a:font script="Hebr" typeface="Times New Roman"/>
+        <a:font script="Thai" typeface="Angsana New"/>
+        <a:font script="Ethi" typeface="Nyala"/>
+        <a:font script="Beng" typeface="Vrinda"/>
+        <a:font script="Gujr" typeface="Shruti"/>
+        <a:font script="Khmr" typeface="MoolBoran"/>
+        <a:font script="Knda" typeface="Tunga"/>
+        <a:font script="Guru" typeface="Raavi"/>
+        <a:font script="Cans" typeface="Euphemia"/>
+        <a:font script="Cher" typeface="Plantagenet Cherokee"/>
+        <a:font script="Yiii" typeface="Microsoft Yi Baiti"/>
+        <a:font script="Tibt" typeface="Microsoft Himalaya"/>
+        <a:font script="Thaa" typeface="MV Boli"/>
+        <a:font script="Deva" typeface="Mangal"/>
+        <a:font script="Telu" typeface="Gautami"/>
+        <a:font script="Taml" typeface="Latha"/>
+        <a:font script="Syrc" typeface="Estrangelo Edessa"/>
+        <a:font script="Orya" typeface="Kalinga"/>
+        <a:font script="Mlym" typeface="Kartika"/>
+        <a:font script="Laoo" typeface="DokChampa"/>
+        <a:font script="Sinh" typeface="Iskoola Pota"/>
+        <a:font script="Mong" typeface="Mongolian Baiti"/>
+        <a:font script="Viet" typeface="Times New Roman"/>
+        <a:font script="Uigh" typeface="Microsoft Uighur"/>
+        <a:font script="Geor" typeface="Sylfaen"/>
+      </a:majorFont>
+      <a:minorFont>
+        <a:latin typeface="Calibri"/>
+        <a:ea typeface=""/>
+        <a:cs typeface=""/>
+        <a:font script="Jpan" typeface="ＭＳ Ｐゴシック"/>
+        <a:font script="Hang" typeface="맑은 고딕"/>
+        <a:font script="Hans" typeface="宋体"/>
+        <a:font script="Hant" typeface="新細明體"/>
+        <a:font script="Arab" typeface="Arial"/>
+        <a:font script="Hebr" typeface="Arial"/>
+        <a:font script="Thai" typeface="Cordia New"/>
+        <a:font script="Ethi" typeface="Nyala"/>
+        <a:font script="Beng" typeface="Vrinda"/>
+        <a:font script="Gujr" typeface="Shruti"/>
+        <a:font script="Khmr" typeface="DaunPenh"/>
+        <a:font script="Knda" typeface="Tunga"/>
+        <a:font script="Guru" typeface="Raavi"/>
+        <a:font script="Cans" typeface="Euphemia"/>
+        <a:font script="Cher" typeface="Plantagenet Cherokee"/>
+        <a:font script="Yiii" typeface="Microsoft Yi Baiti"/>
+        <a:font script="Tibt" typeface="Microsoft Himalaya"/>
+        <a:font script="Thaa" typeface="MV Boli"/>
+        <a:font script="Deva" typeface="Mangal"/>
+        <a:font script="Telu" typeface="Gautami"/>
+        <a:font script="Taml" typeface="Latha"/>
+        <a:font script="Syrc" typeface="Estrangelo Edessa"/>
+        <a:font script="Orya" typeface="Kalinga"/>
+        <a:font script="Mlym" typeface="Kartika"/>
+        <a:font script="Laoo" typeface="DokChampa"/>
+        <a:font script="Sinh" typeface="Iskoola Pota"/>
+        <a:font script="Mong" typeface="Mongolian Baiti"/>
+        <a:font script="Viet" typeface="Arial"/>
+        <a:font script="Uigh" typeface="Microsoft Uighur"/>
+        <a:font script="Geor" typeface="Sylfaen"/>
+      </a:minorFont>
+    </a:fontScheme>
+    <a:fmtScheme name="Office">
+      <a:fillStyleLst>
+        <a:solidFill>
+          <a:schemeClr val="phClr"/>
+        </a:solidFill>
+        <a:gradFill rotWithShape="1">
+          <a:gsLst>
+            <a:gs pos="0">
+              <a:schemeClr val="phClr">
+                <a:lumMod val="110000"/>
+                <a:satMod val="105000"/>
+                <a:tint val="67000"/>
+              </a:schemeClr>
+            </a:gs>
+            <a:gs pos="50000">
+              <a:schemeClr val="phClr">
+                <a:lumMod val="105000"/>
+                <a:satMod val="103000"/>
+                <a:tint val="73000"/>
+              </a:schemeClr>
+            </a:gs>
+            <a:gs pos="100000">
+              <a:schemeClr val="phClr">
+                <a:lumMod val="105000"/>
+                <a:satMod val="109000"/>
+                <a:tint val="81000"/>
+              </a:schemeClr>
+            </a:gs>
+          </a:gsLst>
+          <a:lin ang="5400000" scaled="0"/>
+        </a:gradFill>
+        <a:gradFill rotWithShape="1">
+          <a:gsLst>
+            <a:gs pos="0">
+              <a:schemeClr val="phClr">
+                <a:satMod val="103000"/>
+                <a:lumMod val="102000"/>
+                <a:tint val="94000"/>
+              </a:schemeClr>
+            </a:gs>
+            <a:gs pos="50000">
+              <a:schemeClr val="phClr">
+                <a:satMod val="110000"/>
+                <a:lumMod val="100000"/>
+                <a:shade val="100000"/>
+              </a:schemeClr>
+            </a:gs>
+            <a:gs pos="100000">
+              <a:schemeClr val="phClr">
+                <a:lumMod val="99000"/>
+                <a:satMod val="120000"/>
+                <a:shade val="78000"/>
+              </a:schemeClr>
+            </a:gs>
+          </a:gsLst>
+          <a:lin ang="5400000" scaled="0"/>
+        </a:gradFill>
+      </a:fillStyleLst>
+      <a:lnStyleLst>
+        <a:ln w="6350" cap="flat" cmpd="sng" algn="ctr">
+          <a:solidFill>
+            <a:schemeClr val="phClr"/>
+          </a:solidFill>
+          <a:prstDash val="solid"/>
+          <a:miter lim="800000"/>
+        </a:ln>
+        <a:ln w="12700" cap="flat" cmpd="sng" algn="ctr">
+          <a:solidFill>
+            <a:schemeClr val="phClr"/>
+          </a:solidFill>
+          <a:prstDash val="solid"/>
+          <a:miter lim="800000"/>
+        </a:ln>
+        <a:ln w="19050" cap="flat" cmpd="sng" algn="ctr">
+          <a:solidFill>
+            <a:schemeClr val="phClr"/>
+          </a:solidFill>
+          <a:prstDash val="solid"/>
+          <a:miter lim="800000"/>
+        </a:ln>
+      </a:lnStyleLst>
+      <a:effectStyleLst>
+        <a:effectStyle>
+          <a:effectLst/>
+        </a:effectStyle>
+        <a:effectStyle>
+          <a:effectLst/>
+        </a:effectStyle>
+        <a:effectStyle>
+          <a:effectLst>
+            <a:outerShdw blurRad="57150" dist="19050" dir="5400000" algn="ctr" rotWithShape="0">
+              <a:srgbClr val="000000">
+                <a:alpha val="63000"/>
+              </a:srgbClr>
+            </a:outerShdw>
+          </a:effectLst>
+        </a:effectStyle>
+      </a:effectStyleLst>
+      <a:bgFillStyleLst>
+        <a:solidFill>
+          <a:schemeClr val="phClr"/>
+        </a:solidFill>
+        <a:solidFill>
+          <a:schemeClr val="phClr">
+            <a:tint val="95000"/>
+            <a:satMod val="170000"/>
+          </a:schemeClr>
+        </a:solidFill>
+        <a:gradFill rotWithShape="1">
+          <a:gsLst>
+            <a:gs pos="0">
+              <a:schemeClr val="phClr">
+                <a:tint val="93000"/>
+                <a:satMod val="150000"/>
+                <a:shade val="98000"/>
+                <a:lumMod val="102000"/>
+              </a:schemeClr>
+            </a:gs>
+            <a:gs pos="50000">
+              <a:schemeClr val="phClr">
+                <a:tint val="98000"/>
+                <a:satMod val="130000"/>
+                <a:shade val="90000"/>
+                <a:lumMod val="103000"/>
+              </a:schemeClr>
+            </a:gs>
+            <a:gs pos="100000">
+              <a:schemeClr val="phClr">
+                <a:shade val="63000"/>
+                <a:satMod val="120000"/>
+              </a:schemeClr>
+            </a:gs>
+          </a:gsLst>
+          <a:lin ang="5400000" scaled="0"/>
+        </a:gradFill>
+      </a:bgFillStyleLst>
+    </a:fmtScheme>
+  </a:themeElements>
   <a:extLst>
     <a:ext uri="{05A4C25C-085E-4340-85A3-A5531E510DB2}">
       <thm15:themeFamily xmlns:thm15="http://schemas.microsoft.com/office/thememl/2012/main" name="Office Theme" id="{62F939B6-93AF-4DB8-9C6B-D6C7DFDC589F}" vid="{4A3C46E8-61CC-4603-A589-7422A47A8E4A}"/>

--- a/Curso/Fundamentos de impressão 3D - Objetos.pptx
+++ b/Curso/Fundamentos de impressão 3D - Objetos.pptx
@@ -31,10 +31,11 @@
     <p:sldId id="298" r:id="rId24"/>
     <p:sldId id="299" r:id="rId25"/>
     <p:sldId id="300" r:id="rId26"/>
-    <p:sldId id="301" r:id="rId27"/>
-    <p:sldId id="303" r:id="rId28"/>
-    <p:sldId id="275" r:id="rId29"/>
-    <p:sldId id="266" r:id="rId30"/>
+    <p:sldId id="303" r:id="rId27"/>
+    <p:sldId id="301" r:id="rId28"/>
+    <p:sldId id="306" r:id="rId29"/>
+    <p:sldId id="275" r:id="rId30"/>
+    <p:sldId id="266" r:id="rId31"/>
   </p:sldIdLst>
   <p:sldSz cx="12192000" cy="6858000"/>
   <p:notesSz cx="6858000" cy="9144000"/>
@@ -533,6 +534,50 @@
 </file>
 
 <file path=ppt/notesSlides/notesSlide2.xml><?xml version="1.0" encoding="utf-8"?>
+<p:notes xmlns:a="http://schemas.openxmlformats.org/drawingml/2006/main" xmlns:r="http://schemas.openxmlformats.org/officeDocument/2006/relationships" xmlns:p="http://schemas.openxmlformats.org/presentationml/2006/main">
+  <p:cSld>
+    <p:spTree>
+      <p:nvGrpSpPr>
+        <p:cNvPr id="1" name=""/>
+        <p:cNvGrpSpPr/>
+        <p:nvPr/>
+      </p:nvGrpSpPr>
+      <p:grpSpPr/>
+      <p:sp>
+        <p:nvSpPr>
+          <p:cNvPr id="2" name="Slide Image Placeholder 1"/>
+          <p:cNvSpPr/>
+          <p:nvPr>
+            <p:ph type="sldImg" idx="2"/>
+          </p:nvPr>
+        </p:nvSpPr>
+        <p:spPr/>
+      </p:sp>
+      <p:sp>
+        <p:nvSpPr>
+          <p:cNvPr id="3" name="Text Placeholder 2"/>
+          <p:cNvSpPr/>
+          <p:nvPr>
+            <p:ph type="body" idx="3"/>
+          </p:nvPr>
+        </p:nvSpPr>
+        <p:spPr/>
+        <p:txBody>
+          <a:bodyPr/>
+          <a:p>
+            <a:endParaRPr lang="en-US"/>
+          </a:p>
+        </p:txBody>
+      </p:sp>
+    </p:spTree>
+  </p:cSld>
+  <p:clrMapOvr>
+    <a:masterClrMapping/>
+  </p:clrMapOvr>
+</p:notes>
+</file>
+
+<file path=ppt/notesSlides/notesSlide3.xml><?xml version="1.0" encoding="utf-8"?>
 <p:notes xmlns:a="http://schemas.openxmlformats.org/drawingml/2006/main" xmlns:r="http://schemas.openxmlformats.org/officeDocument/2006/relationships" xmlns:p="http://schemas.openxmlformats.org/presentationml/2006/main">
   <p:cSld>
     <p:spTree>
@@ -6380,14 +6425,7 @@
         <p:cNvGrpSpPr/>
         <p:nvPr/>
       </p:nvGrpSpPr>
-      <p:grpSpPr>
-        <a:xfrm>
-          <a:off x="0" y="0"/>
-          <a:ext cx="0" cy="0"/>
-          <a:chOff x="0" y="0"/>
-          <a:chExt cx="0" cy="0"/>
-        </a:xfrm>
-      </p:grpSpPr>
+      <p:grpSpPr/>
       <p:sp>
         <p:nvSpPr>
           <p:cNvPr id="2" name="Title 1"/>
@@ -6400,17 +6438,14 @@
         </p:nvSpPr>
         <p:spPr/>
         <p:txBody>
-          <a:bodyPr>
-            <a:noAutofit/>
-          </a:bodyPr>
-          <a:lstStyle/>
+          <a:bodyPr/>
           <a:p>
             <a:pPr algn="ctr"/>
             <a:r>
-              <a:rPr lang="en-US" sz="5200" dirty="0"/>
-              <a:t>COMO FORMAR UM TORUS?</a:t>
-            </a:r>
-            <a:endParaRPr lang="en-US" sz="5200" dirty="0"/>
+              <a:rPr lang="en-US"/>
+              <a:t>TORUS NO MATTER CONTROL</a:t>
+            </a:r>
+            <a:endParaRPr lang="en-US"/>
           </a:p>
         </p:txBody>
       </p:sp>
@@ -6426,194 +6461,39 @@
         </p:nvSpPr>
         <p:spPr>
           <a:xfrm>
-            <a:off x="838200" y="1240155"/>
-            <a:ext cx="10515600" cy="5409565"/>
-          </a:xfrm>
-        </p:spPr>
-        <p:txBody>
-          <a:bodyPr>
-            <a:normAutofit/>
-          </a:bodyPr>
-          <a:lstStyle/>
-          <a:p>
-            <a:pPr marL="0" indent="0">
-              <a:buNone/>
-            </a:pPr>
-            <a:r>
-              <a:rPr lang="en-US" sz="2600" dirty="0"/>
-              <a:t>	</a:t>
-            </a:r>
-            <a:endParaRPr lang="en-US" sz="2600" dirty="0"/>
-          </a:p>
-          <a:p>
-            <a:pPr marL="0" indent="0">
-              <a:buNone/>
-            </a:pPr>
-            <a:r>
-              <a:rPr lang="en-US" sz="2600" dirty="0"/>
-              <a:t>Um torus no </a:t>
-            </a:r>
-            <a:r>
-              <a:rPr lang="en-US" sz="2600" dirty="0" err="1"/>
-              <a:t>MatterControl</a:t>
-            </a:r>
-            <a:r>
-              <a:rPr lang="en-US" sz="2600" dirty="0"/>
-              <a:t> </a:t>
-            </a:r>
-            <a:r>
-              <a:rPr lang="en-US" sz="2600" dirty="0" err="1"/>
-              <a:t>pode</a:t>
-            </a:r>
-            <a:r>
-              <a:rPr lang="en-US" sz="2600" dirty="0"/>
-              <a:t> ser </a:t>
-            </a:r>
-            <a:r>
-              <a:rPr lang="en-US" sz="2600" dirty="0" err="1"/>
-              <a:t>formado</a:t>
-            </a:r>
-            <a:r>
-              <a:rPr lang="en-US" sz="2600" dirty="0"/>
-              <a:t> </a:t>
-            </a:r>
-            <a:r>
-              <a:rPr lang="en-US" sz="2600" dirty="0" err="1"/>
-              <a:t>seguindo</a:t>
-            </a:r>
-            <a:r>
-              <a:rPr lang="en-US" sz="2600" dirty="0"/>
-              <a:t> </a:t>
-            </a:r>
-            <a:r>
-              <a:rPr lang="en-US" sz="2600" dirty="0" err="1"/>
-              <a:t>os</a:t>
-            </a:r>
-            <a:r>
-              <a:rPr lang="en-US" sz="2600" dirty="0"/>
-              <a:t> </a:t>
-            </a:r>
-            <a:r>
-              <a:rPr lang="en-US" sz="2600" dirty="0" err="1"/>
-              <a:t>seguintes</a:t>
-            </a:r>
-            <a:r>
-              <a:rPr lang="en-US" sz="2600" dirty="0"/>
-              <a:t> </a:t>
-            </a:r>
-            <a:r>
-              <a:rPr lang="en-US" sz="2600" dirty="0" err="1"/>
-              <a:t>valores</a:t>
-            </a:r>
-            <a:r>
-              <a:rPr lang="en-US" sz="2600" dirty="0"/>
-              <a:t>:</a:t>
-            </a:r>
-            <a:endParaRPr lang="en-US" sz="2600" dirty="0"/>
-          </a:p>
-          <a:p>
-            <a:pPr marL="0" indent="0">
-              <a:buNone/>
-            </a:pPr>
-            <a:endParaRPr lang="en-US" sz="2600" dirty="0"/>
-          </a:p>
-          <a:p>
-            <a:pPr marL="0" indent="0">
-              <a:buNone/>
-            </a:pPr>
-            <a:endParaRPr lang="en-US" sz="2600" dirty="0"/>
-          </a:p>
-          <a:p>
-            <a:pPr marL="0" indent="0">
-              <a:buNone/>
-            </a:pPr>
-            <a:endParaRPr lang="en-US" sz="2600" dirty="0"/>
-          </a:p>
-          <a:p>
-            <a:pPr marL="0" indent="0">
-              <a:buNone/>
-            </a:pPr>
-            <a:endParaRPr lang="en-US" sz="2600" dirty="0"/>
-          </a:p>
-          <a:p>
-            <a:pPr marL="0" indent="0">
-              <a:buNone/>
-            </a:pPr>
-            <a:endParaRPr lang="en-US" sz="2600" dirty="0"/>
-          </a:p>
-          <a:p>
-            <a:pPr marL="0" indent="0">
-              <a:buNone/>
-            </a:pPr>
-            <a:endParaRPr lang="en-US" sz="2600" dirty="0"/>
-          </a:p>
-          <a:p>
-            <a:pPr marL="0" indent="0">
-              <a:buNone/>
-            </a:pPr>
-            <a:endParaRPr lang="en-US" sz="2600" dirty="0"/>
-          </a:p>
-          <a:p>
-            <a:pPr marL="0" indent="0">
-              <a:buNone/>
-            </a:pPr>
-            <a:r>
-              <a:rPr lang="en-US" sz="2600" dirty="0"/>
-              <a:t>outer diameter - diâmetro exterior, inner diameter - diâmetro interior</a:t>
-            </a:r>
-            <a:endParaRPr lang="en-US" sz="2600" dirty="0"/>
-          </a:p>
-          <a:p>
-            <a:pPr marL="0" indent="0">
-              <a:buNone/>
-            </a:pPr>
-            <a:r>
-              <a:rPr lang="en-US" sz="2600" dirty="0"/>
-              <a:t>sides - laterais</a:t>
-            </a:r>
-            <a:endParaRPr lang="en-US" sz="2600" dirty="0"/>
-          </a:p>
-          <a:p>
-            <a:pPr marL="0" indent="0">
-              <a:buNone/>
-            </a:pPr>
-            <a:endParaRPr lang="en-US" sz="3400" dirty="0"/>
-          </a:p>
-          <a:p>
-            <a:pPr marL="0" indent="0">
-              <a:buNone/>
-            </a:pPr>
-            <a:endParaRPr lang="en-US" sz="3400" dirty="0"/>
-          </a:p>
-          <a:p>
-            <a:pPr marL="0" indent="0">
-              <a:buNone/>
-            </a:pPr>
-            <a:endParaRPr lang="en-US" sz="3400" dirty="0"/>
-          </a:p>
-          <a:p>
-            <a:pPr marL="0" indent="0">
-              <a:buNone/>
-            </a:pPr>
-            <a:endParaRPr lang="en-US" sz="3400" dirty="0"/>
-          </a:p>
-          <a:p>
-            <a:pPr marL="0" indent="0">
-              <a:buNone/>
-            </a:pPr>
-            <a:endParaRPr lang="en-US" sz="3400" dirty="0"/>
-          </a:p>
-          <a:p>
-            <a:pPr marL="0" indent="0">
-              <a:buNone/>
-            </a:pPr>
-            <a:endParaRPr lang="en-US" sz="3400" dirty="0"/>
+            <a:off x="838200" y="1508125"/>
+            <a:ext cx="10515600" cy="4669155"/>
+          </a:xfrm>
+        </p:spPr>
+        <p:txBody>
+          <a:bodyPr/>
+          <a:p>
+            <a:pPr marL="0" indent="0">
+              <a:buNone/>
+            </a:pPr>
+            <a:r>
+              <a:rPr lang="en-US" sz="2600"/>
+              <a:t>Um projeto com torus.</a:t>
+            </a:r>
+            <a:endParaRPr lang="en-US" sz="2600"/>
+          </a:p>
+          <a:p>
+            <a:pPr marL="0" indent="0">
+              <a:buNone/>
+            </a:pPr>
+            <a:endParaRPr lang="en-US" sz="2600"/>
+          </a:p>
+          <a:p>
+            <a:pPr marL="0" indent="0">
+              <a:buNone/>
+            </a:pPr>
+            <a:endParaRPr lang="en-US" sz="2600"/>
           </a:p>
         </p:txBody>
       </p:sp>
       <p:pic>
         <p:nvPicPr>
-          <p:cNvPr id="5" name="Content Placeholder 4" descr="formar-torus"/>
+          <p:cNvPr id="5" name="Content Placeholder 4" descr="torus-projeto"/>
           <p:cNvPicPr>
             <a:picLocks noChangeAspect="1"/>
           </p:cNvPicPr>
@@ -6629,8 +6509,8 @@
         </p:blipFill>
         <p:spPr>
           <a:xfrm>
-            <a:off x="3640455" y="2670175"/>
-            <a:ext cx="4910455" cy="2548890"/>
+            <a:off x="3978275" y="2052955"/>
+            <a:ext cx="4234815" cy="4124325"/>
           </a:xfrm>
           <a:prstGeom prst="rect">
             <a:avLst/>
@@ -6654,7 +6534,14 @@
         <p:cNvGrpSpPr/>
         <p:nvPr/>
       </p:nvGrpSpPr>
-      <p:grpSpPr/>
+      <p:grpSpPr>
+        <a:xfrm>
+          <a:off x="0" y="0"/>
+          <a:ext cx="0" cy="0"/>
+          <a:chOff x="0" y="0"/>
+          <a:chExt cx="0" cy="0"/>
+        </a:xfrm>
+      </p:grpSpPr>
       <p:sp>
         <p:nvSpPr>
           <p:cNvPr id="2" name="Title 1"/>
@@ -6667,14 +6554,17 @@
         </p:nvSpPr>
         <p:spPr/>
         <p:txBody>
-          <a:bodyPr/>
+          <a:bodyPr>
+            <a:noAutofit/>
+          </a:bodyPr>
+          <a:lstStyle/>
           <a:p>
             <a:pPr algn="ctr"/>
             <a:r>
-              <a:rPr lang="en-US"/>
-              <a:t>TORUS NO MATTER CONTROL</a:t>
-            </a:r>
-            <a:endParaRPr lang="en-US"/>
+              <a:rPr lang="en-US" sz="5200" dirty="0"/>
+              <a:t>COMO FORMAR UM TORUS?</a:t>
+            </a:r>
+            <a:endParaRPr lang="en-US" sz="5200" dirty="0"/>
           </a:p>
         </p:txBody>
       </p:sp>
@@ -6690,39 +6580,194 @@
         </p:nvSpPr>
         <p:spPr>
           <a:xfrm>
-            <a:off x="838200" y="1508125"/>
-            <a:ext cx="10515600" cy="4669155"/>
-          </a:xfrm>
-        </p:spPr>
-        <p:txBody>
-          <a:bodyPr/>
-          <a:p>
-            <a:pPr marL="0" indent="0">
-              <a:buNone/>
-            </a:pPr>
-            <a:r>
-              <a:rPr lang="en-US" sz="2600"/>
-              <a:t>Um projeto com torus.</a:t>
-            </a:r>
-            <a:endParaRPr lang="en-US" sz="2600"/>
-          </a:p>
-          <a:p>
-            <a:pPr marL="0" indent="0">
-              <a:buNone/>
-            </a:pPr>
-            <a:endParaRPr lang="en-US" sz="2600"/>
-          </a:p>
-          <a:p>
-            <a:pPr marL="0" indent="0">
-              <a:buNone/>
-            </a:pPr>
-            <a:endParaRPr lang="en-US" sz="2600"/>
+            <a:off x="838200" y="1240155"/>
+            <a:ext cx="10515600" cy="5409565"/>
+          </a:xfrm>
+        </p:spPr>
+        <p:txBody>
+          <a:bodyPr>
+            <a:normAutofit/>
+          </a:bodyPr>
+          <a:lstStyle/>
+          <a:p>
+            <a:pPr marL="0" indent="0">
+              <a:buNone/>
+            </a:pPr>
+            <a:r>
+              <a:rPr lang="en-US" sz="2600" dirty="0"/>
+              <a:t>	</a:t>
+            </a:r>
+            <a:endParaRPr lang="en-US" sz="2600" dirty="0"/>
+          </a:p>
+          <a:p>
+            <a:pPr marL="0" indent="0">
+              <a:buNone/>
+            </a:pPr>
+            <a:r>
+              <a:rPr lang="en-US" sz="2600" dirty="0"/>
+              <a:t>Um torus no </a:t>
+            </a:r>
+            <a:r>
+              <a:rPr lang="en-US" sz="2600" dirty="0" err="1"/>
+              <a:t>MatterControl</a:t>
+            </a:r>
+            <a:r>
+              <a:rPr lang="en-US" sz="2600" dirty="0"/>
+              <a:t> </a:t>
+            </a:r>
+            <a:r>
+              <a:rPr lang="en-US" sz="2600" dirty="0" err="1"/>
+              <a:t>pode</a:t>
+            </a:r>
+            <a:r>
+              <a:rPr lang="en-US" sz="2600" dirty="0"/>
+              <a:t> ser </a:t>
+            </a:r>
+            <a:r>
+              <a:rPr lang="en-US" sz="2600" dirty="0" err="1"/>
+              <a:t>formado</a:t>
+            </a:r>
+            <a:r>
+              <a:rPr lang="en-US" sz="2600" dirty="0"/>
+              <a:t> </a:t>
+            </a:r>
+            <a:r>
+              <a:rPr lang="en-US" sz="2600" dirty="0" err="1"/>
+              <a:t>seguindo</a:t>
+            </a:r>
+            <a:r>
+              <a:rPr lang="en-US" sz="2600" dirty="0"/>
+              <a:t> </a:t>
+            </a:r>
+            <a:r>
+              <a:rPr lang="en-US" sz="2600" dirty="0" err="1"/>
+              <a:t>os</a:t>
+            </a:r>
+            <a:r>
+              <a:rPr lang="en-US" sz="2600" dirty="0"/>
+              <a:t> </a:t>
+            </a:r>
+            <a:r>
+              <a:rPr lang="en-US" sz="2600" dirty="0" err="1"/>
+              <a:t>seguintes</a:t>
+            </a:r>
+            <a:r>
+              <a:rPr lang="en-US" sz="2600" dirty="0"/>
+              <a:t> </a:t>
+            </a:r>
+            <a:r>
+              <a:rPr lang="en-US" sz="2600" dirty="0" err="1"/>
+              <a:t>valores</a:t>
+            </a:r>
+            <a:r>
+              <a:rPr lang="en-US" sz="2600" dirty="0"/>
+              <a:t>:</a:t>
+            </a:r>
+            <a:endParaRPr lang="en-US" sz="2600" dirty="0"/>
+          </a:p>
+          <a:p>
+            <a:pPr marL="0" indent="0">
+              <a:buNone/>
+            </a:pPr>
+            <a:endParaRPr lang="en-US" sz="2600" dirty="0"/>
+          </a:p>
+          <a:p>
+            <a:pPr marL="0" indent="0">
+              <a:buNone/>
+            </a:pPr>
+            <a:endParaRPr lang="en-US" sz="2600" dirty="0"/>
+          </a:p>
+          <a:p>
+            <a:pPr marL="0" indent="0">
+              <a:buNone/>
+            </a:pPr>
+            <a:endParaRPr lang="en-US" sz="2600" dirty="0"/>
+          </a:p>
+          <a:p>
+            <a:pPr marL="0" indent="0">
+              <a:buNone/>
+            </a:pPr>
+            <a:endParaRPr lang="en-US" sz="2600" dirty="0"/>
+          </a:p>
+          <a:p>
+            <a:pPr marL="0" indent="0">
+              <a:buNone/>
+            </a:pPr>
+            <a:endParaRPr lang="en-US" sz="2600" dirty="0"/>
+          </a:p>
+          <a:p>
+            <a:pPr marL="0" indent="0">
+              <a:buNone/>
+            </a:pPr>
+            <a:endParaRPr lang="en-US" sz="2600" dirty="0"/>
+          </a:p>
+          <a:p>
+            <a:pPr marL="0" indent="0">
+              <a:buNone/>
+            </a:pPr>
+            <a:endParaRPr lang="en-US" sz="2600" dirty="0"/>
+          </a:p>
+          <a:p>
+            <a:pPr marL="0" indent="0">
+              <a:buNone/>
+            </a:pPr>
+            <a:r>
+              <a:rPr lang="en-US" sz="2600" dirty="0"/>
+              <a:t>outer diameter - diâmetro exterior, inner diameter - diâmetro interior</a:t>
+            </a:r>
+            <a:endParaRPr lang="en-US" sz="2600" dirty="0"/>
+          </a:p>
+          <a:p>
+            <a:pPr marL="0" indent="0">
+              <a:buNone/>
+            </a:pPr>
+            <a:r>
+              <a:rPr lang="en-US" sz="2600" dirty="0"/>
+              <a:t>sides - laterais</a:t>
+            </a:r>
+            <a:endParaRPr lang="en-US" sz="2600" dirty="0"/>
+          </a:p>
+          <a:p>
+            <a:pPr marL="0" indent="0">
+              <a:buNone/>
+            </a:pPr>
+            <a:endParaRPr lang="en-US" sz="3400" dirty="0"/>
+          </a:p>
+          <a:p>
+            <a:pPr marL="0" indent="0">
+              <a:buNone/>
+            </a:pPr>
+            <a:endParaRPr lang="en-US" sz="3400" dirty="0"/>
+          </a:p>
+          <a:p>
+            <a:pPr marL="0" indent="0">
+              <a:buNone/>
+            </a:pPr>
+            <a:endParaRPr lang="en-US" sz="3400" dirty="0"/>
+          </a:p>
+          <a:p>
+            <a:pPr marL="0" indent="0">
+              <a:buNone/>
+            </a:pPr>
+            <a:endParaRPr lang="en-US" sz="3400" dirty="0"/>
+          </a:p>
+          <a:p>
+            <a:pPr marL="0" indent="0">
+              <a:buNone/>
+            </a:pPr>
+            <a:endParaRPr lang="en-US" sz="3400" dirty="0"/>
+          </a:p>
+          <a:p>
+            <a:pPr marL="0" indent="0">
+              <a:buNone/>
+            </a:pPr>
+            <a:endParaRPr lang="en-US" sz="3400" dirty="0"/>
           </a:p>
         </p:txBody>
       </p:sp>
       <p:pic>
         <p:nvPicPr>
-          <p:cNvPr id="5" name="Content Placeholder 4" descr="torus-projeto"/>
+          <p:cNvPr id="5" name="Content Placeholder 4" descr="formar-torus"/>
           <p:cNvPicPr>
             <a:picLocks noChangeAspect="1"/>
           </p:cNvPicPr>
@@ -6738,8 +6783,8 @@
         </p:blipFill>
         <p:spPr>
           <a:xfrm>
-            <a:off x="3978275" y="2052955"/>
-            <a:ext cx="4234815" cy="4124325"/>
+            <a:off x="3640455" y="2670175"/>
+            <a:ext cx="4910455" cy="2548890"/>
           </a:xfrm>
           <a:prstGeom prst="rect">
             <a:avLst/>
@@ -6781,6 +6826,202 @@
             <p:ph type="title"/>
           </p:nvPr>
         </p:nvSpPr>
+        <p:spPr/>
+        <p:txBody>
+          <a:bodyPr>
+            <a:normAutofit/>
+          </a:bodyPr>
+          <a:lstStyle/>
+          <a:p>
+            <a:pPr algn="ctr"/>
+            <a:r>
+              <a:rPr lang="en-US" sz="5200" dirty="0"/>
+              <a:t>PROTÓTIPOS NO MATTER CONTROL</a:t>
+            </a:r>
+            <a:endParaRPr lang="en-US" sz="5200" dirty="0"/>
+          </a:p>
+        </p:txBody>
+      </p:sp>
+      <p:sp>
+        <p:nvSpPr>
+          <p:cNvPr id="3" name="Content Placeholder 2"/>
+          <p:cNvSpPr>
+            <a:spLocks noGrp="1"/>
+          </p:cNvSpPr>
+          <p:nvPr>
+            <p:ph sz="half" idx="1"/>
+          </p:nvPr>
+        </p:nvSpPr>
+        <p:spPr>
+          <a:xfrm>
+            <a:off x="838200" y="1825625"/>
+            <a:ext cx="10515600" cy="4351655"/>
+          </a:xfrm>
+        </p:spPr>
+        <p:txBody>
+          <a:bodyPr/>
+          <a:lstStyle/>
+          <a:p>
+            <a:pPr marL="0" indent="0" algn="just">
+              <a:buNone/>
+            </a:pPr>
+            <a:endParaRPr lang="pt-BR" dirty="0"/>
+          </a:p>
+          <a:p>
+            <a:pPr marL="0" indent="0" algn="just">
+              <a:buNone/>
+            </a:pPr>
+            <a:endParaRPr lang="pt-BR" dirty="0"/>
+          </a:p>
+          <a:p>
+            <a:pPr marL="0" indent="0" algn="just">
+              <a:buNone/>
+            </a:pPr>
+            <a:endParaRPr lang="pt-BR" dirty="0"/>
+          </a:p>
+          <a:p>
+            <a:pPr marL="0" indent="0" algn="just">
+              <a:buNone/>
+            </a:pPr>
+            <a:endParaRPr lang="en-US" dirty="0"/>
+          </a:p>
+        </p:txBody>
+      </p:sp>
+      <p:sp>
+        <p:nvSpPr>
+          <p:cNvPr id="4" name="Content Placeholder 3"/>
+          <p:cNvSpPr/>
+          <p:nvPr>
+            <p:ph sz="half" idx="2"/>
+          </p:nvPr>
+        </p:nvSpPr>
+        <p:spPr>
+          <a:xfrm>
+            <a:off x="837565" y="1825625"/>
+            <a:ext cx="10516235" cy="4351655"/>
+          </a:xfrm>
+        </p:spPr>
+        <p:txBody>
+          <a:bodyPr/>
+          <a:p>
+            <a:pPr marL="0" indent="0">
+              <a:buNone/>
+            </a:pPr>
+            <a:r>
+              <a:rPr lang="en-US"/>
+              <a:t>	Agora irei comentar sobre um case de Arduino Uno disponível no site My Mini Factory.</a:t>
+            </a:r>
+            <a:endParaRPr lang="en-US"/>
+          </a:p>
+          <a:p>
+            <a:pPr marL="0" indent="0">
+              <a:buNone/>
+            </a:pPr>
+            <a:endParaRPr lang="en-US"/>
+          </a:p>
+          <a:p>
+            <a:pPr marL="0" indent="0">
+              <a:buNone/>
+            </a:pPr>
+            <a:endParaRPr lang="en-US"/>
+          </a:p>
+          <a:p>
+            <a:pPr marL="0" indent="0">
+              <a:buNone/>
+            </a:pPr>
+            <a:endParaRPr lang="en-US"/>
+          </a:p>
+          <a:p>
+            <a:pPr marL="0" indent="0">
+              <a:buNone/>
+            </a:pPr>
+            <a:endParaRPr lang="en-US"/>
+          </a:p>
+        </p:txBody>
+      </p:sp>
+      <p:pic>
+        <p:nvPicPr>
+          <p:cNvPr id="7" name="Picture 6" descr="1"/>
+          <p:cNvPicPr>
+            <a:picLocks noChangeAspect="1"/>
+          </p:cNvPicPr>
+          <p:nvPr/>
+        </p:nvPicPr>
+        <p:blipFill>
+          <a:blip r:embed="rId1"/>
+          <a:stretch>
+            <a:fillRect/>
+          </a:stretch>
+        </p:blipFill>
+        <p:spPr>
+          <a:xfrm>
+            <a:off x="1290955" y="2869565"/>
+            <a:ext cx="4108450" cy="3731260"/>
+          </a:xfrm>
+          <a:prstGeom prst="rect">
+            <a:avLst/>
+          </a:prstGeom>
+        </p:spPr>
+      </p:pic>
+      <p:pic>
+        <p:nvPicPr>
+          <p:cNvPr id="8" name="Picture 7" descr="2"/>
+          <p:cNvPicPr>
+            <a:picLocks noChangeAspect="1"/>
+          </p:cNvPicPr>
+          <p:nvPr/>
+        </p:nvPicPr>
+        <p:blipFill>
+          <a:blip r:embed="rId2"/>
+          <a:stretch>
+            <a:fillRect/>
+          </a:stretch>
+        </p:blipFill>
+        <p:spPr>
+          <a:xfrm>
+            <a:off x="6927215" y="2869565"/>
+            <a:ext cx="4426585" cy="3731260"/>
+          </a:xfrm>
+          <a:prstGeom prst="rect">
+            <a:avLst/>
+          </a:prstGeom>
+        </p:spPr>
+      </p:pic>
+    </p:spTree>
+  </p:cSld>
+  <p:clrMapOvr>
+    <a:masterClrMapping/>
+  </p:clrMapOvr>
+</p:sld>
+</file>
+
+<file path=ppt/slides/slide27.xml><?xml version="1.0" encoding="utf-8"?>
+<p:sld xmlns:a="http://schemas.openxmlformats.org/drawingml/2006/main" xmlns:r="http://schemas.openxmlformats.org/officeDocument/2006/relationships" xmlns:p="http://schemas.openxmlformats.org/presentationml/2006/main">
+  <p:cSld>
+    <p:spTree>
+      <p:nvGrpSpPr>
+        <p:cNvPr id="1" name=""/>
+        <p:cNvGrpSpPr/>
+        <p:nvPr/>
+      </p:nvGrpSpPr>
+      <p:grpSpPr>
+        <a:xfrm>
+          <a:off x="0" y="0"/>
+          <a:ext cx="0" cy="0"/>
+          <a:chOff x="0" y="0"/>
+          <a:chExt cx="0" cy="0"/>
+        </a:xfrm>
+      </p:grpSpPr>
+      <p:sp>
+        <p:nvSpPr>
+          <p:cNvPr id="2" name="Title 1"/>
+          <p:cNvSpPr>
+            <a:spLocks noGrp="1"/>
+          </p:cNvSpPr>
+          <p:nvPr>
+            <p:ph type="title"/>
+          </p:nvPr>
+        </p:nvSpPr>
         <p:spPr>
           <a:xfrm>
             <a:off x="838200" y="463826"/>
@@ -6997,7 +7238,7 @@
 </p:sld>
 </file>
 
-<file path=ppt/slides/slide27.xml><?xml version="1.0" encoding="utf-8"?>
+<file path=ppt/slides/slide28.xml><?xml version="1.0" encoding="utf-8"?>
 <p:sld xmlns:a="http://schemas.openxmlformats.org/drawingml/2006/main" xmlns:r="http://schemas.openxmlformats.org/officeDocument/2006/relationships" xmlns:p="http://schemas.openxmlformats.org/presentationml/2006/main">
   <p:cSld>
     <p:spTree>
